--- a/docs/presentation/presentation-slides.pptx
+++ b/docs/presentation/presentation-slides.pptx
@@ -4498,8 +4498,8 @@
         </p:nvSpPr>
         <p:spPr>
           <a:xfrm>
-            <a:off x="1219200" y="1576387"/>
-            <a:ext cx="10510838" cy="1309687"/>
+            <a:off x="1219200" y="1363445"/>
+            <a:ext cx="10510838" cy="1569544"/>
           </a:xfrm>
           <a:prstGeom prst="rect">
             <a:avLst/>
@@ -4560,12 +4560,29 @@
             </a:r>
             <a:r>
               <a:rPr lang="en-US" sz="2000" dirty="0"/>
-              <a:t>, ethnicity, gender, sexual orientation, nationality, religion, or other characteristic.“ TODO: Quelle</a:t>
-            </a:r>
-          </a:p>
-          <a:p>
-            <a:pPr algn="ctr"/>
-            <a:endParaRPr lang="de-DE" sz="2000" dirty="0"/>
+              <a:t>, ethnicity, gender, sexual orientation, nationality, religion, or other characteristic.“ </a:t>
+            </a:r>
+            <a:endParaRPr lang="en-US" dirty="0"/>
+          </a:p>
+          <a:p>
+            <a:pPr algn="r">
+              <a:lnSpc>
+                <a:spcPct val="200000"/>
+              </a:lnSpc>
+            </a:pPr>
+            <a:r>
+              <a:rPr lang="en-US" sz="1400" i="1" dirty="0"/>
+              <a:t>- Ona de </a:t>
+            </a:r>
+            <a:r>
+              <a:rPr lang="en-US" sz="1400" i="1" dirty="0" err="1"/>
+              <a:t>Gibert</a:t>
+            </a:r>
+            <a:r>
+              <a:rPr lang="en-US" sz="1400" i="1" dirty="0"/>
+              <a:t> (“Hate Speech Dataset from a White Supremacy Forum)</a:t>
+            </a:r>
+            <a:endParaRPr lang="de-DE" sz="1400" i="1" dirty="0"/>
           </a:p>
         </p:txBody>
       </p:sp>

--- a/docs/presentation/presentation-slides.pptx
+++ b/docs/presentation/presentation-slides.pptx
@@ -5,15 +5,22 @@
     <p:sldMasterId id="2147483735" r:id="rId1"/>
   </p:sldMasterIdLst>
   <p:notesMasterIdLst>
-    <p:notesMasterId r:id="rId8"/>
+    <p:notesMasterId r:id="rId15"/>
   </p:notesMasterIdLst>
   <p:sldIdLst>
     <p:sldId id="256" r:id="rId2"/>
-    <p:sldId id="257" r:id="rId3"/>
-    <p:sldId id="258" r:id="rId4"/>
-    <p:sldId id="259" r:id="rId5"/>
-    <p:sldId id="262" r:id="rId6"/>
-    <p:sldId id="260" r:id="rId7"/>
+    <p:sldId id="263" r:id="rId3"/>
+    <p:sldId id="265" r:id="rId4"/>
+    <p:sldId id="266" r:id="rId5"/>
+    <p:sldId id="264" r:id="rId6"/>
+    <p:sldId id="258" r:id="rId7"/>
+    <p:sldId id="259" r:id="rId8"/>
+    <p:sldId id="269" r:id="rId9"/>
+    <p:sldId id="262" r:id="rId10"/>
+    <p:sldId id="270" r:id="rId11"/>
+    <p:sldId id="268" r:id="rId12"/>
+    <p:sldId id="260" r:id="rId13"/>
+    <p:sldId id="267" r:id="rId14"/>
   </p:sldIdLst>
   <p:sldSz cx="12192000" cy="6858000"/>
   <p:notesSz cx="6858000" cy="9144000"/>
@@ -202,7 +209,7 @@
           <a:p>
             <a:fld id="{D5B81DCA-8EFA-9040-A992-3CA62376E45B}" type="datetimeFigureOut">
               <a:rPr lang="de-DE" smtClean="0"/>
-              <a:t>17.02.21</a:t>
+              <a:t>18.02.21</a:t>
             </a:fld>
             <a:endParaRPr lang="de-DE"/>
           </a:p>
@@ -469,6 +476,93 @@
 </p:notesMaster>
 </file>
 
+<file path=ppt/notesSlides/notesSlide1.xml><?xml version="1.0" encoding="utf-8"?>
+<p:notes xmlns:a="http://schemas.openxmlformats.org/drawingml/2006/main" xmlns:r="http://schemas.openxmlformats.org/officeDocument/2006/relationships" xmlns:p="http://schemas.openxmlformats.org/presentationml/2006/main">
+  <p:cSld>
+    <p:spTree>
+      <p:nvGrpSpPr>
+        <p:cNvPr id="1" name=""/>
+        <p:cNvGrpSpPr/>
+        <p:nvPr/>
+      </p:nvGrpSpPr>
+      <p:grpSpPr>
+        <a:xfrm>
+          <a:off x="0" y="0"/>
+          <a:ext cx="0" cy="0"/>
+          <a:chOff x="0" y="0"/>
+          <a:chExt cx="0" cy="0"/>
+        </a:xfrm>
+      </p:grpSpPr>
+      <p:sp>
+        <p:nvSpPr>
+          <p:cNvPr id="2" name="Folienbildplatzhalter 1"/>
+          <p:cNvSpPr>
+            <a:spLocks noGrp="1" noRot="1" noChangeAspect="1"/>
+          </p:cNvSpPr>
+          <p:nvPr>
+            <p:ph type="sldImg"/>
+          </p:nvPr>
+        </p:nvSpPr>
+        <p:spPr/>
+      </p:sp>
+      <p:sp>
+        <p:nvSpPr>
+          <p:cNvPr id="3" name="Notizenplatzhalter 2"/>
+          <p:cNvSpPr>
+            <a:spLocks noGrp="1"/>
+          </p:cNvSpPr>
+          <p:nvPr>
+            <p:ph type="body" idx="1"/>
+          </p:nvPr>
+        </p:nvSpPr>
+        <p:spPr/>
+        <p:txBody>
+          <a:bodyPr/>
+          <a:lstStyle/>
+          <a:p>
+            <a:r>
+              <a:rPr lang="de-DE" dirty="0"/>
+              <a:t>Nur vier Zitate</a:t>
+            </a:r>
+          </a:p>
+        </p:txBody>
+      </p:sp>
+      <p:sp>
+        <p:nvSpPr>
+          <p:cNvPr id="4" name="Foliennummernplatzhalter 3"/>
+          <p:cNvSpPr>
+            <a:spLocks noGrp="1"/>
+          </p:cNvSpPr>
+          <p:nvPr>
+            <p:ph type="sldNum" sz="quarter" idx="5"/>
+          </p:nvPr>
+        </p:nvSpPr>
+        <p:spPr/>
+        <p:txBody>
+          <a:bodyPr/>
+          <a:lstStyle/>
+          <a:p>
+            <a:fld id="{8B7D652E-761C-174B-A3C6-02EDDB5AE9DD}" type="slidenum">
+              <a:rPr lang="de-DE" smtClean="0"/>
+              <a:t>2</a:t>
+            </a:fld>
+            <a:endParaRPr lang="de-DE"/>
+          </a:p>
+        </p:txBody>
+      </p:sp>
+    </p:spTree>
+    <p:extLst>
+      <p:ext uri="{BB962C8B-B14F-4D97-AF65-F5344CB8AC3E}">
+        <p14:creationId xmlns:p14="http://schemas.microsoft.com/office/powerpoint/2010/main" val="2286541863"/>
+      </p:ext>
+    </p:extLst>
+  </p:cSld>
+  <p:clrMapOvr>
+    <a:masterClrMapping/>
+  </p:clrMapOvr>
+</p:notes>
+</file>
+
 <file path=ppt/slideLayouts/slideLayout1.xml><?xml version="1.0" encoding="utf-8"?>
 <p:sldLayout xmlns:a="http://schemas.openxmlformats.org/drawingml/2006/main" xmlns:r="http://schemas.openxmlformats.org/officeDocument/2006/relationships" xmlns:p="http://schemas.openxmlformats.org/presentationml/2006/main" showMasterSp="0" type="title" preserve="1">
   <p:cSld name="Titelfolie">
@@ -638,7 +732,7 @@
           <a:p>
             <a:fld id="{D488AB66-6178-4B4B-B4A1-A9BBA3A73FBE}" type="datetime1">
               <a:rPr lang="de-DE" smtClean="0"/>
-              <a:t>17.02.21</a:t>
+              <a:t>18.02.21</a:t>
             </a:fld>
             <a:endParaRPr lang="en-US" dirty="0"/>
           </a:p>
@@ -659,6 +753,9 @@
             <a:off x="2584054" y="6453386"/>
             <a:ext cx="7023377" cy="404614"/>
           </a:xfrm>
+          <a:prstGeom prst="rect">
+            <a:avLst/>
+          </a:prstGeom>
         </p:spPr>
         <p:txBody>
           <a:bodyPr/>
@@ -713,135 +810,222 @@
           </a:p>
         </p:txBody>
       </p:sp>
-      <p:grpSp>
-        <p:nvGrpSpPr>
-          <p:cNvPr id="7" name="Group 6"/>
-          <p:cNvGrpSpPr/>
-          <p:nvPr/>
-        </p:nvGrpSpPr>
-        <p:grpSpPr>
+      <p:sp>
+        <p:nvSpPr>
+          <p:cNvPr id="20" name="Rectangle 6">
+            <a:extLst>
+              <a:ext uri="{FF2B5EF4-FFF2-40B4-BE49-F238E27FC236}">
+                <a16:creationId xmlns:a16="http://schemas.microsoft.com/office/drawing/2014/main" id="{16822045-4F3B-7B4C-880F-18B886C9959C}"/>
+              </a:ext>
+            </a:extLst>
+          </p:cNvPr>
+          <p:cNvSpPr/>
+          <p:nvPr userDrawn="1"/>
+        </p:nvSpPr>
+        <p:spPr>
           <a:xfrm>
-            <a:off x="752858" y="744469"/>
-            <a:ext cx="10674117" cy="5349671"/>
-            <a:chOff x="752858" y="744469"/>
-            <a:chExt cx="10674117" cy="5349671"/>
+            <a:off x="2" y="0"/>
+            <a:ext cx="10678264" cy="230188"/>
           </a:xfrm>
-        </p:grpSpPr>
-        <p:sp>
-          <p:nvSpPr>
-            <p:cNvPr id="11" name="Freeform 6"/>
-            <p:cNvSpPr/>
-            <p:nvPr/>
-          </p:nvSpPr>
-          <p:spPr bwMode="auto">
-            <a:xfrm>
-              <a:off x="8151962" y="1685652"/>
-              <a:ext cx="3275013" cy="4408488"/>
-            </a:xfrm>
-            <a:custGeom>
-              <a:avLst/>
-              <a:gdLst/>
-              <a:ahLst/>
-              <a:cxnLst/>
-              <a:rect l="l" t="t" r="r" b="b"/>
-              <a:pathLst>
-                <a:path w="10000" h="10000">
-                  <a:moveTo>
-                    <a:pt x="8761" y="0"/>
-                  </a:moveTo>
-                  <a:lnTo>
-                    <a:pt x="10000" y="0"/>
-                  </a:lnTo>
-                  <a:lnTo>
-                    <a:pt x="10000" y="10000"/>
-                  </a:lnTo>
-                  <a:lnTo>
-                    <a:pt x="0" y="10000"/>
-                  </a:lnTo>
-                  <a:lnTo>
-                    <a:pt x="0" y="9126"/>
-                  </a:lnTo>
-                  <a:lnTo>
-                    <a:pt x="8761" y="9127"/>
-                  </a:lnTo>
-                  <a:lnTo>
-                    <a:pt x="8761" y="0"/>
-                  </a:lnTo>
-                  <a:close/>
-                </a:path>
-              </a:pathLst>
-            </a:custGeom>
+          <a:prstGeom prst="rect">
+            <a:avLst/>
+          </a:prstGeom>
+          <a:solidFill>
+            <a:srgbClr val="3F5161"/>
+          </a:solidFill>
+          <a:ln>
             <a:solidFill>
-              <a:schemeClr val="tx2"/>
+              <a:srgbClr val="3F5161"/>
             </a:solidFill>
-            <a:ln w="0">
-              <a:noFill/>
-              <a:prstDash val="solid"/>
-              <a:round/>
-              <a:headEnd/>
-              <a:tailEnd/>
-            </a:ln>
-          </p:spPr>
-        </p:sp>
-        <p:sp>
-          <p:nvSpPr>
-            <p:cNvPr id="14" name="Freeform 6"/>
-            <p:cNvSpPr/>
-            <p:nvPr/>
-          </p:nvSpPr>
-          <p:spPr bwMode="auto">
-            <a:xfrm flipH="1" flipV="1">
-              <a:off x="752858" y="744469"/>
-              <a:ext cx="3275668" cy="4408488"/>
-            </a:xfrm>
-            <a:custGeom>
-              <a:avLst/>
-              <a:gdLst/>
-              <a:ahLst/>
-              <a:cxnLst/>
-              <a:rect l="l" t="t" r="r" b="b"/>
-              <a:pathLst>
-                <a:path w="10002" h="10000">
-                  <a:moveTo>
-                    <a:pt x="8763" y="0"/>
-                  </a:moveTo>
-                  <a:lnTo>
-                    <a:pt x="10002" y="0"/>
-                  </a:lnTo>
-                  <a:lnTo>
-                    <a:pt x="10002" y="10000"/>
-                  </a:lnTo>
-                  <a:lnTo>
-                    <a:pt x="2" y="10000"/>
-                  </a:lnTo>
-                  <a:cubicBezTo>
-                    <a:pt x="-2" y="9698"/>
-                    <a:pt x="4" y="9427"/>
-                    <a:pt x="0" y="9125"/>
-                  </a:cubicBezTo>
-                  <a:lnTo>
-                    <a:pt x="8763" y="9128"/>
-                  </a:lnTo>
-                  <a:lnTo>
-                    <a:pt x="8763" y="0"/>
-                  </a:lnTo>
-                  <a:close/>
-                </a:path>
-              </a:pathLst>
-            </a:custGeom>
+          </a:ln>
+        </p:spPr>
+        <p:style>
+          <a:lnRef idx="2">
+            <a:schemeClr val="accent1">
+              <a:shade val="50000"/>
+            </a:schemeClr>
+          </a:lnRef>
+          <a:fillRef idx="1">
+            <a:schemeClr val="accent1"/>
+          </a:fillRef>
+          <a:effectRef idx="0">
+            <a:schemeClr val="accent1"/>
+          </a:effectRef>
+          <a:fontRef idx="minor">
+            <a:schemeClr val="lt1"/>
+          </a:fontRef>
+        </p:style>
+        <p:txBody>
+          <a:bodyPr rtlCol="0" anchor="ctr"/>
+          <a:lstStyle/>
+          <a:p>
+            <a:pPr algn="ctr"/>
+            <a:endParaRPr lang="en-US"/>
+          </a:p>
+        </p:txBody>
+      </p:sp>
+      <p:sp>
+        <p:nvSpPr>
+          <p:cNvPr id="21" name="Rectangle 7">
+            <a:extLst>
+              <a:ext uri="{FF2B5EF4-FFF2-40B4-BE49-F238E27FC236}">
+                <a16:creationId xmlns:a16="http://schemas.microsoft.com/office/drawing/2014/main" id="{CEC7C8BD-B4B8-6A40-8B62-C10EBBBF466F}"/>
+              </a:ext>
+            </a:extLst>
+          </p:cNvPr>
+          <p:cNvSpPr/>
+          <p:nvPr userDrawn="1"/>
+        </p:nvSpPr>
+        <p:spPr>
+          <a:xfrm>
+            <a:off x="10678266" y="0"/>
+            <a:ext cx="504566" cy="230188"/>
+          </a:xfrm>
+          <a:prstGeom prst="rect">
+            <a:avLst/>
+          </a:prstGeom>
+          <a:solidFill>
+            <a:srgbClr val="427CAC"/>
+          </a:solidFill>
+          <a:ln>
             <a:solidFill>
-              <a:schemeClr val="tx2"/>
+              <a:srgbClr val="427CAC"/>
             </a:solidFill>
-            <a:ln w="0">
-              <a:noFill/>
-              <a:prstDash val="solid"/>
-              <a:round/>
-              <a:headEnd/>
-              <a:tailEnd/>
-            </a:ln>
-          </p:spPr>
-        </p:sp>
-      </p:grpSp>
+          </a:ln>
+        </p:spPr>
+        <p:style>
+          <a:lnRef idx="2">
+            <a:schemeClr val="accent1">
+              <a:shade val="50000"/>
+            </a:schemeClr>
+          </a:lnRef>
+          <a:fillRef idx="1">
+            <a:schemeClr val="accent1"/>
+          </a:fillRef>
+          <a:effectRef idx="0">
+            <a:schemeClr val="accent1"/>
+          </a:effectRef>
+          <a:fontRef idx="minor">
+            <a:schemeClr val="lt1"/>
+          </a:fontRef>
+        </p:style>
+        <p:txBody>
+          <a:bodyPr rtlCol="0" anchor="ctr"/>
+          <a:lstStyle/>
+          <a:p>
+            <a:pPr algn="ctr"/>
+            <a:endParaRPr lang="en-US" dirty="0"/>
+          </a:p>
+        </p:txBody>
+      </p:sp>
+      <p:sp>
+        <p:nvSpPr>
+          <p:cNvPr id="22" name="Rectangle 8">
+            <a:extLst>
+              <a:ext uri="{FF2B5EF4-FFF2-40B4-BE49-F238E27FC236}">
+                <a16:creationId xmlns:a16="http://schemas.microsoft.com/office/drawing/2014/main" id="{C551E4D3-D99E-CE4D-84D1-E719A4DD0690}"/>
+              </a:ext>
+            </a:extLst>
+          </p:cNvPr>
+          <p:cNvSpPr/>
+          <p:nvPr userDrawn="1"/>
+        </p:nvSpPr>
+        <p:spPr>
+          <a:xfrm>
+            <a:off x="11182832" y="794"/>
+            <a:ext cx="504566" cy="227013"/>
+          </a:xfrm>
+          <a:prstGeom prst="rect">
+            <a:avLst/>
+          </a:prstGeom>
+          <a:solidFill>
+            <a:srgbClr val="91C8F6"/>
+          </a:solidFill>
+          <a:ln>
+            <a:solidFill>
+              <a:srgbClr val="91C8F6"/>
+            </a:solidFill>
+          </a:ln>
+        </p:spPr>
+        <p:style>
+          <a:lnRef idx="2">
+            <a:schemeClr val="accent1">
+              <a:shade val="50000"/>
+            </a:schemeClr>
+          </a:lnRef>
+          <a:fillRef idx="1">
+            <a:schemeClr val="accent1"/>
+          </a:fillRef>
+          <a:effectRef idx="0">
+            <a:schemeClr val="accent1"/>
+          </a:effectRef>
+          <a:fontRef idx="minor">
+            <a:schemeClr val="lt1"/>
+          </a:fontRef>
+        </p:style>
+        <p:txBody>
+          <a:bodyPr rtlCol="0" anchor="ctr"/>
+          <a:lstStyle/>
+          <a:p>
+            <a:pPr algn="ctr"/>
+            <a:endParaRPr lang="en-US"/>
+          </a:p>
+        </p:txBody>
+      </p:sp>
+      <p:sp>
+        <p:nvSpPr>
+          <p:cNvPr id="23" name="Rectangle 10">
+            <a:extLst>
+              <a:ext uri="{FF2B5EF4-FFF2-40B4-BE49-F238E27FC236}">
+                <a16:creationId xmlns:a16="http://schemas.microsoft.com/office/drawing/2014/main" id="{A34B0967-7DD8-4540-93F3-96840F34B571}"/>
+              </a:ext>
+            </a:extLst>
+          </p:cNvPr>
+          <p:cNvSpPr/>
+          <p:nvPr userDrawn="1"/>
+        </p:nvSpPr>
+        <p:spPr>
+          <a:xfrm>
+            <a:off x="11687398" y="0"/>
+            <a:ext cx="504566" cy="230188"/>
+          </a:xfrm>
+          <a:prstGeom prst="rect">
+            <a:avLst/>
+          </a:prstGeom>
+          <a:solidFill>
+            <a:srgbClr val="EFF4F9"/>
+          </a:solidFill>
+          <a:ln>
+            <a:solidFill>
+              <a:srgbClr val="EFF4F9"/>
+            </a:solidFill>
+          </a:ln>
+        </p:spPr>
+        <p:style>
+          <a:lnRef idx="2">
+            <a:schemeClr val="accent1">
+              <a:shade val="50000"/>
+            </a:schemeClr>
+          </a:lnRef>
+          <a:fillRef idx="1">
+            <a:schemeClr val="accent1"/>
+          </a:fillRef>
+          <a:effectRef idx="0">
+            <a:schemeClr val="accent1"/>
+          </a:effectRef>
+          <a:fontRef idx="minor">
+            <a:schemeClr val="lt1"/>
+          </a:fontRef>
+        </p:style>
+        <p:txBody>
+          <a:bodyPr rtlCol="0" anchor="ctr"/>
+          <a:lstStyle/>
+          <a:p>
+            <a:pPr algn="ctr"/>
+            <a:endParaRPr lang="en-US"/>
+          </a:p>
+        </p:txBody>
+      </p:sp>
     </p:spTree>
     <p:extLst>
       <p:ext uri="{BB962C8B-B14F-4D97-AF65-F5344CB8AC3E}">
@@ -969,7 +1153,7 @@
           <a:p>
             <a:fld id="{EC46F97E-F884-9449-8EE4-BF17CB7B5CC3}" type="datetime1">
               <a:rPr lang="de-DE" smtClean="0"/>
-              <a:t>17.02.21</a:t>
+              <a:t>18.02.21</a:t>
             </a:fld>
             <a:endParaRPr lang="en-US" dirty="0"/>
           </a:p>
@@ -985,7 +1169,15 @@
             <p:ph type="ftr" sz="quarter" idx="11"/>
           </p:nvPr>
         </p:nvSpPr>
-        <p:spPr/>
+        <p:spPr>
+          <a:xfrm>
+            <a:off x="2893564" y="6453386"/>
+            <a:ext cx="6280830" cy="404614"/>
+          </a:xfrm>
+          <a:prstGeom prst="rect">
+            <a:avLst/>
+          </a:prstGeom>
+        </p:spPr>
         <p:txBody>
           <a:bodyPr/>
           <a:lstStyle/>
@@ -1150,7 +1342,7 @@
           <a:p>
             <a:fld id="{C48ADE8B-04F7-854D-8653-940F9518EDD0}" type="datetime1">
               <a:rPr lang="de-DE" smtClean="0"/>
-              <a:t>17.02.21</a:t>
+              <a:t>18.02.21</a:t>
             </a:fld>
             <a:endParaRPr lang="en-US" dirty="0"/>
           </a:p>
@@ -1166,7 +1358,15 @@
             <p:ph type="ftr" sz="quarter" idx="11"/>
           </p:nvPr>
         </p:nvSpPr>
-        <p:spPr/>
+        <p:spPr>
+          <a:xfrm>
+            <a:off x="2893564" y="6453386"/>
+            <a:ext cx="6280830" cy="404614"/>
+          </a:xfrm>
+          <a:prstGeom prst="rect">
+            <a:avLst/>
+          </a:prstGeom>
+        </p:spPr>
         <p:txBody>
           <a:bodyPr/>
           <a:lstStyle/>
@@ -1321,7 +1521,7 @@
           <a:p>
             <a:fld id="{0ACA12E0-01A8-4842-BBE6-D39ABA4EB90B}" type="datetime1">
               <a:rPr lang="de-DE" smtClean="0"/>
-              <a:t>17.02.21</a:t>
+              <a:t>18.02.21</a:t>
             </a:fld>
             <a:endParaRPr lang="en-US" dirty="0"/>
           </a:p>
@@ -1337,7 +1537,15 @@
             <p:ph type="ftr" sz="quarter" idx="11"/>
           </p:nvPr>
         </p:nvSpPr>
-        <p:spPr/>
+        <p:spPr>
+          <a:xfrm>
+            <a:off x="2893564" y="6453386"/>
+            <a:ext cx="6280830" cy="404614"/>
+          </a:xfrm>
+          <a:prstGeom prst="rect">
+            <a:avLst/>
+          </a:prstGeom>
+        </p:spPr>
         <p:txBody>
           <a:bodyPr/>
           <a:lstStyle/>
@@ -1599,7 +1807,7 @@
           <a:p>
             <a:fld id="{07FF50AF-D49A-584E-B5AE-827BE0D221FB}" type="datetime1">
               <a:rPr lang="de-DE" smtClean="0"/>
-              <a:t>17.02.21</a:t>
+              <a:t>18.02.21</a:t>
             </a:fld>
             <a:endParaRPr lang="en-US" dirty="0"/>
           </a:p>
@@ -1620,6 +1828,9 @@
             <a:off x="2584312" y="6453386"/>
             <a:ext cx="7023377" cy="404614"/>
           </a:xfrm>
+          <a:prstGeom prst="rect">
+            <a:avLst/>
+          </a:prstGeom>
         </p:spPr>
         <p:txBody>
           <a:bodyPr/>
@@ -1676,59 +1887,219 @@
       </p:sp>
       <p:sp>
         <p:nvSpPr>
-          <p:cNvPr id="7" name="Freeform 6" title="Crop Mark"/>
+          <p:cNvPr id="8" name="Rectangle 6">
+            <a:extLst>
+              <a:ext uri="{FF2B5EF4-FFF2-40B4-BE49-F238E27FC236}">
+                <a16:creationId xmlns:a16="http://schemas.microsoft.com/office/drawing/2014/main" id="{458E3592-9202-BF4E-AB0F-2FAFF8F73B69}"/>
+              </a:ext>
+            </a:extLst>
+          </p:cNvPr>
           <p:cNvSpPr/>
-          <p:nvPr/>
-        </p:nvSpPr>
-        <p:spPr bwMode="auto">
+          <p:nvPr userDrawn="1"/>
+        </p:nvSpPr>
+        <p:spPr>
           <a:xfrm>
-            <a:off x="8151962" y="1685652"/>
-            <a:ext cx="3275013" cy="4408488"/>
+            <a:off x="2" y="0"/>
+            <a:ext cx="10678264" cy="230188"/>
           </a:xfrm>
-          <a:custGeom>
+          <a:prstGeom prst="rect">
             <a:avLst/>
-            <a:gdLst/>
-            <a:ahLst/>
-            <a:cxnLst/>
-            <a:rect l="0" t="0" r="r" b="b"/>
-            <a:pathLst>
-              <a:path w="4125" h="5554">
-                <a:moveTo>
-                  <a:pt x="3614" y="0"/>
-                </a:moveTo>
-                <a:lnTo>
-                  <a:pt x="4125" y="0"/>
-                </a:lnTo>
-                <a:lnTo>
-                  <a:pt x="4125" y="5554"/>
-                </a:lnTo>
-                <a:lnTo>
-                  <a:pt x="0" y="5554"/>
-                </a:lnTo>
-                <a:lnTo>
-                  <a:pt x="0" y="5074"/>
-                </a:lnTo>
-                <a:lnTo>
-                  <a:pt x="3614" y="5074"/>
-                </a:lnTo>
-                <a:lnTo>
-                  <a:pt x="3614" y="0"/>
-                </a:lnTo>
-                <a:close/>
-              </a:path>
-            </a:pathLst>
-          </a:custGeom>
+          </a:prstGeom>
           <a:solidFill>
-            <a:schemeClr val="tx2"/>
+            <a:srgbClr val="3F5161"/>
           </a:solidFill>
-          <a:ln w="0">
-            <a:noFill/>
-            <a:prstDash val="solid"/>
-            <a:round/>
-            <a:headEnd/>
-            <a:tailEnd/>
+          <a:ln>
+            <a:solidFill>
+              <a:srgbClr val="3F5161"/>
+            </a:solidFill>
           </a:ln>
         </p:spPr>
+        <p:style>
+          <a:lnRef idx="2">
+            <a:schemeClr val="accent1">
+              <a:shade val="50000"/>
+            </a:schemeClr>
+          </a:lnRef>
+          <a:fillRef idx="1">
+            <a:schemeClr val="accent1"/>
+          </a:fillRef>
+          <a:effectRef idx="0">
+            <a:schemeClr val="accent1"/>
+          </a:effectRef>
+          <a:fontRef idx="minor">
+            <a:schemeClr val="lt1"/>
+          </a:fontRef>
+        </p:style>
+        <p:txBody>
+          <a:bodyPr rtlCol="0" anchor="ctr"/>
+          <a:lstStyle/>
+          <a:p>
+            <a:pPr algn="ctr"/>
+            <a:endParaRPr lang="en-US"/>
+          </a:p>
+        </p:txBody>
+      </p:sp>
+      <p:sp>
+        <p:nvSpPr>
+          <p:cNvPr id="9" name="Rectangle 7">
+            <a:extLst>
+              <a:ext uri="{FF2B5EF4-FFF2-40B4-BE49-F238E27FC236}">
+                <a16:creationId xmlns:a16="http://schemas.microsoft.com/office/drawing/2014/main" id="{39990EE2-9AB3-4E45-9819-E288163F7384}"/>
+              </a:ext>
+            </a:extLst>
+          </p:cNvPr>
+          <p:cNvSpPr/>
+          <p:nvPr userDrawn="1"/>
+        </p:nvSpPr>
+        <p:spPr>
+          <a:xfrm>
+            <a:off x="10678266" y="0"/>
+            <a:ext cx="504566" cy="230188"/>
+          </a:xfrm>
+          <a:prstGeom prst="rect">
+            <a:avLst/>
+          </a:prstGeom>
+          <a:solidFill>
+            <a:srgbClr val="427CAC"/>
+          </a:solidFill>
+          <a:ln>
+            <a:solidFill>
+              <a:srgbClr val="427CAC"/>
+            </a:solidFill>
+          </a:ln>
+        </p:spPr>
+        <p:style>
+          <a:lnRef idx="2">
+            <a:schemeClr val="accent1">
+              <a:shade val="50000"/>
+            </a:schemeClr>
+          </a:lnRef>
+          <a:fillRef idx="1">
+            <a:schemeClr val="accent1"/>
+          </a:fillRef>
+          <a:effectRef idx="0">
+            <a:schemeClr val="accent1"/>
+          </a:effectRef>
+          <a:fontRef idx="minor">
+            <a:schemeClr val="lt1"/>
+          </a:fontRef>
+        </p:style>
+        <p:txBody>
+          <a:bodyPr rtlCol="0" anchor="ctr"/>
+          <a:lstStyle/>
+          <a:p>
+            <a:pPr algn="ctr"/>
+            <a:endParaRPr lang="en-US" dirty="0"/>
+          </a:p>
+        </p:txBody>
+      </p:sp>
+      <p:sp>
+        <p:nvSpPr>
+          <p:cNvPr id="10" name="Rectangle 8">
+            <a:extLst>
+              <a:ext uri="{FF2B5EF4-FFF2-40B4-BE49-F238E27FC236}">
+                <a16:creationId xmlns:a16="http://schemas.microsoft.com/office/drawing/2014/main" id="{6C33557C-345C-D945-8297-6CEB3D826541}"/>
+              </a:ext>
+            </a:extLst>
+          </p:cNvPr>
+          <p:cNvSpPr/>
+          <p:nvPr userDrawn="1"/>
+        </p:nvSpPr>
+        <p:spPr>
+          <a:xfrm>
+            <a:off x="11182832" y="794"/>
+            <a:ext cx="504566" cy="227013"/>
+          </a:xfrm>
+          <a:prstGeom prst="rect">
+            <a:avLst/>
+          </a:prstGeom>
+          <a:solidFill>
+            <a:srgbClr val="91C8F6"/>
+          </a:solidFill>
+          <a:ln>
+            <a:solidFill>
+              <a:srgbClr val="91C8F6"/>
+            </a:solidFill>
+          </a:ln>
+        </p:spPr>
+        <p:style>
+          <a:lnRef idx="2">
+            <a:schemeClr val="accent1">
+              <a:shade val="50000"/>
+            </a:schemeClr>
+          </a:lnRef>
+          <a:fillRef idx="1">
+            <a:schemeClr val="accent1"/>
+          </a:fillRef>
+          <a:effectRef idx="0">
+            <a:schemeClr val="accent1"/>
+          </a:effectRef>
+          <a:fontRef idx="minor">
+            <a:schemeClr val="lt1"/>
+          </a:fontRef>
+        </p:style>
+        <p:txBody>
+          <a:bodyPr rtlCol="0" anchor="ctr"/>
+          <a:lstStyle/>
+          <a:p>
+            <a:pPr algn="ctr"/>
+            <a:endParaRPr lang="en-US"/>
+          </a:p>
+        </p:txBody>
+      </p:sp>
+      <p:sp>
+        <p:nvSpPr>
+          <p:cNvPr id="11" name="Rectangle 10">
+            <a:extLst>
+              <a:ext uri="{FF2B5EF4-FFF2-40B4-BE49-F238E27FC236}">
+                <a16:creationId xmlns:a16="http://schemas.microsoft.com/office/drawing/2014/main" id="{E02482FE-2668-F447-898C-71D8F4D8E426}"/>
+              </a:ext>
+            </a:extLst>
+          </p:cNvPr>
+          <p:cNvSpPr/>
+          <p:nvPr userDrawn="1"/>
+        </p:nvSpPr>
+        <p:spPr>
+          <a:xfrm>
+            <a:off x="11687398" y="0"/>
+            <a:ext cx="504566" cy="230188"/>
+          </a:xfrm>
+          <a:prstGeom prst="rect">
+            <a:avLst/>
+          </a:prstGeom>
+          <a:solidFill>
+            <a:srgbClr val="EFF4F9"/>
+          </a:solidFill>
+          <a:ln>
+            <a:solidFill>
+              <a:srgbClr val="EFF4F9"/>
+            </a:solidFill>
+          </a:ln>
+        </p:spPr>
+        <p:style>
+          <a:lnRef idx="2">
+            <a:schemeClr val="accent1">
+              <a:shade val="50000"/>
+            </a:schemeClr>
+          </a:lnRef>
+          <a:fillRef idx="1">
+            <a:schemeClr val="accent1"/>
+          </a:fillRef>
+          <a:effectRef idx="0">
+            <a:schemeClr val="accent1"/>
+          </a:effectRef>
+          <a:fontRef idx="minor">
+            <a:schemeClr val="lt1"/>
+          </a:fontRef>
+        </p:style>
+        <p:txBody>
+          <a:bodyPr rtlCol="0" anchor="ctr"/>
+          <a:lstStyle/>
+          <a:p>
+            <a:pPr algn="ctr"/>
+            <a:endParaRPr lang="en-US"/>
+          </a:p>
+        </p:txBody>
       </p:sp>
     </p:spTree>
     <p:extLst>
@@ -1994,7 +2365,7 @@
           <a:p>
             <a:fld id="{713CCDCE-0717-5A43-A01C-2EA4506DE5C6}" type="datetime1">
               <a:rPr lang="de-DE" smtClean="0"/>
-              <a:t>17.02.21</a:t>
+              <a:t>18.02.21</a:t>
             </a:fld>
             <a:endParaRPr lang="en-US" dirty="0"/>
           </a:p>
@@ -2010,7 +2381,15 @@
             <p:ph type="ftr" sz="quarter" idx="11"/>
           </p:nvPr>
         </p:nvSpPr>
-        <p:spPr/>
+        <p:spPr>
+          <a:xfrm>
+            <a:off x="2893564" y="6453386"/>
+            <a:ext cx="6280830" cy="404614"/>
+          </a:xfrm>
+          <a:prstGeom prst="rect">
+            <a:avLst/>
+          </a:prstGeom>
+        </p:spPr>
         <p:txBody>
           <a:bodyPr/>
           <a:lstStyle/>
@@ -2472,7 +2851,7 @@
           <a:p>
             <a:fld id="{5733B3DE-E0FB-8F44-BD2F-68324A8F11C6}" type="datetime1">
               <a:rPr lang="de-DE" smtClean="0"/>
-              <a:t>17.02.21</a:t>
+              <a:t>18.02.21</a:t>
             </a:fld>
             <a:endParaRPr lang="en-US" dirty="0"/>
           </a:p>
@@ -2488,7 +2867,15 @@
             <p:ph type="ftr" sz="quarter" idx="11"/>
           </p:nvPr>
         </p:nvSpPr>
-        <p:spPr/>
+        <p:spPr>
+          <a:xfrm>
+            <a:off x="2893564" y="6453386"/>
+            <a:ext cx="6280830" cy="404614"/>
+          </a:xfrm>
+          <a:prstGeom prst="rect">
+            <a:avLst/>
+          </a:prstGeom>
+        </p:spPr>
         <p:txBody>
           <a:bodyPr/>
           <a:lstStyle/>
@@ -2591,7 +2978,7 @@
           <a:p>
             <a:fld id="{9ADD3303-AA3C-7341-8517-C8636C37D4FA}" type="datetime1">
               <a:rPr lang="de-DE" smtClean="0"/>
-              <a:t>17.02.21</a:t>
+              <a:t>18.02.21</a:t>
             </a:fld>
             <a:endParaRPr lang="en-US" dirty="0"/>
           </a:p>
@@ -2607,7 +2994,15 @@
             <p:ph type="ftr" sz="quarter" idx="11"/>
           </p:nvPr>
         </p:nvSpPr>
-        <p:spPr/>
+        <p:spPr>
+          <a:xfrm>
+            <a:off x="2893564" y="6453386"/>
+            <a:ext cx="6280830" cy="404614"/>
+          </a:xfrm>
+          <a:prstGeom prst="rect">
+            <a:avLst/>
+          </a:prstGeom>
+        </p:spPr>
         <p:txBody>
           <a:bodyPr/>
           <a:lstStyle/>
@@ -2687,7 +3082,7 @@
           <a:p>
             <a:fld id="{C9734B3E-6FF6-7A42-AC69-2676710215D6}" type="datetime1">
               <a:rPr lang="de-DE" smtClean="0"/>
-              <a:t>17.02.21</a:t>
+              <a:t>18.02.21</a:t>
             </a:fld>
             <a:endParaRPr lang="en-US" dirty="0"/>
           </a:p>
@@ -2703,7 +3098,15 @@
             <p:ph type="ftr" sz="quarter" idx="11"/>
           </p:nvPr>
         </p:nvSpPr>
-        <p:spPr/>
+        <p:spPr>
+          <a:xfrm>
+            <a:off x="2893564" y="6453386"/>
+            <a:ext cx="6280830" cy="404614"/>
+          </a:xfrm>
+          <a:prstGeom prst="rect">
+            <a:avLst/>
+          </a:prstGeom>
+        </p:spPr>
         <p:txBody>
           <a:bodyPr/>
           <a:lstStyle/>
@@ -3034,7 +3437,7 @@
           <a:p>
             <a:fld id="{2B34E085-B1D3-F44D-ABCC-64DA2DFFC196}" type="datetime1">
               <a:rPr lang="de-DE" smtClean="0"/>
-              <a:t>17.02.21</a:t>
+              <a:t>18.02.21</a:t>
             </a:fld>
             <a:endParaRPr lang="en-US" dirty="0"/>
           </a:p>
@@ -3055,6 +3458,9 @@
             <a:off x="2205945" y="6453386"/>
             <a:ext cx="2373675" cy="404614"/>
           </a:xfrm>
+          <a:prstGeom prst="rect">
+            <a:avLst/>
+          </a:prstGeom>
         </p:spPr>
         <p:txBody>
           <a:bodyPr/>
@@ -3111,23 +3517,31 @@
       </p:sp>
       <p:sp>
         <p:nvSpPr>
-          <p:cNvPr id="9" name="Rectangle 8" title="Divider Bar"/>
+          <p:cNvPr id="10" name="Rectangle 6">
+            <a:extLst>
+              <a:ext uri="{FF2B5EF4-FFF2-40B4-BE49-F238E27FC236}">
+                <a16:creationId xmlns:a16="http://schemas.microsoft.com/office/drawing/2014/main" id="{37E9C205-3415-0F4D-835C-AC76553912C2}"/>
+              </a:ext>
+            </a:extLst>
+          </p:cNvPr>
           <p:cNvSpPr/>
-          <p:nvPr/>
+          <p:nvPr userDrawn="1"/>
         </p:nvSpPr>
         <p:spPr>
           <a:xfrm>
-            <a:off x="5303520" y="376"/>
-            <a:ext cx="228600" cy="6858000"/>
+            <a:off x="2" y="0"/>
+            <a:ext cx="10678264" cy="230188"/>
           </a:xfrm>
           <a:prstGeom prst="rect">
             <a:avLst/>
           </a:prstGeom>
           <a:solidFill>
-            <a:schemeClr val="tx2"/>
+            <a:srgbClr val="3F5161"/>
           </a:solidFill>
           <a:ln>
-            <a:noFill/>
+            <a:solidFill>
+              <a:srgbClr val="3F5161"/>
+            </a:solidFill>
           </a:ln>
         </p:spPr>
         <p:style>
@@ -3146,6 +3560,176 @@
             <a:schemeClr val="lt1"/>
           </a:fontRef>
         </p:style>
+        <p:txBody>
+          <a:bodyPr rtlCol="0" anchor="ctr"/>
+          <a:lstStyle/>
+          <a:p>
+            <a:pPr algn="ctr"/>
+            <a:endParaRPr lang="en-US"/>
+          </a:p>
+        </p:txBody>
+      </p:sp>
+      <p:sp>
+        <p:nvSpPr>
+          <p:cNvPr id="11" name="Rectangle 7">
+            <a:extLst>
+              <a:ext uri="{FF2B5EF4-FFF2-40B4-BE49-F238E27FC236}">
+                <a16:creationId xmlns:a16="http://schemas.microsoft.com/office/drawing/2014/main" id="{E1F3054C-A3B2-874E-8FE2-31CA408A4476}"/>
+              </a:ext>
+            </a:extLst>
+          </p:cNvPr>
+          <p:cNvSpPr/>
+          <p:nvPr userDrawn="1"/>
+        </p:nvSpPr>
+        <p:spPr>
+          <a:xfrm>
+            <a:off x="10678266" y="0"/>
+            <a:ext cx="504566" cy="230188"/>
+          </a:xfrm>
+          <a:prstGeom prst="rect">
+            <a:avLst/>
+          </a:prstGeom>
+          <a:solidFill>
+            <a:srgbClr val="427CAC"/>
+          </a:solidFill>
+          <a:ln>
+            <a:solidFill>
+              <a:srgbClr val="427CAC"/>
+            </a:solidFill>
+          </a:ln>
+        </p:spPr>
+        <p:style>
+          <a:lnRef idx="2">
+            <a:schemeClr val="accent1">
+              <a:shade val="50000"/>
+            </a:schemeClr>
+          </a:lnRef>
+          <a:fillRef idx="1">
+            <a:schemeClr val="accent1"/>
+          </a:fillRef>
+          <a:effectRef idx="0">
+            <a:schemeClr val="accent1"/>
+          </a:effectRef>
+          <a:fontRef idx="minor">
+            <a:schemeClr val="lt1"/>
+          </a:fontRef>
+        </p:style>
+        <p:txBody>
+          <a:bodyPr rtlCol="0" anchor="ctr"/>
+          <a:lstStyle/>
+          <a:p>
+            <a:pPr algn="ctr"/>
+            <a:endParaRPr lang="en-US" dirty="0"/>
+          </a:p>
+        </p:txBody>
+      </p:sp>
+      <p:sp>
+        <p:nvSpPr>
+          <p:cNvPr id="12" name="Rectangle 8">
+            <a:extLst>
+              <a:ext uri="{FF2B5EF4-FFF2-40B4-BE49-F238E27FC236}">
+                <a16:creationId xmlns:a16="http://schemas.microsoft.com/office/drawing/2014/main" id="{EE851865-A6D6-C74C-A02D-9991CD3AA5C2}"/>
+              </a:ext>
+            </a:extLst>
+          </p:cNvPr>
+          <p:cNvSpPr/>
+          <p:nvPr userDrawn="1"/>
+        </p:nvSpPr>
+        <p:spPr>
+          <a:xfrm>
+            <a:off x="11182832" y="794"/>
+            <a:ext cx="504566" cy="227013"/>
+          </a:xfrm>
+          <a:prstGeom prst="rect">
+            <a:avLst/>
+          </a:prstGeom>
+          <a:solidFill>
+            <a:srgbClr val="91C8F6"/>
+          </a:solidFill>
+          <a:ln>
+            <a:solidFill>
+              <a:srgbClr val="91C8F6"/>
+            </a:solidFill>
+          </a:ln>
+        </p:spPr>
+        <p:style>
+          <a:lnRef idx="2">
+            <a:schemeClr val="accent1">
+              <a:shade val="50000"/>
+            </a:schemeClr>
+          </a:lnRef>
+          <a:fillRef idx="1">
+            <a:schemeClr val="accent1"/>
+          </a:fillRef>
+          <a:effectRef idx="0">
+            <a:schemeClr val="accent1"/>
+          </a:effectRef>
+          <a:fontRef idx="minor">
+            <a:schemeClr val="lt1"/>
+          </a:fontRef>
+        </p:style>
+        <p:txBody>
+          <a:bodyPr rtlCol="0" anchor="ctr"/>
+          <a:lstStyle/>
+          <a:p>
+            <a:pPr algn="ctr"/>
+            <a:endParaRPr lang="en-US"/>
+          </a:p>
+        </p:txBody>
+      </p:sp>
+      <p:sp>
+        <p:nvSpPr>
+          <p:cNvPr id="13" name="Rectangle 10">
+            <a:extLst>
+              <a:ext uri="{FF2B5EF4-FFF2-40B4-BE49-F238E27FC236}">
+                <a16:creationId xmlns:a16="http://schemas.microsoft.com/office/drawing/2014/main" id="{EC66BCA1-9FDB-0745-AF21-830D1104388D}"/>
+              </a:ext>
+            </a:extLst>
+          </p:cNvPr>
+          <p:cNvSpPr/>
+          <p:nvPr userDrawn="1"/>
+        </p:nvSpPr>
+        <p:spPr>
+          <a:xfrm>
+            <a:off x="11687398" y="0"/>
+            <a:ext cx="504566" cy="230188"/>
+          </a:xfrm>
+          <a:prstGeom prst="rect">
+            <a:avLst/>
+          </a:prstGeom>
+          <a:solidFill>
+            <a:srgbClr val="EFF4F9"/>
+          </a:solidFill>
+          <a:ln>
+            <a:solidFill>
+              <a:srgbClr val="EFF4F9"/>
+            </a:solidFill>
+          </a:ln>
+        </p:spPr>
+        <p:style>
+          <a:lnRef idx="2">
+            <a:schemeClr val="accent1">
+              <a:shade val="50000"/>
+            </a:schemeClr>
+          </a:lnRef>
+          <a:fillRef idx="1">
+            <a:schemeClr val="accent1"/>
+          </a:fillRef>
+          <a:effectRef idx="0">
+            <a:schemeClr val="accent1"/>
+          </a:effectRef>
+          <a:fontRef idx="minor">
+            <a:schemeClr val="lt1"/>
+          </a:fontRef>
+        </p:style>
+        <p:txBody>
+          <a:bodyPr rtlCol="0" anchor="ctr"/>
+          <a:lstStyle/>
+          <a:p>
+            <a:pPr algn="ctr"/>
+            <a:endParaRPr lang="en-US"/>
+          </a:p>
+        </p:txBody>
       </p:sp>
     </p:spTree>
     <p:extLst>
@@ -3423,7 +4007,7 @@
           <a:p>
             <a:fld id="{F016F192-42BB-174D-ADAF-784A44DC8B52}" type="datetime1">
               <a:rPr lang="de-DE" smtClean="0"/>
-              <a:t>17.02.21</a:t>
+              <a:t>18.02.21</a:t>
             </a:fld>
             <a:endParaRPr lang="en-US" dirty="0"/>
           </a:p>
@@ -3444,6 +4028,9 @@
             <a:off x="2205945" y="6453386"/>
             <a:ext cx="2373675" cy="404614"/>
           </a:xfrm>
+          <a:prstGeom prst="rect">
+            <a:avLst/>
+          </a:prstGeom>
         </p:spPr>
         <p:txBody>
           <a:bodyPr/>
@@ -3500,23 +4087,31 @@
       </p:sp>
       <p:sp>
         <p:nvSpPr>
-          <p:cNvPr id="9" name="Rectangle 8" title="Divider Bar"/>
+          <p:cNvPr id="10" name="Rectangle 6">
+            <a:extLst>
+              <a:ext uri="{FF2B5EF4-FFF2-40B4-BE49-F238E27FC236}">
+                <a16:creationId xmlns:a16="http://schemas.microsoft.com/office/drawing/2014/main" id="{95DF5078-7D96-0947-8676-F0A56202AFEE}"/>
+              </a:ext>
+            </a:extLst>
+          </p:cNvPr>
           <p:cNvSpPr/>
-          <p:nvPr/>
+          <p:nvPr userDrawn="1"/>
         </p:nvSpPr>
         <p:spPr>
           <a:xfrm>
-            <a:off x="5303520" y="376"/>
-            <a:ext cx="228600" cy="6858000"/>
+            <a:off x="2" y="0"/>
+            <a:ext cx="10678264" cy="230188"/>
           </a:xfrm>
           <a:prstGeom prst="rect">
             <a:avLst/>
           </a:prstGeom>
           <a:solidFill>
-            <a:schemeClr val="tx2"/>
+            <a:srgbClr val="3F5161"/>
           </a:solidFill>
           <a:ln>
-            <a:noFill/>
+            <a:solidFill>
+              <a:srgbClr val="3F5161"/>
+            </a:solidFill>
           </a:ln>
         </p:spPr>
         <p:style>
@@ -3535,6 +4130,176 @@
             <a:schemeClr val="lt1"/>
           </a:fontRef>
         </p:style>
+        <p:txBody>
+          <a:bodyPr rtlCol="0" anchor="ctr"/>
+          <a:lstStyle/>
+          <a:p>
+            <a:pPr algn="ctr"/>
+            <a:endParaRPr lang="en-US"/>
+          </a:p>
+        </p:txBody>
+      </p:sp>
+      <p:sp>
+        <p:nvSpPr>
+          <p:cNvPr id="11" name="Rectangle 7">
+            <a:extLst>
+              <a:ext uri="{FF2B5EF4-FFF2-40B4-BE49-F238E27FC236}">
+                <a16:creationId xmlns:a16="http://schemas.microsoft.com/office/drawing/2014/main" id="{78260E85-2DB2-6141-AB5D-B2706C416C3F}"/>
+              </a:ext>
+            </a:extLst>
+          </p:cNvPr>
+          <p:cNvSpPr/>
+          <p:nvPr userDrawn="1"/>
+        </p:nvSpPr>
+        <p:spPr>
+          <a:xfrm>
+            <a:off x="10678266" y="0"/>
+            <a:ext cx="504566" cy="230188"/>
+          </a:xfrm>
+          <a:prstGeom prst="rect">
+            <a:avLst/>
+          </a:prstGeom>
+          <a:solidFill>
+            <a:srgbClr val="427CAC"/>
+          </a:solidFill>
+          <a:ln>
+            <a:solidFill>
+              <a:srgbClr val="427CAC"/>
+            </a:solidFill>
+          </a:ln>
+        </p:spPr>
+        <p:style>
+          <a:lnRef idx="2">
+            <a:schemeClr val="accent1">
+              <a:shade val="50000"/>
+            </a:schemeClr>
+          </a:lnRef>
+          <a:fillRef idx="1">
+            <a:schemeClr val="accent1"/>
+          </a:fillRef>
+          <a:effectRef idx="0">
+            <a:schemeClr val="accent1"/>
+          </a:effectRef>
+          <a:fontRef idx="minor">
+            <a:schemeClr val="lt1"/>
+          </a:fontRef>
+        </p:style>
+        <p:txBody>
+          <a:bodyPr rtlCol="0" anchor="ctr"/>
+          <a:lstStyle/>
+          <a:p>
+            <a:pPr algn="ctr"/>
+            <a:endParaRPr lang="en-US" dirty="0"/>
+          </a:p>
+        </p:txBody>
+      </p:sp>
+      <p:sp>
+        <p:nvSpPr>
+          <p:cNvPr id="12" name="Rectangle 8">
+            <a:extLst>
+              <a:ext uri="{FF2B5EF4-FFF2-40B4-BE49-F238E27FC236}">
+                <a16:creationId xmlns:a16="http://schemas.microsoft.com/office/drawing/2014/main" id="{D2980956-E453-B146-B577-225499631380}"/>
+              </a:ext>
+            </a:extLst>
+          </p:cNvPr>
+          <p:cNvSpPr/>
+          <p:nvPr userDrawn="1"/>
+        </p:nvSpPr>
+        <p:spPr>
+          <a:xfrm>
+            <a:off x="11182832" y="794"/>
+            <a:ext cx="504566" cy="227013"/>
+          </a:xfrm>
+          <a:prstGeom prst="rect">
+            <a:avLst/>
+          </a:prstGeom>
+          <a:solidFill>
+            <a:srgbClr val="91C8F6"/>
+          </a:solidFill>
+          <a:ln>
+            <a:solidFill>
+              <a:srgbClr val="91C8F6"/>
+            </a:solidFill>
+          </a:ln>
+        </p:spPr>
+        <p:style>
+          <a:lnRef idx="2">
+            <a:schemeClr val="accent1">
+              <a:shade val="50000"/>
+            </a:schemeClr>
+          </a:lnRef>
+          <a:fillRef idx="1">
+            <a:schemeClr val="accent1"/>
+          </a:fillRef>
+          <a:effectRef idx="0">
+            <a:schemeClr val="accent1"/>
+          </a:effectRef>
+          <a:fontRef idx="minor">
+            <a:schemeClr val="lt1"/>
+          </a:fontRef>
+        </p:style>
+        <p:txBody>
+          <a:bodyPr rtlCol="0" anchor="ctr"/>
+          <a:lstStyle/>
+          <a:p>
+            <a:pPr algn="ctr"/>
+            <a:endParaRPr lang="en-US"/>
+          </a:p>
+        </p:txBody>
+      </p:sp>
+      <p:sp>
+        <p:nvSpPr>
+          <p:cNvPr id="13" name="Rectangle 10">
+            <a:extLst>
+              <a:ext uri="{FF2B5EF4-FFF2-40B4-BE49-F238E27FC236}">
+                <a16:creationId xmlns:a16="http://schemas.microsoft.com/office/drawing/2014/main" id="{1C249BB4-6F88-2E49-8024-CC2EFBDE3CD7}"/>
+              </a:ext>
+            </a:extLst>
+          </p:cNvPr>
+          <p:cNvSpPr/>
+          <p:nvPr userDrawn="1"/>
+        </p:nvSpPr>
+        <p:spPr>
+          <a:xfrm>
+            <a:off x="11687398" y="0"/>
+            <a:ext cx="504566" cy="230188"/>
+          </a:xfrm>
+          <a:prstGeom prst="rect">
+            <a:avLst/>
+          </a:prstGeom>
+          <a:solidFill>
+            <a:srgbClr val="EFF4F9"/>
+          </a:solidFill>
+          <a:ln>
+            <a:solidFill>
+              <a:srgbClr val="EFF4F9"/>
+            </a:solidFill>
+          </a:ln>
+        </p:spPr>
+        <p:style>
+          <a:lnRef idx="2">
+            <a:schemeClr val="accent1">
+              <a:shade val="50000"/>
+            </a:schemeClr>
+          </a:lnRef>
+          <a:fillRef idx="1">
+            <a:schemeClr val="accent1"/>
+          </a:fillRef>
+          <a:effectRef idx="0">
+            <a:schemeClr val="accent1"/>
+          </a:effectRef>
+          <a:fontRef idx="minor">
+            <a:schemeClr val="lt1"/>
+          </a:fontRef>
+        </p:style>
+        <p:txBody>
+          <a:bodyPr rtlCol="0" anchor="ctr"/>
+          <a:lstStyle/>
+          <a:p>
+            <a:pPr algn="ctr"/>
+            <a:endParaRPr lang="en-US"/>
+          </a:p>
+        </p:txBody>
       </p:sp>
     </p:spTree>
     <p:extLst>
@@ -3634,35 +4399,35 @@
           <a:p>
             <a:pPr lvl="0"/>
             <a:r>
-              <a:rPr lang="de-DE"/>
+              <a:rPr lang="de-DE" dirty="0"/>
               <a:t>Mastertextformat bearbeiten</a:t>
             </a:r>
           </a:p>
           <a:p>
             <a:pPr lvl="1"/>
             <a:r>
-              <a:rPr lang="de-DE"/>
+              <a:rPr lang="de-DE" dirty="0"/>
               <a:t>Zweite Ebene</a:t>
             </a:r>
           </a:p>
           <a:p>
             <a:pPr lvl="2"/>
             <a:r>
-              <a:rPr lang="de-DE"/>
+              <a:rPr lang="de-DE" dirty="0"/>
               <a:t>Dritte Ebene</a:t>
             </a:r>
           </a:p>
           <a:p>
             <a:pPr lvl="3"/>
             <a:r>
-              <a:rPr lang="de-DE"/>
+              <a:rPr lang="de-DE" dirty="0"/>
               <a:t>Vierte Ebene</a:t>
             </a:r>
           </a:p>
           <a:p>
             <a:pPr lvl="4"/>
             <a:r>
-              <a:rPr lang="de-DE"/>
+              <a:rPr lang="de-DE" dirty="0"/>
               <a:t>Fünfte Ebene</a:t>
             </a:r>
             <a:endParaRPr lang="en-US" dirty="0"/>
@@ -3702,7 +4467,7 @@
           <a:p>
             <a:fld id="{AF569060-CBB1-D14D-94C2-8529DD4DDF0D}" type="datetime1">
               <a:rPr lang="de-DE" smtClean="0"/>
-              <a:t>17.02.21</a:t>
+              <a:t>18.02.21</a:t>
             </a:fld>
             <a:endParaRPr lang="en-US" dirty="0"/>
           </a:p>
@@ -3785,23 +4550,31 @@
       </p:sp>
       <p:sp>
         <p:nvSpPr>
-          <p:cNvPr id="9" name="Rectangle 8" title="Side bar"/>
+          <p:cNvPr id="17" name="Rectangle 6">
+            <a:extLst>
+              <a:ext uri="{FF2B5EF4-FFF2-40B4-BE49-F238E27FC236}">
+                <a16:creationId xmlns:a16="http://schemas.microsoft.com/office/drawing/2014/main" id="{857C1300-86C4-904C-8149-F980F238755F}"/>
+              </a:ext>
+            </a:extLst>
+          </p:cNvPr>
           <p:cNvSpPr/>
-          <p:nvPr/>
+          <p:nvPr userDrawn="1"/>
         </p:nvSpPr>
         <p:spPr>
           <a:xfrm>
-            <a:off x="478095" y="376"/>
-            <a:ext cx="228600" cy="6858000"/>
+            <a:off x="2" y="0"/>
+            <a:ext cx="10678264" cy="230188"/>
           </a:xfrm>
           <a:prstGeom prst="rect">
             <a:avLst/>
           </a:prstGeom>
           <a:solidFill>
-            <a:schemeClr val="tx2"/>
+            <a:srgbClr val="3F5161"/>
           </a:solidFill>
           <a:ln>
-            <a:noFill/>
+            <a:solidFill>
+              <a:srgbClr val="3F5161"/>
+            </a:solidFill>
           </a:ln>
         </p:spPr>
         <p:style>
@@ -3820,6 +4593,176 @@
             <a:schemeClr val="lt1"/>
           </a:fontRef>
         </p:style>
+        <p:txBody>
+          <a:bodyPr rtlCol="0" anchor="ctr"/>
+          <a:lstStyle/>
+          <a:p>
+            <a:pPr algn="ctr"/>
+            <a:endParaRPr lang="en-US"/>
+          </a:p>
+        </p:txBody>
+      </p:sp>
+      <p:sp>
+        <p:nvSpPr>
+          <p:cNvPr id="18" name="Rectangle 7">
+            <a:extLst>
+              <a:ext uri="{FF2B5EF4-FFF2-40B4-BE49-F238E27FC236}">
+                <a16:creationId xmlns:a16="http://schemas.microsoft.com/office/drawing/2014/main" id="{6C8D1B42-7D60-394D-981F-A6979E1A98A1}"/>
+              </a:ext>
+            </a:extLst>
+          </p:cNvPr>
+          <p:cNvSpPr/>
+          <p:nvPr userDrawn="1"/>
+        </p:nvSpPr>
+        <p:spPr>
+          <a:xfrm>
+            <a:off x="10678266" y="0"/>
+            <a:ext cx="504566" cy="230188"/>
+          </a:xfrm>
+          <a:prstGeom prst="rect">
+            <a:avLst/>
+          </a:prstGeom>
+          <a:solidFill>
+            <a:srgbClr val="427CAC"/>
+          </a:solidFill>
+          <a:ln>
+            <a:solidFill>
+              <a:srgbClr val="427CAC"/>
+            </a:solidFill>
+          </a:ln>
+        </p:spPr>
+        <p:style>
+          <a:lnRef idx="2">
+            <a:schemeClr val="accent1">
+              <a:shade val="50000"/>
+            </a:schemeClr>
+          </a:lnRef>
+          <a:fillRef idx="1">
+            <a:schemeClr val="accent1"/>
+          </a:fillRef>
+          <a:effectRef idx="0">
+            <a:schemeClr val="accent1"/>
+          </a:effectRef>
+          <a:fontRef idx="minor">
+            <a:schemeClr val="lt1"/>
+          </a:fontRef>
+        </p:style>
+        <p:txBody>
+          <a:bodyPr rtlCol="0" anchor="ctr"/>
+          <a:lstStyle/>
+          <a:p>
+            <a:pPr algn="ctr"/>
+            <a:endParaRPr lang="en-US" dirty="0"/>
+          </a:p>
+        </p:txBody>
+      </p:sp>
+      <p:sp>
+        <p:nvSpPr>
+          <p:cNvPr id="19" name="Rectangle 8">
+            <a:extLst>
+              <a:ext uri="{FF2B5EF4-FFF2-40B4-BE49-F238E27FC236}">
+                <a16:creationId xmlns:a16="http://schemas.microsoft.com/office/drawing/2014/main" id="{CA1A7751-9658-2043-8806-508C912D78DE}"/>
+              </a:ext>
+            </a:extLst>
+          </p:cNvPr>
+          <p:cNvSpPr/>
+          <p:nvPr userDrawn="1"/>
+        </p:nvSpPr>
+        <p:spPr>
+          <a:xfrm>
+            <a:off x="11182832" y="794"/>
+            <a:ext cx="504566" cy="227013"/>
+          </a:xfrm>
+          <a:prstGeom prst="rect">
+            <a:avLst/>
+          </a:prstGeom>
+          <a:solidFill>
+            <a:srgbClr val="91C8F6"/>
+          </a:solidFill>
+          <a:ln>
+            <a:solidFill>
+              <a:srgbClr val="91C8F6"/>
+            </a:solidFill>
+          </a:ln>
+        </p:spPr>
+        <p:style>
+          <a:lnRef idx="2">
+            <a:schemeClr val="accent1">
+              <a:shade val="50000"/>
+            </a:schemeClr>
+          </a:lnRef>
+          <a:fillRef idx="1">
+            <a:schemeClr val="accent1"/>
+          </a:fillRef>
+          <a:effectRef idx="0">
+            <a:schemeClr val="accent1"/>
+          </a:effectRef>
+          <a:fontRef idx="minor">
+            <a:schemeClr val="lt1"/>
+          </a:fontRef>
+        </p:style>
+        <p:txBody>
+          <a:bodyPr rtlCol="0" anchor="ctr"/>
+          <a:lstStyle/>
+          <a:p>
+            <a:pPr algn="ctr"/>
+            <a:endParaRPr lang="en-US"/>
+          </a:p>
+        </p:txBody>
+      </p:sp>
+      <p:sp>
+        <p:nvSpPr>
+          <p:cNvPr id="20" name="Rectangle 10">
+            <a:extLst>
+              <a:ext uri="{FF2B5EF4-FFF2-40B4-BE49-F238E27FC236}">
+                <a16:creationId xmlns:a16="http://schemas.microsoft.com/office/drawing/2014/main" id="{16DCADE6-AA2A-804D-B5A0-49F706EEEF14}"/>
+              </a:ext>
+            </a:extLst>
+          </p:cNvPr>
+          <p:cNvSpPr/>
+          <p:nvPr userDrawn="1"/>
+        </p:nvSpPr>
+        <p:spPr>
+          <a:xfrm>
+            <a:off x="11687398" y="0"/>
+            <a:ext cx="504566" cy="230188"/>
+          </a:xfrm>
+          <a:prstGeom prst="rect">
+            <a:avLst/>
+          </a:prstGeom>
+          <a:solidFill>
+            <a:srgbClr val="EFF4F9"/>
+          </a:solidFill>
+          <a:ln>
+            <a:solidFill>
+              <a:srgbClr val="EFF4F9"/>
+            </a:solidFill>
+          </a:ln>
+        </p:spPr>
+        <p:style>
+          <a:lnRef idx="2">
+            <a:schemeClr val="accent1">
+              <a:shade val="50000"/>
+            </a:schemeClr>
+          </a:lnRef>
+          <a:fillRef idx="1">
+            <a:schemeClr val="accent1"/>
+          </a:fillRef>
+          <a:effectRef idx="0">
+            <a:schemeClr val="accent1"/>
+          </a:effectRef>
+          <a:fontRef idx="minor">
+            <a:schemeClr val="lt1"/>
+          </a:fontRef>
+        </p:style>
+        <p:txBody>
+          <a:bodyPr rtlCol="0" anchor="ctr"/>
+          <a:lstStyle/>
+          <a:p>
+            <a:pPr algn="ctr"/>
+            <a:endParaRPr lang="en-US"/>
+          </a:p>
+        </p:txBody>
       </p:sp>
     </p:spTree>
     <p:extLst>
@@ -4232,7 +5175,12 @@
             <p:ph type="ctrTitle"/>
           </p:nvPr>
         </p:nvSpPr>
-        <p:spPr/>
+        <p:spPr>
+          <a:xfrm>
+            <a:off x="910113" y="1742338"/>
+            <a:ext cx="10371773" cy="1159383"/>
+          </a:xfrm>
+        </p:spPr>
         <p:txBody>
           <a:bodyPr/>
           <a:lstStyle/>
@@ -4323,6 +5271,500 @@
     <p:extLst>
       <p:ext uri="{BB962C8B-B14F-4D97-AF65-F5344CB8AC3E}">
         <p14:creationId xmlns:p14="http://schemas.microsoft.com/office/powerpoint/2010/main" val="3023211573"/>
+      </p:ext>
+    </p:extLst>
+  </p:cSld>
+  <p:clrMapOvr>
+    <a:masterClrMapping/>
+  </p:clrMapOvr>
+</p:sld>
+</file>
+
+<file path=ppt/slides/slide10.xml><?xml version="1.0" encoding="utf-8"?>
+<p:sld xmlns:a="http://schemas.openxmlformats.org/drawingml/2006/main" xmlns:r="http://schemas.openxmlformats.org/officeDocument/2006/relationships" xmlns:p="http://schemas.openxmlformats.org/presentationml/2006/main">
+  <p:cSld>
+    <p:spTree>
+      <p:nvGrpSpPr>
+        <p:cNvPr id="1" name=""/>
+        <p:cNvGrpSpPr/>
+        <p:nvPr/>
+      </p:nvGrpSpPr>
+      <p:grpSpPr>
+        <a:xfrm>
+          <a:off x="0" y="0"/>
+          <a:ext cx="0" cy="0"/>
+          <a:chOff x="0" y="0"/>
+          <a:chExt cx="0" cy="0"/>
+        </a:xfrm>
+      </p:grpSpPr>
+      <p:sp>
+        <p:nvSpPr>
+          <p:cNvPr id="2" name="Titel 1">
+            <a:extLst>
+              <a:ext uri="{FF2B5EF4-FFF2-40B4-BE49-F238E27FC236}">
+                <a16:creationId xmlns:a16="http://schemas.microsoft.com/office/drawing/2014/main" id="{8AF3081B-2286-174D-A2A0-E0ED844B7E3F}"/>
+              </a:ext>
+            </a:extLst>
+          </p:cNvPr>
+          <p:cNvSpPr>
+            <a:spLocks noGrp="1"/>
+          </p:cNvSpPr>
+          <p:nvPr>
+            <p:ph type="title"/>
+          </p:nvPr>
+        </p:nvSpPr>
+        <p:spPr/>
+        <p:txBody>
+          <a:bodyPr/>
+          <a:lstStyle/>
+          <a:p>
+            <a:r>
+              <a:rPr lang="en-US" dirty="0"/>
+              <a:t>Results</a:t>
+            </a:r>
+          </a:p>
+        </p:txBody>
+      </p:sp>
+      <p:sp>
+        <p:nvSpPr>
+          <p:cNvPr id="4" name="Inhaltsplatzhalter 3">
+            <a:extLst>
+              <a:ext uri="{FF2B5EF4-FFF2-40B4-BE49-F238E27FC236}">
+                <a16:creationId xmlns:a16="http://schemas.microsoft.com/office/drawing/2014/main" id="{4B93F879-7986-354B-B92A-B420E9D0A153}"/>
+              </a:ext>
+            </a:extLst>
+          </p:cNvPr>
+          <p:cNvSpPr>
+            <a:spLocks noGrp="1"/>
+          </p:cNvSpPr>
+          <p:nvPr>
+            <p:ph idx="1"/>
+          </p:nvPr>
+        </p:nvSpPr>
+        <p:spPr/>
+        <p:txBody>
+          <a:bodyPr/>
+          <a:lstStyle/>
+          <a:p>
+            <a:pPr marL="0" indent="0">
+              <a:buNone/>
+            </a:pPr>
+            <a:r>
+              <a:rPr lang="de-DE" b="1" u="sng" dirty="0"/>
+              <a:t>Feature </a:t>
+            </a:r>
+            <a:r>
+              <a:rPr lang="de-DE" b="1" u="sng" dirty="0" err="1"/>
+              <a:t>importances</a:t>
+            </a:r>
+            <a:r>
+              <a:rPr lang="de-DE" b="1" u="sng" dirty="0"/>
+              <a:t> per </a:t>
+            </a:r>
+            <a:r>
+              <a:rPr lang="de-DE" b="1" u="sng" dirty="0" err="1"/>
+              <a:t>classifier</a:t>
+            </a:r>
+            <a:endParaRPr lang="de-DE" b="1" u="sng" dirty="0"/>
+          </a:p>
+        </p:txBody>
+      </p:sp>
+      <p:sp>
+        <p:nvSpPr>
+          <p:cNvPr id="3" name="Foliennummernplatzhalter 2">
+            <a:extLst>
+              <a:ext uri="{FF2B5EF4-FFF2-40B4-BE49-F238E27FC236}">
+                <a16:creationId xmlns:a16="http://schemas.microsoft.com/office/drawing/2014/main" id="{1D0CF6FE-F68A-6B4F-9693-422A55B38BE1}"/>
+              </a:ext>
+            </a:extLst>
+          </p:cNvPr>
+          <p:cNvSpPr>
+            <a:spLocks noGrp="1"/>
+          </p:cNvSpPr>
+          <p:nvPr>
+            <p:ph type="sldNum" sz="quarter" idx="12"/>
+          </p:nvPr>
+        </p:nvSpPr>
+        <p:spPr/>
+        <p:txBody>
+          <a:bodyPr/>
+          <a:lstStyle/>
+          <a:p>
+            <a:fld id="{D57F1E4F-1CFF-5643-939E-217C01CDF565}" type="slidenum">
+              <a:rPr lang="en-US" smtClean="0"/>
+              <a:pPr/>
+              <a:t>10</a:t>
+            </a:fld>
+            <a:endParaRPr lang="en-US" dirty="0"/>
+          </a:p>
+        </p:txBody>
+      </p:sp>
+    </p:spTree>
+    <p:extLst>
+      <p:ext uri="{BB962C8B-B14F-4D97-AF65-F5344CB8AC3E}">
+        <p14:creationId xmlns:p14="http://schemas.microsoft.com/office/powerpoint/2010/main" val="1157228083"/>
+      </p:ext>
+    </p:extLst>
+  </p:cSld>
+  <p:clrMapOvr>
+    <a:masterClrMapping/>
+  </p:clrMapOvr>
+</p:sld>
+</file>
+
+<file path=ppt/slides/slide11.xml><?xml version="1.0" encoding="utf-8"?>
+<p:sld xmlns:a="http://schemas.openxmlformats.org/drawingml/2006/main" xmlns:r="http://schemas.openxmlformats.org/officeDocument/2006/relationships" xmlns:p="http://schemas.openxmlformats.org/presentationml/2006/main">
+  <p:cSld>
+    <p:spTree>
+      <p:nvGrpSpPr>
+        <p:cNvPr id="1" name=""/>
+        <p:cNvGrpSpPr/>
+        <p:nvPr/>
+      </p:nvGrpSpPr>
+      <p:grpSpPr>
+        <a:xfrm>
+          <a:off x="0" y="0"/>
+          <a:ext cx="0" cy="0"/>
+          <a:chOff x="0" y="0"/>
+          <a:chExt cx="0" cy="0"/>
+        </a:xfrm>
+      </p:grpSpPr>
+      <p:sp>
+        <p:nvSpPr>
+          <p:cNvPr id="2" name="Titel 1">
+            <a:extLst>
+              <a:ext uri="{FF2B5EF4-FFF2-40B4-BE49-F238E27FC236}">
+                <a16:creationId xmlns:a16="http://schemas.microsoft.com/office/drawing/2014/main" id="{5CA80C34-4B9D-254E-9E36-03BF88BD5856}"/>
+              </a:ext>
+            </a:extLst>
+          </p:cNvPr>
+          <p:cNvSpPr>
+            <a:spLocks noGrp="1"/>
+          </p:cNvSpPr>
+          <p:nvPr>
+            <p:ph type="title"/>
+          </p:nvPr>
+        </p:nvSpPr>
+        <p:spPr/>
+        <p:txBody>
+          <a:bodyPr/>
+          <a:lstStyle/>
+          <a:p>
+            <a:r>
+              <a:rPr lang="de-DE" dirty="0" err="1"/>
+              <a:t>Results</a:t>
+            </a:r>
+            <a:endParaRPr lang="de-DE" dirty="0"/>
+          </a:p>
+        </p:txBody>
+      </p:sp>
+      <p:sp>
+        <p:nvSpPr>
+          <p:cNvPr id="3" name="Inhaltsplatzhalter 2">
+            <a:extLst>
+              <a:ext uri="{FF2B5EF4-FFF2-40B4-BE49-F238E27FC236}">
+                <a16:creationId xmlns:a16="http://schemas.microsoft.com/office/drawing/2014/main" id="{86D4C267-66A3-6544-A27C-BDBD2D466494}"/>
+              </a:ext>
+            </a:extLst>
+          </p:cNvPr>
+          <p:cNvSpPr>
+            <a:spLocks noGrp="1"/>
+          </p:cNvSpPr>
+          <p:nvPr>
+            <p:ph idx="1"/>
+          </p:nvPr>
+        </p:nvSpPr>
+        <p:spPr/>
+        <p:txBody>
+          <a:bodyPr/>
+          <a:lstStyle/>
+          <a:p>
+            <a:pPr marL="0" indent="0">
+              <a:buNone/>
+            </a:pPr>
+            <a:r>
+              <a:rPr lang="en-US" b="1" u="sng" dirty="0"/>
+              <a:t>Typical hate speech artifacts</a:t>
+            </a:r>
+          </a:p>
+          <a:p>
+            <a:endParaRPr lang="de-DE" dirty="0"/>
+          </a:p>
+        </p:txBody>
+      </p:sp>
+      <p:sp>
+        <p:nvSpPr>
+          <p:cNvPr id="4" name="Foliennummernplatzhalter 3">
+            <a:extLst>
+              <a:ext uri="{FF2B5EF4-FFF2-40B4-BE49-F238E27FC236}">
+                <a16:creationId xmlns:a16="http://schemas.microsoft.com/office/drawing/2014/main" id="{B51A1CA9-FF5C-5B47-B601-3C360885F3B9}"/>
+              </a:ext>
+            </a:extLst>
+          </p:cNvPr>
+          <p:cNvSpPr>
+            <a:spLocks noGrp="1"/>
+          </p:cNvSpPr>
+          <p:nvPr>
+            <p:ph type="sldNum" sz="quarter" idx="12"/>
+          </p:nvPr>
+        </p:nvSpPr>
+        <p:spPr/>
+        <p:txBody>
+          <a:bodyPr/>
+          <a:lstStyle/>
+          <a:p>
+            <a:fld id="{D57F1E4F-1CFF-5643-939E-217C01CDF565}" type="slidenum">
+              <a:rPr lang="en-US" smtClean="0"/>
+              <a:pPr/>
+              <a:t>11</a:t>
+            </a:fld>
+            <a:endParaRPr lang="en-US" dirty="0"/>
+          </a:p>
+        </p:txBody>
+      </p:sp>
+    </p:spTree>
+    <p:extLst>
+      <p:ext uri="{BB962C8B-B14F-4D97-AF65-F5344CB8AC3E}">
+        <p14:creationId xmlns:p14="http://schemas.microsoft.com/office/powerpoint/2010/main" val="116189613"/>
+      </p:ext>
+    </p:extLst>
+  </p:cSld>
+  <p:clrMapOvr>
+    <a:masterClrMapping/>
+  </p:clrMapOvr>
+</p:sld>
+</file>
+
+<file path=ppt/slides/slide12.xml><?xml version="1.0" encoding="utf-8"?>
+<p:sld xmlns:a="http://schemas.openxmlformats.org/drawingml/2006/main" xmlns:r="http://schemas.openxmlformats.org/officeDocument/2006/relationships" xmlns:p="http://schemas.openxmlformats.org/presentationml/2006/main">
+  <p:cSld>
+    <p:spTree>
+      <p:nvGrpSpPr>
+        <p:cNvPr id="1" name=""/>
+        <p:cNvGrpSpPr/>
+        <p:nvPr/>
+      </p:nvGrpSpPr>
+      <p:grpSpPr>
+        <a:xfrm>
+          <a:off x="0" y="0"/>
+          <a:ext cx="0" cy="0"/>
+          <a:chOff x="0" y="0"/>
+          <a:chExt cx="0" cy="0"/>
+        </a:xfrm>
+      </p:grpSpPr>
+      <p:sp>
+        <p:nvSpPr>
+          <p:cNvPr id="2" name="Titel 1">
+            <a:extLst>
+              <a:ext uri="{FF2B5EF4-FFF2-40B4-BE49-F238E27FC236}">
+                <a16:creationId xmlns:a16="http://schemas.microsoft.com/office/drawing/2014/main" id="{E617E440-53F4-5447-B942-70E097BA5325}"/>
+              </a:ext>
+            </a:extLst>
+          </p:cNvPr>
+          <p:cNvSpPr>
+            <a:spLocks noGrp="1"/>
+          </p:cNvSpPr>
+          <p:nvPr>
+            <p:ph type="title"/>
+          </p:nvPr>
+        </p:nvSpPr>
+        <p:spPr/>
+        <p:txBody>
+          <a:bodyPr/>
+          <a:lstStyle/>
+          <a:p>
+            <a:r>
+              <a:rPr lang="en-US" dirty="0"/>
+              <a:t>Conclusion</a:t>
+            </a:r>
+          </a:p>
+        </p:txBody>
+      </p:sp>
+      <p:sp>
+        <p:nvSpPr>
+          <p:cNvPr id="3" name="Inhaltsplatzhalter 2">
+            <a:extLst>
+              <a:ext uri="{FF2B5EF4-FFF2-40B4-BE49-F238E27FC236}">
+                <a16:creationId xmlns:a16="http://schemas.microsoft.com/office/drawing/2014/main" id="{13CEF2E8-0F2C-BB4C-AB8C-35DB4D9AC280}"/>
+              </a:ext>
+            </a:extLst>
+          </p:cNvPr>
+          <p:cNvSpPr>
+            <a:spLocks noGrp="1"/>
+          </p:cNvSpPr>
+          <p:nvPr>
+            <p:ph idx="1"/>
+          </p:nvPr>
+        </p:nvSpPr>
+        <p:spPr/>
+        <p:txBody>
+          <a:bodyPr/>
+          <a:lstStyle/>
+          <a:p>
+            <a:r>
+              <a:rPr lang="en-US" dirty="0"/>
+              <a:t>Main achievements</a:t>
+            </a:r>
+          </a:p>
+          <a:p>
+            <a:r>
+              <a:rPr lang="en-US" dirty="0"/>
+              <a:t>Future extensions and improvements</a:t>
+            </a:r>
+          </a:p>
+        </p:txBody>
+      </p:sp>
+      <p:sp>
+        <p:nvSpPr>
+          <p:cNvPr id="4" name="Foliennummernplatzhalter 3">
+            <a:extLst>
+              <a:ext uri="{FF2B5EF4-FFF2-40B4-BE49-F238E27FC236}">
+                <a16:creationId xmlns:a16="http://schemas.microsoft.com/office/drawing/2014/main" id="{33F0E8CF-2328-8D4B-A89B-F17C40AC5692}"/>
+              </a:ext>
+            </a:extLst>
+          </p:cNvPr>
+          <p:cNvSpPr>
+            <a:spLocks noGrp="1"/>
+          </p:cNvSpPr>
+          <p:nvPr>
+            <p:ph type="sldNum" sz="quarter" idx="12"/>
+          </p:nvPr>
+        </p:nvSpPr>
+        <p:spPr/>
+        <p:txBody>
+          <a:bodyPr/>
+          <a:lstStyle/>
+          <a:p>
+            <a:fld id="{D57F1E4F-1CFF-5643-939E-217C01CDF565}" type="slidenum">
+              <a:rPr lang="en-US" smtClean="0"/>
+              <a:pPr/>
+              <a:t>12</a:t>
+            </a:fld>
+            <a:endParaRPr lang="en-US" dirty="0"/>
+          </a:p>
+        </p:txBody>
+      </p:sp>
+    </p:spTree>
+    <p:extLst>
+      <p:ext uri="{BB962C8B-B14F-4D97-AF65-F5344CB8AC3E}">
+        <p14:creationId xmlns:p14="http://schemas.microsoft.com/office/powerpoint/2010/main" val="3698695859"/>
+      </p:ext>
+    </p:extLst>
+  </p:cSld>
+  <p:clrMapOvr>
+    <a:masterClrMapping/>
+  </p:clrMapOvr>
+</p:sld>
+</file>
+
+<file path=ppt/slides/slide13.xml><?xml version="1.0" encoding="utf-8"?>
+<p:sld xmlns:a="http://schemas.openxmlformats.org/drawingml/2006/main" xmlns:r="http://schemas.openxmlformats.org/officeDocument/2006/relationships" xmlns:p="http://schemas.openxmlformats.org/presentationml/2006/main">
+  <p:cSld>
+    <p:spTree>
+      <p:nvGrpSpPr>
+        <p:cNvPr id="1" name=""/>
+        <p:cNvGrpSpPr/>
+        <p:nvPr/>
+      </p:nvGrpSpPr>
+      <p:grpSpPr>
+        <a:xfrm>
+          <a:off x="0" y="0"/>
+          <a:ext cx="0" cy="0"/>
+          <a:chOff x="0" y="0"/>
+          <a:chExt cx="0" cy="0"/>
+        </a:xfrm>
+      </p:grpSpPr>
+      <p:sp>
+        <p:nvSpPr>
+          <p:cNvPr id="2" name="Titel 1">
+            <a:extLst>
+              <a:ext uri="{FF2B5EF4-FFF2-40B4-BE49-F238E27FC236}">
+                <a16:creationId xmlns:a16="http://schemas.microsoft.com/office/drawing/2014/main" id="{4B9CC7E5-FD3A-8E4E-A9AF-5C5C4A40B0A4}"/>
+              </a:ext>
+            </a:extLst>
+          </p:cNvPr>
+          <p:cNvSpPr>
+            <a:spLocks noGrp="1"/>
+          </p:cNvSpPr>
+          <p:nvPr>
+            <p:ph type="title"/>
+          </p:nvPr>
+        </p:nvSpPr>
+        <p:spPr/>
+        <p:txBody>
+          <a:bodyPr/>
+          <a:lstStyle/>
+          <a:p>
+            <a:r>
+              <a:rPr lang="de-DE" dirty="0" err="1"/>
+              <a:t>Related</a:t>
+            </a:r>
+            <a:r>
+              <a:rPr lang="de-DE" dirty="0"/>
+              <a:t> Work</a:t>
+            </a:r>
+          </a:p>
+        </p:txBody>
+      </p:sp>
+      <p:sp>
+        <p:nvSpPr>
+          <p:cNvPr id="3" name="Inhaltsplatzhalter 2">
+            <a:extLst>
+              <a:ext uri="{FF2B5EF4-FFF2-40B4-BE49-F238E27FC236}">
+                <a16:creationId xmlns:a16="http://schemas.microsoft.com/office/drawing/2014/main" id="{77A38ED1-6F64-674C-ABC0-889577B6942E}"/>
+              </a:ext>
+            </a:extLst>
+          </p:cNvPr>
+          <p:cNvSpPr>
+            <a:spLocks noGrp="1"/>
+          </p:cNvSpPr>
+          <p:nvPr>
+            <p:ph idx="1"/>
+          </p:nvPr>
+        </p:nvSpPr>
+        <p:spPr/>
+        <p:txBody>
+          <a:bodyPr/>
+          <a:lstStyle/>
+          <a:p>
+            <a:endParaRPr lang="de-DE" dirty="0"/>
+          </a:p>
+        </p:txBody>
+      </p:sp>
+      <p:sp>
+        <p:nvSpPr>
+          <p:cNvPr id="4" name="Foliennummernplatzhalter 3">
+            <a:extLst>
+              <a:ext uri="{FF2B5EF4-FFF2-40B4-BE49-F238E27FC236}">
+                <a16:creationId xmlns:a16="http://schemas.microsoft.com/office/drawing/2014/main" id="{08B03854-BA34-FE45-8EF0-08D76EE7AD03}"/>
+              </a:ext>
+            </a:extLst>
+          </p:cNvPr>
+          <p:cNvSpPr>
+            <a:spLocks noGrp="1"/>
+          </p:cNvSpPr>
+          <p:nvPr>
+            <p:ph type="sldNum" sz="quarter" idx="12"/>
+          </p:nvPr>
+        </p:nvSpPr>
+        <p:spPr/>
+        <p:txBody>
+          <a:bodyPr/>
+          <a:lstStyle/>
+          <a:p>
+            <a:fld id="{D57F1E4F-1CFF-5643-939E-217C01CDF565}" type="slidenum">
+              <a:rPr lang="en-US" smtClean="0"/>
+              <a:pPr/>
+              <a:t>13</a:t>
+            </a:fld>
+            <a:endParaRPr lang="en-US" dirty="0"/>
+          </a:p>
+        </p:txBody>
+      </p:sp>
+    </p:spTree>
+    <p:extLst>
+      <p:ext uri="{BB962C8B-B14F-4D97-AF65-F5344CB8AC3E}">
+        <p14:creationId xmlns:p14="http://schemas.microsoft.com/office/powerpoint/2010/main" val="4125700209"/>
       </p:ext>
     </p:extLst>
   </p:cSld>
@@ -4349,12 +5791,1460 @@
           <a:chExt cx="0" cy="0"/>
         </a:xfrm>
       </p:grpSpPr>
+      <p:sp>
+        <p:nvSpPr>
+          <p:cNvPr id="2" name="Titel 1">
+            <a:extLst>
+              <a:ext uri="{FF2B5EF4-FFF2-40B4-BE49-F238E27FC236}">
+                <a16:creationId xmlns:a16="http://schemas.microsoft.com/office/drawing/2014/main" id="{6B303FC4-917D-8B46-9F8D-F61969D70610}"/>
+              </a:ext>
+            </a:extLst>
+          </p:cNvPr>
+          <p:cNvSpPr>
+            <a:spLocks noGrp="1"/>
+          </p:cNvSpPr>
+          <p:nvPr>
+            <p:ph type="title"/>
+          </p:nvPr>
+        </p:nvSpPr>
+        <p:spPr/>
+        <p:txBody>
+          <a:bodyPr/>
+          <a:lstStyle/>
+          <a:p>
+            <a:r>
+              <a:rPr lang="de-DE" dirty="0"/>
+              <a:t>Motivation</a:t>
+            </a:r>
+          </a:p>
+        </p:txBody>
+      </p:sp>
+      <p:sp>
+        <p:nvSpPr>
+          <p:cNvPr id="4" name="Foliennummernplatzhalter 3">
+            <a:extLst>
+              <a:ext uri="{FF2B5EF4-FFF2-40B4-BE49-F238E27FC236}">
+                <a16:creationId xmlns:a16="http://schemas.microsoft.com/office/drawing/2014/main" id="{04D4E4DE-40D9-6D4D-858B-11D0B551679C}"/>
+              </a:ext>
+            </a:extLst>
+          </p:cNvPr>
+          <p:cNvSpPr>
+            <a:spLocks noGrp="1"/>
+          </p:cNvSpPr>
+          <p:nvPr>
+            <p:ph type="sldNum" sz="quarter" idx="12"/>
+          </p:nvPr>
+        </p:nvSpPr>
+        <p:spPr/>
+        <p:txBody>
+          <a:bodyPr/>
+          <a:lstStyle/>
+          <a:p>
+            <a:fld id="{D57F1E4F-1CFF-5643-939E-217C01CDF565}" type="slidenum">
+              <a:rPr lang="en-US" smtClean="0"/>
+              <a:pPr/>
+              <a:t>2</a:t>
+            </a:fld>
+            <a:endParaRPr lang="en-US" dirty="0"/>
+          </a:p>
+        </p:txBody>
+      </p:sp>
+      <p:sp>
+        <p:nvSpPr>
+          <p:cNvPr id="5" name="Textfeld 4">
+            <a:extLst>
+              <a:ext uri="{FF2B5EF4-FFF2-40B4-BE49-F238E27FC236}">
+                <a16:creationId xmlns:a16="http://schemas.microsoft.com/office/drawing/2014/main" id="{D8FB5831-8E97-8C4B-A006-28201B7966BE}"/>
+              </a:ext>
+            </a:extLst>
+          </p:cNvPr>
+          <p:cNvSpPr txBox="1"/>
+          <p:nvPr/>
+        </p:nvSpPr>
+        <p:spPr>
+          <a:xfrm>
+            <a:off x="7517957" y="1866834"/>
+            <a:ext cx="4238046" cy="1200329"/>
+          </a:xfrm>
+          <a:prstGeom prst="rect">
+            <a:avLst/>
+          </a:prstGeom>
+          <a:noFill/>
+        </p:spPr>
+        <p:txBody>
+          <a:bodyPr wrap="square" rtlCol="0">
+            <a:spAutoFit/>
+          </a:bodyPr>
+          <a:lstStyle/>
+          <a:p>
+            <a:r>
+              <a:rPr lang="de-DE" i="1" dirty="0"/>
+              <a:t>„@</a:t>
+            </a:r>
+            <a:r>
+              <a:rPr lang="de-DE" i="1" dirty="0" err="1"/>
+              <a:t>RickiRoma</a:t>
+            </a:r>
+            <a:r>
+              <a:rPr lang="de-DE" i="1" dirty="0"/>
+              <a:t> </a:t>
+            </a:r>
+            <a:r>
+              <a:rPr lang="de-DE" i="1" dirty="0" err="1"/>
+              <a:t>bitch</a:t>
+            </a:r>
+            <a:r>
+              <a:rPr lang="de-DE" i="1" dirty="0"/>
+              <a:t> </a:t>
+            </a:r>
+            <a:r>
+              <a:rPr lang="de-DE" i="1" dirty="0" err="1"/>
+              <a:t>watch</a:t>
+            </a:r>
+            <a:r>
+              <a:rPr lang="de-DE" i="1" dirty="0"/>
+              <a:t> </a:t>
+            </a:r>
+            <a:r>
+              <a:rPr lang="de-DE" i="1" dirty="0" err="1"/>
+              <a:t>ya</a:t>
+            </a:r>
+            <a:r>
+              <a:rPr lang="de-DE" i="1" dirty="0"/>
+              <a:t> tone </a:t>
+            </a:r>
+            <a:r>
+              <a:rPr lang="de-DE" i="1" dirty="0" err="1"/>
+              <a:t>before</a:t>
+            </a:r>
+            <a:r>
+              <a:rPr lang="de-DE" i="1" dirty="0"/>
+              <a:t> I </a:t>
+            </a:r>
+            <a:r>
+              <a:rPr lang="de-DE" i="1" dirty="0" err="1"/>
+              <a:t>drag</a:t>
+            </a:r>
+            <a:r>
+              <a:rPr lang="de-DE" i="1" dirty="0"/>
+              <a:t> </a:t>
+            </a:r>
+            <a:r>
+              <a:rPr lang="de-DE" i="1" dirty="0" err="1"/>
+              <a:t>you</a:t>
+            </a:r>
+            <a:r>
+              <a:rPr lang="de-DE" i="1" dirty="0"/>
+              <a:t> </a:t>
+            </a:r>
+            <a:r>
+              <a:rPr lang="de-DE" i="1" dirty="0" err="1"/>
+              <a:t>to</a:t>
+            </a:r>
+            <a:r>
+              <a:rPr lang="de-DE" i="1" dirty="0"/>
+              <a:t> </a:t>
+            </a:r>
+            <a:r>
+              <a:rPr lang="de-DE" i="1" dirty="0" err="1"/>
+              <a:t>the</a:t>
+            </a:r>
+            <a:r>
+              <a:rPr lang="de-DE" i="1" dirty="0"/>
+              <a:t> </a:t>
+            </a:r>
+            <a:r>
+              <a:rPr lang="de-DE" i="1" dirty="0" err="1"/>
+              <a:t>recycling</a:t>
+            </a:r>
+            <a:r>
+              <a:rPr lang="de-DE" i="1" dirty="0"/>
+              <a:t> bin </a:t>
+            </a:r>
+            <a:r>
+              <a:rPr lang="de-DE" i="1" dirty="0" err="1"/>
+              <a:t>you</a:t>
+            </a:r>
+            <a:r>
+              <a:rPr lang="de-DE" i="1" dirty="0"/>
+              <a:t> </a:t>
+            </a:r>
+            <a:r>
+              <a:rPr lang="de-DE" i="1" dirty="0" err="1"/>
+              <a:t>bitch</a:t>
+            </a:r>
+            <a:r>
+              <a:rPr lang="de-DE" i="1" dirty="0"/>
+              <a:t> </a:t>
+            </a:r>
+            <a:r>
+              <a:rPr lang="de-DE" i="1" dirty="0" err="1"/>
+              <a:t>ass</a:t>
+            </a:r>
+            <a:r>
+              <a:rPr lang="de-DE" i="1" dirty="0"/>
+              <a:t> </a:t>
+            </a:r>
+            <a:r>
+              <a:rPr lang="de-DE" i="1" dirty="0" err="1"/>
+              <a:t>nigga</a:t>
+            </a:r>
+            <a:r>
+              <a:rPr lang="de-DE" i="1" dirty="0"/>
+              <a:t>. </a:t>
+            </a:r>
+            <a:r>
+              <a:rPr lang="de-DE" i="1" dirty="0" err="1"/>
+              <a:t>You</a:t>
+            </a:r>
+            <a:r>
+              <a:rPr lang="de-DE" i="1" dirty="0"/>
+              <a:t> </a:t>
+            </a:r>
+            <a:r>
+              <a:rPr lang="de-DE" i="1" dirty="0" err="1"/>
+              <a:t>gon</a:t>
+            </a:r>
+            <a:r>
+              <a:rPr lang="de-DE" i="1" dirty="0"/>
+              <a:t> end </a:t>
+            </a:r>
+            <a:r>
+              <a:rPr lang="de-DE" i="1" dirty="0" err="1"/>
+              <a:t>up</a:t>
+            </a:r>
+            <a:r>
+              <a:rPr lang="de-DE" i="1" dirty="0"/>
+              <a:t> like </a:t>
+            </a:r>
+            <a:r>
+              <a:rPr lang="de-DE" i="1" dirty="0" err="1"/>
+              <a:t>limewire</a:t>
+            </a:r>
+            <a:r>
+              <a:rPr lang="de-DE" i="1" dirty="0"/>
+              <a:t> </a:t>
+            </a:r>
+            <a:r>
+              <a:rPr lang="de-DE" i="1" dirty="0" err="1"/>
+              <a:t>ol</a:t>
+            </a:r>
+            <a:r>
+              <a:rPr lang="de-DE" i="1" dirty="0"/>
+              <a:t> .exe </a:t>
+            </a:r>
+            <a:r>
+              <a:rPr lang="de-DE" i="1" dirty="0" err="1"/>
+              <a:t>ass</a:t>
+            </a:r>
+            <a:r>
+              <a:rPr lang="de-DE" i="1" dirty="0"/>
+              <a:t> </a:t>
+            </a:r>
+            <a:r>
+              <a:rPr lang="de-DE" i="1" dirty="0" err="1"/>
+              <a:t>nigga</a:t>
+            </a:r>
+            <a:r>
+              <a:rPr lang="de-DE" i="1" dirty="0"/>
+              <a:t>“</a:t>
+            </a:r>
+          </a:p>
+        </p:txBody>
+      </p:sp>
+      <p:sp>
+        <p:nvSpPr>
+          <p:cNvPr id="6" name="Textfeld 5">
+            <a:extLst>
+              <a:ext uri="{FF2B5EF4-FFF2-40B4-BE49-F238E27FC236}">
+                <a16:creationId xmlns:a16="http://schemas.microsoft.com/office/drawing/2014/main" id="{107EABE9-F8CD-FA43-B2E8-4BB37D10EE13}"/>
+              </a:ext>
+            </a:extLst>
+          </p:cNvPr>
+          <p:cNvSpPr txBox="1"/>
+          <p:nvPr/>
+        </p:nvSpPr>
+        <p:spPr>
+          <a:xfrm>
+            <a:off x="7517955" y="5345510"/>
+            <a:ext cx="4238047" cy="646331"/>
+          </a:xfrm>
+          <a:prstGeom prst="rect">
+            <a:avLst/>
+          </a:prstGeom>
+          <a:noFill/>
+        </p:spPr>
+        <p:txBody>
+          <a:bodyPr wrap="square" rtlCol="0">
+            <a:spAutoFit/>
+          </a:bodyPr>
+          <a:lstStyle/>
+          <a:p>
+            <a:r>
+              <a:rPr lang="de-DE" i="1" dirty="0"/>
+              <a:t>„@</a:t>
+            </a:r>
+            <a:r>
+              <a:rPr lang="de-DE" i="1" dirty="0" err="1"/>
+              <a:t>DangItsTiff</a:t>
+            </a:r>
+            <a:r>
+              <a:rPr lang="de-DE" i="1" dirty="0"/>
+              <a:t> </a:t>
+            </a:r>
+            <a:r>
+              <a:rPr lang="de-DE" i="1" dirty="0" err="1"/>
+              <a:t>you</a:t>
+            </a:r>
+            <a:r>
+              <a:rPr lang="de-DE" i="1" dirty="0"/>
+              <a:t> </a:t>
+            </a:r>
+            <a:r>
+              <a:rPr lang="de-DE" i="1" dirty="0" err="1"/>
+              <a:t>look</a:t>
+            </a:r>
+            <a:r>
+              <a:rPr lang="de-DE" i="1" dirty="0"/>
+              <a:t> like </a:t>
+            </a:r>
+            <a:r>
+              <a:rPr lang="de-DE" i="1" dirty="0" err="1"/>
+              <a:t>fucking</a:t>
+            </a:r>
+            <a:r>
+              <a:rPr lang="de-DE" i="1" dirty="0"/>
+              <a:t> </a:t>
+            </a:r>
+            <a:r>
+              <a:rPr lang="de-DE" i="1" dirty="0" err="1"/>
+              <a:t>shrek</a:t>
+            </a:r>
+            <a:r>
+              <a:rPr lang="de-DE" i="1" dirty="0"/>
+              <a:t> </a:t>
+            </a:r>
+            <a:r>
+              <a:rPr lang="de-DE" i="1" dirty="0" err="1"/>
+              <a:t>bitch</a:t>
+            </a:r>
+            <a:r>
+              <a:rPr lang="de-DE" i="1" dirty="0"/>
+              <a:t>“</a:t>
+            </a:r>
+          </a:p>
+        </p:txBody>
+      </p:sp>
+      <p:sp>
+        <p:nvSpPr>
+          <p:cNvPr id="7" name="Textfeld 6">
+            <a:extLst>
+              <a:ext uri="{FF2B5EF4-FFF2-40B4-BE49-F238E27FC236}">
+                <a16:creationId xmlns:a16="http://schemas.microsoft.com/office/drawing/2014/main" id="{988F73EE-E66F-0842-9DF1-7F06945FAE3E}"/>
+              </a:ext>
+            </a:extLst>
+          </p:cNvPr>
+          <p:cNvSpPr txBox="1"/>
+          <p:nvPr/>
+        </p:nvSpPr>
+        <p:spPr>
+          <a:xfrm flipH="1">
+            <a:off x="435997" y="1866834"/>
+            <a:ext cx="4460682" cy="923330"/>
+          </a:xfrm>
+          <a:prstGeom prst="rect">
+            <a:avLst/>
+          </a:prstGeom>
+          <a:noFill/>
+        </p:spPr>
+        <p:txBody>
+          <a:bodyPr wrap="square" rtlCol="0">
+            <a:spAutoFit/>
+          </a:bodyPr>
+          <a:lstStyle/>
+          <a:p>
+            <a:r>
+              <a:rPr lang="de-DE" i="1" dirty="0"/>
+              <a:t>„@TB12FAN </a:t>
+            </a:r>
+            <a:r>
+              <a:rPr lang="de-DE" i="1" dirty="0" err="1"/>
+              <a:t>and</a:t>
+            </a:r>
+            <a:r>
+              <a:rPr lang="de-DE" i="1" dirty="0"/>
+              <a:t> fuck </a:t>
+            </a:r>
+            <a:r>
+              <a:rPr lang="de-DE" i="1" dirty="0" err="1"/>
+              <a:t>you</a:t>
+            </a:r>
+            <a:r>
+              <a:rPr lang="de-DE" i="1" dirty="0"/>
+              <a:t> </a:t>
+            </a:r>
+            <a:r>
+              <a:rPr lang="de-DE" i="1" dirty="0" err="1"/>
+              <a:t>too</a:t>
+            </a:r>
+            <a:r>
+              <a:rPr lang="de-DE" i="1" dirty="0"/>
+              <a:t> </a:t>
+            </a:r>
+            <a:r>
+              <a:rPr lang="de-DE" i="1" dirty="0" err="1"/>
+              <a:t>ya</a:t>
+            </a:r>
+            <a:r>
+              <a:rPr lang="de-DE" i="1" dirty="0"/>
+              <a:t> </a:t>
+            </a:r>
+            <a:r>
+              <a:rPr lang="de-DE" i="1" dirty="0" err="1"/>
+              <a:t>little</a:t>
+            </a:r>
+            <a:r>
+              <a:rPr lang="de-DE" i="1" dirty="0"/>
+              <a:t> </a:t>
+            </a:r>
+            <a:r>
+              <a:rPr lang="de-DE" i="1" dirty="0" err="1"/>
+              <a:t>bitch</a:t>
+            </a:r>
+            <a:r>
+              <a:rPr lang="de-DE" i="1" dirty="0"/>
+              <a:t> </a:t>
+            </a:r>
+            <a:r>
+              <a:rPr lang="de-DE" i="1" dirty="0" err="1"/>
+              <a:t>you</a:t>
+            </a:r>
+            <a:r>
+              <a:rPr lang="de-DE" i="1" dirty="0"/>
+              <a:t> </a:t>
+            </a:r>
+            <a:r>
+              <a:rPr lang="de-DE" i="1" dirty="0" err="1"/>
+              <a:t>look</a:t>
+            </a:r>
+            <a:r>
+              <a:rPr lang="de-DE" i="1" dirty="0"/>
+              <a:t> like a </a:t>
+            </a:r>
+            <a:r>
+              <a:rPr lang="de-DE" i="1" dirty="0" err="1"/>
+              <a:t>Mexican</a:t>
+            </a:r>
+            <a:r>
+              <a:rPr lang="de-DE" i="1" dirty="0"/>
+              <a:t> </a:t>
+            </a:r>
+            <a:r>
+              <a:rPr lang="de-DE" i="1" dirty="0" err="1"/>
+              <a:t>sucking</a:t>
+            </a:r>
+            <a:r>
+              <a:rPr lang="de-DE" i="1" dirty="0"/>
+              <a:t> a </a:t>
+            </a:r>
+            <a:r>
+              <a:rPr lang="de-DE" i="1" dirty="0" err="1"/>
+              <a:t>cock</a:t>
+            </a:r>
+            <a:r>
+              <a:rPr lang="de-DE" i="1" dirty="0"/>
+              <a:t> in </a:t>
+            </a:r>
+            <a:r>
+              <a:rPr lang="de-DE" i="1" dirty="0" err="1"/>
+              <a:t>ur</a:t>
+            </a:r>
+            <a:r>
+              <a:rPr lang="de-DE" i="1" dirty="0"/>
+              <a:t> </a:t>
+            </a:r>
+            <a:r>
+              <a:rPr lang="de-DE" i="1" dirty="0" err="1"/>
+              <a:t>profile</a:t>
+            </a:r>
+            <a:r>
+              <a:rPr lang="de-DE" i="1" dirty="0"/>
+              <a:t>“</a:t>
+            </a:r>
+          </a:p>
+        </p:txBody>
+      </p:sp>
+      <p:sp>
+        <p:nvSpPr>
+          <p:cNvPr id="8" name="Textfeld 7">
+            <a:extLst>
+              <a:ext uri="{FF2B5EF4-FFF2-40B4-BE49-F238E27FC236}">
+                <a16:creationId xmlns:a16="http://schemas.microsoft.com/office/drawing/2014/main" id="{C00999C3-734E-774D-81C7-A56BE1B1E0FB}"/>
+              </a:ext>
+            </a:extLst>
+          </p:cNvPr>
+          <p:cNvSpPr txBox="1"/>
+          <p:nvPr/>
+        </p:nvSpPr>
+        <p:spPr>
+          <a:xfrm>
+            <a:off x="435998" y="5345510"/>
+            <a:ext cx="4460682" cy="923330"/>
+          </a:xfrm>
+          <a:prstGeom prst="rect">
+            <a:avLst/>
+          </a:prstGeom>
+          <a:noFill/>
+        </p:spPr>
+        <p:txBody>
+          <a:bodyPr wrap="square" rtlCol="0">
+            <a:spAutoFit/>
+          </a:bodyPr>
+          <a:lstStyle/>
+          <a:p>
+            <a:r>
+              <a:rPr lang="de-DE" i="1" dirty="0"/>
+              <a:t>„</a:t>
+            </a:r>
+            <a:r>
+              <a:rPr lang="de-DE" dirty="0"/>
+              <a:t>@TreTyler_108  </a:t>
+            </a:r>
+            <a:r>
+              <a:rPr lang="de-DE" i="1" dirty="0" err="1"/>
+              <a:t>That's</a:t>
+            </a:r>
+            <a:r>
+              <a:rPr lang="de-DE" i="1" dirty="0"/>
+              <a:t> </a:t>
+            </a:r>
+            <a:r>
+              <a:rPr lang="de-DE" i="1" dirty="0" err="1"/>
+              <a:t>actually</a:t>
+            </a:r>
+            <a:r>
+              <a:rPr lang="de-DE" i="1" dirty="0"/>
+              <a:t> non-English. </a:t>
+            </a:r>
+            <a:r>
+              <a:rPr lang="de-DE" i="1" dirty="0" err="1"/>
+              <a:t>Because</a:t>
+            </a:r>
+            <a:r>
+              <a:rPr lang="de-DE" i="1" dirty="0"/>
+              <a:t> #</a:t>
+            </a:r>
+            <a:r>
+              <a:rPr lang="de-DE" i="1" dirty="0" err="1"/>
+              <a:t>okiecops</a:t>
+            </a:r>
+            <a:r>
+              <a:rPr lang="de-DE" i="1" dirty="0"/>
+              <a:t> </a:t>
+            </a:r>
+            <a:r>
+              <a:rPr lang="de-DE" i="1" dirty="0" err="1"/>
+              <a:t>are</a:t>
+            </a:r>
+            <a:r>
+              <a:rPr lang="de-DE" i="1" dirty="0"/>
+              <a:t> </a:t>
+            </a:r>
+            <a:r>
+              <a:rPr lang="de-DE" i="1" dirty="0" err="1"/>
+              <a:t>filthy</a:t>
+            </a:r>
+            <a:r>
+              <a:rPr lang="de-DE" i="1" dirty="0"/>
+              <a:t> </a:t>
+            </a:r>
+            <a:r>
+              <a:rPr lang="de-DE" i="1" dirty="0" err="1"/>
+              <a:t>white</a:t>
+            </a:r>
+            <a:r>
+              <a:rPr lang="de-DE" i="1" dirty="0"/>
+              <a:t> </a:t>
+            </a:r>
+            <a:r>
+              <a:rPr lang="de-DE" i="1" dirty="0" err="1"/>
+              <a:t>trash</a:t>
+            </a:r>
+            <a:r>
+              <a:rPr lang="de-DE" i="1" dirty="0"/>
+              <a:t> </a:t>
+            </a:r>
+            <a:r>
+              <a:rPr lang="de-DE" i="1" dirty="0" err="1"/>
+              <a:t>who</a:t>
+            </a:r>
+            <a:r>
+              <a:rPr lang="de-DE" i="1" dirty="0"/>
+              <a:t> </a:t>
+            </a:r>
+            <a:r>
+              <a:rPr lang="de-DE" i="1" dirty="0" err="1"/>
+              <a:t>are</a:t>
+            </a:r>
+            <a:r>
+              <a:rPr lang="de-DE" i="1" dirty="0"/>
+              <a:t> all </a:t>
+            </a:r>
+            <a:r>
+              <a:rPr lang="de-DE" i="1" dirty="0" err="1"/>
+              <a:t>criminals</a:t>
+            </a:r>
+            <a:r>
+              <a:rPr lang="de-DE" i="1" dirty="0"/>
+              <a:t>.“</a:t>
+            </a:r>
+          </a:p>
+        </p:txBody>
+      </p:sp>
+      <p:sp>
+        <p:nvSpPr>
+          <p:cNvPr id="9" name="Textfeld 8">
+            <a:extLst>
+              <a:ext uri="{FF2B5EF4-FFF2-40B4-BE49-F238E27FC236}">
+                <a16:creationId xmlns:a16="http://schemas.microsoft.com/office/drawing/2014/main" id="{D6522BB8-F286-774A-B6D9-284957D91A65}"/>
+              </a:ext>
+            </a:extLst>
+          </p:cNvPr>
+          <p:cNvSpPr txBox="1"/>
+          <p:nvPr/>
+        </p:nvSpPr>
+        <p:spPr>
+          <a:xfrm>
+            <a:off x="435997" y="3606172"/>
+            <a:ext cx="4460682" cy="923330"/>
+          </a:xfrm>
+          <a:prstGeom prst="rect">
+            <a:avLst/>
+          </a:prstGeom>
+          <a:noFill/>
+        </p:spPr>
+        <p:txBody>
+          <a:bodyPr wrap="square" rtlCol="0">
+            <a:spAutoFit/>
+          </a:bodyPr>
+          <a:lstStyle/>
+          <a:p>
+            <a:r>
+              <a:rPr lang="de-DE" i="1" dirty="0"/>
+              <a:t>„@</a:t>
+            </a:r>
+            <a:r>
+              <a:rPr lang="de-DE" i="1" dirty="0" err="1"/>
+              <a:t>elchavaloko</a:t>
+            </a:r>
+            <a:r>
+              <a:rPr lang="de-DE" i="1" dirty="0"/>
+              <a:t> </a:t>
+            </a:r>
+            <a:r>
+              <a:rPr lang="de-DE" i="1" dirty="0" err="1"/>
+              <a:t>who</a:t>
+            </a:r>
+            <a:r>
+              <a:rPr lang="de-DE" i="1" dirty="0"/>
+              <a:t> </a:t>
+            </a:r>
+            <a:r>
+              <a:rPr lang="de-DE" i="1" dirty="0" err="1"/>
+              <a:t>cares</a:t>
+            </a:r>
+            <a:r>
+              <a:rPr lang="de-DE" i="1" dirty="0"/>
+              <a:t> </a:t>
+            </a:r>
+            <a:r>
+              <a:rPr lang="de-DE" i="1" dirty="0" err="1"/>
+              <a:t>tbh</a:t>
+            </a:r>
+            <a:r>
+              <a:rPr lang="de-DE" i="1" dirty="0"/>
+              <a:t> </a:t>
+            </a:r>
+            <a:r>
+              <a:rPr lang="de-DE" i="1" dirty="0" err="1"/>
+              <a:t>ones</a:t>
+            </a:r>
+            <a:r>
+              <a:rPr lang="de-DE" i="1" dirty="0"/>
+              <a:t> a </a:t>
+            </a:r>
+            <a:r>
+              <a:rPr lang="de-DE" i="1" dirty="0" err="1"/>
+              <a:t>shitty</a:t>
+            </a:r>
+            <a:r>
+              <a:rPr lang="de-DE" i="1" dirty="0"/>
+              <a:t> </a:t>
+            </a:r>
+            <a:r>
+              <a:rPr lang="de-DE" i="1" dirty="0" err="1"/>
+              <a:t>dirty</a:t>
+            </a:r>
+            <a:r>
+              <a:rPr lang="de-DE" i="1" dirty="0"/>
+              <a:t> </a:t>
+            </a:r>
+            <a:r>
+              <a:rPr lang="de-DE" i="1" dirty="0" err="1"/>
+              <a:t>Argentino</a:t>
+            </a:r>
+            <a:r>
+              <a:rPr lang="de-DE" i="1" dirty="0"/>
+              <a:t> &amp;</a:t>
+            </a:r>
+            <a:r>
+              <a:rPr lang="de-DE" i="1" dirty="0" err="1"/>
+              <a:t>amp</a:t>
+            </a:r>
+            <a:r>
+              <a:rPr lang="de-DE" i="1" dirty="0"/>
+              <a:t>; </a:t>
+            </a:r>
+            <a:r>
+              <a:rPr lang="de-DE" i="1" dirty="0" err="1"/>
+              <a:t>the</a:t>
+            </a:r>
+            <a:r>
+              <a:rPr lang="de-DE" i="1" dirty="0"/>
+              <a:t> </a:t>
+            </a:r>
+            <a:r>
+              <a:rPr lang="de-DE" i="1" dirty="0" err="1"/>
+              <a:t>other</a:t>
+            </a:r>
+            <a:r>
+              <a:rPr lang="de-DE" i="1" dirty="0"/>
+              <a:t> </a:t>
+            </a:r>
+            <a:r>
+              <a:rPr lang="de-DE" i="1" dirty="0" err="1"/>
+              <a:t>is</a:t>
+            </a:r>
+            <a:r>
+              <a:rPr lang="de-DE" i="1" dirty="0"/>
+              <a:t> a </a:t>
+            </a:r>
+            <a:r>
+              <a:rPr lang="de-DE" i="1" dirty="0" err="1"/>
+              <a:t>feather</a:t>
+            </a:r>
+            <a:r>
+              <a:rPr lang="de-DE" i="1" dirty="0"/>
+              <a:t> </a:t>
+            </a:r>
+            <a:r>
+              <a:rPr lang="de-DE" i="1" dirty="0" err="1"/>
+              <a:t>fisted</a:t>
+            </a:r>
+            <a:r>
+              <a:rPr lang="de-DE" i="1" dirty="0"/>
+              <a:t> </a:t>
+            </a:r>
+            <a:r>
+              <a:rPr lang="de-DE" i="1" dirty="0" err="1"/>
+              <a:t>nigger</a:t>
+            </a:r>
+            <a:r>
+              <a:rPr lang="de-DE" i="1" dirty="0"/>
+              <a:t>“</a:t>
+            </a:r>
+          </a:p>
+        </p:txBody>
+      </p:sp>
       <p:pic>
         <p:nvPicPr>
-          <p:cNvPr id="26" name="Grafik 25" descr="Gedankenblase Silhouette">
+          <p:cNvPr id="1028" name="Picture 4" descr="Bildergebnis für twitter logo">
             <a:extLst>
               <a:ext uri="{FF2B5EF4-FFF2-40B4-BE49-F238E27FC236}">
-                <a16:creationId xmlns:a16="http://schemas.microsoft.com/office/drawing/2014/main" id="{4F838615-3FCC-6942-B9C3-3E698AFF293F}"/>
+                <a16:creationId xmlns:a16="http://schemas.microsoft.com/office/drawing/2014/main" id="{008B2B14-42E6-4346-8E12-80DA683DD14D}"/>
+              </a:ext>
+            </a:extLst>
+          </p:cNvPr>
+          <p:cNvPicPr>
+            <a:picLocks noChangeAspect="1" noChangeArrowheads="1"/>
+          </p:cNvPicPr>
+          <p:nvPr/>
+        </p:nvPicPr>
+        <p:blipFill>
+          <a:blip r:embed="rId3">
+            <a:extLst>
+              <a:ext uri="{28A0092B-C50C-407E-A947-70E740481C1C}">
+                <a14:useLocalDpi xmlns:a14="http://schemas.microsoft.com/office/drawing/2010/main" val="0"/>
+              </a:ext>
+            </a:extLst>
+          </a:blip>
+          <a:srcRect/>
+          <a:stretch>
+            <a:fillRect/>
+          </a:stretch>
+        </p:blipFill>
+        <p:spPr bwMode="auto">
+          <a:xfrm>
+            <a:off x="5235939" y="3218890"/>
+            <a:ext cx="1720121" cy="1399157"/>
+          </a:xfrm>
+          <a:prstGeom prst="rect">
+            <a:avLst/>
+          </a:prstGeom>
+          <a:noFill/>
+          <a:extLst>
+            <a:ext uri="{909E8E84-426E-40DD-AFC4-6F175D3DCCD1}">
+              <a14:hiddenFill xmlns:a14="http://schemas.microsoft.com/office/drawing/2010/main">
+                <a:solidFill>
+                  <a:srgbClr val="FFFFFF"/>
+                </a:solidFill>
+              </a14:hiddenFill>
+            </a:ext>
+          </a:extLst>
+        </p:spPr>
+      </p:pic>
+      <p:sp>
+        <p:nvSpPr>
+          <p:cNvPr id="12" name="Textfeld 11">
+            <a:extLst>
+              <a:ext uri="{FF2B5EF4-FFF2-40B4-BE49-F238E27FC236}">
+                <a16:creationId xmlns:a16="http://schemas.microsoft.com/office/drawing/2014/main" id="{3305D561-DF1B-9A41-8F10-B60B05083868}"/>
+              </a:ext>
+            </a:extLst>
+          </p:cNvPr>
+          <p:cNvSpPr txBox="1"/>
+          <p:nvPr/>
+        </p:nvSpPr>
+        <p:spPr>
+          <a:xfrm>
+            <a:off x="7517956" y="3606172"/>
+            <a:ext cx="4238046" cy="1200329"/>
+          </a:xfrm>
+          <a:prstGeom prst="rect">
+            <a:avLst/>
+          </a:prstGeom>
+          <a:noFill/>
+        </p:spPr>
+        <p:txBody>
+          <a:bodyPr wrap="square" rtlCol="0">
+            <a:spAutoFit/>
+          </a:bodyPr>
+          <a:lstStyle/>
+          <a:p>
+            <a:r>
+              <a:rPr lang="de-DE" i="1" dirty="0"/>
+              <a:t>„@</a:t>
+            </a:r>
+            <a:r>
+              <a:rPr lang="de-DE" i="1" dirty="0" err="1"/>
+              <a:t>Twofifs</a:t>
+            </a:r>
+            <a:r>
+              <a:rPr lang="de-DE" i="1" dirty="0"/>
+              <a:t> </a:t>
+            </a:r>
+            <a:r>
+              <a:rPr lang="de-DE" i="1" dirty="0" err="1"/>
+              <a:t>And</a:t>
+            </a:r>
+            <a:r>
+              <a:rPr lang="de-DE" i="1" dirty="0"/>
+              <a:t> </a:t>
+            </a:r>
+            <a:r>
+              <a:rPr lang="de-DE" i="1" dirty="0" err="1"/>
+              <a:t>youre</a:t>
+            </a:r>
+            <a:r>
+              <a:rPr lang="de-DE" i="1" dirty="0"/>
+              <a:t> a </a:t>
+            </a:r>
+            <a:r>
+              <a:rPr lang="de-DE" i="1" dirty="0" err="1"/>
+              <a:t>fucking</a:t>
+            </a:r>
+            <a:r>
+              <a:rPr lang="de-DE" i="1" dirty="0"/>
+              <a:t> </a:t>
+            </a:r>
+            <a:r>
+              <a:rPr lang="de-DE" i="1" dirty="0" err="1"/>
+              <a:t>loudmouth</a:t>
+            </a:r>
+            <a:r>
+              <a:rPr lang="de-DE" i="1" dirty="0"/>
+              <a:t> ignorant </a:t>
+            </a:r>
+            <a:r>
+              <a:rPr lang="de-DE" i="1" dirty="0" err="1"/>
+              <a:t>redneck</a:t>
+            </a:r>
+            <a:r>
+              <a:rPr lang="de-DE" i="1" dirty="0"/>
+              <a:t> fuck. </a:t>
+            </a:r>
+            <a:r>
+              <a:rPr lang="de-DE" i="1" dirty="0" err="1"/>
+              <a:t>You</a:t>
+            </a:r>
+            <a:r>
+              <a:rPr lang="de-DE" i="1" dirty="0"/>
+              <a:t> still </a:t>
+            </a:r>
+            <a:r>
+              <a:rPr lang="de-DE" i="1" dirty="0" err="1"/>
+              <a:t>tryin</a:t>
+            </a:r>
+            <a:r>
+              <a:rPr lang="de-DE" i="1" dirty="0"/>
+              <a:t> </a:t>
+            </a:r>
+            <a:r>
+              <a:rPr lang="de-DE" i="1" dirty="0" err="1"/>
+              <a:t>to</a:t>
+            </a:r>
+            <a:r>
+              <a:rPr lang="de-DE" i="1" dirty="0"/>
+              <a:t> </a:t>
+            </a:r>
+            <a:r>
+              <a:rPr lang="de-DE" i="1" dirty="0" err="1"/>
+              <a:t>suck</a:t>
+            </a:r>
+            <a:r>
+              <a:rPr lang="de-DE" i="1" dirty="0"/>
+              <a:t> </a:t>
+            </a:r>
+            <a:r>
+              <a:rPr lang="de-DE" i="1" dirty="0" err="1"/>
+              <a:t>your</a:t>
+            </a:r>
+            <a:r>
+              <a:rPr lang="de-DE" i="1" dirty="0"/>
+              <a:t> </a:t>
+            </a:r>
+            <a:r>
+              <a:rPr lang="de-DE" i="1" dirty="0" err="1"/>
+              <a:t>own</a:t>
+            </a:r>
+            <a:r>
+              <a:rPr lang="de-DE" i="1" dirty="0"/>
+              <a:t> dick? </a:t>
+            </a:r>
+            <a:r>
+              <a:rPr lang="de-DE" i="1" dirty="0" err="1"/>
+              <a:t>You</a:t>
+            </a:r>
+            <a:r>
+              <a:rPr lang="de-DE" i="1" dirty="0"/>
+              <a:t> </a:t>
+            </a:r>
+            <a:r>
+              <a:rPr lang="de-DE" i="1" dirty="0" err="1"/>
+              <a:t>cant</a:t>
+            </a:r>
+            <a:r>
+              <a:rPr lang="de-DE" i="1" dirty="0"/>
+              <a:t> </a:t>
+            </a:r>
+            <a:r>
+              <a:rPr lang="de-DE" i="1" dirty="0" err="1"/>
+              <a:t>you</a:t>
+            </a:r>
+            <a:r>
+              <a:rPr lang="de-DE" i="1" dirty="0"/>
+              <a:t> </a:t>
+            </a:r>
+            <a:r>
+              <a:rPr lang="de-DE" i="1" dirty="0" err="1"/>
+              <a:t>dumbfuck</a:t>
+            </a:r>
+            <a:r>
+              <a:rPr lang="de-DE" i="1" dirty="0"/>
+              <a:t>...</a:t>
+            </a:r>
+            <a:r>
+              <a:rPr lang="de-DE" i="1" dirty="0" err="1"/>
+              <a:t>its</a:t>
+            </a:r>
+            <a:r>
+              <a:rPr lang="de-DE" i="1" dirty="0"/>
+              <a:t> </a:t>
+            </a:r>
+            <a:r>
+              <a:rPr lang="de-DE" i="1" dirty="0" err="1"/>
+              <a:t>too</a:t>
+            </a:r>
+            <a:r>
+              <a:rPr lang="de-DE" i="1" dirty="0"/>
+              <a:t> </a:t>
+            </a:r>
+            <a:r>
+              <a:rPr lang="de-DE" i="1" dirty="0" err="1"/>
+              <a:t>short</a:t>
+            </a:r>
+            <a:r>
+              <a:rPr lang="de-DE" i="1" dirty="0"/>
+              <a:t>.“</a:t>
+            </a:r>
+          </a:p>
+        </p:txBody>
+      </p:sp>
+    </p:spTree>
+    <p:extLst>
+      <p:ext uri="{BB962C8B-B14F-4D97-AF65-F5344CB8AC3E}">
+        <p14:creationId xmlns:p14="http://schemas.microsoft.com/office/powerpoint/2010/main" val="800066231"/>
+      </p:ext>
+    </p:extLst>
+  </p:cSld>
+  <p:clrMapOvr>
+    <a:masterClrMapping/>
+  </p:clrMapOvr>
+</p:sld>
+</file>
+
+<file path=ppt/slides/slide3.xml><?xml version="1.0" encoding="utf-8"?>
+<p:sld xmlns:a="http://schemas.openxmlformats.org/drawingml/2006/main" xmlns:r="http://schemas.openxmlformats.org/officeDocument/2006/relationships" xmlns:p="http://schemas.openxmlformats.org/presentationml/2006/main">
+  <p:cSld>
+    <p:spTree>
+      <p:nvGrpSpPr>
+        <p:cNvPr id="1" name=""/>
+        <p:cNvGrpSpPr/>
+        <p:nvPr/>
+      </p:nvGrpSpPr>
+      <p:grpSpPr>
+        <a:xfrm>
+          <a:off x="0" y="0"/>
+          <a:ext cx="0" cy="0"/>
+          <a:chOff x="0" y="0"/>
+          <a:chExt cx="0" cy="0"/>
+        </a:xfrm>
+      </p:grpSpPr>
+      <p:sp>
+        <p:nvSpPr>
+          <p:cNvPr id="2" name="Titel 1">
+            <a:extLst>
+              <a:ext uri="{FF2B5EF4-FFF2-40B4-BE49-F238E27FC236}">
+                <a16:creationId xmlns:a16="http://schemas.microsoft.com/office/drawing/2014/main" id="{FBD058E9-5577-DF4A-8432-EF405F4AC513}"/>
+              </a:ext>
+            </a:extLst>
+          </p:cNvPr>
+          <p:cNvSpPr>
+            <a:spLocks noGrp="1"/>
+          </p:cNvSpPr>
+          <p:nvPr>
+            <p:ph type="title"/>
+          </p:nvPr>
+        </p:nvSpPr>
+        <p:spPr/>
+        <p:txBody>
+          <a:bodyPr/>
+          <a:lstStyle/>
+          <a:p>
+            <a:r>
+              <a:rPr lang="de-DE" dirty="0"/>
+              <a:t>Motivation</a:t>
+            </a:r>
+          </a:p>
+        </p:txBody>
+      </p:sp>
+      <p:sp>
+        <p:nvSpPr>
+          <p:cNvPr id="4" name="Foliennummernplatzhalter 3">
+            <a:extLst>
+              <a:ext uri="{FF2B5EF4-FFF2-40B4-BE49-F238E27FC236}">
+                <a16:creationId xmlns:a16="http://schemas.microsoft.com/office/drawing/2014/main" id="{84F9DEB5-06E4-1046-95E9-B3FEEE880206}"/>
+              </a:ext>
+            </a:extLst>
+          </p:cNvPr>
+          <p:cNvSpPr>
+            <a:spLocks noGrp="1"/>
+          </p:cNvSpPr>
+          <p:nvPr>
+            <p:ph type="sldNum" sz="quarter" idx="12"/>
+          </p:nvPr>
+        </p:nvSpPr>
+        <p:spPr/>
+        <p:txBody>
+          <a:bodyPr/>
+          <a:lstStyle/>
+          <a:p>
+            <a:fld id="{D57F1E4F-1CFF-5643-939E-217C01CDF565}" type="slidenum">
+              <a:rPr lang="en-US" smtClean="0"/>
+              <a:pPr/>
+              <a:t>3</a:t>
+            </a:fld>
+            <a:endParaRPr lang="en-US" dirty="0"/>
+          </a:p>
+        </p:txBody>
+      </p:sp>
+      <p:sp>
+        <p:nvSpPr>
+          <p:cNvPr id="5" name="Rechteck 4">
+            <a:extLst>
+              <a:ext uri="{FF2B5EF4-FFF2-40B4-BE49-F238E27FC236}">
+                <a16:creationId xmlns:a16="http://schemas.microsoft.com/office/drawing/2014/main" id="{C9744840-1544-8042-B4F3-DCE6B65894C4}"/>
+              </a:ext>
+            </a:extLst>
+          </p:cNvPr>
+          <p:cNvSpPr/>
+          <p:nvPr/>
+        </p:nvSpPr>
+        <p:spPr>
+          <a:xfrm>
+            <a:off x="1219200" y="1958227"/>
+            <a:ext cx="9587700" cy="1569544"/>
+          </a:xfrm>
+          <a:prstGeom prst="rect">
+            <a:avLst/>
+          </a:prstGeom>
+          <a:noFill/>
+          <a:ln>
+            <a:solidFill>
+              <a:srgbClr val="3F5161"/>
+            </a:solidFill>
+          </a:ln>
+        </p:spPr>
+        <p:style>
+          <a:lnRef idx="2">
+            <a:schemeClr val="accent1">
+              <a:shade val="50000"/>
+            </a:schemeClr>
+          </a:lnRef>
+          <a:fillRef idx="1">
+            <a:schemeClr val="accent1"/>
+          </a:fillRef>
+          <a:effectRef idx="0">
+            <a:schemeClr val="accent1"/>
+          </a:effectRef>
+          <a:fontRef idx="minor">
+            <a:schemeClr val="lt1"/>
+          </a:fontRef>
+        </p:style>
+        <p:txBody>
+          <a:bodyPr rtlCol="0" anchor="ctr"/>
+          <a:lstStyle/>
+          <a:p>
+            <a:pPr algn="just"/>
+            <a:r>
+              <a:rPr lang="en-US" sz="2000" dirty="0">
+                <a:solidFill>
+                  <a:schemeClr val="tx1"/>
+                </a:solidFill>
+              </a:rPr>
+              <a:t>„Hate speech is commonly defined as any communication that disparages a target group of people based on some characteristic such as </a:t>
+            </a:r>
+            <a:r>
+              <a:rPr lang="en-US" sz="2000" b="1" dirty="0">
+                <a:solidFill>
+                  <a:schemeClr val="tx1"/>
+                </a:solidFill>
+              </a:rPr>
+              <a:t>race, </a:t>
+            </a:r>
+            <a:r>
+              <a:rPr lang="en-US" sz="2000" b="1" dirty="0" err="1">
+                <a:solidFill>
+                  <a:schemeClr val="tx1"/>
+                </a:solidFill>
+              </a:rPr>
+              <a:t>colour</a:t>
+            </a:r>
+            <a:r>
+              <a:rPr lang="en-US" sz="2000" b="1" dirty="0">
+                <a:solidFill>
+                  <a:schemeClr val="tx1"/>
+                </a:solidFill>
+              </a:rPr>
+              <a:t>, ethnicity, gender, sexual orientation, nationality, religion</a:t>
+            </a:r>
+            <a:r>
+              <a:rPr lang="en-US" sz="2000" dirty="0">
+                <a:solidFill>
+                  <a:schemeClr val="tx1"/>
+                </a:solidFill>
+              </a:rPr>
+              <a:t>, or other characteristic.“ </a:t>
+            </a:r>
+            <a:endParaRPr lang="en-US" dirty="0">
+              <a:solidFill>
+                <a:schemeClr val="tx1"/>
+              </a:solidFill>
+            </a:endParaRPr>
+          </a:p>
+          <a:p>
+            <a:pPr algn="r">
+              <a:lnSpc>
+                <a:spcPct val="200000"/>
+              </a:lnSpc>
+            </a:pPr>
+            <a:r>
+              <a:rPr lang="en-US" sz="1400" i="1" dirty="0">
+                <a:solidFill>
+                  <a:schemeClr val="tx1"/>
+                </a:solidFill>
+              </a:rPr>
+              <a:t>- Ona de </a:t>
+            </a:r>
+            <a:r>
+              <a:rPr lang="en-US" sz="1400" i="1" dirty="0" err="1">
+                <a:solidFill>
+                  <a:schemeClr val="tx1"/>
+                </a:solidFill>
+              </a:rPr>
+              <a:t>Gibert</a:t>
+            </a:r>
+            <a:r>
+              <a:rPr lang="en-US" sz="1400" i="1" dirty="0">
+                <a:solidFill>
+                  <a:schemeClr val="tx1"/>
+                </a:solidFill>
+              </a:rPr>
+              <a:t> (“Hate Speech Dataset from a White Supremacy Forum)</a:t>
+            </a:r>
+            <a:endParaRPr lang="de-DE" sz="1400" i="1" dirty="0">
+              <a:solidFill>
+                <a:schemeClr val="tx1"/>
+              </a:solidFill>
+            </a:endParaRPr>
+          </a:p>
+        </p:txBody>
+      </p:sp>
+    </p:spTree>
+    <p:extLst>
+      <p:ext uri="{BB962C8B-B14F-4D97-AF65-F5344CB8AC3E}">
+        <p14:creationId xmlns:p14="http://schemas.microsoft.com/office/powerpoint/2010/main" val="261738903"/>
+      </p:ext>
+    </p:extLst>
+  </p:cSld>
+  <p:clrMapOvr>
+    <a:masterClrMapping/>
+  </p:clrMapOvr>
+</p:sld>
+</file>
+
+<file path=ppt/slides/slide4.xml><?xml version="1.0" encoding="utf-8"?>
+<p:sld xmlns:a="http://schemas.openxmlformats.org/drawingml/2006/main" xmlns:r="http://schemas.openxmlformats.org/officeDocument/2006/relationships" xmlns:p="http://schemas.openxmlformats.org/presentationml/2006/main">
+  <p:cSld>
+    <p:spTree>
+      <p:nvGrpSpPr>
+        <p:cNvPr id="1" name=""/>
+        <p:cNvGrpSpPr/>
+        <p:nvPr/>
+      </p:nvGrpSpPr>
+      <p:grpSpPr>
+        <a:xfrm>
+          <a:off x="0" y="0"/>
+          <a:ext cx="0" cy="0"/>
+          <a:chOff x="0" y="0"/>
+          <a:chExt cx="0" cy="0"/>
+        </a:xfrm>
+      </p:grpSpPr>
+      <p:sp>
+        <p:nvSpPr>
+          <p:cNvPr id="2" name="Titel 1">
+            <a:extLst>
+              <a:ext uri="{FF2B5EF4-FFF2-40B4-BE49-F238E27FC236}">
+                <a16:creationId xmlns:a16="http://schemas.microsoft.com/office/drawing/2014/main" id="{FBD058E9-5577-DF4A-8432-EF405F4AC513}"/>
+              </a:ext>
+            </a:extLst>
+          </p:cNvPr>
+          <p:cNvSpPr>
+            <a:spLocks noGrp="1"/>
+          </p:cNvSpPr>
+          <p:nvPr>
+            <p:ph type="title"/>
+          </p:nvPr>
+        </p:nvSpPr>
+        <p:spPr/>
+        <p:txBody>
+          <a:bodyPr/>
+          <a:lstStyle/>
+          <a:p>
+            <a:r>
+              <a:rPr lang="de-DE" dirty="0"/>
+              <a:t>Motivation</a:t>
+            </a:r>
+          </a:p>
+        </p:txBody>
+      </p:sp>
+      <p:sp>
+        <p:nvSpPr>
+          <p:cNvPr id="3" name="Inhaltsplatzhalter 2">
+            <a:extLst>
+              <a:ext uri="{FF2B5EF4-FFF2-40B4-BE49-F238E27FC236}">
+                <a16:creationId xmlns:a16="http://schemas.microsoft.com/office/drawing/2014/main" id="{3F7077F6-F6FD-9345-8DA6-21D337B54AA1}"/>
+              </a:ext>
+            </a:extLst>
+          </p:cNvPr>
+          <p:cNvSpPr>
+            <a:spLocks noGrp="1"/>
+          </p:cNvSpPr>
+          <p:nvPr>
+            <p:ph idx="1"/>
+          </p:nvPr>
+        </p:nvSpPr>
+        <p:spPr/>
+        <p:txBody>
+          <a:bodyPr/>
+          <a:lstStyle/>
+          <a:p>
+            <a:r>
+              <a:rPr lang="de-DE" dirty="0"/>
+              <a:t>Problem </a:t>
+            </a:r>
+            <a:r>
+              <a:rPr lang="de-DE" dirty="0" err="1"/>
+              <a:t>description</a:t>
+            </a:r>
+            <a:r>
+              <a:rPr lang="de-DE" dirty="0"/>
+              <a:t> + Neuheitswerte</a:t>
+            </a:r>
+          </a:p>
+          <a:p>
+            <a:r>
+              <a:rPr lang="en-US" dirty="0"/>
+              <a:t>Research question: Can </a:t>
+            </a:r>
+            <a:r>
+              <a:rPr lang="de-DE" dirty="0" err="1"/>
+              <a:t>classical</a:t>
+            </a:r>
+            <a:r>
+              <a:rPr lang="de-DE" dirty="0"/>
+              <a:t> </a:t>
+            </a:r>
+            <a:r>
+              <a:rPr lang="de-DE" dirty="0" err="1"/>
+              <a:t>Machine</a:t>
+            </a:r>
+            <a:r>
+              <a:rPr lang="de-DE" dirty="0"/>
+              <a:t> Learning </a:t>
+            </a:r>
+            <a:r>
+              <a:rPr lang="de-DE" dirty="0" err="1"/>
+              <a:t>methods</a:t>
+            </a:r>
+            <a:r>
+              <a:rPr lang="de-DE" dirty="0"/>
+              <a:t> </a:t>
+            </a:r>
+            <a:r>
+              <a:rPr lang="de-DE" dirty="0" err="1"/>
+              <a:t>combined</a:t>
+            </a:r>
+            <a:r>
+              <a:rPr lang="de-DE" dirty="0"/>
+              <a:t> </a:t>
+            </a:r>
+            <a:r>
+              <a:rPr lang="de-DE" dirty="0" err="1"/>
+              <a:t>with</a:t>
+            </a:r>
+            <a:r>
+              <a:rPr lang="de-DE" dirty="0"/>
+              <a:t> </a:t>
+            </a:r>
+            <a:r>
+              <a:rPr lang="de-DE" dirty="0" err="1"/>
+              <a:t>suitable</a:t>
+            </a:r>
+            <a:r>
+              <a:rPr lang="de-DE" dirty="0"/>
+              <a:t> </a:t>
+            </a:r>
+            <a:r>
+              <a:rPr lang="de-DE" dirty="0" err="1"/>
+              <a:t>features</a:t>
+            </a:r>
+            <a:r>
+              <a:rPr lang="de-DE" dirty="0"/>
+              <a:t> </a:t>
+            </a:r>
+            <a:r>
+              <a:rPr lang="de-DE" dirty="0" err="1"/>
+              <a:t>outperform</a:t>
+            </a:r>
+            <a:r>
+              <a:rPr lang="de-DE" dirty="0"/>
+              <a:t> </a:t>
+            </a:r>
+            <a:r>
+              <a:rPr lang="de-DE" dirty="0" err="1"/>
+              <a:t>neural</a:t>
+            </a:r>
+            <a:r>
+              <a:rPr lang="de-DE" dirty="0"/>
+              <a:t> </a:t>
+            </a:r>
+            <a:r>
+              <a:rPr lang="de-DE" dirty="0" err="1"/>
+              <a:t>network</a:t>
+            </a:r>
+            <a:r>
+              <a:rPr lang="de-DE" dirty="0"/>
+              <a:t> </a:t>
+            </a:r>
+            <a:r>
+              <a:rPr lang="de-DE" dirty="0" err="1"/>
+              <a:t>based</a:t>
+            </a:r>
+            <a:r>
+              <a:rPr lang="de-DE" dirty="0"/>
+              <a:t> </a:t>
+            </a:r>
+            <a:r>
+              <a:rPr lang="de-DE" dirty="0" err="1"/>
+              <a:t>approaches</a:t>
+            </a:r>
+            <a:r>
+              <a:rPr lang="de-DE" dirty="0"/>
+              <a:t>?</a:t>
+            </a:r>
+          </a:p>
+          <a:p>
+            <a:endParaRPr lang="de-DE" dirty="0"/>
+          </a:p>
+        </p:txBody>
+      </p:sp>
+      <p:sp>
+        <p:nvSpPr>
+          <p:cNvPr id="4" name="Foliennummernplatzhalter 3">
+            <a:extLst>
+              <a:ext uri="{FF2B5EF4-FFF2-40B4-BE49-F238E27FC236}">
+                <a16:creationId xmlns:a16="http://schemas.microsoft.com/office/drawing/2014/main" id="{84F9DEB5-06E4-1046-95E9-B3FEEE880206}"/>
+              </a:ext>
+            </a:extLst>
+          </p:cNvPr>
+          <p:cNvSpPr>
+            <a:spLocks noGrp="1"/>
+          </p:cNvSpPr>
+          <p:nvPr>
+            <p:ph type="sldNum" sz="quarter" idx="12"/>
+          </p:nvPr>
+        </p:nvSpPr>
+        <p:spPr/>
+        <p:txBody>
+          <a:bodyPr/>
+          <a:lstStyle/>
+          <a:p>
+            <a:fld id="{D57F1E4F-1CFF-5643-939E-217C01CDF565}" type="slidenum">
+              <a:rPr lang="en-US" smtClean="0"/>
+              <a:pPr/>
+              <a:t>4</a:t>
+            </a:fld>
+            <a:endParaRPr lang="en-US" dirty="0"/>
+          </a:p>
+        </p:txBody>
+      </p:sp>
+      <p:pic>
+        <p:nvPicPr>
+          <p:cNvPr id="6" name="Grafik 5" descr="Gedankenblase Silhouette">
+            <a:extLst>
+              <a:ext uri="{FF2B5EF4-FFF2-40B4-BE49-F238E27FC236}">
+                <a16:creationId xmlns:a16="http://schemas.microsoft.com/office/drawing/2014/main" id="{5F3EC7B6-AFB9-4B46-BD84-4D09F0660C56}"/>
               </a:ext>
             </a:extLst>
           </p:cNvPr>
@@ -4377,7 +7267,7 @@
         </p:blipFill>
         <p:spPr>
           <a:xfrm>
-            <a:off x="3814774" y="3637962"/>
+            <a:off x="3699496" y="4061293"/>
             <a:ext cx="1014402" cy="1014402"/>
           </a:xfrm>
           <a:prstGeom prst="rect">
@@ -4387,684 +7277,10 @@
       </p:pic>
       <p:sp>
         <p:nvSpPr>
-          <p:cNvPr id="2" name="Titel 1">
+          <p:cNvPr id="7" name="Inhaltsplatzhalter 2">
             <a:extLst>
               <a:ext uri="{FF2B5EF4-FFF2-40B4-BE49-F238E27FC236}">
-                <a16:creationId xmlns:a16="http://schemas.microsoft.com/office/drawing/2014/main" id="{AA42505E-6992-0B48-8416-9769034740C3}"/>
-              </a:ext>
-            </a:extLst>
-          </p:cNvPr>
-          <p:cNvSpPr>
-            <a:spLocks noGrp="1"/>
-          </p:cNvSpPr>
-          <p:nvPr>
-            <p:ph type="title"/>
-          </p:nvPr>
-        </p:nvSpPr>
-        <p:spPr/>
-        <p:txBody>
-          <a:bodyPr/>
-          <a:lstStyle/>
-          <a:p>
-            <a:r>
-              <a:rPr lang="en-US" dirty="0"/>
-              <a:t>Motivation</a:t>
-            </a:r>
-          </a:p>
-        </p:txBody>
-      </p:sp>
-      <p:sp>
-        <p:nvSpPr>
-          <p:cNvPr id="3" name="Inhaltsplatzhalter 2">
-            <a:extLst>
-              <a:ext uri="{FF2B5EF4-FFF2-40B4-BE49-F238E27FC236}">
-                <a16:creationId xmlns:a16="http://schemas.microsoft.com/office/drawing/2014/main" id="{D978AE99-323C-014D-BCD1-842EE315CE9F}"/>
-              </a:ext>
-            </a:extLst>
-          </p:cNvPr>
-          <p:cNvSpPr>
-            <a:spLocks noGrp="1"/>
-          </p:cNvSpPr>
-          <p:nvPr>
-            <p:ph idx="1"/>
-          </p:nvPr>
-        </p:nvSpPr>
-        <p:spPr>
-          <a:xfrm>
-            <a:off x="5014918" y="3475437"/>
-            <a:ext cx="6929432" cy="3529015"/>
-          </a:xfrm>
-        </p:spPr>
-        <p:txBody>
-          <a:bodyPr>
-            <a:normAutofit/>
-          </a:bodyPr>
-          <a:lstStyle/>
-          <a:p>
-            <a:r>
-              <a:rPr lang="en-US" dirty="0"/>
-              <a:t>hate speech remains in a gray area (even with definitions) – somewhat subjective</a:t>
-            </a:r>
-          </a:p>
-        </p:txBody>
-      </p:sp>
-      <p:pic>
-        <p:nvPicPr>
-          <p:cNvPr id="5" name="Grafik 4" descr="Blitz mit einfarbiger Füllung">
-            <a:extLst>
-              <a:ext uri="{FF2B5EF4-FFF2-40B4-BE49-F238E27FC236}">
-                <a16:creationId xmlns:a16="http://schemas.microsoft.com/office/drawing/2014/main" id="{1CAAFDFF-14B7-FF44-A328-98445C3CFECE}"/>
-              </a:ext>
-            </a:extLst>
-          </p:cNvPr>
-          <p:cNvPicPr>
-            <a:picLocks noChangeAspect="1"/>
-          </p:cNvPicPr>
-          <p:nvPr/>
-        </p:nvPicPr>
-        <p:blipFill>
-          <a:blip r:embed="rId4">
-            <a:extLst>
-              <a:ext uri="{96DAC541-7B7A-43D3-8B79-37D633B846F1}">
-                <asvg:svgBlip xmlns:asvg="http://schemas.microsoft.com/office/drawing/2016/SVG/main" r:embed="rId5"/>
-              </a:ext>
-            </a:extLst>
-          </a:blip>
-          <a:stretch>
-            <a:fillRect/>
-          </a:stretch>
-        </p:blipFill>
-        <p:spPr>
-          <a:xfrm>
-            <a:off x="1371600" y="3516513"/>
-            <a:ext cx="628650" cy="628650"/>
-          </a:xfrm>
-          <a:prstGeom prst="rect">
-            <a:avLst/>
-          </a:prstGeom>
-        </p:spPr>
-      </p:pic>
-      <p:sp>
-        <p:nvSpPr>
-          <p:cNvPr id="9" name="Rechteck 8">
-            <a:extLst>
-              <a:ext uri="{FF2B5EF4-FFF2-40B4-BE49-F238E27FC236}">
-                <a16:creationId xmlns:a16="http://schemas.microsoft.com/office/drawing/2014/main" id="{3310340D-7501-2B4E-872C-B05E2A081C14}"/>
-              </a:ext>
-            </a:extLst>
-          </p:cNvPr>
-          <p:cNvSpPr/>
-          <p:nvPr/>
-        </p:nvSpPr>
-        <p:spPr>
-          <a:xfrm>
-            <a:off x="1219200" y="1363445"/>
-            <a:ext cx="10510838" cy="1569544"/>
-          </a:xfrm>
-          <a:prstGeom prst="rect">
-            <a:avLst/>
-          </a:prstGeom>
-        </p:spPr>
-        <p:style>
-          <a:lnRef idx="2">
-            <a:schemeClr val="accent1">
-              <a:shade val="50000"/>
-            </a:schemeClr>
-          </a:lnRef>
-          <a:fillRef idx="1">
-            <a:schemeClr val="accent1"/>
-          </a:fillRef>
-          <a:effectRef idx="0">
-            <a:schemeClr val="accent1"/>
-          </a:effectRef>
-          <a:fontRef idx="minor">
-            <a:schemeClr val="lt1"/>
-          </a:fontRef>
-        </p:style>
-        <p:txBody>
-          <a:bodyPr rtlCol="0" anchor="ctr"/>
-          <a:lstStyle/>
-          <a:p>
-            <a:pPr algn="ctr"/>
-            <a:r>
-              <a:rPr lang="en-US" sz="2000" dirty="0"/>
-              <a:t>„</a:t>
-            </a:r>
-            <a:r>
-              <a:rPr lang="en-US" sz="2000" b="1" dirty="0"/>
-              <a:t>Hate speech</a:t>
-            </a:r>
-            <a:r>
-              <a:rPr lang="en-US" sz="2000" dirty="0"/>
-              <a:t> is commonly defined </a:t>
-            </a:r>
-            <a:r>
-              <a:rPr lang="en-US" sz="2000" b="1" dirty="0"/>
-              <a:t>as any communication that disparages a target group </a:t>
-            </a:r>
-            <a:r>
-              <a:rPr lang="en-US" sz="2000" dirty="0"/>
-              <a:t>of people </a:t>
-            </a:r>
-            <a:r>
-              <a:rPr lang="en-US" sz="2000" b="1" dirty="0"/>
-              <a:t>based on some characteristic </a:t>
-            </a:r>
-            <a:r>
-              <a:rPr lang="en-US" sz="2000" dirty="0"/>
-              <a:t>such as race, </a:t>
-            </a:r>
-            <a:r>
-              <a:rPr lang="en-US" sz="2000" dirty="0" err="1"/>
-              <a:t>colour</a:t>
-            </a:r>
-            <a:r>
-              <a:rPr lang="en-US" sz="2000" dirty="0"/>
-              <a:t>, ethnicity, gender, sexual orientation, nationality, religion, or other characteristic.“ </a:t>
-            </a:r>
-            <a:endParaRPr lang="en-US" dirty="0"/>
-          </a:p>
-          <a:p>
-            <a:pPr algn="r">
-              <a:lnSpc>
-                <a:spcPct val="200000"/>
-              </a:lnSpc>
-            </a:pPr>
-            <a:r>
-              <a:rPr lang="en-US" sz="1400" i="1" dirty="0"/>
-              <a:t>- Ona de </a:t>
-            </a:r>
-            <a:r>
-              <a:rPr lang="en-US" sz="1400" i="1" dirty="0" err="1"/>
-              <a:t>Gibert</a:t>
-            </a:r>
-            <a:r>
-              <a:rPr lang="en-US" sz="1400" i="1" dirty="0"/>
-              <a:t> (“Hate Speech Dataset from a White Supremacy Forum)</a:t>
-            </a:r>
-            <a:endParaRPr lang="de-DE" sz="1400" i="1" dirty="0"/>
-          </a:p>
-        </p:txBody>
-      </p:sp>
-      <p:pic>
-        <p:nvPicPr>
-          <p:cNvPr id="11" name="Grafik 10" descr="Rede Silhouette">
-            <a:extLst>
-              <a:ext uri="{FF2B5EF4-FFF2-40B4-BE49-F238E27FC236}">
-                <a16:creationId xmlns:a16="http://schemas.microsoft.com/office/drawing/2014/main" id="{1A831A00-94ED-4645-BBB0-DF0A19C78129}"/>
-              </a:ext>
-            </a:extLst>
-          </p:cNvPr>
-          <p:cNvPicPr>
-            <a:picLocks noChangeAspect="1"/>
-          </p:cNvPicPr>
-          <p:nvPr/>
-        </p:nvPicPr>
-        <p:blipFill>
-          <a:blip r:embed="rId6">
-            <a:extLst>
-              <a:ext uri="{96DAC541-7B7A-43D3-8B79-37D633B846F1}">
-                <asvg:svgBlip xmlns:asvg="http://schemas.microsoft.com/office/drawing/2016/SVG/main" r:embed="rId7"/>
-              </a:ext>
-            </a:extLst>
-          </a:blip>
-          <a:stretch>
-            <a:fillRect/>
-          </a:stretch>
-        </p:blipFill>
-        <p:spPr>
-          <a:xfrm>
-            <a:off x="1002510" y="3203381"/>
-            <a:ext cx="1390648" cy="1390648"/>
-          </a:xfrm>
-          <a:prstGeom prst="rect">
-            <a:avLst/>
-          </a:prstGeom>
-        </p:spPr>
-      </p:pic>
-      <p:pic>
-        <p:nvPicPr>
-          <p:cNvPr id="13" name="Grafik 12" descr="Verbindungen mit einfarbiger Füllung">
-            <a:extLst>
-              <a:ext uri="{FF2B5EF4-FFF2-40B4-BE49-F238E27FC236}">
-                <a16:creationId xmlns:a16="http://schemas.microsoft.com/office/drawing/2014/main" id="{04FB80CC-7299-0742-9602-8C64DBC032C1}"/>
-              </a:ext>
-            </a:extLst>
-          </p:cNvPr>
-          <p:cNvPicPr>
-            <a:picLocks noChangeAspect="1"/>
-          </p:cNvPicPr>
-          <p:nvPr/>
-        </p:nvPicPr>
-        <p:blipFill>
-          <a:blip r:embed="rId8">
-            <a:extLst>
-              <a:ext uri="{96DAC541-7B7A-43D3-8B79-37D633B846F1}">
-                <asvg:svgBlip xmlns:asvg="http://schemas.microsoft.com/office/drawing/2016/SVG/main" r:embed="rId9"/>
-              </a:ext>
-            </a:extLst>
-          </a:blip>
-          <a:stretch>
-            <a:fillRect/>
-          </a:stretch>
-        </p:blipFill>
-        <p:spPr>
-          <a:xfrm>
-            <a:off x="1902623" y="3516513"/>
-            <a:ext cx="2097882" cy="2097882"/>
-          </a:xfrm>
-          <a:prstGeom prst="rect">
-            <a:avLst/>
-          </a:prstGeom>
-        </p:spPr>
-      </p:pic>
-      <p:pic>
-        <p:nvPicPr>
-          <p:cNvPr id="19" name="Grafik 18" descr="Neutrale Gesichtskontur mit einfarbiger Füllung">
-            <a:extLst>
-              <a:ext uri="{FF2B5EF4-FFF2-40B4-BE49-F238E27FC236}">
-                <a16:creationId xmlns:a16="http://schemas.microsoft.com/office/drawing/2014/main" id="{6DF6C454-677D-C846-A35A-F5BAC748E56E}"/>
-              </a:ext>
-            </a:extLst>
-          </p:cNvPr>
-          <p:cNvPicPr>
-            <a:picLocks noChangeAspect="1"/>
-          </p:cNvPicPr>
-          <p:nvPr/>
-        </p:nvPicPr>
-        <p:blipFill>
-          <a:blip r:embed="rId10">
-            <a:extLst>
-              <a:ext uri="{96DAC541-7B7A-43D3-8B79-37D633B846F1}">
-                <asvg:svgBlip xmlns:asvg="http://schemas.microsoft.com/office/drawing/2016/SVG/main" r:embed="rId11"/>
-              </a:ext>
-            </a:extLst>
-          </a:blip>
-          <a:stretch>
-            <a:fillRect/>
-          </a:stretch>
-        </p:blipFill>
-        <p:spPr>
-          <a:xfrm>
-            <a:off x="4073135" y="3800176"/>
-            <a:ext cx="464348" cy="464348"/>
-          </a:xfrm>
-          <a:prstGeom prst="rect">
-            <a:avLst/>
-          </a:prstGeom>
-        </p:spPr>
-      </p:pic>
-      <p:pic>
-        <p:nvPicPr>
-          <p:cNvPr id="23" name="Grafik 22" descr="Gedankenblase Silhouette">
-            <a:extLst>
-              <a:ext uri="{FF2B5EF4-FFF2-40B4-BE49-F238E27FC236}">
-                <a16:creationId xmlns:a16="http://schemas.microsoft.com/office/drawing/2014/main" id="{163E7B28-0D12-5F4A-9441-A043DE7EEC89}"/>
-              </a:ext>
-            </a:extLst>
-          </p:cNvPr>
-          <p:cNvPicPr>
-            <a:picLocks noChangeAspect="1"/>
-          </p:cNvPicPr>
-          <p:nvPr/>
-        </p:nvPicPr>
-        <p:blipFill>
-          <a:blip r:embed="rId2">
-            <a:extLst>
-              <a:ext uri="{96DAC541-7B7A-43D3-8B79-37D633B846F1}">
-                <asvg:svgBlip xmlns:asvg="http://schemas.microsoft.com/office/drawing/2016/SVG/main" r:embed="rId3"/>
-              </a:ext>
-            </a:extLst>
-          </a:blip>
-          <a:stretch>
-            <a:fillRect/>
-          </a:stretch>
-        </p:blipFill>
-        <p:spPr>
-          <a:xfrm>
-            <a:off x="3679046" y="2879540"/>
-            <a:ext cx="1014402" cy="1014402"/>
-          </a:xfrm>
-          <a:prstGeom prst="rect">
-            <a:avLst/>
-          </a:prstGeom>
-        </p:spPr>
-      </p:pic>
-      <p:pic>
-        <p:nvPicPr>
-          <p:cNvPr id="25" name="Grafik 24" descr="Trauriges Gesicht mit einfarbiger Füllung mit einfarbiger Füllung">
-            <a:extLst>
-              <a:ext uri="{FF2B5EF4-FFF2-40B4-BE49-F238E27FC236}">
-                <a16:creationId xmlns:a16="http://schemas.microsoft.com/office/drawing/2014/main" id="{21C38C7F-595D-D644-94B8-0F418F808E0C}"/>
-              </a:ext>
-            </a:extLst>
-          </p:cNvPr>
-          <p:cNvPicPr>
-            <a:picLocks noChangeAspect="1"/>
-          </p:cNvPicPr>
-          <p:nvPr/>
-        </p:nvPicPr>
-        <p:blipFill>
-          <a:blip r:embed="rId12">
-            <a:extLst>
-              <a:ext uri="{96DAC541-7B7A-43D3-8B79-37D633B846F1}">
-                <asvg:svgBlip xmlns:asvg="http://schemas.microsoft.com/office/drawing/2016/SVG/main" r:embed="rId13"/>
-              </a:ext>
-            </a:extLst>
-          </a:blip>
-          <a:stretch>
-            <a:fillRect/>
-          </a:stretch>
-        </p:blipFill>
-        <p:spPr>
-          <a:xfrm>
-            <a:off x="3962561" y="3069141"/>
-            <a:ext cx="447372" cy="447372"/>
-          </a:xfrm>
-          <a:prstGeom prst="rect">
-            <a:avLst/>
-          </a:prstGeom>
-        </p:spPr>
-      </p:pic>
-      <p:sp>
-        <p:nvSpPr>
-          <p:cNvPr id="27" name="Rechteck 26">
-            <a:extLst>
-              <a:ext uri="{FF2B5EF4-FFF2-40B4-BE49-F238E27FC236}">
-                <a16:creationId xmlns:a16="http://schemas.microsoft.com/office/drawing/2014/main" id="{66D4E38E-4DEB-C546-B306-D4825FE34DDC}"/>
-              </a:ext>
-            </a:extLst>
-          </p:cNvPr>
-          <p:cNvSpPr/>
-          <p:nvPr/>
-        </p:nvSpPr>
-        <p:spPr>
-          <a:xfrm>
-            <a:off x="2393158" y="6244834"/>
-            <a:ext cx="8070050" cy="400110"/>
-          </a:xfrm>
-          <a:prstGeom prst="rect">
-            <a:avLst/>
-          </a:prstGeom>
-        </p:spPr>
-        <p:txBody>
-          <a:bodyPr wrap="square">
-            <a:spAutoFit/>
-          </a:bodyPr>
-          <a:lstStyle/>
-          <a:p>
-            <a:pPr>
-              <a:buFont typeface="Wingdings" pitchFamily="2" charset="2"/>
-              <a:buChar char="à"/>
-            </a:pPr>
-            <a:r>
-              <a:rPr lang="en-US" sz="2000" dirty="0">
-                <a:sym typeface="Wingdings" pitchFamily="2" charset="2"/>
-              </a:rPr>
-              <a:t> automate the process of detecting hate speech as much as possible</a:t>
-            </a:r>
-            <a:endParaRPr lang="en-US" sz="2000" dirty="0"/>
-          </a:p>
-        </p:txBody>
-      </p:sp>
-      <p:pic>
-        <p:nvPicPr>
-          <p:cNvPr id="28" name="Grafik 27" descr="Gedankenblase Silhouette">
-            <a:extLst>
-              <a:ext uri="{FF2B5EF4-FFF2-40B4-BE49-F238E27FC236}">
-                <a16:creationId xmlns:a16="http://schemas.microsoft.com/office/drawing/2014/main" id="{76161E29-7B63-E241-A348-76FF1F01EAD8}"/>
-              </a:ext>
-            </a:extLst>
-          </p:cNvPr>
-          <p:cNvPicPr>
-            <a:picLocks noChangeAspect="1"/>
-          </p:cNvPicPr>
-          <p:nvPr/>
-        </p:nvPicPr>
-        <p:blipFill>
-          <a:blip r:embed="rId2">
-            <a:extLst>
-              <a:ext uri="{96DAC541-7B7A-43D3-8B79-37D633B846F1}">
-                <asvg:svgBlip xmlns:asvg="http://schemas.microsoft.com/office/drawing/2016/SVG/main" r:embed="rId3"/>
-              </a:ext>
-            </a:extLst>
-          </a:blip>
-          <a:stretch>
-            <a:fillRect/>
-          </a:stretch>
-        </p:blipFill>
-        <p:spPr>
-          <a:xfrm>
-            <a:off x="2778937" y="2852447"/>
-            <a:ext cx="1014402" cy="1014402"/>
-          </a:xfrm>
-          <a:prstGeom prst="rect">
-            <a:avLst/>
-          </a:prstGeom>
-        </p:spPr>
-      </p:pic>
-      <p:pic>
-        <p:nvPicPr>
-          <p:cNvPr id="29" name="Grafik 28" descr="Trauriges Gesicht mit einfarbiger Füllung mit einfarbiger Füllung">
-            <a:extLst>
-              <a:ext uri="{FF2B5EF4-FFF2-40B4-BE49-F238E27FC236}">
-                <a16:creationId xmlns:a16="http://schemas.microsoft.com/office/drawing/2014/main" id="{A01DBC4C-65D4-EF44-AEAC-88B20DB379C0}"/>
-              </a:ext>
-            </a:extLst>
-          </p:cNvPr>
-          <p:cNvPicPr>
-            <a:picLocks noChangeAspect="1"/>
-          </p:cNvPicPr>
-          <p:nvPr/>
-        </p:nvPicPr>
-        <p:blipFill>
-          <a:blip r:embed="rId12">
-            <a:extLst>
-              <a:ext uri="{96DAC541-7B7A-43D3-8B79-37D633B846F1}">
-                <asvg:svgBlip xmlns:asvg="http://schemas.microsoft.com/office/drawing/2016/SVG/main" r:embed="rId13"/>
-              </a:ext>
-            </a:extLst>
-          </a:blip>
-          <a:stretch>
-            <a:fillRect/>
-          </a:stretch>
-        </p:blipFill>
-        <p:spPr>
-          <a:xfrm>
-            <a:off x="3062452" y="3042048"/>
-            <a:ext cx="447372" cy="447372"/>
-          </a:xfrm>
-          <a:prstGeom prst="rect">
-            <a:avLst/>
-          </a:prstGeom>
-        </p:spPr>
-      </p:pic>
-      <p:pic>
-        <p:nvPicPr>
-          <p:cNvPr id="30" name="Grafik 29" descr="Gedankenblase Silhouette">
-            <a:extLst>
-              <a:ext uri="{FF2B5EF4-FFF2-40B4-BE49-F238E27FC236}">
-                <a16:creationId xmlns:a16="http://schemas.microsoft.com/office/drawing/2014/main" id="{55DF5052-C918-2547-82A1-6AFD76EDB2E4}"/>
-              </a:ext>
-            </a:extLst>
-          </p:cNvPr>
-          <p:cNvPicPr>
-            <a:picLocks noChangeAspect="1"/>
-          </p:cNvPicPr>
-          <p:nvPr/>
-        </p:nvPicPr>
-        <p:blipFill>
-          <a:blip r:embed="rId2">
-            <a:extLst>
-              <a:ext uri="{96DAC541-7B7A-43D3-8B79-37D633B846F1}">
-                <asvg:svgBlip xmlns:asvg="http://schemas.microsoft.com/office/drawing/2016/SVG/main" r:embed="rId3"/>
-              </a:ext>
-            </a:extLst>
-          </a:blip>
-          <a:stretch>
-            <a:fillRect/>
-          </a:stretch>
-        </p:blipFill>
-        <p:spPr>
-          <a:xfrm flipV="1">
-            <a:off x="3236801" y="4961039"/>
-            <a:ext cx="1014402" cy="1014402"/>
-          </a:xfrm>
-          <a:prstGeom prst="rect">
-            <a:avLst/>
-          </a:prstGeom>
-        </p:spPr>
-      </p:pic>
-      <p:pic>
-        <p:nvPicPr>
-          <p:cNvPr id="32" name="Grafik 31" descr="Lächelnde Gesichtskontur mit einfarbiger Füllung">
-            <a:extLst>
-              <a:ext uri="{FF2B5EF4-FFF2-40B4-BE49-F238E27FC236}">
-                <a16:creationId xmlns:a16="http://schemas.microsoft.com/office/drawing/2014/main" id="{413C30A1-D826-944F-B8A4-9EA2E19C1937}"/>
-              </a:ext>
-            </a:extLst>
-          </p:cNvPr>
-          <p:cNvPicPr>
-            <a:picLocks noChangeAspect="1"/>
-          </p:cNvPicPr>
-          <p:nvPr/>
-        </p:nvPicPr>
-        <p:blipFill>
-          <a:blip r:embed="rId14">
-            <a:extLst>
-              <a:ext uri="{96DAC541-7B7A-43D3-8B79-37D633B846F1}">
-                <asvg:svgBlip xmlns:asvg="http://schemas.microsoft.com/office/drawing/2016/SVG/main" r:embed="rId15"/>
-              </a:ext>
-            </a:extLst>
-          </a:blip>
-          <a:stretch>
-            <a:fillRect/>
-          </a:stretch>
-        </p:blipFill>
-        <p:spPr>
-          <a:xfrm>
-            <a:off x="3543305" y="5336949"/>
-            <a:ext cx="457200" cy="457200"/>
-          </a:xfrm>
-          <a:prstGeom prst="rect">
-            <a:avLst/>
-          </a:prstGeom>
-        </p:spPr>
-      </p:pic>
-      <p:pic>
-        <p:nvPicPr>
-          <p:cNvPr id="33" name="Grafik 32" descr="Gedankenblase Silhouette">
-            <a:extLst>
-              <a:ext uri="{FF2B5EF4-FFF2-40B4-BE49-F238E27FC236}">
-                <a16:creationId xmlns:a16="http://schemas.microsoft.com/office/drawing/2014/main" id="{038979FA-BBA9-E045-97E8-A42E2E117703}"/>
-              </a:ext>
-            </a:extLst>
-          </p:cNvPr>
-          <p:cNvPicPr>
-            <a:picLocks noChangeAspect="1"/>
-          </p:cNvPicPr>
-          <p:nvPr/>
-        </p:nvPicPr>
-        <p:blipFill>
-          <a:blip r:embed="rId2">
-            <a:extLst>
-              <a:ext uri="{96DAC541-7B7A-43D3-8B79-37D633B846F1}">
-                <asvg:svgBlip xmlns:asvg="http://schemas.microsoft.com/office/drawing/2016/SVG/main" r:embed="rId3"/>
-              </a:ext>
-            </a:extLst>
-          </a:blip>
-          <a:stretch>
-            <a:fillRect/>
-          </a:stretch>
-        </p:blipFill>
-        <p:spPr>
-          <a:xfrm flipH="1" flipV="1">
-            <a:off x="1347637" y="5204143"/>
-            <a:ext cx="1014402" cy="1014402"/>
-          </a:xfrm>
-          <a:prstGeom prst="rect">
-            <a:avLst/>
-          </a:prstGeom>
-        </p:spPr>
-      </p:pic>
-      <p:pic>
-        <p:nvPicPr>
-          <p:cNvPr id="34" name="Grafik 33" descr="Lächelnde Gesichtskontur mit einfarbiger Füllung">
-            <a:extLst>
-              <a:ext uri="{FF2B5EF4-FFF2-40B4-BE49-F238E27FC236}">
-                <a16:creationId xmlns:a16="http://schemas.microsoft.com/office/drawing/2014/main" id="{1F9C5D83-6283-7D4D-B81D-8B093B7DFBC9}"/>
-              </a:ext>
-            </a:extLst>
-          </p:cNvPr>
-          <p:cNvPicPr>
-            <a:picLocks noChangeAspect="1"/>
-          </p:cNvPicPr>
-          <p:nvPr/>
-        </p:nvPicPr>
-        <p:blipFill>
-          <a:blip r:embed="rId14">
-            <a:extLst>
-              <a:ext uri="{96DAC541-7B7A-43D3-8B79-37D633B846F1}">
-                <asvg:svgBlip xmlns:asvg="http://schemas.microsoft.com/office/drawing/2016/SVG/main" r:embed="rId15"/>
-              </a:ext>
-            </a:extLst>
-          </a:blip>
-          <a:stretch>
-            <a:fillRect/>
-          </a:stretch>
-        </p:blipFill>
-        <p:spPr>
-          <a:xfrm>
-            <a:off x="1651925" y="5570940"/>
-            <a:ext cx="457200" cy="457200"/>
-          </a:xfrm>
-          <a:prstGeom prst="rect">
-            <a:avLst/>
-          </a:prstGeom>
-        </p:spPr>
-      </p:pic>
-      <p:pic>
-        <p:nvPicPr>
-          <p:cNvPr id="36" name="Grafik 35" descr="Verbotsschild mit einfarbiger Füllung">
-            <a:extLst>
-              <a:ext uri="{FF2B5EF4-FFF2-40B4-BE49-F238E27FC236}">
-                <a16:creationId xmlns:a16="http://schemas.microsoft.com/office/drawing/2014/main" id="{5C191452-3131-C94D-A488-C9DB5E9F134B}"/>
-              </a:ext>
-            </a:extLst>
-          </p:cNvPr>
-          <p:cNvPicPr>
-            <a:picLocks noChangeAspect="1"/>
-          </p:cNvPicPr>
-          <p:nvPr/>
-        </p:nvPicPr>
-        <p:blipFill>
-          <a:blip r:embed="rId16">
-            <a:extLst>
-              <a:ext uri="{96DAC541-7B7A-43D3-8B79-37D633B846F1}">
-                <asvg:svgBlip xmlns:asvg="http://schemas.microsoft.com/office/drawing/2016/SVG/main" r:embed="rId17"/>
-              </a:ext>
-            </a:extLst>
-          </a:blip>
-          <a:stretch>
-            <a:fillRect/>
-          </a:stretch>
-        </p:blipFill>
-        <p:spPr>
-          <a:xfrm>
-            <a:off x="1230884" y="3342976"/>
-            <a:ext cx="914400" cy="914400"/>
-          </a:xfrm>
-          <a:prstGeom prst="rect">
-            <a:avLst/>
-          </a:prstGeom>
-        </p:spPr>
-      </p:pic>
-      <p:sp>
-        <p:nvSpPr>
-          <p:cNvPr id="37" name="Inhaltsplatzhalter 2">
-            <a:extLst>
-              <a:ext uri="{FF2B5EF4-FFF2-40B4-BE49-F238E27FC236}">
-                <a16:creationId xmlns:a16="http://schemas.microsoft.com/office/drawing/2014/main" id="{28BE2FA8-A226-C34B-9E5C-9EF3EED333BB}"/>
+                <a16:creationId xmlns:a16="http://schemas.microsoft.com/office/drawing/2014/main" id="{105E6B3E-57CC-3442-A0A5-272BF8A9CEFC}"/>
               </a:ext>
             </a:extLst>
           </p:cNvPr>
@@ -5075,7 +7291,7 @@
         </p:nvSpPr>
         <p:spPr>
           <a:xfrm>
-            <a:off x="5014918" y="4210933"/>
+            <a:off x="5167318" y="3627837"/>
             <a:ext cx="6929432" cy="3529015"/>
           </a:xfrm>
           <a:prstGeom prst="rect">
@@ -5280,824 +7496,17 @@
           <a:p>
             <a:r>
               <a:rPr lang="en-US" dirty="0"/>
-              <a:t>utmost importance to act quickly on social media</a:t>
-            </a:r>
-          </a:p>
-        </p:txBody>
-      </p:sp>
-      <p:sp>
-        <p:nvSpPr>
-          <p:cNvPr id="38" name="Foliennummernplatzhalter 37">
+              <a:t>hate speech remains in a gray area (even with definitions) – somewhat subjective</a:t>
+            </a:r>
+          </a:p>
+        </p:txBody>
+      </p:sp>
+      <p:pic>
+        <p:nvPicPr>
+          <p:cNvPr id="8" name="Grafik 7" descr="Blitz mit einfarbiger Füllung">
             <a:extLst>
               <a:ext uri="{FF2B5EF4-FFF2-40B4-BE49-F238E27FC236}">
-                <a16:creationId xmlns:a16="http://schemas.microsoft.com/office/drawing/2014/main" id="{B4CB502F-44F7-D14F-B035-75745C428849}"/>
-              </a:ext>
-            </a:extLst>
-          </p:cNvPr>
-          <p:cNvSpPr>
-            <a:spLocks noGrp="1"/>
-          </p:cNvSpPr>
-          <p:nvPr>
-            <p:ph type="sldNum" sz="quarter" idx="12"/>
-          </p:nvPr>
-        </p:nvSpPr>
-        <p:spPr/>
-        <p:txBody>
-          <a:bodyPr/>
-          <a:lstStyle/>
-          <a:p>
-            <a:fld id="{D57F1E4F-1CFF-5643-939E-217C01CDF565}" type="slidenum">
-              <a:rPr lang="en-US" smtClean="0"/>
-              <a:pPr/>
-              <a:t>2</a:t>
-            </a:fld>
-            <a:endParaRPr lang="en-US" dirty="0"/>
-          </a:p>
-        </p:txBody>
-      </p:sp>
-    </p:spTree>
-    <p:extLst>
-      <p:ext uri="{BB962C8B-B14F-4D97-AF65-F5344CB8AC3E}">
-        <p14:creationId xmlns:p14="http://schemas.microsoft.com/office/powerpoint/2010/main" val="3106523105"/>
-      </p:ext>
-    </p:extLst>
-  </p:cSld>
-  <p:clrMapOvr>
-    <a:masterClrMapping/>
-  </p:clrMapOvr>
-  <p:timing>
-    <p:tnLst>
-      <p:par>
-        <p:cTn id="1" dur="indefinite" restart="never" nodeType="tmRoot">
-          <p:childTnLst>
-            <p:seq concurrent="1" nextAc="seek">
-              <p:cTn id="2" dur="indefinite" nodeType="mainSeq">
-                <p:childTnLst>
-                  <p:par>
-                    <p:cTn id="3" fill="hold">
-                      <p:stCondLst>
-                        <p:cond delay="indefinite"/>
-                      </p:stCondLst>
-                      <p:childTnLst>
-                        <p:par>
-                          <p:cTn id="4" fill="hold">
-                            <p:stCondLst>
-                              <p:cond delay="0"/>
-                            </p:stCondLst>
-                            <p:childTnLst>
-                              <p:par>
-                                <p:cTn id="5" presetID="1" presetClass="entr" presetSubtype="0" fill="hold" nodeType="clickEffect">
-                                  <p:stCondLst>
-                                    <p:cond delay="0"/>
-                                  </p:stCondLst>
-                                  <p:childTnLst>
-                                    <p:set>
-                                      <p:cBhvr>
-                                        <p:cTn id="6" dur="1" fill="hold">
-                                          <p:stCondLst>
-                                            <p:cond delay="0"/>
-                                          </p:stCondLst>
-                                        </p:cTn>
-                                        <p:tgtEl>
-                                          <p:spTgt spid="5"/>
-                                        </p:tgtEl>
-                                        <p:attrNameLst>
-                                          <p:attrName>style.visibility</p:attrName>
-                                        </p:attrNameLst>
-                                      </p:cBhvr>
-                                      <p:to>
-                                        <p:strVal val="visible"/>
-                                      </p:to>
-                                    </p:set>
-                                  </p:childTnLst>
-                                </p:cTn>
-                              </p:par>
-                              <p:par>
-                                <p:cTn id="7" presetID="1" presetClass="entr" presetSubtype="0" fill="hold" nodeType="withEffect">
-                                  <p:stCondLst>
-                                    <p:cond delay="0"/>
-                                  </p:stCondLst>
-                                  <p:childTnLst>
-                                    <p:set>
-                                      <p:cBhvr>
-                                        <p:cTn id="8" dur="1" fill="hold">
-                                          <p:stCondLst>
-                                            <p:cond delay="0"/>
-                                          </p:stCondLst>
-                                        </p:cTn>
-                                        <p:tgtEl>
-                                          <p:spTgt spid="11"/>
-                                        </p:tgtEl>
-                                        <p:attrNameLst>
-                                          <p:attrName>style.visibility</p:attrName>
-                                        </p:attrNameLst>
-                                      </p:cBhvr>
-                                      <p:to>
-                                        <p:strVal val="visible"/>
-                                      </p:to>
-                                    </p:set>
-                                  </p:childTnLst>
-                                </p:cTn>
-                              </p:par>
-                            </p:childTnLst>
-                          </p:cTn>
-                        </p:par>
-                      </p:childTnLst>
-                    </p:cTn>
-                  </p:par>
-                  <p:par>
-                    <p:cTn id="9" fill="hold">
-                      <p:stCondLst>
-                        <p:cond delay="indefinite"/>
-                      </p:stCondLst>
-                      <p:childTnLst>
-                        <p:par>
-                          <p:cTn id="10" fill="hold">
-                            <p:stCondLst>
-                              <p:cond delay="0"/>
-                            </p:stCondLst>
-                            <p:childTnLst>
-                              <p:par>
-                                <p:cTn id="11" presetID="1" presetClass="entr" presetSubtype="0" fill="hold" nodeType="clickEffect">
-                                  <p:stCondLst>
-                                    <p:cond delay="0"/>
-                                  </p:stCondLst>
-                                  <p:childTnLst>
-                                    <p:set>
-                                      <p:cBhvr>
-                                        <p:cTn id="12" dur="1" fill="hold">
-                                          <p:stCondLst>
-                                            <p:cond delay="0"/>
-                                          </p:stCondLst>
-                                        </p:cTn>
-                                        <p:tgtEl>
-                                          <p:spTgt spid="29"/>
-                                        </p:tgtEl>
-                                        <p:attrNameLst>
-                                          <p:attrName>style.visibility</p:attrName>
-                                        </p:attrNameLst>
-                                      </p:cBhvr>
-                                      <p:to>
-                                        <p:strVal val="visible"/>
-                                      </p:to>
-                                    </p:set>
-                                  </p:childTnLst>
-                                </p:cTn>
-                              </p:par>
-                              <p:par>
-                                <p:cTn id="13" presetID="1" presetClass="entr" presetSubtype="0" fill="hold" nodeType="withEffect">
-                                  <p:stCondLst>
-                                    <p:cond delay="0"/>
-                                  </p:stCondLst>
-                                  <p:childTnLst>
-                                    <p:set>
-                                      <p:cBhvr>
-                                        <p:cTn id="14" dur="1" fill="hold">
-                                          <p:stCondLst>
-                                            <p:cond delay="0"/>
-                                          </p:stCondLst>
-                                        </p:cTn>
-                                        <p:tgtEl>
-                                          <p:spTgt spid="28"/>
-                                        </p:tgtEl>
-                                        <p:attrNameLst>
-                                          <p:attrName>style.visibility</p:attrName>
-                                        </p:attrNameLst>
-                                      </p:cBhvr>
-                                      <p:to>
-                                        <p:strVal val="visible"/>
-                                      </p:to>
-                                    </p:set>
-                                  </p:childTnLst>
-                                </p:cTn>
-                              </p:par>
-                              <p:par>
-                                <p:cTn id="15" presetID="1" presetClass="entr" presetSubtype="0" fill="hold" nodeType="withEffect">
-                                  <p:stCondLst>
-                                    <p:cond delay="0"/>
-                                  </p:stCondLst>
-                                  <p:childTnLst>
-                                    <p:set>
-                                      <p:cBhvr>
-                                        <p:cTn id="16" dur="1" fill="hold">
-                                          <p:stCondLst>
-                                            <p:cond delay="0"/>
-                                          </p:stCondLst>
-                                        </p:cTn>
-                                        <p:tgtEl>
-                                          <p:spTgt spid="25"/>
-                                        </p:tgtEl>
-                                        <p:attrNameLst>
-                                          <p:attrName>style.visibility</p:attrName>
-                                        </p:attrNameLst>
-                                      </p:cBhvr>
-                                      <p:to>
-                                        <p:strVal val="visible"/>
-                                      </p:to>
-                                    </p:set>
-                                  </p:childTnLst>
-                                </p:cTn>
-                              </p:par>
-                              <p:par>
-                                <p:cTn id="17" presetID="1" presetClass="entr" presetSubtype="0" fill="hold" nodeType="withEffect">
-                                  <p:stCondLst>
-                                    <p:cond delay="0"/>
-                                  </p:stCondLst>
-                                  <p:childTnLst>
-                                    <p:set>
-                                      <p:cBhvr>
-                                        <p:cTn id="18" dur="1" fill="hold">
-                                          <p:stCondLst>
-                                            <p:cond delay="0"/>
-                                          </p:stCondLst>
-                                        </p:cTn>
-                                        <p:tgtEl>
-                                          <p:spTgt spid="23"/>
-                                        </p:tgtEl>
-                                        <p:attrNameLst>
-                                          <p:attrName>style.visibility</p:attrName>
-                                        </p:attrNameLst>
-                                      </p:cBhvr>
-                                      <p:to>
-                                        <p:strVal val="visible"/>
-                                      </p:to>
-                                    </p:set>
-                                  </p:childTnLst>
-                                </p:cTn>
-                              </p:par>
-                              <p:par>
-                                <p:cTn id="19" presetID="1" presetClass="entr" presetSubtype="0" fill="hold" nodeType="withEffect">
-                                  <p:stCondLst>
-                                    <p:cond delay="0"/>
-                                  </p:stCondLst>
-                                  <p:childTnLst>
-                                    <p:set>
-                                      <p:cBhvr>
-                                        <p:cTn id="20" dur="1" fill="hold">
-                                          <p:stCondLst>
-                                            <p:cond delay="0"/>
-                                          </p:stCondLst>
-                                        </p:cTn>
-                                        <p:tgtEl>
-                                          <p:spTgt spid="19"/>
-                                        </p:tgtEl>
-                                        <p:attrNameLst>
-                                          <p:attrName>style.visibility</p:attrName>
-                                        </p:attrNameLst>
-                                      </p:cBhvr>
-                                      <p:to>
-                                        <p:strVal val="visible"/>
-                                      </p:to>
-                                    </p:set>
-                                  </p:childTnLst>
-                                </p:cTn>
-                              </p:par>
-                              <p:par>
-                                <p:cTn id="21" presetID="1" presetClass="entr" presetSubtype="0" fill="hold" nodeType="withEffect">
-                                  <p:stCondLst>
-                                    <p:cond delay="0"/>
-                                  </p:stCondLst>
-                                  <p:childTnLst>
-                                    <p:set>
-                                      <p:cBhvr>
-                                        <p:cTn id="22" dur="1" fill="hold">
-                                          <p:stCondLst>
-                                            <p:cond delay="0"/>
-                                          </p:stCondLst>
-                                        </p:cTn>
-                                        <p:tgtEl>
-                                          <p:spTgt spid="26"/>
-                                        </p:tgtEl>
-                                        <p:attrNameLst>
-                                          <p:attrName>style.visibility</p:attrName>
-                                        </p:attrNameLst>
-                                      </p:cBhvr>
-                                      <p:to>
-                                        <p:strVal val="visible"/>
-                                      </p:to>
-                                    </p:set>
-                                  </p:childTnLst>
-                                </p:cTn>
-                              </p:par>
-                              <p:par>
-                                <p:cTn id="23" presetID="1" presetClass="entr" presetSubtype="0" fill="hold" nodeType="withEffect">
-                                  <p:stCondLst>
-                                    <p:cond delay="0"/>
-                                  </p:stCondLst>
-                                  <p:childTnLst>
-                                    <p:set>
-                                      <p:cBhvr>
-                                        <p:cTn id="24" dur="1" fill="hold">
-                                          <p:stCondLst>
-                                            <p:cond delay="0"/>
-                                          </p:stCondLst>
-                                        </p:cTn>
-                                        <p:tgtEl>
-                                          <p:spTgt spid="32"/>
-                                        </p:tgtEl>
-                                        <p:attrNameLst>
-                                          <p:attrName>style.visibility</p:attrName>
-                                        </p:attrNameLst>
-                                      </p:cBhvr>
-                                      <p:to>
-                                        <p:strVal val="visible"/>
-                                      </p:to>
-                                    </p:set>
-                                  </p:childTnLst>
-                                </p:cTn>
-                              </p:par>
-                              <p:par>
-                                <p:cTn id="25" presetID="1" presetClass="entr" presetSubtype="0" fill="hold" nodeType="withEffect">
-                                  <p:stCondLst>
-                                    <p:cond delay="0"/>
-                                  </p:stCondLst>
-                                  <p:childTnLst>
-                                    <p:set>
-                                      <p:cBhvr>
-                                        <p:cTn id="26" dur="1" fill="hold">
-                                          <p:stCondLst>
-                                            <p:cond delay="0"/>
-                                          </p:stCondLst>
-                                        </p:cTn>
-                                        <p:tgtEl>
-                                          <p:spTgt spid="30"/>
-                                        </p:tgtEl>
-                                        <p:attrNameLst>
-                                          <p:attrName>style.visibility</p:attrName>
-                                        </p:attrNameLst>
-                                      </p:cBhvr>
-                                      <p:to>
-                                        <p:strVal val="visible"/>
-                                      </p:to>
-                                    </p:set>
-                                  </p:childTnLst>
-                                </p:cTn>
-                              </p:par>
-                              <p:par>
-                                <p:cTn id="27" presetID="1" presetClass="entr" presetSubtype="0" fill="hold" nodeType="withEffect">
-                                  <p:stCondLst>
-                                    <p:cond delay="0"/>
-                                  </p:stCondLst>
-                                  <p:childTnLst>
-                                    <p:set>
-                                      <p:cBhvr>
-                                        <p:cTn id="28" dur="1" fill="hold">
-                                          <p:stCondLst>
-                                            <p:cond delay="0"/>
-                                          </p:stCondLst>
-                                        </p:cTn>
-                                        <p:tgtEl>
-                                          <p:spTgt spid="34"/>
-                                        </p:tgtEl>
-                                        <p:attrNameLst>
-                                          <p:attrName>style.visibility</p:attrName>
-                                        </p:attrNameLst>
-                                      </p:cBhvr>
-                                      <p:to>
-                                        <p:strVal val="visible"/>
-                                      </p:to>
-                                    </p:set>
-                                  </p:childTnLst>
-                                </p:cTn>
-                              </p:par>
-                              <p:par>
-                                <p:cTn id="29" presetID="1" presetClass="entr" presetSubtype="0" fill="hold" nodeType="withEffect">
-                                  <p:stCondLst>
-                                    <p:cond delay="0"/>
-                                  </p:stCondLst>
-                                  <p:childTnLst>
-                                    <p:set>
-                                      <p:cBhvr>
-                                        <p:cTn id="30" dur="1" fill="hold">
-                                          <p:stCondLst>
-                                            <p:cond delay="0"/>
-                                          </p:stCondLst>
-                                        </p:cTn>
-                                        <p:tgtEl>
-                                          <p:spTgt spid="33"/>
-                                        </p:tgtEl>
-                                        <p:attrNameLst>
-                                          <p:attrName>style.visibility</p:attrName>
-                                        </p:attrNameLst>
-                                      </p:cBhvr>
-                                      <p:to>
-                                        <p:strVal val="visible"/>
-                                      </p:to>
-                                    </p:set>
-                                  </p:childTnLst>
-                                </p:cTn>
-                              </p:par>
-                              <p:par>
-                                <p:cTn id="31" presetID="1" presetClass="entr" presetSubtype="0" fill="hold" grpId="0" nodeType="withEffect">
-                                  <p:stCondLst>
-                                    <p:cond delay="0"/>
-                                  </p:stCondLst>
-                                  <p:childTnLst>
-                                    <p:set>
-                                      <p:cBhvr>
-                                        <p:cTn id="32" dur="1" fill="hold">
-                                          <p:stCondLst>
-                                            <p:cond delay="0"/>
-                                          </p:stCondLst>
-                                        </p:cTn>
-                                        <p:tgtEl>
-                                          <p:spTgt spid="3">
-                                            <p:txEl>
-                                              <p:pRg st="0" end="0"/>
-                                            </p:txEl>
-                                          </p:spTgt>
-                                        </p:tgtEl>
-                                        <p:attrNameLst>
-                                          <p:attrName>style.visibility</p:attrName>
-                                        </p:attrNameLst>
-                                      </p:cBhvr>
-                                      <p:to>
-                                        <p:strVal val="visible"/>
-                                      </p:to>
-                                    </p:set>
-                                  </p:childTnLst>
-                                </p:cTn>
-                              </p:par>
-                            </p:childTnLst>
-                          </p:cTn>
-                        </p:par>
-                      </p:childTnLst>
-                    </p:cTn>
-                  </p:par>
-                  <p:par>
-                    <p:cTn id="33" fill="hold">
-                      <p:stCondLst>
-                        <p:cond delay="indefinite"/>
-                      </p:stCondLst>
-                      <p:childTnLst>
-                        <p:par>
-                          <p:cTn id="34" fill="hold">
-                            <p:stCondLst>
-                              <p:cond delay="0"/>
-                            </p:stCondLst>
-                            <p:childTnLst>
-                              <p:par>
-                                <p:cTn id="35" presetID="1" presetClass="entr" presetSubtype="0" fill="hold" nodeType="clickEffect">
-                                  <p:stCondLst>
-                                    <p:cond delay="0"/>
-                                  </p:stCondLst>
-                                  <p:childTnLst>
-                                    <p:set>
-                                      <p:cBhvr>
-                                        <p:cTn id="36" dur="1" fill="hold">
-                                          <p:stCondLst>
-                                            <p:cond delay="0"/>
-                                          </p:stCondLst>
-                                        </p:cTn>
-                                        <p:tgtEl>
-                                          <p:spTgt spid="36"/>
-                                        </p:tgtEl>
-                                        <p:attrNameLst>
-                                          <p:attrName>style.visibility</p:attrName>
-                                        </p:attrNameLst>
-                                      </p:cBhvr>
-                                      <p:to>
-                                        <p:strVal val="visible"/>
-                                      </p:to>
-                                    </p:set>
-                                  </p:childTnLst>
-                                </p:cTn>
-                              </p:par>
-                              <p:par>
-                                <p:cTn id="37" presetID="1" presetClass="entr" presetSubtype="0" fill="hold" grpId="0" nodeType="withEffect">
-                                  <p:stCondLst>
-                                    <p:cond delay="0"/>
-                                  </p:stCondLst>
-                                  <p:childTnLst>
-                                    <p:set>
-                                      <p:cBhvr>
-                                        <p:cTn id="38" dur="1" fill="hold">
-                                          <p:stCondLst>
-                                            <p:cond delay="0"/>
-                                          </p:stCondLst>
-                                        </p:cTn>
-                                        <p:tgtEl>
-                                          <p:spTgt spid="37"/>
-                                        </p:tgtEl>
-                                        <p:attrNameLst>
-                                          <p:attrName>style.visibility</p:attrName>
-                                        </p:attrNameLst>
-                                      </p:cBhvr>
-                                      <p:to>
-                                        <p:strVal val="visible"/>
-                                      </p:to>
-                                    </p:set>
-                                  </p:childTnLst>
-                                </p:cTn>
-                              </p:par>
-                            </p:childTnLst>
-                          </p:cTn>
-                        </p:par>
-                      </p:childTnLst>
-                    </p:cTn>
-                  </p:par>
-                  <p:par>
-                    <p:cTn id="39" fill="hold">
-                      <p:stCondLst>
-                        <p:cond delay="indefinite"/>
-                      </p:stCondLst>
-                      <p:childTnLst>
-                        <p:par>
-                          <p:cTn id="40" fill="hold">
-                            <p:stCondLst>
-                              <p:cond delay="0"/>
-                            </p:stCondLst>
-                            <p:childTnLst>
-                              <p:par>
-                                <p:cTn id="41" presetID="1" presetClass="entr" presetSubtype="0" fill="hold" grpId="0" nodeType="clickEffect">
-                                  <p:stCondLst>
-                                    <p:cond delay="0"/>
-                                  </p:stCondLst>
-                                  <p:childTnLst>
-                                    <p:set>
-                                      <p:cBhvr>
-                                        <p:cTn id="42" dur="1" fill="hold">
-                                          <p:stCondLst>
-                                            <p:cond delay="0"/>
-                                          </p:stCondLst>
-                                        </p:cTn>
-                                        <p:tgtEl>
-                                          <p:spTgt spid="27"/>
-                                        </p:tgtEl>
-                                        <p:attrNameLst>
-                                          <p:attrName>style.visibility</p:attrName>
-                                        </p:attrNameLst>
-                                      </p:cBhvr>
-                                      <p:to>
-                                        <p:strVal val="visible"/>
-                                      </p:to>
-                                    </p:set>
-                                  </p:childTnLst>
-                                </p:cTn>
-                              </p:par>
-                            </p:childTnLst>
-                          </p:cTn>
-                        </p:par>
-                      </p:childTnLst>
-                    </p:cTn>
-                  </p:par>
-                </p:childTnLst>
-              </p:cTn>
-              <p:prevCondLst>
-                <p:cond evt="onPrev" delay="0">
-                  <p:tgtEl>
-                    <p:sldTgt/>
-                  </p:tgtEl>
-                </p:cond>
-              </p:prevCondLst>
-              <p:nextCondLst>
-                <p:cond evt="onNext" delay="0">
-                  <p:tgtEl>
-                    <p:sldTgt/>
-                  </p:tgtEl>
-                </p:cond>
-              </p:nextCondLst>
-            </p:seq>
-          </p:childTnLst>
-        </p:cTn>
-      </p:par>
-    </p:tnLst>
-    <p:bldLst>
-      <p:bldP spid="3" grpId="0" build="p"/>
-      <p:bldP spid="27" grpId="0"/>
-      <p:bldP spid="37" grpId="0"/>
-    </p:bldLst>
-  </p:timing>
-</p:sld>
-</file>
-
-<file path=ppt/slides/slide3.xml><?xml version="1.0" encoding="utf-8"?>
-<p:sld xmlns:a="http://schemas.openxmlformats.org/drawingml/2006/main" xmlns:r="http://schemas.openxmlformats.org/officeDocument/2006/relationships" xmlns:p="http://schemas.openxmlformats.org/presentationml/2006/main">
-  <p:cSld>
-    <p:spTree>
-      <p:nvGrpSpPr>
-        <p:cNvPr id="1" name=""/>
-        <p:cNvGrpSpPr/>
-        <p:nvPr/>
-      </p:nvGrpSpPr>
-      <p:grpSpPr>
-        <a:xfrm>
-          <a:off x="0" y="0"/>
-          <a:ext cx="0" cy="0"/>
-          <a:chOff x="0" y="0"/>
-          <a:chExt cx="0" cy="0"/>
-        </a:xfrm>
-      </p:grpSpPr>
-      <p:sp>
-        <p:nvSpPr>
-          <p:cNvPr id="2" name="Titel 1">
-            <a:extLst>
-              <a:ext uri="{FF2B5EF4-FFF2-40B4-BE49-F238E27FC236}">
-                <a16:creationId xmlns:a16="http://schemas.microsoft.com/office/drawing/2014/main" id="{FFB38B51-C167-F640-87E3-0DCD4CD24B3D}"/>
-              </a:ext>
-            </a:extLst>
-          </p:cNvPr>
-          <p:cNvSpPr>
-            <a:spLocks noGrp="1"/>
-          </p:cNvSpPr>
-          <p:nvPr>
-            <p:ph type="title"/>
-          </p:nvPr>
-        </p:nvSpPr>
-        <p:spPr/>
-        <p:txBody>
-          <a:bodyPr/>
-          <a:lstStyle/>
-          <a:p>
-            <a:r>
-              <a:rPr lang="en-US" dirty="0"/>
-              <a:t>Approach</a:t>
-            </a:r>
-          </a:p>
-        </p:txBody>
-      </p:sp>
-      <p:sp>
-        <p:nvSpPr>
-          <p:cNvPr id="12" name="Rechteck 11">
-            <a:extLst>
-              <a:ext uri="{FF2B5EF4-FFF2-40B4-BE49-F238E27FC236}">
-                <a16:creationId xmlns:a16="http://schemas.microsoft.com/office/drawing/2014/main" id="{39B44174-1A5F-FA4D-9C51-75647B332717}"/>
-              </a:ext>
-            </a:extLst>
-          </p:cNvPr>
-          <p:cNvSpPr/>
-          <p:nvPr/>
-        </p:nvSpPr>
-        <p:spPr>
-          <a:xfrm>
-            <a:off x="1219200" y="1576387"/>
-            <a:ext cx="10510838" cy="1309687"/>
-          </a:xfrm>
-          <a:prstGeom prst="rect">
-            <a:avLst/>
-          </a:prstGeom>
-        </p:spPr>
-        <p:style>
-          <a:lnRef idx="2">
-            <a:schemeClr val="accent1">
-              <a:shade val="50000"/>
-            </a:schemeClr>
-          </a:lnRef>
-          <a:fillRef idx="1">
-            <a:schemeClr val="accent1"/>
-          </a:fillRef>
-          <a:effectRef idx="0">
-            <a:schemeClr val="accent1"/>
-          </a:effectRef>
-          <a:fontRef idx="minor">
-            <a:schemeClr val="lt1"/>
-          </a:fontRef>
-        </p:style>
-        <p:txBody>
-          <a:bodyPr rtlCol="0" anchor="ctr"/>
-          <a:lstStyle/>
-          <a:p>
-            <a:pPr algn="ctr"/>
-            <a:r>
-              <a:rPr lang="en-US" sz="2000" dirty="0"/>
-              <a:t>=&gt; Research question: Can </a:t>
-            </a:r>
-            <a:r>
-              <a:rPr lang="de-DE" sz="2000" dirty="0" err="1"/>
-              <a:t>classical</a:t>
-            </a:r>
-            <a:r>
-              <a:rPr lang="de-DE" sz="2000" dirty="0"/>
-              <a:t> </a:t>
-            </a:r>
-            <a:r>
-              <a:rPr lang="de-DE" sz="2000" dirty="0" err="1"/>
-              <a:t>Machine</a:t>
-            </a:r>
-            <a:r>
-              <a:rPr lang="de-DE" sz="2000" dirty="0"/>
-              <a:t> Learning </a:t>
-            </a:r>
-            <a:r>
-              <a:rPr lang="de-DE" sz="2000" dirty="0" err="1"/>
-              <a:t>methods</a:t>
-            </a:r>
-            <a:r>
-              <a:rPr lang="de-DE" sz="2000" dirty="0"/>
-              <a:t> </a:t>
-            </a:r>
-            <a:r>
-              <a:rPr lang="de-DE" sz="2000" dirty="0" err="1"/>
-              <a:t>combined</a:t>
-            </a:r>
-            <a:r>
-              <a:rPr lang="de-DE" sz="2000" dirty="0"/>
-              <a:t> </a:t>
-            </a:r>
-            <a:r>
-              <a:rPr lang="de-DE" sz="2000" dirty="0" err="1"/>
-              <a:t>with</a:t>
-            </a:r>
-            <a:r>
-              <a:rPr lang="de-DE" sz="2000" dirty="0"/>
-              <a:t> </a:t>
-            </a:r>
-            <a:r>
-              <a:rPr lang="de-DE" sz="2000" dirty="0" err="1"/>
-              <a:t>suitable</a:t>
-            </a:r>
-            <a:r>
-              <a:rPr lang="de-DE" sz="2000" dirty="0"/>
-              <a:t> </a:t>
-            </a:r>
-            <a:r>
-              <a:rPr lang="de-DE" sz="2000" dirty="0" err="1"/>
-              <a:t>features</a:t>
-            </a:r>
-            <a:r>
-              <a:rPr lang="de-DE" sz="2000" dirty="0"/>
-              <a:t> </a:t>
-            </a:r>
-            <a:r>
-              <a:rPr lang="de-DE" sz="2000" dirty="0" err="1"/>
-              <a:t>outperform</a:t>
-            </a:r>
-            <a:r>
-              <a:rPr lang="de-DE" sz="2000" dirty="0"/>
-              <a:t> </a:t>
-            </a:r>
-            <a:r>
-              <a:rPr lang="de-DE" sz="2000" dirty="0" err="1"/>
-              <a:t>neural</a:t>
-            </a:r>
-            <a:r>
-              <a:rPr lang="de-DE" sz="2000" dirty="0"/>
-              <a:t> </a:t>
-            </a:r>
-            <a:r>
-              <a:rPr lang="de-DE" sz="2000" dirty="0" err="1"/>
-              <a:t>network</a:t>
-            </a:r>
-            <a:r>
-              <a:rPr lang="de-DE" sz="2000" dirty="0"/>
-              <a:t> </a:t>
-            </a:r>
-            <a:r>
-              <a:rPr lang="de-DE" sz="2000" dirty="0" err="1"/>
-              <a:t>based</a:t>
-            </a:r>
-            <a:r>
-              <a:rPr lang="de-DE" sz="2000" dirty="0"/>
-              <a:t> </a:t>
-            </a:r>
-            <a:r>
-              <a:rPr lang="de-DE" sz="2000" dirty="0" err="1"/>
-              <a:t>approaches</a:t>
-            </a:r>
-            <a:r>
-              <a:rPr lang="de-DE" sz="2000" dirty="0"/>
-              <a:t>?</a:t>
-            </a:r>
-            <a:endParaRPr lang="en-US" sz="2000" dirty="0"/>
-          </a:p>
-        </p:txBody>
-      </p:sp>
-      <p:sp>
-        <p:nvSpPr>
-          <p:cNvPr id="13" name="Foliennummernplatzhalter 12">
-            <a:extLst>
-              <a:ext uri="{FF2B5EF4-FFF2-40B4-BE49-F238E27FC236}">
-                <a16:creationId xmlns:a16="http://schemas.microsoft.com/office/drawing/2014/main" id="{5E9E0387-BC07-134A-96E6-49BE99D8660B}"/>
-              </a:ext>
-            </a:extLst>
-          </p:cNvPr>
-          <p:cNvSpPr>
-            <a:spLocks noGrp="1"/>
-          </p:cNvSpPr>
-          <p:nvPr>
-            <p:ph type="sldNum" sz="quarter" idx="12"/>
-          </p:nvPr>
-        </p:nvSpPr>
-        <p:spPr/>
-        <p:txBody>
-          <a:bodyPr/>
-          <a:lstStyle/>
-          <a:p>
-            <a:fld id="{D57F1E4F-1CFF-5643-939E-217C01CDF565}" type="slidenum">
-              <a:rPr lang="en-US" smtClean="0"/>
-              <a:pPr/>
-              <a:t>3</a:t>
-            </a:fld>
-            <a:endParaRPr lang="en-US" dirty="0"/>
-          </a:p>
-        </p:txBody>
-      </p:sp>
-      <p:pic>
-        <p:nvPicPr>
-          <p:cNvPr id="15" name="Grafik 14">
-            <a:extLst>
-              <a:ext uri="{FF2B5EF4-FFF2-40B4-BE49-F238E27FC236}">
-                <a16:creationId xmlns:a16="http://schemas.microsoft.com/office/drawing/2014/main" id="{D98B015B-2A40-2E4C-97D7-61474F0D5599}"/>
+                <a16:creationId xmlns:a16="http://schemas.microsoft.com/office/drawing/2014/main" id="{F0568727-E606-2443-8855-20A679660F9B}"/>
               </a:ext>
             </a:extLst>
           </p:cNvPr>
@@ -6107,115 +7516,213 @@
           <p:nvPr/>
         </p:nvPicPr>
         <p:blipFill>
-          <a:blip r:embed="rId2"/>
+          <a:blip r:embed="rId4">
+            <a:extLst>
+              <a:ext uri="{96DAC541-7B7A-43D3-8B79-37D633B846F1}">
+                <asvg:svgBlip xmlns:asvg="http://schemas.microsoft.com/office/drawing/2016/SVG/main" r:embed="rId5"/>
+              </a:ext>
+            </a:extLst>
+          </a:blip>
           <a:stretch>
             <a:fillRect/>
           </a:stretch>
         </p:blipFill>
         <p:spPr>
           <a:xfrm>
-            <a:off x="742244" y="3428999"/>
-            <a:ext cx="11385409" cy="2475089"/>
+            <a:off x="1256322" y="3939844"/>
+            <a:ext cx="628650" cy="628650"/>
           </a:xfrm>
           <a:prstGeom prst="rect">
             <a:avLst/>
           </a:prstGeom>
         </p:spPr>
       </p:pic>
-    </p:spTree>
-    <p:extLst>
-      <p:ext uri="{BB962C8B-B14F-4D97-AF65-F5344CB8AC3E}">
-        <p14:creationId xmlns:p14="http://schemas.microsoft.com/office/powerpoint/2010/main" val="1917352061"/>
-      </p:ext>
-    </p:extLst>
-  </p:cSld>
-  <p:clrMapOvr>
-    <a:masterClrMapping/>
-  </p:clrMapOvr>
-</p:sld>
-</file>
-
-<file path=ppt/slides/slide4.xml><?xml version="1.0" encoding="utf-8"?>
-<p:sld xmlns:a="http://schemas.openxmlformats.org/drawingml/2006/main" xmlns:r="http://schemas.openxmlformats.org/officeDocument/2006/relationships" xmlns:p="http://schemas.openxmlformats.org/presentationml/2006/main">
-  <p:cSld>
-    <p:spTree>
-      <p:nvGrpSpPr>
-        <p:cNvPr id="1" name=""/>
-        <p:cNvGrpSpPr/>
-        <p:nvPr/>
-      </p:nvGrpSpPr>
-      <p:grpSpPr>
-        <a:xfrm>
-          <a:off x="0" y="0"/>
-          <a:ext cx="0" cy="0"/>
-          <a:chOff x="0" y="0"/>
-          <a:chExt cx="0" cy="0"/>
-        </a:xfrm>
-      </p:grpSpPr>
-      <p:sp>
-        <p:nvSpPr>
-          <p:cNvPr id="2" name="Titel 1">
+      <p:pic>
+        <p:nvPicPr>
+          <p:cNvPr id="9" name="Grafik 8" descr="Rede Silhouette">
             <a:extLst>
               <a:ext uri="{FF2B5EF4-FFF2-40B4-BE49-F238E27FC236}">
-                <a16:creationId xmlns:a16="http://schemas.microsoft.com/office/drawing/2014/main" id="{8AF3081B-2286-174D-A2A0-E0ED844B7E3F}"/>
+                <a16:creationId xmlns:a16="http://schemas.microsoft.com/office/drawing/2014/main" id="{9D2DE81D-9E60-3545-AAA0-DC33E43AFAAB}"/>
               </a:ext>
             </a:extLst>
           </p:cNvPr>
-          <p:cNvSpPr>
-            <a:spLocks noGrp="1"/>
-          </p:cNvSpPr>
-          <p:nvPr>
-            <p:ph type="title"/>
-          </p:nvPr>
-        </p:nvSpPr>
-        <p:spPr/>
-        <p:txBody>
-          <a:bodyPr/>
-          <a:lstStyle/>
-          <a:p>
-            <a:r>
-              <a:rPr lang="en-US" dirty="0"/>
-              <a:t>Results (1/2)</a:t>
-            </a:r>
-          </a:p>
-        </p:txBody>
-      </p:sp>
-      <p:sp>
-        <p:nvSpPr>
-          <p:cNvPr id="3" name="Foliennummernplatzhalter 2">
+          <p:cNvPicPr>
+            <a:picLocks noChangeAspect="1"/>
+          </p:cNvPicPr>
+          <p:nvPr/>
+        </p:nvPicPr>
+        <p:blipFill>
+          <a:blip r:embed="rId6">
+            <a:extLst>
+              <a:ext uri="{96DAC541-7B7A-43D3-8B79-37D633B846F1}">
+                <asvg:svgBlip xmlns:asvg="http://schemas.microsoft.com/office/drawing/2016/SVG/main" r:embed="rId7"/>
+              </a:ext>
+            </a:extLst>
+          </a:blip>
+          <a:stretch>
+            <a:fillRect/>
+          </a:stretch>
+        </p:blipFill>
+        <p:spPr>
+          <a:xfrm>
+            <a:off x="887232" y="3626712"/>
+            <a:ext cx="1390648" cy="1390648"/>
+          </a:xfrm>
+          <a:prstGeom prst="rect">
+            <a:avLst/>
+          </a:prstGeom>
+        </p:spPr>
+      </p:pic>
+      <p:pic>
+        <p:nvPicPr>
+          <p:cNvPr id="10" name="Grafik 9" descr="Verbindungen mit einfarbiger Füllung">
             <a:extLst>
               <a:ext uri="{FF2B5EF4-FFF2-40B4-BE49-F238E27FC236}">
-                <a16:creationId xmlns:a16="http://schemas.microsoft.com/office/drawing/2014/main" id="{1D0CF6FE-F68A-6B4F-9693-422A55B38BE1}"/>
+                <a16:creationId xmlns:a16="http://schemas.microsoft.com/office/drawing/2014/main" id="{F141C75A-4E1A-2E45-A9C2-2536E9C6A107}"/>
               </a:ext>
             </a:extLst>
           </p:cNvPr>
-          <p:cNvSpPr>
-            <a:spLocks noGrp="1"/>
-          </p:cNvSpPr>
-          <p:nvPr>
-            <p:ph type="sldNum" sz="quarter" idx="12"/>
-          </p:nvPr>
-        </p:nvSpPr>
-        <p:spPr/>
-        <p:txBody>
-          <a:bodyPr/>
-          <a:lstStyle/>
-          <a:p>
-            <a:fld id="{D57F1E4F-1CFF-5643-939E-217C01CDF565}" type="slidenum">
-              <a:rPr lang="en-US" smtClean="0"/>
-              <a:pPr/>
-              <a:t>4</a:t>
-            </a:fld>
-            <a:endParaRPr lang="en-US" dirty="0"/>
-          </a:p>
-        </p:txBody>
-      </p:sp>
-      <p:sp>
-        <p:nvSpPr>
-          <p:cNvPr id="8" name="Rechteck 7">
+          <p:cNvPicPr>
+            <a:picLocks noChangeAspect="1"/>
+          </p:cNvPicPr>
+          <p:nvPr/>
+        </p:nvPicPr>
+        <p:blipFill>
+          <a:blip r:embed="rId8">
+            <a:extLst>
+              <a:ext uri="{96DAC541-7B7A-43D3-8B79-37D633B846F1}">
+                <asvg:svgBlip xmlns:asvg="http://schemas.microsoft.com/office/drawing/2016/SVG/main" r:embed="rId9"/>
+              </a:ext>
+            </a:extLst>
+          </a:blip>
+          <a:stretch>
+            <a:fillRect/>
+          </a:stretch>
+        </p:blipFill>
+        <p:spPr>
+          <a:xfrm>
+            <a:off x="1787345" y="3939844"/>
+            <a:ext cx="2097882" cy="2097882"/>
+          </a:xfrm>
+          <a:prstGeom prst="rect">
+            <a:avLst/>
+          </a:prstGeom>
+        </p:spPr>
+      </p:pic>
+      <p:pic>
+        <p:nvPicPr>
+          <p:cNvPr id="11" name="Grafik 10" descr="Neutrale Gesichtskontur mit einfarbiger Füllung">
             <a:extLst>
               <a:ext uri="{FF2B5EF4-FFF2-40B4-BE49-F238E27FC236}">
-                <a16:creationId xmlns:a16="http://schemas.microsoft.com/office/drawing/2014/main" id="{B1279A24-14A0-A74B-9474-67A6F72B9A5D}"/>
+                <a16:creationId xmlns:a16="http://schemas.microsoft.com/office/drawing/2014/main" id="{40B710EB-E8B3-134B-80ED-415F5153544F}"/>
+              </a:ext>
+            </a:extLst>
+          </p:cNvPr>
+          <p:cNvPicPr>
+            <a:picLocks noChangeAspect="1"/>
+          </p:cNvPicPr>
+          <p:nvPr/>
+        </p:nvPicPr>
+        <p:blipFill>
+          <a:blip r:embed="rId10">
+            <a:extLst>
+              <a:ext uri="{96DAC541-7B7A-43D3-8B79-37D633B846F1}">
+                <asvg:svgBlip xmlns:asvg="http://schemas.microsoft.com/office/drawing/2016/SVG/main" r:embed="rId11"/>
+              </a:ext>
+            </a:extLst>
+          </a:blip>
+          <a:stretch>
+            <a:fillRect/>
+          </a:stretch>
+        </p:blipFill>
+        <p:spPr>
+          <a:xfrm>
+            <a:off x="3957857" y="4223507"/>
+            <a:ext cx="464348" cy="464348"/>
+          </a:xfrm>
+          <a:prstGeom prst="rect">
+            <a:avLst/>
+          </a:prstGeom>
+        </p:spPr>
+      </p:pic>
+      <p:pic>
+        <p:nvPicPr>
+          <p:cNvPr id="12" name="Grafik 11" descr="Gedankenblase Silhouette">
+            <a:extLst>
+              <a:ext uri="{FF2B5EF4-FFF2-40B4-BE49-F238E27FC236}">
+                <a16:creationId xmlns:a16="http://schemas.microsoft.com/office/drawing/2014/main" id="{99D28E00-13E5-384C-89BC-165BAA703596}"/>
+              </a:ext>
+            </a:extLst>
+          </p:cNvPr>
+          <p:cNvPicPr>
+            <a:picLocks noChangeAspect="1"/>
+          </p:cNvPicPr>
+          <p:nvPr/>
+        </p:nvPicPr>
+        <p:blipFill>
+          <a:blip r:embed="rId2">
+            <a:extLst>
+              <a:ext uri="{96DAC541-7B7A-43D3-8B79-37D633B846F1}">
+                <asvg:svgBlip xmlns:asvg="http://schemas.microsoft.com/office/drawing/2016/SVG/main" r:embed="rId3"/>
+              </a:ext>
+            </a:extLst>
+          </a:blip>
+          <a:stretch>
+            <a:fillRect/>
+          </a:stretch>
+        </p:blipFill>
+        <p:spPr>
+          <a:xfrm>
+            <a:off x="3563768" y="3302871"/>
+            <a:ext cx="1014402" cy="1014402"/>
+          </a:xfrm>
+          <a:prstGeom prst="rect">
+            <a:avLst/>
+          </a:prstGeom>
+        </p:spPr>
+      </p:pic>
+      <p:pic>
+        <p:nvPicPr>
+          <p:cNvPr id="13" name="Grafik 12" descr="Trauriges Gesicht mit einfarbiger Füllung mit einfarbiger Füllung">
+            <a:extLst>
+              <a:ext uri="{FF2B5EF4-FFF2-40B4-BE49-F238E27FC236}">
+                <a16:creationId xmlns:a16="http://schemas.microsoft.com/office/drawing/2014/main" id="{507B3CCE-6099-6443-9F39-4001C95AED57}"/>
+              </a:ext>
+            </a:extLst>
+          </p:cNvPr>
+          <p:cNvPicPr>
+            <a:picLocks noChangeAspect="1"/>
+          </p:cNvPicPr>
+          <p:nvPr/>
+        </p:nvPicPr>
+        <p:blipFill>
+          <a:blip r:embed="rId12">
+            <a:extLst>
+              <a:ext uri="{96DAC541-7B7A-43D3-8B79-37D633B846F1}">
+                <asvg:svgBlip xmlns:asvg="http://schemas.microsoft.com/office/drawing/2016/SVG/main" r:embed="rId13"/>
+              </a:ext>
+            </a:extLst>
+          </a:blip>
+          <a:stretch>
+            <a:fillRect/>
+          </a:stretch>
+        </p:blipFill>
+        <p:spPr>
+          <a:xfrm>
+            <a:off x="3847283" y="3492472"/>
+            <a:ext cx="447372" cy="447372"/>
+          </a:xfrm>
+          <a:prstGeom prst="rect">
+            <a:avLst/>
+          </a:prstGeom>
+        </p:spPr>
+      </p:pic>
+      <p:sp>
+        <p:nvSpPr>
+          <p:cNvPr id="14" name="Rechteck 13">
+            <a:extLst>
+              <a:ext uri="{FF2B5EF4-FFF2-40B4-BE49-F238E27FC236}">
+                <a16:creationId xmlns:a16="http://schemas.microsoft.com/office/drawing/2014/main" id="{444D2078-6A3B-E34D-BD32-1B89BA4B8CEB}"/>
               </a:ext>
             </a:extLst>
           </p:cNvPr>
@@ -6224,670 +7731,291 @@
         </p:nvSpPr>
         <p:spPr>
           <a:xfrm>
-            <a:off x="1219200" y="2274324"/>
-            <a:ext cx="10510838" cy="3810387"/>
+            <a:off x="2545558" y="6397234"/>
+            <a:ext cx="8070050" cy="400110"/>
           </a:xfrm>
           <a:prstGeom prst="rect">
             <a:avLst/>
           </a:prstGeom>
         </p:spPr>
-        <p:style>
-          <a:lnRef idx="2">
-            <a:schemeClr val="accent1">
-              <a:shade val="50000"/>
-            </a:schemeClr>
-          </a:lnRef>
-          <a:fillRef idx="1">
-            <a:schemeClr val="accent1"/>
-          </a:fillRef>
-          <a:effectRef idx="0">
-            <a:schemeClr val="accent1"/>
-          </a:effectRef>
-          <a:fontRef idx="minor">
-            <a:schemeClr val="lt1"/>
-          </a:fontRef>
-        </p:style>
-        <p:txBody>
-          <a:bodyPr rtlCol="0" anchor="t"/>
+        <p:txBody>
+          <a:bodyPr wrap="square">
+            <a:spAutoFit/>
+          </a:bodyPr>
           <a:lstStyle/>
           <a:p>
-            <a:pPr algn="ctr"/>
-            <a:r>
-              <a:rPr lang="en-US" sz="2000" dirty="0"/>
-              <a:t>Extracted features</a:t>
-            </a:r>
-            <a:r>
-              <a:rPr lang="de-DE" sz="2000" dirty="0"/>
-              <a:t> </a:t>
-            </a:r>
-            <a:r>
-              <a:rPr lang="de-DE" sz="2000" dirty="0" err="1"/>
-              <a:t>and</a:t>
-            </a:r>
-            <a:r>
-              <a:rPr lang="de-DE" sz="2000" dirty="0"/>
-              <a:t> </a:t>
-            </a:r>
-            <a:r>
-              <a:rPr lang="de-DE" sz="2000" dirty="0" err="1"/>
-              <a:t>feature</a:t>
-            </a:r>
-            <a:r>
-              <a:rPr lang="de-DE" sz="2000" dirty="0"/>
-              <a:t> </a:t>
-            </a:r>
-            <a:r>
-              <a:rPr lang="de-DE" sz="2000" dirty="0" err="1"/>
-              <a:t>importances</a:t>
-            </a:r>
-            <a:endParaRPr lang="de-DE" sz="2000" dirty="0"/>
-          </a:p>
-          <a:p>
-            <a:pPr algn="ctr"/>
-            <a:endParaRPr lang="de-DE" sz="2000" dirty="0"/>
-          </a:p>
-          <a:p>
-            <a:pPr algn="ctr"/>
+            <a:pPr>
+              <a:buFont typeface="Wingdings" pitchFamily="2" charset="2"/>
+              <a:buChar char="à"/>
+            </a:pPr>
+            <a:r>
+              <a:rPr lang="en-US" sz="2000" dirty="0">
+                <a:sym typeface="Wingdings" pitchFamily="2" charset="2"/>
+              </a:rPr>
+              <a:t> automate the process of detecting hate speech as much as possible</a:t>
+            </a:r>
             <a:endParaRPr lang="en-US" sz="2000" dirty="0"/>
           </a:p>
-          <a:p>
-            <a:pPr algn="ctr"/>
-            <a:endParaRPr lang="en-US" sz="2000" dirty="0"/>
-          </a:p>
-          <a:p>
-            <a:pPr algn="ctr"/>
-            <a:endParaRPr lang="en-US" sz="2000" dirty="0"/>
-          </a:p>
-          <a:p>
-            <a:pPr algn="ctr"/>
-            <a:endParaRPr lang="en-US" sz="2000" dirty="0"/>
-          </a:p>
-          <a:p>
-            <a:pPr algn="ctr"/>
-            <a:endParaRPr lang="en-US" sz="2000" dirty="0"/>
-          </a:p>
-          <a:p>
-            <a:pPr algn="ctr"/>
-            <a:endParaRPr lang="en-US" sz="2000" dirty="0"/>
-          </a:p>
-          <a:p>
-            <a:pPr algn="ctr"/>
-            <a:endParaRPr lang="en-US" sz="2000" dirty="0"/>
-          </a:p>
-          <a:p>
-            <a:pPr algn="ctr"/>
-            <a:endParaRPr lang="en-US" sz="2000" dirty="0"/>
-          </a:p>
-          <a:p>
-            <a:pPr algn="ctr"/>
-            <a:endParaRPr lang="en-US" sz="2000" dirty="0"/>
-          </a:p>
-        </p:txBody>
-      </p:sp>
-      <p:sp>
-        <p:nvSpPr>
-          <p:cNvPr id="9" name="Rechteck 8">
+        </p:txBody>
+      </p:sp>
+      <p:pic>
+        <p:nvPicPr>
+          <p:cNvPr id="15" name="Grafik 14" descr="Gedankenblase Silhouette">
             <a:extLst>
               <a:ext uri="{FF2B5EF4-FFF2-40B4-BE49-F238E27FC236}">
-                <a16:creationId xmlns:a16="http://schemas.microsoft.com/office/drawing/2014/main" id="{46A36B9C-E51C-A741-879B-56F4E44622B5}"/>
+                <a16:creationId xmlns:a16="http://schemas.microsoft.com/office/drawing/2014/main" id="{A39F6944-E9F2-DE40-944C-F57156858906}"/>
               </a:ext>
             </a:extLst>
           </p:cNvPr>
-          <p:cNvSpPr/>
+          <p:cNvPicPr>
+            <a:picLocks noChangeAspect="1"/>
+          </p:cNvPicPr>
           <p:nvPr/>
-        </p:nvSpPr>
+        </p:nvPicPr>
+        <p:blipFill>
+          <a:blip r:embed="rId2">
+            <a:extLst>
+              <a:ext uri="{96DAC541-7B7A-43D3-8B79-37D633B846F1}">
+                <asvg:svgBlip xmlns:asvg="http://schemas.microsoft.com/office/drawing/2016/SVG/main" r:embed="rId3"/>
+              </a:ext>
+            </a:extLst>
+          </a:blip>
+          <a:stretch>
+            <a:fillRect/>
+          </a:stretch>
+        </p:blipFill>
         <p:spPr>
           <a:xfrm>
-            <a:off x="1219200" y="1544239"/>
-            <a:ext cx="10510838" cy="595312"/>
+            <a:off x="2663659" y="3275778"/>
+            <a:ext cx="1014402" cy="1014402"/>
           </a:xfrm>
           <a:prstGeom prst="rect">
             <a:avLst/>
           </a:prstGeom>
         </p:spPr>
-        <p:style>
-          <a:lnRef idx="2">
-            <a:schemeClr val="accent1">
-              <a:shade val="50000"/>
-            </a:schemeClr>
-          </a:lnRef>
-          <a:fillRef idx="1">
-            <a:schemeClr val="accent1"/>
-          </a:fillRef>
-          <a:effectRef idx="0">
-            <a:schemeClr val="accent1"/>
-          </a:effectRef>
-          <a:fontRef idx="minor">
-            <a:schemeClr val="lt1"/>
-          </a:fontRef>
-        </p:style>
-        <p:txBody>
-          <a:bodyPr rtlCol="0" anchor="ctr"/>
-          <a:lstStyle/>
-          <a:p>
-            <a:pPr algn="ctr"/>
-            <a:r>
-              <a:rPr lang="en-US" sz="2000"/>
-              <a:t>Characteristics of hate speech tokens</a:t>
-            </a:r>
-          </a:p>
-        </p:txBody>
-      </p:sp>
-      <p:sp>
-        <p:nvSpPr>
-          <p:cNvPr id="20" name="Rechteck 19">
+      </p:pic>
+      <p:pic>
+        <p:nvPicPr>
+          <p:cNvPr id="16" name="Grafik 15" descr="Trauriges Gesicht mit einfarbiger Füllung mit einfarbiger Füllung">
             <a:extLst>
               <a:ext uri="{FF2B5EF4-FFF2-40B4-BE49-F238E27FC236}">
-                <a16:creationId xmlns:a16="http://schemas.microsoft.com/office/drawing/2014/main" id="{45468AF7-D826-A94C-B3EA-94F9AD6D0595}"/>
+                <a16:creationId xmlns:a16="http://schemas.microsoft.com/office/drawing/2014/main" id="{0555CB68-36F7-6547-817A-D6C2215D6676}"/>
               </a:ext>
             </a:extLst>
           </p:cNvPr>
-          <p:cNvSpPr/>
+          <p:cNvPicPr>
+            <a:picLocks noChangeAspect="1"/>
+          </p:cNvPicPr>
           <p:nvPr/>
-        </p:nvSpPr>
+        </p:nvPicPr>
+        <p:blipFill>
+          <a:blip r:embed="rId12">
+            <a:extLst>
+              <a:ext uri="{96DAC541-7B7A-43D3-8B79-37D633B846F1}">
+                <asvg:svgBlip xmlns:asvg="http://schemas.microsoft.com/office/drawing/2016/SVG/main" r:embed="rId13"/>
+              </a:ext>
+            </a:extLst>
+          </a:blip>
+          <a:stretch>
+            <a:fillRect/>
+          </a:stretch>
+        </p:blipFill>
         <p:spPr>
           <a:xfrm>
-            <a:off x="1371600" y="2664175"/>
-            <a:ext cx="4368800" cy="796664"/>
+            <a:off x="2947174" y="3465379"/>
+            <a:ext cx="447372" cy="447372"/>
           </a:xfrm>
           <a:prstGeom prst="rect">
             <a:avLst/>
           </a:prstGeom>
         </p:spPr>
-        <p:style>
-          <a:lnRef idx="2">
-            <a:schemeClr val="accent5">
-              <a:shade val="50000"/>
-            </a:schemeClr>
-          </a:lnRef>
-          <a:fillRef idx="1">
-            <a:schemeClr val="accent5"/>
-          </a:fillRef>
-          <a:effectRef idx="0">
-            <a:schemeClr val="accent5"/>
-          </a:effectRef>
-          <a:fontRef idx="minor">
-            <a:schemeClr val="lt1"/>
-          </a:fontRef>
-        </p:style>
-        <p:txBody>
-          <a:bodyPr rtlCol="0" anchor="t"/>
-          <a:lstStyle/>
-          <a:p>
-            <a:pPr algn="ctr"/>
-            <a:r>
-              <a:rPr lang="de-DE" dirty="0"/>
-              <a:t>Sentiment</a:t>
-            </a:r>
-          </a:p>
-          <a:p>
-            <a:pPr marL="742950" lvl="1" indent="-285750">
-              <a:buFont typeface="Arial" panose="020B0604020202020204" pitchFamily="34" charset="0"/>
-              <a:buChar char="•"/>
-            </a:pPr>
-            <a:r>
-              <a:rPr lang="en-US" sz="1400" dirty="0"/>
-              <a:t>number of hateful or neutral words</a:t>
-            </a:r>
-          </a:p>
-          <a:p>
-            <a:pPr marL="742950" lvl="1" indent="-285750">
-              <a:buFont typeface="Arial" panose="020B0604020202020204" pitchFamily="34" charset="0"/>
-              <a:buChar char="•"/>
-            </a:pPr>
-            <a:r>
-              <a:rPr lang="en-US" sz="1400" dirty="0"/>
-              <a:t>sentiment score</a:t>
-            </a:r>
-          </a:p>
-        </p:txBody>
-      </p:sp>
-      <p:sp>
-        <p:nvSpPr>
-          <p:cNvPr id="21" name="Rechteck 20">
+      </p:pic>
+      <p:pic>
+        <p:nvPicPr>
+          <p:cNvPr id="17" name="Grafik 16" descr="Gedankenblase Silhouette">
             <a:extLst>
               <a:ext uri="{FF2B5EF4-FFF2-40B4-BE49-F238E27FC236}">
-                <a16:creationId xmlns:a16="http://schemas.microsoft.com/office/drawing/2014/main" id="{ED1BF804-AD4C-2C48-8C6B-BC425B134BA4}"/>
+                <a16:creationId xmlns:a16="http://schemas.microsoft.com/office/drawing/2014/main" id="{B6820C65-C3BC-7B47-B3E5-67E6284AD57E}"/>
               </a:ext>
             </a:extLst>
           </p:cNvPr>
-          <p:cNvSpPr/>
+          <p:cNvPicPr>
+            <a:picLocks noChangeAspect="1"/>
+          </p:cNvPicPr>
           <p:nvPr/>
-        </p:nvSpPr>
+        </p:nvPicPr>
+        <p:blipFill>
+          <a:blip r:embed="rId2">
+            <a:extLst>
+              <a:ext uri="{96DAC541-7B7A-43D3-8B79-37D633B846F1}">
+                <asvg:svgBlip xmlns:asvg="http://schemas.microsoft.com/office/drawing/2016/SVG/main" r:embed="rId3"/>
+              </a:ext>
+            </a:extLst>
+          </a:blip>
+          <a:stretch>
+            <a:fillRect/>
+          </a:stretch>
+        </p:blipFill>
         <p:spPr>
-          <a:xfrm>
-            <a:off x="1371600" y="3484598"/>
-            <a:ext cx="4368800" cy="1242472"/>
+          <a:xfrm flipV="1">
+            <a:off x="3121523" y="5384370"/>
+            <a:ext cx="1014402" cy="1014402"/>
           </a:xfrm>
           <a:prstGeom prst="rect">
             <a:avLst/>
           </a:prstGeom>
         </p:spPr>
-        <p:style>
-          <a:lnRef idx="2">
-            <a:schemeClr val="accent5">
-              <a:shade val="50000"/>
-            </a:schemeClr>
-          </a:lnRef>
-          <a:fillRef idx="1">
-            <a:schemeClr val="accent5"/>
-          </a:fillRef>
-          <a:effectRef idx="0">
-            <a:schemeClr val="accent5"/>
-          </a:effectRef>
-          <a:fontRef idx="minor">
-            <a:schemeClr val="lt1"/>
-          </a:fontRef>
-        </p:style>
-        <p:txBody>
-          <a:bodyPr rtlCol="0" anchor="t"/>
-          <a:lstStyle/>
-          <a:p>
-            <a:pPr algn="ctr"/>
-            <a:r>
-              <a:rPr lang="en-US" dirty="0"/>
-              <a:t>Semantic</a:t>
-            </a:r>
-          </a:p>
-          <a:p>
-            <a:pPr marL="742950" lvl="1" indent="-285750">
-              <a:buFont typeface="Arial" panose="020B0604020202020204" pitchFamily="34" charset="0"/>
-              <a:buChar char="•"/>
-            </a:pPr>
-            <a:r>
-              <a:rPr lang="en-US" sz="1400" dirty="0"/>
-              <a:t>number of special characters (e.g. exclamation mark, question mark)</a:t>
-            </a:r>
-          </a:p>
-          <a:p>
-            <a:pPr marL="742950" lvl="1" indent="-285750">
-              <a:buFont typeface="Arial" panose="020B0604020202020204" pitchFamily="34" charset="0"/>
-              <a:buChar char="•"/>
-            </a:pPr>
-            <a:r>
-              <a:rPr lang="en-US" sz="1400" dirty="0"/>
-              <a:t>number of interjections, all caps words, total words</a:t>
-            </a:r>
-          </a:p>
-        </p:txBody>
-      </p:sp>
-      <p:sp>
-        <p:nvSpPr>
-          <p:cNvPr id="22" name="Rechteck 21">
+      </p:pic>
+      <p:pic>
+        <p:nvPicPr>
+          <p:cNvPr id="18" name="Grafik 17" descr="Lächelnde Gesichtskontur mit einfarbiger Füllung">
             <a:extLst>
               <a:ext uri="{FF2B5EF4-FFF2-40B4-BE49-F238E27FC236}">
-                <a16:creationId xmlns:a16="http://schemas.microsoft.com/office/drawing/2014/main" id="{AB816F16-8F0D-C441-9127-F0AED81927E1}"/>
+                <a16:creationId xmlns:a16="http://schemas.microsoft.com/office/drawing/2014/main" id="{76A4A4AE-4F5F-2B4E-AC64-E593EC351084}"/>
               </a:ext>
             </a:extLst>
           </p:cNvPr>
-          <p:cNvSpPr/>
+          <p:cNvPicPr>
+            <a:picLocks noChangeAspect="1"/>
+          </p:cNvPicPr>
           <p:nvPr/>
-        </p:nvSpPr>
+        </p:nvPicPr>
+        <p:blipFill>
+          <a:blip r:embed="rId14">
+            <a:extLst>
+              <a:ext uri="{96DAC541-7B7A-43D3-8B79-37D633B846F1}">
+                <asvg:svgBlip xmlns:asvg="http://schemas.microsoft.com/office/drawing/2016/SVG/main" r:embed="rId15"/>
+              </a:ext>
+            </a:extLst>
+          </a:blip>
+          <a:stretch>
+            <a:fillRect/>
+          </a:stretch>
+        </p:blipFill>
         <p:spPr>
           <a:xfrm>
-            <a:off x="1371600" y="4750829"/>
-            <a:ext cx="4368800" cy="385612"/>
+            <a:off x="3428027" y="5760280"/>
+            <a:ext cx="457200" cy="457200"/>
           </a:xfrm>
           <a:prstGeom prst="rect">
             <a:avLst/>
           </a:prstGeom>
         </p:spPr>
-        <p:style>
-          <a:lnRef idx="2">
-            <a:schemeClr val="accent5">
-              <a:shade val="50000"/>
-            </a:schemeClr>
-          </a:lnRef>
-          <a:fillRef idx="1">
-            <a:schemeClr val="accent5"/>
-          </a:fillRef>
-          <a:effectRef idx="0">
-            <a:schemeClr val="accent5"/>
-          </a:effectRef>
-          <a:fontRef idx="minor">
-            <a:schemeClr val="lt1"/>
-          </a:fontRef>
-        </p:style>
-        <p:txBody>
-          <a:bodyPr rtlCol="0" anchor="t"/>
-          <a:lstStyle/>
-          <a:p>
-            <a:pPr algn="ctr"/>
-            <a:r>
-              <a:rPr lang="en-US" dirty="0" err="1"/>
-              <a:t>NGrams</a:t>
-            </a:r>
-            <a:endParaRPr lang="en-US" dirty="0"/>
-          </a:p>
-        </p:txBody>
-      </p:sp>
-      <p:sp>
-        <p:nvSpPr>
-          <p:cNvPr id="23" name="Rechteck 22">
+      </p:pic>
+      <p:pic>
+        <p:nvPicPr>
+          <p:cNvPr id="19" name="Grafik 18" descr="Gedankenblase Silhouette">
             <a:extLst>
               <a:ext uri="{FF2B5EF4-FFF2-40B4-BE49-F238E27FC236}">
-                <a16:creationId xmlns:a16="http://schemas.microsoft.com/office/drawing/2014/main" id="{CA6A0E30-BADE-EC43-95AA-E3D60D10F928}"/>
+                <a16:creationId xmlns:a16="http://schemas.microsoft.com/office/drawing/2014/main" id="{049ECB83-D550-6C47-B53F-A2049A2B94C4}"/>
               </a:ext>
             </a:extLst>
           </p:cNvPr>
-          <p:cNvSpPr/>
+          <p:cNvPicPr>
+            <a:picLocks noChangeAspect="1"/>
+          </p:cNvPicPr>
           <p:nvPr/>
-        </p:nvSpPr>
+        </p:nvPicPr>
+        <p:blipFill>
+          <a:blip r:embed="rId2">
+            <a:extLst>
+              <a:ext uri="{96DAC541-7B7A-43D3-8B79-37D633B846F1}">
+                <asvg:svgBlip xmlns:asvg="http://schemas.microsoft.com/office/drawing/2016/SVG/main" r:embed="rId3"/>
+              </a:ext>
+            </a:extLst>
+          </a:blip>
+          <a:stretch>
+            <a:fillRect/>
+          </a:stretch>
+        </p:blipFill>
         <p:spPr>
-          <a:xfrm>
-            <a:off x="1371600" y="5160200"/>
-            <a:ext cx="4368800" cy="385612"/>
+          <a:xfrm flipH="1" flipV="1">
+            <a:off x="1232359" y="5627474"/>
+            <a:ext cx="1014402" cy="1014402"/>
           </a:xfrm>
           <a:prstGeom prst="rect">
             <a:avLst/>
           </a:prstGeom>
         </p:spPr>
-        <p:style>
-          <a:lnRef idx="2">
-            <a:schemeClr val="accent5">
-              <a:shade val="50000"/>
-            </a:schemeClr>
-          </a:lnRef>
-          <a:fillRef idx="1">
-            <a:schemeClr val="accent5"/>
-          </a:fillRef>
-          <a:effectRef idx="0">
-            <a:schemeClr val="accent5"/>
-          </a:effectRef>
-          <a:fontRef idx="minor">
-            <a:schemeClr val="lt1"/>
-          </a:fontRef>
-        </p:style>
-        <p:txBody>
-          <a:bodyPr rtlCol="0" anchor="t"/>
-          <a:lstStyle/>
-          <a:p>
-            <a:pPr algn="ctr"/>
-            <a:r>
-              <a:rPr lang="en-US" dirty="0"/>
-              <a:t>Patterns</a:t>
-            </a:r>
-          </a:p>
-        </p:txBody>
-      </p:sp>
-      <p:sp>
-        <p:nvSpPr>
-          <p:cNvPr id="24" name="Rechteck 23">
+      </p:pic>
+      <p:pic>
+        <p:nvPicPr>
+          <p:cNvPr id="20" name="Grafik 19" descr="Lächelnde Gesichtskontur mit einfarbiger Füllung">
             <a:extLst>
               <a:ext uri="{FF2B5EF4-FFF2-40B4-BE49-F238E27FC236}">
-                <a16:creationId xmlns:a16="http://schemas.microsoft.com/office/drawing/2014/main" id="{D5F11332-308B-A149-ACBB-FC3A5E23EEB8}"/>
+                <a16:creationId xmlns:a16="http://schemas.microsoft.com/office/drawing/2014/main" id="{B58367C6-E219-2545-BBA2-5E0D9C56E35D}"/>
               </a:ext>
             </a:extLst>
           </p:cNvPr>
-          <p:cNvSpPr/>
+          <p:cNvPicPr>
+            <a:picLocks noChangeAspect="1"/>
+          </p:cNvPicPr>
           <p:nvPr/>
-        </p:nvSpPr>
+        </p:nvPicPr>
+        <p:blipFill>
+          <a:blip r:embed="rId14">
+            <a:extLst>
+              <a:ext uri="{96DAC541-7B7A-43D3-8B79-37D633B846F1}">
+                <asvg:svgBlip xmlns:asvg="http://schemas.microsoft.com/office/drawing/2016/SVG/main" r:embed="rId15"/>
+              </a:ext>
+            </a:extLst>
+          </a:blip>
+          <a:stretch>
+            <a:fillRect/>
+          </a:stretch>
+        </p:blipFill>
         <p:spPr>
           <a:xfrm>
-            <a:off x="1371600" y="5587453"/>
-            <a:ext cx="4368800" cy="402831"/>
+            <a:off x="1536647" y="5994271"/>
+            <a:ext cx="457200" cy="457200"/>
           </a:xfrm>
           <a:prstGeom prst="rect">
             <a:avLst/>
           </a:prstGeom>
         </p:spPr>
-        <p:style>
-          <a:lnRef idx="2">
-            <a:schemeClr val="accent5">
-              <a:shade val="50000"/>
-            </a:schemeClr>
-          </a:lnRef>
-          <a:fillRef idx="1">
-            <a:schemeClr val="accent5"/>
-          </a:fillRef>
-          <a:effectRef idx="0">
-            <a:schemeClr val="accent5"/>
-          </a:effectRef>
-          <a:fontRef idx="minor">
-            <a:schemeClr val="lt1"/>
-          </a:fontRef>
-        </p:style>
-        <p:txBody>
-          <a:bodyPr rtlCol="0" anchor="t"/>
-          <a:lstStyle/>
-          <a:p>
-            <a:pPr algn="ctr"/>
-            <a:r>
-              <a:rPr lang="en-US" dirty="0"/>
-              <a:t>Topic</a:t>
-            </a:r>
-          </a:p>
-        </p:txBody>
-      </p:sp>
-      <p:sp>
-        <p:nvSpPr>
-          <p:cNvPr id="25" name="Rechteck 24">
+      </p:pic>
+      <p:pic>
+        <p:nvPicPr>
+          <p:cNvPr id="21" name="Grafik 20" descr="Verbotsschild mit einfarbiger Füllung">
             <a:extLst>
               <a:ext uri="{FF2B5EF4-FFF2-40B4-BE49-F238E27FC236}">
-                <a16:creationId xmlns:a16="http://schemas.microsoft.com/office/drawing/2014/main" id="{38FCC939-16BF-A64A-B2A6-D2F78AF68DD6}"/>
+                <a16:creationId xmlns:a16="http://schemas.microsoft.com/office/drawing/2014/main" id="{2B6BEF9D-9882-134B-A573-A1D7B81CC809}"/>
               </a:ext>
             </a:extLst>
           </p:cNvPr>
-          <p:cNvSpPr/>
+          <p:cNvPicPr>
+            <a:picLocks noChangeAspect="1"/>
+          </p:cNvPicPr>
           <p:nvPr/>
-        </p:nvSpPr>
+        </p:nvPicPr>
+        <p:blipFill>
+          <a:blip r:embed="rId16">
+            <a:extLst>
+              <a:ext uri="{96DAC541-7B7A-43D3-8B79-37D633B846F1}">
+                <asvg:svgBlip xmlns:asvg="http://schemas.microsoft.com/office/drawing/2016/SVG/main" r:embed="rId17"/>
+              </a:ext>
+            </a:extLst>
+          </a:blip>
+          <a:stretch>
+            <a:fillRect/>
+          </a:stretch>
+        </p:blipFill>
         <p:spPr>
           <a:xfrm>
-            <a:off x="7403815" y="3730004"/>
-            <a:ext cx="2867067" cy="369332"/>
+            <a:off x="1115606" y="3766307"/>
+            <a:ext cx="914400" cy="914400"/>
           </a:xfrm>
           <a:prstGeom prst="rect">
             <a:avLst/>
           </a:prstGeom>
         </p:spPr>
-        <p:txBody>
-          <a:bodyPr wrap="none">
-            <a:spAutoFit/>
-          </a:bodyPr>
-          <a:lstStyle/>
-          <a:p>
-            <a:pPr algn="ctr"/>
-            <a:r>
-              <a:rPr lang="de-DE" dirty="0">
-                <a:solidFill>
-                  <a:schemeClr val="bg1"/>
-                </a:solidFill>
-              </a:rPr>
-              <a:t>TODO: Feature </a:t>
-            </a:r>
-            <a:r>
-              <a:rPr lang="de-DE" dirty="0" err="1">
-                <a:solidFill>
-                  <a:schemeClr val="bg1"/>
-                </a:solidFill>
-              </a:rPr>
-              <a:t>importances</a:t>
-            </a:r>
-            <a:endParaRPr lang="de-DE" dirty="0">
-              <a:solidFill>
-                <a:schemeClr val="bg1"/>
-              </a:solidFill>
-            </a:endParaRPr>
-          </a:p>
-        </p:txBody>
-      </p:sp>
-    </p:spTree>
-    <p:extLst>
-      <p:ext uri="{BB962C8B-B14F-4D97-AF65-F5344CB8AC3E}">
-        <p14:creationId xmlns:p14="http://schemas.microsoft.com/office/powerpoint/2010/main" val="3493567260"/>
-      </p:ext>
-    </p:extLst>
-  </p:cSld>
-  <p:clrMapOvr>
-    <a:masterClrMapping/>
-  </p:clrMapOvr>
-</p:sld>
-</file>
-
-<file path=ppt/slides/slide5.xml><?xml version="1.0" encoding="utf-8"?>
-<p:sld xmlns:a="http://schemas.openxmlformats.org/drawingml/2006/main" xmlns:r="http://schemas.openxmlformats.org/officeDocument/2006/relationships" xmlns:p="http://schemas.openxmlformats.org/presentationml/2006/main">
-  <p:cSld>
-    <p:spTree>
-      <p:nvGrpSpPr>
-        <p:cNvPr id="1" name=""/>
-        <p:cNvGrpSpPr/>
-        <p:nvPr/>
-      </p:nvGrpSpPr>
-      <p:grpSpPr>
-        <a:xfrm>
-          <a:off x="0" y="0"/>
-          <a:ext cx="0" cy="0"/>
-          <a:chOff x="0" y="0"/>
-          <a:chExt cx="0" cy="0"/>
-        </a:xfrm>
-      </p:grpSpPr>
-      <p:sp>
-        <p:nvSpPr>
-          <p:cNvPr id="10" name="Rechteck 9">
+      </p:pic>
+      <p:sp>
+        <p:nvSpPr>
+          <p:cNvPr id="22" name="Inhaltsplatzhalter 2">
             <a:extLst>
               <a:ext uri="{FF2B5EF4-FFF2-40B4-BE49-F238E27FC236}">
-                <a16:creationId xmlns:a16="http://schemas.microsoft.com/office/drawing/2014/main" id="{F8284735-EDD3-B143-90DE-BC1A5525219B}"/>
-              </a:ext>
-            </a:extLst>
-          </p:cNvPr>
-          <p:cNvSpPr/>
-          <p:nvPr/>
-        </p:nvSpPr>
-        <p:spPr>
-          <a:xfrm>
-            <a:off x="1219200" y="1615662"/>
-            <a:ext cx="10510838" cy="4837724"/>
-          </a:xfrm>
-          <a:prstGeom prst="rect">
-            <a:avLst/>
-          </a:prstGeom>
-        </p:spPr>
-        <p:style>
-          <a:lnRef idx="2">
-            <a:schemeClr val="accent1">
-              <a:shade val="50000"/>
-            </a:schemeClr>
-          </a:lnRef>
-          <a:fillRef idx="1">
-            <a:schemeClr val="accent1"/>
-          </a:fillRef>
-          <a:effectRef idx="0">
-            <a:schemeClr val="accent1"/>
-          </a:effectRef>
-          <a:fontRef idx="minor">
-            <a:schemeClr val="lt1"/>
-          </a:fontRef>
-        </p:style>
-        <p:txBody>
-          <a:bodyPr rtlCol="0" anchor="t"/>
-          <a:lstStyle/>
-          <a:p>
-            <a:pPr algn="ctr"/>
-            <a:r>
-              <a:rPr lang="en-US" sz="2000" dirty="0"/>
-              <a:t>Classifier and dataset comparison</a:t>
-            </a:r>
-          </a:p>
-        </p:txBody>
-      </p:sp>
-      <p:sp>
-        <p:nvSpPr>
-          <p:cNvPr id="2" name="Titel 1">
-            <a:extLst>
-              <a:ext uri="{FF2B5EF4-FFF2-40B4-BE49-F238E27FC236}">
-                <a16:creationId xmlns:a16="http://schemas.microsoft.com/office/drawing/2014/main" id="{8AF3081B-2286-174D-A2A0-E0ED844B7E3F}"/>
-              </a:ext>
-            </a:extLst>
-          </p:cNvPr>
-          <p:cNvSpPr>
-            <a:spLocks noGrp="1"/>
-          </p:cNvSpPr>
-          <p:nvPr>
-            <p:ph type="title"/>
-          </p:nvPr>
-        </p:nvSpPr>
-        <p:spPr/>
-        <p:txBody>
-          <a:bodyPr/>
-          <a:lstStyle/>
-          <a:p>
-            <a:r>
-              <a:rPr lang="en-US" dirty="0"/>
-              <a:t>Results (2/2)</a:t>
-            </a:r>
-          </a:p>
-        </p:txBody>
-      </p:sp>
-      <p:sp>
-        <p:nvSpPr>
-          <p:cNvPr id="5" name="Textfeld 4">
-            <a:extLst>
-              <a:ext uri="{FF2B5EF4-FFF2-40B4-BE49-F238E27FC236}">
-                <a16:creationId xmlns:a16="http://schemas.microsoft.com/office/drawing/2014/main" id="{A96B8871-CA12-4242-8DE7-76D2607D98DB}"/>
-              </a:ext>
-            </a:extLst>
-          </p:cNvPr>
-          <p:cNvSpPr txBox="1"/>
-          <p:nvPr/>
-        </p:nvSpPr>
-        <p:spPr>
-          <a:xfrm>
-            <a:off x="3548270" y="3856501"/>
-            <a:ext cx="184731" cy="369332"/>
-          </a:xfrm>
-          <a:prstGeom prst="rect">
-            <a:avLst/>
-          </a:prstGeom>
-          <a:noFill/>
-        </p:spPr>
-        <p:txBody>
-          <a:bodyPr wrap="none" rtlCol="0">
-            <a:spAutoFit/>
-          </a:bodyPr>
-          <a:lstStyle/>
-          <a:p>
-            <a:endParaRPr lang="en-US" dirty="0"/>
-          </a:p>
-        </p:txBody>
-      </p:sp>
-      <p:sp>
-        <p:nvSpPr>
-          <p:cNvPr id="6" name="Textfeld 5">
-            <a:extLst>
-              <a:ext uri="{FF2B5EF4-FFF2-40B4-BE49-F238E27FC236}">
-                <a16:creationId xmlns:a16="http://schemas.microsoft.com/office/drawing/2014/main" id="{B0D5C0E6-79C6-AE4B-AFF2-AC25A5E8D0BD}"/>
-              </a:ext>
-            </a:extLst>
-          </p:cNvPr>
-          <p:cNvSpPr txBox="1"/>
-          <p:nvPr/>
-        </p:nvSpPr>
-        <p:spPr>
-          <a:xfrm>
-            <a:off x="2037522" y="3697475"/>
-            <a:ext cx="184731" cy="369332"/>
-          </a:xfrm>
-          <a:prstGeom prst="rect">
-            <a:avLst/>
-          </a:prstGeom>
-          <a:noFill/>
-        </p:spPr>
-        <p:txBody>
-          <a:bodyPr wrap="none" rtlCol="0">
-            <a:spAutoFit/>
-          </a:bodyPr>
-          <a:lstStyle/>
-          <a:p>
-            <a:endParaRPr lang="en-US" dirty="0"/>
-          </a:p>
-        </p:txBody>
-      </p:sp>
-      <p:sp>
-        <p:nvSpPr>
-          <p:cNvPr id="7" name="Inhaltsplatzhalter 2">
-            <a:extLst>
-              <a:ext uri="{FF2B5EF4-FFF2-40B4-BE49-F238E27FC236}">
-                <a16:creationId xmlns:a16="http://schemas.microsoft.com/office/drawing/2014/main" id="{CF34E70F-EA07-8244-9386-CB15268E7A57}"/>
+                <a16:creationId xmlns:a16="http://schemas.microsoft.com/office/drawing/2014/main" id="{6E77B341-CB1C-0F49-993E-12327F5921D3}"/>
               </a:ext>
             </a:extLst>
           </p:cNvPr>
@@ -6898,8 +8026,8 @@
         </p:nvSpPr>
         <p:spPr>
           <a:xfrm>
-            <a:off x="1653822" y="4302080"/>
-            <a:ext cx="9601200" cy="1977390"/>
+            <a:off x="5167318" y="4363333"/>
+            <a:ext cx="6929432" cy="3529015"/>
           </a:xfrm>
           <a:prstGeom prst="rect">
             <a:avLst/>
@@ -6907,7 +8035,7 @@
         </p:spPr>
         <p:txBody>
           <a:bodyPr vert="horz" lIns="91440" tIns="45720" rIns="91440" bIns="45720" rtlCol="0">
-            <a:normAutofit lnSpcReduction="10000"/>
+            <a:normAutofit/>
           </a:bodyPr>
           <a:lstStyle>
             <a:lvl1pPr marL="384048" indent="-384048" algn="l" defTabSz="914400" rtl="0" eaLnBrk="1" latinLnBrk="0" hangingPunct="1">
@@ -7101,62 +8229,1112 @@
             </a:lvl9pPr>
           </a:lstStyle>
           <a:p>
-            <a:pPr>
-              <a:buFont typeface="Symbol" pitchFamily="2" charset="2"/>
-              <a:buChar char="Þ"/>
+            <a:r>
+              <a:rPr lang="en-US" dirty="0"/>
+              <a:t>utmost importance to act quickly on social media</a:t>
+            </a:r>
+          </a:p>
+        </p:txBody>
+      </p:sp>
+      <p:sp>
+        <p:nvSpPr>
+          <p:cNvPr id="23" name="Foliennummernplatzhalter 37">
+            <a:extLst>
+              <a:ext uri="{FF2B5EF4-FFF2-40B4-BE49-F238E27FC236}">
+                <a16:creationId xmlns:a16="http://schemas.microsoft.com/office/drawing/2014/main" id="{1B0AE285-8DC2-FC4D-A280-4C2267A783B4}"/>
+              </a:ext>
+            </a:extLst>
+          </p:cNvPr>
+          <p:cNvSpPr txBox="1">
+            <a:spLocks/>
+          </p:cNvSpPr>
+          <p:nvPr/>
+        </p:nvSpPr>
+        <p:spPr>
+          <a:xfrm>
+            <a:off x="9625136" y="6605786"/>
+            <a:ext cx="1596292" cy="404614"/>
+          </a:xfrm>
+          <a:prstGeom prst="rect">
+            <a:avLst/>
+          </a:prstGeom>
+        </p:spPr>
+        <p:txBody>
+          <a:bodyPr vert="horz" lIns="91440" tIns="45720" rIns="91440" bIns="45720" rtlCol="0" anchor="ctr"/>
+          <a:lstStyle>
+            <a:defPPr>
+              <a:defRPr lang="en-US"/>
+            </a:defPPr>
+            <a:lvl1pPr marL="0" algn="r" defTabSz="457200" rtl="0" eaLnBrk="1" latinLnBrk="0" hangingPunct="1">
+              <a:defRPr sz="1200" kern="1200" baseline="0">
+                <a:solidFill>
+                  <a:schemeClr val="tx2"/>
+                </a:solidFill>
+                <a:latin typeface="+mn-lt"/>
+                <a:ea typeface="+mn-ea"/>
+                <a:cs typeface="+mn-cs"/>
+              </a:defRPr>
+            </a:lvl1pPr>
+            <a:lvl2pPr marL="457200" algn="l" defTabSz="457200" rtl="0" eaLnBrk="1" latinLnBrk="0" hangingPunct="1">
+              <a:defRPr sz="1800" kern="1200">
+                <a:solidFill>
+                  <a:schemeClr val="tx1"/>
+                </a:solidFill>
+                <a:latin typeface="+mn-lt"/>
+                <a:ea typeface="+mn-ea"/>
+                <a:cs typeface="+mn-cs"/>
+              </a:defRPr>
+            </a:lvl2pPr>
+            <a:lvl3pPr marL="914400" algn="l" defTabSz="457200" rtl="0" eaLnBrk="1" latinLnBrk="0" hangingPunct="1">
+              <a:defRPr sz="1800" kern="1200">
+                <a:solidFill>
+                  <a:schemeClr val="tx1"/>
+                </a:solidFill>
+                <a:latin typeface="+mn-lt"/>
+                <a:ea typeface="+mn-ea"/>
+                <a:cs typeface="+mn-cs"/>
+              </a:defRPr>
+            </a:lvl3pPr>
+            <a:lvl4pPr marL="1371600" algn="l" defTabSz="457200" rtl="0" eaLnBrk="1" latinLnBrk="0" hangingPunct="1">
+              <a:defRPr sz="1800" kern="1200">
+                <a:solidFill>
+                  <a:schemeClr val="tx1"/>
+                </a:solidFill>
+                <a:latin typeface="+mn-lt"/>
+                <a:ea typeface="+mn-ea"/>
+                <a:cs typeface="+mn-cs"/>
+              </a:defRPr>
+            </a:lvl4pPr>
+            <a:lvl5pPr marL="1828800" algn="l" defTabSz="457200" rtl="0" eaLnBrk="1" latinLnBrk="0" hangingPunct="1">
+              <a:defRPr sz="1800" kern="1200">
+                <a:solidFill>
+                  <a:schemeClr val="tx1"/>
+                </a:solidFill>
+                <a:latin typeface="+mn-lt"/>
+                <a:ea typeface="+mn-ea"/>
+                <a:cs typeface="+mn-cs"/>
+              </a:defRPr>
+            </a:lvl5pPr>
+            <a:lvl6pPr marL="2286000" algn="l" defTabSz="457200" rtl="0" eaLnBrk="1" latinLnBrk="0" hangingPunct="1">
+              <a:defRPr sz="1800" kern="1200">
+                <a:solidFill>
+                  <a:schemeClr val="tx1"/>
+                </a:solidFill>
+                <a:latin typeface="+mn-lt"/>
+                <a:ea typeface="+mn-ea"/>
+                <a:cs typeface="+mn-cs"/>
+              </a:defRPr>
+            </a:lvl6pPr>
+            <a:lvl7pPr marL="2743200" algn="l" defTabSz="457200" rtl="0" eaLnBrk="1" latinLnBrk="0" hangingPunct="1">
+              <a:defRPr sz="1800" kern="1200">
+                <a:solidFill>
+                  <a:schemeClr val="tx1"/>
+                </a:solidFill>
+                <a:latin typeface="+mn-lt"/>
+                <a:ea typeface="+mn-ea"/>
+                <a:cs typeface="+mn-cs"/>
+              </a:defRPr>
+            </a:lvl7pPr>
+            <a:lvl8pPr marL="3200400" algn="l" defTabSz="457200" rtl="0" eaLnBrk="1" latinLnBrk="0" hangingPunct="1">
+              <a:defRPr sz="1800" kern="1200">
+                <a:solidFill>
+                  <a:schemeClr val="tx1"/>
+                </a:solidFill>
+                <a:latin typeface="+mn-lt"/>
+                <a:ea typeface="+mn-ea"/>
+                <a:cs typeface="+mn-cs"/>
+              </a:defRPr>
+            </a:lvl8pPr>
+            <a:lvl9pPr marL="3657600" algn="l" defTabSz="457200" rtl="0" eaLnBrk="1" latinLnBrk="0" hangingPunct="1">
+              <a:defRPr sz="1800" kern="1200">
+                <a:solidFill>
+                  <a:schemeClr val="tx1"/>
+                </a:solidFill>
+                <a:latin typeface="+mn-lt"/>
+                <a:ea typeface="+mn-ea"/>
+                <a:cs typeface="+mn-cs"/>
+              </a:defRPr>
+            </a:lvl9pPr>
+          </a:lstStyle>
+          <a:p>
+            <a:fld id="{D57F1E4F-1CFF-5643-939E-217C01CDF565}" type="slidenum">
+              <a:rPr lang="en-US" smtClean="0"/>
+              <a:pPr/>
+              <a:t>4</a:t>
+            </a:fld>
+            <a:endParaRPr lang="en-US" dirty="0"/>
+          </a:p>
+        </p:txBody>
+      </p:sp>
+    </p:spTree>
+    <p:extLst>
+      <p:ext uri="{BB962C8B-B14F-4D97-AF65-F5344CB8AC3E}">
+        <p14:creationId xmlns:p14="http://schemas.microsoft.com/office/powerpoint/2010/main" val="873936960"/>
+      </p:ext>
+    </p:extLst>
+  </p:cSld>
+  <p:clrMapOvr>
+    <a:masterClrMapping/>
+  </p:clrMapOvr>
+  <p:timing>
+    <p:tnLst>
+      <p:par>
+        <p:cTn id="1" dur="indefinite" restart="never" nodeType="tmRoot">
+          <p:childTnLst>
+            <p:seq concurrent="1" nextAc="seek">
+              <p:cTn id="2" dur="indefinite" nodeType="mainSeq">
+                <p:childTnLst>
+                  <p:par>
+                    <p:cTn id="3" fill="hold">
+                      <p:stCondLst>
+                        <p:cond delay="indefinite"/>
+                      </p:stCondLst>
+                      <p:childTnLst>
+                        <p:par>
+                          <p:cTn id="4" fill="hold">
+                            <p:stCondLst>
+                              <p:cond delay="0"/>
+                            </p:stCondLst>
+                            <p:childTnLst>
+                              <p:par>
+                                <p:cTn id="5" presetID="1" presetClass="entr" presetSubtype="0" fill="hold" nodeType="clickEffect">
+                                  <p:stCondLst>
+                                    <p:cond delay="0"/>
+                                  </p:stCondLst>
+                                  <p:childTnLst>
+                                    <p:set>
+                                      <p:cBhvr>
+                                        <p:cTn id="6" dur="1" fill="hold">
+                                          <p:stCondLst>
+                                            <p:cond delay="0"/>
+                                          </p:stCondLst>
+                                        </p:cTn>
+                                        <p:tgtEl>
+                                          <p:spTgt spid="8"/>
+                                        </p:tgtEl>
+                                        <p:attrNameLst>
+                                          <p:attrName>style.visibility</p:attrName>
+                                        </p:attrNameLst>
+                                      </p:cBhvr>
+                                      <p:to>
+                                        <p:strVal val="visible"/>
+                                      </p:to>
+                                    </p:set>
+                                  </p:childTnLst>
+                                </p:cTn>
+                              </p:par>
+                              <p:par>
+                                <p:cTn id="7" presetID="1" presetClass="entr" presetSubtype="0" fill="hold" nodeType="withEffect">
+                                  <p:stCondLst>
+                                    <p:cond delay="0"/>
+                                  </p:stCondLst>
+                                  <p:childTnLst>
+                                    <p:set>
+                                      <p:cBhvr>
+                                        <p:cTn id="8" dur="1" fill="hold">
+                                          <p:stCondLst>
+                                            <p:cond delay="0"/>
+                                          </p:stCondLst>
+                                        </p:cTn>
+                                        <p:tgtEl>
+                                          <p:spTgt spid="9"/>
+                                        </p:tgtEl>
+                                        <p:attrNameLst>
+                                          <p:attrName>style.visibility</p:attrName>
+                                        </p:attrNameLst>
+                                      </p:cBhvr>
+                                      <p:to>
+                                        <p:strVal val="visible"/>
+                                      </p:to>
+                                    </p:set>
+                                  </p:childTnLst>
+                                </p:cTn>
+                              </p:par>
+                            </p:childTnLst>
+                          </p:cTn>
+                        </p:par>
+                      </p:childTnLst>
+                    </p:cTn>
+                  </p:par>
+                  <p:par>
+                    <p:cTn id="9" fill="hold">
+                      <p:stCondLst>
+                        <p:cond delay="indefinite"/>
+                      </p:stCondLst>
+                      <p:childTnLst>
+                        <p:par>
+                          <p:cTn id="10" fill="hold">
+                            <p:stCondLst>
+                              <p:cond delay="0"/>
+                            </p:stCondLst>
+                            <p:childTnLst>
+                              <p:par>
+                                <p:cTn id="11" presetID="1" presetClass="entr" presetSubtype="0" fill="hold" nodeType="clickEffect">
+                                  <p:stCondLst>
+                                    <p:cond delay="0"/>
+                                  </p:stCondLst>
+                                  <p:childTnLst>
+                                    <p:set>
+                                      <p:cBhvr>
+                                        <p:cTn id="12" dur="1" fill="hold">
+                                          <p:stCondLst>
+                                            <p:cond delay="0"/>
+                                          </p:stCondLst>
+                                        </p:cTn>
+                                        <p:tgtEl>
+                                          <p:spTgt spid="16"/>
+                                        </p:tgtEl>
+                                        <p:attrNameLst>
+                                          <p:attrName>style.visibility</p:attrName>
+                                        </p:attrNameLst>
+                                      </p:cBhvr>
+                                      <p:to>
+                                        <p:strVal val="visible"/>
+                                      </p:to>
+                                    </p:set>
+                                  </p:childTnLst>
+                                </p:cTn>
+                              </p:par>
+                              <p:par>
+                                <p:cTn id="13" presetID="1" presetClass="entr" presetSubtype="0" fill="hold" nodeType="withEffect">
+                                  <p:stCondLst>
+                                    <p:cond delay="0"/>
+                                  </p:stCondLst>
+                                  <p:childTnLst>
+                                    <p:set>
+                                      <p:cBhvr>
+                                        <p:cTn id="14" dur="1" fill="hold">
+                                          <p:stCondLst>
+                                            <p:cond delay="0"/>
+                                          </p:stCondLst>
+                                        </p:cTn>
+                                        <p:tgtEl>
+                                          <p:spTgt spid="15"/>
+                                        </p:tgtEl>
+                                        <p:attrNameLst>
+                                          <p:attrName>style.visibility</p:attrName>
+                                        </p:attrNameLst>
+                                      </p:cBhvr>
+                                      <p:to>
+                                        <p:strVal val="visible"/>
+                                      </p:to>
+                                    </p:set>
+                                  </p:childTnLst>
+                                </p:cTn>
+                              </p:par>
+                              <p:par>
+                                <p:cTn id="15" presetID="1" presetClass="entr" presetSubtype="0" fill="hold" nodeType="withEffect">
+                                  <p:stCondLst>
+                                    <p:cond delay="0"/>
+                                  </p:stCondLst>
+                                  <p:childTnLst>
+                                    <p:set>
+                                      <p:cBhvr>
+                                        <p:cTn id="16" dur="1" fill="hold">
+                                          <p:stCondLst>
+                                            <p:cond delay="0"/>
+                                          </p:stCondLst>
+                                        </p:cTn>
+                                        <p:tgtEl>
+                                          <p:spTgt spid="13"/>
+                                        </p:tgtEl>
+                                        <p:attrNameLst>
+                                          <p:attrName>style.visibility</p:attrName>
+                                        </p:attrNameLst>
+                                      </p:cBhvr>
+                                      <p:to>
+                                        <p:strVal val="visible"/>
+                                      </p:to>
+                                    </p:set>
+                                  </p:childTnLst>
+                                </p:cTn>
+                              </p:par>
+                              <p:par>
+                                <p:cTn id="17" presetID="1" presetClass="entr" presetSubtype="0" fill="hold" nodeType="withEffect">
+                                  <p:stCondLst>
+                                    <p:cond delay="0"/>
+                                  </p:stCondLst>
+                                  <p:childTnLst>
+                                    <p:set>
+                                      <p:cBhvr>
+                                        <p:cTn id="18" dur="1" fill="hold">
+                                          <p:stCondLst>
+                                            <p:cond delay="0"/>
+                                          </p:stCondLst>
+                                        </p:cTn>
+                                        <p:tgtEl>
+                                          <p:spTgt spid="12"/>
+                                        </p:tgtEl>
+                                        <p:attrNameLst>
+                                          <p:attrName>style.visibility</p:attrName>
+                                        </p:attrNameLst>
+                                      </p:cBhvr>
+                                      <p:to>
+                                        <p:strVal val="visible"/>
+                                      </p:to>
+                                    </p:set>
+                                  </p:childTnLst>
+                                </p:cTn>
+                              </p:par>
+                              <p:par>
+                                <p:cTn id="19" presetID="1" presetClass="entr" presetSubtype="0" fill="hold" nodeType="withEffect">
+                                  <p:stCondLst>
+                                    <p:cond delay="0"/>
+                                  </p:stCondLst>
+                                  <p:childTnLst>
+                                    <p:set>
+                                      <p:cBhvr>
+                                        <p:cTn id="20" dur="1" fill="hold">
+                                          <p:stCondLst>
+                                            <p:cond delay="0"/>
+                                          </p:stCondLst>
+                                        </p:cTn>
+                                        <p:tgtEl>
+                                          <p:spTgt spid="11"/>
+                                        </p:tgtEl>
+                                        <p:attrNameLst>
+                                          <p:attrName>style.visibility</p:attrName>
+                                        </p:attrNameLst>
+                                      </p:cBhvr>
+                                      <p:to>
+                                        <p:strVal val="visible"/>
+                                      </p:to>
+                                    </p:set>
+                                  </p:childTnLst>
+                                </p:cTn>
+                              </p:par>
+                              <p:par>
+                                <p:cTn id="21" presetID="1" presetClass="entr" presetSubtype="0" fill="hold" nodeType="withEffect">
+                                  <p:stCondLst>
+                                    <p:cond delay="0"/>
+                                  </p:stCondLst>
+                                  <p:childTnLst>
+                                    <p:set>
+                                      <p:cBhvr>
+                                        <p:cTn id="22" dur="1" fill="hold">
+                                          <p:stCondLst>
+                                            <p:cond delay="0"/>
+                                          </p:stCondLst>
+                                        </p:cTn>
+                                        <p:tgtEl>
+                                          <p:spTgt spid="6"/>
+                                        </p:tgtEl>
+                                        <p:attrNameLst>
+                                          <p:attrName>style.visibility</p:attrName>
+                                        </p:attrNameLst>
+                                      </p:cBhvr>
+                                      <p:to>
+                                        <p:strVal val="visible"/>
+                                      </p:to>
+                                    </p:set>
+                                  </p:childTnLst>
+                                </p:cTn>
+                              </p:par>
+                              <p:par>
+                                <p:cTn id="23" presetID="1" presetClass="entr" presetSubtype="0" fill="hold" nodeType="withEffect">
+                                  <p:stCondLst>
+                                    <p:cond delay="0"/>
+                                  </p:stCondLst>
+                                  <p:childTnLst>
+                                    <p:set>
+                                      <p:cBhvr>
+                                        <p:cTn id="24" dur="1" fill="hold">
+                                          <p:stCondLst>
+                                            <p:cond delay="0"/>
+                                          </p:stCondLst>
+                                        </p:cTn>
+                                        <p:tgtEl>
+                                          <p:spTgt spid="18"/>
+                                        </p:tgtEl>
+                                        <p:attrNameLst>
+                                          <p:attrName>style.visibility</p:attrName>
+                                        </p:attrNameLst>
+                                      </p:cBhvr>
+                                      <p:to>
+                                        <p:strVal val="visible"/>
+                                      </p:to>
+                                    </p:set>
+                                  </p:childTnLst>
+                                </p:cTn>
+                              </p:par>
+                              <p:par>
+                                <p:cTn id="25" presetID="1" presetClass="entr" presetSubtype="0" fill="hold" nodeType="withEffect">
+                                  <p:stCondLst>
+                                    <p:cond delay="0"/>
+                                  </p:stCondLst>
+                                  <p:childTnLst>
+                                    <p:set>
+                                      <p:cBhvr>
+                                        <p:cTn id="26" dur="1" fill="hold">
+                                          <p:stCondLst>
+                                            <p:cond delay="0"/>
+                                          </p:stCondLst>
+                                        </p:cTn>
+                                        <p:tgtEl>
+                                          <p:spTgt spid="17"/>
+                                        </p:tgtEl>
+                                        <p:attrNameLst>
+                                          <p:attrName>style.visibility</p:attrName>
+                                        </p:attrNameLst>
+                                      </p:cBhvr>
+                                      <p:to>
+                                        <p:strVal val="visible"/>
+                                      </p:to>
+                                    </p:set>
+                                  </p:childTnLst>
+                                </p:cTn>
+                              </p:par>
+                              <p:par>
+                                <p:cTn id="27" presetID="1" presetClass="entr" presetSubtype="0" fill="hold" nodeType="withEffect">
+                                  <p:stCondLst>
+                                    <p:cond delay="0"/>
+                                  </p:stCondLst>
+                                  <p:childTnLst>
+                                    <p:set>
+                                      <p:cBhvr>
+                                        <p:cTn id="28" dur="1" fill="hold">
+                                          <p:stCondLst>
+                                            <p:cond delay="0"/>
+                                          </p:stCondLst>
+                                        </p:cTn>
+                                        <p:tgtEl>
+                                          <p:spTgt spid="20"/>
+                                        </p:tgtEl>
+                                        <p:attrNameLst>
+                                          <p:attrName>style.visibility</p:attrName>
+                                        </p:attrNameLst>
+                                      </p:cBhvr>
+                                      <p:to>
+                                        <p:strVal val="visible"/>
+                                      </p:to>
+                                    </p:set>
+                                  </p:childTnLst>
+                                </p:cTn>
+                              </p:par>
+                              <p:par>
+                                <p:cTn id="29" presetID="1" presetClass="entr" presetSubtype="0" fill="hold" nodeType="withEffect">
+                                  <p:stCondLst>
+                                    <p:cond delay="0"/>
+                                  </p:stCondLst>
+                                  <p:childTnLst>
+                                    <p:set>
+                                      <p:cBhvr>
+                                        <p:cTn id="30" dur="1" fill="hold">
+                                          <p:stCondLst>
+                                            <p:cond delay="0"/>
+                                          </p:stCondLst>
+                                        </p:cTn>
+                                        <p:tgtEl>
+                                          <p:spTgt spid="19"/>
+                                        </p:tgtEl>
+                                        <p:attrNameLst>
+                                          <p:attrName>style.visibility</p:attrName>
+                                        </p:attrNameLst>
+                                      </p:cBhvr>
+                                      <p:to>
+                                        <p:strVal val="visible"/>
+                                      </p:to>
+                                    </p:set>
+                                  </p:childTnLst>
+                                </p:cTn>
+                              </p:par>
+                              <p:par>
+                                <p:cTn id="31" presetID="1" presetClass="entr" presetSubtype="0" fill="hold" grpId="0" nodeType="withEffect">
+                                  <p:stCondLst>
+                                    <p:cond delay="0"/>
+                                  </p:stCondLst>
+                                  <p:childTnLst>
+                                    <p:set>
+                                      <p:cBhvr>
+                                        <p:cTn id="32" dur="1" fill="hold">
+                                          <p:stCondLst>
+                                            <p:cond delay="0"/>
+                                          </p:stCondLst>
+                                        </p:cTn>
+                                        <p:tgtEl>
+                                          <p:spTgt spid="7">
+                                            <p:txEl>
+                                              <p:pRg st="0" end="0"/>
+                                            </p:txEl>
+                                          </p:spTgt>
+                                        </p:tgtEl>
+                                        <p:attrNameLst>
+                                          <p:attrName>style.visibility</p:attrName>
+                                        </p:attrNameLst>
+                                      </p:cBhvr>
+                                      <p:to>
+                                        <p:strVal val="visible"/>
+                                      </p:to>
+                                    </p:set>
+                                  </p:childTnLst>
+                                </p:cTn>
+                              </p:par>
+                            </p:childTnLst>
+                          </p:cTn>
+                        </p:par>
+                      </p:childTnLst>
+                    </p:cTn>
+                  </p:par>
+                  <p:par>
+                    <p:cTn id="33" fill="hold">
+                      <p:stCondLst>
+                        <p:cond delay="indefinite"/>
+                      </p:stCondLst>
+                      <p:childTnLst>
+                        <p:par>
+                          <p:cTn id="34" fill="hold">
+                            <p:stCondLst>
+                              <p:cond delay="0"/>
+                            </p:stCondLst>
+                            <p:childTnLst>
+                              <p:par>
+                                <p:cTn id="35" presetID="1" presetClass="entr" presetSubtype="0" fill="hold" nodeType="clickEffect">
+                                  <p:stCondLst>
+                                    <p:cond delay="0"/>
+                                  </p:stCondLst>
+                                  <p:childTnLst>
+                                    <p:set>
+                                      <p:cBhvr>
+                                        <p:cTn id="36" dur="1" fill="hold">
+                                          <p:stCondLst>
+                                            <p:cond delay="0"/>
+                                          </p:stCondLst>
+                                        </p:cTn>
+                                        <p:tgtEl>
+                                          <p:spTgt spid="21"/>
+                                        </p:tgtEl>
+                                        <p:attrNameLst>
+                                          <p:attrName>style.visibility</p:attrName>
+                                        </p:attrNameLst>
+                                      </p:cBhvr>
+                                      <p:to>
+                                        <p:strVal val="visible"/>
+                                      </p:to>
+                                    </p:set>
+                                  </p:childTnLst>
+                                </p:cTn>
+                              </p:par>
+                              <p:par>
+                                <p:cTn id="37" presetID="1" presetClass="entr" presetSubtype="0" fill="hold" grpId="0" nodeType="withEffect">
+                                  <p:stCondLst>
+                                    <p:cond delay="0"/>
+                                  </p:stCondLst>
+                                  <p:childTnLst>
+                                    <p:set>
+                                      <p:cBhvr>
+                                        <p:cTn id="38" dur="1" fill="hold">
+                                          <p:stCondLst>
+                                            <p:cond delay="0"/>
+                                          </p:stCondLst>
+                                        </p:cTn>
+                                        <p:tgtEl>
+                                          <p:spTgt spid="22"/>
+                                        </p:tgtEl>
+                                        <p:attrNameLst>
+                                          <p:attrName>style.visibility</p:attrName>
+                                        </p:attrNameLst>
+                                      </p:cBhvr>
+                                      <p:to>
+                                        <p:strVal val="visible"/>
+                                      </p:to>
+                                    </p:set>
+                                  </p:childTnLst>
+                                </p:cTn>
+                              </p:par>
+                            </p:childTnLst>
+                          </p:cTn>
+                        </p:par>
+                      </p:childTnLst>
+                    </p:cTn>
+                  </p:par>
+                  <p:par>
+                    <p:cTn id="39" fill="hold">
+                      <p:stCondLst>
+                        <p:cond delay="indefinite"/>
+                      </p:stCondLst>
+                      <p:childTnLst>
+                        <p:par>
+                          <p:cTn id="40" fill="hold">
+                            <p:stCondLst>
+                              <p:cond delay="0"/>
+                            </p:stCondLst>
+                            <p:childTnLst>
+                              <p:par>
+                                <p:cTn id="41" presetID="1" presetClass="entr" presetSubtype="0" fill="hold" grpId="0" nodeType="clickEffect">
+                                  <p:stCondLst>
+                                    <p:cond delay="0"/>
+                                  </p:stCondLst>
+                                  <p:childTnLst>
+                                    <p:set>
+                                      <p:cBhvr>
+                                        <p:cTn id="42" dur="1" fill="hold">
+                                          <p:stCondLst>
+                                            <p:cond delay="0"/>
+                                          </p:stCondLst>
+                                        </p:cTn>
+                                        <p:tgtEl>
+                                          <p:spTgt spid="14"/>
+                                        </p:tgtEl>
+                                        <p:attrNameLst>
+                                          <p:attrName>style.visibility</p:attrName>
+                                        </p:attrNameLst>
+                                      </p:cBhvr>
+                                      <p:to>
+                                        <p:strVal val="visible"/>
+                                      </p:to>
+                                    </p:set>
+                                  </p:childTnLst>
+                                </p:cTn>
+                              </p:par>
+                            </p:childTnLst>
+                          </p:cTn>
+                        </p:par>
+                      </p:childTnLst>
+                    </p:cTn>
+                  </p:par>
+                </p:childTnLst>
+              </p:cTn>
+              <p:prevCondLst>
+                <p:cond evt="onPrev" delay="0">
+                  <p:tgtEl>
+                    <p:sldTgt/>
+                  </p:tgtEl>
+                </p:cond>
+              </p:prevCondLst>
+              <p:nextCondLst>
+                <p:cond evt="onNext" delay="0">
+                  <p:tgtEl>
+                    <p:sldTgt/>
+                  </p:tgtEl>
+                </p:cond>
+              </p:nextCondLst>
+            </p:seq>
+          </p:childTnLst>
+        </p:cTn>
+      </p:par>
+    </p:tnLst>
+    <p:bldLst>
+      <p:bldP spid="7" grpId="0" build="p"/>
+      <p:bldP spid="14" grpId="0"/>
+      <p:bldP spid="22" grpId="0"/>
+    </p:bldLst>
+  </p:timing>
+</p:sld>
+</file>
+
+<file path=ppt/slides/slide5.xml><?xml version="1.0" encoding="utf-8"?>
+<p:sld xmlns:a="http://schemas.openxmlformats.org/drawingml/2006/main" xmlns:r="http://schemas.openxmlformats.org/officeDocument/2006/relationships" xmlns:p="http://schemas.openxmlformats.org/presentationml/2006/main">
+  <p:cSld>
+    <p:spTree>
+      <p:nvGrpSpPr>
+        <p:cNvPr id="1" name=""/>
+        <p:cNvGrpSpPr/>
+        <p:nvPr/>
+      </p:nvGrpSpPr>
+      <p:grpSpPr>
+        <a:xfrm>
+          <a:off x="0" y="0"/>
+          <a:ext cx="0" cy="0"/>
+          <a:chOff x="0" y="0"/>
+          <a:chExt cx="0" cy="0"/>
+        </a:xfrm>
+      </p:grpSpPr>
+      <p:sp>
+        <p:nvSpPr>
+          <p:cNvPr id="2" name="Titel 1">
+            <a:extLst>
+              <a:ext uri="{FF2B5EF4-FFF2-40B4-BE49-F238E27FC236}">
+                <a16:creationId xmlns:a16="http://schemas.microsoft.com/office/drawing/2014/main" id="{EF329BE9-85E4-8D46-A45B-D0CDA074AD8E}"/>
+              </a:ext>
+            </a:extLst>
+          </p:cNvPr>
+          <p:cNvSpPr>
+            <a:spLocks noGrp="1"/>
+          </p:cNvSpPr>
+          <p:nvPr>
+            <p:ph type="title"/>
+          </p:nvPr>
+        </p:nvSpPr>
+        <p:spPr/>
+        <p:txBody>
+          <a:bodyPr/>
+          <a:lstStyle/>
+          <a:p>
+            <a:r>
+              <a:rPr lang="de-DE" dirty="0"/>
+              <a:t>Data </a:t>
+            </a:r>
+            <a:r>
+              <a:rPr lang="de-DE" dirty="0" err="1"/>
+              <a:t>and</a:t>
+            </a:r>
+            <a:r>
+              <a:rPr lang="de-DE" dirty="0"/>
+              <a:t> Task</a:t>
+            </a:r>
+          </a:p>
+        </p:txBody>
+      </p:sp>
+      <p:sp>
+        <p:nvSpPr>
+          <p:cNvPr id="3" name="Inhaltsplatzhalter 2">
+            <a:extLst>
+              <a:ext uri="{FF2B5EF4-FFF2-40B4-BE49-F238E27FC236}">
+                <a16:creationId xmlns:a16="http://schemas.microsoft.com/office/drawing/2014/main" id="{0374B502-1AC8-574F-ABCA-0BFA6AC2F2E8}"/>
+              </a:ext>
+            </a:extLst>
+          </p:cNvPr>
+          <p:cNvSpPr>
+            <a:spLocks noGrp="1"/>
+          </p:cNvSpPr>
+          <p:nvPr>
+            <p:ph idx="1"/>
+          </p:nvPr>
+        </p:nvSpPr>
+        <p:spPr/>
+        <p:txBody>
+          <a:bodyPr/>
+          <a:lstStyle/>
+          <a:p>
+            <a:r>
+              <a:rPr lang="de-DE" dirty="0"/>
+              <a:t>Data </a:t>
+            </a:r>
+            <a:r>
+              <a:rPr lang="de-DE" dirty="0" err="1"/>
+              <a:t>statistics</a:t>
+            </a:r>
+            <a:endParaRPr lang="de-DE" dirty="0"/>
+          </a:p>
+          <a:p>
+            <a:r>
+              <a:rPr lang="de-DE" dirty="0" err="1"/>
+              <a:t>Classification</a:t>
+            </a:r>
+            <a:r>
+              <a:rPr lang="de-DE" dirty="0"/>
+              <a:t> </a:t>
+            </a:r>
+            <a:r>
+              <a:rPr lang="de-DE" dirty="0" err="1"/>
+              <a:t>task</a:t>
+            </a:r>
+            <a:r>
+              <a:rPr lang="de-DE" dirty="0"/>
+              <a:t> </a:t>
+            </a:r>
+            <a:r>
+              <a:rPr lang="de-DE" dirty="0" err="1"/>
+              <a:t>example</a:t>
+            </a:r>
+            <a:endParaRPr lang="de-DE" dirty="0"/>
+          </a:p>
+        </p:txBody>
+      </p:sp>
+      <p:sp>
+        <p:nvSpPr>
+          <p:cNvPr id="4" name="Foliennummernplatzhalter 3">
+            <a:extLst>
+              <a:ext uri="{FF2B5EF4-FFF2-40B4-BE49-F238E27FC236}">
+                <a16:creationId xmlns:a16="http://schemas.microsoft.com/office/drawing/2014/main" id="{2A521B9B-64E2-FD48-9AED-27EF10D8802D}"/>
+              </a:ext>
+            </a:extLst>
+          </p:cNvPr>
+          <p:cNvSpPr>
+            <a:spLocks noGrp="1"/>
+          </p:cNvSpPr>
+          <p:nvPr>
+            <p:ph type="sldNum" sz="quarter" idx="12"/>
+          </p:nvPr>
+        </p:nvSpPr>
+        <p:spPr/>
+        <p:txBody>
+          <a:bodyPr/>
+          <a:lstStyle/>
+          <a:p>
+            <a:fld id="{D57F1E4F-1CFF-5643-939E-217C01CDF565}" type="slidenum">
+              <a:rPr lang="en-US" smtClean="0"/>
+              <a:pPr/>
+              <a:t>5</a:t>
+            </a:fld>
+            <a:endParaRPr lang="en-US" dirty="0"/>
+          </a:p>
+        </p:txBody>
+      </p:sp>
+    </p:spTree>
+    <p:extLst>
+      <p:ext uri="{BB962C8B-B14F-4D97-AF65-F5344CB8AC3E}">
+        <p14:creationId xmlns:p14="http://schemas.microsoft.com/office/powerpoint/2010/main" val="1753715600"/>
+      </p:ext>
+    </p:extLst>
+  </p:cSld>
+  <p:clrMapOvr>
+    <a:masterClrMapping/>
+  </p:clrMapOvr>
+</p:sld>
+</file>
+
+<file path=ppt/slides/slide6.xml><?xml version="1.0" encoding="utf-8"?>
+<p:sld xmlns:a="http://schemas.openxmlformats.org/drawingml/2006/main" xmlns:r="http://schemas.openxmlformats.org/officeDocument/2006/relationships" xmlns:p="http://schemas.openxmlformats.org/presentationml/2006/main">
+  <p:cSld>
+    <p:spTree>
+      <p:nvGrpSpPr>
+        <p:cNvPr id="1" name=""/>
+        <p:cNvGrpSpPr/>
+        <p:nvPr/>
+      </p:nvGrpSpPr>
+      <p:grpSpPr>
+        <a:xfrm>
+          <a:off x="0" y="0"/>
+          <a:ext cx="0" cy="0"/>
+          <a:chOff x="0" y="0"/>
+          <a:chExt cx="0" cy="0"/>
+        </a:xfrm>
+      </p:grpSpPr>
+      <p:sp>
+        <p:nvSpPr>
+          <p:cNvPr id="2" name="Titel 1">
+            <a:extLst>
+              <a:ext uri="{FF2B5EF4-FFF2-40B4-BE49-F238E27FC236}">
+                <a16:creationId xmlns:a16="http://schemas.microsoft.com/office/drawing/2014/main" id="{FFB38B51-C167-F640-87E3-0DCD4CD24B3D}"/>
+              </a:ext>
+            </a:extLst>
+          </p:cNvPr>
+          <p:cNvSpPr>
+            <a:spLocks noGrp="1"/>
+          </p:cNvSpPr>
+          <p:nvPr>
+            <p:ph type="title"/>
+          </p:nvPr>
+        </p:nvSpPr>
+        <p:spPr/>
+        <p:txBody>
+          <a:bodyPr/>
+          <a:lstStyle/>
+          <a:p>
+            <a:r>
+              <a:rPr lang="en-US" dirty="0"/>
+              <a:t>Approach</a:t>
+            </a:r>
+          </a:p>
+        </p:txBody>
+      </p:sp>
+      <p:sp>
+        <p:nvSpPr>
+          <p:cNvPr id="3" name="Inhaltsplatzhalter 2">
+            <a:extLst>
+              <a:ext uri="{FF2B5EF4-FFF2-40B4-BE49-F238E27FC236}">
+                <a16:creationId xmlns:a16="http://schemas.microsoft.com/office/drawing/2014/main" id="{F9E8B56B-6DF5-1D49-9A67-E8BFC8E78D18}"/>
+              </a:ext>
+            </a:extLst>
+          </p:cNvPr>
+          <p:cNvSpPr>
+            <a:spLocks noGrp="1"/>
+          </p:cNvSpPr>
+          <p:nvPr>
+            <p:ph idx="1"/>
+          </p:nvPr>
+        </p:nvSpPr>
+        <p:spPr>
+          <a:xfrm>
+            <a:off x="1371600" y="4486274"/>
+            <a:ext cx="9601200" cy="1381125"/>
+          </a:xfrm>
+        </p:spPr>
+        <p:txBody>
+          <a:bodyPr/>
+          <a:lstStyle/>
+          <a:p>
+            <a:pPr marL="0" indent="0">
+              <a:buNone/>
             </a:pPr>
             <a:r>
-              <a:rPr lang="en-US" dirty="0">
-                <a:solidFill>
-                  <a:schemeClr val="bg1"/>
-                </a:solidFill>
-              </a:rPr>
-              <a:t>When using enough training data classical Machine Learning methods are as good as our neural network baseline (unchanged vs </a:t>
-            </a:r>
-            <a:r>
-              <a:rPr lang="en-US" dirty="0" err="1">
-                <a:solidFill>
-                  <a:schemeClr val="bg1"/>
-                </a:solidFill>
-              </a:rPr>
-              <a:t>undersampled</a:t>
-            </a:r>
-            <a:r>
-              <a:rPr lang="en-US" dirty="0">
-                <a:solidFill>
-                  <a:schemeClr val="bg1"/>
-                </a:solidFill>
-              </a:rPr>
-              <a:t>)</a:t>
-            </a:r>
-          </a:p>
-          <a:p>
-            <a:pPr>
-              <a:buFont typeface="Symbol" pitchFamily="2" charset="2"/>
-              <a:buChar char="Þ"/>
+              <a:rPr lang="de-DE" b="1" u="sng" dirty="0"/>
+              <a:t>Hyperparameter </a:t>
+            </a:r>
+            <a:r>
+              <a:rPr lang="de-DE" b="1" u="sng" dirty="0" err="1"/>
+              <a:t>configuration</a:t>
+            </a:r>
+            <a:endParaRPr lang="de-DE" b="1" u="sng" dirty="0"/>
+          </a:p>
+        </p:txBody>
+      </p:sp>
+      <p:sp>
+        <p:nvSpPr>
+          <p:cNvPr id="13" name="Foliennummernplatzhalter 12">
+            <a:extLst>
+              <a:ext uri="{FF2B5EF4-FFF2-40B4-BE49-F238E27FC236}">
+                <a16:creationId xmlns:a16="http://schemas.microsoft.com/office/drawing/2014/main" id="{5E9E0387-BC07-134A-96E6-49BE99D8660B}"/>
+              </a:ext>
+            </a:extLst>
+          </p:cNvPr>
+          <p:cNvSpPr>
+            <a:spLocks noGrp="1"/>
+          </p:cNvSpPr>
+          <p:nvPr>
+            <p:ph type="sldNum" sz="quarter" idx="12"/>
+          </p:nvPr>
+        </p:nvSpPr>
+        <p:spPr/>
+        <p:txBody>
+          <a:bodyPr/>
+          <a:lstStyle/>
+          <a:p>
+            <a:fld id="{D57F1E4F-1CFF-5643-939E-217C01CDF565}" type="slidenum">
+              <a:rPr lang="en-US" smtClean="0"/>
+              <a:pPr/>
+              <a:t>6</a:t>
+            </a:fld>
+            <a:endParaRPr lang="en-US" dirty="0"/>
+          </a:p>
+        </p:txBody>
+      </p:sp>
+      <p:pic>
+        <p:nvPicPr>
+          <p:cNvPr id="15" name="Grafik 14">
+            <a:extLst>
+              <a:ext uri="{FF2B5EF4-FFF2-40B4-BE49-F238E27FC236}">
+                <a16:creationId xmlns:a16="http://schemas.microsoft.com/office/drawing/2014/main" id="{D98B015B-2A40-2E4C-97D7-61474F0D5599}"/>
+              </a:ext>
+            </a:extLst>
+          </p:cNvPr>
+          <p:cNvPicPr>
+            <a:picLocks noChangeAspect="1"/>
+          </p:cNvPicPr>
+          <p:nvPr/>
+        </p:nvPicPr>
+        <p:blipFill>
+          <a:blip r:embed="rId2"/>
+          <a:stretch>
+            <a:fillRect/>
+          </a:stretch>
+        </p:blipFill>
+        <p:spPr>
+          <a:xfrm>
+            <a:off x="599369" y="1837453"/>
+            <a:ext cx="11385409" cy="2475089"/>
+          </a:xfrm>
+          <a:prstGeom prst="rect">
+            <a:avLst/>
+          </a:prstGeom>
+        </p:spPr>
+      </p:pic>
+    </p:spTree>
+    <p:extLst>
+      <p:ext uri="{BB962C8B-B14F-4D97-AF65-F5344CB8AC3E}">
+        <p14:creationId xmlns:p14="http://schemas.microsoft.com/office/powerpoint/2010/main" val="1917352061"/>
+      </p:ext>
+    </p:extLst>
+  </p:cSld>
+  <p:clrMapOvr>
+    <a:masterClrMapping/>
+  </p:clrMapOvr>
+</p:sld>
+</file>
+
+<file path=ppt/slides/slide7.xml><?xml version="1.0" encoding="utf-8"?>
+<p:sld xmlns:a="http://schemas.openxmlformats.org/drawingml/2006/main" xmlns:r="http://schemas.openxmlformats.org/officeDocument/2006/relationships" xmlns:p="http://schemas.openxmlformats.org/presentationml/2006/main">
+  <p:cSld>
+    <p:spTree>
+      <p:nvGrpSpPr>
+        <p:cNvPr id="1" name=""/>
+        <p:cNvGrpSpPr/>
+        <p:nvPr/>
+      </p:nvGrpSpPr>
+      <p:grpSpPr>
+        <a:xfrm>
+          <a:off x="0" y="0"/>
+          <a:ext cx="0" cy="0"/>
+          <a:chOff x="0" y="0"/>
+          <a:chExt cx="0" cy="0"/>
+        </a:xfrm>
+      </p:grpSpPr>
+      <p:sp>
+        <p:nvSpPr>
+          <p:cNvPr id="2" name="Titel 1">
+            <a:extLst>
+              <a:ext uri="{FF2B5EF4-FFF2-40B4-BE49-F238E27FC236}">
+                <a16:creationId xmlns:a16="http://schemas.microsoft.com/office/drawing/2014/main" id="{8AF3081B-2286-174D-A2A0-E0ED844B7E3F}"/>
+              </a:ext>
+            </a:extLst>
+          </p:cNvPr>
+          <p:cNvSpPr>
+            <a:spLocks noGrp="1"/>
+          </p:cNvSpPr>
+          <p:nvPr>
+            <p:ph type="title"/>
+          </p:nvPr>
+        </p:nvSpPr>
+        <p:spPr/>
+        <p:txBody>
+          <a:bodyPr/>
+          <a:lstStyle/>
+          <a:p>
+            <a:r>
+              <a:rPr lang="en-US" dirty="0"/>
+              <a:t>Results</a:t>
+            </a:r>
+          </a:p>
+        </p:txBody>
+      </p:sp>
+      <p:sp>
+        <p:nvSpPr>
+          <p:cNvPr id="4" name="Inhaltsplatzhalter 3">
+            <a:extLst>
+              <a:ext uri="{FF2B5EF4-FFF2-40B4-BE49-F238E27FC236}">
+                <a16:creationId xmlns:a16="http://schemas.microsoft.com/office/drawing/2014/main" id="{4B93F879-7986-354B-B92A-B420E9D0A153}"/>
+              </a:ext>
+            </a:extLst>
+          </p:cNvPr>
+          <p:cNvSpPr>
+            <a:spLocks noGrp="1"/>
+          </p:cNvSpPr>
+          <p:nvPr>
+            <p:ph idx="1"/>
+          </p:nvPr>
+        </p:nvSpPr>
+        <p:spPr/>
+        <p:txBody>
+          <a:bodyPr/>
+          <a:lstStyle/>
+          <a:p>
+            <a:pPr marL="0" indent="0">
+              <a:buNone/>
             </a:pPr>
             <a:r>
-              <a:rPr lang="en-US" dirty="0">
-                <a:solidFill>
-                  <a:schemeClr val="bg1"/>
-                </a:solidFill>
-              </a:rPr>
-              <a:t>The classical methods are highly optimized and have little room for further improvement, whereas neural network based approaches have more room for improvement</a:t>
-            </a:r>
-          </a:p>
-          <a:p>
-            <a:pPr>
-              <a:buFont typeface="Symbol" pitchFamily="2" charset="2"/>
-              <a:buChar char="Þ"/>
-            </a:pPr>
-            <a:r>
-              <a:rPr lang="en-US" dirty="0">
-                <a:solidFill>
-                  <a:schemeClr val="bg1"/>
-                </a:solidFill>
-              </a:rPr>
-              <a:t>The creation of artificial instances in oversampling leads to worse results</a:t>
-            </a:r>
+              <a:rPr lang="de-DE" b="1" u="sng" dirty="0"/>
+              <a:t>Choice </a:t>
+            </a:r>
+            <a:r>
+              <a:rPr lang="de-DE" b="1" u="sng" dirty="0" err="1"/>
+              <a:t>of</a:t>
+            </a:r>
+            <a:r>
+              <a:rPr lang="de-DE" b="1" u="sng" dirty="0"/>
+              <a:t> </a:t>
+            </a:r>
+            <a:r>
+              <a:rPr lang="de-DE" b="1" u="sng" dirty="0" err="1"/>
+              <a:t>hand</a:t>
+            </a:r>
+            <a:r>
+              <a:rPr lang="de-DE" b="1" u="sng" dirty="0"/>
+              <a:t> </a:t>
+            </a:r>
+            <a:r>
+              <a:rPr lang="de-DE" b="1" u="sng" dirty="0" err="1"/>
+              <a:t>crafted</a:t>
+            </a:r>
+            <a:r>
+              <a:rPr lang="de-DE" b="1" u="sng" dirty="0"/>
+              <a:t> </a:t>
+            </a:r>
+            <a:r>
+              <a:rPr lang="de-DE" b="1" u="sng" dirty="0" err="1"/>
+              <a:t>features</a:t>
+            </a:r>
+            <a:endParaRPr lang="de-DE" b="1" u="sng" dirty="0"/>
           </a:p>
         </p:txBody>
       </p:sp>
@@ -7184,8 +9362,489 @@
             <a:fld id="{D57F1E4F-1CFF-5643-939E-217C01CDF565}" type="slidenum">
               <a:rPr lang="en-US" smtClean="0"/>
               <a:pPr/>
-              <a:t>5</a:t>
+              <a:t>7</a:t>
             </a:fld>
+            <a:endParaRPr lang="en-US" dirty="0"/>
+          </a:p>
+        </p:txBody>
+      </p:sp>
+      <p:sp>
+        <p:nvSpPr>
+          <p:cNvPr id="20" name="Rechteck 19">
+            <a:extLst>
+              <a:ext uri="{FF2B5EF4-FFF2-40B4-BE49-F238E27FC236}">
+                <a16:creationId xmlns:a16="http://schemas.microsoft.com/office/drawing/2014/main" id="{45468AF7-D826-A94C-B3EA-94F9AD6D0595}"/>
+              </a:ext>
+            </a:extLst>
+          </p:cNvPr>
+          <p:cNvSpPr/>
+          <p:nvPr/>
+        </p:nvSpPr>
+        <p:spPr>
+          <a:xfrm>
+            <a:off x="3911600" y="2846091"/>
+            <a:ext cx="4368800" cy="796664"/>
+          </a:xfrm>
+          <a:prstGeom prst="rect">
+            <a:avLst/>
+          </a:prstGeom>
+        </p:spPr>
+        <p:style>
+          <a:lnRef idx="2">
+            <a:schemeClr val="accent5">
+              <a:shade val="50000"/>
+            </a:schemeClr>
+          </a:lnRef>
+          <a:fillRef idx="1">
+            <a:schemeClr val="accent5"/>
+          </a:fillRef>
+          <a:effectRef idx="0">
+            <a:schemeClr val="accent5"/>
+          </a:effectRef>
+          <a:fontRef idx="minor">
+            <a:schemeClr val="lt1"/>
+          </a:fontRef>
+        </p:style>
+        <p:txBody>
+          <a:bodyPr rtlCol="0" anchor="t"/>
+          <a:lstStyle/>
+          <a:p>
+            <a:pPr algn="ctr"/>
+            <a:r>
+              <a:rPr lang="de-DE" dirty="0"/>
+              <a:t>Sentiment</a:t>
+            </a:r>
+          </a:p>
+          <a:p>
+            <a:pPr marL="742950" lvl="1" indent="-285750">
+              <a:buFont typeface="Arial" panose="020B0604020202020204" pitchFamily="34" charset="0"/>
+              <a:buChar char="•"/>
+            </a:pPr>
+            <a:r>
+              <a:rPr lang="en-US" sz="1400" dirty="0"/>
+              <a:t>number of hateful or neutral words</a:t>
+            </a:r>
+          </a:p>
+          <a:p>
+            <a:pPr marL="742950" lvl="1" indent="-285750">
+              <a:buFont typeface="Arial" panose="020B0604020202020204" pitchFamily="34" charset="0"/>
+              <a:buChar char="•"/>
+            </a:pPr>
+            <a:r>
+              <a:rPr lang="en-US" sz="1400" dirty="0"/>
+              <a:t>sentiment score</a:t>
+            </a:r>
+          </a:p>
+        </p:txBody>
+      </p:sp>
+      <p:sp>
+        <p:nvSpPr>
+          <p:cNvPr id="21" name="Rechteck 20">
+            <a:extLst>
+              <a:ext uri="{FF2B5EF4-FFF2-40B4-BE49-F238E27FC236}">
+                <a16:creationId xmlns:a16="http://schemas.microsoft.com/office/drawing/2014/main" id="{ED1BF804-AD4C-2C48-8C6B-BC425B134BA4}"/>
+              </a:ext>
+            </a:extLst>
+          </p:cNvPr>
+          <p:cNvSpPr/>
+          <p:nvPr/>
+        </p:nvSpPr>
+        <p:spPr>
+          <a:xfrm>
+            <a:off x="3911600" y="3666514"/>
+            <a:ext cx="4368800" cy="1242472"/>
+          </a:xfrm>
+          <a:prstGeom prst="rect">
+            <a:avLst/>
+          </a:prstGeom>
+        </p:spPr>
+        <p:style>
+          <a:lnRef idx="2">
+            <a:schemeClr val="accent5">
+              <a:shade val="50000"/>
+            </a:schemeClr>
+          </a:lnRef>
+          <a:fillRef idx="1">
+            <a:schemeClr val="accent5"/>
+          </a:fillRef>
+          <a:effectRef idx="0">
+            <a:schemeClr val="accent5"/>
+          </a:effectRef>
+          <a:fontRef idx="minor">
+            <a:schemeClr val="lt1"/>
+          </a:fontRef>
+        </p:style>
+        <p:txBody>
+          <a:bodyPr rtlCol="0" anchor="t"/>
+          <a:lstStyle/>
+          <a:p>
+            <a:pPr algn="ctr"/>
+            <a:r>
+              <a:rPr lang="en-US" dirty="0"/>
+              <a:t>Semantic</a:t>
+            </a:r>
+          </a:p>
+          <a:p>
+            <a:pPr marL="742950" lvl="1" indent="-285750">
+              <a:buFont typeface="Arial" panose="020B0604020202020204" pitchFamily="34" charset="0"/>
+              <a:buChar char="•"/>
+            </a:pPr>
+            <a:r>
+              <a:rPr lang="en-US" sz="1400" dirty="0"/>
+              <a:t>number of special characters (e.g. exclamation mark, question mark)</a:t>
+            </a:r>
+          </a:p>
+          <a:p>
+            <a:pPr marL="742950" lvl="1" indent="-285750">
+              <a:buFont typeface="Arial" panose="020B0604020202020204" pitchFamily="34" charset="0"/>
+              <a:buChar char="•"/>
+            </a:pPr>
+            <a:r>
+              <a:rPr lang="en-US" sz="1400" dirty="0"/>
+              <a:t>number of interjections, all caps words, total words</a:t>
+            </a:r>
+          </a:p>
+        </p:txBody>
+      </p:sp>
+      <p:sp>
+        <p:nvSpPr>
+          <p:cNvPr id="22" name="Rechteck 21">
+            <a:extLst>
+              <a:ext uri="{FF2B5EF4-FFF2-40B4-BE49-F238E27FC236}">
+                <a16:creationId xmlns:a16="http://schemas.microsoft.com/office/drawing/2014/main" id="{AB816F16-8F0D-C441-9127-F0AED81927E1}"/>
+              </a:ext>
+            </a:extLst>
+          </p:cNvPr>
+          <p:cNvSpPr/>
+          <p:nvPr/>
+        </p:nvSpPr>
+        <p:spPr>
+          <a:xfrm>
+            <a:off x="3911600" y="4932745"/>
+            <a:ext cx="4368800" cy="385612"/>
+          </a:xfrm>
+          <a:prstGeom prst="rect">
+            <a:avLst/>
+          </a:prstGeom>
+        </p:spPr>
+        <p:style>
+          <a:lnRef idx="2">
+            <a:schemeClr val="accent5">
+              <a:shade val="50000"/>
+            </a:schemeClr>
+          </a:lnRef>
+          <a:fillRef idx="1">
+            <a:schemeClr val="accent5"/>
+          </a:fillRef>
+          <a:effectRef idx="0">
+            <a:schemeClr val="accent5"/>
+          </a:effectRef>
+          <a:fontRef idx="minor">
+            <a:schemeClr val="lt1"/>
+          </a:fontRef>
+        </p:style>
+        <p:txBody>
+          <a:bodyPr rtlCol="0" anchor="t"/>
+          <a:lstStyle/>
+          <a:p>
+            <a:pPr algn="ctr"/>
+            <a:r>
+              <a:rPr lang="en-US" dirty="0" err="1"/>
+              <a:t>NGrams</a:t>
+            </a:r>
+            <a:endParaRPr lang="en-US" dirty="0"/>
+          </a:p>
+        </p:txBody>
+      </p:sp>
+      <p:sp>
+        <p:nvSpPr>
+          <p:cNvPr id="23" name="Rechteck 22">
+            <a:extLst>
+              <a:ext uri="{FF2B5EF4-FFF2-40B4-BE49-F238E27FC236}">
+                <a16:creationId xmlns:a16="http://schemas.microsoft.com/office/drawing/2014/main" id="{CA6A0E30-BADE-EC43-95AA-E3D60D10F928}"/>
+              </a:ext>
+            </a:extLst>
+          </p:cNvPr>
+          <p:cNvSpPr/>
+          <p:nvPr/>
+        </p:nvSpPr>
+        <p:spPr>
+          <a:xfrm>
+            <a:off x="3911600" y="5342116"/>
+            <a:ext cx="4368800" cy="385612"/>
+          </a:xfrm>
+          <a:prstGeom prst="rect">
+            <a:avLst/>
+          </a:prstGeom>
+        </p:spPr>
+        <p:style>
+          <a:lnRef idx="2">
+            <a:schemeClr val="accent5">
+              <a:shade val="50000"/>
+            </a:schemeClr>
+          </a:lnRef>
+          <a:fillRef idx="1">
+            <a:schemeClr val="accent5"/>
+          </a:fillRef>
+          <a:effectRef idx="0">
+            <a:schemeClr val="accent5"/>
+          </a:effectRef>
+          <a:fontRef idx="minor">
+            <a:schemeClr val="lt1"/>
+          </a:fontRef>
+        </p:style>
+        <p:txBody>
+          <a:bodyPr rtlCol="0" anchor="t"/>
+          <a:lstStyle/>
+          <a:p>
+            <a:pPr algn="ctr"/>
+            <a:r>
+              <a:rPr lang="en-US" dirty="0"/>
+              <a:t>Patterns</a:t>
+            </a:r>
+          </a:p>
+        </p:txBody>
+      </p:sp>
+      <p:sp>
+        <p:nvSpPr>
+          <p:cNvPr id="24" name="Rechteck 23">
+            <a:extLst>
+              <a:ext uri="{FF2B5EF4-FFF2-40B4-BE49-F238E27FC236}">
+                <a16:creationId xmlns:a16="http://schemas.microsoft.com/office/drawing/2014/main" id="{D5F11332-308B-A149-ACBB-FC3A5E23EEB8}"/>
+              </a:ext>
+            </a:extLst>
+          </p:cNvPr>
+          <p:cNvSpPr/>
+          <p:nvPr/>
+        </p:nvSpPr>
+        <p:spPr>
+          <a:xfrm>
+            <a:off x="3911600" y="5769369"/>
+            <a:ext cx="4368800" cy="402831"/>
+          </a:xfrm>
+          <a:prstGeom prst="rect">
+            <a:avLst/>
+          </a:prstGeom>
+        </p:spPr>
+        <p:style>
+          <a:lnRef idx="2">
+            <a:schemeClr val="accent5">
+              <a:shade val="50000"/>
+            </a:schemeClr>
+          </a:lnRef>
+          <a:fillRef idx="1">
+            <a:schemeClr val="accent5"/>
+          </a:fillRef>
+          <a:effectRef idx="0">
+            <a:schemeClr val="accent5"/>
+          </a:effectRef>
+          <a:fontRef idx="minor">
+            <a:schemeClr val="lt1"/>
+          </a:fontRef>
+        </p:style>
+        <p:txBody>
+          <a:bodyPr rtlCol="0" anchor="t"/>
+          <a:lstStyle/>
+          <a:p>
+            <a:pPr algn="ctr"/>
+            <a:r>
+              <a:rPr lang="en-US" dirty="0"/>
+              <a:t>Topic</a:t>
+            </a:r>
+          </a:p>
+        </p:txBody>
+      </p:sp>
+    </p:spTree>
+    <p:extLst>
+      <p:ext uri="{BB962C8B-B14F-4D97-AF65-F5344CB8AC3E}">
+        <p14:creationId xmlns:p14="http://schemas.microsoft.com/office/powerpoint/2010/main" val="3493567260"/>
+      </p:ext>
+    </p:extLst>
+  </p:cSld>
+  <p:clrMapOvr>
+    <a:masterClrMapping/>
+  </p:clrMapOvr>
+</p:sld>
+</file>
+
+<file path=ppt/slides/slide8.xml><?xml version="1.0" encoding="utf-8"?>
+<p:sld xmlns:a="http://schemas.openxmlformats.org/drawingml/2006/main" xmlns:r="http://schemas.openxmlformats.org/officeDocument/2006/relationships" xmlns:p="http://schemas.openxmlformats.org/presentationml/2006/main">
+  <p:cSld>
+    <p:spTree>
+      <p:nvGrpSpPr>
+        <p:cNvPr id="1" name=""/>
+        <p:cNvGrpSpPr/>
+        <p:nvPr/>
+      </p:nvGrpSpPr>
+      <p:grpSpPr>
+        <a:xfrm>
+          <a:off x="0" y="0"/>
+          <a:ext cx="0" cy="0"/>
+          <a:chOff x="0" y="0"/>
+          <a:chExt cx="0" cy="0"/>
+        </a:xfrm>
+      </p:grpSpPr>
+      <p:sp>
+        <p:nvSpPr>
+          <p:cNvPr id="2" name="Titel 1">
+            <a:extLst>
+              <a:ext uri="{FF2B5EF4-FFF2-40B4-BE49-F238E27FC236}">
+                <a16:creationId xmlns:a16="http://schemas.microsoft.com/office/drawing/2014/main" id="{8AF3081B-2286-174D-A2A0-E0ED844B7E3F}"/>
+              </a:ext>
+            </a:extLst>
+          </p:cNvPr>
+          <p:cNvSpPr>
+            <a:spLocks noGrp="1"/>
+          </p:cNvSpPr>
+          <p:nvPr>
+            <p:ph type="title"/>
+          </p:nvPr>
+        </p:nvSpPr>
+        <p:spPr/>
+        <p:txBody>
+          <a:bodyPr/>
+          <a:lstStyle/>
+          <a:p>
+            <a:r>
+              <a:rPr lang="en-US" dirty="0"/>
+              <a:t>Results</a:t>
+            </a:r>
+          </a:p>
+        </p:txBody>
+      </p:sp>
+      <p:sp>
+        <p:nvSpPr>
+          <p:cNvPr id="4" name="Inhaltsplatzhalter 3">
+            <a:extLst>
+              <a:ext uri="{FF2B5EF4-FFF2-40B4-BE49-F238E27FC236}">
+                <a16:creationId xmlns:a16="http://schemas.microsoft.com/office/drawing/2014/main" id="{32754049-C4B7-1245-B9B5-8899B7A5A296}"/>
+              </a:ext>
+            </a:extLst>
+          </p:cNvPr>
+          <p:cNvSpPr>
+            <a:spLocks noGrp="1"/>
+          </p:cNvSpPr>
+          <p:nvPr>
+            <p:ph idx="1"/>
+          </p:nvPr>
+        </p:nvSpPr>
+        <p:spPr/>
+        <p:txBody>
+          <a:bodyPr/>
+          <a:lstStyle/>
+          <a:p>
+            <a:pPr marL="0" indent="0">
+              <a:buNone/>
+            </a:pPr>
+            <a:r>
+              <a:rPr lang="de-DE" b="1" u="sng" dirty="0" err="1"/>
+              <a:t>Classifier</a:t>
+            </a:r>
+            <a:r>
+              <a:rPr lang="de-DE" b="1" u="sng" dirty="0"/>
+              <a:t> </a:t>
+            </a:r>
+            <a:r>
+              <a:rPr lang="de-DE" b="1" u="sng" dirty="0" err="1"/>
+              <a:t>metrics</a:t>
+            </a:r>
+            <a:r>
+              <a:rPr lang="de-DE" b="1" u="sng" dirty="0"/>
+              <a:t>:</a:t>
+            </a:r>
+          </a:p>
+        </p:txBody>
+      </p:sp>
+      <p:sp>
+        <p:nvSpPr>
+          <p:cNvPr id="3" name="Foliennummernplatzhalter 2">
+            <a:extLst>
+              <a:ext uri="{FF2B5EF4-FFF2-40B4-BE49-F238E27FC236}">
+                <a16:creationId xmlns:a16="http://schemas.microsoft.com/office/drawing/2014/main" id="{1D0CF6FE-F68A-6B4F-9693-422A55B38BE1}"/>
+              </a:ext>
+            </a:extLst>
+          </p:cNvPr>
+          <p:cNvSpPr>
+            <a:spLocks noGrp="1"/>
+          </p:cNvSpPr>
+          <p:nvPr>
+            <p:ph type="sldNum" sz="quarter" idx="12"/>
+          </p:nvPr>
+        </p:nvSpPr>
+        <p:spPr/>
+        <p:txBody>
+          <a:bodyPr/>
+          <a:lstStyle/>
+          <a:p>
+            <a:fld id="{D57F1E4F-1CFF-5643-939E-217C01CDF565}" type="slidenum">
+              <a:rPr lang="en-US" smtClean="0"/>
+              <a:pPr/>
+              <a:t>8</a:t>
+            </a:fld>
+            <a:endParaRPr lang="en-US" dirty="0"/>
+          </a:p>
+        </p:txBody>
+      </p:sp>
+      <p:sp>
+        <p:nvSpPr>
+          <p:cNvPr id="5" name="Textfeld 4">
+            <a:extLst>
+              <a:ext uri="{FF2B5EF4-FFF2-40B4-BE49-F238E27FC236}">
+                <a16:creationId xmlns:a16="http://schemas.microsoft.com/office/drawing/2014/main" id="{A96B8871-CA12-4242-8DE7-76D2607D98DB}"/>
+              </a:ext>
+            </a:extLst>
+          </p:cNvPr>
+          <p:cNvSpPr txBox="1"/>
+          <p:nvPr/>
+        </p:nvSpPr>
+        <p:spPr>
+          <a:xfrm>
+            <a:off x="3275573" y="3104026"/>
+            <a:ext cx="184731" cy="369332"/>
+          </a:xfrm>
+          <a:prstGeom prst="rect">
+            <a:avLst/>
+          </a:prstGeom>
+          <a:noFill/>
+        </p:spPr>
+        <p:txBody>
+          <a:bodyPr wrap="none" rtlCol="0">
+            <a:spAutoFit/>
+          </a:bodyPr>
+          <a:lstStyle/>
+          <a:p>
+            <a:endParaRPr lang="en-US" dirty="0"/>
+          </a:p>
+        </p:txBody>
+      </p:sp>
+      <p:sp>
+        <p:nvSpPr>
+          <p:cNvPr id="6" name="Textfeld 5">
+            <a:extLst>
+              <a:ext uri="{FF2B5EF4-FFF2-40B4-BE49-F238E27FC236}">
+                <a16:creationId xmlns:a16="http://schemas.microsoft.com/office/drawing/2014/main" id="{B0D5C0E6-79C6-AE4B-AFF2-AC25A5E8D0BD}"/>
+              </a:ext>
+            </a:extLst>
+          </p:cNvPr>
+          <p:cNvSpPr txBox="1"/>
+          <p:nvPr/>
+        </p:nvSpPr>
+        <p:spPr>
+          <a:xfrm>
+            <a:off x="1764825" y="2945000"/>
+            <a:ext cx="184731" cy="369332"/>
+          </a:xfrm>
+          <a:prstGeom prst="rect">
+            <a:avLst/>
+          </a:prstGeom>
+          <a:noFill/>
+        </p:spPr>
+        <p:txBody>
+          <a:bodyPr wrap="none" rtlCol="0">
+            <a:spAutoFit/>
+          </a:bodyPr>
+          <a:lstStyle/>
+          <a:p>
             <a:endParaRPr lang="en-US" dirty="0"/>
           </a:p>
         </p:txBody>
@@ -7205,13 +9864,13 @@
           <p:nvPr>
             <p:extLst>
               <p:ext uri="{D42A27DB-BD31-4B8C-83A1-F6EECF244321}">
-                <p14:modId xmlns:p14="http://schemas.microsoft.com/office/powerpoint/2010/main" val="3003452684"/>
+                <p14:modId xmlns:p14="http://schemas.microsoft.com/office/powerpoint/2010/main" val="2392410221"/>
               </p:ext>
             </p:extLst>
           </p:nvPr>
         </p:nvGraphicFramePr>
         <p:xfrm>
-          <a:off x="1653822" y="2084614"/>
+          <a:off x="1371600" y="2875189"/>
           <a:ext cx="9725380" cy="1977390"/>
         </p:xfrm>
         <a:graphic>
@@ -8330,7 +10989,7 @@
                     <a:p>
                       <a:pPr algn="r" fontAlgn="b"/>
                       <a:r>
-                        <a:rPr lang="de-DE" sz="1800" b="0" i="0" u="none" strike="noStrike">
+                        <a:rPr lang="de-DE" sz="1800" b="0" i="0" u="none" strike="noStrike" dirty="0">
                           <a:solidFill>
                             <a:srgbClr val="000000"/>
                           </a:solidFill>
@@ -8778,7 +11437,7 @@
     </p:spTree>
     <p:extLst>
       <p:ext uri="{BB962C8B-B14F-4D97-AF65-F5344CB8AC3E}">
-        <p14:creationId xmlns:p14="http://schemas.microsoft.com/office/powerpoint/2010/main" val="3045243935"/>
+        <p14:creationId xmlns:p14="http://schemas.microsoft.com/office/powerpoint/2010/main" val="146351902"/>
       </p:ext>
     </p:extLst>
   </p:cSld>
@@ -8788,7 +11447,7 @@
 </p:sld>
 </file>
 
-<file path=ppt/slides/slide6.xml><?xml version="1.0" encoding="utf-8"?>
+<file path=ppt/slides/slide9.xml><?xml version="1.0" encoding="utf-8"?>
 <p:sld xmlns:a="http://schemas.openxmlformats.org/drawingml/2006/main" xmlns:r="http://schemas.openxmlformats.org/officeDocument/2006/relationships" xmlns:p="http://schemas.openxmlformats.org/presentationml/2006/main">
   <p:cSld>
     <p:spTree>
@@ -8810,7 +11469,7 @@
           <p:cNvPr id="2" name="Titel 1">
             <a:extLst>
               <a:ext uri="{FF2B5EF4-FFF2-40B4-BE49-F238E27FC236}">
-                <a16:creationId xmlns:a16="http://schemas.microsoft.com/office/drawing/2014/main" id="{E617E440-53F4-5447-B942-70E097BA5325}"/>
+                <a16:creationId xmlns:a16="http://schemas.microsoft.com/office/drawing/2014/main" id="{8AF3081B-2286-174D-A2A0-E0ED844B7E3F}"/>
               </a:ext>
             </a:extLst>
           </p:cNvPr>
@@ -8828,17 +11487,17 @@
           <a:p>
             <a:r>
               <a:rPr lang="en-US" dirty="0"/>
-              <a:t>Conclusion</a:t>
-            </a:r>
-          </a:p>
-        </p:txBody>
-      </p:sp>
-      <p:sp>
-        <p:nvSpPr>
-          <p:cNvPr id="3" name="Inhaltsplatzhalter 2">
+              <a:t>Results</a:t>
+            </a:r>
+          </a:p>
+        </p:txBody>
+      </p:sp>
+      <p:sp>
+        <p:nvSpPr>
+          <p:cNvPr id="4" name="Inhaltsplatzhalter 3">
             <a:extLst>
               <a:ext uri="{FF2B5EF4-FFF2-40B4-BE49-F238E27FC236}">
-                <a16:creationId xmlns:a16="http://schemas.microsoft.com/office/drawing/2014/main" id="{13CEF2E8-0F2C-BB4C-AB8C-35DB4D9AC280}"/>
+                <a16:creationId xmlns:a16="http://schemas.microsoft.com/office/drawing/2014/main" id="{7F4D160A-FA8C-B04A-AC64-3209C29789D4}"/>
               </a:ext>
             </a:extLst>
           </p:cNvPr>
@@ -8854,16 +11513,54 @@
           <a:bodyPr/>
           <a:lstStyle/>
           <a:p>
-            <a:endParaRPr lang="en-US"/>
-          </a:p>
-        </p:txBody>
-      </p:sp>
-      <p:sp>
-        <p:nvSpPr>
-          <p:cNvPr id="4" name="Foliennummernplatzhalter 3">
+            <a:pPr>
+              <a:lnSpc>
+                <a:spcPct val="104000"/>
+              </a:lnSpc>
+            </a:pPr>
+            <a:r>
+              <a:rPr lang="en-US" dirty="0"/>
+              <a:t>When using enough training data classical Machine Learning methods are as good as our neural network baseline (unchanged vs </a:t>
+            </a:r>
+            <a:r>
+              <a:rPr lang="en-US" dirty="0" err="1"/>
+              <a:t>undersampled</a:t>
+            </a:r>
+            <a:r>
+              <a:rPr lang="en-US" dirty="0"/>
+              <a:t>)</a:t>
+            </a:r>
+          </a:p>
+          <a:p>
+            <a:pPr>
+              <a:lnSpc>
+                <a:spcPct val="104000"/>
+              </a:lnSpc>
+            </a:pPr>
+            <a:r>
+              <a:rPr lang="en-US" dirty="0"/>
+              <a:t>The classical methods are highly optimized and have little room for further improvement, whereas neural network based approaches have more room for improvement</a:t>
+            </a:r>
+          </a:p>
+          <a:p>
+            <a:pPr>
+              <a:lnSpc>
+                <a:spcPct val="104000"/>
+              </a:lnSpc>
+            </a:pPr>
+            <a:r>
+              <a:rPr lang="en-US" dirty="0"/>
+              <a:t>The creation of artificial instances in oversampling leads to worse results</a:t>
+            </a:r>
+          </a:p>
+        </p:txBody>
+      </p:sp>
+      <p:sp>
+        <p:nvSpPr>
+          <p:cNvPr id="3" name="Foliennummernplatzhalter 2">
             <a:extLst>
               <a:ext uri="{FF2B5EF4-FFF2-40B4-BE49-F238E27FC236}">
-                <a16:creationId xmlns:a16="http://schemas.microsoft.com/office/drawing/2014/main" id="{33F0E8CF-2328-8D4B-A89B-F17C40AC5692}"/>
+                <a16:creationId xmlns:a16="http://schemas.microsoft.com/office/drawing/2014/main" id="{1D0CF6FE-F68A-6B4F-9693-422A55B38BE1}"/>
               </a:ext>
             </a:extLst>
           </p:cNvPr>
@@ -8882,8 +11579,300 @@
             <a:fld id="{D57F1E4F-1CFF-5643-939E-217C01CDF565}" type="slidenum">
               <a:rPr lang="en-US" smtClean="0"/>
               <a:pPr/>
-              <a:t>6</a:t>
+              <a:t>9</a:t>
             </a:fld>
+            <a:endParaRPr lang="en-US" dirty="0"/>
+          </a:p>
+        </p:txBody>
+      </p:sp>
+      <p:sp>
+        <p:nvSpPr>
+          <p:cNvPr id="5" name="Textfeld 4">
+            <a:extLst>
+              <a:ext uri="{FF2B5EF4-FFF2-40B4-BE49-F238E27FC236}">
+                <a16:creationId xmlns:a16="http://schemas.microsoft.com/office/drawing/2014/main" id="{A96B8871-CA12-4242-8DE7-76D2607D98DB}"/>
+              </a:ext>
+            </a:extLst>
+          </p:cNvPr>
+          <p:cNvSpPr txBox="1"/>
+          <p:nvPr/>
+        </p:nvSpPr>
+        <p:spPr>
+          <a:xfrm>
+            <a:off x="3548270" y="3856501"/>
+            <a:ext cx="184731" cy="369332"/>
+          </a:xfrm>
+          <a:prstGeom prst="rect">
+            <a:avLst/>
+          </a:prstGeom>
+          <a:noFill/>
+        </p:spPr>
+        <p:txBody>
+          <a:bodyPr wrap="none" rtlCol="0">
+            <a:spAutoFit/>
+          </a:bodyPr>
+          <a:lstStyle/>
+          <a:p>
+            <a:endParaRPr lang="en-US" dirty="0"/>
+          </a:p>
+        </p:txBody>
+      </p:sp>
+      <p:sp>
+        <p:nvSpPr>
+          <p:cNvPr id="6" name="Textfeld 5">
+            <a:extLst>
+              <a:ext uri="{FF2B5EF4-FFF2-40B4-BE49-F238E27FC236}">
+                <a16:creationId xmlns:a16="http://schemas.microsoft.com/office/drawing/2014/main" id="{B0D5C0E6-79C6-AE4B-AFF2-AC25A5E8D0BD}"/>
+              </a:ext>
+            </a:extLst>
+          </p:cNvPr>
+          <p:cNvSpPr txBox="1"/>
+          <p:nvPr/>
+        </p:nvSpPr>
+        <p:spPr>
+          <a:xfrm>
+            <a:off x="2037522" y="3697475"/>
+            <a:ext cx="184731" cy="369332"/>
+          </a:xfrm>
+          <a:prstGeom prst="rect">
+            <a:avLst/>
+          </a:prstGeom>
+          <a:noFill/>
+        </p:spPr>
+        <p:txBody>
+          <a:bodyPr wrap="none" rtlCol="0">
+            <a:spAutoFit/>
+          </a:bodyPr>
+          <a:lstStyle/>
+          <a:p>
+            <a:endParaRPr lang="en-US" dirty="0"/>
+          </a:p>
+        </p:txBody>
+      </p:sp>
+      <p:sp>
+        <p:nvSpPr>
+          <p:cNvPr id="7" name="Inhaltsplatzhalter 2">
+            <a:extLst>
+              <a:ext uri="{FF2B5EF4-FFF2-40B4-BE49-F238E27FC236}">
+                <a16:creationId xmlns:a16="http://schemas.microsoft.com/office/drawing/2014/main" id="{CF34E70F-EA07-8244-9386-CB15268E7A57}"/>
+              </a:ext>
+            </a:extLst>
+          </p:cNvPr>
+          <p:cNvSpPr txBox="1">
+            <a:spLocks/>
+          </p:cNvSpPr>
+          <p:nvPr/>
+        </p:nvSpPr>
+        <p:spPr>
+          <a:xfrm>
+            <a:off x="1653822" y="4302080"/>
+            <a:ext cx="9601200" cy="1977390"/>
+          </a:xfrm>
+          <a:prstGeom prst="rect">
+            <a:avLst/>
+          </a:prstGeom>
+        </p:spPr>
+        <p:txBody>
+          <a:bodyPr vert="horz" lIns="91440" tIns="45720" rIns="91440" bIns="45720" rtlCol="0">
+            <a:normAutofit/>
+          </a:bodyPr>
+          <a:lstStyle>
+            <a:lvl1pPr marL="384048" indent="-384048" algn="l" defTabSz="914400" rtl="0" eaLnBrk="1" latinLnBrk="0" hangingPunct="1">
+              <a:lnSpc>
+                <a:spcPct val="94000"/>
+              </a:lnSpc>
+              <a:spcBef>
+                <a:spcPts val="1000"/>
+              </a:spcBef>
+              <a:spcAft>
+                <a:spcPts val="200"/>
+              </a:spcAft>
+              <a:buFont typeface="Franklin Gothic Book" panose="020B0503020102020204" pitchFamily="34" charset="0"/>
+              <a:buChar char="■"/>
+              <a:defRPr sz="2000" kern="1200" baseline="0">
+                <a:solidFill>
+                  <a:schemeClr val="tx2"/>
+                </a:solidFill>
+                <a:latin typeface="+mn-lt"/>
+                <a:ea typeface="+mn-ea"/>
+                <a:cs typeface="+mn-cs"/>
+              </a:defRPr>
+            </a:lvl1pPr>
+            <a:lvl2pPr marL="914400" indent="-384048" algn="l" defTabSz="914400" rtl="0" eaLnBrk="1" latinLnBrk="0" hangingPunct="1">
+              <a:lnSpc>
+                <a:spcPct val="94000"/>
+              </a:lnSpc>
+              <a:spcBef>
+                <a:spcPts val="500"/>
+              </a:spcBef>
+              <a:spcAft>
+                <a:spcPts val="200"/>
+              </a:spcAft>
+              <a:buFont typeface="Franklin Gothic Book" panose="020B0503020102020204" pitchFamily="34" charset="0"/>
+              <a:buChar char="–"/>
+              <a:defRPr sz="2000" i="1" kern="1200" baseline="0">
+                <a:solidFill>
+                  <a:schemeClr val="tx2"/>
+                </a:solidFill>
+                <a:latin typeface="+mn-lt"/>
+                <a:ea typeface="+mn-ea"/>
+                <a:cs typeface="+mn-cs"/>
+              </a:defRPr>
+            </a:lvl2pPr>
+            <a:lvl3pPr marL="1371600" indent="-384048" algn="l" defTabSz="914400" rtl="0" eaLnBrk="1" latinLnBrk="0" hangingPunct="1">
+              <a:lnSpc>
+                <a:spcPct val="94000"/>
+              </a:lnSpc>
+              <a:spcBef>
+                <a:spcPts val="500"/>
+              </a:spcBef>
+              <a:spcAft>
+                <a:spcPts val="200"/>
+              </a:spcAft>
+              <a:buFont typeface="Franklin Gothic Book" panose="020B0503020102020204" pitchFamily="34" charset="0"/>
+              <a:buChar char="■"/>
+              <a:defRPr sz="1800" kern="1200" baseline="0">
+                <a:solidFill>
+                  <a:schemeClr val="tx2"/>
+                </a:solidFill>
+                <a:latin typeface="+mn-lt"/>
+                <a:ea typeface="+mn-ea"/>
+                <a:cs typeface="+mn-cs"/>
+              </a:defRPr>
+            </a:lvl3pPr>
+            <a:lvl4pPr marL="1828800" indent="-384048" algn="l" defTabSz="914400" rtl="0" eaLnBrk="1" latinLnBrk="0" hangingPunct="1">
+              <a:lnSpc>
+                <a:spcPct val="94000"/>
+              </a:lnSpc>
+              <a:spcBef>
+                <a:spcPts val="500"/>
+              </a:spcBef>
+              <a:spcAft>
+                <a:spcPts val="200"/>
+              </a:spcAft>
+              <a:buFont typeface="Franklin Gothic Book" panose="020B0503020102020204" pitchFamily="34" charset="0"/>
+              <a:buChar char="–"/>
+              <a:defRPr sz="1800" i="1" kern="1200" baseline="0">
+                <a:solidFill>
+                  <a:schemeClr val="tx2"/>
+                </a:solidFill>
+                <a:latin typeface="+mn-lt"/>
+                <a:ea typeface="+mn-ea"/>
+                <a:cs typeface="+mn-cs"/>
+              </a:defRPr>
+            </a:lvl4pPr>
+            <a:lvl5pPr marL="2286000" indent="-384048" algn="l" defTabSz="914400" rtl="0" eaLnBrk="1" latinLnBrk="0" hangingPunct="1">
+              <a:lnSpc>
+                <a:spcPct val="94000"/>
+              </a:lnSpc>
+              <a:spcBef>
+                <a:spcPts val="500"/>
+              </a:spcBef>
+              <a:spcAft>
+                <a:spcPts val="200"/>
+              </a:spcAft>
+              <a:buFont typeface="Franklin Gothic Book" panose="020B0503020102020204" pitchFamily="34" charset="0"/>
+              <a:buChar char="■"/>
+              <a:defRPr sz="1600" kern="1200" baseline="0">
+                <a:solidFill>
+                  <a:schemeClr val="tx2"/>
+                </a:solidFill>
+                <a:latin typeface="+mn-lt"/>
+                <a:ea typeface="+mn-ea"/>
+                <a:cs typeface="+mn-cs"/>
+              </a:defRPr>
+            </a:lvl5pPr>
+            <a:lvl6pPr marL="2743200" indent="-384048" algn="l" defTabSz="914400" rtl="0" eaLnBrk="1" latinLnBrk="0" hangingPunct="1">
+              <a:lnSpc>
+                <a:spcPct val="94000"/>
+              </a:lnSpc>
+              <a:spcBef>
+                <a:spcPts val="500"/>
+              </a:spcBef>
+              <a:spcAft>
+                <a:spcPts val="200"/>
+              </a:spcAft>
+              <a:buFont typeface="Franklin Gothic Book" panose="020B0503020102020204" pitchFamily="34" charset="0"/>
+              <a:buChar char="–"/>
+              <a:defRPr sz="1600" i="1" kern="1200" baseline="0">
+                <a:solidFill>
+                  <a:schemeClr val="tx2"/>
+                </a:solidFill>
+                <a:latin typeface="+mn-lt"/>
+                <a:ea typeface="+mn-ea"/>
+                <a:cs typeface="+mn-cs"/>
+              </a:defRPr>
+            </a:lvl6pPr>
+            <a:lvl7pPr marL="3200400" indent="-384048" algn="l" defTabSz="914400" rtl="0" eaLnBrk="1" latinLnBrk="0" hangingPunct="1">
+              <a:lnSpc>
+                <a:spcPct val="94000"/>
+              </a:lnSpc>
+              <a:spcBef>
+                <a:spcPts val="500"/>
+              </a:spcBef>
+              <a:spcAft>
+                <a:spcPts val="200"/>
+              </a:spcAft>
+              <a:buFont typeface="Franklin Gothic Book" panose="020B0503020102020204" pitchFamily="34" charset="0"/>
+              <a:buChar char="■"/>
+              <a:defRPr sz="1400" kern="1200" baseline="0">
+                <a:solidFill>
+                  <a:schemeClr val="tx2"/>
+                </a:solidFill>
+                <a:latin typeface="+mn-lt"/>
+                <a:ea typeface="+mn-ea"/>
+                <a:cs typeface="+mn-cs"/>
+              </a:defRPr>
+            </a:lvl7pPr>
+            <a:lvl8pPr marL="3657600" indent="-384048" algn="l" defTabSz="914400" rtl="0" eaLnBrk="1" latinLnBrk="0" hangingPunct="1">
+              <a:lnSpc>
+                <a:spcPct val="94000"/>
+              </a:lnSpc>
+              <a:spcBef>
+                <a:spcPts val="500"/>
+              </a:spcBef>
+              <a:spcAft>
+                <a:spcPts val="200"/>
+              </a:spcAft>
+              <a:buFont typeface="Franklin Gothic Book" panose="020B0503020102020204" pitchFamily="34" charset="0"/>
+              <a:buChar char="–"/>
+              <a:defRPr sz="1400" i="1" kern="1200" baseline="0">
+                <a:solidFill>
+                  <a:schemeClr val="tx2"/>
+                </a:solidFill>
+                <a:latin typeface="+mn-lt"/>
+                <a:ea typeface="+mn-ea"/>
+                <a:cs typeface="+mn-cs"/>
+              </a:defRPr>
+            </a:lvl8pPr>
+            <a:lvl9pPr marL="4114800" indent="-384048" algn="l" defTabSz="914400" rtl="0" eaLnBrk="1" latinLnBrk="0" hangingPunct="1">
+              <a:lnSpc>
+                <a:spcPct val="94000"/>
+              </a:lnSpc>
+              <a:spcBef>
+                <a:spcPts val="500"/>
+              </a:spcBef>
+              <a:spcAft>
+                <a:spcPts val="200"/>
+              </a:spcAft>
+              <a:buFont typeface="Franklin Gothic Book" panose="020B0503020102020204" pitchFamily="34" charset="0"/>
+              <a:buChar char="■"/>
+              <a:defRPr sz="1400" kern="1200" baseline="0">
+                <a:solidFill>
+                  <a:schemeClr val="tx2"/>
+                </a:solidFill>
+                <a:latin typeface="+mn-lt"/>
+                <a:ea typeface="+mn-ea"/>
+                <a:cs typeface="+mn-cs"/>
+              </a:defRPr>
+            </a:lvl9pPr>
+          </a:lstStyle>
+          <a:p>
+            <a:pPr>
+              <a:lnSpc>
+                <a:spcPct val="104000"/>
+              </a:lnSpc>
+            </a:pPr>
             <a:endParaRPr lang="en-US" dirty="0"/>
           </a:p>
         </p:txBody>
@@ -8891,7 +11880,7 @@
     </p:spTree>
     <p:extLst>
       <p:ext uri="{BB962C8B-B14F-4D97-AF65-F5344CB8AC3E}">
-        <p14:creationId xmlns:p14="http://schemas.microsoft.com/office/powerpoint/2010/main" val="3698695859"/>
+        <p14:creationId xmlns:p14="http://schemas.microsoft.com/office/powerpoint/2010/main" val="3045243935"/>
       </p:ext>
     </p:extLst>
   </p:cSld>

--- a/docs/presentation/presentation-slides.pptx
+++ b/docs/presentation/presentation-slides.pptx
@@ -13,14 +13,14 @@
     <p:sldId id="265" r:id="rId4"/>
     <p:sldId id="266" r:id="rId5"/>
     <p:sldId id="264" r:id="rId6"/>
-    <p:sldId id="258" r:id="rId7"/>
-    <p:sldId id="259" r:id="rId8"/>
-    <p:sldId id="269" r:id="rId9"/>
-    <p:sldId id="262" r:id="rId10"/>
-    <p:sldId id="270" r:id="rId11"/>
-    <p:sldId id="268" r:id="rId12"/>
-    <p:sldId id="260" r:id="rId13"/>
-    <p:sldId id="267" r:id="rId14"/>
+    <p:sldId id="271" r:id="rId7"/>
+    <p:sldId id="269" r:id="rId8"/>
+    <p:sldId id="262" r:id="rId9"/>
+    <p:sldId id="270" r:id="rId10"/>
+    <p:sldId id="268" r:id="rId11"/>
+    <p:sldId id="260" r:id="rId12"/>
+    <p:sldId id="267" r:id="rId13"/>
+    <p:sldId id="272" r:id="rId14"/>
   </p:sldIdLst>
   <p:sldSz cx="12192000" cy="6858000"/>
   <p:notesSz cx="6858000" cy="9144000"/>
@@ -209,7 +209,7 @@
           <a:p>
             <a:fld id="{D5B81DCA-8EFA-9040-A992-3CA62376E45B}" type="datetimeFigureOut">
               <a:rPr lang="de-DE" smtClean="0"/>
-              <a:t>18.02.21</a:t>
+              <a:t>20.02.2021</a:t>
             </a:fld>
             <a:endParaRPr lang="de-DE"/>
           </a:p>
@@ -367,7 +367,7 @@
           <a:p>
             <a:fld id="{8B7D652E-761C-174B-A3C6-02EDDB5AE9DD}" type="slidenum">
               <a:rPr lang="de-DE" smtClean="0"/>
-              <a:t>‹Nr.›</a:t>
+              <a:t>‹#›</a:t>
             </a:fld>
             <a:endParaRPr lang="de-DE"/>
           </a:p>
@@ -495,6 +495,160 @@
       </p:grpSpPr>
       <p:sp>
         <p:nvSpPr>
+          <p:cNvPr id="2" name="Slide Image Placeholder 1"/>
+          <p:cNvSpPr>
+            <a:spLocks noGrp="1" noRot="1" noChangeAspect="1"/>
+          </p:cNvSpPr>
+          <p:nvPr>
+            <p:ph type="sldImg"/>
+          </p:nvPr>
+        </p:nvSpPr>
+        <p:spPr/>
+      </p:sp>
+      <p:sp>
+        <p:nvSpPr>
+          <p:cNvPr id="3" name="Notes Placeholder 2"/>
+          <p:cNvSpPr>
+            <a:spLocks noGrp="1"/>
+          </p:cNvSpPr>
+          <p:nvPr>
+            <p:ph type="body" idx="1"/>
+          </p:nvPr>
+        </p:nvSpPr>
+        <p:spPr/>
+        <p:txBody>
+          <a:bodyPr/>
+          <a:lstStyle/>
+          <a:p>
+            <a:pPr marL="171450" indent="-171450">
+              <a:buFont typeface="Arial" panose="020B0604020202020204" pitchFamily="34" charset="0"/>
+              <a:buChar char="•"/>
+            </a:pPr>
+            <a:r>
+              <a:rPr lang="en-US" sz="1200" b="0" i="0" u="none" strike="noStrike" kern="1200" baseline="0" dirty="0">
+                <a:solidFill>
+                  <a:schemeClr val="tx1"/>
+                </a:solidFill>
+                <a:latin typeface="+mn-lt"/>
+                <a:ea typeface="+mn-ea"/>
+                <a:cs typeface="+mn-cs"/>
+              </a:rPr>
+              <a:t>Legal implementations on handling hate speech is different from one country to another. </a:t>
+            </a:r>
+          </a:p>
+          <a:p>
+            <a:pPr marL="171450" indent="-171450">
+              <a:buFont typeface="Arial" panose="020B0604020202020204" pitchFamily="34" charset="0"/>
+              <a:buChar char="•"/>
+            </a:pPr>
+            <a:r>
+              <a:rPr lang="en-US" sz="1200" b="0" i="0" u="none" strike="noStrike" kern="1200" baseline="0" dirty="0">
+                <a:solidFill>
+                  <a:schemeClr val="tx1"/>
+                </a:solidFill>
+                <a:latin typeface="+mn-lt"/>
+                <a:ea typeface="+mn-ea"/>
+                <a:cs typeface="+mn-cs"/>
+              </a:rPr>
+              <a:t>While hate speech is not prohibited in the United States due to the </a:t>
+            </a:r>
+            <a:r>
+              <a:rPr lang="en-US" sz="1200" b="0" i="1" u="none" strike="noStrike" kern="1200" baseline="0" dirty="0">
+                <a:solidFill>
+                  <a:schemeClr val="tx1"/>
+                </a:solidFill>
+                <a:latin typeface="+mn-lt"/>
+                <a:ea typeface="+mn-ea"/>
+                <a:cs typeface="+mn-cs"/>
+              </a:rPr>
+              <a:t>freedom of speech</a:t>
+            </a:r>
+            <a:r>
+              <a:rPr lang="en-US" sz="1200" b="0" i="0" u="none" strike="noStrike" kern="1200" baseline="0" dirty="0">
+                <a:solidFill>
+                  <a:schemeClr val="tx1"/>
+                </a:solidFill>
+                <a:latin typeface="+mn-lt"/>
+                <a:ea typeface="+mn-ea"/>
+                <a:cs typeface="+mn-cs"/>
+              </a:rPr>
+              <a:t>, other countries - especially in the European Union can sue hate speech actors for either offending the public order or human dignity. </a:t>
+            </a:r>
+          </a:p>
+          <a:p>
+            <a:pPr marL="171450" indent="-171450">
+              <a:buFont typeface="Arial" panose="020B0604020202020204" pitchFamily="34" charset="0"/>
+              <a:buChar char="•"/>
+            </a:pPr>
+            <a:r>
+              <a:rPr lang="en-US" sz="1200" b="0" i="0" u="none" strike="noStrike" kern="1200" baseline="0" dirty="0">
+                <a:solidFill>
+                  <a:schemeClr val="tx1"/>
+                </a:solidFill>
+                <a:latin typeface="+mn-lt"/>
+                <a:ea typeface="+mn-ea"/>
+                <a:cs typeface="+mn-cs"/>
+              </a:rPr>
+              <a:t>While being able to prosecute actors in public without much effort, the internet and especially social media platforms provide an easy and anonymous way to practice hate speech without legal consequence enforcements.</a:t>
+            </a:r>
+          </a:p>
+        </p:txBody>
+      </p:sp>
+      <p:sp>
+        <p:nvSpPr>
+          <p:cNvPr id="4" name="Slide Number Placeholder 3"/>
+          <p:cNvSpPr>
+            <a:spLocks noGrp="1"/>
+          </p:cNvSpPr>
+          <p:nvPr>
+            <p:ph type="sldNum" sz="quarter" idx="5"/>
+          </p:nvPr>
+        </p:nvSpPr>
+        <p:spPr/>
+        <p:txBody>
+          <a:bodyPr/>
+          <a:lstStyle/>
+          <a:p>
+            <a:fld id="{8B7D652E-761C-174B-A3C6-02EDDB5AE9DD}" type="slidenum">
+              <a:rPr lang="de-DE" smtClean="0"/>
+              <a:t>1</a:t>
+            </a:fld>
+            <a:endParaRPr lang="de-DE"/>
+          </a:p>
+        </p:txBody>
+      </p:sp>
+    </p:spTree>
+    <p:extLst>
+      <p:ext uri="{BB962C8B-B14F-4D97-AF65-F5344CB8AC3E}">
+        <p14:creationId xmlns:p14="http://schemas.microsoft.com/office/powerpoint/2010/main" val="4286766653"/>
+      </p:ext>
+    </p:extLst>
+  </p:cSld>
+  <p:clrMapOvr>
+    <a:masterClrMapping/>
+  </p:clrMapOvr>
+</p:notes>
+</file>
+
+<file path=ppt/notesSlides/notesSlide2.xml><?xml version="1.0" encoding="utf-8"?>
+<p:notes xmlns:a="http://schemas.openxmlformats.org/drawingml/2006/main" xmlns:r="http://schemas.openxmlformats.org/officeDocument/2006/relationships" xmlns:p="http://schemas.openxmlformats.org/presentationml/2006/main">
+  <p:cSld>
+    <p:spTree>
+      <p:nvGrpSpPr>
+        <p:cNvPr id="1" name=""/>
+        <p:cNvGrpSpPr/>
+        <p:nvPr/>
+      </p:nvGrpSpPr>
+      <p:grpSpPr>
+        <a:xfrm>
+          <a:off x="0" y="0"/>
+          <a:ext cx="0" cy="0"/>
+          <a:chOff x="0" y="0"/>
+          <a:chExt cx="0" cy="0"/>
+        </a:xfrm>
+      </p:grpSpPr>
+      <p:sp>
+        <p:nvSpPr>
           <p:cNvPr id="2" name="Folienbildplatzhalter 1"/>
           <p:cNvSpPr>
             <a:spLocks noGrp="1" noRot="1" noChangeAspect="1"/>
@@ -520,10 +674,171 @@
           <a:bodyPr/>
           <a:lstStyle/>
           <a:p>
-            <a:r>
-              <a:rPr lang="de-DE" dirty="0"/>
-              <a:t>Nur vier Zitate</a:t>
-            </a:r>
+            <a:pPr marL="171450" indent="-171450">
+              <a:buFont typeface="Arial" panose="020B0604020202020204" pitchFamily="34" charset="0"/>
+              <a:buChar char="•"/>
+            </a:pPr>
+            <a:r>
+              <a:rPr lang="en-US" sz="1200" b="0" i="0" u="none" strike="noStrike" kern="1200" baseline="0" dirty="0">
+                <a:solidFill>
+                  <a:schemeClr val="tx1"/>
+                </a:solidFill>
+                <a:latin typeface="+mn-lt"/>
+                <a:ea typeface="+mn-ea"/>
+                <a:cs typeface="+mn-cs"/>
+              </a:rPr>
+              <a:t>Several steps were taken to tackle hate speech online, one of them being the </a:t>
+            </a:r>
+            <a:r>
+              <a:rPr lang="en-US" sz="1200" b="0" i="1" u="none" strike="noStrike" kern="1200" baseline="0" dirty="0">
+                <a:solidFill>
+                  <a:schemeClr val="tx1"/>
+                </a:solidFill>
+                <a:latin typeface="+mn-lt"/>
+                <a:ea typeface="+mn-ea"/>
+                <a:cs typeface="+mn-cs"/>
+              </a:rPr>
+              <a:t>code of conduct </a:t>
+            </a:r>
+            <a:r>
+              <a:rPr lang="en-US" sz="1200" b="0" i="0" u="none" strike="noStrike" kern="1200" baseline="0" dirty="0">
+                <a:solidFill>
+                  <a:schemeClr val="tx1"/>
+                </a:solidFill>
+                <a:latin typeface="+mn-lt"/>
+                <a:ea typeface="+mn-ea"/>
+                <a:cs typeface="+mn-cs"/>
+              </a:rPr>
+              <a:t>on countering illegal hate speech online, an initiative of the </a:t>
+            </a:r>
+            <a:r>
+              <a:rPr lang="en-US" sz="1200" b="0" i="0" u="none" strike="noStrike" kern="1200" baseline="0" dirty="0" err="1">
+                <a:solidFill>
+                  <a:schemeClr val="tx1"/>
+                </a:solidFill>
+                <a:latin typeface="+mn-lt"/>
+                <a:ea typeface="+mn-ea"/>
+                <a:cs typeface="+mn-cs"/>
+              </a:rPr>
+              <a:t>european</a:t>
+            </a:r>
+            <a:r>
+              <a:rPr lang="en-US" sz="1200" b="0" i="0" u="none" strike="noStrike" kern="1200" baseline="0" dirty="0">
+                <a:solidFill>
+                  <a:schemeClr val="tx1"/>
+                </a:solidFill>
+                <a:latin typeface="+mn-lt"/>
+                <a:ea typeface="+mn-ea"/>
+                <a:cs typeface="+mn-cs"/>
+              </a:rPr>
+              <a:t> commission in close collaboration with major IT companies like </a:t>
+            </a:r>
+            <a:r>
+              <a:rPr lang="en-US" sz="1200" b="0" i="1" u="none" strike="noStrike" kern="1200" baseline="0" dirty="0">
+                <a:solidFill>
+                  <a:schemeClr val="tx1"/>
+                </a:solidFill>
+                <a:latin typeface="+mn-lt"/>
+                <a:ea typeface="+mn-ea"/>
+                <a:cs typeface="+mn-cs"/>
+              </a:rPr>
+              <a:t>Facebook</a:t>
+            </a:r>
+            <a:r>
+              <a:rPr lang="en-US" sz="1200" b="0" i="0" u="none" strike="noStrike" kern="1200" baseline="0" dirty="0">
+                <a:solidFill>
+                  <a:schemeClr val="tx1"/>
+                </a:solidFill>
+                <a:latin typeface="+mn-lt"/>
+                <a:ea typeface="+mn-ea"/>
+                <a:cs typeface="+mn-cs"/>
+              </a:rPr>
+              <a:t>, </a:t>
+            </a:r>
+            <a:r>
+              <a:rPr lang="en-US" sz="1200" b="0" i="1" u="none" strike="noStrike" kern="1200" baseline="0" dirty="0">
+                <a:solidFill>
+                  <a:schemeClr val="tx1"/>
+                </a:solidFill>
+                <a:latin typeface="+mn-lt"/>
+                <a:ea typeface="+mn-ea"/>
+                <a:cs typeface="+mn-cs"/>
+              </a:rPr>
+              <a:t>Microsoft</a:t>
+            </a:r>
+            <a:r>
+              <a:rPr lang="en-US" sz="1200" b="0" i="0" u="none" strike="noStrike" kern="1200" baseline="0" dirty="0">
+                <a:solidFill>
+                  <a:schemeClr val="tx1"/>
+                </a:solidFill>
+                <a:latin typeface="+mn-lt"/>
+                <a:ea typeface="+mn-ea"/>
+                <a:cs typeface="+mn-cs"/>
+              </a:rPr>
+              <a:t>, </a:t>
+            </a:r>
+            <a:r>
+              <a:rPr lang="en-US" sz="1200" b="0" i="1" u="none" strike="noStrike" kern="1200" baseline="0" dirty="0">
+                <a:solidFill>
+                  <a:schemeClr val="tx1"/>
+                </a:solidFill>
+                <a:latin typeface="+mn-lt"/>
+                <a:ea typeface="+mn-ea"/>
+                <a:cs typeface="+mn-cs"/>
+              </a:rPr>
+              <a:t>Twitter </a:t>
+            </a:r>
+            <a:r>
+              <a:rPr lang="en-US" sz="1200" b="0" i="0" u="none" strike="noStrike" kern="1200" baseline="0" dirty="0">
+                <a:solidFill>
+                  <a:schemeClr val="tx1"/>
+                </a:solidFill>
+                <a:latin typeface="+mn-lt"/>
+                <a:ea typeface="+mn-ea"/>
+                <a:cs typeface="+mn-cs"/>
+              </a:rPr>
+              <a:t>and </a:t>
+            </a:r>
+            <a:r>
+              <a:rPr lang="en-US" sz="1200" b="0" i="1" u="none" strike="noStrike" kern="1200" baseline="0" dirty="0">
+                <a:solidFill>
+                  <a:schemeClr val="tx1"/>
+                </a:solidFill>
+                <a:latin typeface="+mn-lt"/>
+                <a:ea typeface="+mn-ea"/>
+                <a:cs typeface="+mn-cs"/>
+              </a:rPr>
+              <a:t>YouTube</a:t>
+            </a:r>
+            <a:r>
+              <a:rPr lang="en-US" sz="1200" b="0" i="0" u="none" strike="noStrike" kern="1200" baseline="0" dirty="0">
+                <a:solidFill>
+                  <a:schemeClr val="tx1"/>
+                </a:solidFill>
+                <a:latin typeface="+mn-lt"/>
+                <a:ea typeface="+mn-ea"/>
+                <a:cs typeface="+mn-cs"/>
+              </a:rPr>
+              <a:t>. </a:t>
+            </a:r>
+          </a:p>
+          <a:p>
+            <a:pPr marL="171450" indent="-171450">
+              <a:buFont typeface="Arial" panose="020B0604020202020204" pitchFamily="34" charset="0"/>
+              <a:buChar char="•"/>
+            </a:pPr>
+            <a:r>
+              <a:rPr lang="en-US" sz="1200" b="0" i="0" u="none" strike="noStrike" kern="1200" baseline="0" dirty="0">
+                <a:solidFill>
+                  <a:schemeClr val="tx1"/>
+                </a:solidFill>
+                <a:latin typeface="+mn-lt"/>
+                <a:ea typeface="+mn-ea"/>
+                <a:cs typeface="+mn-cs"/>
+              </a:rPr>
+              <a:t>While respecting the freedom of speech, these companies commit to delete hate speech contributions within 24 hours of the initial deletion request.</a:t>
+            </a:r>
+            <a:endParaRPr lang="de-DE" dirty="0"/>
           </a:p>
         </p:txBody>
       </p:sp>
@@ -554,6 +869,759 @@
     <p:extLst>
       <p:ext uri="{BB962C8B-B14F-4D97-AF65-F5344CB8AC3E}">
         <p14:creationId xmlns:p14="http://schemas.microsoft.com/office/powerpoint/2010/main" val="2286541863"/>
+      </p:ext>
+    </p:extLst>
+  </p:cSld>
+  <p:clrMapOvr>
+    <a:masterClrMapping/>
+  </p:clrMapOvr>
+</p:notes>
+</file>
+
+<file path=ppt/notesSlides/notesSlide3.xml><?xml version="1.0" encoding="utf-8"?>
+<p:notes xmlns:a="http://schemas.openxmlformats.org/drawingml/2006/main" xmlns:r="http://schemas.openxmlformats.org/officeDocument/2006/relationships" xmlns:p="http://schemas.openxmlformats.org/presentationml/2006/main">
+  <p:cSld>
+    <p:spTree>
+      <p:nvGrpSpPr>
+        <p:cNvPr id="1" name=""/>
+        <p:cNvGrpSpPr/>
+        <p:nvPr/>
+      </p:nvGrpSpPr>
+      <p:grpSpPr>
+        <a:xfrm>
+          <a:off x="0" y="0"/>
+          <a:ext cx="0" cy="0"/>
+          <a:chOff x="0" y="0"/>
+          <a:chExt cx="0" cy="0"/>
+        </a:xfrm>
+      </p:grpSpPr>
+      <p:sp>
+        <p:nvSpPr>
+          <p:cNvPr id="2" name="Slide Image Placeholder 1"/>
+          <p:cNvSpPr>
+            <a:spLocks noGrp="1" noRot="1" noChangeAspect="1"/>
+          </p:cNvSpPr>
+          <p:nvPr>
+            <p:ph type="sldImg"/>
+          </p:nvPr>
+        </p:nvSpPr>
+        <p:spPr/>
+      </p:sp>
+      <p:sp>
+        <p:nvSpPr>
+          <p:cNvPr id="3" name="Notes Placeholder 2"/>
+          <p:cNvSpPr>
+            <a:spLocks noGrp="1"/>
+          </p:cNvSpPr>
+          <p:nvPr>
+            <p:ph type="body" idx="1"/>
+          </p:nvPr>
+        </p:nvSpPr>
+        <p:spPr/>
+        <p:txBody>
+          <a:bodyPr/>
+          <a:lstStyle/>
+          <a:p>
+            <a:pPr marL="0" indent="0">
+              <a:buFont typeface="Arial" panose="020B0604020202020204" pitchFamily="34" charset="0"/>
+              <a:buNone/>
+            </a:pPr>
+            <a:endParaRPr lang="en-US" dirty="0"/>
+          </a:p>
+        </p:txBody>
+      </p:sp>
+      <p:sp>
+        <p:nvSpPr>
+          <p:cNvPr id="4" name="Slide Number Placeholder 3"/>
+          <p:cNvSpPr>
+            <a:spLocks noGrp="1"/>
+          </p:cNvSpPr>
+          <p:nvPr>
+            <p:ph type="sldNum" sz="quarter" idx="5"/>
+          </p:nvPr>
+        </p:nvSpPr>
+        <p:spPr/>
+        <p:txBody>
+          <a:bodyPr/>
+          <a:lstStyle/>
+          <a:p>
+            <a:fld id="{8B7D652E-761C-174B-A3C6-02EDDB5AE9DD}" type="slidenum">
+              <a:rPr lang="de-DE" smtClean="0"/>
+              <a:t>3</a:t>
+            </a:fld>
+            <a:endParaRPr lang="de-DE"/>
+          </a:p>
+        </p:txBody>
+      </p:sp>
+    </p:spTree>
+    <p:extLst>
+      <p:ext uri="{BB962C8B-B14F-4D97-AF65-F5344CB8AC3E}">
+        <p14:creationId xmlns:p14="http://schemas.microsoft.com/office/powerpoint/2010/main" val="3467605032"/>
+      </p:ext>
+    </p:extLst>
+  </p:cSld>
+  <p:clrMapOvr>
+    <a:masterClrMapping/>
+  </p:clrMapOvr>
+</p:notes>
+</file>
+
+<file path=ppt/notesSlides/notesSlide4.xml><?xml version="1.0" encoding="utf-8"?>
+<p:notes xmlns:a="http://schemas.openxmlformats.org/drawingml/2006/main" xmlns:r="http://schemas.openxmlformats.org/officeDocument/2006/relationships" xmlns:p="http://schemas.openxmlformats.org/presentationml/2006/main">
+  <p:cSld>
+    <p:spTree>
+      <p:nvGrpSpPr>
+        <p:cNvPr id="1" name=""/>
+        <p:cNvGrpSpPr/>
+        <p:nvPr/>
+      </p:nvGrpSpPr>
+      <p:grpSpPr>
+        <a:xfrm>
+          <a:off x="0" y="0"/>
+          <a:ext cx="0" cy="0"/>
+          <a:chOff x="0" y="0"/>
+          <a:chExt cx="0" cy="0"/>
+        </a:xfrm>
+      </p:grpSpPr>
+      <p:sp>
+        <p:nvSpPr>
+          <p:cNvPr id="2" name="Slide Image Placeholder 1"/>
+          <p:cNvSpPr>
+            <a:spLocks noGrp="1" noRot="1" noChangeAspect="1"/>
+          </p:cNvSpPr>
+          <p:nvPr>
+            <p:ph type="sldImg"/>
+          </p:nvPr>
+        </p:nvSpPr>
+        <p:spPr/>
+      </p:sp>
+      <p:sp>
+        <p:nvSpPr>
+          <p:cNvPr id="3" name="Notes Placeholder 2"/>
+          <p:cNvSpPr>
+            <a:spLocks noGrp="1"/>
+          </p:cNvSpPr>
+          <p:nvPr>
+            <p:ph type="body" idx="1"/>
+          </p:nvPr>
+        </p:nvSpPr>
+        <p:spPr/>
+        <p:txBody>
+          <a:bodyPr/>
+          <a:lstStyle/>
+          <a:p>
+            <a:pPr marL="171450" indent="-171450">
+              <a:buFont typeface="Arial" panose="020B0604020202020204" pitchFamily="34" charset="0"/>
+              <a:buChar char="•"/>
+            </a:pPr>
+            <a:r>
+              <a:rPr lang="en-US" sz="1200" b="0" i="0" u="none" strike="noStrike" kern="1200" baseline="0" dirty="0">
+                <a:solidFill>
+                  <a:schemeClr val="tx1"/>
+                </a:solidFill>
+                <a:latin typeface="+mn-lt"/>
+                <a:ea typeface="+mn-ea"/>
+                <a:cs typeface="+mn-cs"/>
+              </a:rPr>
+              <a:t>To further automize the process of detecting hate speech contributions, several text analytics approaches have been evaluated in the recent past.</a:t>
+            </a:r>
+          </a:p>
+          <a:p>
+            <a:pPr marL="171450" indent="-171450">
+              <a:buFont typeface="Arial" panose="020B0604020202020204" pitchFamily="34" charset="0"/>
+              <a:buChar char="•"/>
+            </a:pPr>
+            <a:r>
+              <a:rPr lang="en-US" sz="1200" b="0" i="0" u="none" strike="noStrike" kern="1200" baseline="0" dirty="0">
+                <a:solidFill>
+                  <a:schemeClr val="tx1"/>
+                </a:solidFill>
+                <a:latin typeface="+mn-lt"/>
+                <a:ea typeface="+mn-ea"/>
+                <a:cs typeface="+mn-cs"/>
+              </a:rPr>
+              <a:t>Many of them are using methods of </a:t>
+            </a:r>
+            <a:r>
+              <a:rPr lang="en-US" sz="1200" b="0" i="1" u="none" strike="noStrike" kern="1200" baseline="0" dirty="0">
+                <a:solidFill>
+                  <a:schemeClr val="tx1"/>
+                </a:solidFill>
+                <a:latin typeface="+mn-lt"/>
+                <a:ea typeface="+mn-ea"/>
+                <a:cs typeface="+mn-cs"/>
+              </a:rPr>
+              <a:t>natural language processing </a:t>
+            </a:r>
+            <a:r>
+              <a:rPr lang="en-US" sz="1200" b="0" i="0" u="none" strike="noStrike" kern="1200" baseline="0" dirty="0">
+                <a:solidFill>
+                  <a:schemeClr val="tx1"/>
+                </a:solidFill>
+                <a:latin typeface="+mn-lt"/>
+                <a:ea typeface="+mn-ea"/>
+                <a:cs typeface="+mn-cs"/>
+              </a:rPr>
+              <a:t>and </a:t>
+            </a:r>
+            <a:r>
+              <a:rPr lang="en-US" sz="1200" b="0" i="1" u="none" strike="noStrike" kern="1200" baseline="0" dirty="0">
+                <a:solidFill>
+                  <a:schemeClr val="tx1"/>
+                </a:solidFill>
+                <a:latin typeface="+mn-lt"/>
+                <a:ea typeface="+mn-ea"/>
+                <a:cs typeface="+mn-cs"/>
+              </a:rPr>
+              <a:t>deep learning </a:t>
+            </a:r>
+            <a:r>
+              <a:rPr lang="en-US" sz="1200" b="0" i="0" u="none" strike="noStrike" kern="1200" baseline="0" dirty="0">
+                <a:solidFill>
+                  <a:schemeClr val="tx1"/>
+                </a:solidFill>
+                <a:latin typeface="+mn-lt"/>
+                <a:ea typeface="+mn-ea"/>
+                <a:cs typeface="+mn-cs"/>
+              </a:rPr>
+              <a:t>for hate speech detection and rely on meaningful features being learned automatically by deep neural networks instead of using hand-crafted features (</a:t>
+            </a:r>
+            <a:r>
+              <a:rPr lang="en-US" sz="1200" b="0" i="0" u="none" strike="noStrike" kern="1200" baseline="0" dirty="0" err="1">
+                <a:solidFill>
+                  <a:schemeClr val="tx1"/>
+                </a:solidFill>
+                <a:latin typeface="+mn-lt"/>
+                <a:ea typeface="+mn-ea"/>
+                <a:cs typeface="+mn-cs"/>
+              </a:rPr>
+              <a:t>uni</a:t>
+            </a:r>
+            <a:r>
+              <a:rPr lang="en-US" sz="1200" b="0" i="0" u="none" strike="noStrike" kern="1200" baseline="0" dirty="0">
+                <a:solidFill>
+                  <a:schemeClr val="tx1"/>
+                </a:solidFill>
+                <a:latin typeface="+mn-lt"/>
+                <a:ea typeface="+mn-ea"/>
+                <a:cs typeface="+mn-cs"/>
+              </a:rPr>
+              <a:t>- and bidirectional LSTMs, RNNs, GRUs, BERT, CNNs or even Deep Belief Networks).</a:t>
+            </a:r>
+          </a:p>
+          <a:p>
+            <a:pPr marL="171450" indent="-171450">
+              <a:buFont typeface="Arial" panose="020B0604020202020204" pitchFamily="34" charset="0"/>
+              <a:buChar char="•"/>
+            </a:pPr>
+            <a:r>
+              <a:rPr lang="en-US" sz="1200" b="0" i="0" u="none" strike="noStrike" kern="1200" baseline="0" dirty="0">
+                <a:solidFill>
+                  <a:schemeClr val="tx1"/>
+                </a:solidFill>
+                <a:latin typeface="+mn-lt"/>
+                <a:ea typeface="+mn-ea"/>
+                <a:cs typeface="+mn-cs"/>
+              </a:rPr>
+              <a:t>Different papers use manually extracted features. But none of them combines the results of recent research and compares it to a baseline neural network architecture, which is what this work is dedicated to.</a:t>
+            </a:r>
+          </a:p>
+          <a:p>
+            <a:pPr marL="171450" marR="0" lvl="0" indent="-171450" algn="l" defTabSz="914400" rtl="0" eaLnBrk="1" fontAlgn="auto" latinLnBrk="0" hangingPunct="1">
+              <a:lnSpc>
+                <a:spcPct val="100000"/>
+              </a:lnSpc>
+              <a:spcBef>
+                <a:spcPts val="0"/>
+              </a:spcBef>
+              <a:spcAft>
+                <a:spcPts val="0"/>
+              </a:spcAft>
+              <a:buClrTx/>
+              <a:buSzTx/>
+              <a:buFont typeface="Arial" panose="020B0604020202020204" pitchFamily="34" charset="0"/>
+              <a:buChar char="•"/>
+              <a:tabLst/>
+              <a:defRPr/>
+            </a:pPr>
+            <a:r>
+              <a:rPr lang="en-US" dirty="0"/>
+              <a:t>Research question: Can </a:t>
+            </a:r>
+            <a:r>
+              <a:rPr lang="de-DE" dirty="0" err="1"/>
+              <a:t>classical</a:t>
+            </a:r>
+            <a:r>
+              <a:rPr lang="de-DE" dirty="0"/>
+              <a:t> </a:t>
+            </a:r>
+            <a:r>
+              <a:rPr lang="de-DE" dirty="0" err="1"/>
+              <a:t>Machine</a:t>
+            </a:r>
+            <a:r>
+              <a:rPr lang="de-DE" dirty="0"/>
+              <a:t> Learning </a:t>
+            </a:r>
+            <a:r>
+              <a:rPr lang="de-DE" dirty="0" err="1"/>
+              <a:t>methods</a:t>
+            </a:r>
+            <a:r>
+              <a:rPr lang="de-DE" dirty="0"/>
+              <a:t> </a:t>
+            </a:r>
+            <a:r>
+              <a:rPr lang="de-DE" dirty="0" err="1"/>
+              <a:t>combined</a:t>
+            </a:r>
+            <a:r>
+              <a:rPr lang="de-DE" dirty="0"/>
+              <a:t> </a:t>
+            </a:r>
+            <a:r>
+              <a:rPr lang="de-DE" dirty="0" err="1"/>
+              <a:t>with</a:t>
+            </a:r>
+            <a:r>
+              <a:rPr lang="de-DE" dirty="0"/>
+              <a:t> </a:t>
+            </a:r>
+            <a:r>
+              <a:rPr lang="de-DE" dirty="0" err="1"/>
+              <a:t>suitable</a:t>
+            </a:r>
+            <a:r>
+              <a:rPr lang="de-DE" dirty="0"/>
+              <a:t> </a:t>
+            </a:r>
+            <a:r>
+              <a:rPr lang="de-DE" dirty="0" err="1"/>
+              <a:t>features</a:t>
+            </a:r>
+            <a:r>
+              <a:rPr lang="de-DE" dirty="0"/>
+              <a:t> </a:t>
+            </a:r>
+            <a:r>
+              <a:rPr lang="de-DE" dirty="0" err="1"/>
+              <a:t>outperform</a:t>
+            </a:r>
+            <a:r>
+              <a:rPr lang="de-DE" dirty="0"/>
+              <a:t> </a:t>
+            </a:r>
+            <a:r>
+              <a:rPr lang="de-DE" dirty="0" err="1"/>
+              <a:t>neural</a:t>
+            </a:r>
+            <a:r>
+              <a:rPr lang="de-DE" dirty="0"/>
+              <a:t> </a:t>
+            </a:r>
+            <a:r>
+              <a:rPr lang="de-DE" dirty="0" err="1"/>
+              <a:t>network</a:t>
+            </a:r>
+            <a:r>
+              <a:rPr lang="de-DE" dirty="0"/>
+              <a:t> </a:t>
+            </a:r>
+            <a:r>
+              <a:rPr lang="de-DE" dirty="0" err="1"/>
+              <a:t>based</a:t>
+            </a:r>
+            <a:r>
+              <a:rPr lang="de-DE" dirty="0"/>
+              <a:t> </a:t>
+            </a:r>
+            <a:r>
+              <a:rPr lang="de-DE" dirty="0" err="1"/>
+              <a:t>approaches</a:t>
+            </a:r>
+            <a:endParaRPr lang="en-US" sz="1200" b="0" i="0" u="none" strike="noStrike" kern="1200" baseline="0" dirty="0">
+              <a:solidFill>
+                <a:schemeClr val="tx1"/>
+              </a:solidFill>
+              <a:latin typeface="+mn-lt"/>
+              <a:ea typeface="+mn-ea"/>
+              <a:cs typeface="+mn-cs"/>
+            </a:endParaRPr>
+          </a:p>
+          <a:p>
+            <a:pPr marL="171450" indent="-171450">
+              <a:buFont typeface="Arial" panose="020B0604020202020204" pitchFamily="34" charset="0"/>
+              <a:buChar char="•"/>
+            </a:pPr>
+            <a:endParaRPr lang="en-US" sz="1200" b="0" i="0" u="none" strike="noStrike" kern="1200" baseline="0" dirty="0">
+              <a:solidFill>
+                <a:schemeClr val="tx1"/>
+              </a:solidFill>
+              <a:latin typeface="+mn-lt"/>
+              <a:ea typeface="+mn-ea"/>
+              <a:cs typeface="+mn-cs"/>
+            </a:endParaRPr>
+          </a:p>
+          <a:p>
+            <a:pPr marL="171450" indent="-171450">
+              <a:buFont typeface="Arial" panose="020B0604020202020204" pitchFamily="34" charset="0"/>
+              <a:buChar char="•"/>
+            </a:pPr>
+            <a:endParaRPr lang="en-US" sz="1200" b="0" i="0" u="none" strike="noStrike" kern="1200" baseline="0" dirty="0">
+              <a:solidFill>
+                <a:schemeClr val="tx1"/>
+              </a:solidFill>
+              <a:latin typeface="+mn-lt"/>
+              <a:ea typeface="+mn-ea"/>
+              <a:cs typeface="+mn-cs"/>
+            </a:endParaRPr>
+          </a:p>
+        </p:txBody>
+      </p:sp>
+      <p:sp>
+        <p:nvSpPr>
+          <p:cNvPr id="4" name="Slide Number Placeholder 3"/>
+          <p:cNvSpPr>
+            <a:spLocks noGrp="1"/>
+          </p:cNvSpPr>
+          <p:nvPr>
+            <p:ph type="sldNum" sz="quarter" idx="5"/>
+          </p:nvPr>
+        </p:nvSpPr>
+        <p:spPr/>
+        <p:txBody>
+          <a:bodyPr/>
+          <a:lstStyle/>
+          <a:p>
+            <a:fld id="{8B7D652E-761C-174B-A3C6-02EDDB5AE9DD}" type="slidenum">
+              <a:rPr lang="de-DE" smtClean="0"/>
+              <a:t>4</a:t>
+            </a:fld>
+            <a:endParaRPr lang="de-DE"/>
+          </a:p>
+        </p:txBody>
+      </p:sp>
+    </p:spTree>
+    <p:extLst>
+      <p:ext uri="{BB962C8B-B14F-4D97-AF65-F5344CB8AC3E}">
+        <p14:creationId xmlns:p14="http://schemas.microsoft.com/office/powerpoint/2010/main" val="1660519680"/>
+      </p:ext>
+    </p:extLst>
+  </p:cSld>
+  <p:clrMapOvr>
+    <a:masterClrMapping/>
+  </p:clrMapOvr>
+</p:notes>
+</file>
+
+<file path=ppt/notesSlides/notesSlide5.xml><?xml version="1.0" encoding="utf-8"?>
+<p:notes xmlns:a="http://schemas.openxmlformats.org/drawingml/2006/main" xmlns:r="http://schemas.openxmlformats.org/officeDocument/2006/relationships" xmlns:p="http://schemas.openxmlformats.org/presentationml/2006/main">
+  <p:cSld>
+    <p:spTree>
+      <p:nvGrpSpPr>
+        <p:cNvPr id="1" name=""/>
+        <p:cNvGrpSpPr/>
+        <p:nvPr/>
+      </p:nvGrpSpPr>
+      <p:grpSpPr>
+        <a:xfrm>
+          <a:off x="0" y="0"/>
+          <a:ext cx="0" cy="0"/>
+          <a:chOff x="0" y="0"/>
+          <a:chExt cx="0" cy="0"/>
+        </a:xfrm>
+      </p:grpSpPr>
+      <p:sp>
+        <p:nvSpPr>
+          <p:cNvPr id="2" name="Slide Image Placeholder 1"/>
+          <p:cNvSpPr>
+            <a:spLocks noGrp="1" noRot="1" noChangeAspect="1"/>
+          </p:cNvSpPr>
+          <p:nvPr>
+            <p:ph type="sldImg"/>
+          </p:nvPr>
+        </p:nvSpPr>
+        <p:spPr/>
+      </p:sp>
+      <p:sp>
+        <p:nvSpPr>
+          <p:cNvPr id="3" name="Notes Placeholder 2"/>
+          <p:cNvSpPr>
+            <a:spLocks noGrp="1"/>
+          </p:cNvSpPr>
+          <p:nvPr>
+            <p:ph type="body" idx="1"/>
+          </p:nvPr>
+        </p:nvSpPr>
+        <p:spPr/>
+        <p:txBody>
+          <a:bodyPr/>
+          <a:lstStyle/>
+          <a:p>
+            <a:pPr marL="171450" indent="-171450">
+              <a:buFont typeface="Arial" panose="020B0604020202020204" pitchFamily="34" charset="0"/>
+              <a:buChar char="•"/>
+            </a:pPr>
+            <a:r>
+              <a:rPr lang="en-US" dirty="0"/>
+              <a:t>Drop retweets, offensive language, stop words, whitespaces, punctuation, emojis and other irrelevant characters</a:t>
+            </a:r>
+          </a:p>
+          <a:p>
+            <a:pPr marL="171450" indent="-171450">
+              <a:buFont typeface="Arial" panose="020B0604020202020204" pitchFamily="34" charset="0"/>
+              <a:buChar char="•"/>
+            </a:pPr>
+            <a:r>
+              <a:rPr lang="en-US" dirty="0"/>
+              <a:t>Stemming and lemmatization</a:t>
+            </a:r>
+          </a:p>
+          <a:p>
+            <a:endParaRPr lang="en-US" dirty="0"/>
+          </a:p>
+        </p:txBody>
+      </p:sp>
+      <p:sp>
+        <p:nvSpPr>
+          <p:cNvPr id="4" name="Slide Number Placeholder 3"/>
+          <p:cNvSpPr>
+            <a:spLocks noGrp="1"/>
+          </p:cNvSpPr>
+          <p:nvPr>
+            <p:ph type="sldNum" sz="quarter" idx="5"/>
+          </p:nvPr>
+        </p:nvSpPr>
+        <p:spPr/>
+        <p:txBody>
+          <a:bodyPr/>
+          <a:lstStyle/>
+          <a:p>
+            <a:fld id="{8B7D652E-761C-174B-A3C6-02EDDB5AE9DD}" type="slidenum">
+              <a:rPr lang="de-DE" smtClean="0"/>
+              <a:t>5</a:t>
+            </a:fld>
+            <a:endParaRPr lang="de-DE"/>
+          </a:p>
+        </p:txBody>
+      </p:sp>
+    </p:spTree>
+    <p:extLst>
+      <p:ext uri="{BB962C8B-B14F-4D97-AF65-F5344CB8AC3E}">
+        <p14:creationId xmlns:p14="http://schemas.microsoft.com/office/powerpoint/2010/main" val="1480357099"/>
+      </p:ext>
+    </p:extLst>
+  </p:cSld>
+  <p:clrMapOvr>
+    <a:masterClrMapping/>
+  </p:clrMapOvr>
+</p:notes>
+</file>
+
+<file path=ppt/notesSlides/notesSlide6.xml><?xml version="1.0" encoding="utf-8"?>
+<p:notes xmlns:a="http://schemas.openxmlformats.org/drawingml/2006/main" xmlns:r="http://schemas.openxmlformats.org/officeDocument/2006/relationships" xmlns:p="http://schemas.openxmlformats.org/presentationml/2006/main">
+  <p:cSld>
+    <p:spTree>
+      <p:nvGrpSpPr>
+        <p:cNvPr id="1" name=""/>
+        <p:cNvGrpSpPr/>
+        <p:nvPr/>
+      </p:nvGrpSpPr>
+      <p:grpSpPr>
+        <a:xfrm>
+          <a:off x="0" y="0"/>
+          <a:ext cx="0" cy="0"/>
+          <a:chOff x="0" y="0"/>
+          <a:chExt cx="0" cy="0"/>
+        </a:xfrm>
+      </p:grpSpPr>
+      <p:sp>
+        <p:nvSpPr>
+          <p:cNvPr id="2" name="Slide Image Placeholder 1"/>
+          <p:cNvSpPr>
+            <a:spLocks noGrp="1" noRot="1" noChangeAspect="1"/>
+          </p:cNvSpPr>
+          <p:nvPr>
+            <p:ph type="sldImg"/>
+          </p:nvPr>
+        </p:nvSpPr>
+        <p:spPr/>
+      </p:sp>
+      <p:sp>
+        <p:nvSpPr>
+          <p:cNvPr id="3" name="Notes Placeholder 2"/>
+          <p:cNvSpPr>
+            <a:spLocks noGrp="1"/>
+          </p:cNvSpPr>
+          <p:nvPr>
+            <p:ph type="body" idx="1"/>
+          </p:nvPr>
+        </p:nvSpPr>
+        <p:spPr/>
+        <p:txBody>
+          <a:bodyPr/>
+          <a:lstStyle/>
+          <a:p>
+            <a:pPr marL="171450" indent="-171450">
+              <a:buFont typeface="Arial" panose="020B0604020202020204" pitchFamily="34" charset="0"/>
+              <a:buChar char="•"/>
+            </a:pPr>
+            <a:r>
+              <a:rPr lang="de-DE" dirty="0" err="1"/>
+              <a:t>Only</a:t>
+            </a:r>
+            <a:r>
+              <a:rPr lang="de-DE" dirty="0"/>
+              <a:t> </a:t>
+            </a:r>
+            <a:r>
+              <a:rPr lang="de-DE" dirty="0" err="1"/>
+              <a:t>inspired</a:t>
+            </a:r>
+            <a:r>
+              <a:rPr lang="de-DE" dirty="0"/>
+              <a:t> </a:t>
+            </a:r>
+            <a:r>
+              <a:rPr lang="de-DE" dirty="0" err="1"/>
+              <a:t>by</a:t>
+            </a:r>
+            <a:r>
+              <a:rPr lang="de-DE" dirty="0"/>
+              <a:t> </a:t>
+            </a:r>
+            <a:r>
+              <a:rPr lang="de-DE" dirty="0" err="1"/>
+              <a:t>the</a:t>
+            </a:r>
+            <a:r>
+              <a:rPr lang="de-DE" dirty="0"/>
+              <a:t> </a:t>
+            </a:r>
+            <a:r>
+              <a:rPr lang="de-DE" dirty="0" err="1"/>
+              <a:t>papers</a:t>
+            </a:r>
+            <a:endParaRPr lang="de-DE" dirty="0"/>
+          </a:p>
+        </p:txBody>
+      </p:sp>
+      <p:sp>
+        <p:nvSpPr>
+          <p:cNvPr id="4" name="Slide Number Placeholder 3"/>
+          <p:cNvSpPr>
+            <a:spLocks noGrp="1"/>
+          </p:cNvSpPr>
+          <p:nvPr>
+            <p:ph type="sldNum" sz="quarter" idx="5"/>
+          </p:nvPr>
+        </p:nvSpPr>
+        <p:spPr/>
+        <p:txBody>
+          <a:bodyPr/>
+          <a:lstStyle/>
+          <a:p>
+            <a:fld id="{8B7D652E-761C-174B-A3C6-02EDDB5AE9DD}" type="slidenum">
+              <a:rPr lang="de-DE" smtClean="0"/>
+              <a:t>6</a:t>
+            </a:fld>
+            <a:endParaRPr lang="de-DE"/>
+          </a:p>
+        </p:txBody>
+      </p:sp>
+    </p:spTree>
+    <p:extLst>
+      <p:ext uri="{BB962C8B-B14F-4D97-AF65-F5344CB8AC3E}">
+        <p14:creationId xmlns:p14="http://schemas.microsoft.com/office/powerpoint/2010/main" val="1279661304"/>
+      </p:ext>
+    </p:extLst>
+  </p:cSld>
+  <p:clrMapOvr>
+    <a:masterClrMapping/>
+  </p:clrMapOvr>
+</p:notes>
+</file>
+
+<file path=ppt/notesSlides/notesSlide7.xml><?xml version="1.0" encoding="utf-8"?>
+<p:notes xmlns:a="http://schemas.openxmlformats.org/drawingml/2006/main" xmlns:r="http://schemas.openxmlformats.org/officeDocument/2006/relationships" xmlns:p="http://schemas.openxmlformats.org/presentationml/2006/main">
+  <p:cSld>
+    <p:spTree>
+      <p:nvGrpSpPr>
+        <p:cNvPr id="1" name=""/>
+        <p:cNvGrpSpPr/>
+        <p:nvPr/>
+      </p:nvGrpSpPr>
+      <p:grpSpPr>
+        <a:xfrm>
+          <a:off x="0" y="0"/>
+          <a:ext cx="0" cy="0"/>
+          <a:chOff x="0" y="0"/>
+          <a:chExt cx="0" cy="0"/>
+        </a:xfrm>
+      </p:grpSpPr>
+      <p:sp>
+        <p:nvSpPr>
+          <p:cNvPr id="2" name="Slide Image Placeholder 1"/>
+          <p:cNvSpPr>
+            <a:spLocks noGrp="1" noRot="1" noChangeAspect="1"/>
+          </p:cNvSpPr>
+          <p:nvPr>
+            <p:ph type="sldImg"/>
+          </p:nvPr>
+        </p:nvSpPr>
+        <p:spPr/>
+      </p:sp>
+      <p:sp>
+        <p:nvSpPr>
+          <p:cNvPr id="3" name="Notes Placeholder 2"/>
+          <p:cNvSpPr>
+            <a:spLocks noGrp="1"/>
+          </p:cNvSpPr>
+          <p:nvPr>
+            <p:ph type="body" idx="1"/>
+          </p:nvPr>
+        </p:nvSpPr>
+        <p:spPr/>
+        <p:txBody>
+          <a:bodyPr/>
+          <a:lstStyle/>
+          <a:p>
+            <a:pPr marL="171450" indent="-171450">
+              <a:buFont typeface="Arial" panose="020B0604020202020204" pitchFamily="34" charset="0"/>
+              <a:buChar char="•"/>
+            </a:pPr>
+            <a:endParaRPr lang="en-US" dirty="0"/>
+          </a:p>
+        </p:txBody>
+      </p:sp>
+      <p:sp>
+        <p:nvSpPr>
+          <p:cNvPr id="4" name="Slide Number Placeholder 3"/>
+          <p:cNvSpPr>
+            <a:spLocks noGrp="1"/>
+          </p:cNvSpPr>
+          <p:nvPr>
+            <p:ph type="sldNum" sz="quarter" idx="5"/>
+          </p:nvPr>
+        </p:nvSpPr>
+        <p:spPr/>
+        <p:txBody>
+          <a:bodyPr/>
+          <a:lstStyle/>
+          <a:p>
+            <a:fld id="{8B7D652E-761C-174B-A3C6-02EDDB5AE9DD}" type="slidenum">
+              <a:rPr lang="de-DE" smtClean="0"/>
+              <a:t>7</a:t>
+            </a:fld>
+            <a:endParaRPr lang="de-DE"/>
+          </a:p>
+        </p:txBody>
+      </p:sp>
+    </p:spTree>
+    <p:extLst>
+      <p:ext uri="{BB962C8B-B14F-4D97-AF65-F5344CB8AC3E}">
+        <p14:creationId xmlns:p14="http://schemas.microsoft.com/office/powerpoint/2010/main" val="2117875083"/>
       </p:ext>
     </p:extLst>
   </p:cSld>
@@ -732,7 +1800,7 @@
           <a:p>
             <a:fld id="{D488AB66-6178-4B4B-B4A1-A9BBA3A73FBE}" type="datetime1">
               <a:rPr lang="de-DE" smtClean="0"/>
-              <a:t>18.02.21</a:t>
+              <a:t>20.02.2021</a:t>
             </a:fld>
             <a:endParaRPr lang="en-US" dirty="0"/>
           </a:p>
@@ -804,7 +1872,7 @@
             <a:fld id="{D57F1E4F-1CFF-5643-939E-217C01CDF565}" type="slidenum">
               <a:rPr lang="en-US" smtClean="0"/>
               <a:pPr/>
-              <a:t>‹Nr.›</a:t>
+              <a:t>‹#›</a:t>
             </a:fld>
             <a:endParaRPr lang="en-US" dirty="0"/>
           </a:p>
@@ -1153,7 +2221,7 @@
           <a:p>
             <a:fld id="{EC46F97E-F884-9449-8EE4-BF17CB7B5CC3}" type="datetime1">
               <a:rPr lang="de-DE" smtClean="0"/>
-              <a:t>18.02.21</a:t>
+              <a:t>20.02.2021</a:t>
             </a:fld>
             <a:endParaRPr lang="en-US" dirty="0"/>
           </a:p>
@@ -1204,7 +2272,7 @@
             <a:fld id="{D57F1E4F-1CFF-5643-939E-217C01CDF565}" type="slidenum">
               <a:rPr lang="en-US" smtClean="0"/>
               <a:pPr/>
-              <a:t>‹Nr.›</a:t>
+              <a:t>‹#›</a:t>
             </a:fld>
             <a:endParaRPr lang="en-US" dirty="0"/>
           </a:p>
@@ -1342,7 +2410,7 @@
           <a:p>
             <a:fld id="{C48ADE8B-04F7-854D-8653-940F9518EDD0}" type="datetime1">
               <a:rPr lang="de-DE" smtClean="0"/>
-              <a:t>18.02.21</a:t>
+              <a:t>20.02.2021</a:t>
             </a:fld>
             <a:endParaRPr lang="en-US" dirty="0"/>
           </a:p>
@@ -1393,7 +2461,7 @@
             <a:fld id="{D57F1E4F-1CFF-5643-939E-217C01CDF565}" type="slidenum">
               <a:rPr lang="en-US" smtClean="0"/>
               <a:pPr/>
-              <a:t>‹Nr.›</a:t>
+              <a:t>‹#›</a:t>
             </a:fld>
             <a:endParaRPr lang="en-US" dirty="0"/>
           </a:p>
@@ -1521,7 +2589,7 @@
           <a:p>
             <a:fld id="{0ACA12E0-01A8-4842-BBE6-D39ABA4EB90B}" type="datetime1">
               <a:rPr lang="de-DE" smtClean="0"/>
-              <a:t>18.02.21</a:t>
+              <a:t>20.02.2021</a:t>
             </a:fld>
             <a:endParaRPr lang="en-US" dirty="0"/>
           </a:p>
@@ -1572,7 +2640,7 @@
             <a:fld id="{D57F1E4F-1CFF-5643-939E-217C01CDF565}" type="slidenum">
               <a:rPr lang="en-US" smtClean="0"/>
               <a:pPr/>
-              <a:t>‹Nr.›</a:t>
+              <a:t>‹#›</a:t>
             </a:fld>
             <a:endParaRPr lang="en-US" dirty="0"/>
           </a:p>
@@ -1807,7 +2875,7 @@
           <a:p>
             <a:fld id="{07FF50AF-D49A-584E-B5AE-827BE0D221FB}" type="datetime1">
               <a:rPr lang="de-DE" smtClean="0"/>
-              <a:t>18.02.21</a:t>
+              <a:t>20.02.2021</a:t>
             </a:fld>
             <a:endParaRPr lang="en-US" dirty="0"/>
           </a:p>
@@ -1879,7 +2947,7 @@
             <a:fld id="{D57F1E4F-1CFF-5643-939E-217C01CDF565}" type="slidenum">
               <a:rPr lang="en-US" smtClean="0"/>
               <a:pPr/>
-              <a:t>‹Nr.›</a:t>
+              <a:t>‹#›</a:t>
             </a:fld>
             <a:endParaRPr lang="en-US" dirty="0"/>
           </a:p>
@@ -2365,7 +3433,7 @@
           <a:p>
             <a:fld id="{713CCDCE-0717-5A43-A01C-2EA4506DE5C6}" type="datetime1">
               <a:rPr lang="de-DE" smtClean="0"/>
-              <a:t>18.02.21</a:t>
+              <a:t>20.02.2021</a:t>
             </a:fld>
             <a:endParaRPr lang="en-US" dirty="0"/>
           </a:p>
@@ -2416,7 +3484,7 @@
             <a:fld id="{D57F1E4F-1CFF-5643-939E-217C01CDF565}" type="slidenum">
               <a:rPr lang="en-US" smtClean="0"/>
               <a:pPr/>
-              <a:t>‹Nr.›</a:t>
+              <a:t>‹#›</a:t>
             </a:fld>
             <a:endParaRPr lang="en-US" dirty="0"/>
           </a:p>
@@ -2851,7 +3919,7 @@
           <a:p>
             <a:fld id="{5733B3DE-E0FB-8F44-BD2F-68324A8F11C6}" type="datetime1">
               <a:rPr lang="de-DE" smtClean="0"/>
-              <a:t>18.02.21</a:t>
+              <a:t>20.02.2021</a:t>
             </a:fld>
             <a:endParaRPr lang="en-US" dirty="0"/>
           </a:p>
@@ -2902,7 +3970,7 @@
             <a:fld id="{D57F1E4F-1CFF-5643-939E-217C01CDF565}" type="slidenum">
               <a:rPr lang="en-US" smtClean="0"/>
               <a:pPr/>
-              <a:t>‹Nr.›</a:t>
+              <a:t>‹#›</a:t>
             </a:fld>
             <a:endParaRPr lang="en-US" dirty="0"/>
           </a:p>
@@ -2978,7 +4046,7 @@
           <a:p>
             <a:fld id="{9ADD3303-AA3C-7341-8517-C8636C37D4FA}" type="datetime1">
               <a:rPr lang="de-DE" smtClean="0"/>
-              <a:t>18.02.21</a:t>
+              <a:t>20.02.2021</a:t>
             </a:fld>
             <a:endParaRPr lang="en-US" dirty="0"/>
           </a:p>
@@ -3029,7 +4097,7 @@
             <a:fld id="{D57F1E4F-1CFF-5643-939E-217C01CDF565}" type="slidenum">
               <a:rPr lang="en-US" smtClean="0"/>
               <a:pPr/>
-              <a:t>‹Nr.›</a:t>
+              <a:t>‹#›</a:t>
             </a:fld>
             <a:endParaRPr lang="en-US" dirty="0"/>
           </a:p>
@@ -3082,7 +4150,7 @@
           <a:p>
             <a:fld id="{C9734B3E-6FF6-7A42-AC69-2676710215D6}" type="datetime1">
               <a:rPr lang="de-DE" smtClean="0"/>
-              <a:t>18.02.21</a:t>
+              <a:t>20.02.2021</a:t>
             </a:fld>
             <a:endParaRPr lang="en-US" dirty="0"/>
           </a:p>
@@ -3133,7 +4201,7 @@
             <a:fld id="{D57F1E4F-1CFF-5643-939E-217C01CDF565}" type="slidenum">
               <a:rPr lang="en-US" smtClean="0"/>
               <a:pPr/>
-              <a:t>‹Nr.›</a:t>
+              <a:t>‹#›</a:t>
             </a:fld>
             <a:endParaRPr lang="en-US" dirty="0"/>
           </a:p>
@@ -3437,7 +4505,7 @@
           <a:p>
             <a:fld id="{2B34E085-B1D3-F44D-ABCC-64DA2DFFC196}" type="datetime1">
               <a:rPr lang="de-DE" smtClean="0"/>
-              <a:t>18.02.21</a:t>
+              <a:t>20.02.2021</a:t>
             </a:fld>
             <a:endParaRPr lang="en-US" dirty="0"/>
           </a:p>
@@ -3509,7 +4577,7 @@
             <a:fld id="{D57F1E4F-1CFF-5643-939E-217C01CDF565}" type="slidenum">
               <a:rPr lang="en-US" smtClean="0"/>
               <a:pPr/>
-              <a:t>‹Nr.›</a:t>
+              <a:t>‹#›</a:t>
             </a:fld>
             <a:endParaRPr lang="en-US" dirty="0"/>
           </a:p>
@@ -4007,7 +5075,7 @@
           <a:p>
             <a:fld id="{F016F192-42BB-174D-ADAF-784A44DC8B52}" type="datetime1">
               <a:rPr lang="de-DE" smtClean="0"/>
-              <a:t>18.02.21</a:t>
+              <a:t>20.02.2021</a:t>
             </a:fld>
             <a:endParaRPr lang="en-US" dirty="0"/>
           </a:p>
@@ -4079,7 +5147,7 @@
             <a:fld id="{D57F1E4F-1CFF-5643-939E-217C01CDF565}" type="slidenum">
               <a:rPr lang="en-US" smtClean="0"/>
               <a:pPr/>
-              <a:t>‹Nr.›</a:t>
+              <a:t>‹#›</a:t>
             </a:fld>
             <a:endParaRPr lang="en-US" dirty="0"/>
           </a:p>
@@ -4467,7 +5535,7 @@
           <a:p>
             <a:fld id="{AF569060-CBB1-D14D-94C2-8529DD4DDF0D}" type="datetime1">
               <a:rPr lang="de-DE" smtClean="0"/>
-              <a:t>18.02.21</a:t>
+              <a:t>20.02.2021</a:t>
             </a:fld>
             <a:endParaRPr lang="en-US" dirty="0"/>
           </a:p>
@@ -4542,7 +5610,7 @@
             <a:fld id="{D57F1E4F-1CFF-5643-939E-217C01CDF565}" type="slidenum">
               <a:rPr lang="en-US" smtClean="0"/>
               <a:pPr/>
-              <a:t>‹Nr.›</a:t>
+              <a:t>‹#›</a:t>
             </a:fld>
             <a:endParaRPr lang="en-US" dirty="0"/>
           </a:p>
@@ -5302,7 +6370,7 @@
           <p:cNvPr id="2" name="Titel 1">
             <a:extLst>
               <a:ext uri="{FF2B5EF4-FFF2-40B4-BE49-F238E27FC236}">
-                <a16:creationId xmlns:a16="http://schemas.microsoft.com/office/drawing/2014/main" id="{8AF3081B-2286-174D-A2A0-E0ED844B7E3F}"/>
+                <a16:creationId xmlns:a16="http://schemas.microsoft.com/office/drawing/2014/main" id="{5CA80C34-4B9D-254E-9E36-03BF88BD5856}"/>
               </a:ext>
             </a:extLst>
           </p:cNvPr>
@@ -5319,18 +6387,19 @@
           <a:lstStyle/>
           <a:p>
             <a:r>
-              <a:rPr lang="en-US" dirty="0"/>
+              <a:rPr lang="de-DE" dirty="0" err="1"/>
               <a:t>Results</a:t>
             </a:r>
-          </a:p>
-        </p:txBody>
-      </p:sp>
-      <p:sp>
-        <p:nvSpPr>
-          <p:cNvPr id="4" name="Inhaltsplatzhalter 3">
+            <a:endParaRPr lang="de-DE" dirty="0"/>
+          </a:p>
+        </p:txBody>
+      </p:sp>
+      <p:sp>
+        <p:nvSpPr>
+          <p:cNvPr id="3" name="Inhaltsplatzhalter 2">
             <a:extLst>
               <a:ext uri="{FF2B5EF4-FFF2-40B4-BE49-F238E27FC236}">
-                <a16:creationId xmlns:a16="http://schemas.microsoft.com/office/drawing/2014/main" id="{4B93F879-7986-354B-B92A-B420E9D0A153}"/>
+                <a16:creationId xmlns:a16="http://schemas.microsoft.com/office/drawing/2014/main" id="{86D4C267-66A3-6544-A27C-BDBD2D466494}"/>
               </a:ext>
             </a:extLst>
           </p:cNvPr>
@@ -5350,31 +6419,21 @@
               <a:buNone/>
             </a:pPr>
             <a:r>
-              <a:rPr lang="de-DE" b="1" u="sng" dirty="0"/>
-              <a:t>Feature </a:t>
-            </a:r>
-            <a:r>
-              <a:rPr lang="de-DE" b="1" u="sng" dirty="0" err="1"/>
-              <a:t>importances</a:t>
-            </a:r>
-            <a:r>
-              <a:rPr lang="de-DE" b="1" u="sng" dirty="0"/>
-              <a:t> per </a:t>
-            </a:r>
-            <a:r>
-              <a:rPr lang="de-DE" b="1" u="sng" dirty="0" err="1"/>
-              <a:t>classifier</a:t>
-            </a:r>
-            <a:endParaRPr lang="de-DE" b="1" u="sng" dirty="0"/>
-          </a:p>
-        </p:txBody>
-      </p:sp>
-      <p:sp>
-        <p:nvSpPr>
-          <p:cNvPr id="3" name="Foliennummernplatzhalter 2">
+              <a:rPr lang="en-US" b="1" u="sng" dirty="0"/>
+              <a:t>Typical hate speech artifacts</a:t>
+            </a:r>
+          </a:p>
+          <a:p>
+            <a:endParaRPr lang="de-DE" dirty="0"/>
+          </a:p>
+        </p:txBody>
+      </p:sp>
+      <p:sp>
+        <p:nvSpPr>
+          <p:cNvPr id="4" name="Foliennummernplatzhalter 3">
             <a:extLst>
               <a:ext uri="{FF2B5EF4-FFF2-40B4-BE49-F238E27FC236}">
-                <a16:creationId xmlns:a16="http://schemas.microsoft.com/office/drawing/2014/main" id="{1D0CF6FE-F68A-6B4F-9693-422A55B38BE1}"/>
+                <a16:creationId xmlns:a16="http://schemas.microsoft.com/office/drawing/2014/main" id="{B51A1CA9-FF5C-5B47-B601-3C360885F3B9}"/>
               </a:ext>
             </a:extLst>
           </p:cNvPr>
@@ -5402,7 +6461,7 @@
     </p:spTree>
     <p:extLst>
       <p:ext uri="{BB962C8B-B14F-4D97-AF65-F5344CB8AC3E}">
-        <p14:creationId xmlns:p14="http://schemas.microsoft.com/office/powerpoint/2010/main" val="1157228083"/>
+        <p14:creationId xmlns:p14="http://schemas.microsoft.com/office/powerpoint/2010/main" val="116189613"/>
       </p:ext>
     </p:extLst>
   </p:cSld>
@@ -5434,7 +6493,7 @@
           <p:cNvPr id="2" name="Titel 1">
             <a:extLst>
               <a:ext uri="{FF2B5EF4-FFF2-40B4-BE49-F238E27FC236}">
-                <a16:creationId xmlns:a16="http://schemas.microsoft.com/office/drawing/2014/main" id="{5CA80C34-4B9D-254E-9E36-03BF88BD5856}"/>
+                <a16:creationId xmlns:a16="http://schemas.microsoft.com/office/drawing/2014/main" id="{E617E440-53F4-5447-B942-70E097BA5325}"/>
               </a:ext>
             </a:extLst>
           </p:cNvPr>
@@ -5451,10 +6510,9 @@
           <a:lstStyle/>
           <a:p>
             <a:r>
-              <a:rPr lang="de-DE" dirty="0" err="1"/>
-              <a:t>Results</a:t>
-            </a:r>
-            <a:endParaRPr lang="de-DE" dirty="0"/>
+              <a:rPr lang="en-US" dirty="0"/>
+              <a:t>Conclusion</a:t>
+            </a:r>
           </a:p>
         </p:txBody>
       </p:sp>
@@ -5463,7 +6521,7 @@
           <p:cNvPr id="3" name="Inhaltsplatzhalter 2">
             <a:extLst>
               <a:ext uri="{FF2B5EF4-FFF2-40B4-BE49-F238E27FC236}">
-                <a16:creationId xmlns:a16="http://schemas.microsoft.com/office/drawing/2014/main" id="{86D4C267-66A3-6544-A27C-BDBD2D466494}"/>
+                <a16:creationId xmlns:a16="http://schemas.microsoft.com/office/drawing/2014/main" id="{13CEF2E8-0F2C-BB4C-AB8C-35DB4D9AC280}"/>
               </a:ext>
             </a:extLst>
           </p:cNvPr>
@@ -5479,16 +6537,16 @@
           <a:bodyPr/>
           <a:lstStyle/>
           <a:p>
-            <a:pPr marL="0" indent="0">
-              <a:buNone/>
-            </a:pPr>
-            <a:r>
-              <a:rPr lang="en-US" b="1" u="sng" dirty="0"/>
-              <a:t>Typical hate speech artifacts</a:t>
-            </a:r>
-          </a:p>
-          <a:p>
-            <a:endParaRPr lang="de-DE" dirty="0"/>
+            <a:r>
+              <a:rPr lang="en-US" dirty="0"/>
+              <a:t>Main achievements</a:t>
+            </a:r>
+          </a:p>
+          <a:p>
+            <a:r>
+              <a:rPr lang="en-US" dirty="0"/>
+              <a:t>Future extensions and improvements</a:t>
+            </a:r>
           </a:p>
         </p:txBody>
       </p:sp>
@@ -5497,7 +6555,7 @@
           <p:cNvPr id="4" name="Foliennummernplatzhalter 3">
             <a:extLst>
               <a:ext uri="{FF2B5EF4-FFF2-40B4-BE49-F238E27FC236}">
-                <a16:creationId xmlns:a16="http://schemas.microsoft.com/office/drawing/2014/main" id="{B51A1CA9-FF5C-5B47-B601-3C360885F3B9}"/>
+                <a16:creationId xmlns:a16="http://schemas.microsoft.com/office/drawing/2014/main" id="{33F0E8CF-2328-8D4B-A89B-F17C40AC5692}"/>
               </a:ext>
             </a:extLst>
           </p:cNvPr>
@@ -5525,7 +6583,7 @@
     </p:spTree>
     <p:extLst>
       <p:ext uri="{BB962C8B-B14F-4D97-AF65-F5344CB8AC3E}">
-        <p14:creationId xmlns:p14="http://schemas.microsoft.com/office/powerpoint/2010/main" val="116189613"/>
+        <p14:creationId xmlns:p14="http://schemas.microsoft.com/office/powerpoint/2010/main" val="3698695859"/>
       </p:ext>
     </p:extLst>
   </p:cSld>
@@ -5557,7 +6615,7 @@
           <p:cNvPr id="2" name="Titel 1">
             <a:extLst>
               <a:ext uri="{FF2B5EF4-FFF2-40B4-BE49-F238E27FC236}">
-                <a16:creationId xmlns:a16="http://schemas.microsoft.com/office/drawing/2014/main" id="{E617E440-53F4-5447-B942-70E097BA5325}"/>
+                <a16:creationId xmlns:a16="http://schemas.microsoft.com/office/drawing/2014/main" id="{4B9CC7E5-FD3A-8E4E-A9AF-5C5C4A40B0A4}"/>
               </a:ext>
             </a:extLst>
           </p:cNvPr>
@@ -5574,8 +6632,12 @@
           <a:lstStyle/>
           <a:p>
             <a:r>
-              <a:rPr lang="en-US" dirty="0"/>
-              <a:t>Conclusion</a:t>
+              <a:rPr lang="de-DE" dirty="0" err="1"/>
+              <a:t>Related</a:t>
+            </a:r>
+            <a:r>
+              <a:rPr lang="de-DE" dirty="0"/>
+              <a:t> Work</a:t>
             </a:r>
           </a:p>
         </p:txBody>
@@ -5585,7 +6647,7 @@
           <p:cNvPr id="3" name="Inhaltsplatzhalter 2">
             <a:extLst>
               <a:ext uri="{FF2B5EF4-FFF2-40B4-BE49-F238E27FC236}">
-                <a16:creationId xmlns:a16="http://schemas.microsoft.com/office/drawing/2014/main" id="{13CEF2E8-0F2C-BB4C-AB8C-35DB4D9AC280}"/>
+                <a16:creationId xmlns:a16="http://schemas.microsoft.com/office/drawing/2014/main" id="{77A38ED1-6F64-674C-ABC0-889577B6942E}"/>
               </a:ext>
             </a:extLst>
           </p:cNvPr>
@@ -5598,18 +6660,222 @@
         </p:nvSpPr>
         <p:spPr/>
         <p:txBody>
-          <a:bodyPr/>
-          <a:lstStyle/>
-          <a:p>
+          <a:bodyPr>
+            <a:normAutofit fontScale="92500" lnSpcReduction="10000"/>
+          </a:bodyPr>
+          <a:lstStyle/>
+          <a:p>
+            <a:pPr marL="0" indent="0">
+              <a:buNone/>
+            </a:pPr>
             <a:r>
               <a:rPr lang="en-US" dirty="0"/>
-              <a:t>Main achievements</a:t>
-            </a:r>
-          </a:p>
-          <a:p>
+              <a:t>[1] Thomas Davidson, Dana </a:t>
+            </a:r>
+            <a:r>
+              <a:rPr lang="en-US" dirty="0" err="1"/>
+              <a:t>Warmsley</a:t>
+            </a:r>
             <a:r>
               <a:rPr lang="en-US" dirty="0"/>
-              <a:t>Future extensions and improvements</a:t>
+              <a:t>, Michael Macy, Ingmar Weber, </a:t>
+            </a:r>
+            <a:r>
+              <a:rPr lang="en-US" i="1" dirty="0"/>
+              <a:t>Automated hate speech detection and the problem of offensive language</a:t>
+            </a:r>
+            <a:r>
+              <a:rPr lang="en-US" dirty="0"/>
+              <a:t>, </a:t>
+            </a:r>
+            <a:r>
+              <a:rPr lang="fr-FR" dirty="0"/>
+              <a:t>2020. [Online]. </a:t>
+            </a:r>
+            <a:r>
+              <a:rPr lang="fr-FR" dirty="0" err="1"/>
+              <a:t>Available</a:t>
+            </a:r>
+            <a:r>
+              <a:rPr lang="fr-FR" dirty="0"/>
+              <a:t>: </a:t>
+            </a:r>
+            <a:r>
+              <a:rPr lang="fr-FR" dirty="0">
+                <a:hlinkClick r:id="rId2"/>
+              </a:rPr>
+              <a:t>https://arxiv.org/pdf/1703.04009.pdf</a:t>
+            </a:r>
+            <a:r>
+              <a:rPr lang="fr-FR" dirty="0"/>
+              <a:t> </a:t>
+            </a:r>
+            <a:r>
+              <a:rPr lang="en-US" dirty="0"/>
+              <a:t>(visited on 02/20/2021).</a:t>
+            </a:r>
+          </a:p>
+          <a:p>
+            <a:pPr marL="0" indent="0">
+              <a:buNone/>
+            </a:pPr>
+            <a:r>
+              <a:rPr lang="en-US" dirty="0"/>
+              <a:t>[2] Ona de </a:t>
+            </a:r>
+            <a:r>
+              <a:rPr lang="en-US" dirty="0" err="1"/>
+              <a:t>Gibert</a:t>
+            </a:r>
+            <a:r>
+              <a:rPr lang="en-US" dirty="0"/>
+              <a:t>, </a:t>
+            </a:r>
+            <a:r>
+              <a:rPr lang="en-US" dirty="0" err="1"/>
+              <a:t>Naiara</a:t>
+            </a:r>
+            <a:r>
+              <a:rPr lang="en-US" dirty="0"/>
+              <a:t> Perez, </a:t>
+            </a:r>
+            <a:r>
+              <a:rPr lang="en-US" dirty="0" err="1"/>
+              <a:t>Aitor</a:t>
+            </a:r>
+            <a:r>
+              <a:rPr lang="en-US" dirty="0"/>
+              <a:t> Garcia-</a:t>
+            </a:r>
+            <a:r>
+              <a:rPr lang="en-US" dirty="0" err="1"/>
+              <a:t>Pablos</a:t>
+            </a:r>
+            <a:r>
+              <a:rPr lang="en-US" dirty="0"/>
+              <a:t>, </a:t>
+            </a:r>
+            <a:r>
+              <a:rPr lang="en-US" dirty="0" err="1"/>
+              <a:t>Montse</a:t>
+            </a:r>
+            <a:r>
+              <a:rPr lang="en-US" dirty="0"/>
+              <a:t> </a:t>
+            </a:r>
+            <a:r>
+              <a:rPr lang="en-US" dirty="0" err="1"/>
+              <a:t>Cuadros</a:t>
+            </a:r>
+            <a:r>
+              <a:rPr lang="en-US" dirty="0"/>
+              <a:t>, </a:t>
+            </a:r>
+            <a:r>
+              <a:rPr lang="en-US" i="1" dirty="0"/>
+              <a:t>Hate speech dataset from a white supremacy forum</a:t>
+            </a:r>
+            <a:r>
+              <a:rPr lang="en-US" dirty="0"/>
+              <a:t>, 2020. [Online]. Available: </a:t>
+            </a:r>
+            <a:r>
+              <a:rPr lang="en-US" dirty="0">
+                <a:hlinkClick r:id="rId3"/>
+              </a:rPr>
+              <a:t>https://arxiv.org/pdf/1809.04444.pdf</a:t>
+            </a:r>
+            <a:r>
+              <a:rPr lang="en-US" dirty="0"/>
+              <a:t> (visited on 02/20/2021).</a:t>
+            </a:r>
+          </a:p>
+          <a:p>
+            <a:pPr marL="0" indent="0">
+              <a:buNone/>
+            </a:pPr>
+            <a:r>
+              <a:rPr lang="en-US" dirty="0"/>
+              <a:t>[3] Nitesh. V. Chawla, Kevin. W. Bowyer, Lawrence. O. Hall, W. Philip. </a:t>
+            </a:r>
+            <a:r>
+              <a:rPr lang="en-US" dirty="0" err="1"/>
+              <a:t>Kegelmeyer</a:t>
+            </a:r>
+            <a:r>
+              <a:rPr lang="en-US" dirty="0"/>
+              <a:t>, </a:t>
+            </a:r>
+            <a:r>
+              <a:rPr lang="en-US" i="1" dirty="0"/>
+              <a:t>SMOTE: Synthetic Minority Over-sampling Technique</a:t>
+            </a:r>
+            <a:r>
+              <a:rPr lang="en-US" dirty="0"/>
+              <a:t>, 2011. [Online]. Available: </a:t>
+            </a:r>
+            <a:r>
+              <a:rPr lang="fr-FR" dirty="0">
+                <a:hlinkClick r:id="rId4"/>
+              </a:rPr>
+              <a:t>https://arxiv.org/pdf/1106.1813.pdf</a:t>
+            </a:r>
+            <a:r>
+              <a:rPr lang="fr-FR" dirty="0"/>
+              <a:t> </a:t>
+            </a:r>
+            <a:r>
+              <a:rPr lang="en-US" dirty="0"/>
+              <a:t>(visited on 02/20/2021).</a:t>
+            </a:r>
+          </a:p>
+          <a:p>
+            <a:pPr marL="0" indent="0">
+              <a:buNone/>
+            </a:pPr>
+            <a:r>
+              <a:rPr lang="en-US" dirty="0"/>
+              <a:t>[4] Hajime Watanabe, </a:t>
+            </a:r>
+            <a:r>
+              <a:rPr lang="en-US" dirty="0" err="1"/>
+              <a:t>Mondher</a:t>
+            </a:r>
+            <a:r>
+              <a:rPr lang="en-US" dirty="0"/>
+              <a:t> Bouazizi, </a:t>
+            </a:r>
+            <a:r>
+              <a:rPr lang="en-US" dirty="0" err="1"/>
+              <a:t>Tomoaki</a:t>
+            </a:r>
+            <a:r>
+              <a:rPr lang="en-US" dirty="0"/>
+              <a:t> </a:t>
+            </a:r>
+            <a:r>
+              <a:rPr lang="en-US" dirty="0" err="1"/>
+              <a:t>Ohtsuki</a:t>
+            </a:r>
+            <a:r>
+              <a:rPr lang="en-US" dirty="0"/>
+              <a:t>, </a:t>
+            </a:r>
+            <a:r>
+              <a:rPr lang="en-US" i="1" dirty="0"/>
+              <a:t>Hate Speech on Twitter: A Pragmatic Approach to Collect Hateful and Offensive Expressions and Perform Hate Speech Detection</a:t>
+            </a:r>
+            <a:r>
+              <a:rPr lang="en-US" dirty="0"/>
+              <a:t>, 2018. In: IEEE Access, Volume 6, </a:t>
+            </a:r>
+            <a:r>
+              <a:rPr lang="en-US" dirty="0" err="1"/>
+              <a:t>doi</a:t>
+            </a:r>
+            <a:r>
+              <a:rPr lang="en-US" dirty="0"/>
+              <a:t>: 10.1109/ACCESS.2018.2806394.</a:t>
             </a:r>
           </a:p>
         </p:txBody>
@@ -5619,7 +6885,7 @@
           <p:cNvPr id="4" name="Foliennummernplatzhalter 3">
             <a:extLst>
               <a:ext uri="{FF2B5EF4-FFF2-40B4-BE49-F238E27FC236}">
-                <a16:creationId xmlns:a16="http://schemas.microsoft.com/office/drawing/2014/main" id="{33F0E8CF-2328-8D4B-A89B-F17C40AC5692}"/>
+                <a16:creationId xmlns:a16="http://schemas.microsoft.com/office/drawing/2014/main" id="{08B03854-BA34-FE45-8EF0-08D76EE7AD03}"/>
               </a:ext>
             </a:extLst>
           </p:cNvPr>
@@ -5647,7 +6913,7 @@
     </p:spTree>
     <p:extLst>
       <p:ext uri="{BB962C8B-B14F-4D97-AF65-F5344CB8AC3E}">
-        <p14:creationId xmlns:p14="http://schemas.microsoft.com/office/powerpoint/2010/main" val="3698695859"/>
+        <p14:creationId xmlns:p14="http://schemas.microsoft.com/office/powerpoint/2010/main" val="4125700209"/>
       </p:ext>
     </p:extLst>
   </p:cSld>
@@ -5724,10 +6990,187 @@
         </p:nvSpPr>
         <p:spPr/>
         <p:txBody>
-          <a:bodyPr/>
-          <a:lstStyle/>
-          <a:p>
-            <a:endParaRPr lang="de-DE" dirty="0"/>
+          <a:bodyPr>
+            <a:normAutofit lnSpcReduction="10000"/>
+          </a:bodyPr>
+          <a:lstStyle/>
+          <a:p>
+            <a:pPr marL="0" indent="0">
+              <a:buNone/>
+            </a:pPr>
+            <a:r>
+              <a:rPr lang="en-US" sz="1900" dirty="0"/>
+              <a:t>[5] Oluwafemi </a:t>
+            </a:r>
+            <a:r>
+              <a:rPr lang="en-US" sz="1900" dirty="0" err="1"/>
+              <a:t>Oriola</a:t>
+            </a:r>
+            <a:r>
+              <a:rPr lang="en-US" sz="1900" dirty="0"/>
+              <a:t>, </a:t>
+            </a:r>
+            <a:r>
+              <a:rPr lang="en-US" sz="1900" dirty="0" err="1"/>
+              <a:t>Eduan</a:t>
+            </a:r>
+            <a:r>
+              <a:rPr lang="en-US" sz="1900" dirty="0"/>
+              <a:t> </a:t>
+            </a:r>
+            <a:r>
+              <a:rPr lang="en-US" sz="1900" dirty="0" err="1"/>
+              <a:t>Kotzé</a:t>
+            </a:r>
+            <a:r>
+              <a:rPr lang="en-US" sz="1900" dirty="0"/>
+              <a:t>, </a:t>
+            </a:r>
+            <a:r>
+              <a:rPr lang="en-US" sz="1900" i="1" dirty="0"/>
+              <a:t>Evaluating Machine Learning Techniques for Detecting Offensive and Hate Speech in South African Tweets</a:t>
+            </a:r>
+            <a:r>
+              <a:rPr lang="en-US" sz="1900" dirty="0"/>
+              <a:t>, 2020. In: IEEE Access, Volume 8, </a:t>
+            </a:r>
+            <a:r>
+              <a:rPr lang="en-US" sz="1900" dirty="0" err="1"/>
+              <a:t>doi</a:t>
+            </a:r>
+            <a:r>
+              <a:rPr lang="en-US" sz="1900" dirty="0"/>
+              <a:t>: 10.1109/ACCESS.2020.2968173.</a:t>
+            </a:r>
+          </a:p>
+          <a:p>
+            <a:pPr marL="0" indent="0">
+              <a:buNone/>
+            </a:pPr>
+            <a:r>
+              <a:rPr lang="en-US" sz="1900" dirty="0"/>
+              <a:t>[6] Paula Fortuna. </a:t>
+            </a:r>
+            <a:r>
+              <a:rPr lang="en-US" sz="1900" dirty="0" err="1"/>
+              <a:t>Sérgio</a:t>
+            </a:r>
+            <a:r>
+              <a:rPr lang="en-US" sz="1900" dirty="0"/>
+              <a:t> Nunes, </a:t>
+            </a:r>
+            <a:r>
+              <a:rPr lang="en-US" sz="1900" i="1" dirty="0"/>
+              <a:t>A Survey on Automatic Detection of Hate Speech in Text</a:t>
+            </a:r>
+            <a:r>
+              <a:rPr lang="en-US" sz="1900" dirty="0"/>
+              <a:t>, 2018. In: ACM Computing Surveys, </a:t>
+            </a:r>
+            <a:r>
+              <a:rPr lang="en-US" sz="1900" dirty="0" err="1"/>
+              <a:t>doi</a:t>
+            </a:r>
+            <a:r>
+              <a:rPr lang="en-US" sz="1900" dirty="0"/>
+              <a:t>: 10.1145/3232676.</a:t>
+            </a:r>
+          </a:p>
+          <a:p>
+            <a:pPr marL="0" indent="0">
+              <a:buNone/>
+            </a:pPr>
+            <a:r>
+              <a:rPr lang="en-US" sz="1900" dirty="0"/>
+              <a:t>[7] Aditya </a:t>
+            </a:r>
+            <a:r>
+              <a:rPr lang="en-US" sz="1900" dirty="0" err="1"/>
+              <a:t>Gaydhani</a:t>
+            </a:r>
+            <a:r>
+              <a:rPr lang="en-US" sz="1900" dirty="0"/>
+              <a:t>, Vikrant </a:t>
+            </a:r>
+            <a:r>
+              <a:rPr lang="en-US" sz="1900" dirty="0" err="1"/>
+              <a:t>Doma</a:t>
+            </a:r>
+            <a:r>
+              <a:rPr lang="en-US" sz="1900" dirty="0"/>
+              <a:t>, Shrikant </a:t>
+            </a:r>
+            <a:r>
+              <a:rPr lang="en-US" sz="1900" dirty="0" err="1"/>
+              <a:t>Kendre</a:t>
+            </a:r>
+            <a:r>
+              <a:rPr lang="en-US" sz="1900" dirty="0"/>
+              <a:t>, Laxmi Bhagwat, </a:t>
+            </a:r>
+            <a:r>
+              <a:rPr lang="en-US" sz="1900" i="1" dirty="0"/>
+              <a:t>Detecting Hate Speech and Offensive Language on Twitter Using Machine Learning: An N-Gram and TFIDF Based Approach</a:t>
+            </a:r>
+            <a:r>
+              <a:rPr lang="en-US" sz="1900" dirty="0"/>
+              <a:t>, 2018. [Online]. Available: </a:t>
+            </a:r>
+            <a:r>
+              <a:rPr lang="en-US" sz="1900" dirty="0">
+                <a:hlinkClick r:id="rId2"/>
+              </a:rPr>
+              <a:t>https://arxiv.org/pdf/1809.08651.pdf</a:t>
+            </a:r>
+            <a:r>
+              <a:rPr lang="en-US" sz="1900" dirty="0"/>
+              <a:t> (visited on 02/20/2021).</a:t>
+            </a:r>
+          </a:p>
+          <a:p>
+            <a:pPr marL="0" indent="0">
+              <a:buNone/>
+            </a:pPr>
+            <a:r>
+              <a:rPr lang="en-US" dirty="0"/>
+              <a:t>[8] </a:t>
+            </a:r>
+            <a:r>
+              <a:rPr lang="en-US" sz="1900" dirty="0"/>
+              <a:t>Shervin </a:t>
+            </a:r>
+            <a:r>
+              <a:rPr lang="en-US" sz="1900" dirty="0" err="1"/>
+              <a:t>Malmasi</a:t>
+            </a:r>
+            <a:r>
+              <a:rPr lang="en-US" sz="1900" dirty="0"/>
+              <a:t>, Marcos </a:t>
+            </a:r>
+            <a:r>
+              <a:rPr lang="en-US" sz="1900" dirty="0" err="1"/>
+              <a:t>Zampieri</a:t>
+            </a:r>
+            <a:r>
+              <a:rPr lang="en-US" sz="1900" dirty="0"/>
+              <a:t>, </a:t>
+            </a:r>
+            <a:r>
+              <a:rPr lang="en-US" sz="1900" i="1" dirty="0"/>
+              <a:t>Detecting Hate Speech in Social Media</a:t>
+            </a:r>
+            <a:r>
+              <a:rPr lang="en-US" sz="1900" dirty="0"/>
+              <a:t>, 2017. In: Proceedings of the International Conference Recent Advances in Natural Language Processing (RANLP), </a:t>
+            </a:r>
+            <a:r>
+              <a:rPr lang="en-US" sz="1900" dirty="0" err="1"/>
+              <a:t>doi</a:t>
+            </a:r>
+            <a:r>
+              <a:rPr lang="en-US" sz="1900" dirty="0"/>
+              <a:t>: 10.26615/978-954-452-049-6_062.</a:t>
+            </a:r>
           </a:p>
         </p:txBody>
       </p:sp>
@@ -5764,7 +7207,7 @@
     </p:spTree>
     <p:extLst>
       <p:ext uri="{BB962C8B-B14F-4D97-AF65-F5344CB8AC3E}">
-        <p14:creationId xmlns:p14="http://schemas.microsoft.com/office/powerpoint/2010/main" val="4125700209"/>
+        <p14:creationId xmlns:p14="http://schemas.microsoft.com/office/powerpoint/2010/main" val="4159271538"/>
       </p:ext>
     </p:extLst>
   </p:cSld>
@@ -5863,7 +7306,7 @@
         </p:nvSpPr>
         <p:spPr>
           <a:xfrm>
-            <a:off x="7517957" y="1866834"/>
+            <a:off x="435999" y="4806501"/>
             <a:ext cx="4238046" cy="1200329"/>
           </a:xfrm>
           <a:prstGeom prst="rect">
@@ -5970,8 +7413,32 @@
               <a:t> </a:t>
             </a:r>
             <a:r>
+              <a:rPr lang="de-DE" b="1" i="1" dirty="0" err="1"/>
+              <a:t>bitch</a:t>
+            </a:r>
+            <a:r>
+              <a:rPr lang="de-DE" b="1" i="1" dirty="0"/>
+              <a:t> </a:t>
+            </a:r>
+            <a:r>
+              <a:rPr lang="de-DE" b="1" i="1" dirty="0" err="1"/>
+              <a:t>ass</a:t>
+            </a:r>
+            <a:r>
+              <a:rPr lang="de-DE" b="1" i="1" dirty="0"/>
+              <a:t> </a:t>
+            </a:r>
+            <a:r>
+              <a:rPr lang="de-DE" b="1" i="1" dirty="0" err="1"/>
+              <a:t>nigga</a:t>
+            </a:r>
+            <a:r>
+              <a:rPr lang="de-DE" i="1" dirty="0"/>
+              <a:t>. </a:t>
+            </a:r>
+            <a:r>
               <a:rPr lang="de-DE" i="1" dirty="0" err="1"/>
-              <a:t>bitch</a:t>
+              <a:t>You</a:t>
             </a:r>
             <a:r>
               <a:rPr lang="de-DE" i="1" dirty="0"/>
@@ -5979,7 +7446,23 @@
             </a:r>
             <a:r>
               <a:rPr lang="de-DE" i="1" dirty="0" err="1"/>
-              <a:t>ass</a:t>
+              <a:t>gon</a:t>
+            </a:r>
+            <a:r>
+              <a:rPr lang="de-DE" i="1" dirty="0"/>
+              <a:t> end </a:t>
+            </a:r>
+            <a:r>
+              <a:rPr lang="de-DE" i="1" dirty="0" err="1"/>
+              <a:t>up</a:t>
+            </a:r>
+            <a:r>
+              <a:rPr lang="de-DE" i="1" dirty="0"/>
+              <a:t> like </a:t>
+            </a:r>
+            <a:r>
+              <a:rPr lang="de-DE" i="1" dirty="0" err="1"/>
+              <a:t>limewire</a:t>
             </a:r>
             <a:r>
               <a:rPr lang="de-DE" i="1" dirty="0"/>
@@ -5987,15 +7470,15 @@
             </a:r>
             <a:r>
               <a:rPr lang="de-DE" i="1" dirty="0" err="1"/>
-              <a:t>nigga</a:t>
+              <a:t>ol</a:t>
             </a:r>
             <a:r>
               <a:rPr lang="de-DE" i="1" dirty="0"/>
-              <a:t>. </a:t>
+              <a:t> .exe </a:t>
             </a:r>
             <a:r>
               <a:rPr lang="de-DE" i="1" dirty="0" err="1"/>
-              <a:t>You</a:t>
+              <a:t>ass</a:t>
             </a:r>
             <a:r>
               <a:rPr lang="de-DE" i="1" dirty="0"/>
@@ -6003,273 +7486,11 @@
             </a:r>
             <a:r>
               <a:rPr lang="de-DE" i="1" dirty="0" err="1"/>
-              <a:t>gon</a:t>
+              <a:t>nigga</a:t>
             </a:r>
             <a:r>
               <a:rPr lang="de-DE" i="1" dirty="0"/>
-              <a:t> end </a:t>
-            </a:r>
-            <a:r>
-              <a:rPr lang="de-DE" i="1" dirty="0" err="1"/>
-              <a:t>up</a:t>
-            </a:r>
-            <a:r>
-              <a:rPr lang="de-DE" i="1" dirty="0"/>
-              <a:t> like </a:t>
-            </a:r>
-            <a:r>
-              <a:rPr lang="de-DE" i="1" dirty="0" err="1"/>
-              <a:t>limewire</a:t>
-            </a:r>
-            <a:r>
-              <a:rPr lang="de-DE" i="1" dirty="0"/>
-              <a:t> </a:t>
-            </a:r>
-            <a:r>
-              <a:rPr lang="de-DE" i="1" dirty="0" err="1"/>
-              <a:t>ol</a:t>
-            </a:r>
-            <a:r>
-              <a:rPr lang="de-DE" i="1" dirty="0"/>
-              <a:t> .exe </a:t>
-            </a:r>
-            <a:r>
-              <a:rPr lang="de-DE" i="1" dirty="0" err="1"/>
-              <a:t>ass</a:t>
-            </a:r>
-            <a:r>
-              <a:rPr lang="de-DE" i="1" dirty="0"/>
-              <a:t> </a:t>
-            </a:r>
-            <a:r>
-              <a:rPr lang="de-DE" i="1" dirty="0" err="1"/>
-              <a:t>nigga</a:t>
-            </a:r>
-            <a:r>
-              <a:rPr lang="de-DE" i="1" dirty="0"/>
-              <a:t>“</a:t>
-            </a:r>
-          </a:p>
-        </p:txBody>
-      </p:sp>
-      <p:sp>
-        <p:nvSpPr>
-          <p:cNvPr id="6" name="Textfeld 5">
-            <a:extLst>
-              <a:ext uri="{FF2B5EF4-FFF2-40B4-BE49-F238E27FC236}">
-                <a16:creationId xmlns:a16="http://schemas.microsoft.com/office/drawing/2014/main" id="{107EABE9-F8CD-FA43-B2E8-4BB37D10EE13}"/>
-              </a:ext>
-            </a:extLst>
-          </p:cNvPr>
-          <p:cNvSpPr txBox="1"/>
-          <p:nvPr/>
-        </p:nvSpPr>
-        <p:spPr>
-          <a:xfrm>
-            <a:off x="7517955" y="5345510"/>
-            <a:ext cx="4238047" cy="646331"/>
-          </a:xfrm>
-          <a:prstGeom prst="rect">
-            <a:avLst/>
-          </a:prstGeom>
-          <a:noFill/>
-        </p:spPr>
-        <p:txBody>
-          <a:bodyPr wrap="square" rtlCol="0">
-            <a:spAutoFit/>
-          </a:bodyPr>
-          <a:lstStyle/>
-          <a:p>
-            <a:r>
-              <a:rPr lang="de-DE" i="1" dirty="0"/>
-              <a:t>„@</a:t>
-            </a:r>
-            <a:r>
-              <a:rPr lang="de-DE" i="1" dirty="0" err="1"/>
-              <a:t>DangItsTiff</a:t>
-            </a:r>
-            <a:r>
-              <a:rPr lang="de-DE" i="1" dirty="0"/>
-              <a:t> </a:t>
-            </a:r>
-            <a:r>
-              <a:rPr lang="de-DE" i="1" dirty="0" err="1"/>
-              <a:t>you</a:t>
-            </a:r>
-            <a:r>
-              <a:rPr lang="de-DE" i="1" dirty="0"/>
-              <a:t> </a:t>
-            </a:r>
-            <a:r>
-              <a:rPr lang="de-DE" i="1" dirty="0" err="1"/>
-              <a:t>look</a:t>
-            </a:r>
-            <a:r>
-              <a:rPr lang="de-DE" i="1" dirty="0"/>
-              <a:t> like </a:t>
-            </a:r>
-            <a:r>
-              <a:rPr lang="de-DE" i="1" dirty="0" err="1"/>
-              <a:t>fucking</a:t>
-            </a:r>
-            <a:r>
-              <a:rPr lang="de-DE" i="1" dirty="0"/>
-              <a:t> </a:t>
-            </a:r>
-            <a:r>
-              <a:rPr lang="de-DE" i="1" dirty="0" err="1"/>
-              <a:t>shrek</a:t>
-            </a:r>
-            <a:r>
-              <a:rPr lang="de-DE" i="1" dirty="0"/>
-              <a:t> </a:t>
-            </a:r>
-            <a:r>
-              <a:rPr lang="de-DE" i="1" dirty="0" err="1"/>
-              <a:t>bitch</a:t>
-            </a:r>
-            <a:r>
-              <a:rPr lang="de-DE" i="1" dirty="0"/>
-              <a:t>“</a:t>
-            </a:r>
-          </a:p>
-        </p:txBody>
-      </p:sp>
-      <p:sp>
-        <p:nvSpPr>
-          <p:cNvPr id="7" name="Textfeld 6">
-            <a:extLst>
-              <a:ext uri="{FF2B5EF4-FFF2-40B4-BE49-F238E27FC236}">
-                <a16:creationId xmlns:a16="http://schemas.microsoft.com/office/drawing/2014/main" id="{988F73EE-E66F-0842-9DF1-7F06945FAE3E}"/>
-              </a:ext>
-            </a:extLst>
-          </p:cNvPr>
-          <p:cNvSpPr txBox="1"/>
-          <p:nvPr/>
-        </p:nvSpPr>
-        <p:spPr>
-          <a:xfrm flipH="1">
-            <a:off x="435997" y="1866834"/>
-            <a:ext cx="4460682" cy="923330"/>
-          </a:xfrm>
-          <a:prstGeom prst="rect">
-            <a:avLst/>
-          </a:prstGeom>
-          <a:noFill/>
-        </p:spPr>
-        <p:txBody>
-          <a:bodyPr wrap="square" rtlCol="0">
-            <a:spAutoFit/>
-          </a:bodyPr>
-          <a:lstStyle/>
-          <a:p>
-            <a:r>
-              <a:rPr lang="de-DE" i="1" dirty="0"/>
-              <a:t>„@TB12FAN </a:t>
-            </a:r>
-            <a:r>
-              <a:rPr lang="de-DE" i="1" dirty="0" err="1"/>
-              <a:t>and</a:t>
-            </a:r>
-            <a:r>
-              <a:rPr lang="de-DE" i="1" dirty="0"/>
-              <a:t> fuck </a:t>
-            </a:r>
-            <a:r>
-              <a:rPr lang="de-DE" i="1" dirty="0" err="1"/>
-              <a:t>you</a:t>
-            </a:r>
-            <a:r>
-              <a:rPr lang="de-DE" i="1" dirty="0"/>
-              <a:t> </a:t>
-            </a:r>
-            <a:r>
-              <a:rPr lang="de-DE" i="1" dirty="0" err="1"/>
-              <a:t>too</a:t>
-            </a:r>
-            <a:r>
-              <a:rPr lang="de-DE" i="1" dirty="0"/>
-              <a:t> </a:t>
-            </a:r>
-            <a:r>
-              <a:rPr lang="de-DE" i="1" dirty="0" err="1"/>
-              <a:t>ya</a:t>
-            </a:r>
-            <a:r>
-              <a:rPr lang="de-DE" i="1" dirty="0"/>
-              <a:t> </a:t>
-            </a:r>
-            <a:r>
-              <a:rPr lang="de-DE" i="1" dirty="0" err="1"/>
-              <a:t>little</a:t>
-            </a:r>
-            <a:r>
-              <a:rPr lang="de-DE" i="1" dirty="0"/>
-              <a:t> </a:t>
-            </a:r>
-            <a:r>
-              <a:rPr lang="de-DE" i="1" dirty="0" err="1"/>
-              <a:t>bitch</a:t>
-            </a:r>
-            <a:r>
-              <a:rPr lang="de-DE" i="1" dirty="0"/>
-              <a:t> </a:t>
-            </a:r>
-            <a:r>
-              <a:rPr lang="de-DE" i="1" dirty="0" err="1"/>
-              <a:t>you</a:t>
-            </a:r>
-            <a:r>
-              <a:rPr lang="de-DE" i="1" dirty="0"/>
-              <a:t> </a:t>
-            </a:r>
-            <a:r>
-              <a:rPr lang="de-DE" i="1" dirty="0" err="1"/>
-              <a:t>look</a:t>
-            </a:r>
-            <a:r>
-              <a:rPr lang="de-DE" i="1" dirty="0"/>
-              <a:t> like a </a:t>
-            </a:r>
-            <a:r>
-              <a:rPr lang="de-DE" i="1" dirty="0" err="1"/>
-              <a:t>Mexican</a:t>
-            </a:r>
-            <a:r>
-              <a:rPr lang="de-DE" i="1" dirty="0"/>
-              <a:t> </a:t>
-            </a:r>
-            <a:r>
-              <a:rPr lang="de-DE" i="1" dirty="0" err="1"/>
-              <a:t>sucking</a:t>
-            </a:r>
-            <a:r>
-              <a:rPr lang="de-DE" i="1" dirty="0"/>
-              <a:t> a </a:t>
-            </a:r>
-            <a:r>
-              <a:rPr lang="de-DE" i="1" dirty="0" err="1"/>
-              <a:t>cock</a:t>
-            </a:r>
-            <a:r>
-              <a:rPr lang="de-DE" i="1" dirty="0"/>
-              <a:t> in </a:t>
-            </a:r>
-            <a:r>
-              <a:rPr lang="de-DE" i="1" dirty="0" err="1"/>
-              <a:t>ur</a:t>
-            </a:r>
-            <a:r>
-              <a:rPr lang="de-DE" i="1" dirty="0"/>
-              <a:t> </a:t>
-            </a:r>
-            <a:r>
-              <a:rPr lang="de-DE" i="1" dirty="0" err="1"/>
-              <a:t>profile</a:t>
-            </a:r>
-            <a:r>
-              <a:rPr lang="de-DE" i="1" dirty="0"/>
-              <a:t>“</a:t>
+              <a:t>.“</a:t>
             </a:r>
           </a:p>
         </p:txBody>
@@ -6288,7 +7509,7 @@
         </p:nvSpPr>
         <p:spPr>
           <a:xfrm>
-            <a:off x="435998" y="5345510"/>
+            <a:off x="435997" y="1866834"/>
             <a:ext cx="4460682" cy="923330"/>
           </a:xfrm>
           <a:prstGeom prst="rect">
@@ -6351,23 +7572,23 @@
               <a:t> </a:t>
             </a:r>
             <a:r>
-              <a:rPr lang="de-DE" i="1" dirty="0" err="1"/>
+              <a:rPr lang="de-DE" b="1" i="1" dirty="0" err="1"/>
               <a:t>filthy</a:t>
             </a:r>
             <a:r>
-              <a:rPr lang="de-DE" i="1" dirty="0"/>
+              <a:rPr lang="de-DE" b="1" i="1" dirty="0"/>
               <a:t> </a:t>
             </a:r>
             <a:r>
-              <a:rPr lang="de-DE" i="1" dirty="0" err="1"/>
+              <a:rPr lang="de-DE" b="1" i="1" dirty="0" err="1"/>
               <a:t>white</a:t>
             </a:r>
             <a:r>
-              <a:rPr lang="de-DE" i="1" dirty="0"/>
+              <a:rPr lang="de-DE" b="1" i="1" dirty="0"/>
               <a:t> </a:t>
             </a:r>
             <a:r>
-              <a:rPr lang="de-DE" i="1" dirty="0" err="1"/>
+              <a:rPr lang="de-DE" b="1" i="1" dirty="0" err="1"/>
               <a:t>trash</a:t>
             </a:r>
             <a:r>
@@ -6415,7 +7636,7 @@
         </p:nvSpPr>
         <p:spPr>
           <a:xfrm>
-            <a:off x="435997" y="3606172"/>
+            <a:off x="7295320" y="1866834"/>
             <a:ext cx="4460682" cy="923330"/>
           </a:xfrm>
           <a:prstGeom prst="rect">
@@ -6474,8 +7695,40 @@
               <a:t> a </a:t>
             </a:r>
             <a:r>
+              <a:rPr lang="de-DE" b="1" i="1" dirty="0" err="1"/>
+              <a:t>shitty</a:t>
+            </a:r>
+            <a:r>
+              <a:rPr lang="de-DE" b="1" i="1" dirty="0"/>
+              <a:t> </a:t>
+            </a:r>
+            <a:r>
+              <a:rPr lang="de-DE" b="1" i="1" dirty="0" err="1"/>
+              <a:t>dirty</a:t>
+            </a:r>
+            <a:r>
+              <a:rPr lang="de-DE" b="1" i="1" dirty="0"/>
+              <a:t> </a:t>
+            </a:r>
+            <a:r>
+              <a:rPr lang="de-DE" b="1" i="1" dirty="0" err="1"/>
+              <a:t>Argentino</a:t>
+            </a:r>
+            <a:r>
+              <a:rPr lang="de-DE" i="1" dirty="0"/>
+              <a:t> &amp;</a:t>
+            </a:r>
+            <a:r>
               <a:rPr lang="de-DE" i="1" dirty="0" err="1"/>
-              <a:t>shitty</a:t>
+              <a:t>amp</a:t>
+            </a:r>
+            <a:r>
+              <a:rPr lang="de-DE" i="1" dirty="0"/>
+              <a:t>; </a:t>
+            </a:r>
+            <a:r>
+              <a:rPr lang="de-DE" i="1" dirty="0" err="1"/>
+              <a:t>the</a:t>
             </a:r>
             <a:r>
               <a:rPr lang="de-DE" i="1" dirty="0"/>
@@ -6483,7 +7736,7 @@
             </a:r>
             <a:r>
               <a:rPr lang="de-DE" i="1" dirty="0" err="1"/>
-              <a:t>dirty</a:t>
+              <a:t>other</a:t>
             </a:r>
             <a:r>
               <a:rPr lang="de-DE" i="1" dirty="0"/>
@@ -6491,38 +7744,6 @@
             </a:r>
             <a:r>
               <a:rPr lang="de-DE" i="1" dirty="0" err="1"/>
-              <a:t>Argentino</a:t>
-            </a:r>
-            <a:r>
-              <a:rPr lang="de-DE" i="1" dirty="0"/>
-              <a:t> &amp;</a:t>
-            </a:r>
-            <a:r>
-              <a:rPr lang="de-DE" i="1" dirty="0" err="1"/>
-              <a:t>amp</a:t>
-            </a:r>
-            <a:r>
-              <a:rPr lang="de-DE" i="1" dirty="0"/>
-              <a:t>; </a:t>
-            </a:r>
-            <a:r>
-              <a:rPr lang="de-DE" i="1" dirty="0" err="1"/>
-              <a:t>the</a:t>
-            </a:r>
-            <a:r>
-              <a:rPr lang="de-DE" i="1" dirty="0"/>
-              <a:t> </a:t>
-            </a:r>
-            <a:r>
-              <a:rPr lang="de-DE" i="1" dirty="0" err="1"/>
-              <a:t>other</a:t>
-            </a:r>
-            <a:r>
-              <a:rPr lang="de-DE" i="1" dirty="0"/>
-              <a:t> </a:t>
-            </a:r>
-            <a:r>
-              <a:rPr lang="de-DE" i="1" dirty="0" err="1"/>
               <a:t>is</a:t>
             </a:r>
             <a:r>
@@ -6530,24 +7751,28 @@
               <a:t> a </a:t>
             </a:r>
             <a:r>
-              <a:rPr lang="de-DE" i="1" dirty="0" err="1"/>
+              <a:rPr lang="de-DE" b="1" i="1" dirty="0" err="1"/>
               <a:t>feather</a:t>
             </a:r>
             <a:r>
-              <a:rPr lang="de-DE" i="1" dirty="0"/>
+              <a:rPr lang="de-DE" b="1" i="1" dirty="0"/>
               <a:t> </a:t>
             </a:r>
             <a:r>
-              <a:rPr lang="de-DE" i="1" dirty="0" err="1"/>
+              <a:rPr lang="de-DE" b="1" i="1" dirty="0" err="1"/>
               <a:t>fisted</a:t>
             </a:r>
             <a:r>
-              <a:rPr lang="de-DE" i="1" dirty="0"/>
+              <a:rPr lang="de-DE" b="1" i="1" dirty="0"/>
               <a:t> </a:t>
             </a:r>
             <a:r>
-              <a:rPr lang="de-DE" i="1" dirty="0" err="1"/>
+              <a:rPr lang="de-DE" b="1" i="1" dirty="0" err="1"/>
               <a:t>nigger</a:t>
+            </a:r>
+            <a:r>
+              <a:rPr lang="de-DE" b="1" i="1" dirty="0"/>
+              <a:t>.</a:t>
             </a:r>
             <a:r>
               <a:rPr lang="de-DE" i="1" dirty="0"/>
@@ -6585,8 +7810,8 @@
         </p:blipFill>
         <p:spPr bwMode="auto">
           <a:xfrm>
-            <a:off x="5235939" y="3218890"/>
-            <a:ext cx="1720121" cy="1399157"/>
+            <a:off x="4849892" y="2790164"/>
+            <a:ext cx="2492216" cy="2027184"/>
           </a:xfrm>
           <a:prstGeom prst="rect">
             <a:avLst/>
@@ -6617,7 +7842,7 @@
         </p:nvSpPr>
         <p:spPr>
           <a:xfrm>
-            <a:off x="7517956" y="3606172"/>
+            <a:off x="7517957" y="4806501"/>
             <a:ext cx="4238046" cy="1200329"/>
           </a:xfrm>
           <a:prstGeom prst="rect">
@@ -6660,28 +7885,32 @@
               <a:t> a </a:t>
             </a:r>
             <a:r>
-              <a:rPr lang="de-DE" i="1" dirty="0" err="1"/>
+              <a:rPr lang="de-DE" b="1" i="1" dirty="0" err="1"/>
               <a:t>fucking</a:t>
             </a:r>
             <a:r>
+              <a:rPr lang="de-DE" b="1" i="1" dirty="0"/>
+              <a:t> </a:t>
+            </a:r>
+            <a:r>
+              <a:rPr lang="de-DE" b="1" i="1" dirty="0" err="1"/>
+              <a:t>loudmouth</a:t>
+            </a:r>
+            <a:r>
+              <a:rPr lang="de-DE" b="1" i="1" dirty="0"/>
+              <a:t> ignorant </a:t>
+            </a:r>
+            <a:r>
+              <a:rPr lang="de-DE" b="1" i="1" dirty="0" err="1"/>
+              <a:t>redneck</a:t>
+            </a:r>
+            <a:r>
+              <a:rPr lang="de-DE" b="1" i="1" dirty="0"/>
+              <a:t> fuck</a:t>
+            </a:r>
+            <a:r>
               <a:rPr lang="de-DE" i="1" dirty="0"/>
-              <a:t> </a:t>
-            </a:r>
-            <a:r>
-              <a:rPr lang="de-DE" i="1" dirty="0" err="1"/>
-              <a:t>loudmouth</a:t>
-            </a:r>
-            <a:r>
-              <a:rPr lang="de-DE" i="1" dirty="0"/>
-              <a:t> ignorant </a:t>
-            </a:r>
-            <a:r>
-              <a:rPr lang="de-DE" i="1" dirty="0" err="1"/>
-              <a:t>redneck</a:t>
-            </a:r>
-            <a:r>
-              <a:rPr lang="de-DE" i="1" dirty="0"/>
-              <a:t> fuck. </a:t>
+              <a:t>. </a:t>
             </a:r>
             <a:r>
               <a:rPr lang="de-DE" i="1" dirty="0" err="1"/>
@@ -6880,10 +8109,10 @@
       </p:sp>
       <p:sp>
         <p:nvSpPr>
-          <p:cNvPr id="5" name="Rechteck 4">
+          <p:cNvPr id="3" name="Rectangle: Rounded Corners 2">
             <a:extLst>
               <a:ext uri="{FF2B5EF4-FFF2-40B4-BE49-F238E27FC236}">
-                <a16:creationId xmlns:a16="http://schemas.microsoft.com/office/drawing/2014/main" id="{C9744840-1544-8042-B4F3-DCE6B65894C4}"/>
+                <a16:creationId xmlns:a16="http://schemas.microsoft.com/office/drawing/2014/main" id="{4D253B2C-2492-4FE7-8770-9729474BAF7F}"/>
               </a:ext>
             </a:extLst>
           </p:cNvPr>
@@ -6892,10 +8121,10 @@
         </p:nvSpPr>
         <p:spPr>
           <a:xfrm>
-            <a:off x="1219200" y="1958227"/>
-            <a:ext cx="9587700" cy="1569544"/>
+            <a:off x="1164217" y="4028012"/>
+            <a:ext cx="9642683" cy="1544371"/>
           </a:xfrm>
-          <a:prstGeom prst="rect">
+          <a:prstGeom prst="roundRect">
             <a:avLst/>
           </a:prstGeom>
           <a:noFill/>
@@ -6927,50 +8156,77 @@
           <a:p>
             <a:pPr algn="just"/>
             <a:r>
-              <a:rPr lang="en-US" sz="2000" dirty="0">
+              <a:rPr lang="en-US">
                 <a:solidFill>
                   <a:schemeClr val="tx1"/>
                 </a:solidFill>
               </a:rPr>
-              <a:t>„Hate speech is commonly defined as any communication that disparages a target group of people based on some characteristic such as </a:t>
-            </a:r>
-            <a:r>
-              <a:rPr lang="en-US" sz="2000" b="1" dirty="0">
+              <a:t>„A language that is used to </a:t>
+            </a:r>
+            <a:r>
+              <a:rPr lang="en-US" b="1">
                 <a:solidFill>
                   <a:schemeClr val="tx1"/>
                 </a:solidFill>
               </a:rPr>
-              <a:t>race, </a:t>
-            </a:r>
-            <a:r>
-              <a:rPr lang="en-US" sz="2000" b="1" dirty="0" err="1">
+              <a:t>expresses hatred towards a targeted group </a:t>
+            </a:r>
+            <a:r>
+              <a:rPr lang="en-US">
                 <a:solidFill>
                   <a:schemeClr val="tx1"/>
                 </a:solidFill>
               </a:rPr>
-              <a:t>colour</a:t>
-            </a:r>
-            <a:r>
-              <a:rPr lang="en-US" sz="2000" b="1" dirty="0">
+              <a:t>or is intended to be </a:t>
+            </a:r>
+            <a:r>
+              <a:rPr lang="en-US" b="1">
                 <a:solidFill>
                   <a:schemeClr val="tx1"/>
                 </a:solidFill>
               </a:rPr>
-              <a:t>, ethnicity, gender, sexual orientation, nationality, religion</a:t>
-            </a:r>
-            <a:r>
-              <a:rPr lang="en-US" sz="2000" dirty="0">
+              <a:t>derogatory</a:t>
+            </a:r>
+            <a:r>
+              <a:rPr lang="en-US">
                 <a:solidFill>
                   <a:schemeClr val="tx1"/>
                 </a:solidFill>
               </a:rPr>
-              <a:t>, or other characteristic.“ </a:t>
-            </a:r>
-            <a:endParaRPr lang="en-US" dirty="0">
-              <a:solidFill>
-                <a:schemeClr val="tx1"/>
-              </a:solidFill>
-            </a:endParaRPr>
+              <a:t>, to </a:t>
+            </a:r>
+            <a:r>
+              <a:rPr lang="en-US" b="1">
+                <a:solidFill>
+                  <a:schemeClr val="tx1"/>
+                </a:solidFill>
+              </a:rPr>
+              <a:t>humiliate</a:t>
+            </a:r>
+            <a:r>
+              <a:rPr lang="en-US">
+                <a:solidFill>
+                  <a:schemeClr val="tx1"/>
+                </a:solidFill>
+              </a:rPr>
+              <a:t>, or to </a:t>
+            </a:r>
+            <a:r>
+              <a:rPr lang="en-US" b="1">
+                <a:solidFill>
+                  <a:schemeClr val="tx1"/>
+                </a:solidFill>
+              </a:rPr>
+              <a:t>insult</a:t>
+            </a:r>
+            <a:r>
+              <a:rPr lang="en-US">
+                <a:solidFill>
+                  <a:schemeClr val="tx1"/>
+                </a:solidFill>
+              </a:rPr>
+              <a:t> the members of the group.“ </a:t>
+            </a:r>
           </a:p>
           <a:p>
             <a:pPr algn="r">
@@ -6979,15 +8235,142 @@
               </a:lnSpc>
             </a:pPr>
             <a:r>
-              <a:rPr lang="en-US" sz="1400" i="1" dirty="0">
+              <a:rPr lang="en-US" sz="1200" i="1">
                 <a:solidFill>
                   <a:schemeClr val="tx1"/>
                 </a:solidFill>
               </a:rPr>
-              <a:t>- Ona de </a:t>
-            </a:r>
-            <a:r>
-              <a:rPr lang="en-US" sz="1400" i="1" dirty="0" err="1">
+              <a:t>- Davidson et al. (“Automated Hate Speech Detection and the Problem of Offensive Language”)</a:t>
+            </a:r>
+            <a:endParaRPr lang="de-DE" sz="1200" i="1" dirty="0">
+              <a:solidFill>
+                <a:schemeClr val="tx1"/>
+              </a:solidFill>
+            </a:endParaRPr>
+          </a:p>
+        </p:txBody>
+      </p:sp>
+      <p:sp>
+        <p:nvSpPr>
+          <p:cNvPr id="11" name="Rectangle: Rounded Corners 10">
+            <a:extLst>
+              <a:ext uri="{FF2B5EF4-FFF2-40B4-BE49-F238E27FC236}">
+                <a16:creationId xmlns:a16="http://schemas.microsoft.com/office/drawing/2014/main" id="{2997A3C7-72F1-4419-9C96-6843217981CA}"/>
+              </a:ext>
+            </a:extLst>
+          </p:cNvPr>
+          <p:cNvSpPr/>
+          <p:nvPr/>
+        </p:nvSpPr>
+        <p:spPr>
+          <a:xfrm>
+            <a:off x="1164216" y="1946444"/>
+            <a:ext cx="9642683" cy="1544371"/>
+          </a:xfrm>
+          <a:prstGeom prst="roundRect">
+            <a:avLst/>
+          </a:prstGeom>
+          <a:noFill/>
+          <a:ln>
+            <a:solidFill>
+              <a:srgbClr val="3F5161"/>
+            </a:solidFill>
+          </a:ln>
+        </p:spPr>
+        <p:style>
+          <a:lnRef idx="2">
+            <a:schemeClr val="accent1">
+              <a:shade val="50000"/>
+            </a:schemeClr>
+          </a:lnRef>
+          <a:fillRef idx="1">
+            <a:schemeClr val="accent1"/>
+          </a:fillRef>
+          <a:effectRef idx="0">
+            <a:schemeClr val="accent1"/>
+          </a:effectRef>
+          <a:fontRef idx="minor">
+            <a:schemeClr val="lt1"/>
+          </a:fontRef>
+        </p:style>
+        <p:txBody>
+          <a:bodyPr rtlCol="0" anchor="ctr"/>
+          <a:lstStyle/>
+          <a:p>
+            <a:pPr algn="just"/>
+            <a:r>
+              <a:rPr lang="en-US" dirty="0">
+                <a:solidFill>
+                  <a:schemeClr val="tx1"/>
+                </a:solidFill>
+              </a:rPr>
+              <a:t>„Hate speech is commonly defined as any communication that </a:t>
+            </a:r>
+            <a:r>
+              <a:rPr lang="en-US" b="1" dirty="0">
+                <a:solidFill>
+                  <a:schemeClr val="tx1"/>
+                </a:solidFill>
+              </a:rPr>
+              <a:t>disparages a target group</a:t>
+            </a:r>
+            <a:r>
+              <a:rPr lang="en-US" dirty="0">
+                <a:solidFill>
+                  <a:schemeClr val="tx1"/>
+                </a:solidFill>
+              </a:rPr>
+              <a:t> of people based on some characteristic such as </a:t>
+            </a:r>
+            <a:r>
+              <a:rPr lang="en-US" b="1" dirty="0">
+                <a:solidFill>
+                  <a:schemeClr val="tx1"/>
+                </a:solidFill>
+              </a:rPr>
+              <a:t>race, </a:t>
+            </a:r>
+            <a:r>
+              <a:rPr lang="en-US" b="1" dirty="0" err="1">
+                <a:solidFill>
+                  <a:schemeClr val="tx1"/>
+                </a:solidFill>
+              </a:rPr>
+              <a:t>colour</a:t>
+            </a:r>
+            <a:r>
+              <a:rPr lang="en-US" b="1" dirty="0">
+                <a:solidFill>
+                  <a:schemeClr val="tx1"/>
+                </a:solidFill>
+              </a:rPr>
+              <a:t>, ethnicity, gender, sexual orientation, nationality, religion</a:t>
+            </a:r>
+            <a:r>
+              <a:rPr lang="en-US" dirty="0">
+                <a:solidFill>
+                  <a:schemeClr val="tx1"/>
+                </a:solidFill>
+              </a:rPr>
+              <a:t>, or other characteristic.“ </a:t>
+            </a:r>
+          </a:p>
+          <a:p>
+            <a:pPr algn="r">
+              <a:lnSpc>
+                <a:spcPct val="200000"/>
+              </a:lnSpc>
+            </a:pPr>
+            <a:r>
+              <a:rPr lang="en-US" sz="1200" i="1" dirty="0">
+                <a:solidFill>
+                  <a:schemeClr val="tx1"/>
+                </a:solidFill>
+              </a:rPr>
+              <a:t>- </a:t>
+            </a:r>
+            <a:r>
+              <a:rPr lang="en-US" sz="1200" i="1" dirty="0" err="1">
                 <a:solidFill>
                   <a:schemeClr val="tx1"/>
                 </a:solidFill>
@@ -6995,14 +8378,14 @@
               <a:t>Gibert</a:t>
             </a:r>
             <a:r>
-              <a:rPr lang="en-US" sz="1400" i="1" dirty="0">
+              <a:rPr lang="en-US" sz="1200" i="1" dirty="0">
                 <a:solidFill>
                   <a:schemeClr val="tx1"/>
                 </a:solidFill>
               </a:rPr>
-              <a:t> (“Hate Speech Dataset from a White Supremacy Forum)</a:t>
-            </a:r>
-            <a:endParaRPr lang="de-DE" sz="1400" i="1" dirty="0">
+              <a:t> et al. (“Hate Speech Dataset from a White Supremacy Forum”)</a:t>
+            </a:r>
+            <a:endParaRPr lang="de-DE" sz="1200" i="1" dirty="0">
               <a:solidFill>
                 <a:schemeClr val="tx1"/>
               </a:solidFill>
@@ -7070,147 +8453,6 @@
       </p:sp>
       <p:sp>
         <p:nvSpPr>
-          <p:cNvPr id="3" name="Inhaltsplatzhalter 2">
-            <a:extLst>
-              <a:ext uri="{FF2B5EF4-FFF2-40B4-BE49-F238E27FC236}">
-                <a16:creationId xmlns:a16="http://schemas.microsoft.com/office/drawing/2014/main" id="{3F7077F6-F6FD-9345-8DA6-21D337B54AA1}"/>
-              </a:ext>
-            </a:extLst>
-          </p:cNvPr>
-          <p:cNvSpPr>
-            <a:spLocks noGrp="1"/>
-          </p:cNvSpPr>
-          <p:nvPr>
-            <p:ph idx="1"/>
-          </p:nvPr>
-        </p:nvSpPr>
-        <p:spPr/>
-        <p:txBody>
-          <a:bodyPr/>
-          <a:lstStyle/>
-          <a:p>
-            <a:r>
-              <a:rPr lang="de-DE" dirty="0"/>
-              <a:t>Problem </a:t>
-            </a:r>
-            <a:r>
-              <a:rPr lang="de-DE" dirty="0" err="1"/>
-              <a:t>description</a:t>
-            </a:r>
-            <a:r>
-              <a:rPr lang="de-DE" dirty="0"/>
-              <a:t> + Neuheitswerte</a:t>
-            </a:r>
-          </a:p>
-          <a:p>
-            <a:r>
-              <a:rPr lang="en-US" dirty="0"/>
-              <a:t>Research question: Can </a:t>
-            </a:r>
-            <a:r>
-              <a:rPr lang="de-DE" dirty="0" err="1"/>
-              <a:t>classical</a:t>
-            </a:r>
-            <a:r>
-              <a:rPr lang="de-DE" dirty="0"/>
-              <a:t> </a:t>
-            </a:r>
-            <a:r>
-              <a:rPr lang="de-DE" dirty="0" err="1"/>
-              <a:t>Machine</a:t>
-            </a:r>
-            <a:r>
-              <a:rPr lang="de-DE" dirty="0"/>
-              <a:t> Learning </a:t>
-            </a:r>
-            <a:r>
-              <a:rPr lang="de-DE" dirty="0" err="1"/>
-              <a:t>methods</a:t>
-            </a:r>
-            <a:r>
-              <a:rPr lang="de-DE" dirty="0"/>
-              <a:t> </a:t>
-            </a:r>
-            <a:r>
-              <a:rPr lang="de-DE" dirty="0" err="1"/>
-              <a:t>combined</a:t>
-            </a:r>
-            <a:r>
-              <a:rPr lang="de-DE" dirty="0"/>
-              <a:t> </a:t>
-            </a:r>
-            <a:r>
-              <a:rPr lang="de-DE" dirty="0" err="1"/>
-              <a:t>with</a:t>
-            </a:r>
-            <a:r>
-              <a:rPr lang="de-DE" dirty="0"/>
-              <a:t> </a:t>
-            </a:r>
-            <a:r>
-              <a:rPr lang="de-DE" dirty="0" err="1"/>
-              <a:t>suitable</a:t>
-            </a:r>
-            <a:r>
-              <a:rPr lang="de-DE" dirty="0"/>
-              <a:t> </a:t>
-            </a:r>
-            <a:r>
-              <a:rPr lang="de-DE" dirty="0" err="1"/>
-              <a:t>features</a:t>
-            </a:r>
-            <a:r>
-              <a:rPr lang="de-DE" dirty="0"/>
-              <a:t> </a:t>
-            </a:r>
-            <a:r>
-              <a:rPr lang="de-DE" dirty="0" err="1"/>
-              <a:t>outperform</a:t>
-            </a:r>
-            <a:r>
-              <a:rPr lang="de-DE" dirty="0"/>
-              <a:t> </a:t>
-            </a:r>
-            <a:r>
-              <a:rPr lang="de-DE" dirty="0" err="1"/>
-              <a:t>neural</a:t>
-            </a:r>
-            <a:r>
-              <a:rPr lang="de-DE" dirty="0"/>
-              <a:t> </a:t>
-            </a:r>
-            <a:r>
-              <a:rPr lang="de-DE" dirty="0" err="1"/>
-              <a:t>network</a:t>
-            </a:r>
-            <a:r>
-              <a:rPr lang="de-DE" dirty="0"/>
-              <a:t> </a:t>
-            </a:r>
-            <a:r>
-              <a:rPr lang="de-DE" dirty="0" err="1"/>
-              <a:t>based</a:t>
-            </a:r>
-            <a:r>
-              <a:rPr lang="de-DE" dirty="0"/>
-              <a:t> </a:t>
-            </a:r>
-            <a:r>
-              <a:rPr lang="de-DE" dirty="0" err="1"/>
-              <a:t>approaches</a:t>
-            </a:r>
-            <a:r>
-              <a:rPr lang="de-DE" dirty="0"/>
-              <a:t>?</a:t>
-            </a:r>
-          </a:p>
-          <a:p>
-            <a:endParaRPr lang="de-DE" dirty="0"/>
-          </a:p>
-        </p:txBody>
-      </p:sp>
-      <p:sp>
-        <p:nvSpPr>
           <p:cNvPr id="4" name="Foliennummernplatzhalter 3">
             <a:extLst>
               <a:ext uri="{FF2B5EF4-FFF2-40B4-BE49-F238E27FC236}">
@@ -7239,1003 +8481,6 @@
           </a:p>
         </p:txBody>
       </p:sp>
-      <p:pic>
-        <p:nvPicPr>
-          <p:cNvPr id="6" name="Grafik 5" descr="Gedankenblase Silhouette">
-            <a:extLst>
-              <a:ext uri="{FF2B5EF4-FFF2-40B4-BE49-F238E27FC236}">
-                <a16:creationId xmlns:a16="http://schemas.microsoft.com/office/drawing/2014/main" id="{5F3EC7B6-AFB9-4B46-BD84-4D09F0660C56}"/>
-              </a:ext>
-            </a:extLst>
-          </p:cNvPr>
-          <p:cNvPicPr>
-            <a:picLocks noChangeAspect="1"/>
-          </p:cNvPicPr>
-          <p:nvPr/>
-        </p:nvPicPr>
-        <p:blipFill>
-          <a:blip r:embed="rId2">
-            <a:extLst>
-              <a:ext uri="{96DAC541-7B7A-43D3-8B79-37D633B846F1}">
-                <asvg:svgBlip xmlns:asvg="http://schemas.microsoft.com/office/drawing/2016/SVG/main" r:embed="rId3"/>
-              </a:ext>
-            </a:extLst>
-          </a:blip>
-          <a:stretch>
-            <a:fillRect/>
-          </a:stretch>
-        </p:blipFill>
-        <p:spPr>
-          <a:xfrm>
-            <a:off x="3699496" y="4061293"/>
-            <a:ext cx="1014402" cy="1014402"/>
-          </a:xfrm>
-          <a:prstGeom prst="rect">
-            <a:avLst/>
-          </a:prstGeom>
-        </p:spPr>
-      </p:pic>
-      <p:sp>
-        <p:nvSpPr>
-          <p:cNvPr id="7" name="Inhaltsplatzhalter 2">
-            <a:extLst>
-              <a:ext uri="{FF2B5EF4-FFF2-40B4-BE49-F238E27FC236}">
-                <a16:creationId xmlns:a16="http://schemas.microsoft.com/office/drawing/2014/main" id="{105E6B3E-57CC-3442-A0A5-272BF8A9CEFC}"/>
-              </a:ext>
-            </a:extLst>
-          </p:cNvPr>
-          <p:cNvSpPr txBox="1">
-            <a:spLocks/>
-          </p:cNvSpPr>
-          <p:nvPr/>
-        </p:nvSpPr>
-        <p:spPr>
-          <a:xfrm>
-            <a:off x="5167318" y="3627837"/>
-            <a:ext cx="6929432" cy="3529015"/>
-          </a:xfrm>
-          <a:prstGeom prst="rect">
-            <a:avLst/>
-          </a:prstGeom>
-        </p:spPr>
-        <p:txBody>
-          <a:bodyPr vert="horz" lIns="91440" tIns="45720" rIns="91440" bIns="45720" rtlCol="0">
-            <a:normAutofit/>
-          </a:bodyPr>
-          <a:lstStyle>
-            <a:lvl1pPr marL="384048" indent="-384048" algn="l" defTabSz="914400" rtl="0" eaLnBrk="1" latinLnBrk="0" hangingPunct="1">
-              <a:lnSpc>
-                <a:spcPct val="94000"/>
-              </a:lnSpc>
-              <a:spcBef>
-                <a:spcPts val="1000"/>
-              </a:spcBef>
-              <a:spcAft>
-                <a:spcPts val="200"/>
-              </a:spcAft>
-              <a:buFont typeface="Franklin Gothic Book" panose="020B0503020102020204" pitchFamily="34" charset="0"/>
-              <a:buChar char="■"/>
-              <a:defRPr sz="2000" kern="1200" baseline="0">
-                <a:solidFill>
-                  <a:schemeClr val="tx2"/>
-                </a:solidFill>
-                <a:latin typeface="+mn-lt"/>
-                <a:ea typeface="+mn-ea"/>
-                <a:cs typeface="+mn-cs"/>
-              </a:defRPr>
-            </a:lvl1pPr>
-            <a:lvl2pPr marL="914400" indent="-384048" algn="l" defTabSz="914400" rtl="0" eaLnBrk="1" latinLnBrk="0" hangingPunct="1">
-              <a:lnSpc>
-                <a:spcPct val="94000"/>
-              </a:lnSpc>
-              <a:spcBef>
-                <a:spcPts val="500"/>
-              </a:spcBef>
-              <a:spcAft>
-                <a:spcPts val="200"/>
-              </a:spcAft>
-              <a:buFont typeface="Franklin Gothic Book" panose="020B0503020102020204" pitchFamily="34" charset="0"/>
-              <a:buChar char="–"/>
-              <a:defRPr sz="2000" i="1" kern="1200" baseline="0">
-                <a:solidFill>
-                  <a:schemeClr val="tx2"/>
-                </a:solidFill>
-                <a:latin typeface="+mn-lt"/>
-                <a:ea typeface="+mn-ea"/>
-                <a:cs typeface="+mn-cs"/>
-              </a:defRPr>
-            </a:lvl2pPr>
-            <a:lvl3pPr marL="1371600" indent="-384048" algn="l" defTabSz="914400" rtl="0" eaLnBrk="1" latinLnBrk="0" hangingPunct="1">
-              <a:lnSpc>
-                <a:spcPct val="94000"/>
-              </a:lnSpc>
-              <a:spcBef>
-                <a:spcPts val="500"/>
-              </a:spcBef>
-              <a:spcAft>
-                <a:spcPts val="200"/>
-              </a:spcAft>
-              <a:buFont typeface="Franklin Gothic Book" panose="020B0503020102020204" pitchFamily="34" charset="0"/>
-              <a:buChar char="■"/>
-              <a:defRPr sz="1800" kern="1200" baseline="0">
-                <a:solidFill>
-                  <a:schemeClr val="tx2"/>
-                </a:solidFill>
-                <a:latin typeface="+mn-lt"/>
-                <a:ea typeface="+mn-ea"/>
-                <a:cs typeface="+mn-cs"/>
-              </a:defRPr>
-            </a:lvl3pPr>
-            <a:lvl4pPr marL="1828800" indent="-384048" algn="l" defTabSz="914400" rtl="0" eaLnBrk="1" latinLnBrk="0" hangingPunct="1">
-              <a:lnSpc>
-                <a:spcPct val="94000"/>
-              </a:lnSpc>
-              <a:spcBef>
-                <a:spcPts val="500"/>
-              </a:spcBef>
-              <a:spcAft>
-                <a:spcPts val="200"/>
-              </a:spcAft>
-              <a:buFont typeface="Franklin Gothic Book" panose="020B0503020102020204" pitchFamily="34" charset="0"/>
-              <a:buChar char="–"/>
-              <a:defRPr sz="1800" i="1" kern="1200" baseline="0">
-                <a:solidFill>
-                  <a:schemeClr val="tx2"/>
-                </a:solidFill>
-                <a:latin typeface="+mn-lt"/>
-                <a:ea typeface="+mn-ea"/>
-                <a:cs typeface="+mn-cs"/>
-              </a:defRPr>
-            </a:lvl4pPr>
-            <a:lvl5pPr marL="2286000" indent="-384048" algn="l" defTabSz="914400" rtl="0" eaLnBrk="1" latinLnBrk="0" hangingPunct="1">
-              <a:lnSpc>
-                <a:spcPct val="94000"/>
-              </a:lnSpc>
-              <a:spcBef>
-                <a:spcPts val="500"/>
-              </a:spcBef>
-              <a:spcAft>
-                <a:spcPts val="200"/>
-              </a:spcAft>
-              <a:buFont typeface="Franklin Gothic Book" panose="020B0503020102020204" pitchFamily="34" charset="0"/>
-              <a:buChar char="■"/>
-              <a:defRPr sz="1600" kern="1200" baseline="0">
-                <a:solidFill>
-                  <a:schemeClr val="tx2"/>
-                </a:solidFill>
-                <a:latin typeface="+mn-lt"/>
-                <a:ea typeface="+mn-ea"/>
-                <a:cs typeface="+mn-cs"/>
-              </a:defRPr>
-            </a:lvl5pPr>
-            <a:lvl6pPr marL="2743200" indent="-384048" algn="l" defTabSz="914400" rtl="0" eaLnBrk="1" latinLnBrk="0" hangingPunct="1">
-              <a:lnSpc>
-                <a:spcPct val="94000"/>
-              </a:lnSpc>
-              <a:spcBef>
-                <a:spcPts val="500"/>
-              </a:spcBef>
-              <a:spcAft>
-                <a:spcPts val="200"/>
-              </a:spcAft>
-              <a:buFont typeface="Franklin Gothic Book" panose="020B0503020102020204" pitchFamily="34" charset="0"/>
-              <a:buChar char="–"/>
-              <a:defRPr sz="1600" i="1" kern="1200" baseline="0">
-                <a:solidFill>
-                  <a:schemeClr val="tx2"/>
-                </a:solidFill>
-                <a:latin typeface="+mn-lt"/>
-                <a:ea typeface="+mn-ea"/>
-                <a:cs typeface="+mn-cs"/>
-              </a:defRPr>
-            </a:lvl6pPr>
-            <a:lvl7pPr marL="3200400" indent="-384048" algn="l" defTabSz="914400" rtl="0" eaLnBrk="1" latinLnBrk="0" hangingPunct="1">
-              <a:lnSpc>
-                <a:spcPct val="94000"/>
-              </a:lnSpc>
-              <a:spcBef>
-                <a:spcPts val="500"/>
-              </a:spcBef>
-              <a:spcAft>
-                <a:spcPts val="200"/>
-              </a:spcAft>
-              <a:buFont typeface="Franklin Gothic Book" panose="020B0503020102020204" pitchFamily="34" charset="0"/>
-              <a:buChar char="■"/>
-              <a:defRPr sz="1400" kern="1200" baseline="0">
-                <a:solidFill>
-                  <a:schemeClr val="tx2"/>
-                </a:solidFill>
-                <a:latin typeface="+mn-lt"/>
-                <a:ea typeface="+mn-ea"/>
-                <a:cs typeface="+mn-cs"/>
-              </a:defRPr>
-            </a:lvl7pPr>
-            <a:lvl8pPr marL="3657600" indent="-384048" algn="l" defTabSz="914400" rtl="0" eaLnBrk="1" latinLnBrk="0" hangingPunct="1">
-              <a:lnSpc>
-                <a:spcPct val="94000"/>
-              </a:lnSpc>
-              <a:spcBef>
-                <a:spcPts val="500"/>
-              </a:spcBef>
-              <a:spcAft>
-                <a:spcPts val="200"/>
-              </a:spcAft>
-              <a:buFont typeface="Franklin Gothic Book" panose="020B0503020102020204" pitchFamily="34" charset="0"/>
-              <a:buChar char="–"/>
-              <a:defRPr sz="1400" i="1" kern="1200" baseline="0">
-                <a:solidFill>
-                  <a:schemeClr val="tx2"/>
-                </a:solidFill>
-                <a:latin typeface="+mn-lt"/>
-                <a:ea typeface="+mn-ea"/>
-                <a:cs typeface="+mn-cs"/>
-              </a:defRPr>
-            </a:lvl8pPr>
-            <a:lvl9pPr marL="4114800" indent="-384048" algn="l" defTabSz="914400" rtl="0" eaLnBrk="1" latinLnBrk="0" hangingPunct="1">
-              <a:lnSpc>
-                <a:spcPct val="94000"/>
-              </a:lnSpc>
-              <a:spcBef>
-                <a:spcPts val="500"/>
-              </a:spcBef>
-              <a:spcAft>
-                <a:spcPts val="200"/>
-              </a:spcAft>
-              <a:buFont typeface="Franklin Gothic Book" panose="020B0503020102020204" pitchFamily="34" charset="0"/>
-              <a:buChar char="■"/>
-              <a:defRPr sz="1400" kern="1200" baseline="0">
-                <a:solidFill>
-                  <a:schemeClr val="tx2"/>
-                </a:solidFill>
-                <a:latin typeface="+mn-lt"/>
-                <a:ea typeface="+mn-ea"/>
-                <a:cs typeface="+mn-cs"/>
-              </a:defRPr>
-            </a:lvl9pPr>
-          </a:lstStyle>
-          <a:p>
-            <a:r>
-              <a:rPr lang="en-US" dirty="0"/>
-              <a:t>hate speech remains in a gray area (even with definitions) – somewhat subjective</a:t>
-            </a:r>
-          </a:p>
-        </p:txBody>
-      </p:sp>
-      <p:pic>
-        <p:nvPicPr>
-          <p:cNvPr id="8" name="Grafik 7" descr="Blitz mit einfarbiger Füllung">
-            <a:extLst>
-              <a:ext uri="{FF2B5EF4-FFF2-40B4-BE49-F238E27FC236}">
-                <a16:creationId xmlns:a16="http://schemas.microsoft.com/office/drawing/2014/main" id="{F0568727-E606-2443-8855-20A679660F9B}"/>
-              </a:ext>
-            </a:extLst>
-          </p:cNvPr>
-          <p:cNvPicPr>
-            <a:picLocks noChangeAspect="1"/>
-          </p:cNvPicPr>
-          <p:nvPr/>
-        </p:nvPicPr>
-        <p:blipFill>
-          <a:blip r:embed="rId4">
-            <a:extLst>
-              <a:ext uri="{96DAC541-7B7A-43D3-8B79-37D633B846F1}">
-                <asvg:svgBlip xmlns:asvg="http://schemas.microsoft.com/office/drawing/2016/SVG/main" r:embed="rId5"/>
-              </a:ext>
-            </a:extLst>
-          </a:blip>
-          <a:stretch>
-            <a:fillRect/>
-          </a:stretch>
-        </p:blipFill>
-        <p:spPr>
-          <a:xfrm>
-            <a:off x="1256322" y="3939844"/>
-            <a:ext cx="628650" cy="628650"/>
-          </a:xfrm>
-          <a:prstGeom prst="rect">
-            <a:avLst/>
-          </a:prstGeom>
-        </p:spPr>
-      </p:pic>
-      <p:pic>
-        <p:nvPicPr>
-          <p:cNvPr id="9" name="Grafik 8" descr="Rede Silhouette">
-            <a:extLst>
-              <a:ext uri="{FF2B5EF4-FFF2-40B4-BE49-F238E27FC236}">
-                <a16:creationId xmlns:a16="http://schemas.microsoft.com/office/drawing/2014/main" id="{9D2DE81D-9E60-3545-AAA0-DC33E43AFAAB}"/>
-              </a:ext>
-            </a:extLst>
-          </p:cNvPr>
-          <p:cNvPicPr>
-            <a:picLocks noChangeAspect="1"/>
-          </p:cNvPicPr>
-          <p:nvPr/>
-        </p:nvPicPr>
-        <p:blipFill>
-          <a:blip r:embed="rId6">
-            <a:extLst>
-              <a:ext uri="{96DAC541-7B7A-43D3-8B79-37D633B846F1}">
-                <asvg:svgBlip xmlns:asvg="http://schemas.microsoft.com/office/drawing/2016/SVG/main" r:embed="rId7"/>
-              </a:ext>
-            </a:extLst>
-          </a:blip>
-          <a:stretch>
-            <a:fillRect/>
-          </a:stretch>
-        </p:blipFill>
-        <p:spPr>
-          <a:xfrm>
-            <a:off x="887232" y="3626712"/>
-            <a:ext cx="1390648" cy="1390648"/>
-          </a:xfrm>
-          <a:prstGeom prst="rect">
-            <a:avLst/>
-          </a:prstGeom>
-        </p:spPr>
-      </p:pic>
-      <p:pic>
-        <p:nvPicPr>
-          <p:cNvPr id="10" name="Grafik 9" descr="Verbindungen mit einfarbiger Füllung">
-            <a:extLst>
-              <a:ext uri="{FF2B5EF4-FFF2-40B4-BE49-F238E27FC236}">
-                <a16:creationId xmlns:a16="http://schemas.microsoft.com/office/drawing/2014/main" id="{F141C75A-4E1A-2E45-A9C2-2536E9C6A107}"/>
-              </a:ext>
-            </a:extLst>
-          </p:cNvPr>
-          <p:cNvPicPr>
-            <a:picLocks noChangeAspect="1"/>
-          </p:cNvPicPr>
-          <p:nvPr/>
-        </p:nvPicPr>
-        <p:blipFill>
-          <a:blip r:embed="rId8">
-            <a:extLst>
-              <a:ext uri="{96DAC541-7B7A-43D3-8B79-37D633B846F1}">
-                <asvg:svgBlip xmlns:asvg="http://schemas.microsoft.com/office/drawing/2016/SVG/main" r:embed="rId9"/>
-              </a:ext>
-            </a:extLst>
-          </a:blip>
-          <a:stretch>
-            <a:fillRect/>
-          </a:stretch>
-        </p:blipFill>
-        <p:spPr>
-          <a:xfrm>
-            <a:off x="1787345" y="3939844"/>
-            <a:ext cx="2097882" cy="2097882"/>
-          </a:xfrm>
-          <a:prstGeom prst="rect">
-            <a:avLst/>
-          </a:prstGeom>
-        </p:spPr>
-      </p:pic>
-      <p:pic>
-        <p:nvPicPr>
-          <p:cNvPr id="11" name="Grafik 10" descr="Neutrale Gesichtskontur mit einfarbiger Füllung">
-            <a:extLst>
-              <a:ext uri="{FF2B5EF4-FFF2-40B4-BE49-F238E27FC236}">
-                <a16:creationId xmlns:a16="http://schemas.microsoft.com/office/drawing/2014/main" id="{40B710EB-E8B3-134B-80ED-415F5153544F}"/>
-              </a:ext>
-            </a:extLst>
-          </p:cNvPr>
-          <p:cNvPicPr>
-            <a:picLocks noChangeAspect="1"/>
-          </p:cNvPicPr>
-          <p:nvPr/>
-        </p:nvPicPr>
-        <p:blipFill>
-          <a:blip r:embed="rId10">
-            <a:extLst>
-              <a:ext uri="{96DAC541-7B7A-43D3-8B79-37D633B846F1}">
-                <asvg:svgBlip xmlns:asvg="http://schemas.microsoft.com/office/drawing/2016/SVG/main" r:embed="rId11"/>
-              </a:ext>
-            </a:extLst>
-          </a:blip>
-          <a:stretch>
-            <a:fillRect/>
-          </a:stretch>
-        </p:blipFill>
-        <p:spPr>
-          <a:xfrm>
-            <a:off x="3957857" y="4223507"/>
-            <a:ext cx="464348" cy="464348"/>
-          </a:xfrm>
-          <a:prstGeom prst="rect">
-            <a:avLst/>
-          </a:prstGeom>
-        </p:spPr>
-      </p:pic>
-      <p:pic>
-        <p:nvPicPr>
-          <p:cNvPr id="12" name="Grafik 11" descr="Gedankenblase Silhouette">
-            <a:extLst>
-              <a:ext uri="{FF2B5EF4-FFF2-40B4-BE49-F238E27FC236}">
-                <a16:creationId xmlns:a16="http://schemas.microsoft.com/office/drawing/2014/main" id="{99D28E00-13E5-384C-89BC-165BAA703596}"/>
-              </a:ext>
-            </a:extLst>
-          </p:cNvPr>
-          <p:cNvPicPr>
-            <a:picLocks noChangeAspect="1"/>
-          </p:cNvPicPr>
-          <p:nvPr/>
-        </p:nvPicPr>
-        <p:blipFill>
-          <a:blip r:embed="rId2">
-            <a:extLst>
-              <a:ext uri="{96DAC541-7B7A-43D3-8B79-37D633B846F1}">
-                <asvg:svgBlip xmlns:asvg="http://schemas.microsoft.com/office/drawing/2016/SVG/main" r:embed="rId3"/>
-              </a:ext>
-            </a:extLst>
-          </a:blip>
-          <a:stretch>
-            <a:fillRect/>
-          </a:stretch>
-        </p:blipFill>
-        <p:spPr>
-          <a:xfrm>
-            <a:off x="3563768" y="3302871"/>
-            <a:ext cx="1014402" cy="1014402"/>
-          </a:xfrm>
-          <a:prstGeom prst="rect">
-            <a:avLst/>
-          </a:prstGeom>
-        </p:spPr>
-      </p:pic>
-      <p:pic>
-        <p:nvPicPr>
-          <p:cNvPr id="13" name="Grafik 12" descr="Trauriges Gesicht mit einfarbiger Füllung mit einfarbiger Füllung">
-            <a:extLst>
-              <a:ext uri="{FF2B5EF4-FFF2-40B4-BE49-F238E27FC236}">
-                <a16:creationId xmlns:a16="http://schemas.microsoft.com/office/drawing/2014/main" id="{507B3CCE-6099-6443-9F39-4001C95AED57}"/>
-              </a:ext>
-            </a:extLst>
-          </p:cNvPr>
-          <p:cNvPicPr>
-            <a:picLocks noChangeAspect="1"/>
-          </p:cNvPicPr>
-          <p:nvPr/>
-        </p:nvPicPr>
-        <p:blipFill>
-          <a:blip r:embed="rId12">
-            <a:extLst>
-              <a:ext uri="{96DAC541-7B7A-43D3-8B79-37D633B846F1}">
-                <asvg:svgBlip xmlns:asvg="http://schemas.microsoft.com/office/drawing/2016/SVG/main" r:embed="rId13"/>
-              </a:ext>
-            </a:extLst>
-          </a:blip>
-          <a:stretch>
-            <a:fillRect/>
-          </a:stretch>
-        </p:blipFill>
-        <p:spPr>
-          <a:xfrm>
-            <a:off x="3847283" y="3492472"/>
-            <a:ext cx="447372" cy="447372"/>
-          </a:xfrm>
-          <a:prstGeom prst="rect">
-            <a:avLst/>
-          </a:prstGeom>
-        </p:spPr>
-      </p:pic>
-      <p:sp>
-        <p:nvSpPr>
-          <p:cNvPr id="14" name="Rechteck 13">
-            <a:extLst>
-              <a:ext uri="{FF2B5EF4-FFF2-40B4-BE49-F238E27FC236}">
-                <a16:creationId xmlns:a16="http://schemas.microsoft.com/office/drawing/2014/main" id="{444D2078-6A3B-E34D-BD32-1B89BA4B8CEB}"/>
-              </a:ext>
-            </a:extLst>
-          </p:cNvPr>
-          <p:cNvSpPr/>
-          <p:nvPr/>
-        </p:nvSpPr>
-        <p:spPr>
-          <a:xfrm>
-            <a:off x="2545558" y="6397234"/>
-            <a:ext cx="8070050" cy="400110"/>
-          </a:xfrm>
-          <a:prstGeom prst="rect">
-            <a:avLst/>
-          </a:prstGeom>
-        </p:spPr>
-        <p:txBody>
-          <a:bodyPr wrap="square">
-            <a:spAutoFit/>
-          </a:bodyPr>
-          <a:lstStyle/>
-          <a:p>
-            <a:pPr>
-              <a:buFont typeface="Wingdings" pitchFamily="2" charset="2"/>
-              <a:buChar char="à"/>
-            </a:pPr>
-            <a:r>
-              <a:rPr lang="en-US" sz="2000" dirty="0">
-                <a:sym typeface="Wingdings" pitchFamily="2" charset="2"/>
-              </a:rPr>
-              <a:t> automate the process of detecting hate speech as much as possible</a:t>
-            </a:r>
-            <a:endParaRPr lang="en-US" sz="2000" dirty="0"/>
-          </a:p>
-        </p:txBody>
-      </p:sp>
-      <p:pic>
-        <p:nvPicPr>
-          <p:cNvPr id="15" name="Grafik 14" descr="Gedankenblase Silhouette">
-            <a:extLst>
-              <a:ext uri="{FF2B5EF4-FFF2-40B4-BE49-F238E27FC236}">
-                <a16:creationId xmlns:a16="http://schemas.microsoft.com/office/drawing/2014/main" id="{A39F6944-E9F2-DE40-944C-F57156858906}"/>
-              </a:ext>
-            </a:extLst>
-          </p:cNvPr>
-          <p:cNvPicPr>
-            <a:picLocks noChangeAspect="1"/>
-          </p:cNvPicPr>
-          <p:nvPr/>
-        </p:nvPicPr>
-        <p:blipFill>
-          <a:blip r:embed="rId2">
-            <a:extLst>
-              <a:ext uri="{96DAC541-7B7A-43D3-8B79-37D633B846F1}">
-                <asvg:svgBlip xmlns:asvg="http://schemas.microsoft.com/office/drawing/2016/SVG/main" r:embed="rId3"/>
-              </a:ext>
-            </a:extLst>
-          </a:blip>
-          <a:stretch>
-            <a:fillRect/>
-          </a:stretch>
-        </p:blipFill>
-        <p:spPr>
-          <a:xfrm>
-            <a:off x="2663659" y="3275778"/>
-            <a:ext cx="1014402" cy="1014402"/>
-          </a:xfrm>
-          <a:prstGeom prst="rect">
-            <a:avLst/>
-          </a:prstGeom>
-        </p:spPr>
-      </p:pic>
-      <p:pic>
-        <p:nvPicPr>
-          <p:cNvPr id="16" name="Grafik 15" descr="Trauriges Gesicht mit einfarbiger Füllung mit einfarbiger Füllung">
-            <a:extLst>
-              <a:ext uri="{FF2B5EF4-FFF2-40B4-BE49-F238E27FC236}">
-                <a16:creationId xmlns:a16="http://schemas.microsoft.com/office/drawing/2014/main" id="{0555CB68-36F7-6547-817A-D6C2215D6676}"/>
-              </a:ext>
-            </a:extLst>
-          </p:cNvPr>
-          <p:cNvPicPr>
-            <a:picLocks noChangeAspect="1"/>
-          </p:cNvPicPr>
-          <p:nvPr/>
-        </p:nvPicPr>
-        <p:blipFill>
-          <a:blip r:embed="rId12">
-            <a:extLst>
-              <a:ext uri="{96DAC541-7B7A-43D3-8B79-37D633B846F1}">
-                <asvg:svgBlip xmlns:asvg="http://schemas.microsoft.com/office/drawing/2016/SVG/main" r:embed="rId13"/>
-              </a:ext>
-            </a:extLst>
-          </a:blip>
-          <a:stretch>
-            <a:fillRect/>
-          </a:stretch>
-        </p:blipFill>
-        <p:spPr>
-          <a:xfrm>
-            <a:off x="2947174" y="3465379"/>
-            <a:ext cx="447372" cy="447372"/>
-          </a:xfrm>
-          <a:prstGeom prst="rect">
-            <a:avLst/>
-          </a:prstGeom>
-        </p:spPr>
-      </p:pic>
-      <p:pic>
-        <p:nvPicPr>
-          <p:cNvPr id="17" name="Grafik 16" descr="Gedankenblase Silhouette">
-            <a:extLst>
-              <a:ext uri="{FF2B5EF4-FFF2-40B4-BE49-F238E27FC236}">
-                <a16:creationId xmlns:a16="http://schemas.microsoft.com/office/drawing/2014/main" id="{B6820C65-C3BC-7B47-B3E5-67E6284AD57E}"/>
-              </a:ext>
-            </a:extLst>
-          </p:cNvPr>
-          <p:cNvPicPr>
-            <a:picLocks noChangeAspect="1"/>
-          </p:cNvPicPr>
-          <p:nvPr/>
-        </p:nvPicPr>
-        <p:blipFill>
-          <a:blip r:embed="rId2">
-            <a:extLst>
-              <a:ext uri="{96DAC541-7B7A-43D3-8B79-37D633B846F1}">
-                <asvg:svgBlip xmlns:asvg="http://schemas.microsoft.com/office/drawing/2016/SVG/main" r:embed="rId3"/>
-              </a:ext>
-            </a:extLst>
-          </a:blip>
-          <a:stretch>
-            <a:fillRect/>
-          </a:stretch>
-        </p:blipFill>
-        <p:spPr>
-          <a:xfrm flipV="1">
-            <a:off x="3121523" y="5384370"/>
-            <a:ext cx="1014402" cy="1014402"/>
-          </a:xfrm>
-          <a:prstGeom prst="rect">
-            <a:avLst/>
-          </a:prstGeom>
-        </p:spPr>
-      </p:pic>
-      <p:pic>
-        <p:nvPicPr>
-          <p:cNvPr id="18" name="Grafik 17" descr="Lächelnde Gesichtskontur mit einfarbiger Füllung">
-            <a:extLst>
-              <a:ext uri="{FF2B5EF4-FFF2-40B4-BE49-F238E27FC236}">
-                <a16:creationId xmlns:a16="http://schemas.microsoft.com/office/drawing/2014/main" id="{76A4A4AE-4F5F-2B4E-AC64-E593EC351084}"/>
-              </a:ext>
-            </a:extLst>
-          </p:cNvPr>
-          <p:cNvPicPr>
-            <a:picLocks noChangeAspect="1"/>
-          </p:cNvPicPr>
-          <p:nvPr/>
-        </p:nvPicPr>
-        <p:blipFill>
-          <a:blip r:embed="rId14">
-            <a:extLst>
-              <a:ext uri="{96DAC541-7B7A-43D3-8B79-37D633B846F1}">
-                <asvg:svgBlip xmlns:asvg="http://schemas.microsoft.com/office/drawing/2016/SVG/main" r:embed="rId15"/>
-              </a:ext>
-            </a:extLst>
-          </a:blip>
-          <a:stretch>
-            <a:fillRect/>
-          </a:stretch>
-        </p:blipFill>
-        <p:spPr>
-          <a:xfrm>
-            <a:off x="3428027" y="5760280"/>
-            <a:ext cx="457200" cy="457200"/>
-          </a:xfrm>
-          <a:prstGeom prst="rect">
-            <a:avLst/>
-          </a:prstGeom>
-        </p:spPr>
-      </p:pic>
-      <p:pic>
-        <p:nvPicPr>
-          <p:cNvPr id="19" name="Grafik 18" descr="Gedankenblase Silhouette">
-            <a:extLst>
-              <a:ext uri="{FF2B5EF4-FFF2-40B4-BE49-F238E27FC236}">
-                <a16:creationId xmlns:a16="http://schemas.microsoft.com/office/drawing/2014/main" id="{049ECB83-D550-6C47-B53F-A2049A2B94C4}"/>
-              </a:ext>
-            </a:extLst>
-          </p:cNvPr>
-          <p:cNvPicPr>
-            <a:picLocks noChangeAspect="1"/>
-          </p:cNvPicPr>
-          <p:nvPr/>
-        </p:nvPicPr>
-        <p:blipFill>
-          <a:blip r:embed="rId2">
-            <a:extLst>
-              <a:ext uri="{96DAC541-7B7A-43D3-8B79-37D633B846F1}">
-                <asvg:svgBlip xmlns:asvg="http://schemas.microsoft.com/office/drawing/2016/SVG/main" r:embed="rId3"/>
-              </a:ext>
-            </a:extLst>
-          </a:blip>
-          <a:stretch>
-            <a:fillRect/>
-          </a:stretch>
-        </p:blipFill>
-        <p:spPr>
-          <a:xfrm flipH="1" flipV="1">
-            <a:off x="1232359" y="5627474"/>
-            <a:ext cx="1014402" cy="1014402"/>
-          </a:xfrm>
-          <a:prstGeom prst="rect">
-            <a:avLst/>
-          </a:prstGeom>
-        </p:spPr>
-      </p:pic>
-      <p:pic>
-        <p:nvPicPr>
-          <p:cNvPr id="20" name="Grafik 19" descr="Lächelnde Gesichtskontur mit einfarbiger Füllung">
-            <a:extLst>
-              <a:ext uri="{FF2B5EF4-FFF2-40B4-BE49-F238E27FC236}">
-                <a16:creationId xmlns:a16="http://schemas.microsoft.com/office/drawing/2014/main" id="{B58367C6-E219-2545-BBA2-5E0D9C56E35D}"/>
-              </a:ext>
-            </a:extLst>
-          </p:cNvPr>
-          <p:cNvPicPr>
-            <a:picLocks noChangeAspect="1"/>
-          </p:cNvPicPr>
-          <p:nvPr/>
-        </p:nvPicPr>
-        <p:blipFill>
-          <a:blip r:embed="rId14">
-            <a:extLst>
-              <a:ext uri="{96DAC541-7B7A-43D3-8B79-37D633B846F1}">
-                <asvg:svgBlip xmlns:asvg="http://schemas.microsoft.com/office/drawing/2016/SVG/main" r:embed="rId15"/>
-              </a:ext>
-            </a:extLst>
-          </a:blip>
-          <a:stretch>
-            <a:fillRect/>
-          </a:stretch>
-        </p:blipFill>
-        <p:spPr>
-          <a:xfrm>
-            <a:off x="1536647" y="5994271"/>
-            <a:ext cx="457200" cy="457200"/>
-          </a:xfrm>
-          <a:prstGeom prst="rect">
-            <a:avLst/>
-          </a:prstGeom>
-        </p:spPr>
-      </p:pic>
-      <p:pic>
-        <p:nvPicPr>
-          <p:cNvPr id="21" name="Grafik 20" descr="Verbotsschild mit einfarbiger Füllung">
-            <a:extLst>
-              <a:ext uri="{FF2B5EF4-FFF2-40B4-BE49-F238E27FC236}">
-                <a16:creationId xmlns:a16="http://schemas.microsoft.com/office/drawing/2014/main" id="{2B6BEF9D-9882-134B-A573-A1D7B81CC809}"/>
-              </a:ext>
-            </a:extLst>
-          </p:cNvPr>
-          <p:cNvPicPr>
-            <a:picLocks noChangeAspect="1"/>
-          </p:cNvPicPr>
-          <p:nvPr/>
-        </p:nvPicPr>
-        <p:blipFill>
-          <a:blip r:embed="rId16">
-            <a:extLst>
-              <a:ext uri="{96DAC541-7B7A-43D3-8B79-37D633B846F1}">
-                <asvg:svgBlip xmlns:asvg="http://schemas.microsoft.com/office/drawing/2016/SVG/main" r:embed="rId17"/>
-              </a:ext>
-            </a:extLst>
-          </a:blip>
-          <a:stretch>
-            <a:fillRect/>
-          </a:stretch>
-        </p:blipFill>
-        <p:spPr>
-          <a:xfrm>
-            <a:off x="1115606" y="3766307"/>
-            <a:ext cx="914400" cy="914400"/>
-          </a:xfrm>
-          <a:prstGeom prst="rect">
-            <a:avLst/>
-          </a:prstGeom>
-        </p:spPr>
-      </p:pic>
-      <p:sp>
-        <p:nvSpPr>
-          <p:cNvPr id="22" name="Inhaltsplatzhalter 2">
-            <a:extLst>
-              <a:ext uri="{FF2B5EF4-FFF2-40B4-BE49-F238E27FC236}">
-                <a16:creationId xmlns:a16="http://schemas.microsoft.com/office/drawing/2014/main" id="{6E77B341-CB1C-0F49-993E-12327F5921D3}"/>
-              </a:ext>
-            </a:extLst>
-          </p:cNvPr>
-          <p:cNvSpPr txBox="1">
-            <a:spLocks/>
-          </p:cNvSpPr>
-          <p:nvPr/>
-        </p:nvSpPr>
-        <p:spPr>
-          <a:xfrm>
-            <a:off x="5167318" y="4363333"/>
-            <a:ext cx="6929432" cy="3529015"/>
-          </a:xfrm>
-          <a:prstGeom prst="rect">
-            <a:avLst/>
-          </a:prstGeom>
-        </p:spPr>
-        <p:txBody>
-          <a:bodyPr vert="horz" lIns="91440" tIns="45720" rIns="91440" bIns="45720" rtlCol="0">
-            <a:normAutofit/>
-          </a:bodyPr>
-          <a:lstStyle>
-            <a:lvl1pPr marL="384048" indent="-384048" algn="l" defTabSz="914400" rtl="0" eaLnBrk="1" latinLnBrk="0" hangingPunct="1">
-              <a:lnSpc>
-                <a:spcPct val="94000"/>
-              </a:lnSpc>
-              <a:spcBef>
-                <a:spcPts val="1000"/>
-              </a:spcBef>
-              <a:spcAft>
-                <a:spcPts val="200"/>
-              </a:spcAft>
-              <a:buFont typeface="Franklin Gothic Book" panose="020B0503020102020204" pitchFamily="34" charset="0"/>
-              <a:buChar char="■"/>
-              <a:defRPr sz="2000" kern="1200" baseline="0">
-                <a:solidFill>
-                  <a:schemeClr val="tx2"/>
-                </a:solidFill>
-                <a:latin typeface="+mn-lt"/>
-                <a:ea typeface="+mn-ea"/>
-                <a:cs typeface="+mn-cs"/>
-              </a:defRPr>
-            </a:lvl1pPr>
-            <a:lvl2pPr marL="914400" indent="-384048" algn="l" defTabSz="914400" rtl="0" eaLnBrk="1" latinLnBrk="0" hangingPunct="1">
-              <a:lnSpc>
-                <a:spcPct val="94000"/>
-              </a:lnSpc>
-              <a:spcBef>
-                <a:spcPts val="500"/>
-              </a:spcBef>
-              <a:spcAft>
-                <a:spcPts val="200"/>
-              </a:spcAft>
-              <a:buFont typeface="Franklin Gothic Book" panose="020B0503020102020204" pitchFamily="34" charset="0"/>
-              <a:buChar char="–"/>
-              <a:defRPr sz="2000" i="1" kern="1200" baseline="0">
-                <a:solidFill>
-                  <a:schemeClr val="tx2"/>
-                </a:solidFill>
-                <a:latin typeface="+mn-lt"/>
-                <a:ea typeface="+mn-ea"/>
-                <a:cs typeface="+mn-cs"/>
-              </a:defRPr>
-            </a:lvl2pPr>
-            <a:lvl3pPr marL="1371600" indent="-384048" algn="l" defTabSz="914400" rtl="0" eaLnBrk="1" latinLnBrk="0" hangingPunct="1">
-              <a:lnSpc>
-                <a:spcPct val="94000"/>
-              </a:lnSpc>
-              <a:spcBef>
-                <a:spcPts val="500"/>
-              </a:spcBef>
-              <a:spcAft>
-                <a:spcPts val="200"/>
-              </a:spcAft>
-              <a:buFont typeface="Franklin Gothic Book" panose="020B0503020102020204" pitchFamily="34" charset="0"/>
-              <a:buChar char="■"/>
-              <a:defRPr sz="1800" kern="1200" baseline="0">
-                <a:solidFill>
-                  <a:schemeClr val="tx2"/>
-                </a:solidFill>
-                <a:latin typeface="+mn-lt"/>
-                <a:ea typeface="+mn-ea"/>
-                <a:cs typeface="+mn-cs"/>
-              </a:defRPr>
-            </a:lvl3pPr>
-            <a:lvl4pPr marL="1828800" indent="-384048" algn="l" defTabSz="914400" rtl="0" eaLnBrk="1" latinLnBrk="0" hangingPunct="1">
-              <a:lnSpc>
-                <a:spcPct val="94000"/>
-              </a:lnSpc>
-              <a:spcBef>
-                <a:spcPts val="500"/>
-              </a:spcBef>
-              <a:spcAft>
-                <a:spcPts val="200"/>
-              </a:spcAft>
-              <a:buFont typeface="Franklin Gothic Book" panose="020B0503020102020204" pitchFamily="34" charset="0"/>
-              <a:buChar char="–"/>
-              <a:defRPr sz="1800" i="1" kern="1200" baseline="0">
-                <a:solidFill>
-                  <a:schemeClr val="tx2"/>
-                </a:solidFill>
-                <a:latin typeface="+mn-lt"/>
-                <a:ea typeface="+mn-ea"/>
-                <a:cs typeface="+mn-cs"/>
-              </a:defRPr>
-            </a:lvl4pPr>
-            <a:lvl5pPr marL="2286000" indent="-384048" algn="l" defTabSz="914400" rtl="0" eaLnBrk="1" latinLnBrk="0" hangingPunct="1">
-              <a:lnSpc>
-                <a:spcPct val="94000"/>
-              </a:lnSpc>
-              <a:spcBef>
-                <a:spcPts val="500"/>
-              </a:spcBef>
-              <a:spcAft>
-                <a:spcPts val="200"/>
-              </a:spcAft>
-              <a:buFont typeface="Franklin Gothic Book" panose="020B0503020102020204" pitchFamily="34" charset="0"/>
-              <a:buChar char="■"/>
-              <a:defRPr sz="1600" kern="1200" baseline="0">
-                <a:solidFill>
-                  <a:schemeClr val="tx2"/>
-                </a:solidFill>
-                <a:latin typeface="+mn-lt"/>
-                <a:ea typeface="+mn-ea"/>
-                <a:cs typeface="+mn-cs"/>
-              </a:defRPr>
-            </a:lvl5pPr>
-            <a:lvl6pPr marL="2743200" indent="-384048" algn="l" defTabSz="914400" rtl="0" eaLnBrk="1" latinLnBrk="0" hangingPunct="1">
-              <a:lnSpc>
-                <a:spcPct val="94000"/>
-              </a:lnSpc>
-              <a:spcBef>
-                <a:spcPts val="500"/>
-              </a:spcBef>
-              <a:spcAft>
-                <a:spcPts val="200"/>
-              </a:spcAft>
-              <a:buFont typeface="Franklin Gothic Book" panose="020B0503020102020204" pitchFamily="34" charset="0"/>
-              <a:buChar char="–"/>
-              <a:defRPr sz="1600" i="1" kern="1200" baseline="0">
-                <a:solidFill>
-                  <a:schemeClr val="tx2"/>
-                </a:solidFill>
-                <a:latin typeface="+mn-lt"/>
-                <a:ea typeface="+mn-ea"/>
-                <a:cs typeface="+mn-cs"/>
-              </a:defRPr>
-            </a:lvl6pPr>
-            <a:lvl7pPr marL="3200400" indent="-384048" algn="l" defTabSz="914400" rtl="0" eaLnBrk="1" latinLnBrk="0" hangingPunct="1">
-              <a:lnSpc>
-                <a:spcPct val="94000"/>
-              </a:lnSpc>
-              <a:spcBef>
-                <a:spcPts val="500"/>
-              </a:spcBef>
-              <a:spcAft>
-                <a:spcPts val="200"/>
-              </a:spcAft>
-              <a:buFont typeface="Franklin Gothic Book" panose="020B0503020102020204" pitchFamily="34" charset="0"/>
-              <a:buChar char="■"/>
-              <a:defRPr sz="1400" kern="1200" baseline="0">
-                <a:solidFill>
-                  <a:schemeClr val="tx2"/>
-                </a:solidFill>
-                <a:latin typeface="+mn-lt"/>
-                <a:ea typeface="+mn-ea"/>
-                <a:cs typeface="+mn-cs"/>
-              </a:defRPr>
-            </a:lvl7pPr>
-            <a:lvl8pPr marL="3657600" indent="-384048" algn="l" defTabSz="914400" rtl="0" eaLnBrk="1" latinLnBrk="0" hangingPunct="1">
-              <a:lnSpc>
-                <a:spcPct val="94000"/>
-              </a:lnSpc>
-              <a:spcBef>
-                <a:spcPts val="500"/>
-              </a:spcBef>
-              <a:spcAft>
-                <a:spcPts val="200"/>
-              </a:spcAft>
-              <a:buFont typeface="Franklin Gothic Book" panose="020B0503020102020204" pitchFamily="34" charset="0"/>
-              <a:buChar char="–"/>
-              <a:defRPr sz="1400" i="1" kern="1200" baseline="0">
-                <a:solidFill>
-                  <a:schemeClr val="tx2"/>
-                </a:solidFill>
-                <a:latin typeface="+mn-lt"/>
-                <a:ea typeface="+mn-ea"/>
-                <a:cs typeface="+mn-cs"/>
-              </a:defRPr>
-            </a:lvl8pPr>
-            <a:lvl9pPr marL="4114800" indent="-384048" algn="l" defTabSz="914400" rtl="0" eaLnBrk="1" latinLnBrk="0" hangingPunct="1">
-              <a:lnSpc>
-                <a:spcPct val="94000"/>
-              </a:lnSpc>
-              <a:spcBef>
-                <a:spcPts val="500"/>
-              </a:spcBef>
-              <a:spcAft>
-                <a:spcPts val="200"/>
-              </a:spcAft>
-              <a:buFont typeface="Franklin Gothic Book" panose="020B0503020102020204" pitchFamily="34" charset="0"/>
-              <a:buChar char="■"/>
-              <a:defRPr sz="1400" kern="1200" baseline="0">
-                <a:solidFill>
-                  <a:schemeClr val="tx2"/>
-                </a:solidFill>
-                <a:latin typeface="+mn-lt"/>
-                <a:ea typeface="+mn-ea"/>
-                <a:cs typeface="+mn-cs"/>
-              </a:defRPr>
-            </a:lvl9pPr>
-          </a:lstStyle>
-          <a:p>
-            <a:r>
-              <a:rPr lang="en-US" dirty="0"/>
-              <a:t>utmost importance to act quickly on social media</a:t>
-            </a:r>
-          </a:p>
-        </p:txBody>
-      </p:sp>
       <p:sp>
         <p:nvSpPr>
           <p:cNvPr id="23" name="Foliennummernplatzhalter 37">
@@ -8366,6 +8611,898 @@
           </a:p>
         </p:txBody>
       </p:sp>
+      <p:pic>
+        <p:nvPicPr>
+          <p:cNvPr id="24" name="Graphic 23" descr="Gears">
+            <a:extLst>
+              <a:ext uri="{FF2B5EF4-FFF2-40B4-BE49-F238E27FC236}">
+                <a16:creationId xmlns:a16="http://schemas.microsoft.com/office/drawing/2014/main" id="{EDD1B73E-0F89-4AC2-8890-30B3A797A973}"/>
+              </a:ext>
+            </a:extLst>
+          </p:cNvPr>
+          <p:cNvPicPr>
+            <a:picLocks noChangeAspect="1"/>
+          </p:cNvPicPr>
+          <p:nvPr/>
+        </p:nvPicPr>
+        <p:blipFill>
+          <a:blip r:embed="rId3">
+            <a:extLst>
+              <a:ext uri="{96DAC541-7B7A-43D3-8B79-37D633B846F1}">
+                <asvg:svgBlip xmlns:asvg="http://schemas.microsoft.com/office/drawing/2016/SVG/main" r:embed="rId4"/>
+              </a:ext>
+            </a:extLst>
+          </a:blip>
+          <a:stretch>
+            <a:fillRect/>
+          </a:stretch>
+        </p:blipFill>
+        <p:spPr>
+          <a:xfrm>
+            <a:off x="1569262" y="2456536"/>
+            <a:ext cx="914400" cy="914400"/>
+          </a:xfrm>
+          <a:prstGeom prst="rect">
+            <a:avLst/>
+          </a:prstGeom>
+        </p:spPr>
+      </p:pic>
+      <p:pic>
+        <p:nvPicPr>
+          <p:cNvPr id="26" name="Graphic 25" descr="Bar chart">
+            <a:extLst>
+              <a:ext uri="{FF2B5EF4-FFF2-40B4-BE49-F238E27FC236}">
+                <a16:creationId xmlns:a16="http://schemas.microsoft.com/office/drawing/2014/main" id="{07882B7C-B023-4540-8BAD-70F4F0F903C2}"/>
+              </a:ext>
+            </a:extLst>
+          </p:cNvPr>
+          <p:cNvPicPr>
+            <a:picLocks noChangeAspect="1"/>
+          </p:cNvPicPr>
+          <p:nvPr/>
+        </p:nvPicPr>
+        <p:blipFill>
+          <a:blip r:embed="rId5">
+            <a:extLst>
+              <a:ext uri="{96DAC541-7B7A-43D3-8B79-37D633B846F1}">
+                <asvg:svgBlip xmlns:asvg="http://schemas.microsoft.com/office/drawing/2016/SVG/main" r:embed="rId6"/>
+              </a:ext>
+            </a:extLst>
+          </a:blip>
+          <a:stretch>
+            <a:fillRect/>
+          </a:stretch>
+        </p:blipFill>
+        <p:spPr>
+          <a:xfrm>
+            <a:off x="9813682" y="2508853"/>
+            <a:ext cx="914400" cy="914400"/>
+          </a:xfrm>
+          <a:prstGeom prst="rect">
+            <a:avLst/>
+          </a:prstGeom>
+        </p:spPr>
+      </p:pic>
+      <p:pic>
+        <p:nvPicPr>
+          <p:cNvPr id="28" name="Graphic 27" descr="Database">
+            <a:extLst>
+              <a:ext uri="{FF2B5EF4-FFF2-40B4-BE49-F238E27FC236}">
+                <a16:creationId xmlns:a16="http://schemas.microsoft.com/office/drawing/2014/main" id="{064B40BE-E6B5-4397-B4A1-DDC926857146}"/>
+              </a:ext>
+            </a:extLst>
+          </p:cNvPr>
+          <p:cNvPicPr>
+            <a:picLocks noChangeAspect="1"/>
+          </p:cNvPicPr>
+          <p:nvPr/>
+        </p:nvPicPr>
+        <p:blipFill>
+          <a:blip r:embed="rId7">
+            <a:extLst>
+              <a:ext uri="{96DAC541-7B7A-43D3-8B79-37D633B846F1}">
+                <asvg:svgBlip xmlns:asvg="http://schemas.microsoft.com/office/drawing/2016/SVG/main" r:embed="rId8"/>
+              </a:ext>
+            </a:extLst>
+          </a:blip>
+          <a:stretch>
+            <a:fillRect/>
+          </a:stretch>
+        </p:blipFill>
+        <p:spPr>
+          <a:xfrm>
+            <a:off x="5584125" y="2456536"/>
+            <a:ext cx="914400" cy="914400"/>
+          </a:xfrm>
+          <a:prstGeom prst="rect">
+            <a:avLst/>
+          </a:prstGeom>
+        </p:spPr>
+      </p:pic>
+      <p:sp>
+        <p:nvSpPr>
+          <p:cNvPr id="30" name="TextBox 29">
+            <a:extLst>
+              <a:ext uri="{FF2B5EF4-FFF2-40B4-BE49-F238E27FC236}">
+                <a16:creationId xmlns:a16="http://schemas.microsoft.com/office/drawing/2014/main" id="{40218EA4-D474-40B9-A346-F33DE566C4F9}"/>
+              </a:ext>
+            </a:extLst>
+          </p:cNvPr>
+          <p:cNvSpPr txBox="1"/>
+          <p:nvPr/>
+        </p:nvSpPr>
+        <p:spPr>
+          <a:xfrm>
+            <a:off x="527143" y="1761864"/>
+            <a:ext cx="3362194" cy="646331"/>
+          </a:xfrm>
+          <a:prstGeom prst="rect">
+            <a:avLst/>
+          </a:prstGeom>
+          <a:noFill/>
+        </p:spPr>
+        <p:txBody>
+          <a:bodyPr wrap="square" rtlCol="0">
+            <a:spAutoFit/>
+          </a:bodyPr>
+          <a:lstStyle/>
+          <a:p>
+            <a:pPr algn="ctr"/>
+            <a:r>
+              <a:rPr lang="de-DE" b="1" dirty="0" err="1"/>
+              <a:t>Holistic</a:t>
+            </a:r>
+            <a:r>
+              <a:rPr lang="de-DE" b="1" dirty="0"/>
+              <a:t>, hand-</a:t>
+            </a:r>
+            <a:r>
+              <a:rPr lang="de-DE" b="1" dirty="0" err="1"/>
+              <a:t>crafted</a:t>
+            </a:r>
+            <a:r>
+              <a:rPr lang="de-DE" b="1" dirty="0"/>
+              <a:t> </a:t>
+            </a:r>
+            <a:r>
+              <a:rPr lang="de-DE" b="1" dirty="0" err="1"/>
+              <a:t>feature</a:t>
+            </a:r>
+            <a:r>
+              <a:rPr lang="de-DE" b="1" dirty="0"/>
+              <a:t> </a:t>
+            </a:r>
+            <a:r>
+              <a:rPr lang="de-DE" b="1" dirty="0" err="1"/>
+              <a:t>set</a:t>
+            </a:r>
+            <a:r>
+              <a:rPr lang="de-DE" b="1" dirty="0"/>
+              <a:t>  </a:t>
+            </a:r>
+            <a:r>
+              <a:rPr lang="de-DE" b="1" dirty="0" err="1"/>
+              <a:t>based</a:t>
+            </a:r>
+            <a:r>
+              <a:rPr lang="de-DE" b="1" dirty="0"/>
+              <a:t> on </a:t>
+            </a:r>
+            <a:r>
+              <a:rPr lang="de-DE" b="1" dirty="0" err="1"/>
+              <a:t>recent</a:t>
+            </a:r>
+            <a:r>
+              <a:rPr lang="de-DE" b="1" dirty="0"/>
+              <a:t> </a:t>
+            </a:r>
+            <a:r>
+              <a:rPr lang="de-DE" b="1" dirty="0" err="1"/>
+              <a:t>publications</a:t>
+            </a:r>
+            <a:endParaRPr lang="de-DE" b="1" dirty="0"/>
+          </a:p>
+        </p:txBody>
+      </p:sp>
+      <p:sp>
+        <p:nvSpPr>
+          <p:cNvPr id="31" name="TextBox 30">
+            <a:extLst>
+              <a:ext uri="{FF2B5EF4-FFF2-40B4-BE49-F238E27FC236}">
+                <a16:creationId xmlns:a16="http://schemas.microsoft.com/office/drawing/2014/main" id="{AB9558A3-39B0-49D4-B1EE-57DA0C6E72C9}"/>
+              </a:ext>
+            </a:extLst>
+          </p:cNvPr>
+          <p:cNvSpPr txBox="1"/>
+          <p:nvPr/>
+        </p:nvSpPr>
+        <p:spPr>
+          <a:xfrm>
+            <a:off x="4360227" y="1948545"/>
+            <a:ext cx="3362194" cy="369332"/>
+          </a:xfrm>
+          <a:prstGeom prst="rect">
+            <a:avLst/>
+          </a:prstGeom>
+          <a:noFill/>
+        </p:spPr>
+        <p:txBody>
+          <a:bodyPr wrap="square" rtlCol="0">
+            <a:spAutoFit/>
+          </a:bodyPr>
+          <a:lstStyle/>
+          <a:p>
+            <a:pPr algn="ctr"/>
+            <a:r>
+              <a:rPr lang="de-DE" b="1" dirty="0" err="1"/>
+              <a:t>Preprocessed</a:t>
+            </a:r>
+            <a:r>
+              <a:rPr lang="de-DE" b="1" dirty="0"/>
+              <a:t> Training Corpus</a:t>
+            </a:r>
+          </a:p>
+        </p:txBody>
+      </p:sp>
+      <p:sp>
+        <p:nvSpPr>
+          <p:cNvPr id="32" name="TextBox 31">
+            <a:extLst>
+              <a:ext uri="{FF2B5EF4-FFF2-40B4-BE49-F238E27FC236}">
+                <a16:creationId xmlns:a16="http://schemas.microsoft.com/office/drawing/2014/main" id="{63BFAEC2-DCC2-4227-B2D3-4D993D59EB7B}"/>
+              </a:ext>
+            </a:extLst>
+          </p:cNvPr>
+          <p:cNvSpPr txBox="1"/>
+          <p:nvPr/>
+        </p:nvSpPr>
+        <p:spPr>
+          <a:xfrm>
+            <a:off x="7920682" y="1621404"/>
+            <a:ext cx="2320352" cy="1200329"/>
+          </a:xfrm>
+          <a:prstGeom prst="rect">
+            <a:avLst/>
+          </a:prstGeom>
+          <a:noFill/>
+        </p:spPr>
+        <p:txBody>
+          <a:bodyPr wrap="square" rtlCol="0">
+            <a:spAutoFit/>
+          </a:bodyPr>
+          <a:lstStyle/>
+          <a:p>
+            <a:pPr algn="ctr"/>
+            <a:r>
+              <a:rPr lang="de-DE" b="1" dirty="0" err="1"/>
+              <a:t>Logistic</a:t>
+            </a:r>
+            <a:r>
+              <a:rPr lang="de-DE" b="1" dirty="0"/>
+              <a:t> Regression SVM</a:t>
+            </a:r>
+          </a:p>
+          <a:p>
+            <a:pPr algn="ctr"/>
+            <a:r>
+              <a:rPr lang="de-DE" b="1" dirty="0" err="1"/>
+              <a:t>Decision</a:t>
+            </a:r>
+            <a:r>
+              <a:rPr lang="de-DE" b="1" dirty="0"/>
+              <a:t> </a:t>
+            </a:r>
+            <a:r>
+              <a:rPr lang="de-DE" b="1" dirty="0" err="1"/>
+              <a:t>Forest</a:t>
+            </a:r>
+            <a:r>
+              <a:rPr lang="de-DE" b="1" dirty="0"/>
+              <a:t>, Random </a:t>
+            </a:r>
+            <a:r>
+              <a:rPr lang="de-DE" b="1" dirty="0" err="1"/>
+              <a:t>Forest</a:t>
+            </a:r>
+            <a:endParaRPr lang="de-DE" b="1" dirty="0"/>
+          </a:p>
+        </p:txBody>
+      </p:sp>
+      <p:sp>
+        <p:nvSpPr>
+          <p:cNvPr id="33" name="TextBox 32">
+            <a:extLst>
+              <a:ext uri="{FF2B5EF4-FFF2-40B4-BE49-F238E27FC236}">
+                <a16:creationId xmlns:a16="http://schemas.microsoft.com/office/drawing/2014/main" id="{958F4A42-D5D0-40F4-A38D-EE7A5DBDA05A}"/>
+              </a:ext>
+            </a:extLst>
+          </p:cNvPr>
+          <p:cNvSpPr txBox="1"/>
+          <p:nvPr/>
+        </p:nvSpPr>
+        <p:spPr>
+          <a:xfrm>
+            <a:off x="10914472" y="1951688"/>
+            <a:ext cx="914400" cy="369332"/>
+          </a:xfrm>
+          <a:prstGeom prst="rect">
+            <a:avLst/>
+          </a:prstGeom>
+          <a:noFill/>
+        </p:spPr>
+        <p:txBody>
+          <a:bodyPr wrap="square" rtlCol="0">
+            <a:spAutoFit/>
+          </a:bodyPr>
+          <a:lstStyle/>
+          <a:p>
+            <a:pPr algn="ctr"/>
+            <a:r>
+              <a:rPr lang="de-DE" b="1" dirty="0"/>
+              <a:t>LSTM</a:t>
+            </a:r>
+          </a:p>
+        </p:txBody>
+      </p:sp>
+      <p:sp>
+        <p:nvSpPr>
+          <p:cNvPr id="34" name="TextBox 33">
+            <a:extLst>
+              <a:ext uri="{FF2B5EF4-FFF2-40B4-BE49-F238E27FC236}">
+                <a16:creationId xmlns:a16="http://schemas.microsoft.com/office/drawing/2014/main" id="{31AEBD3B-2FFC-447D-AA33-BFA50B3D1CA9}"/>
+              </a:ext>
+            </a:extLst>
+          </p:cNvPr>
+          <p:cNvSpPr txBox="1"/>
+          <p:nvPr/>
+        </p:nvSpPr>
+        <p:spPr>
+          <a:xfrm>
+            <a:off x="10120553" y="1944786"/>
+            <a:ext cx="914400" cy="369332"/>
+          </a:xfrm>
+          <a:prstGeom prst="rect">
+            <a:avLst/>
+          </a:prstGeom>
+          <a:noFill/>
+        </p:spPr>
+        <p:txBody>
+          <a:bodyPr wrap="square" rtlCol="0">
+            <a:spAutoFit/>
+          </a:bodyPr>
+          <a:lstStyle/>
+          <a:p>
+            <a:pPr algn="ctr"/>
+            <a:r>
+              <a:rPr lang="de-DE" b="1" dirty="0"/>
+              <a:t>vs.</a:t>
+            </a:r>
+          </a:p>
+        </p:txBody>
+      </p:sp>
+      <p:sp>
+        <p:nvSpPr>
+          <p:cNvPr id="35" name="Rechteck 4">
+            <a:extLst>
+              <a:ext uri="{FF2B5EF4-FFF2-40B4-BE49-F238E27FC236}">
+                <a16:creationId xmlns:a16="http://schemas.microsoft.com/office/drawing/2014/main" id="{5E560CD1-FFEB-4399-9644-7247C8EBEA5A}"/>
+              </a:ext>
+            </a:extLst>
+          </p:cNvPr>
+          <p:cNvSpPr/>
+          <p:nvPr/>
+        </p:nvSpPr>
+        <p:spPr>
+          <a:xfrm>
+            <a:off x="4020400" y="4057176"/>
+            <a:ext cx="4151199" cy="646331"/>
+          </a:xfrm>
+          <a:prstGeom prst="rect">
+            <a:avLst/>
+          </a:prstGeom>
+          <a:noFill/>
+          <a:ln>
+            <a:solidFill>
+              <a:srgbClr val="3F5161"/>
+            </a:solidFill>
+          </a:ln>
+        </p:spPr>
+        <p:style>
+          <a:lnRef idx="2">
+            <a:schemeClr val="accent1">
+              <a:shade val="50000"/>
+            </a:schemeClr>
+          </a:lnRef>
+          <a:fillRef idx="1">
+            <a:schemeClr val="accent1"/>
+          </a:fillRef>
+          <a:effectRef idx="0">
+            <a:schemeClr val="accent1"/>
+          </a:effectRef>
+          <a:fontRef idx="minor">
+            <a:schemeClr val="lt1"/>
+          </a:fontRef>
+        </p:style>
+        <p:txBody>
+          <a:bodyPr rtlCol="0" anchor="ctr"/>
+          <a:lstStyle/>
+          <a:p>
+            <a:pPr algn="ctr"/>
+            <a:r>
+              <a:rPr lang="de-DE" sz="2800" b="1" dirty="0" err="1">
+                <a:solidFill>
+                  <a:schemeClr val="tx1"/>
+                </a:solidFill>
+              </a:rPr>
+              <a:t>Hate</a:t>
+            </a:r>
+            <a:r>
+              <a:rPr lang="de-DE" sz="2800" b="1" dirty="0">
+                <a:solidFill>
+                  <a:schemeClr val="tx1"/>
+                </a:solidFill>
+              </a:rPr>
+              <a:t> Speech </a:t>
+            </a:r>
+            <a:r>
+              <a:rPr lang="de-DE" sz="2800" b="1" dirty="0" err="1">
+                <a:solidFill>
+                  <a:schemeClr val="tx1"/>
+                </a:solidFill>
+              </a:rPr>
+              <a:t>Detection</a:t>
+            </a:r>
+            <a:endParaRPr lang="de-DE" sz="2800" b="1" dirty="0">
+              <a:solidFill>
+                <a:schemeClr val="tx1"/>
+              </a:solidFill>
+            </a:endParaRPr>
+          </a:p>
+        </p:txBody>
+      </p:sp>
+      <p:sp>
+        <p:nvSpPr>
+          <p:cNvPr id="45" name="Arrow: Right 44">
+            <a:extLst>
+              <a:ext uri="{FF2B5EF4-FFF2-40B4-BE49-F238E27FC236}">
+                <a16:creationId xmlns:a16="http://schemas.microsoft.com/office/drawing/2014/main" id="{1F1FC6C2-E11E-4DAD-B10C-CBAA29FD943B}"/>
+              </a:ext>
+            </a:extLst>
+          </p:cNvPr>
+          <p:cNvSpPr/>
+          <p:nvPr/>
+        </p:nvSpPr>
+        <p:spPr>
+          <a:xfrm rot="1571753">
+            <a:off x="2244096" y="3401300"/>
+            <a:ext cx="2248414" cy="171529"/>
+          </a:xfrm>
+          <a:prstGeom prst="rightArrow">
+            <a:avLst/>
+          </a:prstGeom>
+          <a:solidFill>
+            <a:srgbClr val="3F5161"/>
+          </a:solidFill>
+          <a:ln>
+            <a:noFill/>
+          </a:ln>
+        </p:spPr>
+        <p:style>
+          <a:lnRef idx="2">
+            <a:schemeClr val="accent1">
+              <a:shade val="50000"/>
+            </a:schemeClr>
+          </a:lnRef>
+          <a:fillRef idx="1">
+            <a:schemeClr val="accent1"/>
+          </a:fillRef>
+          <a:effectRef idx="0">
+            <a:schemeClr val="accent1"/>
+          </a:effectRef>
+          <a:fontRef idx="minor">
+            <a:schemeClr val="lt1"/>
+          </a:fontRef>
+        </p:style>
+        <p:txBody>
+          <a:bodyPr rtlCol="0" anchor="ctr"/>
+          <a:lstStyle/>
+          <a:p>
+            <a:pPr algn="ctr"/>
+            <a:endParaRPr lang="en-US" dirty="0"/>
+          </a:p>
+        </p:txBody>
+      </p:sp>
+      <p:sp>
+        <p:nvSpPr>
+          <p:cNvPr id="46" name="Arrow: Right 45">
+            <a:extLst>
+              <a:ext uri="{FF2B5EF4-FFF2-40B4-BE49-F238E27FC236}">
+                <a16:creationId xmlns:a16="http://schemas.microsoft.com/office/drawing/2014/main" id="{AFB8E538-78D3-4DAB-98AE-6B193652CCB8}"/>
+              </a:ext>
+            </a:extLst>
+          </p:cNvPr>
+          <p:cNvSpPr/>
+          <p:nvPr/>
+        </p:nvSpPr>
+        <p:spPr>
+          <a:xfrm rot="9337232">
+            <a:off x="7686725" y="3422453"/>
+            <a:ext cx="2248414" cy="171529"/>
+          </a:xfrm>
+          <a:prstGeom prst="rightArrow">
+            <a:avLst/>
+          </a:prstGeom>
+          <a:solidFill>
+            <a:srgbClr val="3F5161"/>
+          </a:solidFill>
+          <a:ln>
+            <a:noFill/>
+          </a:ln>
+        </p:spPr>
+        <p:style>
+          <a:lnRef idx="2">
+            <a:schemeClr val="accent1">
+              <a:shade val="50000"/>
+            </a:schemeClr>
+          </a:lnRef>
+          <a:fillRef idx="1">
+            <a:schemeClr val="accent1"/>
+          </a:fillRef>
+          <a:effectRef idx="0">
+            <a:schemeClr val="accent1"/>
+          </a:effectRef>
+          <a:fontRef idx="minor">
+            <a:schemeClr val="lt1"/>
+          </a:fontRef>
+        </p:style>
+        <p:txBody>
+          <a:bodyPr rtlCol="0" anchor="ctr"/>
+          <a:lstStyle/>
+          <a:p>
+            <a:pPr algn="ctr"/>
+            <a:endParaRPr lang="en-US"/>
+          </a:p>
+        </p:txBody>
+      </p:sp>
+      <p:sp>
+        <p:nvSpPr>
+          <p:cNvPr id="47" name="Arrow: Right 46">
+            <a:extLst>
+              <a:ext uri="{FF2B5EF4-FFF2-40B4-BE49-F238E27FC236}">
+                <a16:creationId xmlns:a16="http://schemas.microsoft.com/office/drawing/2014/main" id="{88254CCE-C23B-427D-B7EA-59EF7109282A}"/>
+              </a:ext>
+            </a:extLst>
+          </p:cNvPr>
+          <p:cNvSpPr/>
+          <p:nvPr/>
+        </p:nvSpPr>
+        <p:spPr>
+          <a:xfrm rot="5400000">
+            <a:off x="5727167" y="3598147"/>
+            <a:ext cx="628314" cy="187481"/>
+          </a:xfrm>
+          <a:prstGeom prst="rightArrow">
+            <a:avLst/>
+          </a:prstGeom>
+          <a:solidFill>
+            <a:srgbClr val="3F5161"/>
+          </a:solidFill>
+          <a:ln>
+            <a:noFill/>
+          </a:ln>
+        </p:spPr>
+        <p:style>
+          <a:lnRef idx="2">
+            <a:schemeClr val="accent1">
+              <a:shade val="50000"/>
+            </a:schemeClr>
+          </a:lnRef>
+          <a:fillRef idx="1">
+            <a:schemeClr val="accent1"/>
+          </a:fillRef>
+          <a:effectRef idx="0">
+            <a:schemeClr val="accent1"/>
+          </a:effectRef>
+          <a:fontRef idx="minor">
+            <a:schemeClr val="lt1"/>
+          </a:fontRef>
+        </p:style>
+        <p:txBody>
+          <a:bodyPr rtlCol="0" anchor="ctr"/>
+          <a:lstStyle/>
+          <a:p>
+            <a:pPr algn="ctr"/>
+            <a:endParaRPr lang="en-US" dirty="0"/>
+          </a:p>
+        </p:txBody>
+      </p:sp>
+      <p:sp>
+        <p:nvSpPr>
+          <p:cNvPr id="48" name="TextBox 47">
+            <a:extLst>
+              <a:ext uri="{FF2B5EF4-FFF2-40B4-BE49-F238E27FC236}">
+                <a16:creationId xmlns:a16="http://schemas.microsoft.com/office/drawing/2014/main" id="{2B70BC34-6BF1-41B4-AC82-4AB7016998D8}"/>
+              </a:ext>
+            </a:extLst>
+          </p:cNvPr>
+          <p:cNvSpPr txBox="1"/>
+          <p:nvPr/>
+        </p:nvSpPr>
+        <p:spPr>
+          <a:xfrm>
+            <a:off x="527143" y="5823977"/>
+            <a:ext cx="3362194" cy="369332"/>
+          </a:xfrm>
+          <a:prstGeom prst="rect">
+            <a:avLst/>
+          </a:prstGeom>
+          <a:noFill/>
+        </p:spPr>
+        <p:txBody>
+          <a:bodyPr wrap="square" rtlCol="0">
+            <a:spAutoFit/>
+          </a:bodyPr>
+          <a:lstStyle/>
+          <a:p>
+            <a:pPr algn="ctr"/>
+            <a:r>
+              <a:rPr lang="de-DE" b="1" dirty="0" err="1"/>
+              <a:t>Hate</a:t>
+            </a:r>
+            <a:r>
+              <a:rPr lang="de-DE" b="1" dirty="0"/>
+              <a:t> Speech </a:t>
+            </a:r>
+            <a:r>
+              <a:rPr lang="de-DE" b="1" dirty="0" err="1"/>
+              <a:t>Statictics</a:t>
+            </a:r>
+            <a:endParaRPr lang="de-DE" b="1" dirty="0"/>
+          </a:p>
+        </p:txBody>
+      </p:sp>
+      <p:sp>
+        <p:nvSpPr>
+          <p:cNvPr id="49" name="TextBox 48">
+            <a:extLst>
+              <a:ext uri="{FF2B5EF4-FFF2-40B4-BE49-F238E27FC236}">
+                <a16:creationId xmlns:a16="http://schemas.microsoft.com/office/drawing/2014/main" id="{07DF2A0A-2950-4C3B-9866-CD5044D0E928}"/>
+              </a:ext>
+            </a:extLst>
+          </p:cNvPr>
+          <p:cNvSpPr txBox="1"/>
+          <p:nvPr/>
+        </p:nvSpPr>
+        <p:spPr>
+          <a:xfrm>
+            <a:off x="4389372" y="5823977"/>
+            <a:ext cx="3362194" cy="369332"/>
+          </a:xfrm>
+          <a:prstGeom prst="rect">
+            <a:avLst/>
+          </a:prstGeom>
+          <a:noFill/>
+        </p:spPr>
+        <p:txBody>
+          <a:bodyPr wrap="square" rtlCol="0">
+            <a:spAutoFit/>
+          </a:bodyPr>
+          <a:lstStyle/>
+          <a:p>
+            <a:pPr algn="ctr"/>
+            <a:r>
+              <a:rPr lang="de-DE" b="1" dirty="0" err="1"/>
+              <a:t>Classification</a:t>
+            </a:r>
+            <a:r>
+              <a:rPr lang="de-DE" b="1" dirty="0"/>
+              <a:t> </a:t>
+            </a:r>
+            <a:r>
+              <a:rPr lang="de-DE" b="1" dirty="0" err="1"/>
+              <a:t>Metrics</a:t>
+            </a:r>
+            <a:endParaRPr lang="de-DE" b="1" dirty="0"/>
+          </a:p>
+        </p:txBody>
+      </p:sp>
+      <p:sp>
+        <p:nvSpPr>
+          <p:cNvPr id="50" name="TextBox 49">
+            <a:extLst>
+              <a:ext uri="{FF2B5EF4-FFF2-40B4-BE49-F238E27FC236}">
+                <a16:creationId xmlns:a16="http://schemas.microsoft.com/office/drawing/2014/main" id="{21EE10B0-99AD-481D-A587-231A58275798}"/>
+              </a:ext>
+            </a:extLst>
+          </p:cNvPr>
+          <p:cNvSpPr txBox="1"/>
+          <p:nvPr/>
+        </p:nvSpPr>
+        <p:spPr>
+          <a:xfrm>
+            <a:off x="8257411" y="5792394"/>
+            <a:ext cx="3362194" cy="369332"/>
+          </a:xfrm>
+          <a:prstGeom prst="rect">
+            <a:avLst/>
+          </a:prstGeom>
+          <a:noFill/>
+        </p:spPr>
+        <p:txBody>
+          <a:bodyPr wrap="square" rtlCol="0">
+            <a:spAutoFit/>
+          </a:bodyPr>
+          <a:lstStyle/>
+          <a:p>
+            <a:pPr algn="ctr"/>
+            <a:r>
+              <a:rPr lang="de-DE" b="1" dirty="0"/>
+              <a:t>Feature </a:t>
+            </a:r>
+            <a:r>
+              <a:rPr lang="de-DE" b="1" dirty="0" err="1"/>
+              <a:t>Importances</a:t>
+            </a:r>
+            <a:endParaRPr lang="de-DE" b="1" dirty="0"/>
+          </a:p>
+        </p:txBody>
+      </p:sp>
+      <p:sp>
+        <p:nvSpPr>
+          <p:cNvPr id="51" name="Arrow: Right 50">
+            <a:extLst>
+              <a:ext uri="{FF2B5EF4-FFF2-40B4-BE49-F238E27FC236}">
+                <a16:creationId xmlns:a16="http://schemas.microsoft.com/office/drawing/2014/main" id="{512E7FFC-99D3-49D7-9AB9-EA6C8353BE63}"/>
+              </a:ext>
+            </a:extLst>
+          </p:cNvPr>
+          <p:cNvSpPr/>
+          <p:nvPr/>
+        </p:nvSpPr>
+        <p:spPr>
+          <a:xfrm rot="9311827">
+            <a:off x="2234213" y="5188757"/>
+            <a:ext cx="2248414" cy="171529"/>
+          </a:xfrm>
+          <a:prstGeom prst="rightArrow">
+            <a:avLst/>
+          </a:prstGeom>
+          <a:solidFill>
+            <a:srgbClr val="3F5161"/>
+          </a:solidFill>
+          <a:ln>
+            <a:noFill/>
+          </a:ln>
+        </p:spPr>
+        <p:style>
+          <a:lnRef idx="2">
+            <a:schemeClr val="accent1">
+              <a:shade val="50000"/>
+            </a:schemeClr>
+          </a:lnRef>
+          <a:fillRef idx="1">
+            <a:schemeClr val="accent1"/>
+          </a:fillRef>
+          <a:effectRef idx="0">
+            <a:schemeClr val="accent1"/>
+          </a:effectRef>
+          <a:fontRef idx="minor">
+            <a:schemeClr val="lt1"/>
+          </a:fontRef>
+        </p:style>
+        <p:txBody>
+          <a:bodyPr rtlCol="0" anchor="ctr"/>
+          <a:lstStyle/>
+          <a:p>
+            <a:pPr algn="ctr"/>
+            <a:endParaRPr lang="en-US" dirty="0"/>
+          </a:p>
+        </p:txBody>
+      </p:sp>
+      <p:sp>
+        <p:nvSpPr>
+          <p:cNvPr id="52" name="Arrow: Right 51">
+            <a:extLst>
+              <a:ext uri="{FF2B5EF4-FFF2-40B4-BE49-F238E27FC236}">
+                <a16:creationId xmlns:a16="http://schemas.microsoft.com/office/drawing/2014/main" id="{79956DEE-FBD2-4761-8128-4EDFC6B057F9}"/>
+              </a:ext>
+            </a:extLst>
+          </p:cNvPr>
+          <p:cNvSpPr/>
+          <p:nvPr/>
+        </p:nvSpPr>
+        <p:spPr>
+          <a:xfrm rot="1425148">
+            <a:off x="7690883" y="5180167"/>
+            <a:ext cx="2248414" cy="171529"/>
+          </a:xfrm>
+          <a:prstGeom prst="rightArrow">
+            <a:avLst/>
+          </a:prstGeom>
+          <a:solidFill>
+            <a:srgbClr val="3F5161"/>
+          </a:solidFill>
+          <a:ln>
+            <a:noFill/>
+          </a:ln>
+        </p:spPr>
+        <p:style>
+          <a:lnRef idx="2">
+            <a:schemeClr val="accent1">
+              <a:shade val="50000"/>
+            </a:schemeClr>
+          </a:lnRef>
+          <a:fillRef idx="1">
+            <a:schemeClr val="accent1"/>
+          </a:fillRef>
+          <a:effectRef idx="0">
+            <a:schemeClr val="accent1"/>
+          </a:effectRef>
+          <a:fontRef idx="minor">
+            <a:schemeClr val="lt1"/>
+          </a:fontRef>
+        </p:style>
+        <p:txBody>
+          <a:bodyPr rtlCol="0" anchor="ctr"/>
+          <a:lstStyle/>
+          <a:p>
+            <a:pPr algn="ctr"/>
+            <a:endParaRPr lang="en-US" dirty="0"/>
+          </a:p>
+        </p:txBody>
+      </p:sp>
+      <p:sp>
+        <p:nvSpPr>
+          <p:cNvPr id="53" name="Arrow: Right 52">
+            <a:extLst>
+              <a:ext uri="{FF2B5EF4-FFF2-40B4-BE49-F238E27FC236}">
+                <a16:creationId xmlns:a16="http://schemas.microsoft.com/office/drawing/2014/main" id="{9BE8A2A7-E16F-45C6-9AFC-30EFFF5924BD}"/>
+              </a:ext>
+            </a:extLst>
+          </p:cNvPr>
+          <p:cNvSpPr/>
+          <p:nvPr/>
+        </p:nvSpPr>
+        <p:spPr>
+          <a:xfrm rot="5400000">
+            <a:off x="5727166" y="5180781"/>
+            <a:ext cx="628314" cy="187481"/>
+          </a:xfrm>
+          <a:prstGeom prst="rightArrow">
+            <a:avLst/>
+          </a:prstGeom>
+          <a:solidFill>
+            <a:srgbClr val="3F5161"/>
+          </a:solidFill>
+          <a:ln>
+            <a:noFill/>
+          </a:ln>
+        </p:spPr>
+        <p:style>
+          <a:lnRef idx="2">
+            <a:schemeClr val="accent1">
+              <a:shade val="50000"/>
+            </a:schemeClr>
+          </a:lnRef>
+          <a:fillRef idx="1">
+            <a:schemeClr val="accent1"/>
+          </a:fillRef>
+          <a:effectRef idx="0">
+            <a:schemeClr val="accent1"/>
+          </a:effectRef>
+          <a:fontRef idx="minor">
+            <a:schemeClr val="lt1"/>
+          </a:fontRef>
+        </p:style>
+        <p:txBody>
+          <a:bodyPr rtlCol="0" anchor="ctr"/>
+          <a:lstStyle/>
+          <a:p>
+            <a:pPr algn="ctr"/>
+            <a:endParaRPr lang="en-US" dirty="0"/>
+          </a:p>
+        </p:txBody>
+      </p:sp>
     </p:spTree>
     <p:extLst>
       <p:ext uri="{BB962C8B-B14F-4D97-AF65-F5344CB8AC3E}">
@@ -8376,549 +9513,6 @@
   <p:clrMapOvr>
     <a:masterClrMapping/>
   </p:clrMapOvr>
-  <p:timing>
-    <p:tnLst>
-      <p:par>
-        <p:cTn id="1" dur="indefinite" restart="never" nodeType="tmRoot">
-          <p:childTnLst>
-            <p:seq concurrent="1" nextAc="seek">
-              <p:cTn id="2" dur="indefinite" nodeType="mainSeq">
-                <p:childTnLst>
-                  <p:par>
-                    <p:cTn id="3" fill="hold">
-                      <p:stCondLst>
-                        <p:cond delay="indefinite"/>
-                      </p:stCondLst>
-                      <p:childTnLst>
-                        <p:par>
-                          <p:cTn id="4" fill="hold">
-                            <p:stCondLst>
-                              <p:cond delay="0"/>
-                            </p:stCondLst>
-                            <p:childTnLst>
-                              <p:par>
-                                <p:cTn id="5" presetID="1" presetClass="entr" presetSubtype="0" fill="hold" nodeType="clickEffect">
-                                  <p:stCondLst>
-                                    <p:cond delay="0"/>
-                                  </p:stCondLst>
-                                  <p:childTnLst>
-                                    <p:set>
-                                      <p:cBhvr>
-                                        <p:cTn id="6" dur="1" fill="hold">
-                                          <p:stCondLst>
-                                            <p:cond delay="0"/>
-                                          </p:stCondLst>
-                                        </p:cTn>
-                                        <p:tgtEl>
-                                          <p:spTgt spid="8"/>
-                                        </p:tgtEl>
-                                        <p:attrNameLst>
-                                          <p:attrName>style.visibility</p:attrName>
-                                        </p:attrNameLst>
-                                      </p:cBhvr>
-                                      <p:to>
-                                        <p:strVal val="visible"/>
-                                      </p:to>
-                                    </p:set>
-                                  </p:childTnLst>
-                                </p:cTn>
-                              </p:par>
-                              <p:par>
-                                <p:cTn id="7" presetID="1" presetClass="entr" presetSubtype="0" fill="hold" nodeType="withEffect">
-                                  <p:stCondLst>
-                                    <p:cond delay="0"/>
-                                  </p:stCondLst>
-                                  <p:childTnLst>
-                                    <p:set>
-                                      <p:cBhvr>
-                                        <p:cTn id="8" dur="1" fill="hold">
-                                          <p:stCondLst>
-                                            <p:cond delay="0"/>
-                                          </p:stCondLst>
-                                        </p:cTn>
-                                        <p:tgtEl>
-                                          <p:spTgt spid="9"/>
-                                        </p:tgtEl>
-                                        <p:attrNameLst>
-                                          <p:attrName>style.visibility</p:attrName>
-                                        </p:attrNameLst>
-                                      </p:cBhvr>
-                                      <p:to>
-                                        <p:strVal val="visible"/>
-                                      </p:to>
-                                    </p:set>
-                                  </p:childTnLst>
-                                </p:cTn>
-                              </p:par>
-                            </p:childTnLst>
-                          </p:cTn>
-                        </p:par>
-                      </p:childTnLst>
-                    </p:cTn>
-                  </p:par>
-                  <p:par>
-                    <p:cTn id="9" fill="hold">
-                      <p:stCondLst>
-                        <p:cond delay="indefinite"/>
-                      </p:stCondLst>
-                      <p:childTnLst>
-                        <p:par>
-                          <p:cTn id="10" fill="hold">
-                            <p:stCondLst>
-                              <p:cond delay="0"/>
-                            </p:stCondLst>
-                            <p:childTnLst>
-                              <p:par>
-                                <p:cTn id="11" presetID="1" presetClass="entr" presetSubtype="0" fill="hold" nodeType="clickEffect">
-                                  <p:stCondLst>
-                                    <p:cond delay="0"/>
-                                  </p:stCondLst>
-                                  <p:childTnLst>
-                                    <p:set>
-                                      <p:cBhvr>
-                                        <p:cTn id="12" dur="1" fill="hold">
-                                          <p:stCondLst>
-                                            <p:cond delay="0"/>
-                                          </p:stCondLst>
-                                        </p:cTn>
-                                        <p:tgtEl>
-                                          <p:spTgt spid="16"/>
-                                        </p:tgtEl>
-                                        <p:attrNameLst>
-                                          <p:attrName>style.visibility</p:attrName>
-                                        </p:attrNameLst>
-                                      </p:cBhvr>
-                                      <p:to>
-                                        <p:strVal val="visible"/>
-                                      </p:to>
-                                    </p:set>
-                                  </p:childTnLst>
-                                </p:cTn>
-                              </p:par>
-                              <p:par>
-                                <p:cTn id="13" presetID="1" presetClass="entr" presetSubtype="0" fill="hold" nodeType="withEffect">
-                                  <p:stCondLst>
-                                    <p:cond delay="0"/>
-                                  </p:stCondLst>
-                                  <p:childTnLst>
-                                    <p:set>
-                                      <p:cBhvr>
-                                        <p:cTn id="14" dur="1" fill="hold">
-                                          <p:stCondLst>
-                                            <p:cond delay="0"/>
-                                          </p:stCondLst>
-                                        </p:cTn>
-                                        <p:tgtEl>
-                                          <p:spTgt spid="15"/>
-                                        </p:tgtEl>
-                                        <p:attrNameLst>
-                                          <p:attrName>style.visibility</p:attrName>
-                                        </p:attrNameLst>
-                                      </p:cBhvr>
-                                      <p:to>
-                                        <p:strVal val="visible"/>
-                                      </p:to>
-                                    </p:set>
-                                  </p:childTnLst>
-                                </p:cTn>
-                              </p:par>
-                              <p:par>
-                                <p:cTn id="15" presetID="1" presetClass="entr" presetSubtype="0" fill="hold" nodeType="withEffect">
-                                  <p:stCondLst>
-                                    <p:cond delay="0"/>
-                                  </p:stCondLst>
-                                  <p:childTnLst>
-                                    <p:set>
-                                      <p:cBhvr>
-                                        <p:cTn id="16" dur="1" fill="hold">
-                                          <p:stCondLst>
-                                            <p:cond delay="0"/>
-                                          </p:stCondLst>
-                                        </p:cTn>
-                                        <p:tgtEl>
-                                          <p:spTgt spid="13"/>
-                                        </p:tgtEl>
-                                        <p:attrNameLst>
-                                          <p:attrName>style.visibility</p:attrName>
-                                        </p:attrNameLst>
-                                      </p:cBhvr>
-                                      <p:to>
-                                        <p:strVal val="visible"/>
-                                      </p:to>
-                                    </p:set>
-                                  </p:childTnLst>
-                                </p:cTn>
-                              </p:par>
-                              <p:par>
-                                <p:cTn id="17" presetID="1" presetClass="entr" presetSubtype="0" fill="hold" nodeType="withEffect">
-                                  <p:stCondLst>
-                                    <p:cond delay="0"/>
-                                  </p:stCondLst>
-                                  <p:childTnLst>
-                                    <p:set>
-                                      <p:cBhvr>
-                                        <p:cTn id="18" dur="1" fill="hold">
-                                          <p:stCondLst>
-                                            <p:cond delay="0"/>
-                                          </p:stCondLst>
-                                        </p:cTn>
-                                        <p:tgtEl>
-                                          <p:spTgt spid="12"/>
-                                        </p:tgtEl>
-                                        <p:attrNameLst>
-                                          <p:attrName>style.visibility</p:attrName>
-                                        </p:attrNameLst>
-                                      </p:cBhvr>
-                                      <p:to>
-                                        <p:strVal val="visible"/>
-                                      </p:to>
-                                    </p:set>
-                                  </p:childTnLst>
-                                </p:cTn>
-                              </p:par>
-                              <p:par>
-                                <p:cTn id="19" presetID="1" presetClass="entr" presetSubtype="0" fill="hold" nodeType="withEffect">
-                                  <p:stCondLst>
-                                    <p:cond delay="0"/>
-                                  </p:stCondLst>
-                                  <p:childTnLst>
-                                    <p:set>
-                                      <p:cBhvr>
-                                        <p:cTn id="20" dur="1" fill="hold">
-                                          <p:stCondLst>
-                                            <p:cond delay="0"/>
-                                          </p:stCondLst>
-                                        </p:cTn>
-                                        <p:tgtEl>
-                                          <p:spTgt spid="11"/>
-                                        </p:tgtEl>
-                                        <p:attrNameLst>
-                                          <p:attrName>style.visibility</p:attrName>
-                                        </p:attrNameLst>
-                                      </p:cBhvr>
-                                      <p:to>
-                                        <p:strVal val="visible"/>
-                                      </p:to>
-                                    </p:set>
-                                  </p:childTnLst>
-                                </p:cTn>
-                              </p:par>
-                              <p:par>
-                                <p:cTn id="21" presetID="1" presetClass="entr" presetSubtype="0" fill="hold" nodeType="withEffect">
-                                  <p:stCondLst>
-                                    <p:cond delay="0"/>
-                                  </p:stCondLst>
-                                  <p:childTnLst>
-                                    <p:set>
-                                      <p:cBhvr>
-                                        <p:cTn id="22" dur="1" fill="hold">
-                                          <p:stCondLst>
-                                            <p:cond delay="0"/>
-                                          </p:stCondLst>
-                                        </p:cTn>
-                                        <p:tgtEl>
-                                          <p:spTgt spid="6"/>
-                                        </p:tgtEl>
-                                        <p:attrNameLst>
-                                          <p:attrName>style.visibility</p:attrName>
-                                        </p:attrNameLst>
-                                      </p:cBhvr>
-                                      <p:to>
-                                        <p:strVal val="visible"/>
-                                      </p:to>
-                                    </p:set>
-                                  </p:childTnLst>
-                                </p:cTn>
-                              </p:par>
-                              <p:par>
-                                <p:cTn id="23" presetID="1" presetClass="entr" presetSubtype="0" fill="hold" nodeType="withEffect">
-                                  <p:stCondLst>
-                                    <p:cond delay="0"/>
-                                  </p:stCondLst>
-                                  <p:childTnLst>
-                                    <p:set>
-                                      <p:cBhvr>
-                                        <p:cTn id="24" dur="1" fill="hold">
-                                          <p:stCondLst>
-                                            <p:cond delay="0"/>
-                                          </p:stCondLst>
-                                        </p:cTn>
-                                        <p:tgtEl>
-                                          <p:spTgt spid="18"/>
-                                        </p:tgtEl>
-                                        <p:attrNameLst>
-                                          <p:attrName>style.visibility</p:attrName>
-                                        </p:attrNameLst>
-                                      </p:cBhvr>
-                                      <p:to>
-                                        <p:strVal val="visible"/>
-                                      </p:to>
-                                    </p:set>
-                                  </p:childTnLst>
-                                </p:cTn>
-                              </p:par>
-                              <p:par>
-                                <p:cTn id="25" presetID="1" presetClass="entr" presetSubtype="0" fill="hold" nodeType="withEffect">
-                                  <p:stCondLst>
-                                    <p:cond delay="0"/>
-                                  </p:stCondLst>
-                                  <p:childTnLst>
-                                    <p:set>
-                                      <p:cBhvr>
-                                        <p:cTn id="26" dur="1" fill="hold">
-                                          <p:stCondLst>
-                                            <p:cond delay="0"/>
-                                          </p:stCondLst>
-                                        </p:cTn>
-                                        <p:tgtEl>
-                                          <p:spTgt spid="17"/>
-                                        </p:tgtEl>
-                                        <p:attrNameLst>
-                                          <p:attrName>style.visibility</p:attrName>
-                                        </p:attrNameLst>
-                                      </p:cBhvr>
-                                      <p:to>
-                                        <p:strVal val="visible"/>
-                                      </p:to>
-                                    </p:set>
-                                  </p:childTnLst>
-                                </p:cTn>
-                              </p:par>
-                              <p:par>
-                                <p:cTn id="27" presetID="1" presetClass="entr" presetSubtype="0" fill="hold" nodeType="withEffect">
-                                  <p:stCondLst>
-                                    <p:cond delay="0"/>
-                                  </p:stCondLst>
-                                  <p:childTnLst>
-                                    <p:set>
-                                      <p:cBhvr>
-                                        <p:cTn id="28" dur="1" fill="hold">
-                                          <p:stCondLst>
-                                            <p:cond delay="0"/>
-                                          </p:stCondLst>
-                                        </p:cTn>
-                                        <p:tgtEl>
-                                          <p:spTgt spid="20"/>
-                                        </p:tgtEl>
-                                        <p:attrNameLst>
-                                          <p:attrName>style.visibility</p:attrName>
-                                        </p:attrNameLst>
-                                      </p:cBhvr>
-                                      <p:to>
-                                        <p:strVal val="visible"/>
-                                      </p:to>
-                                    </p:set>
-                                  </p:childTnLst>
-                                </p:cTn>
-                              </p:par>
-                              <p:par>
-                                <p:cTn id="29" presetID="1" presetClass="entr" presetSubtype="0" fill="hold" nodeType="withEffect">
-                                  <p:stCondLst>
-                                    <p:cond delay="0"/>
-                                  </p:stCondLst>
-                                  <p:childTnLst>
-                                    <p:set>
-                                      <p:cBhvr>
-                                        <p:cTn id="30" dur="1" fill="hold">
-                                          <p:stCondLst>
-                                            <p:cond delay="0"/>
-                                          </p:stCondLst>
-                                        </p:cTn>
-                                        <p:tgtEl>
-                                          <p:spTgt spid="19"/>
-                                        </p:tgtEl>
-                                        <p:attrNameLst>
-                                          <p:attrName>style.visibility</p:attrName>
-                                        </p:attrNameLst>
-                                      </p:cBhvr>
-                                      <p:to>
-                                        <p:strVal val="visible"/>
-                                      </p:to>
-                                    </p:set>
-                                  </p:childTnLst>
-                                </p:cTn>
-                              </p:par>
-                              <p:par>
-                                <p:cTn id="31" presetID="1" presetClass="entr" presetSubtype="0" fill="hold" grpId="0" nodeType="withEffect">
-                                  <p:stCondLst>
-                                    <p:cond delay="0"/>
-                                  </p:stCondLst>
-                                  <p:childTnLst>
-                                    <p:set>
-                                      <p:cBhvr>
-                                        <p:cTn id="32" dur="1" fill="hold">
-                                          <p:stCondLst>
-                                            <p:cond delay="0"/>
-                                          </p:stCondLst>
-                                        </p:cTn>
-                                        <p:tgtEl>
-                                          <p:spTgt spid="7">
-                                            <p:txEl>
-                                              <p:pRg st="0" end="0"/>
-                                            </p:txEl>
-                                          </p:spTgt>
-                                        </p:tgtEl>
-                                        <p:attrNameLst>
-                                          <p:attrName>style.visibility</p:attrName>
-                                        </p:attrNameLst>
-                                      </p:cBhvr>
-                                      <p:to>
-                                        <p:strVal val="visible"/>
-                                      </p:to>
-                                    </p:set>
-                                  </p:childTnLst>
-                                </p:cTn>
-                              </p:par>
-                            </p:childTnLst>
-                          </p:cTn>
-                        </p:par>
-                      </p:childTnLst>
-                    </p:cTn>
-                  </p:par>
-                  <p:par>
-                    <p:cTn id="33" fill="hold">
-                      <p:stCondLst>
-                        <p:cond delay="indefinite"/>
-                      </p:stCondLst>
-                      <p:childTnLst>
-                        <p:par>
-                          <p:cTn id="34" fill="hold">
-                            <p:stCondLst>
-                              <p:cond delay="0"/>
-                            </p:stCondLst>
-                            <p:childTnLst>
-                              <p:par>
-                                <p:cTn id="35" presetID="1" presetClass="entr" presetSubtype="0" fill="hold" nodeType="clickEffect">
-                                  <p:stCondLst>
-                                    <p:cond delay="0"/>
-                                  </p:stCondLst>
-                                  <p:childTnLst>
-                                    <p:set>
-                                      <p:cBhvr>
-                                        <p:cTn id="36" dur="1" fill="hold">
-                                          <p:stCondLst>
-                                            <p:cond delay="0"/>
-                                          </p:stCondLst>
-                                        </p:cTn>
-                                        <p:tgtEl>
-                                          <p:spTgt spid="21"/>
-                                        </p:tgtEl>
-                                        <p:attrNameLst>
-                                          <p:attrName>style.visibility</p:attrName>
-                                        </p:attrNameLst>
-                                      </p:cBhvr>
-                                      <p:to>
-                                        <p:strVal val="visible"/>
-                                      </p:to>
-                                    </p:set>
-                                  </p:childTnLst>
-                                </p:cTn>
-                              </p:par>
-                              <p:par>
-                                <p:cTn id="37" presetID="1" presetClass="entr" presetSubtype="0" fill="hold" grpId="0" nodeType="withEffect">
-                                  <p:stCondLst>
-                                    <p:cond delay="0"/>
-                                  </p:stCondLst>
-                                  <p:childTnLst>
-                                    <p:set>
-                                      <p:cBhvr>
-                                        <p:cTn id="38" dur="1" fill="hold">
-                                          <p:stCondLst>
-                                            <p:cond delay="0"/>
-                                          </p:stCondLst>
-                                        </p:cTn>
-                                        <p:tgtEl>
-                                          <p:spTgt spid="22"/>
-                                        </p:tgtEl>
-                                        <p:attrNameLst>
-                                          <p:attrName>style.visibility</p:attrName>
-                                        </p:attrNameLst>
-                                      </p:cBhvr>
-                                      <p:to>
-                                        <p:strVal val="visible"/>
-                                      </p:to>
-                                    </p:set>
-                                  </p:childTnLst>
-                                </p:cTn>
-                              </p:par>
-                            </p:childTnLst>
-                          </p:cTn>
-                        </p:par>
-                      </p:childTnLst>
-                    </p:cTn>
-                  </p:par>
-                  <p:par>
-                    <p:cTn id="39" fill="hold">
-                      <p:stCondLst>
-                        <p:cond delay="indefinite"/>
-                      </p:stCondLst>
-                      <p:childTnLst>
-                        <p:par>
-                          <p:cTn id="40" fill="hold">
-                            <p:stCondLst>
-                              <p:cond delay="0"/>
-                            </p:stCondLst>
-                            <p:childTnLst>
-                              <p:par>
-                                <p:cTn id="41" presetID="1" presetClass="entr" presetSubtype="0" fill="hold" grpId="0" nodeType="clickEffect">
-                                  <p:stCondLst>
-                                    <p:cond delay="0"/>
-                                  </p:stCondLst>
-                                  <p:childTnLst>
-                                    <p:set>
-                                      <p:cBhvr>
-                                        <p:cTn id="42" dur="1" fill="hold">
-                                          <p:stCondLst>
-                                            <p:cond delay="0"/>
-                                          </p:stCondLst>
-                                        </p:cTn>
-                                        <p:tgtEl>
-                                          <p:spTgt spid="14"/>
-                                        </p:tgtEl>
-                                        <p:attrNameLst>
-                                          <p:attrName>style.visibility</p:attrName>
-                                        </p:attrNameLst>
-                                      </p:cBhvr>
-                                      <p:to>
-                                        <p:strVal val="visible"/>
-                                      </p:to>
-                                    </p:set>
-                                  </p:childTnLst>
-                                </p:cTn>
-                              </p:par>
-                            </p:childTnLst>
-                          </p:cTn>
-                        </p:par>
-                      </p:childTnLst>
-                    </p:cTn>
-                  </p:par>
-                </p:childTnLst>
-              </p:cTn>
-              <p:prevCondLst>
-                <p:cond evt="onPrev" delay="0">
-                  <p:tgtEl>
-                    <p:sldTgt/>
-                  </p:tgtEl>
-                </p:cond>
-              </p:prevCondLst>
-              <p:nextCondLst>
-                <p:cond evt="onNext" delay="0">
-                  <p:tgtEl>
-                    <p:sldTgt/>
-                  </p:tgtEl>
-                </p:cond>
-              </p:nextCondLst>
-            </p:seq>
-          </p:childTnLst>
-        </p:cTn>
-      </p:par>
-    </p:tnLst>
-    <p:bldLst>
-      <p:bldP spid="7" grpId="0" build="p"/>
-      <p:bldP spid="14" grpId="0"/>
-      <p:bldP spid="22" grpId="0"/>
-    </p:bldLst>
-  </p:timing>
 </p:sld>
 </file>
 
@@ -8962,15 +9556,7 @@
           <a:p>
             <a:r>
               <a:rPr lang="de-DE" dirty="0"/>
-              <a:t>Data </a:t>
-            </a:r>
-            <a:r>
-              <a:rPr lang="de-DE" dirty="0" err="1"/>
-              <a:t>and</a:t>
-            </a:r>
-            <a:r>
-              <a:rPr lang="de-DE" dirty="0"/>
-              <a:t> Task</a:t>
+              <a:t>Datasets</a:t>
             </a:r>
           </a:p>
         </p:txBody>
@@ -8993,41 +9579,68 @@
         </p:nvSpPr>
         <p:spPr/>
         <p:txBody>
-          <a:bodyPr/>
-          <a:lstStyle/>
-          <a:p>
-            <a:r>
-              <a:rPr lang="de-DE" dirty="0"/>
-              <a:t>Data </a:t>
-            </a:r>
-            <a:r>
-              <a:rPr lang="de-DE" dirty="0" err="1"/>
-              <a:t>statistics</a:t>
-            </a:r>
-            <a:endParaRPr lang="de-DE" dirty="0"/>
-          </a:p>
-          <a:p>
-            <a:r>
-              <a:rPr lang="de-DE" dirty="0" err="1"/>
-              <a:t>Classification</a:t>
-            </a:r>
-            <a:r>
-              <a:rPr lang="de-DE" dirty="0"/>
-              <a:t> </a:t>
-            </a:r>
-            <a:r>
-              <a:rPr lang="de-DE" dirty="0" err="1"/>
-              <a:t>task</a:t>
-            </a:r>
-            <a:r>
-              <a:rPr lang="de-DE" dirty="0"/>
-              <a:t> </a:t>
-            </a:r>
-            <a:r>
-              <a:rPr lang="de-DE" dirty="0" err="1"/>
-              <a:t>example</a:t>
-            </a:r>
-            <a:endParaRPr lang="de-DE" dirty="0"/>
+          <a:bodyPr>
+            <a:normAutofit/>
+          </a:bodyPr>
+          <a:lstStyle/>
+          <a:p>
+            <a:r>
+              <a:rPr lang="en-US" dirty="0"/>
+              <a:t>Automated Hate Speech Detection and the Problem of Offensive Language [1]</a:t>
+            </a:r>
+          </a:p>
+          <a:p>
+            <a:pPr lvl="1"/>
+            <a:r>
+              <a:rPr lang="en-US" dirty="0"/>
+              <a:t>1.430 hate speech, 4.175 neutral, 19.196 offensive language</a:t>
+            </a:r>
+          </a:p>
+          <a:p>
+            <a:r>
+              <a:rPr lang="en-US" dirty="0"/>
+              <a:t>Hate Speech Dataset from a White Supremacy Forum [2]</a:t>
+            </a:r>
+          </a:p>
+          <a:p>
+            <a:pPr lvl="1"/>
+            <a:r>
+              <a:rPr lang="en-US" dirty="0"/>
+              <a:t>1.119 hate sentences, 8.537 non hate sentences</a:t>
+            </a:r>
+          </a:p>
+          <a:p>
+            <a:r>
+              <a:rPr lang="en-US" dirty="0"/>
+              <a:t>Resulting common dataset after preprocessing</a:t>
+            </a:r>
+          </a:p>
+          <a:p>
+            <a:pPr lvl="1"/>
+            <a:r>
+              <a:rPr lang="en-US" dirty="0"/>
+              <a:t>2.491 hate speech documents, 13.336 non hate speech documents</a:t>
+            </a:r>
+          </a:p>
+          <a:p>
+            <a:r>
+              <a:rPr lang="en-US" dirty="0"/>
+              <a:t>Apply </a:t>
+            </a:r>
+            <a:r>
+              <a:rPr lang="en-US" dirty="0" err="1"/>
+              <a:t>undersampling</a:t>
+            </a:r>
+            <a:r>
+              <a:rPr lang="en-US" dirty="0"/>
+              <a:t> and oversampling using SMOTE [3]</a:t>
+            </a:r>
+          </a:p>
+          <a:p>
+            <a:r>
+              <a:rPr lang="en-US" dirty="0"/>
+              <a:t>Dataset statistics see report</a:t>
+            </a:r>
           </a:p>
         </p:txBody>
       </p:sp>
@@ -9061,6 +9674,36 @@
           </a:p>
         </p:txBody>
       </p:sp>
+      <p:pic>
+        <p:nvPicPr>
+          <p:cNvPr id="7" name="Picture 6">
+            <a:extLst>
+              <a:ext uri="{FF2B5EF4-FFF2-40B4-BE49-F238E27FC236}">
+                <a16:creationId xmlns:a16="http://schemas.microsoft.com/office/drawing/2014/main" id="{1543079C-0796-40E2-9687-4185B772FF50}"/>
+              </a:ext>
+            </a:extLst>
+          </p:cNvPr>
+          <p:cNvPicPr>
+            <a:picLocks noChangeAspect="1"/>
+          </p:cNvPicPr>
+          <p:nvPr/>
+        </p:nvPicPr>
+        <p:blipFill>
+          <a:blip r:embed="rId3"/>
+          <a:stretch>
+            <a:fillRect/>
+          </a:stretch>
+        </p:blipFill>
+        <p:spPr>
+          <a:xfrm>
+            <a:off x="8537960" y="4686301"/>
+            <a:ext cx="3465844" cy="1950314"/>
+          </a:xfrm>
+          <a:prstGeom prst="rect">
+            <a:avLst/>
+          </a:prstGeom>
+        </p:spPr>
+      </p:pic>
     </p:spTree>
     <p:extLst>
       <p:ext uri="{BB962C8B-B14F-4D97-AF65-F5344CB8AC3E}">
@@ -9114,49 +9757,8 @@
           <a:p>
             <a:r>
               <a:rPr lang="en-US" dirty="0"/>
-              <a:t>Approach</a:t>
-            </a:r>
-          </a:p>
-        </p:txBody>
-      </p:sp>
-      <p:sp>
-        <p:nvSpPr>
-          <p:cNvPr id="3" name="Inhaltsplatzhalter 2">
-            <a:extLst>
-              <a:ext uri="{FF2B5EF4-FFF2-40B4-BE49-F238E27FC236}">
-                <a16:creationId xmlns:a16="http://schemas.microsoft.com/office/drawing/2014/main" id="{F9E8B56B-6DF5-1D49-9A67-E8BFC8E78D18}"/>
-              </a:ext>
-            </a:extLst>
-          </p:cNvPr>
-          <p:cNvSpPr>
-            <a:spLocks noGrp="1"/>
-          </p:cNvSpPr>
-          <p:nvPr>
-            <p:ph idx="1"/>
-          </p:nvPr>
-        </p:nvSpPr>
-        <p:spPr>
-          <a:xfrm>
-            <a:off x="1371600" y="4486274"/>
-            <a:ext cx="9601200" cy="1381125"/>
-          </a:xfrm>
-        </p:spPr>
-        <p:txBody>
-          <a:bodyPr/>
-          <a:lstStyle/>
-          <a:p>
-            <a:pPr marL="0" indent="0">
-              <a:buNone/>
-            </a:pPr>
-            <a:r>
-              <a:rPr lang="de-DE" b="1" u="sng" dirty="0"/>
-              <a:t>Hyperparameter </a:t>
-            </a:r>
-            <a:r>
-              <a:rPr lang="de-DE" b="1" u="sng" dirty="0" err="1"/>
-              <a:t>configuration</a:t>
-            </a:r>
-            <a:endParaRPr lang="de-DE" b="1" u="sng" dirty="0"/>
+              <a:t>Approach [4, 6]</a:t>
+            </a:r>
           </a:p>
         </p:txBody>
       </p:sp>
@@ -9190,40 +9792,911 @@
           </a:p>
         </p:txBody>
       </p:sp>
-      <p:pic>
-        <p:nvPicPr>
-          <p:cNvPr id="15" name="Grafik 14">
+      <p:sp>
+        <p:nvSpPr>
+          <p:cNvPr id="7" name="Rectangle: Rounded Corners 6">
             <a:extLst>
               <a:ext uri="{FF2B5EF4-FFF2-40B4-BE49-F238E27FC236}">
-                <a16:creationId xmlns:a16="http://schemas.microsoft.com/office/drawing/2014/main" id="{D98B015B-2A40-2E4C-97D7-61474F0D5599}"/>
+                <a16:creationId xmlns:a16="http://schemas.microsoft.com/office/drawing/2014/main" id="{B1D36EBB-4841-4FB9-88E5-904AA99D10F4}"/>
               </a:ext>
             </a:extLst>
           </p:cNvPr>
-          <p:cNvPicPr>
-            <a:picLocks noChangeAspect="1"/>
-          </p:cNvPicPr>
+          <p:cNvSpPr/>
           <p:nvPr/>
-        </p:nvPicPr>
-        <p:blipFill>
-          <a:blip r:embed="rId2"/>
-          <a:stretch>
-            <a:fillRect/>
-          </a:stretch>
-        </p:blipFill>
+        </p:nvSpPr>
         <p:spPr>
           <a:xfrm>
-            <a:off x="599369" y="1837453"/>
-            <a:ext cx="11385409" cy="2475089"/>
+            <a:off x="1062210" y="3476710"/>
+            <a:ext cx="4417764" cy="1049032"/>
           </a:xfrm>
-          <a:prstGeom prst="rect">
+          <a:prstGeom prst="roundRect">
             <a:avLst/>
           </a:prstGeom>
+          <a:noFill/>
+          <a:ln>
+            <a:solidFill>
+              <a:srgbClr val="3F5161"/>
+            </a:solidFill>
+          </a:ln>
         </p:spPr>
-      </p:pic>
+        <p:style>
+          <a:lnRef idx="2">
+            <a:schemeClr val="accent1">
+              <a:shade val="50000"/>
+            </a:schemeClr>
+          </a:lnRef>
+          <a:fillRef idx="1">
+            <a:schemeClr val="accent1"/>
+          </a:fillRef>
+          <a:effectRef idx="0">
+            <a:schemeClr val="accent1"/>
+          </a:effectRef>
+          <a:fontRef idx="minor">
+            <a:schemeClr val="lt1"/>
+          </a:fontRef>
+        </p:style>
+        <p:txBody>
+          <a:bodyPr rtlCol="0" anchor="ctr"/>
+          <a:lstStyle/>
+          <a:p>
+            <a:pPr algn="ctr"/>
+            <a:r>
+              <a:rPr lang="de-DE" b="1" dirty="0" err="1">
+                <a:solidFill>
+                  <a:schemeClr val="tx1"/>
+                </a:solidFill>
+              </a:rPr>
+              <a:t>Holistic</a:t>
+            </a:r>
+            <a:r>
+              <a:rPr lang="de-DE" b="1" dirty="0">
+                <a:solidFill>
+                  <a:schemeClr val="tx1"/>
+                </a:solidFill>
+              </a:rPr>
+              <a:t>, hand-</a:t>
+            </a:r>
+            <a:r>
+              <a:rPr lang="de-DE" b="1" dirty="0" err="1">
+                <a:solidFill>
+                  <a:schemeClr val="tx1"/>
+                </a:solidFill>
+              </a:rPr>
+              <a:t>crafted</a:t>
+            </a:r>
+            <a:r>
+              <a:rPr lang="de-DE" b="1" dirty="0">
+                <a:solidFill>
+                  <a:schemeClr val="tx1"/>
+                </a:solidFill>
+              </a:rPr>
+              <a:t> </a:t>
+            </a:r>
+            <a:r>
+              <a:rPr lang="de-DE" b="1" dirty="0" err="1">
+                <a:solidFill>
+                  <a:schemeClr val="tx1"/>
+                </a:solidFill>
+              </a:rPr>
+              <a:t>feature</a:t>
+            </a:r>
+            <a:r>
+              <a:rPr lang="de-DE" b="1" dirty="0">
+                <a:solidFill>
+                  <a:schemeClr val="tx1"/>
+                </a:solidFill>
+              </a:rPr>
+              <a:t> </a:t>
+            </a:r>
+            <a:r>
+              <a:rPr lang="de-DE" b="1" dirty="0" err="1">
+                <a:solidFill>
+                  <a:schemeClr val="tx1"/>
+                </a:solidFill>
+              </a:rPr>
+              <a:t>set</a:t>
+            </a:r>
+            <a:r>
+              <a:rPr lang="de-DE" b="1" dirty="0">
+                <a:solidFill>
+                  <a:schemeClr val="tx1"/>
+                </a:solidFill>
+              </a:rPr>
+              <a:t> </a:t>
+            </a:r>
+            <a:r>
+              <a:rPr lang="de-DE" b="1" dirty="0" err="1">
+                <a:solidFill>
+                  <a:schemeClr val="tx1"/>
+                </a:solidFill>
+              </a:rPr>
+              <a:t>based</a:t>
+            </a:r>
+            <a:r>
+              <a:rPr lang="de-DE" b="1" dirty="0">
+                <a:solidFill>
+                  <a:schemeClr val="tx1"/>
+                </a:solidFill>
+              </a:rPr>
+              <a:t> on </a:t>
+            </a:r>
+            <a:r>
+              <a:rPr lang="de-DE" b="1" dirty="0" err="1">
+                <a:solidFill>
+                  <a:schemeClr val="tx1"/>
+                </a:solidFill>
+              </a:rPr>
+              <a:t>recent</a:t>
+            </a:r>
+            <a:r>
+              <a:rPr lang="de-DE" b="1" dirty="0">
+                <a:solidFill>
+                  <a:schemeClr val="tx1"/>
+                </a:solidFill>
+              </a:rPr>
+              <a:t> </a:t>
+            </a:r>
+            <a:r>
+              <a:rPr lang="de-DE" b="1" dirty="0" err="1">
+                <a:solidFill>
+                  <a:schemeClr val="tx1"/>
+                </a:solidFill>
+              </a:rPr>
+              <a:t>publications</a:t>
+            </a:r>
+            <a:endParaRPr lang="de-DE" b="1" dirty="0">
+              <a:solidFill>
+                <a:schemeClr val="tx1"/>
+              </a:solidFill>
+            </a:endParaRPr>
+          </a:p>
+        </p:txBody>
+      </p:sp>
+      <p:sp>
+        <p:nvSpPr>
+          <p:cNvPr id="14" name="Rectangle: Rounded Corners 13">
+            <a:extLst>
+              <a:ext uri="{FF2B5EF4-FFF2-40B4-BE49-F238E27FC236}">
+                <a16:creationId xmlns:a16="http://schemas.microsoft.com/office/drawing/2014/main" id="{95BFBC0E-C158-48BC-AD25-FF7FF4C5D33A}"/>
+              </a:ext>
+            </a:extLst>
+          </p:cNvPr>
+          <p:cNvSpPr/>
+          <p:nvPr/>
+        </p:nvSpPr>
+        <p:spPr>
+          <a:xfrm>
+            <a:off x="7758627" y="5572775"/>
+            <a:ext cx="3822853" cy="785366"/>
+          </a:xfrm>
+          <a:prstGeom prst="roundRect">
+            <a:avLst/>
+          </a:prstGeom>
+          <a:noFill/>
+          <a:ln w="12700">
+            <a:solidFill>
+              <a:srgbClr val="3F5161"/>
+            </a:solidFill>
+          </a:ln>
+        </p:spPr>
+        <p:style>
+          <a:lnRef idx="2">
+            <a:schemeClr val="accent1">
+              <a:shade val="50000"/>
+            </a:schemeClr>
+          </a:lnRef>
+          <a:fillRef idx="1">
+            <a:schemeClr val="accent1"/>
+          </a:fillRef>
+          <a:effectRef idx="0">
+            <a:schemeClr val="accent1"/>
+          </a:effectRef>
+          <a:fontRef idx="minor">
+            <a:schemeClr val="lt1"/>
+          </a:fontRef>
+        </p:style>
+        <p:txBody>
+          <a:bodyPr rtlCol="0" anchor="t"/>
+          <a:lstStyle/>
+          <a:p>
+            <a:r>
+              <a:rPr lang="de-DE" sz="2000" b="1" u="sng" dirty="0">
+                <a:solidFill>
+                  <a:schemeClr val="tx1"/>
+                </a:solidFill>
+              </a:rPr>
+              <a:t>Sentiment-</a:t>
+            </a:r>
+            <a:r>
+              <a:rPr lang="de-DE" sz="2000" b="1" u="sng" dirty="0" err="1">
+                <a:solidFill>
+                  <a:schemeClr val="tx1"/>
+                </a:solidFill>
+              </a:rPr>
+              <a:t>based</a:t>
+            </a:r>
+            <a:r>
+              <a:rPr lang="de-DE" sz="2000" b="1" u="sng" dirty="0">
+                <a:solidFill>
+                  <a:schemeClr val="tx1"/>
+                </a:solidFill>
+              </a:rPr>
+              <a:t> </a:t>
+            </a:r>
+            <a:r>
+              <a:rPr lang="de-DE" sz="2000" b="1" u="sng" dirty="0" err="1">
+                <a:solidFill>
+                  <a:schemeClr val="tx1"/>
+                </a:solidFill>
+              </a:rPr>
+              <a:t>features</a:t>
+            </a:r>
+            <a:r>
+              <a:rPr lang="de-DE" sz="2000" b="1" u="sng" dirty="0">
+                <a:solidFill>
+                  <a:schemeClr val="tx1"/>
+                </a:solidFill>
+              </a:rPr>
+              <a:t> [5, 6]:</a:t>
+            </a:r>
+          </a:p>
+          <a:p>
+            <a:pPr marL="285750" indent="-285750">
+              <a:buFont typeface="Arial" panose="020B0604020202020204" pitchFamily="34" charset="0"/>
+              <a:buChar char="•"/>
+            </a:pPr>
+            <a:r>
+              <a:rPr lang="de-DE" dirty="0" err="1">
+                <a:solidFill>
+                  <a:schemeClr val="tx1"/>
+                </a:solidFill>
+              </a:rPr>
+              <a:t>Polarity</a:t>
+            </a:r>
+            <a:r>
+              <a:rPr lang="de-DE" dirty="0">
+                <a:solidFill>
+                  <a:schemeClr val="tx1"/>
+                </a:solidFill>
+              </a:rPr>
+              <a:t> </a:t>
+            </a:r>
+            <a:r>
+              <a:rPr lang="de-DE" dirty="0" err="1">
+                <a:solidFill>
+                  <a:schemeClr val="tx1"/>
+                </a:solidFill>
+              </a:rPr>
+              <a:t>scores</a:t>
+            </a:r>
+            <a:r>
+              <a:rPr lang="de-DE" dirty="0">
+                <a:solidFill>
+                  <a:schemeClr val="tx1"/>
+                </a:solidFill>
+              </a:rPr>
+              <a:t> </a:t>
+            </a:r>
+            <a:r>
+              <a:rPr lang="de-DE" dirty="0" err="1">
+                <a:solidFill>
+                  <a:schemeClr val="tx1"/>
+                </a:solidFill>
+              </a:rPr>
+              <a:t>based</a:t>
+            </a:r>
+            <a:r>
+              <a:rPr lang="de-DE" dirty="0">
+                <a:solidFill>
+                  <a:schemeClr val="tx1"/>
+                </a:solidFill>
+              </a:rPr>
+              <a:t> on </a:t>
+            </a:r>
+            <a:r>
+              <a:rPr lang="de-DE" dirty="0" err="1">
+                <a:solidFill>
+                  <a:schemeClr val="tx1"/>
+                </a:solidFill>
+              </a:rPr>
+              <a:t>Vader</a:t>
+            </a:r>
+            <a:endParaRPr lang="de-DE" dirty="0">
+              <a:solidFill>
+                <a:schemeClr val="tx1"/>
+              </a:solidFill>
+            </a:endParaRPr>
+          </a:p>
+        </p:txBody>
+      </p:sp>
+      <p:sp>
+        <p:nvSpPr>
+          <p:cNvPr id="17" name="Rectangle: Rounded Corners 16">
+            <a:extLst>
+              <a:ext uri="{FF2B5EF4-FFF2-40B4-BE49-F238E27FC236}">
+                <a16:creationId xmlns:a16="http://schemas.microsoft.com/office/drawing/2014/main" id="{3C210447-BB7C-45EB-BAE9-85CFE41C53D1}"/>
+              </a:ext>
+            </a:extLst>
+          </p:cNvPr>
+          <p:cNvSpPr/>
+          <p:nvPr/>
+        </p:nvSpPr>
+        <p:spPr>
+          <a:xfrm>
+            <a:off x="7777905" y="2145180"/>
+            <a:ext cx="3793936" cy="1630903"/>
+          </a:xfrm>
+          <a:prstGeom prst="roundRect">
+            <a:avLst/>
+          </a:prstGeom>
+          <a:noFill/>
+          <a:ln w="12700">
+            <a:solidFill>
+              <a:srgbClr val="3F5161"/>
+            </a:solidFill>
+          </a:ln>
+        </p:spPr>
+        <p:style>
+          <a:lnRef idx="2">
+            <a:schemeClr val="accent1">
+              <a:shade val="50000"/>
+            </a:schemeClr>
+          </a:lnRef>
+          <a:fillRef idx="1">
+            <a:schemeClr val="accent1"/>
+          </a:fillRef>
+          <a:effectRef idx="0">
+            <a:schemeClr val="accent1"/>
+          </a:effectRef>
+          <a:fontRef idx="minor">
+            <a:schemeClr val="lt1"/>
+          </a:fontRef>
+        </p:style>
+        <p:txBody>
+          <a:bodyPr rtlCol="0" anchor="t"/>
+          <a:lstStyle/>
+          <a:p>
+            <a:r>
+              <a:rPr lang="de-DE" sz="2000" b="1" u="sng" dirty="0" err="1">
+                <a:solidFill>
+                  <a:schemeClr val="tx1"/>
+                </a:solidFill>
+              </a:rPr>
+              <a:t>Semantic</a:t>
+            </a:r>
+            <a:r>
+              <a:rPr lang="de-DE" sz="2000" b="1" u="sng" dirty="0">
+                <a:solidFill>
+                  <a:schemeClr val="tx1"/>
+                </a:solidFill>
+              </a:rPr>
+              <a:t> </a:t>
+            </a:r>
+            <a:r>
+              <a:rPr lang="de-DE" sz="2000" b="1" u="sng" dirty="0" err="1">
+                <a:solidFill>
+                  <a:schemeClr val="tx1"/>
+                </a:solidFill>
+              </a:rPr>
+              <a:t>features</a:t>
+            </a:r>
+            <a:r>
+              <a:rPr lang="en-US" sz="2000" b="1" u="sng" dirty="0">
+                <a:solidFill>
+                  <a:schemeClr val="tx1"/>
+                </a:solidFill>
+              </a:rPr>
+              <a:t> [1, 4]</a:t>
+            </a:r>
+            <a:r>
+              <a:rPr lang="de-DE" sz="2000" b="1" u="sng" dirty="0">
+                <a:solidFill>
+                  <a:schemeClr val="tx1"/>
+                </a:solidFill>
+              </a:rPr>
+              <a:t>:</a:t>
+            </a:r>
+          </a:p>
+          <a:p>
+            <a:pPr marL="342900" indent="-342900">
+              <a:buFont typeface="Arial" panose="020B0604020202020204" pitchFamily="34" charset="0"/>
+              <a:buChar char="•"/>
+            </a:pPr>
+            <a:r>
+              <a:rPr lang="en-US" dirty="0">
+                <a:solidFill>
+                  <a:schemeClr val="tx1"/>
+                </a:solidFill>
+              </a:rPr>
+              <a:t>#Exclamation marks</a:t>
+            </a:r>
+          </a:p>
+          <a:p>
+            <a:pPr marL="342900" indent="-342900">
+              <a:buFont typeface="Arial" panose="020B0604020202020204" pitchFamily="34" charset="0"/>
+              <a:buChar char="•"/>
+            </a:pPr>
+            <a:r>
+              <a:rPr lang="en-US" dirty="0">
+                <a:solidFill>
+                  <a:schemeClr val="tx1"/>
+                </a:solidFill>
+              </a:rPr>
+              <a:t>#Capitalized words</a:t>
+            </a:r>
+          </a:p>
+          <a:p>
+            <a:pPr marL="342900" indent="-342900">
+              <a:buFont typeface="Arial" panose="020B0604020202020204" pitchFamily="34" charset="0"/>
+              <a:buChar char="•"/>
+            </a:pPr>
+            <a:r>
+              <a:rPr lang="en-US" dirty="0">
+                <a:solidFill>
+                  <a:schemeClr val="tx1"/>
+                </a:solidFill>
+              </a:rPr>
+              <a:t>#Laughing expressions</a:t>
+            </a:r>
+          </a:p>
+          <a:p>
+            <a:pPr marL="342900" indent="-342900">
+              <a:buFont typeface="Arial" panose="020B0604020202020204" pitchFamily="34" charset="0"/>
+              <a:buChar char="•"/>
+            </a:pPr>
+            <a:r>
+              <a:rPr lang="en-US" dirty="0" err="1">
+                <a:solidFill>
+                  <a:schemeClr val="tx1"/>
+                </a:solidFill>
+              </a:rPr>
+              <a:t>etc</a:t>
+            </a:r>
+            <a:r>
+              <a:rPr lang="en-US" dirty="0">
+                <a:solidFill>
+                  <a:schemeClr val="tx1"/>
+                </a:solidFill>
+              </a:rPr>
+              <a:t>…</a:t>
+            </a:r>
+            <a:endParaRPr lang="de-DE" dirty="0">
+              <a:solidFill>
+                <a:schemeClr val="tx1"/>
+              </a:solidFill>
+            </a:endParaRPr>
+          </a:p>
+        </p:txBody>
+      </p:sp>
+      <p:sp>
+        <p:nvSpPr>
+          <p:cNvPr id="18" name="Rectangle: Rounded Corners 17">
+            <a:extLst>
+              <a:ext uri="{FF2B5EF4-FFF2-40B4-BE49-F238E27FC236}">
+                <a16:creationId xmlns:a16="http://schemas.microsoft.com/office/drawing/2014/main" id="{1A0DDE54-8DE6-49D3-BEA0-FFC0910209D7}"/>
+              </a:ext>
+            </a:extLst>
+          </p:cNvPr>
+          <p:cNvSpPr/>
+          <p:nvPr/>
+        </p:nvSpPr>
+        <p:spPr>
+          <a:xfrm>
+            <a:off x="7783415" y="744303"/>
+            <a:ext cx="3798066" cy="1325151"/>
+          </a:xfrm>
+          <a:prstGeom prst="roundRect">
+            <a:avLst/>
+          </a:prstGeom>
+          <a:noFill/>
+          <a:ln w="12700">
+            <a:solidFill>
+              <a:srgbClr val="3F5161"/>
+            </a:solidFill>
+          </a:ln>
+        </p:spPr>
+        <p:style>
+          <a:lnRef idx="2">
+            <a:schemeClr val="accent1">
+              <a:shade val="50000"/>
+            </a:schemeClr>
+          </a:lnRef>
+          <a:fillRef idx="1">
+            <a:schemeClr val="accent1"/>
+          </a:fillRef>
+          <a:effectRef idx="0">
+            <a:schemeClr val="accent1"/>
+          </a:effectRef>
+          <a:fontRef idx="minor">
+            <a:schemeClr val="lt1"/>
+          </a:fontRef>
+        </p:style>
+        <p:txBody>
+          <a:bodyPr rtlCol="0" anchor="t"/>
+          <a:lstStyle/>
+          <a:p>
+            <a:r>
+              <a:rPr lang="de-DE" sz="2000" b="1" u="sng" dirty="0" err="1">
+                <a:solidFill>
+                  <a:schemeClr val="tx1"/>
+                </a:solidFill>
+              </a:rPr>
+              <a:t>Unigram</a:t>
+            </a:r>
+            <a:r>
+              <a:rPr lang="de-DE" sz="2000" b="1" u="sng" dirty="0">
+                <a:solidFill>
+                  <a:schemeClr val="tx1"/>
+                </a:solidFill>
+              </a:rPr>
+              <a:t> </a:t>
+            </a:r>
+            <a:r>
+              <a:rPr lang="de-DE" sz="2000" b="1" u="sng" dirty="0" err="1">
+                <a:solidFill>
+                  <a:schemeClr val="tx1"/>
+                </a:solidFill>
+              </a:rPr>
+              <a:t>features</a:t>
+            </a:r>
+            <a:r>
+              <a:rPr lang="de-DE" sz="2000" b="1" u="sng" dirty="0">
+                <a:solidFill>
+                  <a:schemeClr val="tx1"/>
+                </a:solidFill>
+              </a:rPr>
+              <a:t> [1, 5, 6, 7, 8]:</a:t>
+            </a:r>
+          </a:p>
+          <a:p>
+            <a:pPr marL="342900" indent="-342900">
+              <a:buFont typeface="Arial" panose="020B0604020202020204" pitchFamily="34" charset="0"/>
+              <a:buChar char="•"/>
+            </a:pPr>
+            <a:r>
+              <a:rPr lang="de-DE" dirty="0">
+                <a:solidFill>
+                  <a:schemeClr val="tx1"/>
+                </a:solidFill>
+              </a:rPr>
+              <a:t>N-grams</a:t>
+            </a:r>
+          </a:p>
+          <a:p>
+            <a:pPr marL="342900" indent="-342900">
+              <a:buFont typeface="Arial" panose="020B0604020202020204" pitchFamily="34" charset="0"/>
+              <a:buChar char="•"/>
+            </a:pPr>
+            <a:r>
+              <a:rPr lang="de-DE" dirty="0" err="1">
+                <a:solidFill>
+                  <a:schemeClr val="tx1"/>
+                </a:solidFill>
+              </a:rPr>
+              <a:t>Dictionaries</a:t>
+            </a:r>
+            <a:r>
+              <a:rPr lang="de-DE" dirty="0">
+                <a:solidFill>
+                  <a:schemeClr val="tx1"/>
+                </a:solidFill>
+              </a:rPr>
+              <a:t> </a:t>
+            </a:r>
+            <a:r>
+              <a:rPr lang="de-DE" dirty="0" err="1">
+                <a:solidFill>
+                  <a:schemeClr val="tx1"/>
+                </a:solidFill>
+              </a:rPr>
+              <a:t>based</a:t>
+            </a:r>
+            <a:r>
+              <a:rPr lang="de-DE" dirty="0">
+                <a:solidFill>
+                  <a:schemeClr val="tx1"/>
+                </a:solidFill>
+              </a:rPr>
+              <a:t> on TF-IDF </a:t>
+            </a:r>
+            <a:r>
+              <a:rPr lang="de-DE" dirty="0" err="1">
+                <a:solidFill>
+                  <a:schemeClr val="tx1"/>
+                </a:solidFill>
+              </a:rPr>
+              <a:t>scores</a:t>
+            </a:r>
+            <a:endParaRPr lang="de-DE" dirty="0">
+              <a:solidFill>
+                <a:schemeClr val="tx1"/>
+              </a:solidFill>
+            </a:endParaRPr>
+          </a:p>
+        </p:txBody>
+      </p:sp>
+      <p:sp>
+        <p:nvSpPr>
+          <p:cNvPr id="19" name="Rectangle: Rounded Corners 18">
+            <a:extLst>
+              <a:ext uri="{FF2B5EF4-FFF2-40B4-BE49-F238E27FC236}">
+                <a16:creationId xmlns:a16="http://schemas.microsoft.com/office/drawing/2014/main" id="{4E3221D2-3434-4BBC-BF3C-146061CA6860}"/>
+              </a:ext>
+            </a:extLst>
+          </p:cNvPr>
+          <p:cNvSpPr/>
+          <p:nvPr/>
+        </p:nvSpPr>
+        <p:spPr>
+          <a:xfrm>
+            <a:off x="7768265" y="3850590"/>
+            <a:ext cx="3803576" cy="785367"/>
+          </a:xfrm>
+          <a:prstGeom prst="roundRect">
+            <a:avLst/>
+          </a:prstGeom>
+          <a:noFill/>
+          <a:ln w="12700">
+            <a:solidFill>
+              <a:srgbClr val="3F5161"/>
+            </a:solidFill>
+          </a:ln>
+        </p:spPr>
+        <p:style>
+          <a:lnRef idx="2">
+            <a:schemeClr val="accent1">
+              <a:shade val="50000"/>
+            </a:schemeClr>
+          </a:lnRef>
+          <a:fillRef idx="1">
+            <a:schemeClr val="accent1"/>
+          </a:fillRef>
+          <a:effectRef idx="0">
+            <a:schemeClr val="accent1"/>
+          </a:effectRef>
+          <a:fontRef idx="minor">
+            <a:schemeClr val="lt1"/>
+          </a:fontRef>
+        </p:style>
+        <p:txBody>
+          <a:bodyPr rtlCol="0" anchor="t"/>
+          <a:lstStyle/>
+          <a:p>
+            <a:r>
+              <a:rPr lang="de-DE" sz="2000" b="1" u="sng" dirty="0">
+                <a:solidFill>
+                  <a:schemeClr val="tx1"/>
+                </a:solidFill>
+              </a:rPr>
+              <a:t>Pattern </a:t>
+            </a:r>
+            <a:r>
+              <a:rPr lang="de-DE" sz="2000" b="1" u="sng" dirty="0" err="1">
+                <a:solidFill>
+                  <a:schemeClr val="tx1"/>
+                </a:solidFill>
+              </a:rPr>
+              <a:t>features</a:t>
+            </a:r>
+            <a:r>
+              <a:rPr lang="de-DE" sz="2000" b="1" u="sng" dirty="0">
+                <a:solidFill>
+                  <a:schemeClr val="tx1"/>
+                </a:solidFill>
+              </a:rPr>
+              <a:t> [5, 6]:</a:t>
+            </a:r>
+          </a:p>
+          <a:p>
+            <a:pPr marL="342900" indent="-342900">
+              <a:buFont typeface="Arial" panose="020B0604020202020204" pitchFamily="34" charset="0"/>
+              <a:buChar char="•"/>
+            </a:pPr>
+            <a:r>
+              <a:rPr lang="de-DE" dirty="0" err="1">
+                <a:solidFill>
+                  <a:schemeClr val="tx1"/>
+                </a:solidFill>
+              </a:rPr>
+              <a:t>PoS</a:t>
+            </a:r>
+            <a:r>
+              <a:rPr lang="de-DE" dirty="0">
+                <a:solidFill>
+                  <a:schemeClr val="tx1"/>
+                </a:solidFill>
+              </a:rPr>
+              <a:t>-tag </a:t>
+            </a:r>
+            <a:r>
+              <a:rPr lang="de-DE" dirty="0" err="1">
+                <a:solidFill>
+                  <a:schemeClr val="tx1"/>
+                </a:solidFill>
+              </a:rPr>
+              <a:t>patterns</a:t>
+            </a:r>
+            <a:endParaRPr lang="de-DE" dirty="0">
+              <a:solidFill>
+                <a:schemeClr val="tx1"/>
+              </a:solidFill>
+            </a:endParaRPr>
+          </a:p>
+        </p:txBody>
+      </p:sp>
+      <p:sp>
+        <p:nvSpPr>
+          <p:cNvPr id="51" name="Rectangle: Rounded Corners 50">
+            <a:extLst>
+              <a:ext uri="{FF2B5EF4-FFF2-40B4-BE49-F238E27FC236}">
+                <a16:creationId xmlns:a16="http://schemas.microsoft.com/office/drawing/2014/main" id="{6861C6AE-DF07-4702-B97C-F46DC9E56D9E}"/>
+              </a:ext>
+            </a:extLst>
+          </p:cNvPr>
+          <p:cNvSpPr/>
+          <p:nvPr/>
+        </p:nvSpPr>
+        <p:spPr>
+          <a:xfrm>
+            <a:off x="7777904" y="4711683"/>
+            <a:ext cx="3798066" cy="785366"/>
+          </a:xfrm>
+          <a:prstGeom prst="roundRect">
+            <a:avLst/>
+          </a:prstGeom>
+          <a:noFill/>
+          <a:ln w="12700">
+            <a:solidFill>
+              <a:srgbClr val="3F5161"/>
+            </a:solidFill>
+          </a:ln>
+        </p:spPr>
+        <p:style>
+          <a:lnRef idx="2">
+            <a:schemeClr val="accent1">
+              <a:shade val="50000"/>
+            </a:schemeClr>
+          </a:lnRef>
+          <a:fillRef idx="1">
+            <a:schemeClr val="accent1"/>
+          </a:fillRef>
+          <a:effectRef idx="0">
+            <a:schemeClr val="accent1"/>
+          </a:effectRef>
+          <a:fontRef idx="minor">
+            <a:schemeClr val="lt1"/>
+          </a:fontRef>
+        </p:style>
+        <p:txBody>
+          <a:bodyPr rtlCol="0" anchor="t"/>
+          <a:lstStyle/>
+          <a:p>
+            <a:r>
+              <a:rPr lang="de-DE" sz="2000" b="1" u="sng" dirty="0">
+                <a:solidFill>
+                  <a:schemeClr val="tx1"/>
+                </a:solidFill>
+              </a:rPr>
+              <a:t>Topic </a:t>
+            </a:r>
+            <a:r>
+              <a:rPr lang="de-DE" sz="2000" b="1" u="sng" dirty="0" err="1">
+                <a:solidFill>
+                  <a:schemeClr val="tx1"/>
+                </a:solidFill>
+              </a:rPr>
+              <a:t>classification</a:t>
+            </a:r>
+            <a:r>
+              <a:rPr lang="de-DE" sz="2000" b="1" u="sng" dirty="0">
+                <a:solidFill>
+                  <a:schemeClr val="tx1"/>
+                </a:solidFill>
+              </a:rPr>
+              <a:t> [6]:</a:t>
+            </a:r>
+          </a:p>
+          <a:p>
+            <a:pPr marL="285750" indent="-285750">
+              <a:buFont typeface="Arial" panose="020B0604020202020204" pitchFamily="34" charset="0"/>
+              <a:buChar char="•"/>
+            </a:pPr>
+            <a:r>
+              <a:rPr lang="de-DE" dirty="0">
+                <a:solidFill>
+                  <a:schemeClr val="tx1"/>
+                </a:solidFill>
+              </a:rPr>
+              <a:t>Latent </a:t>
+            </a:r>
+            <a:r>
+              <a:rPr lang="de-DE" dirty="0" err="1">
+                <a:solidFill>
+                  <a:schemeClr val="tx1"/>
+                </a:solidFill>
+              </a:rPr>
+              <a:t>Dirichlet</a:t>
+            </a:r>
+            <a:r>
+              <a:rPr lang="de-DE" dirty="0">
+                <a:solidFill>
+                  <a:schemeClr val="tx1"/>
+                </a:solidFill>
+              </a:rPr>
+              <a:t> </a:t>
+            </a:r>
+            <a:r>
+              <a:rPr lang="de-DE" dirty="0" err="1">
+                <a:solidFill>
+                  <a:schemeClr val="tx1"/>
+                </a:solidFill>
+              </a:rPr>
+              <a:t>Allocation</a:t>
+            </a:r>
+            <a:endParaRPr lang="de-DE" dirty="0">
+              <a:solidFill>
+                <a:schemeClr val="tx1"/>
+              </a:solidFill>
+            </a:endParaRPr>
+          </a:p>
+        </p:txBody>
+      </p:sp>
+      <p:sp>
+        <p:nvSpPr>
+          <p:cNvPr id="64" name="Left Brace 63">
+            <a:extLst>
+              <a:ext uri="{FF2B5EF4-FFF2-40B4-BE49-F238E27FC236}">
+                <a16:creationId xmlns:a16="http://schemas.microsoft.com/office/drawing/2014/main" id="{D9109D92-FB1D-4268-9F19-4593D2993444}"/>
+              </a:ext>
+            </a:extLst>
+          </p:cNvPr>
+          <p:cNvSpPr/>
+          <p:nvPr/>
+        </p:nvSpPr>
+        <p:spPr>
+          <a:xfrm>
+            <a:off x="5717754" y="744303"/>
+            <a:ext cx="793215" cy="5613838"/>
+          </a:xfrm>
+          <a:prstGeom prst="leftBrace">
+            <a:avLst>
+              <a:gd name="adj1" fmla="val 8333"/>
+              <a:gd name="adj2" fmla="val 58439"/>
+            </a:avLst>
+          </a:prstGeom>
+          <a:ln w="12700">
+            <a:solidFill>
+              <a:srgbClr val="3F5161"/>
+            </a:solidFill>
+          </a:ln>
+        </p:spPr>
+        <p:style>
+          <a:lnRef idx="1">
+            <a:schemeClr val="accent1"/>
+          </a:lnRef>
+          <a:fillRef idx="0">
+            <a:schemeClr val="accent1"/>
+          </a:fillRef>
+          <a:effectRef idx="0">
+            <a:schemeClr val="accent1"/>
+          </a:effectRef>
+          <a:fontRef idx="minor">
+            <a:schemeClr val="tx1"/>
+          </a:fontRef>
+        </p:style>
+        <p:txBody>
+          <a:bodyPr rtlCol="0" anchor="ctr"/>
+          <a:lstStyle/>
+          <a:p>
+            <a:pPr algn="ctr"/>
+            <a:endParaRPr lang="en-US"/>
+          </a:p>
+        </p:txBody>
+      </p:sp>
     </p:spTree>
     <p:extLst>
       <p:ext uri="{BB962C8B-B14F-4D97-AF65-F5344CB8AC3E}">
-        <p14:creationId xmlns:p14="http://schemas.microsoft.com/office/powerpoint/2010/main" val="1917352061"/>
+        <p14:creationId xmlns:p14="http://schemas.microsoft.com/office/powerpoint/2010/main" val="4260134281"/>
       </p:ext>
     </p:extLst>
   </p:cSld>
@@ -9283,7 +10756,7 @@
           <p:cNvPr id="4" name="Inhaltsplatzhalter 3">
             <a:extLst>
               <a:ext uri="{FF2B5EF4-FFF2-40B4-BE49-F238E27FC236}">
-                <a16:creationId xmlns:a16="http://schemas.microsoft.com/office/drawing/2014/main" id="{4B93F879-7986-354B-B92A-B420E9D0A153}"/>
+                <a16:creationId xmlns:a16="http://schemas.microsoft.com/office/drawing/2014/main" id="{32754049-C4B7-1245-B9B5-8899B7A5A296}"/>
               </a:ext>
             </a:extLst>
           </p:cNvPr>
@@ -9294,7 +10767,12 @@
             <p:ph idx="1"/>
           </p:nvPr>
         </p:nvSpPr>
-        <p:spPr/>
+        <p:spPr>
+          <a:xfrm>
+            <a:off x="1371600" y="1696811"/>
+            <a:ext cx="2572439" cy="479234"/>
+          </a:xfrm>
+        </p:spPr>
         <p:txBody>
           <a:bodyPr/>
           <a:lstStyle/>
@@ -9303,12 +10781,8 @@
               <a:buNone/>
             </a:pPr>
             <a:r>
-              <a:rPr lang="de-DE" b="1" u="sng" dirty="0"/>
-              <a:t>Choice </a:t>
-            </a:r>
-            <a:r>
               <a:rPr lang="de-DE" b="1" u="sng" dirty="0" err="1"/>
-              <a:t>of</a:t>
+              <a:t>Classification</a:t>
             </a:r>
             <a:r>
               <a:rPr lang="de-DE" b="1" u="sng" dirty="0"/>
@@ -9316,25 +10790,12 @@
             </a:r>
             <a:r>
               <a:rPr lang="de-DE" b="1" u="sng" dirty="0" err="1"/>
-              <a:t>hand</a:t>
+              <a:t>metrics</a:t>
             </a:r>
             <a:r>
               <a:rPr lang="de-DE" b="1" u="sng" dirty="0"/>
-              <a:t> </a:t>
-            </a:r>
-            <a:r>
-              <a:rPr lang="de-DE" b="1" u="sng" dirty="0" err="1"/>
-              <a:t>crafted</a:t>
-            </a:r>
-            <a:r>
-              <a:rPr lang="de-DE" b="1" u="sng" dirty="0"/>
-              <a:t> </a:t>
-            </a:r>
-            <a:r>
-              <a:rPr lang="de-DE" b="1" u="sng" dirty="0" err="1"/>
-              <a:t>features</a:t>
-            </a:r>
-            <a:endParaRPr lang="de-DE" b="1" u="sng" dirty="0"/>
+              <a:t>:</a:t>
+            </a:r>
           </a:p>
         </p:txBody>
       </p:sp>
@@ -9364,487 +10825,6 @@
               <a:pPr/>
               <a:t>7</a:t>
             </a:fld>
-            <a:endParaRPr lang="en-US" dirty="0"/>
-          </a:p>
-        </p:txBody>
-      </p:sp>
-      <p:sp>
-        <p:nvSpPr>
-          <p:cNvPr id="20" name="Rechteck 19">
-            <a:extLst>
-              <a:ext uri="{FF2B5EF4-FFF2-40B4-BE49-F238E27FC236}">
-                <a16:creationId xmlns:a16="http://schemas.microsoft.com/office/drawing/2014/main" id="{45468AF7-D826-A94C-B3EA-94F9AD6D0595}"/>
-              </a:ext>
-            </a:extLst>
-          </p:cNvPr>
-          <p:cNvSpPr/>
-          <p:nvPr/>
-        </p:nvSpPr>
-        <p:spPr>
-          <a:xfrm>
-            <a:off x="3911600" y="2846091"/>
-            <a:ext cx="4368800" cy="796664"/>
-          </a:xfrm>
-          <a:prstGeom prst="rect">
-            <a:avLst/>
-          </a:prstGeom>
-        </p:spPr>
-        <p:style>
-          <a:lnRef idx="2">
-            <a:schemeClr val="accent5">
-              <a:shade val="50000"/>
-            </a:schemeClr>
-          </a:lnRef>
-          <a:fillRef idx="1">
-            <a:schemeClr val="accent5"/>
-          </a:fillRef>
-          <a:effectRef idx="0">
-            <a:schemeClr val="accent5"/>
-          </a:effectRef>
-          <a:fontRef idx="minor">
-            <a:schemeClr val="lt1"/>
-          </a:fontRef>
-        </p:style>
-        <p:txBody>
-          <a:bodyPr rtlCol="0" anchor="t"/>
-          <a:lstStyle/>
-          <a:p>
-            <a:pPr algn="ctr"/>
-            <a:r>
-              <a:rPr lang="de-DE" dirty="0"/>
-              <a:t>Sentiment</a:t>
-            </a:r>
-          </a:p>
-          <a:p>
-            <a:pPr marL="742950" lvl="1" indent="-285750">
-              <a:buFont typeface="Arial" panose="020B0604020202020204" pitchFamily="34" charset="0"/>
-              <a:buChar char="•"/>
-            </a:pPr>
-            <a:r>
-              <a:rPr lang="en-US" sz="1400" dirty="0"/>
-              <a:t>number of hateful or neutral words</a:t>
-            </a:r>
-          </a:p>
-          <a:p>
-            <a:pPr marL="742950" lvl="1" indent="-285750">
-              <a:buFont typeface="Arial" panose="020B0604020202020204" pitchFamily="34" charset="0"/>
-              <a:buChar char="•"/>
-            </a:pPr>
-            <a:r>
-              <a:rPr lang="en-US" sz="1400" dirty="0"/>
-              <a:t>sentiment score</a:t>
-            </a:r>
-          </a:p>
-        </p:txBody>
-      </p:sp>
-      <p:sp>
-        <p:nvSpPr>
-          <p:cNvPr id="21" name="Rechteck 20">
-            <a:extLst>
-              <a:ext uri="{FF2B5EF4-FFF2-40B4-BE49-F238E27FC236}">
-                <a16:creationId xmlns:a16="http://schemas.microsoft.com/office/drawing/2014/main" id="{ED1BF804-AD4C-2C48-8C6B-BC425B134BA4}"/>
-              </a:ext>
-            </a:extLst>
-          </p:cNvPr>
-          <p:cNvSpPr/>
-          <p:nvPr/>
-        </p:nvSpPr>
-        <p:spPr>
-          <a:xfrm>
-            <a:off x="3911600" y="3666514"/>
-            <a:ext cx="4368800" cy="1242472"/>
-          </a:xfrm>
-          <a:prstGeom prst="rect">
-            <a:avLst/>
-          </a:prstGeom>
-        </p:spPr>
-        <p:style>
-          <a:lnRef idx="2">
-            <a:schemeClr val="accent5">
-              <a:shade val="50000"/>
-            </a:schemeClr>
-          </a:lnRef>
-          <a:fillRef idx="1">
-            <a:schemeClr val="accent5"/>
-          </a:fillRef>
-          <a:effectRef idx="0">
-            <a:schemeClr val="accent5"/>
-          </a:effectRef>
-          <a:fontRef idx="minor">
-            <a:schemeClr val="lt1"/>
-          </a:fontRef>
-        </p:style>
-        <p:txBody>
-          <a:bodyPr rtlCol="0" anchor="t"/>
-          <a:lstStyle/>
-          <a:p>
-            <a:pPr algn="ctr"/>
-            <a:r>
-              <a:rPr lang="en-US" dirty="0"/>
-              <a:t>Semantic</a:t>
-            </a:r>
-          </a:p>
-          <a:p>
-            <a:pPr marL="742950" lvl="1" indent="-285750">
-              <a:buFont typeface="Arial" panose="020B0604020202020204" pitchFamily="34" charset="0"/>
-              <a:buChar char="•"/>
-            </a:pPr>
-            <a:r>
-              <a:rPr lang="en-US" sz="1400" dirty="0"/>
-              <a:t>number of special characters (e.g. exclamation mark, question mark)</a:t>
-            </a:r>
-          </a:p>
-          <a:p>
-            <a:pPr marL="742950" lvl="1" indent="-285750">
-              <a:buFont typeface="Arial" panose="020B0604020202020204" pitchFamily="34" charset="0"/>
-              <a:buChar char="•"/>
-            </a:pPr>
-            <a:r>
-              <a:rPr lang="en-US" sz="1400" dirty="0"/>
-              <a:t>number of interjections, all caps words, total words</a:t>
-            </a:r>
-          </a:p>
-        </p:txBody>
-      </p:sp>
-      <p:sp>
-        <p:nvSpPr>
-          <p:cNvPr id="22" name="Rechteck 21">
-            <a:extLst>
-              <a:ext uri="{FF2B5EF4-FFF2-40B4-BE49-F238E27FC236}">
-                <a16:creationId xmlns:a16="http://schemas.microsoft.com/office/drawing/2014/main" id="{AB816F16-8F0D-C441-9127-F0AED81927E1}"/>
-              </a:ext>
-            </a:extLst>
-          </p:cNvPr>
-          <p:cNvSpPr/>
-          <p:nvPr/>
-        </p:nvSpPr>
-        <p:spPr>
-          <a:xfrm>
-            <a:off x="3911600" y="4932745"/>
-            <a:ext cx="4368800" cy="385612"/>
-          </a:xfrm>
-          <a:prstGeom prst="rect">
-            <a:avLst/>
-          </a:prstGeom>
-        </p:spPr>
-        <p:style>
-          <a:lnRef idx="2">
-            <a:schemeClr val="accent5">
-              <a:shade val="50000"/>
-            </a:schemeClr>
-          </a:lnRef>
-          <a:fillRef idx="1">
-            <a:schemeClr val="accent5"/>
-          </a:fillRef>
-          <a:effectRef idx="0">
-            <a:schemeClr val="accent5"/>
-          </a:effectRef>
-          <a:fontRef idx="minor">
-            <a:schemeClr val="lt1"/>
-          </a:fontRef>
-        </p:style>
-        <p:txBody>
-          <a:bodyPr rtlCol="0" anchor="t"/>
-          <a:lstStyle/>
-          <a:p>
-            <a:pPr algn="ctr"/>
-            <a:r>
-              <a:rPr lang="en-US" dirty="0" err="1"/>
-              <a:t>NGrams</a:t>
-            </a:r>
-            <a:endParaRPr lang="en-US" dirty="0"/>
-          </a:p>
-        </p:txBody>
-      </p:sp>
-      <p:sp>
-        <p:nvSpPr>
-          <p:cNvPr id="23" name="Rechteck 22">
-            <a:extLst>
-              <a:ext uri="{FF2B5EF4-FFF2-40B4-BE49-F238E27FC236}">
-                <a16:creationId xmlns:a16="http://schemas.microsoft.com/office/drawing/2014/main" id="{CA6A0E30-BADE-EC43-95AA-E3D60D10F928}"/>
-              </a:ext>
-            </a:extLst>
-          </p:cNvPr>
-          <p:cNvSpPr/>
-          <p:nvPr/>
-        </p:nvSpPr>
-        <p:spPr>
-          <a:xfrm>
-            <a:off x="3911600" y="5342116"/>
-            <a:ext cx="4368800" cy="385612"/>
-          </a:xfrm>
-          <a:prstGeom prst="rect">
-            <a:avLst/>
-          </a:prstGeom>
-        </p:spPr>
-        <p:style>
-          <a:lnRef idx="2">
-            <a:schemeClr val="accent5">
-              <a:shade val="50000"/>
-            </a:schemeClr>
-          </a:lnRef>
-          <a:fillRef idx="1">
-            <a:schemeClr val="accent5"/>
-          </a:fillRef>
-          <a:effectRef idx="0">
-            <a:schemeClr val="accent5"/>
-          </a:effectRef>
-          <a:fontRef idx="minor">
-            <a:schemeClr val="lt1"/>
-          </a:fontRef>
-        </p:style>
-        <p:txBody>
-          <a:bodyPr rtlCol="0" anchor="t"/>
-          <a:lstStyle/>
-          <a:p>
-            <a:pPr algn="ctr"/>
-            <a:r>
-              <a:rPr lang="en-US" dirty="0"/>
-              <a:t>Patterns</a:t>
-            </a:r>
-          </a:p>
-        </p:txBody>
-      </p:sp>
-      <p:sp>
-        <p:nvSpPr>
-          <p:cNvPr id="24" name="Rechteck 23">
-            <a:extLst>
-              <a:ext uri="{FF2B5EF4-FFF2-40B4-BE49-F238E27FC236}">
-                <a16:creationId xmlns:a16="http://schemas.microsoft.com/office/drawing/2014/main" id="{D5F11332-308B-A149-ACBB-FC3A5E23EEB8}"/>
-              </a:ext>
-            </a:extLst>
-          </p:cNvPr>
-          <p:cNvSpPr/>
-          <p:nvPr/>
-        </p:nvSpPr>
-        <p:spPr>
-          <a:xfrm>
-            <a:off x="3911600" y="5769369"/>
-            <a:ext cx="4368800" cy="402831"/>
-          </a:xfrm>
-          <a:prstGeom prst="rect">
-            <a:avLst/>
-          </a:prstGeom>
-        </p:spPr>
-        <p:style>
-          <a:lnRef idx="2">
-            <a:schemeClr val="accent5">
-              <a:shade val="50000"/>
-            </a:schemeClr>
-          </a:lnRef>
-          <a:fillRef idx="1">
-            <a:schemeClr val="accent5"/>
-          </a:fillRef>
-          <a:effectRef idx="0">
-            <a:schemeClr val="accent5"/>
-          </a:effectRef>
-          <a:fontRef idx="minor">
-            <a:schemeClr val="lt1"/>
-          </a:fontRef>
-        </p:style>
-        <p:txBody>
-          <a:bodyPr rtlCol="0" anchor="t"/>
-          <a:lstStyle/>
-          <a:p>
-            <a:pPr algn="ctr"/>
-            <a:r>
-              <a:rPr lang="en-US" dirty="0"/>
-              <a:t>Topic</a:t>
-            </a:r>
-          </a:p>
-        </p:txBody>
-      </p:sp>
-    </p:spTree>
-    <p:extLst>
-      <p:ext uri="{BB962C8B-B14F-4D97-AF65-F5344CB8AC3E}">
-        <p14:creationId xmlns:p14="http://schemas.microsoft.com/office/powerpoint/2010/main" val="3493567260"/>
-      </p:ext>
-    </p:extLst>
-  </p:cSld>
-  <p:clrMapOvr>
-    <a:masterClrMapping/>
-  </p:clrMapOvr>
-</p:sld>
-</file>
-
-<file path=ppt/slides/slide8.xml><?xml version="1.0" encoding="utf-8"?>
-<p:sld xmlns:a="http://schemas.openxmlformats.org/drawingml/2006/main" xmlns:r="http://schemas.openxmlformats.org/officeDocument/2006/relationships" xmlns:p="http://schemas.openxmlformats.org/presentationml/2006/main">
-  <p:cSld>
-    <p:spTree>
-      <p:nvGrpSpPr>
-        <p:cNvPr id="1" name=""/>
-        <p:cNvGrpSpPr/>
-        <p:nvPr/>
-      </p:nvGrpSpPr>
-      <p:grpSpPr>
-        <a:xfrm>
-          <a:off x="0" y="0"/>
-          <a:ext cx="0" cy="0"/>
-          <a:chOff x="0" y="0"/>
-          <a:chExt cx="0" cy="0"/>
-        </a:xfrm>
-      </p:grpSpPr>
-      <p:sp>
-        <p:nvSpPr>
-          <p:cNvPr id="2" name="Titel 1">
-            <a:extLst>
-              <a:ext uri="{FF2B5EF4-FFF2-40B4-BE49-F238E27FC236}">
-                <a16:creationId xmlns:a16="http://schemas.microsoft.com/office/drawing/2014/main" id="{8AF3081B-2286-174D-A2A0-E0ED844B7E3F}"/>
-              </a:ext>
-            </a:extLst>
-          </p:cNvPr>
-          <p:cNvSpPr>
-            <a:spLocks noGrp="1"/>
-          </p:cNvSpPr>
-          <p:nvPr>
-            <p:ph type="title"/>
-          </p:nvPr>
-        </p:nvSpPr>
-        <p:spPr/>
-        <p:txBody>
-          <a:bodyPr/>
-          <a:lstStyle/>
-          <a:p>
-            <a:r>
-              <a:rPr lang="en-US" dirty="0"/>
-              <a:t>Results</a:t>
-            </a:r>
-          </a:p>
-        </p:txBody>
-      </p:sp>
-      <p:sp>
-        <p:nvSpPr>
-          <p:cNvPr id="4" name="Inhaltsplatzhalter 3">
-            <a:extLst>
-              <a:ext uri="{FF2B5EF4-FFF2-40B4-BE49-F238E27FC236}">
-                <a16:creationId xmlns:a16="http://schemas.microsoft.com/office/drawing/2014/main" id="{32754049-C4B7-1245-B9B5-8899B7A5A296}"/>
-              </a:ext>
-            </a:extLst>
-          </p:cNvPr>
-          <p:cNvSpPr>
-            <a:spLocks noGrp="1"/>
-          </p:cNvSpPr>
-          <p:nvPr>
-            <p:ph idx="1"/>
-          </p:nvPr>
-        </p:nvSpPr>
-        <p:spPr/>
-        <p:txBody>
-          <a:bodyPr/>
-          <a:lstStyle/>
-          <a:p>
-            <a:pPr marL="0" indent="0">
-              <a:buNone/>
-            </a:pPr>
-            <a:r>
-              <a:rPr lang="de-DE" b="1" u="sng" dirty="0" err="1"/>
-              <a:t>Classifier</a:t>
-            </a:r>
-            <a:r>
-              <a:rPr lang="de-DE" b="1" u="sng" dirty="0"/>
-              <a:t> </a:t>
-            </a:r>
-            <a:r>
-              <a:rPr lang="de-DE" b="1" u="sng" dirty="0" err="1"/>
-              <a:t>metrics</a:t>
-            </a:r>
-            <a:r>
-              <a:rPr lang="de-DE" b="1" u="sng" dirty="0"/>
-              <a:t>:</a:t>
-            </a:r>
-          </a:p>
-        </p:txBody>
-      </p:sp>
-      <p:sp>
-        <p:nvSpPr>
-          <p:cNvPr id="3" name="Foliennummernplatzhalter 2">
-            <a:extLst>
-              <a:ext uri="{FF2B5EF4-FFF2-40B4-BE49-F238E27FC236}">
-                <a16:creationId xmlns:a16="http://schemas.microsoft.com/office/drawing/2014/main" id="{1D0CF6FE-F68A-6B4F-9693-422A55B38BE1}"/>
-              </a:ext>
-            </a:extLst>
-          </p:cNvPr>
-          <p:cNvSpPr>
-            <a:spLocks noGrp="1"/>
-          </p:cNvSpPr>
-          <p:nvPr>
-            <p:ph type="sldNum" sz="quarter" idx="12"/>
-          </p:nvPr>
-        </p:nvSpPr>
-        <p:spPr/>
-        <p:txBody>
-          <a:bodyPr/>
-          <a:lstStyle/>
-          <a:p>
-            <a:fld id="{D57F1E4F-1CFF-5643-939E-217C01CDF565}" type="slidenum">
-              <a:rPr lang="en-US" smtClean="0"/>
-              <a:pPr/>
-              <a:t>8</a:t>
-            </a:fld>
-            <a:endParaRPr lang="en-US" dirty="0"/>
-          </a:p>
-        </p:txBody>
-      </p:sp>
-      <p:sp>
-        <p:nvSpPr>
-          <p:cNvPr id="5" name="Textfeld 4">
-            <a:extLst>
-              <a:ext uri="{FF2B5EF4-FFF2-40B4-BE49-F238E27FC236}">
-                <a16:creationId xmlns:a16="http://schemas.microsoft.com/office/drawing/2014/main" id="{A96B8871-CA12-4242-8DE7-76D2607D98DB}"/>
-              </a:ext>
-            </a:extLst>
-          </p:cNvPr>
-          <p:cNvSpPr txBox="1"/>
-          <p:nvPr/>
-        </p:nvSpPr>
-        <p:spPr>
-          <a:xfrm>
-            <a:off x="3275573" y="3104026"/>
-            <a:ext cx="184731" cy="369332"/>
-          </a:xfrm>
-          <a:prstGeom prst="rect">
-            <a:avLst/>
-          </a:prstGeom>
-          <a:noFill/>
-        </p:spPr>
-        <p:txBody>
-          <a:bodyPr wrap="none" rtlCol="0">
-            <a:spAutoFit/>
-          </a:bodyPr>
-          <a:lstStyle/>
-          <a:p>
-            <a:endParaRPr lang="en-US" dirty="0"/>
-          </a:p>
-        </p:txBody>
-      </p:sp>
-      <p:sp>
-        <p:nvSpPr>
-          <p:cNvPr id="6" name="Textfeld 5">
-            <a:extLst>
-              <a:ext uri="{FF2B5EF4-FFF2-40B4-BE49-F238E27FC236}">
-                <a16:creationId xmlns:a16="http://schemas.microsoft.com/office/drawing/2014/main" id="{B0D5C0E6-79C6-AE4B-AFF2-AC25A5E8D0BD}"/>
-              </a:ext>
-            </a:extLst>
-          </p:cNvPr>
-          <p:cNvSpPr txBox="1"/>
-          <p:nvPr/>
-        </p:nvSpPr>
-        <p:spPr>
-          <a:xfrm>
-            <a:off x="1764825" y="2945000"/>
-            <a:ext cx="184731" cy="369332"/>
-          </a:xfrm>
-          <a:prstGeom prst="rect">
-            <a:avLst/>
-          </a:prstGeom>
-          <a:noFill/>
-        </p:spPr>
-        <p:txBody>
-          <a:bodyPr wrap="none" rtlCol="0">
-            <a:spAutoFit/>
-          </a:bodyPr>
-          <a:lstStyle/>
-          <a:p>
             <a:endParaRPr lang="en-US" dirty="0"/>
           </a:p>
         </p:txBody>
@@ -9864,19 +10844,21 @@
           <p:nvPr>
             <p:extLst>
               <p:ext uri="{D42A27DB-BD31-4B8C-83A1-F6EECF244321}">
-                <p14:modId xmlns:p14="http://schemas.microsoft.com/office/powerpoint/2010/main" val="2392410221"/>
+                <p14:modId xmlns:p14="http://schemas.microsoft.com/office/powerpoint/2010/main" val="2451866048"/>
               </p:ext>
             </p:extLst>
           </p:nvPr>
         </p:nvGraphicFramePr>
         <p:xfrm>
-          <a:off x="1371600" y="2875189"/>
+          <a:off x="1371600" y="2286000"/>
           <a:ext cx="9725380" cy="1977390"/>
         </p:xfrm>
         <a:graphic>
           <a:graphicData uri="http://schemas.openxmlformats.org/drawingml/2006/table">
             <a:tbl>
-              <a:tblPr firstRow="1" bandRow="1"/>
+              <a:tblPr firstRow="1" bandRow="1">
+                <a:tableStyleId>{5FD0F851-EC5A-4D38-B0AD-8093EC10F338}</a:tableStyleId>
+              </a:tblPr>
               <a:tblGrid>
                 <a:gridCol w="2431345">
                   <a:extLst>
@@ -9914,16 +10896,6 @@
                     <a:lstStyle/>
                     <a:p>
                       <a:pPr algn="ctr" fontAlgn="b"/>
-                      <a:r>
-                        <a:rPr lang="de-DE" sz="1800" b="0" i="0" u="none" strike="noStrike" dirty="0" err="1">
-                          <a:solidFill>
-                            <a:schemeClr val="bg1"/>
-                          </a:solidFill>
-                          <a:effectLst/>
-                          <a:latin typeface="Franklin Gothic Book" panose="020B0503020102020204" pitchFamily="34" charset="0"/>
-                        </a:rPr>
-                        <a:t>Classifier</a:t>
-                      </a:r>
                       <a:endParaRPr lang="de-DE" sz="1800" b="0" i="0" u="none" strike="noStrike" dirty="0">
                         <a:solidFill>
                           <a:schemeClr val="bg1"/>
@@ -9933,35 +10905,7 @@
                       </a:endParaRPr>
                     </a:p>
                   </a:txBody>
-                  <a:tcPr marL="9525" marR="9525" marT="9525" marB="0" anchor="ctr">
-                    <a:lnL>
-                      <a:noFill/>
-                    </a:lnL>
-                    <a:lnR w="3175" cap="flat" cmpd="sng" algn="ctr">
-                      <a:solidFill>
-                        <a:schemeClr val="bg1"/>
-                      </a:solidFill>
-                      <a:prstDash val="solid"/>
-                      <a:round/>
-                      <a:headEnd type="none" w="med" len="med"/>
-                      <a:tailEnd type="none" w="med" len="med"/>
-                    </a:lnR>
-                    <a:lnT>
-                      <a:noFill/>
-                    </a:lnT>
-                    <a:lnB w="3175" cap="flat" cmpd="sng" algn="ctr">
-                      <a:solidFill>
-                        <a:schemeClr val="bg1"/>
-                      </a:solidFill>
-                      <a:prstDash val="solid"/>
-                      <a:round/>
-                      <a:headEnd type="none" w="med" len="med"/>
-                      <a:tailEnd type="none" w="med" len="med"/>
-                    </a:lnB>
-                    <a:solidFill>
-                      <a:schemeClr val="accent5"/>
-                    </a:solidFill>
-                  </a:tcPr>
+                  <a:tcPr marL="9525" marR="9525" marT="9525" marB="0" anchor="ctr"/>
                 </a:tc>
                 <a:tc>
                   <a:txBody>
@@ -9970,12 +10914,8 @@
                     <a:p>
                       <a:pPr algn="ctr" fontAlgn="b"/>
                       <a:r>
-                        <a:rPr lang="de-DE" sz="1800" b="0" i="0" u="none" strike="noStrike" dirty="0">
-                          <a:solidFill>
-                            <a:schemeClr val="bg1"/>
-                          </a:solidFill>
+                        <a:rPr lang="de-DE" sz="1800" u="none" strike="noStrike" dirty="0">
                           <a:effectLst/>
-                          <a:latin typeface="Franklin Gothic Book" panose="020B0503020102020204" pitchFamily="34" charset="0"/>
                         </a:rPr>
                         <a:t>F1-score (in %)</a:t>
                       </a:r>
@@ -9983,59 +10923,21 @@
                     <a:p>
                       <a:pPr algn="ctr" fontAlgn="b"/>
                       <a:r>
-                        <a:rPr lang="de-DE" sz="1800" b="0" i="0" u="none" strike="noStrike" dirty="0" err="1">
-                          <a:solidFill>
-                            <a:schemeClr val="bg1"/>
-                          </a:solidFill>
+                        <a:rPr lang="de-DE" sz="1800" u="none" strike="noStrike" dirty="0" err="1">
                           <a:effectLst/>
-                          <a:latin typeface="Franklin Gothic Book" panose="020B0503020102020204" pitchFamily="34" charset="0"/>
                         </a:rPr>
                         <a:t>unchanged</a:t>
                       </a:r>
-                      <a:endParaRPr lang="de-DE" sz="1800" b="0" i="0" u="none" strike="noStrike" dirty="0">
+                      <a:endParaRPr lang="de-DE" sz="1800" b="1" i="0" u="none" strike="noStrike" dirty="0">
                         <a:solidFill>
-                          <a:schemeClr val="bg1"/>
+                          <a:schemeClr val="tx1"/>
                         </a:solidFill>
                         <a:effectLst/>
                         <a:latin typeface="Franklin Gothic Book" panose="020B0503020102020204" pitchFamily="34" charset="0"/>
                       </a:endParaRPr>
                     </a:p>
                   </a:txBody>
-                  <a:tcPr marL="9525" marR="9525" marT="9525" marB="0" anchor="ctr">
-                    <a:lnL w="3175" cap="flat" cmpd="sng" algn="ctr">
-                      <a:solidFill>
-                        <a:schemeClr val="bg1"/>
-                      </a:solidFill>
-                      <a:prstDash val="solid"/>
-                      <a:round/>
-                      <a:headEnd type="none" w="med" len="med"/>
-                      <a:tailEnd type="none" w="med" len="med"/>
-                    </a:lnL>
-                    <a:lnR w="3175" cap="flat" cmpd="sng" algn="ctr">
-                      <a:solidFill>
-                        <a:schemeClr val="bg1"/>
-                      </a:solidFill>
-                      <a:prstDash val="solid"/>
-                      <a:round/>
-                      <a:headEnd type="none" w="med" len="med"/>
-                      <a:tailEnd type="none" w="med" len="med"/>
-                    </a:lnR>
-                    <a:lnT>
-                      <a:noFill/>
-                    </a:lnT>
-                    <a:lnB w="3175" cap="flat" cmpd="sng" algn="ctr">
-                      <a:solidFill>
-                        <a:schemeClr val="bg1"/>
-                      </a:solidFill>
-                      <a:prstDash val="solid"/>
-                      <a:round/>
-                      <a:headEnd type="none" w="med" len="med"/>
-                      <a:tailEnd type="none" w="med" len="med"/>
-                    </a:lnB>
-                    <a:solidFill>
-                      <a:schemeClr val="accent5"/>
-                    </a:solidFill>
-                  </a:tcPr>
+                  <a:tcPr marL="9525" marR="9525" marT="9525" marB="0" anchor="ctr"/>
                 </a:tc>
                 <a:tc>
                   <a:txBody>
@@ -10044,12 +10946,8 @@
                     <a:p>
                       <a:pPr algn="ctr" fontAlgn="b"/>
                       <a:r>
-                        <a:rPr lang="de-DE" sz="1800" b="0" i="0" u="none" strike="noStrike" dirty="0">
-                          <a:solidFill>
-                            <a:schemeClr val="bg1"/>
-                          </a:solidFill>
+                        <a:rPr lang="de-DE" sz="1800" u="none" strike="noStrike" dirty="0">
                           <a:effectLst/>
-                          <a:latin typeface="Franklin Gothic Book" panose="020B0503020102020204" pitchFamily="34" charset="0"/>
                         </a:rPr>
                         <a:t>F1-score (in %)</a:t>
                       </a:r>
@@ -10057,59 +10955,21 @@
                     <a:p>
                       <a:pPr algn="ctr" fontAlgn="b"/>
                       <a:r>
-                        <a:rPr lang="de-DE" sz="1800" b="0" i="0" u="none" strike="noStrike" dirty="0" err="1">
-                          <a:solidFill>
-                            <a:schemeClr val="bg1"/>
-                          </a:solidFill>
+                        <a:rPr lang="de-DE" sz="1800" u="none" strike="noStrike" dirty="0" err="1">
                           <a:effectLst/>
-                          <a:latin typeface="Franklin Gothic Book" panose="020B0503020102020204" pitchFamily="34" charset="0"/>
                         </a:rPr>
                         <a:t>undersampled</a:t>
                       </a:r>
-                      <a:endParaRPr lang="de-DE" sz="1800" b="0" i="0" u="none" strike="noStrike" dirty="0">
+                      <a:endParaRPr lang="de-DE" sz="1800" b="1" i="0" u="none" strike="noStrike" dirty="0">
                         <a:solidFill>
-                          <a:schemeClr val="bg1"/>
+                          <a:schemeClr val="tx1"/>
                         </a:solidFill>
                         <a:effectLst/>
                         <a:latin typeface="Franklin Gothic Book" panose="020B0503020102020204" pitchFamily="34" charset="0"/>
                       </a:endParaRPr>
                     </a:p>
                   </a:txBody>
-                  <a:tcPr marL="9525" marR="9525" marT="9525" marB="0" anchor="ctr">
-                    <a:lnL w="3175" cap="flat" cmpd="sng" algn="ctr">
-                      <a:solidFill>
-                        <a:schemeClr val="bg1"/>
-                      </a:solidFill>
-                      <a:prstDash val="solid"/>
-                      <a:round/>
-                      <a:headEnd type="none" w="med" len="med"/>
-                      <a:tailEnd type="none" w="med" len="med"/>
-                    </a:lnL>
-                    <a:lnR w="3175" cap="flat" cmpd="sng" algn="ctr">
-                      <a:solidFill>
-                        <a:schemeClr val="bg1"/>
-                      </a:solidFill>
-                      <a:prstDash val="solid"/>
-                      <a:round/>
-                      <a:headEnd type="none" w="med" len="med"/>
-                      <a:tailEnd type="none" w="med" len="med"/>
-                    </a:lnR>
-                    <a:lnT>
-                      <a:noFill/>
-                    </a:lnT>
-                    <a:lnB w="3175" cap="flat" cmpd="sng" algn="ctr">
-                      <a:solidFill>
-                        <a:schemeClr val="bg1"/>
-                      </a:solidFill>
-                      <a:prstDash val="solid"/>
-                      <a:round/>
-                      <a:headEnd type="none" w="med" len="med"/>
-                      <a:tailEnd type="none" w="med" len="med"/>
-                    </a:lnB>
-                    <a:solidFill>
-                      <a:schemeClr val="accent5"/>
-                    </a:solidFill>
-                  </a:tcPr>
+                  <a:tcPr marL="9525" marR="9525" marT="9525" marB="0" anchor="ctr"/>
                 </a:tc>
                 <a:tc>
                   <a:txBody>
@@ -10118,12 +10978,8 @@
                     <a:p>
                       <a:pPr algn="ctr" fontAlgn="b"/>
                       <a:r>
-                        <a:rPr lang="de-DE" sz="1800" b="0" i="0" u="none" strike="noStrike" dirty="0">
-                          <a:solidFill>
-                            <a:schemeClr val="bg1"/>
-                          </a:solidFill>
+                        <a:rPr lang="de-DE" sz="1800" u="none" strike="noStrike" dirty="0">
                           <a:effectLst/>
-                          <a:latin typeface="Franklin Gothic Book" panose="020B0503020102020204" pitchFamily="34" charset="0"/>
                         </a:rPr>
                         <a:t>F1-score (in %)</a:t>
                       </a:r>
@@ -10131,53 +10987,21 @@
                     <a:p>
                       <a:pPr algn="ctr" fontAlgn="b"/>
                       <a:r>
-                        <a:rPr lang="de-DE" sz="1800" b="0" i="0" u="none" strike="noStrike" dirty="0" err="1">
-                          <a:solidFill>
-                            <a:schemeClr val="bg1"/>
-                          </a:solidFill>
+                        <a:rPr lang="de-DE" sz="1800" u="none" strike="noStrike" dirty="0" err="1">
                           <a:effectLst/>
-                          <a:latin typeface="Franklin Gothic Book" panose="020B0503020102020204" pitchFamily="34" charset="0"/>
                         </a:rPr>
                         <a:t>oversampled</a:t>
                       </a:r>
-                      <a:endParaRPr lang="de-DE" sz="1800" b="0" i="0" u="none" strike="noStrike" dirty="0">
+                      <a:endParaRPr lang="de-DE" sz="1800" b="1" i="0" u="none" strike="noStrike" dirty="0">
                         <a:solidFill>
-                          <a:schemeClr val="bg1"/>
+                          <a:schemeClr val="tx1"/>
                         </a:solidFill>
                         <a:effectLst/>
                         <a:latin typeface="Franklin Gothic Book" panose="020B0503020102020204" pitchFamily="34" charset="0"/>
                       </a:endParaRPr>
                     </a:p>
                   </a:txBody>
-                  <a:tcPr marL="9525" marR="9525" marT="9525" marB="0" anchor="ctr">
-                    <a:lnL w="3175" cap="flat" cmpd="sng" algn="ctr">
-                      <a:solidFill>
-                        <a:schemeClr val="bg1"/>
-                      </a:solidFill>
-                      <a:prstDash val="solid"/>
-                      <a:round/>
-                      <a:headEnd type="none" w="med" len="med"/>
-                      <a:tailEnd type="none" w="med" len="med"/>
-                    </a:lnL>
-                    <a:lnR>
-                      <a:noFill/>
-                    </a:lnR>
-                    <a:lnT>
-                      <a:noFill/>
-                    </a:lnT>
-                    <a:lnB w="3175" cap="flat" cmpd="sng" algn="ctr">
-                      <a:solidFill>
-                        <a:schemeClr val="bg1"/>
-                      </a:solidFill>
-                      <a:prstDash val="solid"/>
-                      <a:round/>
-                      <a:headEnd type="none" w="med" len="med"/>
-                      <a:tailEnd type="none" w="med" len="med"/>
-                    </a:lnB>
-                    <a:solidFill>
-                      <a:schemeClr val="accent5"/>
-                    </a:solidFill>
-                  </a:tcPr>
+                  <a:tcPr marL="9525" marR="9525" marT="9525" marB="0" anchor="ctr"/>
                 </a:tc>
                 <a:extLst>
                   <a:ext uri="{0D108BD9-81ED-4DB2-BD59-A6C34878D82A}">
@@ -10193,34 +11017,68 @@
                     <a:p>
                       <a:pPr algn="l" fontAlgn="b"/>
                       <a:r>
-                        <a:rPr lang="de-DE" sz="1800" b="0" i="0" u="none" strike="noStrike" dirty="0" err="1">
-                          <a:solidFill>
-                            <a:srgbClr val="000000"/>
-                          </a:solidFill>
+                        <a:rPr lang="de-DE" sz="1800" b="1" u="none" strike="noStrike" dirty="0" err="1">
                           <a:effectLst/>
-                          <a:latin typeface="Franklin Gothic Book" panose="020B0503020102020204" pitchFamily="34" charset="0"/>
                         </a:rPr>
                         <a:t>Decision</a:t>
                       </a:r>
                       <a:r>
-                        <a:rPr lang="de-DE" sz="1800" b="0" i="0" u="none" strike="noStrike" dirty="0">
-                          <a:solidFill>
-                            <a:srgbClr val="000000"/>
-                          </a:solidFill>
+                        <a:rPr lang="de-DE" sz="1800" b="1" u="none" strike="noStrike" dirty="0">
                           <a:effectLst/>
-                          <a:latin typeface="Franklin Gothic Book" panose="020B0503020102020204" pitchFamily="34" charset="0"/>
                         </a:rPr>
                         <a:t> </a:t>
                       </a:r>
                       <a:r>
-                        <a:rPr lang="de-DE" sz="1800" b="0" i="0" u="none" strike="noStrike" dirty="0" err="1">
-                          <a:solidFill>
-                            <a:srgbClr val="000000"/>
-                          </a:solidFill>
+                        <a:rPr lang="de-DE" sz="1800" b="1" u="none" strike="noStrike" dirty="0" err="1">
                           <a:effectLst/>
-                          <a:latin typeface="Franklin Gothic Book" panose="020B0503020102020204" pitchFamily="34" charset="0"/>
                         </a:rPr>
                         <a:t>Tree</a:t>
+                      </a:r>
+                      <a:endParaRPr lang="de-DE" sz="1800" b="1" i="0" u="none" strike="noStrike" dirty="0">
+                        <a:solidFill>
+                          <a:srgbClr val="000000"/>
+                        </a:solidFill>
+                        <a:effectLst/>
+                        <a:latin typeface="Franklin Gothic Book" panose="020B0503020102020204" pitchFamily="34" charset="0"/>
+                      </a:endParaRPr>
+                    </a:p>
+                  </a:txBody>
+                  <a:tcPr marL="9525" marR="9525" marT="9525" marB="0" anchor="b"/>
+                </a:tc>
+                <a:tc>
+                  <a:txBody>
+                    <a:bodyPr/>
+                    <a:lstStyle/>
+                    <a:p>
+                      <a:pPr algn="r" fontAlgn="b"/>
+                      <a:r>
+                        <a:rPr lang="de-DE" sz="1800" u="none" strike="noStrike" dirty="0">
+                          <a:effectLst/>
+                        </a:rPr>
+                        <a:t>92,58</a:t>
+                      </a:r>
+                      <a:endParaRPr lang="de-DE" sz="1800" b="1" i="0" u="none" strike="noStrike" dirty="0">
+                        <a:solidFill>
+                          <a:srgbClr val="000000"/>
+                        </a:solidFill>
+                        <a:effectLst/>
+                        <a:latin typeface="Franklin Gothic Book" panose="020B0503020102020204" pitchFamily="34" charset="0"/>
+                      </a:endParaRPr>
+                    </a:p>
+                  </a:txBody>
+                  <a:tcPr marL="9525" marR="9525" marT="9525" marB="0" anchor="b"/>
+                </a:tc>
+                <a:tc>
+                  <a:txBody>
+                    <a:bodyPr/>
+                    <a:lstStyle/>
+                    <a:p>
+                      <a:pPr algn="r" fontAlgn="b"/>
+                      <a:r>
+                        <a:rPr lang="de-DE" sz="1800" u="none" strike="noStrike" dirty="0">
+                          <a:effectLst/>
+                        </a:rPr>
+                        <a:t>74,48</a:t>
                       </a:r>
                       <a:endParaRPr lang="de-DE" sz="1800" b="0" i="0" u="none" strike="noStrike" dirty="0">
                         <a:solidFill>
@@ -10231,41 +11089,7 @@
                       </a:endParaRPr>
                     </a:p>
                   </a:txBody>
-                  <a:tcPr marL="9525" marR="9525" marT="9525" marB="0" anchor="b">
-                    <a:lnL>
-                      <a:noFill/>
-                    </a:lnL>
-                    <a:lnR w="3175" cap="flat" cmpd="sng" algn="ctr">
-                      <a:solidFill>
-                        <a:schemeClr val="bg1"/>
-                      </a:solidFill>
-                      <a:prstDash val="solid"/>
-                      <a:round/>
-                      <a:headEnd type="none" w="med" len="med"/>
-                      <a:tailEnd type="none" w="med" len="med"/>
-                    </a:lnR>
-                    <a:lnT w="3175" cap="flat" cmpd="sng" algn="ctr">
-                      <a:solidFill>
-                        <a:schemeClr val="bg1"/>
-                      </a:solidFill>
-                      <a:prstDash val="solid"/>
-                      <a:round/>
-                      <a:headEnd type="none" w="med" len="med"/>
-                      <a:tailEnd type="none" w="med" len="med"/>
-                    </a:lnT>
-                    <a:lnB w="3175" cap="flat" cmpd="sng" algn="ctr">
-                      <a:solidFill>
-                        <a:schemeClr val="bg1"/>
-                      </a:solidFill>
-                      <a:prstDash val="solid"/>
-                      <a:round/>
-                      <a:headEnd type="none" w="med" len="med"/>
-                      <a:tailEnd type="none" w="med" len="med"/>
-                    </a:lnB>
-                    <a:solidFill>
-                      <a:schemeClr val="accent5"/>
-                    </a:solidFill>
-                  </a:tcPr>
+                  <a:tcPr marL="9525" marR="9525" marT="9525" marB="0" anchor="b"/>
                 </a:tc>
                 <a:tc>
                   <a:txBody>
@@ -10274,172 +11098,21 @@
                     <a:p>
                       <a:pPr algn="r" fontAlgn="b"/>
                       <a:r>
-                        <a:rPr lang="de-DE" sz="1800" b="0" i="0" u="none" strike="noStrike" dirty="0">
-                          <a:solidFill>
-                            <a:srgbClr val="000000"/>
-                          </a:solidFill>
+                        <a:rPr lang="de-DE" sz="1800" u="none" strike="noStrike" dirty="0">
                           <a:effectLst/>
-                          <a:latin typeface="Franklin Gothic Book" panose="020B0503020102020204" pitchFamily="34" charset="0"/>
-                        </a:rPr>
-                        <a:t>92,58</a:t>
-                      </a:r>
-                    </a:p>
-                  </a:txBody>
-                  <a:tcPr marL="9525" marR="9525" marT="9525" marB="0" anchor="b">
-                    <a:lnL w="3175" cap="flat" cmpd="sng" algn="ctr">
-                      <a:solidFill>
-                        <a:schemeClr val="bg1"/>
-                      </a:solidFill>
-                      <a:prstDash val="solid"/>
-                      <a:round/>
-                      <a:headEnd type="none" w="med" len="med"/>
-                      <a:tailEnd type="none" w="med" len="med"/>
-                    </a:lnL>
-                    <a:lnR w="3175" cap="flat" cmpd="sng" algn="ctr">
-                      <a:solidFill>
-                        <a:schemeClr val="bg1"/>
-                      </a:solidFill>
-                      <a:prstDash val="solid"/>
-                      <a:round/>
-                      <a:headEnd type="none" w="med" len="med"/>
-                      <a:tailEnd type="none" w="med" len="med"/>
-                    </a:lnR>
-                    <a:lnT w="3175" cap="flat" cmpd="sng" algn="ctr">
-                      <a:solidFill>
-                        <a:schemeClr val="bg1"/>
-                      </a:solidFill>
-                      <a:prstDash val="solid"/>
-                      <a:round/>
-                      <a:headEnd type="none" w="med" len="med"/>
-                      <a:tailEnd type="none" w="med" len="med"/>
-                    </a:lnT>
-                    <a:lnB w="3175" cap="flat" cmpd="sng" algn="ctr">
-                      <a:solidFill>
-                        <a:schemeClr val="bg1"/>
-                      </a:solidFill>
-                      <a:prstDash val="solid"/>
-                      <a:round/>
-                      <a:headEnd type="none" w="med" len="med"/>
-                      <a:tailEnd type="none" w="med" len="med"/>
-                    </a:lnB>
-                    <a:solidFill>
-                      <a:srgbClr val="6EC384"/>
-                    </a:solidFill>
-                  </a:tcPr>
-                </a:tc>
-                <a:tc>
-                  <a:txBody>
-                    <a:bodyPr/>
-                    <a:lstStyle/>
-                    <a:p>
-                      <a:pPr algn="r" fontAlgn="b"/>
-                      <a:r>
-                        <a:rPr lang="de-DE" sz="1800" b="0" i="0" u="none" strike="noStrike" dirty="0">
-                          <a:solidFill>
-                            <a:srgbClr val="000000"/>
-                          </a:solidFill>
-                          <a:effectLst/>
-                          <a:latin typeface="Franklin Gothic Book" panose="020B0503020102020204" pitchFamily="34" charset="0"/>
-                        </a:rPr>
-                        <a:t>74,48</a:t>
-                      </a:r>
-                    </a:p>
-                  </a:txBody>
-                  <a:tcPr marL="9525" marR="9525" marT="9525" marB="0" anchor="b">
-                    <a:lnL w="3175" cap="flat" cmpd="sng" algn="ctr">
-                      <a:solidFill>
-                        <a:schemeClr val="bg1"/>
-                      </a:solidFill>
-                      <a:prstDash val="solid"/>
-                      <a:round/>
-                      <a:headEnd type="none" w="med" len="med"/>
-                      <a:tailEnd type="none" w="med" len="med"/>
-                    </a:lnL>
-                    <a:lnR w="3175" cap="flat" cmpd="sng" algn="ctr">
-                      <a:solidFill>
-                        <a:schemeClr val="bg1"/>
-                      </a:solidFill>
-                      <a:prstDash val="solid"/>
-                      <a:round/>
-                      <a:headEnd type="none" w="med" len="med"/>
-                      <a:tailEnd type="none" w="med" len="med"/>
-                    </a:lnR>
-                    <a:lnT w="3175" cap="flat" cmpd="sng" algn="ctr">
-                      <a:solidFill>
-                        <a:schemeClr val="bg1"/>
-                      </a:solidFill>
-                      <a:prstDash val="solid"/>
-                      <a:round/>
-                      <a:headEnd type="none" w="med" len="med"/>
-                      <a:tailEnd type="none" w="med" len="med"/>
-                    </a:lnT>
-                    <a:lnB w="3175" cap="flat" cmpd="sng" algn="ctr">
-                      <a:solidFill>
-                        <a:schemeClr val="bg1"/>
-                      </a:solidFill>
-                      <a:prstDash val="solid"/>
-                      <a:round/>
-                      <a:headEnd type="none" w="med" len="med"/>
-                      <a:tailEnd type="none" w="med" len="med"/>
-                    </a:lnB>
-                    <a:solidFill>
-                      <a:srgbClr val="FCFCFF"/>
-                    </a:solidFill>
-                  </a:tcPr>
-                </a:tc>
-                <a:tc>
-                  <a:txBody>
-                    <a:bodyPr/>
-                    <a:lstStyle/>
-                    <a:p>
-                      <a:pPr algn="r" fontAlgn="b"/>
-                      <a:r>
-                        <a:rPr lang="de-DE" sz="1800" b="0" i="0" u="none" strike="noStrike" dirty="0">
-                          <a:solidFill>
-                            <a:srgbClr val="000000"/>
-                          </a:solidFill>
-                          <a:effectLst/>
-                          <a:latin typeface="Franklin Gothic Book" panose="020B0503020102020204" pitchFamily="34" charset="0"/>
                         </a:rPr>
                         <a:t>79,46</a:t>
                       </a:r>
+                      <a:endParaRPr lang="de-DE" sz="1800" b="0" i="0" u="none" strike="noStrike" dirty="0">
+                        <a:solidFill>
+                          <a:srgbClr val="000000"/>
+                        </a:solidFill>
+                        <a:effectLst/>
+                        <a:latin typeface="Franklin Gothic Book" panose="020B0503020102020204" pitchFamily="34" charset="0"/>
+                      </a:endParaRPr>
                     </a:p>
                   </a:txBody>
-                  <a:tcPr marL="9525" marR="9525" marT="9525" marB="0" anchor="b">
-                    <a:lnL w="3175" cap="flat" cmpd="sng" algn="ctr">
-                      <a:solidFill>
-                        <a:schemeClr val="bg1"/>
-                      </a:solidFill>
-                      <a:prstDash val="solid"/>
-                      <a:round/>
-                      <a:headEnd type="none" w="med" len="med"/>
-                      <a:tailEnd type="none" w="med" len="med"/>
-                    </a:lnL>
-                    <a:lnR>
-                      <a:noFill/>
-                    </a:lnR>
-                    <a:lnT w="3175" cap="flat" cmpd="sng" algn="ctr">
-                      <a:solidFill>
-                        <a:schemeClr val="bg1"/>
-                      </a:solidFill>
-                      <a:prstDash val="solid"/>
-                      <a:round/>
-                      <a:headEnd type="none" w="med" len="med"/>
-                      <a:tailEnd type="none" w="med" len="med"/>
-                    </a:lnT>
-                    <a:lnB w="3175" cap="flat" cmpd="sng" algn="ctr">
-                      <a:solidFill>
-                        <a:schemeClr val="bg1"/>
-                      </a:solidFill>
-                      <a:prstDash val="solid"/>
-                      <a:round/>
-                      <a:headEnd type="none" w="med" len="med"/>
-                      <a:tailEnd type="none" w="med" len="med"/>
-                    </a:lnB>
-                    <a:solidFill>
-                      <a:srgbClr val="D5EDDE"/>
-                    </a:solidFill>
-                  </a:tcPr>
+                  <a:tcPr marL="9525" marR="9525" marT="9525" marB="0" anchor="b"/>
                 </a:tc>
                 <a:extLst>
                   <a:ext uri="{0D108BD9-81ED-4DB2-BD59-A6C34878D82A}">
@@ -10455,52 +11128,21 @@
                     <a:p>
                       <a:pPr algn="l" fontAlgn="b"/>
                       <a:r>
-                        <a:rPr lang="de-DE" sz="1800" b="0" i="0" u="none" strike="noStrike" dirty="0">
-                          <a:solidFill>
-                            <a:srgbClr val="000000"/>
-                          </a:solidFill>
+                        <a:rPr lang="de-DE" sz="1800" b="1" u="none" strike="noStrike" dirty="0">
                           <a:effectLst/>
-                          <a:latin typeface="Franklin Gothic Book" panose="020B0503020102020204" pitchFamily="34" charset="0"/>
                         </a:rPr>
                         <a:t>Random Forrest</a:t>
                       </a:r>
+                      <a:endParaRPr lang="de-DE" sz="1800" b="1" i="0" u="none" strike="noStrike" dirty="0">
+                        <a:solidFill>
+                          <a:srgbClr val="000000"/>
+                        </a:solidFill>
+                        <a:effectLst/>
+                        <a:latin typeface="Franklin Gothic Book" panose="020B0503020102020204" pitchFamily="34" charset="0"/>
+                      </a:endParaRPr>
                     </a:p>
                   </a:txBody>
-                  <a:tcPr marL="9525" marR="9525" marT="9525" marB="0" anchor="b">
-                    <a:lnL>
-                      <a:noFill/>
-                    </a:lnL>
-                    <a:lnR w="3175" cap="flat" cmpd="sng" algn="ctr">
-                      <a:solidFill>
-                        <a:schemeClr val="bg1"/>
-                      </a:solidFill>
-                      <a:prstDash val="solid"/>
-                      <a:round/>
-                      <a:headEnd type="none" w="med" len="med"/>
-                      <a:tailEnd type="none" w="med" len="med"/>
-                    </a:lnR>
-                    <a:lnT w="3175" cap="flat" cmpd="sng" algn="ctr">
-                      <a:solidFill>
-                        <a:schemeClr val="bg1"/>
-                      </a:solidFill>
-                      <a:prstDash val="solid"/>
-                      <a:round/>
-                      <a:headEnd type="none" w="med" len="med"/>
-                      <a:tailEnd type="none" w="med" len="med"/>
-                    </a:lnT>
-                    <a:lnB w="3175" cap="flat" cmpd="sng" algn="ctr">
-                      <a:solidFill>
-                        <a:schemeClr val="bg1"/>
-                      </a:solidFill>
-                      <a:prstDash val="solid"/>
-                      <a:round/>
-                      <a:headEnd type="none" w="med" len="med"/>
-                      <a:tailEnd type="none" w="med" len="med"/>
-                    </a:lnB>
-                    <a:solidFill>
-                      <a:schemeClr val="accent5"/>
-                    </a:solidFill>
-                  </a:tcPr>
+                  <a:tcPr marL="9525" marR="9525" marT="9525" marB="0" anchor="b"/>
                 </a:tc>
                 <a:tc>
                   <a:txBody>
@@ -10509,58 +11151,21 @@
                     <a:p>
                       <a:pPr algn="r" fontAlgn="b"/>
                       <a:r>
-                        <a:rPr lang="de-DE" sz="1800" b="0" i="0" u="none" strike="noStrike" dirty="0">
-                          <a:solidFill>
-                            <a:srgbClr val="000000"/>
-                          </a:solidFill>
+                        <a:rPr lang="de-DE" sz="1800" u="none" strike="noStrike" dirty="0">
                           <a:effectLst/>
-                          <a:latin typeface="Franklin Gothic Book" panose="020B0503020102020204" pitchFamily="34" charset="0"/>
                         </a:rPr>
                         <a:t>93,20</a:t>
                       </a:r>
+                      <a:endParaRPr lang="de-DE" sz="1800" b="1" i="0" u="none" strike="noStrike" dirty="0">
+                        <a:solidFill>
+                          <a:srgbClr val="000000"/>
+                        </a:solidFill>
+                        <a:effectLst/>
+                        <a:latin typeface="Franklin Gothic Book" panose="020B0503020102020204" pitchFamily="34" charset="0"/>
+                      </a:endParaRPr>
                     </a:p>
                   </a:txBody>
-                  <a:tcPr marL="9525" marR="9525" marT="9525" marB="0" anchor="b">
-                    <a:lnL w="3175" cap="flat" cmpd="sng" algn="ctr">
-                      <a:solidFill>
-                        <a:schemeClr val="bg1"/>
-                      </a:solidFill>
-                      <a:prstDash val="solid"/>
-                      <a:round/>
-                      <a:headEnd type="none" w="med" len="med"/>
-                      <a:tailEnd type="none" w="med" len="med"/>
-                    </a:lnL>
-                    <a:lnR w="3175" cap="flat" cmpd="sng" algn="ctr">
-                      <a:solidFill>
-                        <a:schemeClr val="bg1"/>
-                      </a:solidFill>
-                      <a:prstDash val="solid"/>
-                      <a:round/>
-                      <a:headEnd type="none" w="med" len="med"/>
-                      <a:tailEnd type="none" w="med" len="med"/>
-                    </a:lnR>
-                    <a:lnT w="3175" cap="flat" cmpd="sng" algn="ctr">
-                      <a:solidFill>
-                        <a:schemeClr val="bg1"/>
-                      </a:solidFill>
-                      <a:prstDash val="solid"/>
-                      <a:round/>
-                      <a:headEnd type="none" w="med" len="med"/>
-                      <a:tailEnd type="none" w="med" len="med"/>
-                    </a:lnT>
-                    <a:lnB w="3175" cap="flat" cmpd="sng" algn="ctr">
-                      <a:solidFill>
-                        <a:schemeClr val="bg1"/>
-                      </a:solidFill>
-                      <a:prstDash val="solid"/>
-                      <a:round/>
-                      <a:headEnd type="none" w="med" len="med"/>
-                      <a:tailEnd type="none" w="med" len="med"/>
-                    </a:lnB>
-                    <a:solidFill>
-                      <a:srgbClr val="69C180"/>
-                    </a:solidFill>
-                  </a:tcPr>
+                  <a:tcPr marL="9525" marR="9525" marT="9525" marB="0" anchor="b"/>
                 </a:tc>
                 <a:tc>
                   <a:txBody>
@@ -10569,58 +11174,21 @@
                     <a:p>
                       <a:pPr algn="r" fontAlgn="b"/>
                       <a:r>
-                        <a:rPr lang="de-DE" sz="1800" b="0" i="0" u="none" strike="noStrike" dirty="0">
-                          <a:solidFill>
-                            <a:srgbClr val="000000"/>
-                          </a:solidFill>
+                        <a:rPr lang="de-DE" sz="1800" u="none" strike="noStrike" dirty="0">
                           <a:effectLst/>
-                          <a:latin typeface="Franklin Gothic Book" panose="020B0503020102020204" pitchFamily="34" charset="0"/>
                         </a:rPr>
                         <a:t>76,32</a:t>
                       </a:r>
+                      <a:endParaRPr lang="de-DE" sz="1800" b="0" i="0" u="none" strike="noStrike" dirty="0">
+                        <a:solidFill>
+                          <a:srgbClr val="000000"/>
+                        </a:solidFill>
+                        <a:effectLst/>
+                        <a:latin typeface="Franklin Gothic Book" panose="020B0503020102020204" pitchFamily="34" charset="0"/>
+                      </a:endParaRPr>
                     </a:p>
                   </a:txBody>
-                  <a:tcPr marL="9525" marR="9525" marT="9525" marB="0" anchor="b">
-                    <a:lnL w="3175" cap="flat" cmpd="sng" algn="ctr">
-                      <a:solidFill>
-                        <a:schemeClr val="bg1"/>
-                      </a:solidFill>
-                      <a:prstDash val="solid"/>
-                      <a:round/>
-                      <a:headEnd type="none" w="med" len="med"/>
-                      <a:tailEnd type="none" w="med" len="med"/>
-                    </a:lnL>
-                    <a:lnR w="3175" cap="flat" cmpd="sng" algn="ctr">
-                      <a:solidFill>
-                        <a:schemeClr val="bg1"/>
-                      </a:solidFill>
-                      <a:prstDash val="solid"/>
-                      <a:round/>
-                      <a:headEnd type="none" w="med" len="med"/>
-                      <a:tailEnd type="none" w="med" len="med"/>
-                    </a:lnR>
-                    <a:lnT w="3175" cap="flat" cmpd="sng" algn="ctr">
-                      <a:solidFill>
-                        <a:schemeClr val="bg1"/>
-                      </a:solidFill>
-                      <a:prstDash val="solid"/>
-                      <a:round/>
-                      <a:headEnd type="none" w="med" len="med"/>
-                      <a:tailEnd type="none" w="med" len="med"/>
-                    </a:lnT>
-                    <a:lnB w="3175" cap="flat" cmpd="sng" algn="ctr">
-                      <a:solidFill>
-                        <a:schemeClr val="bg1"/>
-                      </a:solidFill>
-                      <a:prstDash val="solid"/>
-                      <a:round/>
-                      <a:headEnd type="none" w="med" len="med"/>
-                      <a:tailEnd type="none" w="med" len="med"/>
-                    </a:lnB>
-                    <a:solidFill>
-                      <a:srgbClr val="EEF7F3"/>
-                    </a:solidFill>
-                  </a:tcPr>
+                  <a:tcPr marL="9525" marR="9525" marT="9525" marB="0" anchor="b"/>
                 </a:tc>
                 <a:tc>
                   <a:txBody>
@@ -10629,52 +11197,21 @@
                     <a:p>
                       <a:pPr algn="r" fontAlgn="b"/>
                       <a:r>
-                        <a:rPr lang="de-DE" sz="1800" b="0" i="0" u="none" strike="noStrike" dirty="0">
-                          <a:solidFill>
-                            <a:srgbClr val="000000"/>
-                          </a:solidFill>
+                        <a:rPr lang="de-DE" sz="1800" u="none" strike="noStrike" dirty="0">
                           <a:effectLst/>
-                          <a:latin typeface="Franklin Gothic Book" panose="020B0503020102020204" pitchFamily="34" charset="0"/>
                         </a:rPr>
                         <a:t>86,98</a:t>
                       </a:r>
+                      <a:endParaRPr lang="de-DE" sz="1800" b="1" i="0" u="none" strike="noStrike" dirty="0">
+                        <a:solidFill>
+                          <a:srgbClr val="000000"/>
+                        </a:solidFill>
+                        <a:effectLst/>
+                        <a:latin typeface="Franklin Gothic Book" panose="020B0503020102020204" pitchFamily="34" charset="0"/>
+                      </a:endParaRPr>
                     </a:p>
                   </a:txBody>
-                  <a:tcPr marL="9525" marR="9525" marT="9525" marB="0" anchor="b">
-                    <a:lnL w="3175" cap="flat" cmpd="sng" algn="ctr">
-                      <a:solidFill>
-                        <a:schemeClr val="bg1"/>
-                      </a:solidFill>
-                      <a:prstDash val="solid"/>
-                      <a:round/>
-                      <a:headEnd type="none" w="med" len="med"/>
-                      <a:tailEnd type="none" w="med" len="med"/>
-                    </a:lnL>
-                    <a:lnR>
-                      <a:noFill/>
-                    </a:lnR>
-                    <a:lnT w="3175" cap="flat" cmpd="sng" algn="ctr">
-                      <a:solidFill>
-                        <a:schemeClr val="bg1"/>
-                      </a:solidFill>
-                      <a:prstDash val="solid"/>
-                      <a:round/>
-                      <a:headEnd type="none" w="med" len="med"/>
-                      <a:tailEnd type="none" w="med" len="med"/>
-                    </a:lnT>
-                    <a:lnB w="3175" cap="flat" cmpd="sng" algn="ctr">
-                      <a:solidFill>
-                        <a:schemeClr val="bg1"/>
-                      </a:solidFill>
-                      <a:prstDash val="solid"/>
-                      <a:round/>
-                      <a:headEnd type="none" w="med" len="med"/>
-                      <a:tailEnd type="none" w="med" len="med"/>
-                    </a:lnB>
-                    <a:solidFill>
-                      <a:srgbClr val="9AD5AB"/>
-                    </a:solidFill>
-                  </a:tcPr>
+                  <a:tcPr marL="9525" marR="9525" marT="9525" marB="0" anchor="b"/>
                 </a:tc>
                 <a:extLst>
                   <a:ext uri="{0D108BD9-81ED-4DB2-BD59-A6C34878D82A}">
@@ -10690,52 +11227,21 @@
                     <a:p>
                       <a:pPr algn="l" fontAlgn="b"/>
                       <a:r>
-                        <a:rPr lang="de-DE" sz="1800" b="0" i="0" u="none" strike="noStrike" dirty="0">
-                          <a:solidFill>
-                            <a:srgbClr val="000000"/>
-                          </a:solidFill>
+                        <a:rPr lang="de-DE" sz="1800" b="1" u="none" strike="noStrike" dirty="0">
                           <a:effectLst/>
-                          <a:latin typeface="Franklin Gothic Book" panose="020B0503020102020204" pitchFamily="34" charset="0"/>
                         </a:rPr>
                         <a:t>SVM</a:t>
                       </a:r>
+                      <a:endParaRPr lang="de-DE" sz="1800" b="1" i="0" u="none" strike="noStrike" dirty="0">
+                        <a:solidFill>
+                          <a:srgbClr val="000000"/>
+                        </a:solidFill>
+                        <a:effectLst/>
+                        <a:latin typeface="Franklin Gothic Book" panose="020B0503020102020204" pitchFamily="34" charset="0"/>
+                      </a:endParaRPr>
                     </a:p>
                   </a:txBody>
-                  <a:tcPr marL="9525" marR="9525" marT="9525" marB="0" anchor="b">
-                    <a:lnL>
-                      <a:noFill/>
-                    </a:lnL>
-                    <a:lnR w="3175" cap="flat" cmpd="sng" algn="ctr">
-                      <a:solidFill>
-                        <a:schemeClr val="bg1"/>
-                      </a:solidFill>
-                      <a:prstDash val="solid"/>
-                      <a:round/>
-                      <a:headEnd type="none" w="med" len="med"/>
-                      <a:tailEnd type="none" w="med" len="med"/>
-                    </a:lnR>
-                    <a:lnT w="3175" cap="flat" cmpd="sng" algn="ctr">
-                      <a:solidFill>
-                        <a:schemeClr val="bg1"/>
-                      </a:solidFill>
-                      <a:prstDash val="solid"/>
-                      <a:round/>
-                      <a:headEnd type="none" w="med" len="med"/>
-                      <a:tailEnd type="none" w="med" len="med"/>
-                    </a:lnT>
-                    <a:lnB w="3175" cap="flat" cmpd="sng" algn="ctr">
-                      <a:solidFill>
-                        <a:schemeClr val="bg1"/>
-                      </a:solidFill>
-                      <a:prstDash val="solid"/>
-                      <a:round/>
-                      <a:headEnd type="none" w="med" len="med"/>
-                      <a:tailEnd type="none" w="med" len="med"/>
-                    </a:lnB>
-                    <a:solidFill>
-                      <a:schemeClr val="accent5"/>
-                    </a:solidFill>
-                  </a:tcPr>
+                  <a:tcPr marL="9525" marR="9525" marT="9525" marB="0" anchor="b"/>
                 </a:tc>
                 <a:tc>
                   <a:txBody>
@@ -10744,58 +11250,21 @@
                     <a:p>
                       <a:pPr algn="r" fontAlgn="b"/>
                       <a:r>
-                        <a:rPr lang="de-DE" sz="1800" b="0" i="0" u="none" strike="noStrike" dirty="0">
-                          <a:solidFill>
-                            <a:srgbClr val="000000"/>
-                          </a:solidFill>
+                        <a:rPr lang="de-DE" sz="1800" u="none" strike="noStrike" dirty="0">
                           <a:effectLst/>
-                          <a:latin typeface="Franklin Gothic Book" panose="020B0503020102020204" pitchFamily="34" charset="0"/>
                         </a:rPr>
                         <a:t>92,72</a:t>
                       </a:r>
+                      <a:endParaRPr lang="de-DE" sz="1800" b="1" i="0" u="none" strike="noStrike" dirty="0">
+                        <a:solidFill>
+                          <a:srgbClr val="000000"/>
+                        </a:solidFill>
+                        <a:effectLst/>
+                        <a:latin typeface="Franklin Gothic Book" panose="020B0503020102020204" pitchFamily="34" charset="0"/>
+                      </a:endParaRPr>
                     </a:p>
                   </a:txBody>
-                  <a:tcPr marL="9525" marR="9525" marT="9525" marB="0" anchor="b">
-                    <a:lnL w="3175" cap="flat" cmpd="sng" algn="ctr">
-                      <a:solidFill>
-                        <a:schemeClr val="bg1"/>
-                      </a:solidFill>
-                      <a:prstDash val="solid"/>
-                      <a:round/>
-                      <a:headEnd type="none" w="med" len="med"/>
-                      <a:tailEnd type="none" w="med" len="med"/>
-                    </a:lnL>
-                    <a:lnR w="3175" cap="flat" cmpd="sng" algn="ctr">
-                      <a:solidFill>
-                        <a:schemeClr val="bg1"/>
-                      </a:solidFill>
-                      <a:prstDash val="solid"/>
-                      <a:round/>
-                      <a:headEnd type="none" w="med" len="med"/>
-                      <a:tailEnd type="none" w="med" len="med"/>
-                    </a:lnR>
-                    <a:lnT w="3175" cap="flat" cmpd="sng" algn="ctr">
-                      <a:solidFill>
-                        <a:schemeClr val="bg1"/>
-                      </a:solidFill>
-                      <a:prstDash val="solid"/>
-                      <a:round/>
-                      <a:headEnd type="none" w="med" len="med"/>
-                      <a:tailEnd type="none" w="med" len="med"/>
-                    </a:lnT>
-                    <a:lnB w="3175" cap="flat" cmpd="sng" algn="ctr">
-                      <a:solidFill>
-                        <a:schemeClr val="bg1"/>
-                      </a:solidFill>
-                      <a:prstDash val="solid"/>
-                      <a:round/>
-                      <a:headEnd type="none" w="med" len="med"/>
-                      <a:tailEnd type="none" w="med" len="med"/>
-                    </a:lnB>
-                    <a:solidFill>
-                      <a:srgbClr val="6DC284"/>
-                    </a:solidFill>
-                  </a:tcPr>
+                  <a:tcPr marL="9525" marR="9525" marT="9525" marB="0" anchor="b"/>
                 </a:tc>
                 <a:tc>
                   <a:txBody>
@@ -10804,58 +11273,21 @@
                     <a:p>
                       <a:pPr algn="r" fontAlgn="b"/>
                       <a:r>
-                        <a:rPr lang="de-DE" sz="1800" b="0" i="0" u="none" strike="noStrike" dirty="0">
-                          <a:solidFill>
-                            <a:srgbClr val="000000"/>
-                          </a:solidFill>
+                        <a:rPr lang="de-DE" sz="1800" u="none" strike="noStrike" dirty="0">
                           <a:effectLst/>
-                          <a:latin typeface="Franklin Gothic Book" panose="020B0503020102020204" pitchFamily="34" charset="0"/>
                         </a:rPr>
                         <a:t>77,39</a:t>
                       </a:r>
+                      <a:endParaRPr lang="de-DE" sz="1800" b="0" i="0" u="none" strike="noStrike" dirty="0">
+                        <a:solidFill>
+                          <a:srgbClr val="000000"/>
+                        </a:solidFill>
+                        <a:effectLst/>
+                        <a:latin typeface="Franklin Gothic Book" panose="020B0503020102020204" pitchFamily="34" charset="0"/>
+                      </a:endParaRPr>
                     </a:p>
                   </a:txBody>
-                  <a:tcPr marL="9525" marR="9525" marT="9525" marB="0" anchor="b">
-                    <a:lnL w="3175" cap="flat" cmpd="sng" algn="ctr">
-                      <a:solidFill>
-                        <a:schemeClr val="bg1"/>
-                      </a:solidFill>
-                      <a:prstDash val="solid"/>
-                      <a:round/>
-                      <a:headEnd type="none" w="med" len="med"/>
-                      <a:tailEnd type="none" w="med" len="med"/>
-                    </a:lnL>
-                    <a:lnR w="3175" cap="flat" cmpd="sng" algn="ctr">
-                      <a:solidFill>
-                        <a:schemeClr val="bg1"/>
-                      </a:solidFill>
-                      <a:prstDash val="solid"/>
-                      <a:round/>
-                      <a:headEnd type="none" w="med" len="med"/>
-                      <a:tailEnd type="none" w="med" len="med"/>
-                    </a:lnR>
-                    <a:lnT w="3175" cap="flat" cmpd="sng" algn="ctr">
-                      <a:solidFill>
-                        <a:schemeClr val="bg1"/>
-                      </a:solidFill>
-                      <a:prstDash val="solid"/>
-                      <a:round/>
-                      <a:headEnd type="none" w="med" len="med"/>
-                      <a:tailEnd type="none" w="med" len="med"/>
-                    </a:lnT>
-                    <a:lnB w="3175" cap="flat" cmpd="sng" algn="ctr">
-                      <a:solidFill>
-                        <a:schemeClr val="bg1"/>
-                      </a:solidFill>
-                      <a:prstDash val="solid"/>
-                      <a:round/>
-                      <a:headEnd type="none" w="med" len="med"/>
-                      <a:tailEnd type="none" w="med" len="med"/>
-                    </a:lnB>
-                    <a:solidFill>
-                      <a:srgbClr val="E6F3EC"/>
-                    </a:solidFill>
-                  </a:tcPr>
+                  <a:tcPr marL="9525" marR="9525" marT="9525" marB="0" anchor="b"/>
                 </a:tc>
                 <a:tc>
                   <a:txBody>
@@ -10864,52 +11296,21 @@
                     <a:p>
                       <a:pPr algn="r" fontAlgn="b"/>
                       <a:r>
-                        <a:rPr lang="de-DE" sz="1800" b="0" i="0" u="none" strike="noStrike" dirty="0">
-                          <a:solidFill>
-                            <a:srgbClr val="000000"/>
-                          </a:solidFill>
+                        <a:rPr lang="de-DE" sz="1800" u="none" strike="noStrike" dirty="0">
                           <a:effectLst/>
-                          <a:latin typeface="Franklin Gothic Book" panose="020B0503020102020204" pitchFamily="34" charset="0"/>
                         </a:rPr>
                         <a:t>78,59</a:t>
                       </a:r>
+                      <a:endParaRPr lang="de-DE" sz="1800" b="0" i="0" u="none" strike="noStrike" dirty="0">
+                        <a:solidFill>
+                          <a:srgbClr val="000000"/>
+                        </a:solidFill>
+                        <a:effectLst/>
+                        <a:latin typeface="Franklin Gothic Book" panose="020B0503020102020204" pitchFamily="34" charset="0"/>
+                      </a:endParaRPr>
                     </a:p>
                   </a:txBody>
-                  <a:tcPr marL="9525" marR="9525" marT="9525" marB="0" anchor="b">
-                    <a:lnL w="3175" cap="flat" cmpd="sng" algn="ctr">
-                      <a:solidFill>
-                        <a:schemeClr val="bg1"/>
-                      </a:solidFill>
-                      <a:prstDash val="solid"/>
-                      <a:round/>
-                      <a:headEnd type="none" w="med" len="med"/>
-                      <a:tailEnd type="none" w="med" len="med"/>
-                    </a:lnL>
-                    <a:lnR>
-                      <a:noFill/>
-                    </a:lnR>
-                    <a:lnT w="3175" cap="flat" cmpd="sng" algn="ctr">
-                      <a:solidFill>
-                        <a:schemeClr val="bg1"/>
-                      </a:solidFill>
-                      <a:prstDash val="solid"/>
-                      <a:round/>
-                      <a:headEnd type="none" w="med" len="med"/>
-                      <a:tailEnd type="none" w="med" len="med"/>
-                    </a:lnT>
-                    <a:lnB w="3175" cap="flat" cmpd="sng" algn="ctr">
-                      <a:solidFill>
-                        <a:schemeClr val="bg1"/>
-                      </a:solidFill>
-                      <a:prstDash val="solid"/>
-                      <a:round/>
-                      <a:headEnd type="none" w="med" len="med"/>
-                      <a:tailEnd type="none" w="med" len="med"/>
-                    </a:lnB>
-                    <a:solidFill>
-                      <a:srgbClr val="DCEFE4"/>
-                    </a:solidFill>
-                  </a:tcPr>
+                  <a:tcPr marL="9525" marR="9525" marT="9525" marB="0" anchor="b"/>
                 </a:tc>
                 <a:extLst>
                   <a:ext uri="{0D108BD9-81ED-4DB2-BD59-A6C34878D82A}">
@@ -10925,62 +11326,27 @@
                     <a:p>
                       <a:pPr algn="l" fontAlgn="b"/>
                       <a:r>
-                        <a:rPr lang="de-DE" sz="1800" b="0" i="0" u="none" strike="noStrike" dirty="0" err="1">
-                          <a:solidFill>
-                            <a:srgbClr val="000000"/>
-                          </a:solidFill>
+                        <a:rPr lang="de-DE" sz="1800" b="1" u="none" strike="noStrike" dirty="0" err="1">
                           <a:effectLst/>
-                          <a:latin typeface="Franklin Gothic Book" panose="020B0503020102020204" pitchFamily="34" charset="0"/>
                         </a:rPr>
                         <a:t>Logistic</a:t>
                       </a:r>
                       <a:r>
-                        <a:rPr lang="de-DE" sz="1800" b="0" i="0" u="none" strike="noStrike" dirty="0">
-                          <a:solidFill>
-                            <a:srgbClr val="000000"/>
-                          </a:solidFill>
+                        <a:rPr lang="de-DE" sz="1800" b="1" u="none" strike="noStrike" dirty="0">
                           <a:effectLst/>
-                          <a:latin typeface="Franklin Gothic Book" panose="020B0503020102020204" pitchFamily="34" charset="0"/>
                         </a:rPr>
                         <a:t> Regression</a:t>
                       </a:r>
+                      <a:endParaRPr lang="de-DE" sz="1800" b="1" i="0" u="none" strike="noStrike" dirty="0">
+                        <a:solidFill>
+                          <a:srgbClr val="000000"/>
+                        </a:solidFill>
+                        <a:effectLst/>
+                        <a:latin typeface="Franklin Gothic Book" panose="020B0503020102020204" pitchFamily="34" charset="0"/>
+                      </a:endParaRPr>
                     </a:p>
                   </a:txBody>
-                  <a:tcPr marL="9525" marR="9525" marT="9525" marB="0" anchor="b">
-                    <a:lnL>
-                      <a:noFill/>
-                    </a:lnL>
-                    <a:lnR w="3175" cap="flat" cmpd="sng" algn="ctr">
-                      <a:solidFill>
-                        <a:schemeClr val="bg1"/>
-                      </a:solidFill>
-                      <a:prstDash val="solid"/>
-                      <a:round/>
-                      <a:headEnd type="none" w="med" len="med"/>
-                      <a:tailEnd type="none" w="med" len="med"/>
-                    </a:lnR>
-                    <a:lnT w="3175" cap="flat" cmpd="sng" algn="ctr">
-                      <a:solidFill>
-                        <a:schemeClr val="bg1"/>
-                      </a:solidFill>
-                      <a:prstDash val="solid"/>
-                      <a:round/>
-                      <a:headEnd type="none" w="med" len="med"/>
-                      <a:tailEnd type="none" w="med" len="med"/>
-                    </a:lnT>
-                    <a:lnB w="3175" cap="flat" cmpd="sng" algn="ctr">
-                      <a:solidFill>
-                        <a:schemeClr val="bg1"/>
-                      </a:solidFill>
-                      <a:prstDash val="solid"/>
-                      <a:round/>
-                      <a:headEnd type="none" w="med" len="med"/>
-                      <a:tailEnd type="none" w="med" len="med"/>
-                    </a:lnB>
-                    <a:solidFill>
-                      <a:schemeClr val="accent5"/>
-                    </a:solidFill>
-                  </a:tcPr>
+                  <a:tcPr marL="9525" marR="9525" marT="9525" marB="0" anchor="b"/>
                 </a:tc>
                 <a:tc>
                   <a:txBody>
@@ -10989,58 +11355,21 @@
                     <a:p>
                       <a:pPr algn="r" fontAlgn="b"/>
                       <a:r>
-                        <a:rPr lang="de-DE" sz="1800" b="0" i="0" u="none" strike="noStrike" dirty="0">
-                          <a:solidFill>
-                            <a:srgbClr val="000000"/>
-                          </a:solidFill>
+                        <a:rPr lang="de-DE" sz="1800" u="none" strike="noStrike" dirty="0">
                           <a:effectLst/>
-                          <a:latin typeface="Franklin Gothic Book" panose="020B0503020102020204" pitchFamily="34" charset="0"/>
                         </a:rPr>
                         <a:t>93,05</a:t>
                       </a:r>
+                      <a:endParaRPr lang="de-DE" sz="1800" b="1" i="0" u="none" strike="noStrike" dirty="0">
+                        <a:solidFill>
+                          <a:srgbClr val="000000"/>
+                        </a:solidFill>
+                        <a:effectLst/>
+                        <a:latin typeface="Franklin Gothic Book" panose="020B0503020102020204" pitchFamily="34" charset="0"/>
+                      </a:endParaRPr>
                     </a:p>
                   </a:txBody>
-                  <a:tcPr marL="9525" marR="9525" marT="9525" marB="0" anchor="b">
-                    <a:lnL w="3175" cap="flat" cmpd="sng" algn="ctr">
-                      <a:solidFill>
-                        <a:schemeClr val="bg1"/>
-                      </a:solidFill>
-                      <a:prstDash val="solid"/>
-                      <a:round/>
-                      <a:headEnd type="none" w="med" len="med"/>
-                      <a:tailEnd type="none" w="med" len="med"/>
-                    </a:lnL>
-                    <a:lnR w="3175" cap="flat" cmpd="sng" algn="ctr">
-                      <a:solidFill>
-                        <a:schemeClr val="bg1"/>
-                      </a:solidFill>
-                      <a:prstDash val="solid"/>
-                      <a:round/>
-                      <a:headEnd type="none" w="med" len="med"/>
-                      <a:tailEnd type="none" w="med" len="med"/>
-                    </a:lnR>
-                    <a:lnT w="3175" cap="flat" cmpd="sng" algn="ctr">
-                      <a:solidFill>
-                        <a:schemeClr val="bg1"/>
-                      </a:solidFill>
-                      <a:prstDash val="solid"/>
-                      <a:round/>
-                      <a:headEnd type="none" w="med" len="med"/>
-                      <a:tailEnd type="none" w="med" len="med"/>
-                    </a:lnT>
-                    <a:lnB w="3175" cap="flat" cmpd="sng" algn="ctr">
-                      <a:solidFill>
-                        <a:schemeClr val="bg1"/>
-                      </a:solidFill>
-                      <a:prstDash val="solid"/>
-                      <a:round/>
-                      <a:headEnd type="none" w="med" len="med"/>
-                      <a:tailEnd type="none" w="med" len="med"/>
-                    </a:lnB>
-                    <a:solidFill>
-                      <a:srgbClr val="6AC181"/>
-                    </a:solidFill>
-                  </a:tcPr>
+                  <a:tcPr marL="9525" marR="9525" marT="9525" marB="0" anchor="b"/>
                 </a:tc>
                 <a:tc>
                   <a:txBody>
@@ -11049,58 +11378,21 @@
                     <a:p>
                       <a:pPr algn="r" fontAlgn="b"/>
                       <a:r>
-                        <a:rPr lang="de-DE" sz="1800" b="0" i="0" u="none" strike="noStrike" dirty="0">
-                          <a:solidFill>
-                            <a:srgbClr val="000000"/>
-                          </a:solidFill>
+                        <a:rPr lang="de-DE" sz="1800" u="none" strike="noStrike" dirty="0">
                           <a:effectLst/>
-                          <a:latin typeface="Franklin Gothic Book" panose="020B0503020102020204" pitchFamily="34" charset="0"/>
                         </a:rPr>
                         <a:t>77,10</a:t>
                       </a:r>
+                      <a:endParaRPr lang="de-DE" sz="1800" b="0" i="0" u="none" strike="noStrike" dirty="0">
+                        <a:solidFill>
+                          <a:srgbClr val="000000"/>
+                        </a:solidFill>
+                        <a:effectLst/>
+                        <a:latin typeface="Franklin Gothic Book" panose="020B0503020102020204" pitchFamily="34" charset="0"/>
+                      </a:endParaRPr>
                     </a:p>
                   </a:txBody>
-                  <a:tcPr marL="9525" marR="9525" marT="9525" marB="0" anchor="b">
-                    <a:lnL w="3175" cap="flat" cmpd="sng" algn="ctr">
-                      <a:solidFill>
-                        <a:schemeClr val="bg1"/>
-                      </a:solidFill>
-                      <a:prstDash val="solid"/>
-                      <a:round/>
-                      <a:headEnd type="none" w="med" len="med"/>
-                      <a:tailEnd type="none" w="med" len="med"/>
-                    </a:lnL>
-                    <a:lnR w="3175" cap="flat" cmpd="sng" algn="ctr">
-                      <a:solidFill>
-                        <a:schemeClr val="bg1"/>
-                      </a:solidFill>
-                      <a:prstDash val="solid"/>
-                      <a:round/>
-                      <a:headEnd type="none" w="med" len="med"/>
-                      <a:tailEnd type="none" w="med" len="med"/>
-                    </a:lnR>
-                    <a:lnT w="3175" cap="flat" cmpd="sng" algn="ctr">
-                      <a:solidFill>
-                        <a:schemeClr val="bg1"/>
-                      </a:solidFill>
-                      <a:prstDash val="solid"/>
-                      <a:round/>
-                      <a:headEnd type="none" w="med" len="med"/>
-                      <a:tailEnd type="none" w="med" len="med"/>
-                    </a:lnT>
-                    <a:lnB w="3175" cap="flat" cmpd="sng" algn="ctr">
-                      <a:solidFill>
-                        <a:schemeClr val="bg1"/>
-                      </a:solidFill>
-                      <a:prstDash val="solid"/>
-                      <a:round/>
-                      <a:headEnd type="none" w="med" len="med"/>
-                      <a:tailEnd type="none" w="med" len="med"/>
-                    </a:lnB>
-                    <a:solidFill>
-                      <a:srgbClr val="E8F4EE"/>
-                    </a:solidFill>
-                  </a:tcPr>
+                  <a:tcPr marL="9525" marR="9525" marT="9525" marB="0" anchor="b"/>
                 </a:tc>
                 <a:tc>
                   <a:txBody>
@@ -11109,52 +11401,21 @@
                     <a:p>
                       <a:pPr algn="r" fontAlgn="b"/>
                       <a:r>
-                        <a:rPr lang="de-DE" sz="1800" b="0" i="0" u="none" strike="noStrike" dirty="0">
-                          <a:solidFill>
-                            <a:srgbClr val="000000"/>
-                          </a:solidFill>
+                        <a:rPr lang="de-DE" sz="1800" u="none" strike="noStrike" dirty="0">
                           <a:effectLst/>
-                          <a:latin typeface="Franklin Gothic Book" panose="020B0503020102020204" pitchFamily="34" charset="0"/>
                         </a:rPr>
                         <a:t>78,19</a:t>
                       </a:r>
+                      <a:endParaRPr lang="de-DE" sz="1800" b="0" i="0" u="none" strike="noStrike" dirty="0">
+                        <a:solidFill>
+                          <a:srgbClr val="000000"/>
+                        </a:solidFill>
+                        <a:effectLst/>
+                        <a:latin typeface="Franklin Gothic Book" panose="020B0503020102020204" pitchFamily="34" charset="0"/>
+                      </a:endParaRPr>
                     </a:p>
                   </a:txBody>
-                  <a:tcPr marL="9525" marR="9525" marT="9525" marB="0" anchor="b">
-                    <a:lnL w="3175" cap="flat" cmpd="sng" algn="ctr">
-                      <a:solidFill>
-                        <a:schemeClr val="bg1"/>
-                      </a:solidFill>
-                      <a:prstDash val="solid"/>
-                      <a:round/>
-                      <a:headEnd type="none" w="med" len="med"/>
-                      <a:tailEnd type="none" w="med" len="med"/>
-                    </a:lnL>
-                    <a:lnR>
-                      <a:noFill/>
-                    </a:lnR>
-                    <a:lnT w="3175" cap="flat" cmpd="sng" algn="ctr">
-                      <a:solidFill>
-                        <a:schemeClr val="bg1"/>
-                      </a:solidFill>
-                      <a:prstDash val="solid"/>
-                      <a:round/>
-                      <a:headEnd type="none" w="med" len="med"/>
-                      <a:tailEnd type="none" w="med" len="med"/>
-                    </a:lnT>
-                    <a:lnB w="3175" cap="flat" cmpd="sng" algn="ctr">
-                      <a:solidFill>
-                        <a:schemeClr val="bg1"/>
-                      </a:solidFill>
-                      <a:prstDash val="solid"/>
-                      <a:round/>
-                      <a:headEnd type="none" w="med" len="med"/>
-                      <a:tailEnd type="none" w="med" len="med"/>
-                    </a:lnB>
-                    <a:solidFill>
-                      <a:srgbClr val="DFF1E6"/>
-                    </a:solidFill>
-                  </a:tcPr>
+                  <a:tcPr marL="9525" marR="9525" marT="9525" marB="0" anchor="b"/>
                 </a:tc>
                 <a:extLst>
                   <a:ext uri="{0D108BD9-81ED-4DB2-BD59-A6C34878D82A}">
@@ -11170,86 +11431,27 @@
                     <a:p>
                       <a:pPr algn="l" fontAlgn="b"/>
                       <a:r>
-                        <a:rPr lang="de-DE" sz="1800" b="0" i="0" u="none" strike="noStrike" dirty="0">
-                          <a:solidFill>
-                            <a:srgbClr val="000000"/>
-                          </a:solidFill>
+                        <a:rPr lang="de-DE" sz="1800" b="1" u="none" strike="noStrike" dirty="0">
                           <a:effectLst/>
-                          <a:latin typeface="Franklin Gothic Book" panose="020B0503020102020204" pitchFamily="34" charset="0"/>
                         </a:rPr>
-                        <a:t>LSTM (</a:t>
+                        <a:t>LSTM </a:t>
                       </a:r>
                       <a:r>
-                        <a:rPr lang="de-DE" sz="1800" b="0" i="0" u="none" strike="noStrike" dirty="0" err="1">
-                          <a:solidFill>
-                            <a:srgbClr val="000000"/>
-                          </a:solidFill>
+                        <a:rPr lang="de-DE" sz="1800" b="1" u="none" strike="noStrike" dirty="0" err="1">
                           <a:effectLst/>
-                          <a:latin typeface="Franklin Gothic Book" panose="020B0503020102020204" pitchFamily="34" charset="0"/>
                         </a:rPr>
-                        <a:t>neural</a:t>
+                        <a:t>baseline</a:t>
                       </a:r>
-                      <a:r>
-                        <a:rPr lang="de-DE" sz="1800" b="0" i="0" u="none" strike="noStrike" dirty="0">
-                          <a:solidFill>
-                            <a:srgbClr val="000000"/>
-                          </a:solidFill>
-                          <a:effectLst/>
-                          <a:latin typeface="Franklin Gothic Book" panose="020B0503020102020204" pitchFamily="34" charset="0"/>
-                        </a:rPr>
-                        <a:t> </a:t>
-                      </a:r>
-                      <a:r>
-                        <a:rPr lang="de-DE" sz="1800" b="0" i="0" u="none" strike="noStrike" dirty="0" err="1">
-                          <a:solidFill>
-                            <a:srgbClr val="000000"/>
-                          </a:solidFill>
-                          <a:effectLst/>
-                          <a:latin typeface="Franklin Gothic Book" panose="020B0503020102020204" pitchFamily="34" charset="0"/>
-                        </a:rPr>
-                        <a:t>network</a:t>
-                      </a:r>
-                      <a:r>
-                        <a:rPr lang="de-DE" sz="1800" b="0" i="0" u="none" strike="noStrike" dirty="0">
-                          <a:solidFill>
-                            <a:srgbClr val="000000"/>
-                          </a:solidFill>
-                          <a:effectLst/>
-                          <a:latin typeface="Franklin Gothic Book" panose="020B0503020102020204" pitchFamily="34" charset="0"/>
-                        </a:rPr>
-                        <a:t>)</a:t>
-                      </a:r>
+                      <a:endParaRPr lang="de-DE" sz="1800" b="1" i="0" u="none" strike="noStrike" dirty="0">
+                        <a:solidFill>
+                          <a:srgbClr val="000000"/>
+                        </a:solidFill>
+                        <a:effectLst/>
+                        <a:latin typeface="Franklin Gothic Book" panose="020B0503020102020204" pitchFamily="34" charset="0"/>
+                      </a:endParaRPr>
                     </a:p>
                   </a:txBody>
-                  <a:tcPr marL="9525" marR="9525" marT="9525" marB="0" anchor="b">
-                    <a:lnL>
-                      <a:noFill/>
-                    </a:lnL>
-                    <a:lnR w="3175" cap="flat" cmpd="sng" algn="ctr">
-                      <a:solidFill>
-                        <a:schemeClr val="bg1"/>
-                      </a:solidFill>
-                      <a:prstDash val="solid"/>
-                      <a:round/>
-                      <a:headEnd type="none" w="med" len="med"/>
-                      <a:tailEnd type="none" w="med" len="med"/>
-                    </a:lnR>
-                    <a:lnT w="3175" cap="flat" cmpd="sng" algn="ctr">
-                      <a:solidFill>
-                        <a:schemeClr val="bg1"/>
-                      </a:solidFill>
-                      <a:prstDash val="solid"/>
-                      <a:round/>
-                      <a:headEnd type="none" w="med" len="med"/>
-                      <a:tailEnd type="none" w="med" len="med"/>
-                    </a:lnT>
-                    <a:lnB>
-                      <a:noFill/>
-                    </a:lnB>
-                    <a:solidFill>
-                      <a:schemeClr val="accent5"/>
-                    </a:solidFill>
-                  </a:tcPr>
+                  <a:tcPr marL="9525" marR="9525" marT="9525" marB="0" anchor="b"/>
                 </a:tc>
                 <a:tc>
                   <a:txBody>
@@ -11258,52 +11460,21 @@
                     <a:p>
                       <a:pPr algn="r" fontAlgn="b"/>
                       <a:r>
-                        <a:rPr lang="de-DE" sz="1800" b="0" i="0" u="none" strike="noStrike" dirty="0">
-                          <a:solidFill>
-                            <a:srgbClr val="000000"/>
-                          </a:solidFill>
+                        <a:rPr lang="de-DE" sz="1800" u="none" strike="noStrike" dirty="0">
                           <a:effectLst/>
-                          <a:latin typeface="Franklin Gothic Book" panose="020B0503020102020204" pitchFamily="34" charset="0"/>
                         </a:rPr>
                         <a:t>93,90</a:t>
                       </a:r>
+                      <a:endParaRPr lang="de-DE" sz="1800" b="1" i="0" u="none" strike="noStrike" dirty="0">
+                        <a:solidFill>
+                          <a:srgbClr val="000000"/>
+                        </a:solidFill>
+                        <a:effectLst/>
+                        <a:latin typeface="Franklin Gothic Book" panose="020B0503020102020204" pitchFamily="34" charset="0"/>
+                      </a:endParaRPr>
                     </a:p>
                   </a:txBody>
-                  <a:tcPr marL="9525" marR="9525" marT="9525" marB="0" anchor="b">
-                    <a:lnL w="3175" cap="flat" cmpd="sng" algn="ctr">
-                      <a:solidFill>
-                        <a:schemeClr val="bg1"/>
-                      </a:solidFill>
-                      <a:prstDash val="solid"/>
-                      <a:round/>
-                      <a:headEnd type="none" w="med" len="med"/>
-                      <a:tailEnd type="none" w="med" len="med"/>
-                    </a:lnL>
-                    <a:lnR w="3175" cap="flat" cmpd="sng" algn="ctr">
-                      <a:solidFill>
-                        <a:schemeClr val="bg1"/>
-                      </a:solidFill>
-                      <a:prstDash val="solid"/>
-                      <a:round/>
-                      <a:headEnd type="none" w="med" len="med"/>
-                      <a:tailEnd type="none" w="med" len="med"/>
-                    </a:lnR>
-                    <a:lnT w="3175" cap="flat" cmpd="sng" algn="ctr">
-                      <a:solidFill>
-                        <a:schemeClr val="bg1"/>
-                      </a:solidFill>
-                      <a:prstDash val="solid"/>
-                      <a:round/>
-                      <a:headEnd type="none" w="med" len="med"/>
-                      <a:tailEnd type="none" w="med" len="med"/>
-                    </a:lnT>
-                    <a:lnB>
-                      <a:noFill/>
-                    </a:lnB>
-                    <a:solidFill>
-                      <a:srgbClr val="63BE7B"/>
-                    </a:solidFill>
-                  </a:tcPr>
+                  <a:tcPr marL="9525" marR="9525" marT="9525" marB="0" anchor="b"/>
                 </a:tc>
                 <a:tc>
                   <a:txBody>
@@ -11312,52 +11483,21 @@
                     <a:p>
                       <a:pPr algn="r" fontAlgn="b"/>
                       <a:r>
-                        <a:rPr lang="de-DE" sz="1800" b="0" i="0" u="none" strike="noStrike">
-                          <a:solidFill>
-                            <a:srgbClr val="000000"/>
-                          </a:solidFill>
+                        <a:rPr lang="de-DE" sz="1800" u="none" strike="noStrike" dirty="0">
                           <a:effectLst/>
-                          <a:latin typeface="Franklin Gothic Book" panose="020B0503020102020204" pitchFamily="34" charset="0"/>
                         </a:rPr>
                         <a:t>93,90</a:t>
                       </a:r>
+                      <a:endParaRPr lang="de-DE" sz="1800" b="1" i="0" u="none" strike="noStrike" dirty="0">
+                        <a:solidFill>
+                          <a:srgbClr val="000000"/>
+                        </a:solidFill>
+                        <a:effectLst/>
+                        <a:latin typeface="Franklin Gothic Book" panose="020B0503020102020204" pitchFamily="34" charset="0"/>
+                      </a:endParaRPr>
                     </a:p>
                   </a:txBody>
-                  <a:tcPr marL="9525" marR="9525" marT="9525" marB="0" anchor="b">
-                    <a:lnL w="3175" cap="flat" cmpd="sng" algn="ctr">
-                      <a:solidFill>
-                        <a:schemeClr val="bg1"/>
-                      </a:solidFill>
-                      <a:prstDash val="solid"/>
-                      <a:round/>
-                      <a:headEnd type="none" w="med" len="med"/>
-                      <a:tailEnd type="none" w="med" len="med"/>
-                    </a:lnL>
-                    <a:lnR w="3175" cap="flat" cmpd="sng" algn="ctr">
-                      <a:solidFill>
-                        <a:schemeClr val="bg1"/>
-                      </a:solidFill>
-                      <a:prstDash val="solid"/>
-                      <a:round/>
-                      <a:headEnd type="none" w="med" len="med"/>
-                      <a:tailEnd type="none" w="med" len="med"/>
-                    </a:lnR>
-                    <a:lnT w="3175" cap="flat" cmpd="sng" algn="ctr">
-                      <a:solidFill>
-                        <a:schemeClr val="bg1"/>
-                      </a:solidFill>
-                      <a:prstDash val="solid"/>
-                      <a:round/>
-                      <a:headEnd type="none" w="med" len="med"/>
-                      <a:tailEnd type="none" w="med" len="med"/>
-                    </a:lnT>
-                    <a:lnB>
-                      <a:noFill/>
-                    </a:lnB>
-                    <a:solidFill>
-                      <a:srgbClr val="63BE7B"/>
-                    </a:solidFill>
-                  </a:tcPr>
+                  <a:tcPr marL="9525" marR="9525" marT="9525" marB="0" anchor="b"/>
                 </a:tc>
                 <a:tc>
                   <a:txBody>
@@ -11366,22 +11506,14 @@
                     <a:p>
                       <a:pPr algn="r" fontAlgn="b"/>
                       <a:r>
-                        <a:rPr lang="de-DE" sz="1800" b="0" i="0" u="none" strike="noStrike" dirty="0">
-                          <a:solidFill>
-                            <a:srgbClr val="000000"/>
-                          </a:solidFill>
+                        <a:rPr lang="de-DE" sz="1800" u="none" strike="noStrike" dirty="0">
                           <a:effectLst/>
-                          <a:latin typeface="Franklin Gothic Book" panose="020B0503020102020204" pitchFamily="34" charset="0"/>
                         </a:rPr>
                         <a:t>not </a:t>
                       </a:r>
                       <a:r>
-                        <a:rPr lang="de-DE" sz="1800" b="0" i="0" u="none" strike="noStrike" dirty="0" err="1">
-                          <a:solidFill>
-                            <a:srgbClr val="000000"/>
-                          </a:solidFill>
+                        <a:rPr lang="de-DE" sz="1800" u="none" strike="noStrike" dirty="0" err="1">
                           <a:effectLst/>
-                          <a:latin typeface="Franklin Gothic Book" panose="020B0503020102020204" pitchFamily="34" charset="0"/>
                         </a:rPr>
                         <a:t>measured</a:t>
                       </a:r>
@@ -11394,35 +11526,7 @@
                       </a:endParaRPr>
                     </a:p>
                   </a:txBody>
-                  <a:tcPr marL="9525" marR="9525" marT="9525" marB="0" anchor="b">
-                    <a:lnL w="3175" cap="flat" cmpd="sng" algn="ctr">
-                      <a:solidFill>
-                        <a:schemeClr val="bg1"/>
-                      </a:solidFill>
-                      <a:prstDash val="solid"/>
-                      <a:round/>
-                      <a:headEnd type="none" w="med" len="med"/>
-                      <a:tailEnd type="none" w="med" len="med"/>
-                    </a:lnL>
-                    <a:lnR>
-                      <a:noFill/>
-                    </a:lnR>
-                    <a:lnT w="3175" cap="flat" cmpd="sng" algn="ctr">
-                      <a:solidFill>
-                        <a:schemeClr val="bg1"/>
-                      </a:solidFill>
-                      <a:prstDash val="solid"/>
-                      <a:round/>
-                      <a:headEnd type="none" w="med" len="med"/>
-                      <a:tailEnd type="none" w="med" len="med"/>
-                    </a:lnT>
-                    <a:lnB>
-                      <a:noFill/>
-                    </a:lnB>
-                    <a:solidFill>
-                      <a:schemeClr val="bg1"/>
-                    </a:solidFill>
-                  </a:tcPr>
+                  <a:tcPr marL="9525" marR="9525" marT="9525" marB="0" anchor="b"/>
                 </a:tc>
                 <a:extLst>
                   <a:ext uri="{0D108BD9-81ED-4DB2-BD59-A6C34878D82A}">
@@ -11434,10 +11538,572 @@
           </a:graphicData>
         </a:graphic>
       </p:graphicFrame>
+      <p:sp>
+        <p:nvSpPr>
+          <p:cNvPr id="7" name="TextBox 6">
+            <a:extLst>
+              <a:ext uri="{FF2B5EF4-FFF2-40B4-BE49-F238E27FC236}">
+                <a16:creationId xmlns:a16="http://schemas.microsoft.com/office/drawing/2014/main" id="{9DA83601-368B-467E-98EA-2309651351A3}"/>
+              </a:ext>
+            </a:extLst>
+          </p:cNvPr>
+          <p:cNvSpPr txBox="1"/>
+          <p:nvPr/>
+        </p:nvSpPr>
+        <p:spPr>
+          <a:xfrm>
+            <a:off x="1371600" y="4770304"/>
+            <a:ext cx="7805451" cy="1323439"/>
+          </a:xfrm>
+          <a:prstGeom prst="rect">
+            <a:avLst/>
+          </a:prstGeom>
+          <a:noFill/>
+        </p:spPr>
+        <p:txBody>
+          <a:bodyPr wrap="square" rtlCol="0">
+            <a:spAutoFit/>
+          </a:bodyPr>
+          <a:lstStyle/>
+          <a:p>
+            <a:pPr marL="342900" indent="-342900">
+              <a:buFont typeface="Arial" panose="020B0604020202020204" pitchFamily="34" charset="0"/>
+              <a:buChar char="•"/>
+            </a:pPr>
+            <a:r>
+              <a:rPr lang="en-US" sz="2000" dirty="0">
+                <a:solidFill>
+                  <a:schemeClr val="tx2"/>
+                </a:solidFill>
+              </a:rPr>
+              <a:t>SMOTE for oversampling</a:t>
+            </a:r>
+          </a:p>
+          <a:p>
+            <a:pPr marL="342900" indent="-342900">
+              <a:buFont typeface="Arial" panose="020B0604020202020204" pitchFamily="34" charset="0"/>
+              <a:buChar char="•"/>
+            </a:pPr>
+            <a:r>
+              <a:rPr lang="en-US" sz="2000" dirty="0">
+                <a:solidFill>
+                  <a:schemeClr val="tx2"/>
+                </a:solidFill>
+              </a:rPr>
+              <a:t>Classifiers taken from </a:t>
+            </a:r>
+            <a:r>
+              <a:rPr lang="en-US" sz="2000" dirty="0" err="1">
+                <a:solidFill>
+                  <a:schemeClr val="tx2"/>
+                </a:solidFill>
+              </a:rPr>
+              <a:t>sklearn</a:t>
+            </a:r>
+            <a:endParaRPr lang="en-US" sz="2000" dirty="0">
+              <a:solidFill>
+                <a:schemeClr val="tx2"/>
+              </a:solidFill>
+            </a:endParaRPr>
+          </a:p>
+          <a:p>
+            <a:pPr marL="342900" indent="-342900">
+              <a:buFont typeface="Arial" panose="020B0604020202020204" pitchFamily="34" charset="0"/>
+              <a:buChar char="•"/>
+            </a:pPr>
+            <a:r>
+              <a:rPr lang="en-US" sz="2000" dirty="0">
+                <a:solidFill>
+                  <a:schemeClr val="tx2"/>
+                </a:solidFill>
+              </a:rPr>
+              <a:t>LSTM build with </a:t>
+            </a:r>
+            <a:r>
+              <a:rPr lang="en-US" sz="2000" dirty="0" err="1">
+                <a:solidFill>
+                  <a:schemeClr val="tx2"/>
+                </a:solidFill>
+              </a:rPr>
+              <a:t>Keras</a:t>
+            </a:r>
+            <a:endParaRPr lang="en-US" sz="2000" dirty="0">
+              <a:solidFill>
+                <a:schemeClr val="tx2"/>
+              </a:solidFill>
+            </a:endParaRPr>
+          </a:p>
+          <a:p>
+            <a:pPr marL="342900" indent="-342900">
+              <a:buFont typeface="Arial" panose="020B0604020202020204" pitchFamily="34" charset="0"/>
+              <a:buChar char="•"/>
+            </a:pPr>
+            <a:r>
+              <a:rPr lang="en-US" sz="2000" dirty="0" err="1">
+                <a:solidFill>
+                  <a:schemeClr val="tx2"/>
+                </a:solidFill>
+              </a:rPr>
+              <a:t>RandomizedSearchCV</a:t>
+            </a:r>
+            <a:r>
+              <a:rPr lang="en-US" sz="2000" dirty="0">
+                <a:solidFill>
+                  <a:schemeClr val="tx2"/>
+                </a:solidFill>
+              </a:rPr>
+              <a:t> for hyperparameter tuning</a:t>
+            </a:r>
+          </a:p>
+        </p:txBody>
+      </p:sp>
     </p:spTree>
     <p:extLst>
       <p:ext uri="{BB962C8B-B14F-4D97-AF65-F5344CB8AC3E}">
         <p14:creationId xmlns:p14="http://schemas.microsoft.com/office/powerpoint/2010/main" val="146351902"/>
+      </p:ext>
+    </p:extLst>
+  </p:cSld>
+  <p:clrMapOvr>
+    <a:masterClrMapping/>
+  </p:clrMapOvr>
+</p:sld>
+</file>
+
+<file path=ppt/slides/slide8.xml><?xml version="1.0" encoding="utf-8"?>
+<p:sld xmlns:a="http://schemas.openxmlformats.org/drawingml/2006/main" xmlns:r="http://schemas.openxmlformats.org/officeDocument/2006/relationships" xmlns:p="http://schemas.openxmlformats.org/presentationml/2006/main">
+  <p:cSld>
+    <p:spTree>
+      <p:nvGrpSpPr>
+        <p:cNvPr id="1" name=""/>
+        <p:cNvGrpSpPr/>
+        <p:nvPr/>
+      </p:nvGrpSpPr>
+      <p:grpSpPr>
+        <a:xfrm>
+          <a:off x="0" y="0"/>
+          <a:ext cx="0" cy="0"/>
+          <a:chOff x="0" y="0"/>
+          <a:chExt cx="0" cy="0"/>
+        </a:xfrm>
+      </p:grpSpPr>
+      <p:sp>
+        <p:nvSpPr>
+          <p:cNvPr id="2" name="Titel 1">
+            <a:extLst>
+              <a:ext uri="{FF2B5EF4-FFF2-40B4-BE49-F238E27FC236}">
+                <a16:creationId xmlns:a16="http://schemas.microsoft.com/office/drawing/2014/main" id="{8AF3081B-2286-174D-A2A0-E0ED844B7E3F}"/>
+              </a:ext>
+            </a:extLst>
+          </p:cNvPr>
+          <p:cNvSpPr>
+            <a:spLocks noGrp="1"/>
+          </p:cNvSpPr>
+          <p:nvPr>
+            <p:ph type="title"/>
+          </p:nvPr>
+        </p:nvSpPr>
+        <p:spPr/>
+        <p:txBody>
+          <a:bodyPr/>
+          <a:lstStyle/>
+          <a:p>
+            <a:r>
+              <a:rPr lang="en-US" dirty="0"/>
+              <a:t>Results</a:t>
+            </a:r>
+          </a:p>
+        </p:txBody>
+      </p:sp>
+      <p:sp>
+        <p:nvSpPr>
+          <p:cNvPr id="4" name="Inhaltsplatzhalter 3">
+            <a:extLst>
+              <a:ext uri="{FF2B5EF4-FFF2-40B4-BE49-F238E27FC236}">
+                <a16:creationId xmlns:a16="http://schemas.microsoft.com/office/drawing/2014/main" id="{7F4D160A-FA8C-B04A-AC64-3209C29789D4}"/>
+              </a:ext>
+            </a:extLst>
+          </p:cNvPr>
+          <p:cNvSpPr>
+            <a:spLocks noGrp="1"/>
+          </p:cNvSpPr>
+          <p:nvPr>
+            <p:ph idx="1"/>
+          </p:nvPr>
+        </p:nvSpPr>
+        <p:spPr/>
+        <p:txBody>
+          <a:bodyPr/>
+          <a:lstStyle/>
+          <a:p>
+            <a:pPr>
+              <a:lnSpc>
+                <a:spcPct val="104000"/>
+              </a:lnSpc>
+            </a:pPr>
+            <a:r>
+              <a:rPr lang="en-US" dirty="0"/>
+              <a:t>When using enough training data classical Machine Learning methods are as good as our neural network baseline (unchanged vs </a:t>
+            </a:r>
+            <a:r>
+              <a:rPr lang="en-US" dirty="0" err="1"/>
+              <a:t>undersampled</a:t>
+            </a:r>
+            <a:r>
+              <a:rPr lang="en-US" dirty="0"/>
+              <a:t>)</a:t>
+            </a:r>
+          </a:p>
+          <a:p>
+            <a:pPr>
+              <a:lnSpc>
+                <a:spcPct val="104000"/>
+              </a:lnSpc>
+            </a:pPr>
+            <a:r>
+              <a:rPr lang="en-US" dirty="0"/>
+              <a:t>The classical methods are highly optimized and have little room for further improvement, whereas neural network based approaches have more room for improvement</a:t>
+            </a:r>
+          </a:p>
+          <a:p>
+            <a:pPr>
+              <a:lnSpc>
+                <a:spcPct val="104000"/>
+              </a:lnSpc>
+            </a:pPr>
+            <a:r>
+              <a:rPr lang="en-US" dirty="0"/>
+              <a:t>The creation of artificial instances in oversampling leads to worse results</a:t>
+            </a:r>
+          </a:p>
+        </p:txBody>
+      </p:sp>
+      <p:sp>
+        <p:nvSpPr>
+          <p:cNvPr id="3" name="Foliennummernplatzhalter 2">
+            <a:extLst>
+              <a:ext uri="{FF2B5EF4-FFF2-40B4-BE49-F238E27FC236}">
+                <a16:creationId xmlns:a16="http://schemas.microsoft.com/office/drawing/2014/main" id="{1D0CF6FE-F68A-6B4F-9693-422A55B38BE1}"/>
+              </a:ext>
+            </a:extLst>
+          </p:cNvPr>
+          <p:cNvSpPr>
+            <a:spLocks noGrp="1"/>
+          </p:cNvSpPr>
+          <p:nvPr>
+            <p:ph type="sldNum" sz="quarter" idx="12"/>
+          </p:nvPr>
+        </p:nvSpPr>
+        <p:spPr/>
+        <p:txBody>
+          <a:bodyPr/>
+          <a:lstStyle/>
+          <a:p>
+            <a:fld id="{D57F1E4F-1CFF-5643-939E-217C01CDF565}" type="slidenum">
+              <a:rPr lang="en-US" smtClean="0"/>
+              <a:pPr/>
+              <a:t>8</a:t>
+            </a:fld>
+            <a:endParaRPr lang="en-US" dirty="0"/>
+          </a:p>
+        </p:txBody>
+      </p:sp>
+      <p:sp>
+        <p:nvSpPr>
+          <p:cNvPr id="5" name="Textfeld 4">
+            <a:extLst>
+              <a:ext uri="{FF2B5EF4-FFF2-40B4-BE49-F238E27FC236}">
+                <a16:creationId xmlns:a16="http://schemas.microsoft.com/office/drawing/2014/main" id="{A96B8871-CA12-4242-8DE7-76D2607D98DB}"/>
+              </a:ext>
+            </a:extLst>
+          </p:cNvPr>
+          <p:cNvSpPr txBox="1"/>
+          <p:nvPr/>
+        </p:nvSpPr>
+        <p:spPr>
+          <a:xfrm>
+            <a:off x="3548270" y="3856501"/>
+            <a:ext cx="184731" cy="369332"/>
+          </a:xfrm>
+          <a:prstGeom prst="rect">
+            <a:avLst/>
+          </a:prstGeom>
+          <a:noFill/>
+        </p:spPr>
+        <p:txBody>
+          <a:bodyPr wrap="none" rtlCol="0">
+            <a:spAutoFit/>
+          </a:bodyPr>
+          <a:lstStyle/>
+          <a:p>
+            <a:endParaRPr lang="en-US" dirty="0"/>
+          </a:p>
+        </p:txBody>
+      </p:sp>
+      <p:sp>
+        <p:nvSpPr>
+          <p:cNvPr id="6" name="Textfeld 5">
+            <a:extLst>
+              <a:ext uri="{FF2B5EF4-FFF2-40B4-BE49-F238E27FC236}">
+                <a16:creationId xmlns:a16="http://schemas.microsoft.com/office/drawing/2014/main" id="{B0D5C0E6-79C6-AE4B-AFF2-AC25A5E8D0BD}"/>
+              </a:ext>
+            </a:extLst>
+          </p:cNvPr>
+          <p:cNvSpPr txBox="1"/>
+          <p:nvPr/>
+        </p:nvSpPr>
+        <p:spPr>
+          <a:xfrm>
+            <a:off x="2037522" y="3697475"/>
+            <a:ext cx="184731" cy="369332"/>
+          </a:xfrm>
+          <a:prstGeom prst="rect">
+            <a:avLst/>
+          </a:prstGeom>
+          <a:noFill/>
+        </p:spPr>
+        <p:txBody>
+          <a:bodyPr wrap="none" rtlCol="0">
+            <a:spAutoFit/>
+          </a:bodyPr>
+          <a:lstStyle/>
+          <a:p>
+            <a:endParaRPr lang="en-US" dirty="0"/>
+          </a:p>
+        </p:txBody>
+      </p:sp>
+      <p:sp>
+        <p:nvSpPr>
+          <p:cNvPr id="7" name="Inhaltsplatzhalter 2">
+            <a:extLst>
+              <a:ext uri="{FF2B5EF4-FFF2-40B4-BE49-F238E27FC236}">
+                <a16:creationId xmlns:a16="http://schemas.microsoft.com/office/drawing/2014/main" id="{CF34E70F-EA07-8244-9386-CB15268E7A57}"/>
+              </a:ext>
+            </a:extLst>
+          </p:cNvPr>
+          <p:cNvSpPr txBox="1">
+            <a:spLocks/>
+          </p:cNvSpPr>
+          <p:nvPr/>
+        </p:nvSpPr>
+        <p:spPr>
+          <a:xfrm>
+            <a:off x="1653822" y="4302080"/>
+            <a:ext cx="9601200" cy="1977390"/>
+          </a:xfrm>
+          <a:prstGeom prst="rect">
+            <a:avLst/>
+          </a:prstGeom>
+        </p:spPr>
+        <p:txBody>
+          <a:bodyPr vert="horz" lIns="91440" tIns="45720" rIns="91440" bIns="45720" rtlCol="0">
+            <a:normAutofit/>
+          </a:bodyPr>
+          <a:lstStyle>
+            <a:lvl1pPr marL="384048" indent="-384048" algn="l" defTabSz="914400" rtl="0" eaLnBrk="1" latinLnBrk="0" hangingPunct="1">
+              <a:lnSpc>
+                <a:spcPct val="94000"/>
+              </a:lnSpc>
+              <a:spcBef>
+                <a:spcPts val="1000"/>
+              </a:spcBef>
+              <a:spcAft>
+                <a:spcPts val="200"/>
+              </a:spcAft>
+              <a:buFont typeface="Franklin Gothic Book" panose="020B0503020102020204" pitchFamily="34" charset="0"/>
+              <a:buChar char="■"/>
+              <a:defRPr sz="2000" kern="1200" baseline="0">
+                <a:solidFill>
+                  <a:schemeClr val="tx2"/>
+                </a:solidFill>
+                <a:latin typeface="+mn-lt"/>
+                <a:ea typeface="+mn-ea"/>
+                <a:cs typeface="+mn-cs"/>
+              </a:defRPr>
+            </a:lvl1pPr>
+            <a:lvl2pPr marL="914400" indent="-384048" algn="l" defTabSz="914400" rtl="0" eaLnBrk="1" latinLnBrk="0" hangingPunct="1">
+              <a:lnSpc>
+                <a:spcPct val="94000"/>
+              </a:lnSpc>
+              <a:spcBef>
+                <a:spcPts val="500"/>
+              </a:spcBef>
+              <a:spcAft>
+                <a:spcPts val="200"/>
+              </a:spcAft>
+              <a:buFont typeface="Franklin Gothic Book" panose="020B0503020102020204" pitchFamily="34" charset="0"/>
+              <a:buChar char="–"/>
+              <a:defRPr sz="2000" i="1" kern="1200" baseline="0">
+                <a:solidFill>
+                  <a:schemeClr val="tx2"/>
+                </a:solidFill>
+                <a:latin typeface="+mn-lt"/>
+                <a:ea typeface="+mn-ea"/>
+                <a:cs typeface="+mn-cs"/>
+              </a:defRPr>
+            </a:lvl2pPr>
+            <a:lvl3pPr marL="1371600" indent="-384048" algn="l" defTabSz="914400" rtl="0" eaLnBrk="1" latinLnBrk="0" hangingPunct="1">
+              <a:lnSpc>
+                <a:spcPct val="94000"/>
+              </a:lnSpc>
+              <a:spcBef>
+                <a:spcPts val="500"/>
+              </a:spcBef>
+              <a:spcAft>
+                <a:spcPts val="200"/>
+              </a:spcAft>
+              <a:buFont typeface="Franklin Gothic Book" panose="020B0503020102020204" pitchFamily="34" charset="0"/>
+              <a:buChar char="■"/>
+              <a:defRPr sz="1800" kern="1200" baseline="0">
+                <a:solidFill>
+                  <a:schemeClr val="tx2"/>
+                </a:solidFill>
+                <a:latin typeface="+mn-lt"/>
+                <a:ea typeface="+mn-ea"/>
+                <a:cs typeface="+mn-cs"/>
+              </a:defRPr>
+            </a:lvl3pPr>
+            <a:lvl4pPr marL="1828800" indent="-384048" algn="l" defTabSz="914400" rtl="0" eaLnBrk="1" latinLnBrk="0" hangingPunct="1">
+              <a:lnSpc>
+                <a:spcPct val="94000"/>
+              </a:lnSpc>
+              <a:spcBef>
+                <a:spcPts val="500"/>
+              </a:spcBef>
+              <a:spcAft>
+                <a:spcPts val="200"/>
+              </a:spcAft>
+              <a:buFont typeface="Franklin Gothic Book" panose="020B0503020102020204" pitchFamily="34" charset="0"/>
+              <a:buChar char="–"/>
+              <a:defRPr sz="1800" i="1" kern="1200" baseline="0">
+                <a:solidFill>
+                  <a:schemeClr val="tx2"/>
+                </a:solidFill>
+                <a:latin typeface="+mn-lt"/>
+                <a:ea typeface="+mn-ea"/>
+                <a:cs typeface="+mn-cs"/>
+              </a:defRPr>
+            </a:lvl4pPr>
+            <a:lvl5pPr marL="2286000" indent="-384048" algn="l" defTabSz="914400" rtl="0" eaLnBrk="1" latinLnBrk="0" hangingPunct="1">
+              <a:lnSpc>
+                <a:spcPct val="94000"/>
+              </a:lnSpc>
+              <a:spcBef>
+                <a:spcPts val="500"/>
+              </a:spcBef>
+              <a:spcAft>
+                <a:spcPts val="200"/>
+              </a:spcAft>
+              <a:buFont typeface="Franklin Gothic Book" panose="020B0503020102020204" pitchFamily="34" charset="0"/>
+              <a:buChar char="■"/>
+              <a:defRPr sz="1600" kern="1200" baseline="0">
+                <a:solidFill>
+                  <a:schemeClr val="tx2"/>
+                </a:solidFill>
+                <a:latin typeface="+mn-lt"/>
+                <a:ea typeface="+mn-ea"/>
+                <a:cs typeface="+mn-cs"/>
+              </a:defRPr>
+            </a:lvl5pPr>
+            <a:lvl6pPr marL="2743200" indent="-384048" algn="l" defTabSz="914400" rtl="0" eaLnBrk="1" latinLnBrk="0" hangingPunct="1">
+              <a:lnSpc>
+                <a:spcPct val="94000"/>
+              </a:lnSpc>
+              <a:spcBef>
+                <a:spcPts val="500"/>
+              </a:spcBef>
+              <a:spcAft>
+                <a:spcPts val="200"/>
+              </a:spcAft>
+              <a:buFont typeface="Franklin Gothic Book" panose="020B0503020102020204" pitchFamily="34" charset="0"/>
+              <a:buChar char="–"/>
+              <a:defRPr sz="1600" i="1" kern="1200" baseline="0">
+                <a:solidFill>
+                  <a:schemeClr val="tx2"/>
+                </a:solidFill>
+                <a:latin typeface="+mn-lt"/>
+                <a:ea typeface="+mn-ea"/>
+                <a:cs typeface="+mn-cs"/>
+              </a:defRPr>
+            </a:lvl6pPr>
+            <a:lvl7pPr marL="3200400" indent="-384048" algn="l" defTabSz="914400" rtl="0" eaLnBrk="1" latinLnBrk="0" hangingPunct="1">
+              <a:lnSpc>
+                <a:spcPct val="94000"/>
+              </a:lnSpc>
+              <a:spcBef>
+                <a:spcPts val="500"/>
+              </a:spcBef>
+              <a:spcAft>
+                <a:spcPts val="200"/>
+              </a:spcAft>
+              <a:buFont typeface="Franklin Gothic Book" panose="020B0503020102020204" pitchFamily="34" charset="0"/>
+              <a:buChar char="■"/>
+              <a:defRPr sz="1400" kern="1200" baseline="0">
+                <a:solidFill>
+                  <a:schemeClr val="tx2"/>
+                </a:solidFill>
+                <a:latin typeface="+mn-lt"/>
+                <a:ea typeface="+mn-ea"/>
+                <a:cs typeface="+mn-cs"/>
+              </a:defRPr>
+            </a:lvl7pPr>
+            <a:lvl8pPr marL="3657600" indent="-384048" algn="l" defTabSz="914400" rtl="0" eaLnBrk="1" latinLnBrk="0" hangingPunct="1">
+              <a:lnSpc>
+                <a:spcPct val="94000"/>
+              </a:lnSpc>
+              <a:spcBef>
+                <a:spcPts val="500"/>
+              </a:spcBef>
+              <a:spcAft>
+                <a:spcPts val="200"/>
+              </a:spcAft>
+              <a:buFont typeface="Franklin Gothic Book" panose="020B0503020102020204" pitchFamily="34" charset="0"/>
+              <a:buChar char="–"/>
+              <a:defRPr sz="1400" i="1" kern="1200" baseline="0">
+                <a:solidFill>
+                  <a:schemeClr val="tx2"/>
+                </a:solidFill>
+                <a:latin typeface="+mn-lt"/>
+                <a:ea typeface="+mn-ea"/>
+                <a:cs typeface="+mn-cs"/>
+              </a:defRPr>
+            </a:lvl8pPr>
+            <a:lvl9pPr marL="4114800" indent="-384048" algn="l" defTabSz="914400" rtl="0" eaLnBrk="1" latinLnBrk="0" hangingPunct="1">
+              <a:lnSpc>
+                <a:spcPct val="94000"/>
+              </a:lnSpc>
+              <a:spcBef>
+                <a:spcPts val="500"/>
+              </a:spcBef>
+              <a:spcAft>
+                <a:spcPts val="200"/>
+              </a:spcAft>
+              <a:buFont typeface="Franklin Gothic Book" panose="020B0503020102020204" pitchFamily="34" charset="0"/>
+              <a:buChar char="■"/>
+              <a:defRPr sz="1400" kern="1200" baseline="0">
+                <a:solidFill>
+                  <a:schemeClr val="tx2"/>
+                </a:solidFill>
+                <a:latin typeface="+mn-lt"/>
+                <a:ea typeface="+mn-ea"/>
+                <a:cs typeface="+mn-cs"/>
+              </a:defRPr>
+            </a:lvl9pPr>
+          </a:lstStyle>
+          <a:p>
+            <a:pPr>
+              <a:lnSpc>
+                <a:spcPct val="104000"/>
+              </a:lnSpc>
+            </a:pPr>
+            <a:endParaRPr lang="en-US" dirty="0"/>
+          </a:p>
+        </p:txBody>
+      </p:sp>
+    </p:spTree>
+    <p:extLst>
+      <p:ext uri="{BB962C8B-B14F-4D97-AF65-F5344CB8AC3E}">
+        <p14:creationId xmlns:p14="http://schemas.microsoft.com/office/powerpoint/2010/main" val="3045243935"/>
       </p:ext>
     </p:extLst>
   </p:cSld>
@@ -11497,7 +12163,7 @@
           <p:cNvPr id="4" name="Inhaltsplatzhalter 3">
             <a:extLst>
               <a:ext uri="{FF2B5EF4-FFF2-40B4-BE49-F238E27FC236}">
-                <a16:creationId xmlns:a16="http://schemas.microsoft.com/office/drawing/2014/main" id="{7F4D160A-FA8C-B04A-AC64-3209C29789D4}"/>
+                <a16:creationId xmlns:a16="http://schemas.microsoft.com/office/drawing/2014/main" id="{4B93F879-7986-354B-B92A-B420E9D0A153}"/>
               </a:ext>
             </a:extLst>
           </p:cNvPr>
@@ -11513,45 +12179,26 @@
           <a:bodyPr/>
           <a:lstStyle/>
           <a:p>
-            <a:pPr>
-              <a:lnSpc>
-                <a:spcPct val="104000"/>
-              </a:lnSpc>
+            <a:pPr marL="0" indent="0">
+              <a:buNone/>
             </a:pPr>
             <a:r>
-              <a:rPr lang="en-US" dirty="0"/>
-              <a:t>When using enough training data classical Machine Learning methods are as good as our neural network baseline (unchanged vs </a:t>
-            </a:r>
-            <a:r>
-              <a:rPr lang="en-US" dirty="0" err="1"/>
-              <a:t>undersampled</a:t>
-            </a:r>
-            <a:r>
-              <a:rPr lang="en-US" dirty="0"/>
-              <a:t>)</a:t>
-            </a:r>
-          </a:p>
-          <a:p>
-            <a:pPr>
-              <a:lnSpc>
-                <a:spcPct val="104000"/>
-              </a:lnSpc>
-            </a:pPr>
-            <a:r>
-              <a:rPr lang="en-US" dirty="0"/>
-              <a:t>The classical methods are highly optimized and have little room for further improvement, whereas neural network based approaches have more room for improvement</a:t>
-            </a:r>
-          </a:p>
-          <a:p>
-            <a:pPr>
-              <a:lnSpc>
-                <a:spcPct val="104000"/>
-              </a:lnSpc>
-            </a:pPr>
-            <a:r>
-              <a:rPr lang="en-US" dirty="0"/>
-              <a:t>The creation of artificial instances in oversampling leads to worse results</a:t>
-            </a:r>
+              <a:rPr lang="de-DE" b="1" u="sng" dirty="0"/>
+              <a:t>Feature </a:t>
+            </a:r>
+            <a:r>
+              <a:rPr lang="de-DE" b="1" u="sng" dirty="0" err="1"/>
+              <a:t>importances</a:t>
+            </a:r>
+            <a:r>
+              <a:rPr lang="de-DE" b="1" u="sng" dirty="0"/>
+              <a:t> per </a:t>
+            </a:r>
+            <a:r>
+              <a:rPr lang="de-DE" b="1" u="sng" dirty="0" err="1"/>
+              <a:t>classifier</a:t>
+            </a:r>
+            <a:endParaRPr lang="de-DE" b="1" u="sng" dirty="0"/>
           </a:p>
         </p:txBody>
       </p:sp>
@@ -11585,302 +12232,10 @@
           </a:p>
         </p:txBody>
       </p:sp>
-      <p:sp>
-        <p:nvSpPr>
-          <p:cNvPr id="5" name="Textfeld 4">
-            <a:extLst>
-              <a:ext uri="{FF2B5EF4-FFF2-40B4-BE49-F238E27FC236}">
-                <a16:creationId xmlns:a16="http://schemas.microsoft.com/office/drawing/2014/main" id="{A96B8871-CA12-4242-8DE7-76D2607D98DB}"/>
-              </a:ext>
-            </a:extLst>
-          </p:cNvPr>
-          <p:cNvSpPr txBox="1"/>
-          <p:nvPr/>
-        </p:nvSpPr>
-        <p:spPr>
-          <a:xfrm>
-            <a:off x="3548270" y="3856501"/>
-            <a:ext cx="184731" cy="369332"/>
-          </a:xfrm>
-          <a:prstGeom prst="rect">
-            <a:avLst/>
-          </a:prstGeom>
-          <a:noFill/>
-        </p:spPr>
-        <p:txBody>
-          <a:bodyPr wrap="none" rtlCol="0">
-            <a:spAutoFit/>
-          </a:bodyPr>
-          <a:lstStyle/>
-          <a:p>
-            <a:endParaRPr lang="en-US" dirty="0"/>
-          </a:p>
-        </p:txBody>
-      </p:sp>
-      <p:sp>
-        <p:nvSpPr>
-          <p:cNvPr id="6" name="Textfeld 5">
-            <a:extLst>
-              <a:ext uri="{FF2B5EF4-FFF2-40B4-BE49-F238E27FC236}">
-                <a16:creationId xmlns:a16="http://schemas.microsoft.com/office/drawing/2014/main" id="{B0D5C0E6-79C6-AE4B-AFF2-AC25A5E8D0BD}"/>
-              </a:ext>
-            </a:extLst>
-          </p:cNvPr>
-          <p:cNvSpPr txBox="1"/>
-          <p:nvPr/>
-        </p:nvSpPr>
-        <p:spPr>
-          <a:xfrm>
-            <a:off x="2037522" y="3697475"/>
-            <a:ext cx="184731" cy="369332"/>
-          </a:xfrm>
-          <a:prstGeom prst="rect">
-            <a:avLst/>
-          </a:prstGeom>
-          <a:noFill/>
-        </p:spPr>
-        <p:txBody>
-          <a:bodyPr wrap="none" rtlCol="0">
-            <a:spAutoFit/>
-          </a:bodyPr>
-          <a:lstStyle/>
-          <a:p>
-            <a:endParaRPr lang="en-US" dirty="0"/>
-          </a:p>
-        </p:txBody>
-      </p:sp>
-      <p:sp>
-        <p:nvSpPr>
-          <p:cNvPr id="7" name="Inhaltsplatzhalter 2">
-            <a:extLst>
-              <a:ext uri="{FF2B5EF4-FFF2-40B4-BE49-F238E27FC236}">
-                <a16:creationId xmlns:a16="http://schemas.microsoft.com/office/drawing/2014/main" id="{CF34E70F-EA07-8244-9386-CB15268E7A57}"/>
-              </a:ext>
-            </a:extLst>
-          </p:cNvPr>
-          <p:cNvSpPr txBox="1">
-            <a:spLocks/>
-          </p:cNvSpPr>
-          <p:nvPr/>
-        </p:nvSpPr>
-        <p:spPr>
-          <a:xfrm>
-            <a:off x="1653822" y="4302080"/>
-            <a:ext cx="9601200" cy="1977390"/>
-          </a:xfrm>
-          <a:prstGeom prst="rect">
-            <a:avLst/>
-          </a:prstGeom>
-        </p:spPr>
-        <p:txBody>
-          <a:bodyPr vert="horz" lIns="91440" tIns="45720" rIns="91440" bIns="45720" rtlCol="0">
-            <a:normAutofit/>
-          </a:bodyPr>
-          <a:lstStyle>
-            <a:lvl1pPr marL="384048" indent="-384048" algn="l" defTabSz="914400" rtl="0" eaLnBrk="1" latinLnBrk="0" hangingPunct="1">
-              <a:lnSpc>
-                <a:spcPct val="94000"/>
-              </a:lnSpc>
-              <a:spcBef>
-                <a:spcPts val="1000"/>
-              </a:spcBef>
-              <a:spcAft>
-                <a:spcPts val="200"/>
-              </a:spcAft>
-              <a:buFont typeface="Franklin Gothic Book" panose="020B0503020102020204" pitchFamily="34" charset="0"/>
-              <a:buChar char="■"/>
-              <a:defRPr sz="2000" kern="1200" baseline="0">
-                <a:solidFill>
-                  <a:schemeClr val="tx2"/>
-                </a:solidFill>
-                <a:latin typeface="+mn-lt"/>
-                <a:ea typeface="+mn-ea"/>
-                <a:cs typeface="+mn-cs"/>
-              </a:defRPr>
-            </a:lvl1pPr>
-            <a:lvl2pPr marL="914400" indent="-384048" algn="l" defTabSz="914400" rtl="0" eaLnBrk="1" latinLnBrk="0" hangingPunct="1">
-              <a:lnSpc>
-                <a:spcPct val="94000"/>
-              </a:lnSpc>
-              <a:spcBef>
-                <a:spcPts val="500"/>
-              </a:spcBef>
-              <a:spcAft>
-                <a:spcPts val="200"/>
-              </a:spcAft>
-              <a:buFont typeface="Franklin Gothic Book" panose="020B0503020102020204" pitchFamily="34" charset="0"/>
-              <a:buChar char="–"/>
-              <a:defRPr sz="2000" i="1" kern="1200" baseline="0">
-                <a:solidFill>
-                  <a:schemeClr val="tx2"/>
-                </a:solidFill>
-                <a:latin typeface="+mn-lt"/>
-                <a:ea typeface="+mn-ea"/>
-                <a:cs typeface="+mn-cs"/>
-              </a:defRPr>
-            </a:lvl2pPr>
-            <a:lvl3pPr marL="1371600" indent="-384048" algn="l" defTabSz="914400" rtl="0" eaLnBrk="1" latinLnBrk="0" hangingPunct="1">
-              <a:lnSpc>
-                <a:spcPct val="94000"/>
-              </a:lnSpc>
-              <a:spcBef>
-                <a:spcPts val="500"/>
-              </a:spcBef>
-              <a:spcAft>
-                <a:spcPts val="200"/>
-              </a:spcAft>
-              <a:buFont typeface="Franklin Gothic Book" panose="020B0503020102020204" pitchFamily="34" charset="0"/>
-              <a:buChar char="■"/>
-              <a:defRPr sz="1800" kern="1200" baseline="0">
-                <a:solidFill>
-                  <a:schemeClr val="tx2"/>
-                </a:solidFill>
-                <a:latin typeface="+mn-lt"/>
-                <a:ea typeface="+mn-ea"/>
-                <a:cs typeface="+mn-cs"/>
-              </a:defRPr>
-            </a:lvl3pPr>
-            <a:lvl4pPr marL="1828800" indent="-384048" algn="l" defTabSz="914400" rtl="0" eaLnBrk="1" latinLnBrk="0" hangingPunct="1">
-              <a:lnSpc>
-                <a:spcPct val="94000"/>
-              </a:lnSpc>
-              <a:spcBef>
-                <a:spcPts val="500"/>
-              </a:spcBef>
-              <a:spcAft>
-                <a:spcPts val="200"/>
-              </a:spcAft>
-              <a:buFont typeface="Franklin Gothic Book" panose="020B0503020102020204" pitchFamily="34" charset="0"/>
-              <a:buChar char="–"/>
-              <a:defRPr sz="1800" i="1" kern="1200" baseline="0">
-                <a:solidFill>
-                  <a:schemeClr val="tx2"/>
-                </a:solidFill>
-                <a:latin typeface="+mn-lt"/>
-                <a:ea typeface="+mn-ea"/>
-                <a:cs typeface="+mn-cs"/>
-              </a:defRPr>
-            </a:lvl4pPr>
-            <a:lvl5pPr marL="2286000" indent="-384048" algn="l" defTabSz="914400" rtl="0" eaLnBrk="1" latinLnBrk="0" hangingPunct="1">
-              <a:lnSpc>
-                <a:spcPct val="94000"/>
-              </a:lnSpc>
-              <a:spcBef>
-                <a:spcPts val="500"/>
-              </a:spcBef>
-              <a:spcAft>
-                <a:spcPts val="200"/>
-              </a:spcAft>
-              <a:buFont typeface="Franklin Gothic Book" panose="020B0503020102020204" pitchFamily="34" charset="0"/>
-              <a:buChar char="■"/>
-              <a:defRPr sz="1600" kern="1200" baseline="0">
-                <a:solidFill>
-                  <a:schemeClr val="tx2"/>
-                </a:solidFill>
-                <a:latin typeface="+mn-lt"/>
-                <a:ea typeface="+mn-ea"/>
-                <a:cs typeface="+mn-cs"/>
-              </a:defRPr>
-            </a:lvl5pPr>
-            <a:lvl6pPr marL="2743200" indent="-384048" algn="l" defTabSz="914400" rtl="0" eaLnBrk="1" latinLnBrk="0" hangingPunct="1">
-              <a:lnSpc>
-                <a:spcPct val="94000"/>
-              </a:lnSpc>
-              <a:spcBef>
-                <a:spcPts val="500"/>
-              </a:spcBef>
-              <a:spcAft>
-                <a:spcPts val="200"/>
-              </a:spcAft>
-              <a:buFont typeface="Franklin Gothic Book" panose="020B0503020102020204" pitchFamily="34" charset="0"/>
-              <a:buChar char="–"/>
-              <a:defRPr sz="1600" i="1" kern="1200" baseline="0">
-                <a:solidFill>
-                  <a:schemeClr val="tx2"/>
-                </a:solidFill>
-                <a:latin typeface="+mn-lt"/>
-                <a:ea typeface="+mn-ea"/>
-                <a:cs typeface="+mn-cs"/>
-              </a:defRPr>
-            </a:lvl6pPr>
-            <a:lvl7pPr marL="3200400" indent="-384048" algn="l" defTabSz="914400" rtl="0" eaLnBrk="1" latinLnBrk="0" hangingPunct="1">
-              <a:lnSpc>
-                <a:spcPct val="94000"/>
-              </a:lnSpc>
-              <a:spcBef>
-                <a:spcPts val="500"/>
-              </a:spcBef>
-              <a:spcAft>
-                <a:spcPts val="200"/>
-              </a:spcAft>
-              <a:buFont typeface="Franklin Gothic Book" panose="020B0503020102020204" pitchFamily="34" charset="0"/>
-              <a:buChar char="■"/>
-              <a:defRPr sz="1400" kern="1200" baseline="0">
-                <a:solidFill>
-                  <a:schemeClr val="tx2"/>
-                </a:solidFill>
-                <a:latin typeface="+mn-lt"/>
-                <a:ea typeface="+mn-ea"/>
-                <a:cs typeface="+mn-cs"/>
-              </a:defRPr>
-            </a:lvl7pPr>
-            <a:lvl8pPr marL="3657600" indent="-384048" algn="l" defTabSz="914400" rtl="0" eaLnBrk="1" latinLnBrk="0" hangingPunct="1">
-              <a:lnSpc>
-                <a:spcPct val="94000"/>
-              </a:lnSpc>
-              <a:spcBef>
-                <a:spcPts val="500"/>
-              </a:spcBef>
-              <a:spcAft>
-                <a:spcPts val="200"/>
-              </a:spcAft>
-              <a:buFont typeface="Franklin Gothic Book" panose="020B0503020102020204" pitchFamily="34" charset="0"/>
-              <a:buChar char="–"/>
-              <a:defRPr sz="1400" i="1" kern="1200" baseline="0">
-                <a:solidFill>
-                  <a:schemeClr val="tx2"/>
-                </a:solidFill>
-                <a:latin typeface="+mn-lt"/>
-                <a:ea typeface="+mn-ea"/>
-                <a:cs typeface="+mn-cs"/>
-              </a:defRPr>
-            </a:lvl8pPr>
-            <a:lvl9pPr marL="4114800" indent="-384048" algn="l" defTabSz="914400" rtl="0" eaLnBrk="1" latinLnBrk="0" hangingPunct="1">
-              <a:lnSpc>
-                <a:spcPct val="94000"/>
-              </a:lnSpc>
-              <a:spcBef>
-                <a:spcPts val="500"/>
-              </a:spcBef>
-              <a:spcAft>
-                <a:spcPts val="200"/>
-              </a:spcAft>
-              <a:buFont typeface="Franklin Gothic Book" panose="020B0503020102020204" pitchFamily="34" charset="0"/>
-              <a:buChar char="■"/>
-              <a:defRPr sz="1400" kern="1200" baseline="0">
-                <a:solidFill>
-                  <a:schemeClr val="tx2"/>
-                </a:solidFill>
-                <a:latin typeface="+mn-lt"/>
-                <a:ea typeface="+mn-ea"/>
-                <a:cs typeface="+mn-cs"/>
-              </a:defRPr>
-            </a:lvl9pPr>
-          </a:lstStyle>
-          <a:p>
-            <a:pPr>
-              <a:lnSpc>
-                <a:spcPct val="104000"/>
-              </a:lnSpc>
-            </a:pPr>
-            <a:endParaRPr lang="en-US" dirty="0"/>
-          </a:p>
-        </p:txBody>
-      </p:sp>
     </p:spTree>
     <p:extLst>
       <p:ext uri="{BB962C8B-B14F-4D97-AF65-F5344CB8AC3E}">
-        <p14:creationId xmlns:p14="http://schemas.microsoft.com/office/powerpoint/2010/main" val="3045243935"/>
+        <p14:creationId xmlns:p14="http://schemas.microsoft.com/office/powerpoint/2010/main" val="1157228083"/>
       </p:ext>
     </p:extLst>
   </p:cSld>

--- a/docs/presentation/presentation-slides.pptx
+++ b/docs/presentation/presentation-slides.pptx
@@ -5,7 +5,7 @@
     <p:sldMasterId id="2147483735" r:id="rId1"/>
   </p:sldMasterIdLst>
   <p:notesMasterIdLst>
-    <p:notesMasterId r:id="rId15"/>
+    <p:notesMasterId r:id="rId16"/>
   </p:notesMasterIdLst>
   <p:sldIdLst>
     <p:sldId id="256" r:id="rId2"/>
@@ -15,12 +15,13 @@
     <p:sldId id="264" r:id="rId6"/>
     <p:sldId id="271" r:id="rId7"/>
     <p:sldId id="269" r:id="rId8"/>
-    <p:sldId id="262" r:id="rId9"/>
-    <p:sldId id="270" r:id="rId10"/>
-    <p:sldId id="268" r:id="rId11"/>
-    <p:sldId id="260" r:id="rId12"/>
-    <p:sldId id="267" r:id="rId13"/>
-    <p:sldId id="272" r:id="rId14"/>
+    <p:sldId id="273" r:id="rId9"/>
+    <p:sldId id="274" r:id="rId10"/>
+    <p:sldId id="275" r:id="rId11"/>
+    <p:sldId id="276" r:id="rId12"/>
+    <p:sldId id="260" r:id="rId13"/>
+    <p:sldId id="267" r:id="rId14"/>
+    <p:sldId id="272" r:id="rId15"/>
   </p:sldIdLst>
   <p:sldSz cx="12192000" cy="6858000"/>
   <p:notesSz cx="6858000" cy="9144000"/>
@@ -630,6 +631,359 @@
 </p:notes>
 </file>
 
+<file path=ppt/notesSlides/notesSlide10.xml><?xml version="1.0" encoding="utf-8"?>
+<p:notes xmlns:a="http://schemas.openxmlformats.org/drawingml/2006/main" xmlns:r="http://schemas.openxmlformats.org/officeDocument/2006/relationships" xmlns:p="http://schemas.openxmlformats.org/presentationml/2006/main">
+  <p:cSld>
+    <p:spTree>
+      <p:nvGrpSpPr>
+        <p:cNvPr id="1" name=""/>
+        <p:cNvGrpSpPr/>
+        <p:nvPr/>
+      </p:nvGrpSpPr>
+      <p:grpSpPr>
+        <a:xfrm>
+          <a:off x="0" y="0"/>
+          <a:ext cx="0" cy="0"/>
+          <a:chOff x="0" y="0"/>
+          <a:chExt cx="0" cy="0"/>
+        </a:xfrm>
+      </p:grpSpPr>
+      <p:sp>
+        <p:nvSpPr>
+          <p:cNvPr id="2" name="Slide Image Placeholder 1"/>
+          <p:cNvSpPr>
+            <a:spLocks noGrp="1" noRot="1" noChangeAspect="1"/>
+          </p:cNvSpPr>
+          <p:nvPr>
+            <p:ph type="sldImg"/>
+          </p:nvPr>
+        </p:nvSpPr>
+        <p:spPr/>
+      </p:sp>
+      <p:sp>
+        <p:nvSpPr>
+          <p:cNvPr id="3" name="Notes Placeholder 2"/>
+          <p:cNvSpPr>
+            <a:spLocks noGrp="1"/>
+          </p:cNvSpPr>
+          <p:nvPr>
+            <p:ph type="body" idx="1"/>
+          </p:nvPr>
+        </p:nvSpPr>
+        <p:spPr/>
+        <p:txBody>
+          <a:bodyPr/>
+          <a:lstStyle/>
+          <a:p>
+            <a:pPr marL="171450" indent="-171450">
+              <a:buFont typeface="Arial" panose="020B0604020202020204" pitchFamily="34" charset="0"/>
+              <a:buChar char="•"/>
+            </a:pPr>
+            <a:r>
+              <a:rPr lang="de-DE" dirty="0" err="1"/>
+              <a:t>Unigrams</a:t>
+            </a:r>
+            <a:r>
+              <a:rPr lang="de-DE" dirty="0"/>
+              <a:t>: </a:t>
+            </a:r>
+            <a:r>
+              <a:rPr lang="de-DE" dirty="0" err="1"/>
+              <a:t>see</a:t>
+            </a:r>
+            <a:r>
+              <a:rPr lang="de-DE" dirty="0"/>
+              <a:t> </a:t>
+            </a:r>
+            <a:r>
+              <a:rPr lang="de-DE" dirty="0" err="1"/>
+              <a:t>word</a:t>
+            </a:r>
+            <a:r>
+              <a:rPr lang="de-DE" dirty="0"/>
+              <a:t> </a:t>
+            </a:r>
+            <a:r>
+              <a:rPr lang="de-DE" dirty="0" err="1"/>
+              <a:t>cloud</a:t>
+            </a:r>
+            <a:endParaRPr lang="de-DE" dirty="0"/>
+          </a:p>
+          <a:p>
+            <a:pPr marL="171450" indent="-171450">
+              <a:buFont typeface="Arial" panose="020B0604020202020204" pitchFamily="34" charset="0"/>
+              <a:buChar char="•"/>
+            </a:pPr>
+            <a:r>
+              <a:rPr lang="de-DE" dirty="0" err="1"/>
+              <a:t>Bigrams</a:t>
+            </a:r>
+            <a:r>
+              <a:rPr lang="de-DE" dirty="0"/>
+              <a:t>: </a:t>
+            </a:r>
+            <a:r>
+              <a:rPr lang="de-DE" dirty="0" err="1"/>
+              <a:t>white</a:t>
+            </a:r>
+            <a:r>
+              <a:rPr lang="de-DE" dirty="0"/>
+              <a:t> </a:t>
+            </a:r>
+            <a:r>
+              <a:rPr lang="de-DE" dirty="0" err="1"/>
+              <a:t>trash</a:t>
+            </a:r>
+            <a:r>
+              <a:rPr lang="de-DE" dirty="0"/>
+              <a:t>, </a:t>
+            </a:r>
+            <a:r>
+              <a:rPr lang="de-DE" dirty="0" err="1"/>
+              <a:t>look</a:t>
+            </a:r>
+            <a:r>
+              <a:rPr lang="de-DE" dirty="0"/>
+              <a:t> like, </a:t>
+            </a:r>
+            <a:r>
+              <a:rPr lang="de-DE" dirty="0" err="1"/>
+              <a:t>ass</a:t>
+            </a:r>
+            <a:r>
+              <a:rPr lang="de-DE" dirty="0"/>
+              <a:t> </a:t>
+            </a:r>
+            <a:r>
+              <a:rPr lang="de-DE" dirty="0" err="1"/>
+              <a:t>nigga</a:t>
+            </a:r>
+            <a:endParaRPr lang="de-DE" dirty="0"/>
+          </a:p>
+          <a:p>
+            <a:pPr marL="171450" indent="-171450">
+              <a:buFont typeface="Arial" panose="020B0604020202020204" pitchFamily="34" charset="0"/>
+              <a:buChar char="•"/>
+            </a:pPr>
+            <a:r>
+              <a:rPr lang="en-US" dirty="0"/>
+              <a:t>Trigrams: Bitch ass nigga, </a:t>
+            </a:r>
+            <a:r>
+              <a:rPr lang="en-US" dirty="0" err="1"/>
+              <a:t>pussi</a:t>
+            </a:r>
+            <a:r>
+              <a:rPr lang="en-US" dirty="0"/>
+              <a:t> ass nigga</a:t>
+            </a:r>
+          </a:p>
+        </p:txBody>
+      </p:sp>
+      <p:sp>
+        <p:nvSpPr>
+          <p:cNvPr id="4" name="Slide Number Placeholder 3"/>
+          <p:cNvSpPr>
+            <a:spLocks noGrp="1"/>
+          </p:cNvSpPr>
+          <p:nvPr>
+            <p:ph type="sldNum" sz="quarter" idx="5"/>
+          </p:nvPr>
+        </p:nvSpPr>
+        <p:spPr/>
+        <p:txBody>
+          <a:bodyPr/>
+          <a:lstStyle/>
+          <a:p>
+            <a:fld id="{8B7D652E-761C-174B-A3C6-02EDDB5AE9DD}" type="slidenum">
+              <a:rPr lang="de-DE" smtClean="0"/>
+              <a:t>10</a:t>
+            </a:fld>
+            <a:endParaRPr lang="de-DE"/>
+          </a:p>
+        </p:txBody>
+      </p:sp>
+    </p:spTree>
+    <p:extLst>
+      <p:ext uri="{BB962C8B-B14F-4D97-AF65-F5344CB8AC3E}">
+        <p14:creationId xmlns:p14="http://schemas.microsoft.com/office/powerpoint/2010/main" val="1939394481"/>
+      </p:ext>
+    </p:extLst>
+  </p:cSld>
+  <p:clrMapOvr>
+    <a:masterClrMapping/>
+  </p:clrMapOvr>
+</p:notes>
+</file>
+
+<file path=ppt/notesSlides/notesSlide11.xml><?xml version="1.0" encoding="utf-8"?>
+<p:notes xmlns:a="http://schemas.openxmlformats.org/drawingml/2006/main" xmlns:r="http://schemas.openxmlformats.org/officeDocument/2006/relationships" xmlns:p="http://schemas.openxmlformats.org/presentationml/2006/main">
+  <p:cSld>
+    <p:spTree>
+      <p:nvGrpSpPr>
+        <p:cNvPr id="1" name=""/>
+        <p:cNvGrpSpPr/>
+        <p:nvPr/>
+      </p:nvGrpSpPr>
+      <p:grpSpPr>
+        <a:xfrm>
+          <a:off x="0" y="0"/>
+          <a:ext cx="0" cy="0"/>
+          <a:chOff x="0" y="0"/>
+          <a:chExt cx="0" cy="0"/>
+        </a:xfrm>
+      </p:grpSpPr>
+      <p:sp>
+        <p:nvSpPr>
+          <p:cNvPr id="2" name="Slide Image Placeholder 1"/>
+          <p:cNvSpPr>
+            <a:spLocks noGrp="1" noRot="1" noChangeAspect="1"/>
+          </p:cNvSpPr>
+          <p:nvPr>
+            <p:ph type="sldImg"/>
+          </p:nvPr>
+        </p:nvSpPr>
+        <p:spPr/>
+      </p:sp>
+      <p:sp>
+        <p:nvSpPr>
+          <p:cNvPr id="3" name="Notes Placeholder 2"/>
+          <p:cNvSpPr>
+            <a:spLocks noGrp="1"/>
+          </p:cNvSpPr>
+          <p:nvPr>
+            <p:ph type="body" idx="1"/>
+          </p:nvPr>
+        </p:nvSpPr>
+        <p:spPr/>
+        <p:txBody>
+          <a:bodyPr/>
+          <a:lstStyle/>
+          <a:p>
+            <a:endParaRPr lang="en-US" dirty="0"/>
+          </a:p>
+        </p:txBody>
+      </p:sp>
+      <p:sp>
+        <p:nvSpPr>
+          <p:cNvPr id="4" name="Slide Number Placeholder 3"/>
+          <p:cNvSpPr>
+            <a:spLocks noGrp="1"/>
+          </p:cNvSpPr>
+          <p:nvPr>
+            <p:ph type="sldNum" sz="quarter" idx="5"/>
+          </p:nvPr>
+        </p:nvSpPr>
+        <p:spPr/>
+        <p:txBody>
+          <a:bodyPr/>
+          <a:lstStyle/>
+          <a:p>
+            <a:fld id="{8B7D652E-761C-174B-A3C6-02EDDB5AE9DD}" type="slidenum">
+              <a:rPr lang="de-DE" smtClean="0"/>
+              <a:t>11</a:t>
+            </a:fld>
+            <a:endParaRPr lang="de-DE"/>
+          </a:p>
+        </p:txBody>
+      </p:sp>
+    </p:spTree>
+    <p:extLst>
+      <p:ext uri="{BB962C8B-B14F-4D97-AF65-F5344CB8AC3E}">
+        <p14:creationId xmlns:p14="http://schemas.microsoft.com/office/powerpoint/2010/main" val="826309935"/>
+      </p:ext>
+    </p:extLst>
+  </p:cSld>
+  <p:clrMapOvr>
+    <a:masterClrMapping/>
+  </p:clrMapOvr>
+</p:notes>
+</file>
+
+<file path=ppt/notesSlides/notesSlide12.xml><?xml version="1.0" encoding="utf-8"?>
+<p:notes xmlns:a="http://schemas.openxmlformats.org/drawingml/2006/main" xmlns:r="http://schemas.openxmlformats.org/officeDocument/2006/relationships" xmlns:p="http://schemas.openxmlformats.org/presentationml/2006/main">
+  <p:cSld>
+    <p:spTree>
+      <p:nvGrpSpPr>
+        <p:cNvPr id="1" name=""/>
+        <p:cNvGrpSpPr/>
+        <p:nvPr/>
+      </p:nvGrpSpPr>
+      <p:grpSpPr>
+        <a:xfrm>
+          <a:off x="0" y="0"/>
+          <a:ext cx="0" cy="0"/>
+          <a:chOff x="0" y="0"/>
+          <a:chExt cx="0" cy="0"/>
+        </a:xfrm>
+      </p:grpSpPr>
+      <p:sp>
+        <p:nvSpPr>
+          <p:cNvPr id="2" name="Slide Image Placeholder 1"/>
+          <p:cNvSpPr>
+            <a:spLocks noGrp="1" noRot="1" noChangeAspect="1"/>
+          </p:cNvSpPr>
+          <p:nvPr>
+            <p:ph type="sldImg"/>
+          </p:nvPr>
+        </p:nvSpPr>
+        <p:spPr/>
+      </p:sp>
+      <p:sp>
+        <p:nvSpPr>
+          <p:cNvPr id="3" name="Notes Placeholder 2"/>
+          <p:cNvSpPr>
+            <a:spLocks noGrp="1"/>
+          </p:cNvSpPr>
+          <p:nvPr>
+            <p:ph type="body" idx="1"/>
+          </p:nvPr>
+        </p:nvSpPr>
+        <p:spPr/>
+        <p:txBody>
+          <a:bodyPr/>
+          <a:lstStyle/>
+          <a:p>
+            <a:endParaRPr lang="en-US" dirty="0"/>
+          </a:p>
+        </p:txBody>
+      </p:sp>
+      <p:sp>
+        <p:nvSpPr>
+          <p:cNvPr id="4" name="Slide Number Placeholder 3"/>
+          <p:cNvSpPr>
+            <a:spLocks noGrp="1"/>
+          </p:cNvSpPr>
+          <p:nvPr>
+            <p:ph type="sldNum" sz="quarter" idx="5"/>
+          </p:nvPr>
+        </p:nvSpPr>
+        <p:spPr/>
+        <p:txBody>
+          <a:bodyPr/>
+          <a:lstStyle/>
+          <a:p>
+            <a:fld id="{8B7D652E-761C-174B-A3C6-02EDDB5AE9DD}" type="slidenum">
+              <a:rPr lang="de-DE" smtClean="0"/>
+              <a:t>12</a:t>
+            </a:fld>
+            <a:endParaRPr lang="de-DE"/>
+          </a:p>
+        </p:txBody>
+      </p:sp>
+    </p:spTree>
+    <p:extLst>
+      <p:ext uri="{BB962C8B-B14F-4D97-AF65-F5344CB8AC3E}">
+        <p14:creationId xmlns:p14="http://schemas.microsoft.com/office/powerpoint/2010/main" val="4184609428"/>
+      </p:ext>
+    </p:extLst>
+  </p:cSld>
+  <p:clrMapOvr>
+    <a:masterClrMapping/>
+  </p:clrMapOvr>
+</p:notes>
+</file>
+
 <file path=ppt/notesSlides/notesSlide2.xml><?xml version="1.0" encoding="utf-8"?>
 <p:notes xmlns:a="http://schemas.openxmlformats.org/drawingml/2006/main" xmlns:r="http://schemas.openxmlformats.org/officeDocument/2006/relationships" xmlns:p="http://schemas.openxmlformats.org/presentationml/2006/main">
   <p:cSld>
@@ -1254,14 +1608,17 @@
               <a:buFont typeface="Arial" panose="020B0604020202020204" pitchFamily="34" charset="0"/>
               <a:buChar char="•"/>
             </a:pPr>
-            <a:endParaRPr lang="en-US" sz="1200" b="0" i="0" u="none" strike="noStrike" kern="1200" baseline="0" dirty="0">
-              <a:solidFill>
-                <a:schemeClr val="tx1"/>
-              </a:solidFill>
-              <a:latin typeface="+mn-lt"/>
-              <a:ea typeface="+mn-ea"/>
-              <a:cs typeface="+mn-cs"/>
-            </a:endParaRPr>
+            <a:r>
+              <a:rPr lang="en-US" sz="1200" b="0" i="0" u="none" strike="noStrike" kern="1200" baseline="0" dirty="0">
+                <a:solidFill>
+                  <a:schemeClr val="tx1"/>
+                </a:solidFill>
+                <a:latin typeface="+mn-lt"/>
+                <a:ea typeface="+mn-ea"/>
+                <a:cs typeface="+mn-cs"/>
+              </a:rPr>
+              <a:t>Classifiers chosen from the papers on the next page</a:t>
+            </a:r>
           </a:p>
           <a:p>
             <a:pPr marL="171450" indent="-171450">
@@ -1588,6 +1945,53 @@
           <a:lstStyle/>
           <a:p>
             <a:pPr marL="171450" indent="-171450">
+              <a:lnSpc>
+                <a:spcPct val="104000"/>
+              </a:lnSpc>
+              <a:buFont typeface="Arial" panose="020B0604020202020204" pitchFamily="34" charset="0"/>
+              <a:buChar char="•"/>
+            </a:pPr>
+            <a:r>
+              <a:rPr lang="en-US" dirty="0"/>
+              <a:t>When using enough training data classical Machine Learning methods are as good as our neural network baseline (unchanged vs </a:t>
+            </a:r>
+            <a:r>
+              <a:rPr lang="en-US" dirty="0" err="1"/>
+              <a:t>undersampled</a:t>
+            </a:r>
+            <a:r>
+              <a:rPr lang="en-US" dirty="0"/>
+              <a:t>)</a:t>
+            </a:r>
+          </a:p>
+          <a:p>
+            <a:pPr marL="171450" indent="-171450">
+              <a:lnSpc>
+                <a:spcPct val="104000"/>
+              </a:lnSpc>
+              <a:buFont typeface="Arial" panose="020B0604020202020204" pitchFamily="34" charset="0"/>
+              <a:buChar char="•"/>
+            </a:pPr>
+            <a:r>
+              <a:rPr lang="en-US" dirty="0"/>
+              <a:t>The classical methods are highly optimized and have little room for further improvement, whereas neural network based approaches have more room for improvement</a:t>
+            </a:r>
+          </a:p>
+          <a:p>
+            <a:pPr marL="171450" indent="-171450">
+              <a:lnSpc>
+                <a:spcPct val="104000"/>
+              </a:lnSpc>
+              <a:buFont typeface="Arial" panose="020B0604020202020204" pitchFamily="34" charset="0"/>
+              <a:buChar char="•"/>
+            </a:pPr>
+            <a:r>
+              <a:rPr lang="en-US" dirty="0"/>
+              <a:t>The creation of artificial instances in oversampling leads to worse results</a:t>
+            </a:r>
+          </a:p>
+          <a:p>
+            <a:pPr marL="171450" indent="-171450">
               <a:buFont typeface="Arial" panose="020B0604020202020204" pitchFamily="34" charset="0"/>
               <a:buChar char="•"/>
             </a:pPr>
@@ -1622,6 +2026,508 @@
     <p:extLst>
       <p:ext uri="{BB962C8B-B14F-4D97-AF65-F5344CB8AC3E}">
         <p14:creationId xmlns:p14="http://schemas.microsoft.com/office/powerpoint/2010/main" val="2117875083"/>
+      </p:ext>
+    </p:extLst>
+  </p:cSld>
+  <p:clrMapOvr>
+    <a:masterClrMapping/>
+  </p:clrMapOvr>
+</p:notes>
+</file>
+
+<file path=ppt/notesSlides/notesSlide8.xml><?xml version="1.0" encoding="utf-8"?>
+<p:notes xmlns:a="http://schemas.openxmlformats.org/drawingml/2006/main" xmlns:r="http://schemas.openxmlformats.org/officeDocument/2006/relationships" xmlns:p="http://schemas.openxmlformats.org/presentationml/2006/main">
+  <p:cSld>
+    <p:spTree>
+      <p:nvGrpSpPr>
+        <p:cNvPr id="1" name=""/>
+        <p:cNvGrpSpPr/>
+        <p:nvPr/>
+      </p:nvGrpSpPr>
+      <p:grpSpPr>
+        <a:xfrm>
+          <a:off x="0" y="0"/>
+          <a:ext cx="0" cy="0"/>
+          <a:chOff x="0" y="0"/>
+          <a:chExt cx="0" cy="0"/>
+        </a:xfrm>
+      </p:grpSpPr>
+      <p:sp>
+        <p:nvSpPr>
+          <p:cNvPr id="2" name="Slide Image Placeholder 1"/>
+          <p:cNvSpPr>
+            <a:spLocks noGrp="1" noRot="1" noChangeAspect="1"/>
+          </p:cNvSpPr>
+          <p:nvPr>
+            <p:ph type="sldImg"/>
+          </p:nvPr>
+        </p:nvSpPr>
+        <p:spPr/>
+      </p:sp>
+      <p:sp>
+        <p:nvSpPr>
+          <p:cNvPr id="3" name="Notes Placeholder 2"/>
+          <p:cNvSpPr>
+            <a:spLocks noGrp="1"/>
+          </p:cNvSpPr>
+          <p:nvPr>
+            <p:ph type="body" idx="1"/>
+          </p:nvPr>
+        </p:nvSpPr>
+        <p:spPr/>
+        <p:txBody>
+          <a:bodyPr/>
+          <a:lstStyle/>
+          <a:p>
+            <a:pPr marL="171450" indent="-171450">
+              <a:buFont typeface="Arial" panose="020B0604020202020204" pitchFamily="34" charset="0"/>
+              <a:buChar char="•"/>
+            </a:pPr>
+            <a:r>
+              <a:rPr lang="de-DE" dirty="0" err="1"/>
+              <a:t>Semantic</a:t>
+            </a:r>
+            <a:r>
+              <a:rPr lang="de-DE" dirty="0"/>
+              <a:t> </a:t>
+            </a:r>
+            <a:r>
+              <a:rPr lang="de-DE" dirty="0" err="1"/>
+              <a:t>features</a:t>
+            </a:r>
+            <a:r>
+              <a:rPr lang="de-DE" dirty="0"/>
+              <a:t> do not </a:t>
+            </a:r>
+            <a:r>
+              <a:rPr lang="de-DE" dirty="0" err="1"/>
+              <a:t>signify</a:t>
+            </a:r>
+            <a:r>
+              <a:rPr lang="de-DE" dirty="0"/>
+              <a:t> </a:t>
+            </a:r>
+            <a:r>
+              <a:rPr lang="de-DE" dirty="0" err="1"/>
+              <a:t>whether</a:t>
+            </a:r>
+            <a:r>
+              <a:rPr lang="de-DE" dirty="0"/>
+              <a:t> a </a:t>
+            </a:r>
+            <a:r>
+              <a:rPr lang="de-DE" dirty="0" err="1"/>
+              <a:t>post</a:t>
+            </a:r>
+            <a:r>
+              <a:rPr lang="de-DE" dirty="0"/>
+              <a:t> </a:t>
+            </a:r>
+            <a:r>
+              <a:rPr lang="de-DE" dirty="0" err="1"/>
+              <a:t>is</a:t>
+            </a:r>
+            <a:r>
+              <a:rPr lang="de-DE" dirty="0"/>
+              <a:t> </a:t>
+            </a:r>
+            <a:r>
+              <a:rPr lang="de-DE" dirty="0" err="1"/>
+              <a:t>hate</a:t>
+            </a:r>
+            <a:r>
+              <a:rPr lang="de-DE" dirty="0"/>
+              <a:t> </a:t>
+            </a:r>
+            <a:r>
+              <a:rPr lang="de-DE" dirty="0" err="1"/>
+              <a:t>speech</a:t>
+            </a:r>
+            <a:r>
+              <a:rPr lang="de-DE" dirty="0"/>
+              <a:t> </a:t>
+            </a:r>
+            <a:r>
+              <a:rPr lang="de-DE" dirty="0" err="1"/>
+              <a:t>or</a:t>
+            </a:r>
+            <a:r>
+              <a:rPr lang="de-DE" dirty="0"/>
+              <a:t> not, </a:t>
+            </a:r>
+            <a:r>
+              <a:rPr lang="de-DE" dirty="0" err="1"/>
+              <a:t>only</a:t>
+            </a:r>
+            <a:r>
+              <a:rPr lang="de-DE" dirty="0"/>
+              <a:t> </a:t>
+            </a:r>
+            <a:r>
+              <a:rPr lang="de-DE" dirty="0" err="1"/>
+              <a:t>maybe</a:t>
+            </a:r>
+            <a:r>
+              <a:rPr lang="de-DE" dirty="0"/>
+              <a:t> </a:t>
+            </a:r>
+            <a:r>
+              <a:rPr lang="de-DE" dirty="0" err="1"/>
+              <a:t>the</a:t>
+            </a:r>
+            <a:r>
+              <a:rPr lang="de-DE" dirty="0"/>
+              <a:t> total </a:t>
+            </a:r>
+            <a:r>
+              <a:rPr lang="de-DE" dirty="0" err="1"/>
+              <a:t>number</a:t>
+            </a:r>
+            <a:r>
+              <a:rPr lang="de-DE" dirty="0"/>
+              <a:t> </a:t>
+            </a:r>
+            <a:r>
+              <a:rPr lang="de-DE" dirty="0" err="1"/>
+              <a:t>of</a:t>
+            </a:r>
+            <a:r>
+              <a:rPr lang="de-DE" dirty="0"/>
+              <a:t> </a:t>
+            </a:r>
+            <a:r>
+              <a:rPr lang="de-DE" dirty="0" err="1"/>
+              <a:t>words</a:t>
+            </a:r>
+            <a:r>
+              <a:rPr lang="de-DE" dirty="0"/>
+              <a:t> (</a:t>
+            </a:r>
+            <a:r>
+              <a:rPr lang="de-DE" dirty="0" err="1"/>
+              <a:t>hate</a:t>
+            </a:r>
+            <a:r>
+              <a:rPr lang="de-DE" dirty="0"/>
+              <a:t> </a:t>
+            </a:r>
+            <a:r>
+              <a:rPr lang="de-DE" dirty="0" err="1"/>
+              <a:t>speech</a:t>
+            </a:r>
+            <a:r>
+              <a:rPr lang="de-DE" dirty="0"/>
+              <a:t> </a:t>
+            </a:r>
+            <a:r>
+              <a:rPr lang="de-DE" dirty="0" err="1"/>
+              <a:t>contains</a:t>
+            </a:r>
+            <a:r>
+              <a:rPr lang="de-DE" dirty="0"/>
+              <a:t> </a:t>
+            </a:r>
+            <a:r>
+              <a:rPr lang="de-DE" dirty="0" err="1"/>
+              <a:t>more</a:t>
+            </a:r>
+            <a:r>
+              <a:rPr lang="de-DE" dirty="0"/>
+              <a:t> </a:t>
+            </a:r>
+            <a:r>
+              <a:rPr lang="de-DE" dirty="0" err="1"/>
+              <a:t>words</a:t>
+            </a:r>
+            <a:r>
+              <a:rPr lang="de-DE" dirty="0"/>
+              <a:t> per </a:t>
+            </a:r>
+            <a:r>
+              <a:rPr lang="de-DE" dirty="0" err="1"/>
+              <a:t>sentence</a:t>
+            </a:r>
+            <a:r>
+              <a:rPr lang="de-DE" dirty="0"/>
+              <a:t>)</a:t>
+            </a:r>
+          </a:p>
+          <a:p>
+            <a:pPr marL="171450" indent="-171450">
+              <a:buFont typeface="Arial" panose="020B0604020202020204" pitchFamily="34" charset="0"/>
+              <a:buChar char="•"/>
+            </a:pPr>
+            <a:r>
+              <a:rPr lang="de-DE" dirty="0" err="1"/>
+              <a:t>Tendency</a:t>
+            </a:r>
+            <a:r>
+              <a:rPr lang="de-DE" dirty="0"/>
+              <a:t> </a:t>
+            </a:r>
+            <a:r>
+              <a:rPr lang="de-DE" dirty="0" err="1"/>
+              <a:t>for</a:t>
+            </a:r>
+            <a:r>
+              <a:rPr lang="de-DE" dirty="0"/>
+              <a:t> </a:t>
+            </a:r>
+            <a:r>
+              <a:rPr lang="de-DE" dirty="0" err="1"/>
+              <a:t>hate</a:t>
+            </a:r>
+            <a:r>
+              <a:rPr lang="de-DE" dirty="0"/>
+              <a:t> </a:t>
+            </a:r>
+            <a:r>
+              <a:rPr lang="de-DE" dirty="0" err="1"/>
+              <a:t>speech</a:t>
+            </a:r>
+            <a:r>
+              <a:rPr lang="de-DE" dirty="0"/>
+              <a:t> </a:t>
+            </a:r>
+            <a:r>
+              <a:rPr lang="de-DE" dirty="0" err="1"/>
+              <a:t>to</a:t>
+            </a:r>
+            <a:r>
+              <a:rPr lang="de-DE" dirty="0"/>
+              <a:t> </a:t>
+            </a:r>
+            <a:r>
+              <a:rPr lang="de-DE" dirty="0" err="1"/>
+              <a:t>contain</a:t>
+            </a:r>
+            <a:r>
+              <a:rPr lang="de-DE" dirty="0"/>
+              <a:t> </a:t>
+            </a:r>
+            <a:r>
+              <a:rPr lang="de-DE" dirty="0" err="1"/>
+              <a:t>more</a:t>
+            </a:r>
+            <a:r>
+              <a:rPr lang="de-DE" dirty="0"/>
+              <a:t> </a:t>
+            </a:r>
+            <a:r>
+              <a:rPr lang="de-DE" dirty="0" err="1"/>
+              <a:t>laughing</a:t>
+            </a:r>
+            <a:r>
+              <a:rPr lang="de-DE" dirty="0"/>
+              <a:t> </a:t>
+            </a:r>
+            <a:r>
+              <a:rPr lang="de-DE" dirty="0" err="1"/>
+              <a:t>expressions</a:t>
+            </a:r>
+            <a:endParaRPr lang="de-DE" dirty="0"/>
+          </a:p>
+          <a:p>
+            <a:pPr marL="171450" indent="-171450">
+              <a:buFont typeface="Arial" panose="020B0604020202020204" pitchFamily="34" charset="0"/>
+              <a:buChar char="•"/>
+            </a:pPr>
+            <a:r>
+              <a:rPr lang="de-DE" dirty="0"/>
+              <a:t>Topic </a:t>
+            </a:r>
+            <a:r>
+              <a:rPr lang="de-DE" dirty="0" err="1"/>
+              <a:t>analysis</a:t>
+            </a:r>
+            <a:r>
+              <a:rPr lang="de-DE" dirty="0"/>
+              <a:t> </a:t>
+            </a:r>
+            <a:r>
+              <a:rPr lang="de-DE" dirty="0" err="1"/>
+              <a:t>almost</a:t>
+            </a:r>
+            <a:r>
+              <a:rPr lang="de-DE" dirty="0"/>
+              <a:t> not </a:t>
+            </a:r>
+            <a:r>
+              <a:rPr lang="de-DE" dirty="0" err="1"/>
+              <a:t>important</a:t>
+            </a:r>
+            <a:r>
+              <a:rPr lang="de-DE" dirty="0"/>
+              <a:t> at all</a:t>
+            </a:r>
+          </a:p>
+          <a:p>
+            <a:pPr marL="171450" indent="-171450">
+              <a:buFont typeface="Arial" panose="020B0604020202020204" pitchFamily="34" charset="0"/>
+              <a:buChar char="•"/>
+            </a:pPr>
+            <a:r>
+              <a:rPr lang="de-DE" dirty="0" err="1"/>
+              <a:t>Strongest</a:t>
+            </a:r>
+            <a:r>
+              <a:rPr lang="de-DE" dirty="0"/>
+              <a:t> </a:t>
+            </a:r>
+            <a:r>
+              <a:rPr lang="de-DE" dirty="0" err="1"/>
+              <a:t>feature</a:t>
+            </a:r>
+            <a:r>
+              <a:rPr lang="de-DE" dirty="0"/>
+              <a:t> </a:t>
+            </a:r>
+            <a:r>
+              <a:rPr lang="de-DE" dirty="0" err="1"/>
+              <a:t>is</a:t>
+            </a:r>
+            <a:r>
+              <a:rPr lang="de-DE" dirty="0"/>
+              <a:t> </a:t>
+            </a:r>
+            <a:r>
+              <a:rPr lang="de-DE" dirty="0" err="1"/>
+              <a:t>the</a:t>
+            </a:r>
+            <a:r>
+              <a:rPr lang="de-DE" dirty="0"/>
+              <a:t> </a:t>
+            </a:r>
+            <a:r>
+              <a:rPr lang="de-DE" dirty="0" err="1"/>
+              <a:t>sentiment</a:t>
+            </a:r>
+            <a:endParaRPr lang="de-DE" dirty="0"/>
+          </a:p>
+          <a:p>
+            <a:pPr marL="171450" indent="-171450">
+              <a:buFont typeface="Arial" panose="020B0604020202020204" pitchFamily="34" charset="0"/>
+              <a:buChar char="•"/>
+            </a:pPr>
+            <a:endParaRPr lang="en-US" dirty="0"/>
+          </a:p>
+        </p:txBody>
+      </p:sp>
+      <p:sp>
+        <p:nvSpPr>
+          <p:cNvPr id="4" name="Slide Number Placeholder 3"/>
+          <p:cNvSpPr>
+            <a:spLocks noGrp="1"/>
+          </p:cNvSpPr>
+          <p:nvPr>
+            <p:ph type="sldNum" sz="quarter" idx="5"/>
+          </p:nvPr>
+        </p:nvSpPr>
+        <p:spPr/>
+        <p:txBody>
+          <a:bodyPr/>
+          <a:lstStyle/>
+          <a:p>
+            <a:fld id="{8B7D652E-761C-174B-A3C6-02EDDB5AE9DD}" type="slidenum">
+              <a:rPr lang="de-DE" smtClean="0"/>
+              <a:t>8</a:t>
+            </a:fld>
+            <a:endParaRPr lang="de-DE"/>
+          </a:p>
+        </p:txBody>
+      </p:sp>
+    </p:spTree>
+    <p:extLst>
+      <p:ext uri="{BB962C8B-B14F-4D97-AF65-F5344CB8AC3E}">
+        <p14:creationId xmlns:p14="http://schemas.microsoft.com/office/powerpoint/2010/main" val="373868403"/>
+      </p:ext>
+    </p:extLst>
+  </p:cSld>
+  <p:clrMapOvr>
+    <a:masterClrMapping/>
+  </p:clrMapOvr>
+</p:notes>
+</file>
+
+<file path=ppt/notesSlides/notesSlide9.xml><?xml version="1.0" encoding="utf-8"?>
+<p:notes xmlns:a="http://schemas.openxmlformats.org/drawingml/2006/main" xmlns:r="http://schemas.openxmlformats.org/officeDocument/2006/relationships" xmlns:p="http://schemas.openxmlformats.org/presentationml/2006/main">
+  <p:cSld>
+    <p:spTree>
+      <p:nvGrpSpPr>
+        <p:cNvPr id="1" name=""/>
+        <p:cNvGrpSpPr/>
+        <p:nvPr/>
+      </p:nvGrpSpPr>
+      <p:grpSpPr>
+        <a:xfrm>
+          <a:off x="0" y="0"/>
+          <a:ext cx="0" cy="0"/>
+          <a:chOff x="0" y="0"/>
+          <a:chExt cx="0" cy="0"/>
+        </a:xfrm>
+      </p:grpSpPr>
+      <p:sp>
+        <p:nvSpPr>
+          <p:cNvPr id="2" name="Slide Image Placeholder 1"/>
+          <p:cNvSpPr>
+            <a:spLocks noGrp="1" noRot="1" noChangeAspect="1"/>
+          </p:cNvSpPr>
+          <p:nvPr>
+            <p:ph type="sldImg"/>
+          </p:nvPr>
+        </p:nvSpPr>
+        <p:spPr/>
+      </p:sp>
+      <p:sp>
+        <p:nvSpPr>
+          <p:cNvPr id="3" name="Notes Placeholder 2"/>
+          <p:cNvSpPr>
+            <a:spLocks noGrp="1"/>
+          </p:cNvSpPr>
+          <p:nvPr>
+            <p:ph type="body" idx="1"/>
+          </p:nvPr>
+        </p:nvSpPr>
+        <p:spPr/>
+        <p:txBody>
+          <a:bodyPr/>
+          <a:lstStyle/>
+          <a:p>
+            <a:pPr marL="171450" indent="-171450">
+              <a:buFont typeface="Arial" panose="020B0604020202020204" pitchFamily="34" charset="0"/>
+              <a:buChar char="•"/>
+            </a:pPr>
+            <a:endParaRPr lang="en-US" dirty="0"/>
+          </a:p>
+        </p:txBody>
+      </p:sp>
+      <p:sp>
+        <p:nvSpPr>
+          <p:cNvPr id="4" name="Slide Number Placeholder 3"/>
+          <p:cNvSpPr>
+            <a:spLocks noGrp="1"/>
+          </p:cNvSpPr>
+          <p:nvPr>
+            <p:ph type="sldNum" sz="quarter" idx="5"/>
+          </p:nvPr>
+        </p:nvSpPr>
+        <p:spPr/>
+        <p:txBody>
+          <a:bodyPr/>
+          <a:lstStyle/>
+          <a:p>
+            <a:fld id="{8B7D652E-761C-174B-A3C6-02EDDB5AE9DD}" type="slidenum">
+              <a:rPr lang="de-DE" smtClean="0"/>
+              <a:t>9</a:t>
+            </a:fld>
+            <a:endParaRPr lang="de-DE"/>
+          </a:p>
+        </p:txBody>
+      </p:sp>
+    </p:spTree>
+    <p:extLst>
+      <p:ext uri="{BB962C8B-B14F-4D97-AF65-F5344CB8AC3E}">
+        <p14:creationId xmlns:p14="http://schemas.microsoft.com/office/powerpoint/2010/main" val="2381616494"/>
       </p:ext>
     </p:extLst>
   </p:cSld>
@@ -6370,7 +7276,7 @@
           <p:cNvPr id="2" name="Titel 1">
             <a:extLst>
               <a:ext uri="{FF2B5EF4-FFF2-40B4-BE49-F238E27FC236}">
-                <a16:creationId xmlns:a16="http://schemas.microsoft.com/office/drawing/2014/main" id="{5CA80C34-4B9D-254E-9E36-03BF88BD5856}"/>
+                <a16:creationId xmlns:a16="http://schemas.microsoft.com/office/drawing/2014/main" id="{8AF3081B-2286-174D-A2A0-E0ED844B7E3F}"/>
               </a:ext>
             </a:extLst>
           </p:cNvPr>
@@ -6387,53 +7293,27 @@
           <a:lstStyle/>
           <a:p>
             <a:r>
-              <a:rPr lang="de-DE" dirty="0" err="1"/>
+              <a:rPr lang="en-US" dirty="0"/>
               <a:t>Results</a:t>
             </a:r>
-            <a:endParaRPr lang="de-DE" dirty="0"/>
-          </a:p>
-        </p:txBody>
-      </p:sp>
-      <p:sp>
-        <p:nvSpPr>
-          <p:cNvPr id="3" name="Inhaltsplatzhalter 2">
+            <a:br>
+              <a:rPr lang="de-DE" b="1" dirty="0">
+                <a:solidFill>
+                  <a:schemeClr val="tx1"/>
+                </a:solidFill>
+                <a:latin typeface="Franklin Gothic Book" panose="020B0503020102020204" pitchFamily="34" charset="0"/>
+              </a:rPr>
+            </a:br>
+            <a:endParaRPr lang="en-US" dirty="0"/>
+          </a:p>
+        </p:txBody>
+      </p:sp>
+      <p:sp>
+        <p:nvSpPr>
+          <p:cNvPr id="3" name="Foliennummernplatzhalter 2">
             <a:extLst>
               <a:ext uri="{FF2B5EF4-FFF2-40B4-BE49-F238E27FC236}">
-                <a16:creationId xmlns:a16="http://schemas.microsoft.com/office/drawing/2014/main" id="{86D4C267-66A3-6544-A27C-BDBD2D466494}"/>
-              </a:ext>
-            </a:extLst>
-          </p:cNvPr>
-          <p:cNvSpPr>
-            <a:spLocks noGrp="1"/>
-          </p:cNvSpPr>
-          <p:nvPr>
-            <p:ph idx="1"/>
-          </p:nvPr>
-        </p:nvSpPr>
-        <p:spPr/>
-        <p:txBody>
-          <a:bodyPr/>
-          <a:lstStyle/>
-          <a:p>
-            <a:pPr marL="0" indent="0">
-              <a:buNone/>
-            </a:pPr>
-            <a:r>
-              <a:rPr lang="en-US" b="1" u="sng" dirty="0"/>
-              <a:t>Typical hate speech artifacts</a:t>
-            </a:r>
-          </a:p>
-          <a:p>
-            <a:endParaRPr lang="de-DE" dirty="0"/>
-          </a:p>
-        </p:txBody>
-      </p:sp>
-      <p:sp>
-        <p:nvSpPr>
-          <p:cNvPr id="4" name="Foliennummernplatzhalter 3">
-            <a:extLst>
-              <a:ext uri="{FF2B5EF4-FFF2-40B4-BE49-F238E27FC236}">
-                <a16:creationId xmlns:a16="http://schemas.microsoft.com/office/drawing/2014/main" id="{B51A1CA9-FF5C-5B47-B601-3C360885F3B9}"/>
+                <a16:creationId xmlns:a16="http://schemas.microsoft.com/office/drawing/2014/main" id="{1D0CF6FE-F68A-6B4F-9693-422A55B38BE1}"/>
               </a:ext>
             </a:extLst>
           </p:cNvPr>
@@ -6458,10 +7338,225 @@
           </a:p>
         </p:txBody>
       </p:sp>
+      <p:sp>
+        <p:nvSpPr>
+          <p:cNvPr id="16" name="TextBox 15">
+            <a:extLst>
+              <a:ext uri="{FF2B5EF4-FFF2-40B4-BE49-F238E27FC236}">
+                <a16:creationId xmlns:a16="http://schemas.microsoft.com/office/drawing/2014/main" id="{0C9C1E2C-AD6E-4ECD-8E22-5FE3827DA621}"/>
+              </a:ext>
+            </a:extLst>
+          </p:cNvPr>
+          <p:cNvSpPr txBox="1"/>
+          <p:nvPr/>
+        </p:nvSpPr>
+        <p:spPr>
+          <a:xfrm>
+            <a:off x="1371600" y="1682119"/>
+            <a:ext cx="3362194" cy="381643"/>
+          </a:xfrm>
+          <a:prstGeom prst="rect">
+            <a:avLst/>
+          </a:prstGeom>
+          <a:noFill/>
+        </p:spPr>
+        <p:txBody>
+          <a:bodyPr wrap="square" rtlCol="0">
+            <a:spAutoFit/>
+          </a:bodyPr>
+          <a:lstStyle/>
+          <a:p>
+            <a:pPr defTabSz="914400">
+              <a:lnSpc>
+                <a:spcPct val="94000"/>
+              </a:lnSpc>
+              <a:spcBef>
+                <a:spcPts val="1000"/>
+              </a:spcBef>
+              <a:spcAft>
+                <a:spcPts val="200"/>
+              </a:spcAft>
+            </a:pPr>
+            <a:r>
+              <a:rPr lang="de-DE" sz="2000" b="1" u="sng" dirty="0" err="1">
+                <a:solidFill>
+                  <a:schemeClr val="tx2"/>
+                </a:solidFill>
+              </a:rPr>
+              <a:t>Hate</a:t>
+            </a:r>
+            <a:r>
+              <a:rPr lang="de-DE" sz="2000" b="1" u="sng" dirty="0">
+                <a:solidFill>
+                  <a:schemeClr val="tx2"/>
+                </a:solidFill>
+              </a:rPr>
+              <a:t> Speech </a:t>
+            </a:r>
+            <a:r>
+              <a:rPr lang="de-DE" sz="2000" b="1" u="sng" dirty="0" err="1">
+                <a:solidFill>
+                  <a:schemeClr val="tx2"/>
+                </a:solidFill>
+              </a:rPr>
+              <a:t>Statictics</a:t>
+            </a:r>
+            <a:endParaRPr lang="de-DE" sz="2000" b="1" u="sng" dirty="0">
+              <a:solidFill>
+                <a:schemeClr val="tx2"/>
+              </a:solidFill>
+            </a:endParaRPr>
+          </a:p>
+        </p:txBody>
+      </p:sp>
+      <p:pic>
+        <p:nvPicPr>
+          <p:cNvPr id="13" name="Picture 12">
+            <a:extLst>
+              <a:ext uri="{FF2B5EF4-FFF2-40B4-BE49-F238E27FC236}">
+                <a16:creationId xmlns:a16="http://schemas.microsoft.com/office/drawing/2014/main" id="{EF9C1DF6-4214-4642-ABDA-3664E9C082C4}"/>
+              </a:ext>
+            </a:extLst>
+          </p:cNvPr>
+          <p:cNvPicPr>
+            <a:picLocks noChangeAspect="1"/>
+          </p:cNvPicPr>
+          <p:nvPr/>
+        </p:nvPicPr>
+        <p:blipFill>
+          <a:blip r:embed="rId3"/>
+          <a:stretch>
+            <a:fillRect/>
+          </a:stretch>
+        </p:blipFill>
+        <p:spPr>
+          <a:xfrm>
+            <a:off x="1371600" y="2393558"/>
+            <a:ext cx="3584245" cy="2015744"/>
+          </a:xfrm>
+          <a:prstGeom prst="rect">
+            <a:avLst/>
+          </a:prstGeom>
+        </p:spPr>
+      </p:pic>
+      <p:sp>
+        <p:nvSpPr>
+          <p:cNvPr id="20" name="Rectangle 19">
+            <a:extLst>
+              <a:ext uri="{FF2B5EF4-FFF2-40B4-BE49-F238E27FC236}">
+                <a16:creationId xmlns:a16="http://schemas.microsoft.com/office/drawing/2014/main" id="{817CEB49-B168-43E1-9197-DDEE77E8EA10}"/>
+              </a:ext>
+            </a:extLst>
+          </p:cNvPr>
+          <p:cNvSpPr/>
+          <p:nvPr/>
+        </p:nvSpPr>
+        <p:spPr>
+          <a:xfrm>
+            <a:off x="1237606" y="5047986"/>
+            <a:ext cx="3852231" cy="276999"/>
+          </a:xfrm>
+          <a:prstGeom prst="rect">
+            <a:avLst/>
+          </a:prstGeom>
+        </p:spPr>
+        <p:txBody>
+          <a:bodyPr wrap="square">
+            <a:spAutoFit/>
+          </a:bodyPr>
+          <a:lstStyle/>
+          <a:p>
+            <a:pPr algn="ctr"/>
+            <a:r>
+              <a:rPr lang="en-US" sz="1200" dirty="0">
+                <a:solidFill>
+                  <a:schemeClr val="tx2"/>
+                </a:solidFill>
+              </a:rPr>
+              <a:t>Hate Speech Unigrams</a:t>
+            </a:r>
+          </a:p>
+        </p:txBody>
+      </p:sp>
+      <p:sp>
+        <p:nvSpPr>
+          <p:cNvPr id="14" name="Rectangle 13">
+            <a:extLst>
+              <a:ext uri="{FF2B5EF4-FFF2-40B4-BE49-F238E27FC236}">
+                <a16:creationId xmlns:a16="http://schemas.microsoft.com/office/drawing/2014/main" id="{A62B0E0A-237C-49C1-A68B-33A2738A3F86}"/>
+              </a:ext>
+            </a:extLst>
+          </p:cNvPr>
+          <p:cNvSpPr/>
+          <p:nvPr/>
+        </p:nvSpPr>
+        <p:spPr>
+          <a:xfrm>
+            <a:off x="6380647" y="5047986"/>
+            <a:ext cx="3852231" cy="276999"/>
+          </a:xfrm>
+          <a:prstGeom prst="rect">
+            <a:avLst/>
+          </a:prstGeom>
+        </p:spPr>
+        <p:txBody>
+          <a:bodyPr wrap="square">
+            <a:spAutoFit/>
+          </a:bodyPr>
+          <a:lstStyle/>
+          <a:p>
+            <a:pPr algn="ctr"/>
+            <a:r>
+              <a:rPr lang="en-US" sz="1200" dirty="0">
+                <a:solidFill>
+                  <a:schemeClr val="tx2"/>
+                </a:solidFill>
+              </a:rPr>
+              <a:t>Hate Speech Trigrams</a:t>
+            </a:r>
+          </a:p>
+        </p:txBody>
+      </p:sp>
+      <p:pic>
+        <p:nvPicPr>
+          <p:cNvPr id="7" name="Graphic 6" descr="Help">
+            <a:extLst>
+              <a:ext uri="{FF2B5EF4-FFF2-40B4-BE49-F238E27FC236}">
+                <a16:creationId xmlns:a16="http://schemas.microsoft.com/office/drawing/2014/main" id="{D2619C62-4E40-4881-894C-9C1BA3C3F49A}"/>
+              </a:ext>
+            </a:extLst>
+          </p:cNvPr>
+          <p:cNvPicPr>
+            <a:picLocks noChangeAspect="1"/>
+          </p:cNvPicPr>
+          <p:nvPr/>
+        </p:nvPicPr>
+        <p:blipFill>
+          <a:blip r:embed="rId4">
+            <a:extLst>
+              <a:ext uri="{96DAC541-7B7A-43D3-8B79-37D633B846F1}">
+                <asvg:svgBlip xmlns:asvg="http://schemas.microsoft.com/office/drawing/2016/SVG/main" r:embed="rId5"/>
+              </a:ext>
+            </a:extLst>
+          </a:blip>
+          <a:stretch>
+            <a:fillRect/>
+          </a:stretch>
+        </p:blipFill>
+        <p:spPr>
+          <a:xfrm>
+            <a:off x="7412329" y="2393558"/>
+            <a:ext cx="1788865" cy="1788865"/>
+          </a:xfrm>
+          <a:prstGeom prst="rect">
+            <a:avLst/>
+          </a:prstGeom>
+        </p:spPr>
+      </p:pic>
     </p:spTree>
     <p:extLst>
       <p:ext uri="{BB962C8B-B14F-4D97-AF65-F5344CB8AC3E}">
-        <p14:creationId xmlns:p14="http://schemas.microsoft.com/office/powerpoint/2010/main" val="116189613"/>
+        <p14:creationId xmlns:p14="http://schemas.microsoft.com/office/powerpoint/2010/main" val="3882792029"/>
       </p:ext>
     </p:extLst>
   </p:cSld>
@@ -6518,40 +7613,6 @@
       </p:sp>
       <p:sp>
         <p:nvSpPr>
-          <p:cNvPr id="3" name="Inhaltsplatzhalter 2">
-            <a:extLst>
-              <a:ext uri="{FF2B5EF4-FFF2-40B4-BE49-F238E27FC236}">
-                <a16:creationId xmlns:a16="http://schemas.microsoft.com/office/drawing/2014/main" id="{13CEF2E8-0F2C-BB4C-AB8C-35DB4D9AC280}"/>
-              </a:ext>
-            </a:extLst>
-          </p:cNvPr>
-          <p:cNvSpPr>
-            <a:spLocks noGrp="1"/>
-          </p:cNvSpPr>
-          <p:nvPr>
-            <p:ph idx="1"/>
-          </p:nvPr>
-        </p:nvSpPr>
-        <p:spPr/>
-        <p:txBody>
-          <a:bodyPr/>
-          <a:lstStyle/>
-          <a:p>
-            <a:r>
-              <a:rPr lang="en-US" dirty="0"/>
-              <a:t>Main achievements</a:t>
-            </a:r>
-          </a:p>
-          <a:p>
-            <a:r>
-              <a:rPr lang="en-US" dirty="0"/>
-              <a:t>Future extensions and improvements</a:t>
-            </a:r>
-          </a:p>
-        </p:txBody>
-      </p:sp>
-      <p:sp>
-        <p:nvSpPr>
           <p:cNvPr id="4" name="Foliennummernplatzhalter 3">
             <a:extLst>
               <a:ext uri="{FF2B5EF4-FFF2-40B4-BE49-F238E27FC236}">
@@ -6580,10 +7641,314 @@
           </a:p>
         </p:txBody>
       </p:sp>
+      <p:sp>
+        <p:nvSpPr>
+          <p:cNvPr id="6" name="TextBox 5">
+            <a:extLst>
+              <a:ext uri="{FF2B5EF4-FFF2-40B4-BE49-F238E27FC236}">
+                <a16:creationId xmlns:a16="http://schemas.microsoft.com/office/drawing/2014/main" id="{215883D7-7871-4940-B8AD-FBA201AD86CE}"/>
+              </a:ext>
+            </a:extLst>
+          </p:cNvPr>
+          <p:cNvSpPr txBox="1"/>
+          <p:nvPr/>
+        </p:nvSpPr>
+        <p:spPr>
+          <a:xfrm>
+            <a:off x="1371600" y="1682119"/>
+            <a:ext cx="3362194" cy="381643"/>
+          </a:xfrm>
+          <a:prstGeom prst="rect">
+            <a:avLst/>
+          </a:prstGeom>
+          <a:noFill/>
+        </p:spPr>
+        <p:txBody>
+          <a:bodyPr wrap="square" rtlCol="0">
+            <a:spAutoFit/>
+          </a:bodyPr>
+          <a:lstStyle/>
+          <a:p>
+            <a:pPr defTabSz="914400">
+              <a:lnSpc>
+                <a:spcPct val="94000"/>
+              </a:lnSpc>
+              <a:spcBef>
+                <a:spcPts val="1000"/>
+              </a:spcBef>
+              <a:spcAft>
+                <a:spcPts val="200"/>
+              </a:spcAft>
+            </a:pPr>
+            <a:r>
+              <a:rPr lang="de-DE" sz="2000" b="1" u="sng" dirty="0" err="1">
+                <a:solidFill>
+                  <a:schemeClr val="tx2"/>
+                </a:solidFill>
+              </a:rPr>
+              <a:t>Achievements</a:t>
+            </a:r>
+            <a:endParaRPr lang="de-DE" sz="2000" b="1" u="sng" dirty="0">
+              <a:solidFill>
+                <a:schemeClr val="tx2"/>
+              </a:solidFill>
+            </a:endParaRPr>
+          </a:p>
+        </p:txBody>
+      </p:sp>
+      <p:sp>
+        <p:nvSpPr>
+          <p:cNvPr id="7" name="Inhaltsplatzhalter 2">
+            <a:extLst>
+              <a:ext uri="{FF2B5EF4-FFF2-40B4-BE49-F238E27FC236}">
+                <a16:creationId xmlns:a16="http://schemas.microsoft.com/office/drawing/2014/main" id="{CAAF384D-2994-4A91-8356-1608BB7F7A85}"/>
+              </a:ext>
+            </a:extLst>
+          </p:cNvPr>
+          <p:cNvSpPr>
+            <a:spLocks noGrp="1"/>
+          </p:cNvSpPr>
+          <p:nvPr>
+            <p:ph idx="1"/>
+          </p:nvPr>
+        </p:nvSpPr>
+        <p:spPr>
+          <a:xfrm>
+            <a:off x="1371600" y="2286000"/>
+            <a:ext cx="9601200" cy="1911427"/>
+          </a:xfrm>
+        </p:spPr>
+        <p:txBody>
+          <a:bodyPr>
+            <a:normAutofit/>
+          </a:bodyPr>
+          <a:lstStyle/>
+          <a:p>
+            <a:r>
+              <a:rPr lang="en-US" dirty="0"/>
+              <a:t>Construction of a h</a:t>
+            </a:r>
+            <a:r>
+              <a:rPr lang="de-DE" dirty="0" err="1"/>
+              <a:t>olistic</a:t>
+            </a:r>
+            <a:r>
+              <a:rPr lang="de-DE" dirty="0"/>
+              <a:t>, hand-</a:t>
+            </a:r>
+            <a:r>
+              <a:rPr lang="de-DE" dirty="0" err="1"/>
+              <a:t>crafted</a:t>
+            </a:r>
+            <a:r>
+              <a:rPr lang="de-DE" dirty="0"/>
+              <a:t> </a:t>
+            </a:r>
+            <a:r>
+              <a:rPr lang="de-DE" dirty="0" err="1"/>
+              <a:t>feature</a:t>
+            </a:r>
+            <a:r>
+              <a:rPr lang="de-DE" dirty="0"/>
+              <a:t> </a:t>
+            </a:r>
+            <a:r>
+              <a:rPr lang="de-DE" dirty="0" err="1"/>
+              <a:t>set</a:t>
+            </a:r>
+            <a:r>
+              <a:rPr lang="de-DE" dirty="0"/>
+              <a:t> </a:t>
+            </a:r>
+            <a:r>
+              <a:rPr lang="de-DE" dirty="0" err="1"/>
+              <a:t>based</a:t>
+            </a:r>
+            <a:r>
+              <a:rPr lang="de-DE" dirty="0"/>
+              <a:t> on </a:t>
+            </a:r>
+            <a:r>
+              <a:rPr lang="de-DE" dirty="0" err="1"/>
+              <a:t>recent</a:t>
+            </a:r>
+            <a:r>
+              <a:rPr lang="de-DE" dirty="0"/>
+              <a:t> </a:t>
+            </a:r>
+            <a:r>
+              <a:rPr lang="de-DE" dirty="0" err="1"/>
+              <a:t>publications</a:t>
+            </a:r>
+            <a:endParaRPr lang="de-DE" dirty="0"/>
+          </a:p>
+          <a:p>
+            <a:r>
+              <a:rPr lang="en-US" dirty="0"/>
+              <a:t>Building and preprocessing of a training corpus</a:t>
+            </a:r>
+          </a:p>
+          <a:p>
+            <a:r>
+              <a:rPr lang="en-US" dirty="0"/>
+              <a:t>Training of conventional Machine Learning classifiers an a neural network classifier</a:t>
+            </a:r>
+          </a:p>
+          <a:p>
+            <a:r>
+              <a:rPr lang="en-US" dirty="0"/>
+              <a:t>Evaluation of feature </a:t>
+            </a:r>
+            <a:r>
+              <a:rPr lang="en-US" dirty="0" err="1"/>
+              <a:t>importances</a:t>
+            </a:r>
+            <a:r>
+              <a:rPr lang="en-US" dirty="0"/>
+              <a:t> and typical hate speech statistics</a:t>
+            </a:r>
+          </a:p>
+          <a:p>
+            <a:pPr marL="0" indent="0">
+              <a:buNone/>
+            </a:pPr>
+            <a:endParaRPr lang="en-US" dirty="0"/>
+          </a:p>
+        </p:txBody>
+      </p:sp>
+      <p:sp>
+        <p:nvSpPr>
+          <p:cNvPr id="8" name="Rectangle 7">
+            <a:extLst>
+              <a:ext uri="{FF2B5EF4-FFF2-40B4-BE49-F238E27FC236}">
+                <a16:creationId xmlns:a16="http://schemas.microsoft.com/office/drawing/2014/main" id="{E5F47644-1E41-4E66-A614-4BE673F4D980}"/>
+              </a:ext>
+            </a:extLst>
+          </p:cNvPr>
+          <p:cNvSpPr/>
+          <p:nvPr/>
+        </p:nvSpPr>
+        <p:spPr>
+          <a:xfrm>
+            <a:off x="1371600" y="4938567"/>
+            <a:ext cx="9601200" cy="1114151"/>
+          </a:xfrm>
+          <a:prstGeom prst="rect">
+            <a:avLst/>
+          </a:prstGeom>
+        </p:spPr>
+        <p:txBody>
+          <a:bodyPr wrap="square">
+            <a:spAutoFit/>
+          </a:bodyPr>
+          <a:lstStyle/>
+          <a:p>
+            <a:pPr marL="384048" indent="-384048" defTabSz="914400">
+              <a:lnSpc>
+                <a:spcPct val="94000"/>
+              </a:lnSpc>
+              <a:spcBef>
+                <a:spcPts val="1000"/>
+              </a:spcBef>
+              <a:spcAft>
+                <a:spcPts val="200"/>
+              </a:spcAft>
+              <a:buFont typeface="Franklin Gothic Book" panose="020B0503020102020204" pitchFamily="34" charset="0"/>
+              <a:buChar char="■"/>
+            </a:pPr>
+            <a:r>
+              <a:rPr lang="en-US" sz="2000" dirty="0">
+                <a:solidFill>
+                  <a:schemeClr val="tx2"/>
+                </a:solidFill>
+              </a:rPr>
+              <a:t>Classical Machine Learning methods were able to compete with our neural network baseline </a:t>
+            </a:r>
+          </a:p>
+          <a:p>
+            <a:pPr marL="384048" indent="-384048" defTabSz="914400">
+              <a:lnSpc>
+                <a:spcPct val="94000"/>
+              </a:lnSpc>
+              <a:spcBef>
+                <a:spcPts val="1000"/>
+              </a:spcBef>
+              <a:spcAft>
+                <a:spcPts val="200"/>
+              </a:spcAft>
+              <a:buFont typeface="Franklin Gothic Book" panose="020B0503020102020204" pitchFamily="34" charset="0"/>
+              <a:buChar char="■"/>
+            </a:pPr>
+            <a:r>
+              <a:rPr lang="en-US" sz="2000" dirty="0">
+                <a:solidFill>
+                  <a:schemeClr val="tx2"/>
+                </a:solidFill>
+              </a:rPr>
+              <a:t>Sentiment and unigrams features were the most important features</a:t>
+            </a:r>
+          </a:p>
+        </p:txBody>
+      </p:sp>
+      <p:sp>
+        <p:nvSpPr>
+          <p:cNvPr id="9" name="TextBox 8">
+            <a:extLst>
+              <a:ext uri="{FF2B5EF4-FFF2-40B4-BE49-F238E27FC236}">
+                <a16:creationId xmlns:a16="http://schemas.microsoft.com/office/drawing/2014/main" id="{4B35DEA6-1809-4592-92F2-A28BC32D3AC3}"/>
+              </a:ext>
+            </a:extLst>
+          </p:cNvPr>
+          <p:cNvSpPr txBox="1"/>
+          <p:nvPr/>
+        </p:nvSpPr>
+        <p:spPr>
+          <a:xfrm>
+            <a:off x="1371600" y="4377175"/>
+            <a:ext cx="3362194" cy="381643"/>
+          </a:xfrm>
+          <a:prstGeom prst="rect">
+            <a:avLst/>
+          </a:prstGeom>
+          <a:noFill/>
+        </p:spPr>
+        <p:txBody>
+          <a:bodyPr wrap="square" rtlCol="0">
+            <a:spAutoFit/>
+          </a:bodyPr>
+          <a:lstStyle/>
+          <a:p>
+            <a:pPr defTabSz="914400">
+              <a:lnSpc>
+                <a:spcPct val="94000"/>
+              </a:lnSpc>
+              <a:spcBef>
+                <a:spcPts val="1000"/>
+              </a:spcBef>
+              <a:spcAft>
+                <a:spcPts val="200"/>
+              </a:spcAft>
+            </a:pPr>
+            <a:r>
+              <a:rPr lang="de-DE" sz="2000" b="1" u="sng" dirty="0" err="1">
+                <a:solidFill>
+                  <a:schemeClr val="tx2"/>
+                </a:solidFill>
+              </a:rPr>
+              <a:t>Results</a:t>
+            </a:r>
+            <a:endParaRPr lang="de-DE" sz="2000" b="1" u="sng" dirty="0">
+              <a:solidFill>
+                <a:schemeClr val="tx2"/>
+              </a:solidFill>
+            </a:endParaRPr>
+          </a:p>
+        </p:txBody>
+      </p:sp>
     </p:spTree>
     <p:extLst>
       <p:ext uri="{BB962C8B-B14F-4D97-AF65-F5344CB8AC3E}">
-        <p14:creationId xmlns:p14="http://schemas.microsoft.com/office/powerpoint/2010/main" val="3698695859"/>
+        <p14:creationId xmlns:p14="http://schemas.microsoft.com/office/powerpoint/2010/main" val="1142211747"/>
       </p:ext>
     </p:extLst>
   </p:cSld>
@@ -6615,7 +7980,7 @@
           <p:cNvPr id="2" name="Titel 1">
             <a:extLst>
               <a:ext uri="{FF2B5EF4-FFF2-40B4-BE49-F238E27FC236}">
-                <a16:creationId xmlns:a16="http://schemas.microsoft.com/office/drawing/2014/main" id="{4B9CC7E5-FD3A-8E4E-A9AF-5C5C4A40B0A4}"/>
+                <a16:creationId xmlns:a16="http://schemas.microsoft.com/office/drawing/2014/main" id="{E617E440-53F4-5447-B942-70E097BA5325}"/>
               </a:ext>
             </a:extLst>
           </p:cNvPr>
@@ -6632,12 +7997,8 @@
           <a:lstStyle/>
           <a:p>
             <a:r>
-              <a:rPr lang="de-DE" dirty="0" err="1"/>
-              <a:t>Related</a:t>
-            </a:r>
-            <a:r>
-              <a:rPr lang="de-DE" dirty="0"/>
-              <a:t> Work</a:t>
+              <a:rPr lang="en-US" dirty="0"/>
+              <a:t>Conclusion</a:t>
             </a:r>
           </a:p>
         </p:txBody>
@@ -6647,7 +8008,7 @@
           <p:cNvPr id="3" name="Inhaltsplatzhalter 2">
             <a:extLst>
               <a:ext uri="{FF2B5EF4-FFF2-40B4-BE49-F238E27FC236}">
-                <a16:creationId xmlns:a16="http://schemas.microsoft.com/office/drawing/2014/main" id="{77A38ED1-6F64-674C-ABC0-889577B6942E}"/>
+                <a16:creationId xmlns:a16="http://schemas.microsoft.com/office/drawing/2014/main" id="{13CEF2E8-0F2C-BB4C-AB8C-35DB4D9AC280}"/>
               </a:ext>
             </a:extLst>
           </p:cNvPr>
@@ -6661,221 +8022,33 @@
         <p:spPr/>
         <p:txBody>
           <a:bodyPr>
-            <a:normAutofit fontScale="92500" lnSpcReduction="10000"/>
+            <a:normAutofit/>
           </a:bodyPr>
           <a:lstStyle/>
           <a:p>
-            <a:pPr marL="0" indent="0">
-              <a:buNone/>
-            </a:pPr>
             <a:r>
               <a:rPr lang="en-US" dirty="0"/>
-              <a:t>[1] Thomas Davidson, Dana </a:t>
+              <a:t>Expansion for </a:t>
             </a:r>
             <a:r>
               <a:rPr lang="en-US" dirty="0" err="1"/>
-              <a:t>Warmsley</a:t>
+              <a:t>tenary</a:t>
             </a:r>
             <a:r>
               <a:rPr lang="en-US" dirty="0"/>
-              <a:t>, Michael Macy, Ingmar Weber, </a:t>
-            </a:r>
-            <a:r>
-              <a:rPr lang="en-US" i="1" dirty="0"/>
-              <a:t>Automated hate speech detection and the problem of offensive language</a:t>
-            </a:r>
+              <a:t> classification to further evaluate the boundaries of conventional ML classifiers compared to neural network approaches</a:t>
+            </a:r>
+          </a:p>
+          <a:p>
             <a:r>
               <a:rPr lang="en-US" dirty="0"/>
-              <a:t>, </a:t>
-            </a:r>
-            <a:r>
-              <a:rPr lang="fr-FR" dirty="0"/>
-              <a:t>2020. [Online]. </a:t>
-            </a:r>
-            <a:r>
-              <a:rPr lang="fr-FR" dirty="0" err="1"/>
-              <a:t>Available</a:t>
-            </a:r>
-            <a:r>
-              <a:rPr lang="fr-FR" dirty="0"/>
-              <a:t>: </a:t>
-            </a:r>
-            <a:r>
-              <a:rPr lang="fr-FR" dirty="0">
-                <a:hlinkClick r:id="rId2"/>
-              </a:rPr>
-              <a:t>https://arxiv.org/pdf/1703.04009.pdf</a:t>
-            </a:r>
-            <a:r>
-              <a:rPr lang="fr-FR" dirty="0"/>
-              <a:t> </a:t>
-            </a:r>
+              <a:t>Further inspection of hate speech patterns to form a better dictionary</a:t>
+            </a:r>
+          </a:p>
+          <a:p>
             <a:r>
               <a:rPr lang="en-US" dirty="0"/>
-              <a:t>(visited on 02/20/2021).</a:t>
-            </a:r>
-          </a:p>
-          <a:p>
-            <a:pPr marL="0" indent="0">
-              <a:buNone/>
-            </a:pPr>
-            <a:r>
-              <a:rPr lang="en-US" dirty="0"/>
-              <a:t>[2] Ona de </a:t>
-            </a:r>
-            <a:r>
-              <a:rPr lang="en-US" dirty="0" err="1"/>
-              <a:t>Gibert</a:t>
-            </a:r>
-            <a:r>
-              <a:rPr lang="en-US" dirty="0"/>
-              <a:t>, </a:t>
-            </a:r>
-            <a:r>
-              <a:rPr lang="en-US" dirty="0" err="1"/>
-              <a:t>Naiara</a:t>
-            </a:r>
-            <a:r>
-              <a:rPr lang="en-US" dirty="0"/>
-              <a:t> Perez, </a:t>
-            </a:r>
-            <a:r>
-              <a:rPr lang="en-US" dirty="0" err="1"/>
-              <a:t>Aitor</a:t>
-            </a:r>
-            <a:r>
-              <a:rPr lang="en-US" dirty="0"/>
-              <a:t> Garcia-</a:t>
-            </a:r>
-            <a:r>
-              <a:rPr lang="en-US" dirty="0" err="1"/>
-              <a:t>Pablos</a:t>
-            </a:r>
-            <a:r>
-              <a:rPr lang="en-US" dirty="0"/>
-              <a:t>, </a:t>
-            </a:r>
-            <a:r>
-              <a:rPr lang="en-US" dirty="0" err="1"/>
-              <a:t>Montse</a:t>
-            </a:r>
-            <a:r>
-              <a:rPr lang="en-US" dirty="0"/>
-              <a:t> </a:t>
-            </a:r>
-            <a:r>
-              <a:rPr lang="en-US" dirty="0" err="1"/>
-              <a:t>Cuadros</a:t>
-            </a:r>
-            <a:r>
-              <a:rPr lang="en-US" dirty="0"/>
-              <a:t>, </a:t>
-            </a:r>
-            <a:r>
-              <a:rPr lang="en-US" i="1" dirty="0"/>
-              <a:t>Hate speech dataset from a white supremacy forum</a:t>
-            </a:r>
-            <a:r>
-              <a:rPr lang="en-US" dirty="0"/>
-              <a:t>, 2020. [Online]. Available: </a:t>
-            </a:r>
-            <a:r>
-              <a:rPr lang="en-US" dirty="0">
-                <a:hlinkClick r:id="rId3"/>
-              </a:rPr>
-              <a:t>https://arxiv.org/pdf/1809.04444.pdf</a:t>
-            </a:r>
-            <a:r>
-              <a:rPr lang="en-US" dirty="0"/>
-              <a:t> (visited on 02/20/2021).</a:t>
-            </a:r>
-          </a:p>
-          <a:p>
-            <a:pPr marL="0" indent="0">
-              <a:buNone/>
-            </a:pPr>
-            <a:r>
-              <a:rPr lang="en-US" dirty="0"/>
-              <a:t>[3] Nitesh. V. Chawla, Kevin. W. Bowyer, Lawrence. O. Hall, W. Philip. </a:t>
-            </a:r>
-            <a:r>
-              <a:rPr lang="en-US" dirty="0" err="1"/>
-              <a:t>Kegelmeyer</a:t>
-            </a:r>
-            <a:r>
-              <a:rPr lang="en-US" dirty="0"/>
-              <a:t>, </a:t>
-            </a:r>
-            <a:r>
-              <a:rPr lang="en-US" i="1" dirty="0"/>
-              <a:t>SMOTE: Synthetic Minority Over-sampling Technique</a:t>
-            </a:r>
-            <a:r>
-              <a:rPr lang="en-US" dirty="0"/>
-              <a:t>, 2011. [Online]. Available: </a:t>
-            </a:r>
-            <a:r>
-              <a:rPr lang="fr-FR" dirty="0">
-                <a:hlinkClick r:id="rId4"/>
-              </a:rPr>
-              <a:t>https://arxiv.org/pdf/1106.1813.pdf</a:t>
-            </a:r>
-            <a:r>
-              <a:rPr lang="fr-FR" dirty="0"/>
-              <a:t> </a:t>
-            </a:r>
-            <a:r>
-              <a:rPr lang="en-US" dirty="0"/>
-              <a:t>(visited on 02/20/2021).</a:t>
-            </a:r>
-          </a:p>
-          <a:p>
-            <a:pPr marL="0" indent="0">
-              <a:buNone/>
-            </a:pPr>
-            <a:r>
-              <a:rPr lang="en-US" dirty="0"/>
-              <a:t>[4] Hajime Watanabe, </a:t>
-            </a:r>
-            <a:r>
-              <a:rPr lang="en-US" dirty="0" err="1"/>
-              <a:t>Mondher</a:t>
-            </a:r>
-            <a:r>
-              <a:rPr lang="en-US" dirty="0"/>
-              <a:t> Bouazizi, </a:t>
-            </a:r>
-            <a:r>
-              <a:rPr lang="en-US" dirty="0" err="1"/>
-              <a:t>Tomoaki</a:t>
-            </a:r>
-            <a:r>
-              <a:rPr lang="en-US" dirty="0"/>
-              <a:t> </a:t>
-            </a:r>
-            <a:r>
-              <a:rPr lang="en-US" dirty="0" err="1"/>
-              <a:t>Ohtsuki</a:t>
-            </a:r>
-            <a:r>
-              <a:rPr lang="en-US" dirty="0"/>
-              <a:t>, </a:t>
-            </a:r>
-            <a:r>
-              <a:rPr lang="en-US" i="1" dirty="0"/>
-              <a:t>Hate Speech on Twitter: A Pragmatic Approach to Collect Hateful and Offensive Expressions and Perform Hate Speech Detection</a:t>
-            </a:r>
-            <a:r>
-              <a:rPr lang="en-US" dirty="0"/>
-              <a:t>, 2018. In: IEEE Access, Volume 6, </a:t>
-            </a:r>
-            <a:r>
-              <a:rPr lang="en-US" dirty="0" err="1"/>
-              <a:t>doi</a:t>
-            </a:r>
-            <a:r>
-              <a:rPr lang="en-US" dirty="0"/>
-              <a:t>: 10.1109/ACCESS.2018.2806394.</a:t>
+              <a:t>Include Google’s bad word list into hate speech dictionary</a:t>
             </a:r>
           </a:p>
         </p:txBody>
@@ -6885,7 +8058,7 @@
           <p:cNvPr id="4" name="Foliennummernplatzhalter 3">
             <a:extLst>
               <a:ext uri="{FF2B5EF4-FFF2-40B4-BE49-F238E27FC236}">
-                <a16:creationId xmlns:a16="http://schemas.microsoft.com/office/drawing/2014/main" id="{08B03854-BA34-FE45-8EF0-08D76EE7AD03}"/>
+                <a16:creationId xmlns:a16="http://schemas.microsoft.com/office/drawing/2014/main" id="{33F0E8CF-2328-8D4B-A89B-F17C40AC5692}"/>
               </a:ext>
             </a:extLst>
           </p:cNvPr>
@@ -6910,10 +8083,65 @@
           </a:p>
         </p:txBody>
       </p:sp>
+      <p:sp>
+        <p:nvSpPr>
+          <p:cNvPr id="5" name="TextBox 4">
+            <a:extLst>
+              <a:ext uri="{FF2B5EF4-FFF2-40B4-BE49-F238E27FC236}">
+                <a16:creationId xmlns:a16="http://schemas.microsoft.com/office/drawing/2014/main" id="{0A622C51-A9FF-48F4-8B28-A45B2F4A70AF}"/>
+              </a:ext>
+            </a:extLst>
+          </p:cNvPr>
+          <p:cNvSpPr txBox="1"/>
+          <p:nvPr/>
+        </p:nvSpPr>
+        <p:spPr>
+          <a:xfrm>
+            <a:off x="1371600" y="1682119"/>
+            <a:ext cx="3362194" cy="381643"/>
+          </a:xfrm>
+          <a:prstGeom prst="rect">
+            <a:avLst/>
+          </a:prstGeom>
+          <a:noFill/>
+        </p:spPr>
+        <p:txBody>
+          <a:bodyPr wrap="square" rtlCol="0">
+            <a:spAutoFit/>
+          </a:bodyPr>
+          <a:lstStyle/>
+          <a:p>
+            <a:pPr defTabSz="914400">
+              <a:lnSpc>
+                <a:spcPct val="94000"/>
+              </a:lnSpc>
+              <a:spcBef>
+                <a:spcPts val="1000"/>
+              </a:spcBef>
+              <a:spcAft>
+                <a:spcPts val="200"/>
+              </a:spcAft>
+            </a:pPr>
+            <a:r>
+              <a:rPr lang="de-DE" sz="2000" b="1" u="sng" dirty="0" err="1">
+                <a:solidFill>
+                  <a:schemeClr val="tx2"/>
+                </a:solidFill>
+              </a:rPr>
+              <a:t>Improvements</a:t>
+            </a:r>
+            <a:endParaRPr lang="de-DE" sz="2000" b="1" u="sng" dirty="0">
+              <a:solidFill>
+                <a:schemeClr val="tx2"/>
+              </a:solidFill>
+            </a:endParaRPr>
+          </a:p>
+        </p:txBody>
+      </p:sp>
     </p:spTree>
     <p:extLst>
       <p:ext uri="{BB962C8B-B14F-4D97-AF65-F5344CB8AC3E}">
-        <p14:creationId xmlns:p14="http://schemas.microsoft.com/office/powerpoint/2010/main" val="4125700209"/>
+        <p14:creationId xmlns:p14="http://schemas.microsoft.com/office/powerpoint/2010/main" val="3698695859"/>
       </p:ext>
     </p:extLst>
   </p:cSld>
@@ -6991,7 +8219,7 @@
         <p:spPr/>
         <p:txBody>
           <a:bodyPr>
-            <a:normAutofit lnSpcReduction="10000"/>
+            <a:normAutofit fontScale="92500" lnSpcReduction="10000"/>
           </a:bodyPr>
           <a:lstStyle/>
           <a:p>
@@ -6999,48 +8227,50 @@
               <a:buNone/>
             </a:pPr>
             <a:r>
-              <a:rPr lang="en-US" sz="1900" dirty="0"/>
-              <a:t>[5] Oluwafemi </a:t>
-            </a:r>
-            <a:r>
-              <a:rPr lang="en-US" sz="1900" dirty="0" err="1"/>
-              <a:t>Oriola</a:t>
-            </a:r>
-            <a:r>
-              <a:rPr lang="en-US" sz="1900" dirty="0"/>
+              <a:rPr lang="en-US" dirty="0"/>
+              <a:t>[1] Thomas Davidson, Dana </a:t>
+            </a:r>
+            <a:r>
+              <a:rPr lang="en-US" dirty="0" err="1"/>
+              <a:t>Warmsley</a:t>
+            </a:r>
+            <a:r>
+              <a:rPr lang="en-US" dirty="0"/>
+              <a:t>, Michael Macy, Ingmar Weber, </a:t>
+            </a:r>
+            <a:r>
+              <a:rPr lang="en-US" i="1" dirty="0"/>
+              <a:t>Automated hate speech detection and the problem of offensive language</a:t>
+            </a:r>
+            <a:r>
+              <a:rPr lang="en-US" dirty="0"/>
               <a:t>, </a:t>
             </a:r>
             <a:r>
-              <a:rPr lang="en-US" sz="1900" dirty="0" err="1"/>
-              <a:t>Eduan</a:t>
-            </a:r>
-            <a:r>
-              <a:rPr lang="en-US" sz="1900" dirty="0"/>
+              <a:rPr lang="fr-FR" dirty="0"/>
+              <a:t>2020. [Online]. </a:t>
+            </a:r>
+            <a:r>
+              <a:rPr lang="fr-FR" dirty="0" err="1"/>
+              <a:t>Available</a:t>
+            </a:r>
+            <a:r>
+              <a:rPr lang="fr-FR" dirty="0"/>
+              <a:t>: </a:t>
+            </a:r>
+            <a:r>
+              <a:rPr lang="fr-FR" dirty="0">
+                <a:hlinkClick r:id="rId2"/>
+              </a:rPr>
+              <a:t>https://arxiv.org/pdf/1703.04009.pdf</a:t>
+            </a:r>
+            <a:r>
+              <a:rPr lang="fr-FR" dirty="0"/>
               <a:t> </a:t>
             </a:r>
             <a:r>
-              <a:rPr lang="en-US" sz="1900" dirty="0" err="1"/>
-              <a:t>Kotzé</a:t>
-            </a:r>
-            <a:r>
-              <a:rPr lang="en-US" sz="1900" dirty="0"/>
-              <a:t>, </a:t>
-            </a:r>
-            <a:r>
-              <a:rPr lang="en-US" sz="1900" i="1" dirty="0"/>
-              <a:t>Evaluating Machine Learning Techniques for Detecting Offensive and Hate Speech in South African Tweets</a:t>
-            </a:r>
-            <a:r>
-              <a:rPr lang="en-US" sz="1900" dirty="0"/>
-              <a:t>, 2020. In: IEEE Access, Volume 8, </a:t>
-            </a:r>
-            <a:r>
-              <a:rPr lang="en-US" sz="1900" dirty="0" err="1"/>
-              <a:t>doi</a:t>
-            </a:r>
-            <a:r>
-              <a:rPr lang="en-US" sz="1900" dirty="0"/>
-              <a:t>: 10.1109/ACCESS.2020.2968173.</a:t>
+              <a:rPr lang="en-US" dirty="0"/>
+              <a:t>(visited on 02/20/2021).</a:t>
             </a:r>
           </a:p>
           <a:p>
@@ -7048,32 +8278,74 @@
               <a:buNone/>
             </a:pPr>
             <a:r>
-              <a:rPr lang="en-US" sz="1900" dirty="0"/>
-              <a:t>[6] Paula Fortuna. </a:t>
-            </a:r>
-            <a:r>
-              <a:rPr lang="en-US" sz="1900" dirty="0" err="1"/>
-              <a:t>Sérgio</a:t>
-            </a:r>
-            <a:r>
-              <a:rPr lang="en-US" sz="1900" dirty="0"/>
-              <a:t> Nunes, </a:t>
-            </a:r>
-            <a:r>
-              <a:rPr lang="en-US" sz="1900" i="1" dirty="0"/>
-              <a:t>A Survey on Automatic Detection of Hate Speech in Text</a:t>
-            </a:r>
-            <a:r>
-              <a:rPr lang="en-US" sz="1900" dirty="0"/>
-              <a:t>, 2018. In: ACM Computing Surveys, </a:t>
-            </a:r>
-            <a:r>
-              <a:rPr lang="en-US" sz="1900" dirty="0" err="1"/>
-              <a:t>doi</a:t>
-            </a:r>
-            <a:r>
-              <a:rPr lang="en-US" sz="1900" dirty="0"/>
-              <a:t>: 10.1145/3232676.</a:t>
+              <a:rPr lang="en-US" dirty="0"/>
+              <a:t>[2] Ona de </a:t>
+            </a:r>
+            <a:r>
+              <a:rPr lang="en-US" dirty="0" err="1"/>
+              <a:t>Gibert</a:t>
+            </a:r>
+            <a:r>
+              <a:rPr lang="en-US" dirty="0"/>
+              <a:t>, </a:t>
+            </a:r>
+            <a:r>
+              <a:rPr lang="en-US" dirty="0" err="1"/>
+              <a:t>Naiara</a:t>
+            </a:r>
+            <a:r>
+              <a:rPr lang="en-US" dirty="0"/>
+              <a:t> Perez, </a:t>
+            </a:r>
+            <a:r>
+              <a:rPr lang="en-US" dirty="0" err="1"/>
+              <a:t>Aitor</a:t>
+            </a:r>
+            <a:r>
+              <a:rPr lang="en-US" dirty="0"/>
+              <a:t> Garcia-</a:t>
+            </a:r>
+            <a:r>
+              <a:rPr lang="en-US" dirty="0" err="1"/>
+              <a:t>Pablos</a:t>
+            </a:r>
+            <a:r>
+              <a:rPr lang="en-US" dirty="0"/>
+              <a:t>, </a:t>
+            </a:r>
+            <a:r>
+              <a:rPr lang="en-US" dirty="0" err="1"/>
+              <a:t>Montse</a:t>
+            </a:r>
+            <a:r>
+              <a:rPr lang="en-US" dirty="0"/>
+              <a:t> </a:t>
+            </a:r>
+            <a:r>
+              <a:rPr lang="en-US" dirty="0" err="1"/>
+              <a:t>Cuadros</a:t>
+            </a:r>
+            <a:r>
+              <a:rPr lang="en-US" dirty="0"/>
+              <a:t>, </a:t>
+            </a:r>
+            <a:r>
+              <a:rPr lang="en-US" i="1" dirty="0"/>
+              <a:t>Hate speech dataset from a white supremacy forum</a:t>
+            </a:r>
+            <a:r>
+              <a:rPr lang="en-US" dirty="0"/>
+              <a:t>, 2020. [Online]. Available: </a:t>
+            </a:r>
+            <a:r>
+              <a:rPr lang="en-US" dirty="0">
+                <a:hlinkClick r:id="rId3"/>
+              </a:rPr>
+              <a:t>https://arxiv.org/pdf/1809.04444.pdf</a:t>
+            </a:r>
+            <a:r>
+              <a:rPr lang="en-US" dirty="0"/>
+              <a:t> (visited on 02/20/2021).</a:t>
             </a:r>
           </a:p>
           <a:p>
@@ -7081,50 +8353,38 @@
               <a:buNone/>
             </a:pPr>
             <a:r>
-              <a:rPr lang="en-US" sz="1900" dirty="0"/>
-              <a:t>[7] Aditya </a:t>
-            </a:r>
-            <a:r>
-              <a:rPr lang="en-US" sz="1900" dirty="0" err="1"/>
-              <a:t>Gaydhani</a:t>
-            </a:r>
-            <a:r>
-              <a:rPr lang="en-US" sz="1900" dirty="0"/>
-              <a:t>, Vikrant </a:t>
-            </a:r>
-            <a:r>
-              <a:rPr lang="en-US" sz="1900" dirty="0" err="1"/>
-              <a:t>Doma</a:t>
-            </a:r>
-            <a:r>
-              <a:rPr lang="en-US" sz="1900" dirty="0"/>
-              <a:t>, Shrikant </a:t>
-            </a:r>
-            <a:r>
-              <a:rPr lang="en-US" sz="1900" dirty="0" err="1"/>
-              <a:t>Kendre</a:t>
-            </a:r>
-            <a:r>
-              <a:rPr lang="en-US" sz="1900" dirty="0"/>
-              <a:t>, Laxmi Bhagwat, </a:t>
-            </a:r>
-            <a:r>
-              <a:rPr lang="en-US" sz="1900" i="1" dirty="0"/>
-              <a:t>Detecting Hate Speech and Offensive Language on Twitter Using Machine Learning: An N-Gram and TFIDF Based Approach</a:t>
-            </a:r>
-            <a:r>
-              <a:rPr lang="en-US" sz="1900" dirty="0"/>
-              <a:t>, 2018. [Online]. Available: </a:t>
-            </a:r>
-            <a:r>
-              <a:rPr lang="en-US" sz="1900" dirty="0">
-                <a:hlinkClick r:id="rId2"/>
+              <a:rPr lang="en-US" dirty="0"/>
+              <a:t>[3] Nitesh. V. Chawla, Kevin. W. Bowyer, Lawrence. O. Hall, W. Philip. </a:t>
+            </a:r>
+            <a:r>
+              <a:rPr lang="en-US" dirty="0" err="1"/>
+              <a:t>Kegelmeyer</a:t>
+            </a:r>
+            <a:r>
+              <a:rPr lang="en-US" dirty="0"/>
+              <a:t>, </a:t>
+            </a:r>
+            <a:r>
+              <a:rPr lang="en-US" i="1" dirty="0"/>
+              <a:t>SMOTE: Synthetic Minority Over-sampling Technique</a:t>
+            </a:r>
+            <a:r>
+              <a:rPr lang="en-US" dirty="0"/>
+              <a:t>, 2011. [Online]. Available: </a:t>
+            </a:r>
+            <a:r>
+              <a:rPr lang="fr-FR" dirty="0">
+                <a:hlinkClick r:id="rId4"/>
               </a:rPr>
-              <a:t>https://arxiv.org/pdf/1809.08651.pdf</a:t>
-            </a:r>
-            <a:r>
-              <a:rPr lang="en-US" sz="1900" dirty="0"/>
-              <a:t> (visited on 02/20/2021).</a:t>
+              <a:t>https://arxiv.org/pdf/1106.1813.pdf</a:t>
+            </a:r>
+            <a:r>
+              <a:rPr lang="fr-FR" dirty="0"/>
+              <a:t> </a:t>
+            </a:r>
+            <a:r>
+              <a:rPr lang="en-US" dirty="0"/>
+              <a:t>(visited on 02/20/2021).</a:t>
             </a:r>
           </a:p>
           <a:p>
@@ -7133,43 +8393,47 @@
             </a:pPr>
             <a:r>
               <a:rPr lang="en-US" dirty="0"/>
-              <a:t>[8] </a:t>
-            </a:r>
-            <a:r>
-              <a:rPr lang="en-US" sz="1900" dirty="0"/>
-              <a:t>Shervin </a:t>
-            </a:r>
-            <a:r>
-              <a:rPr lang="en-US" sz="1900" dirty="0" err="1"/>
-              <a:t>Malmasi</a:t>
-            </a:r>
-            <a:r>
-              <a:rPr lang="en-US" sz="1900" dirty="0"/>
-              <a:t>, Marcos </a:t>
-            </a:r>
-            <a:r>
-              <a:rPr lang="en-US" sz="1900" dirty="0" err="1"/>
-              <a:t>Zampieri</a:t>
-            </a:r>
-            <a:r>
-              <a:rPr lang="en-US" sz="1900" dirty="0"/>
+              <a:t>[4] Hajime Watanabe, </a:t>
+            </a:r>
+            <a:r>
+              <a:rPr lang="en-US" dirty="0" err="1"/>
+              <a:t>Mondher</a:t>
+            </a:r>
+            <a:r>
+              <a:rPr lang="en-US" dirty="0"/>
+              <a:t> Bouazizi, </a:t>
+            </a:r>
+            <a:r>
+              <a:rPr lang="en-US" dirty="0" err="1"/>
+              <a:t>Tomoaki</a:t>
+            </a:r>
+            <a:r>
+              <a:rPr lang="en-US" dirty="0"/>
+              <a:t> </a:t>
+            </a:r>
+            <a:r>
+              <a:rPr lang="en-US" dirty="0" err="1"/>
+              <a:t>Ohtsuki</a:t>
+            </a:r>
+            <a:r>
+              <a:rPr lang="en-US" dirty="0"/>
               <a:t>, </a:t>
             </a:r>
             <a:r>
-              <a:rPr lang="en-US" sz="1900" i="1" dirty="0"/>
-              <a:t>Detecting Hate Speech in Social Media</a:t>
-            </a:r>
-            <a:r>
-              <a:rPr lang="en-US" sz="1900" dirty="0"/>
-              <a:t>, 2017. In: Proceedings of the International Conference Recent Advances in Natural Language Processing (RANLP), </a:t>
-            </a:r>
-            <a:r>
-              <a:rPr lang="en-US" sz="1900" dirty="0" err="1"/>
+              <a:rPr lang="en-US" i="1" dirty="0"/>
+              <a:t>Hate Speech on Twitter: A Pragmatic Approach to Collect Hateful and Offensive Expressions and Perform Hate Speech Detection</a:t>
+            </a:r>
+            <a:r>
+              <a:rPr lang="en-US" dirty="0"/>
+              <a:t>, 2018. In: IEEE Access, Volume 6, </a:t>
+            </a:r>
+            <a:r>
+              <a:rPr lang="en-US" dirty="0" err="1"/>
               <a:t>doi</a:t>
             </a:r>
             <a:r>
-              <a:rPr lang="en-US" sz="1900" dirty="0"/>
-              <a:t>: 10.26615/978-954-452-049-6_062.</a:t>
+              <a:rPr lang="en-US" dirty="0"/>
+              <a:t>: 10.1109/ACCESS.2018.2806394.</a:t>
             </a:r>
           </a:p>
         </p:txBody>
@@ -7199,6 +8463,300 @@
               <a:rPr lang="en-US" smtClean="0"/>
               <a:pPr/>
               <a:t>13</a:t>
+            </a:fld>
+            <a:endParaRPr lang="en-US" dirty="0"/>
+          </a:p>
+        </p:txBody>
+      </p:sp>
+    </p:spTree>
+    <p:extLst>
+      <p:ext uri="{BB962C8B-B14F-4D97-AF65-F5344CB8AC3E}">
+        <p14:creationId xmlns:p14="http://schemas.microsoft.com/office/powerpoint/2010/main" val="4125700209"/>
+      </p:ext>
+    </p:extLst>
+  </p:cSld>
+  <p:clrMapOvr>
+    <a:masterClrMapping/>
+  </p:clrMapOvr>
+</p:sld>
+</file>
+
+<file path=ppt/slides/slide14.xml><?xml version="1.0" encoding="utf-8"?>
+<p:sld xmlns:a="http://schemas.openxmlformats.org/drawingml/2006/main" xmlns:r="http://schemas.openxmlformats.org/officeDocument/2006/relationships" xmlns:p="http://schemas.openxmlformats.org/presentationml/2006/main">
+  <p:cSld>
+    <p:spTree>
+      <p:nvGrpSpPr>
+        <p:cNvPr id="1" name=""/>
+        <p:cNvGrpSpPr/>
+        <p:nvPr/>
+      </p:nvGrpSpPr>
+      <p:grpSpPr>
+        <a:xfrm>
+          <a:off x="0" y="0"/>
+          <a:ext cx="0" cy="0"/>
+          <a:chOff x="0" y="0"/>
+          <a:chExt cx="0" cy="0"/>
+        </a:xfrm>
+      </p:grpSpPr>
+      <p:sp>
+        <p:nvSpPr>
+          <p:cNvPr id="2" name="Titel 1">
+            <a:extLst>
+              <a:ext uri="{FF2B5EF4-FFF2-40B4-BE49-F238E27FC236}">
+                <a16:creationId xmlns:a16="http://schemas.microsoft.com/office/drawing/2014/main" id="{4B9CC7E5-FD3A-8E4E-A9AF-5C5C4A40B0A4}"/>
+              </a:ext>
+            </a:extLst>
+          </p:cNvPr>
+          <p:cNvSpPr>
+            <a:spLocks noGrp="1"/>
+          </p:cNvSpPr>
+          <p:nvPr>
+            <p:ph type="title"/>
+          </p:nvPr>
+        </p:nvSpPr>
+        <p:spPr/>
+        <p:txBody>
+          <a:bodyPr/>
+          <a:lstStyle/>
+          <a:p>
+            <a:r>
+              <a:rPr lang="de-DE" dirty="0" err="1"/>
+              <a:t>Related</a:t>
+            </a:r>
+            <a:r>
+              <a:rPr lang="de-DE" dirty="0"/>
+              <a:t> Work</a:t>
+            </a:r>
+          </a:p>
+        </p:txBody>
+      </p:sp>
+      <p:sp>
+        <p:nvSpPr>
+          <p:cNvPr id="3" name="Inhaltsplatzhalter 2">
+            <a:extLst>
+              <a:ext uri="{FF2B5EF4-FFF2-40B4-BE49-F238E27FC236}">
+                <a16:creationId xmlns:a16="http://schemas.microsoft.com/office/drawing/2014/main" id="{77A38ED1-6F64-674C-ABC0-889577B6942E}"/>
+              </a:ext>
+            </a:extLst>
+          </p:cNvPr>
+          <p:cNvSpPr>
+            <a:spLocks noGrp="1"/>
+          </p:cNvSpPr>
+          <p:nvPr>
+            <p:ph idx="1"/>
+          </p:nvPr>
+        </p:nvSpPr>
+        <p:spPr/>
+        <p:txBody>
+          <a:bodyPr>
+            <a:normAutofit lnSpcReduction="10000"/>
+          </a:bodyPr>
+          <a:lstStyle/>
+          <a:p>
+            <a:pPr marL="0" indent="0">
+              <a:buNone/>
+            </a:pPr>
+            <a:r>
+              <a:rPr lang="en-US" sz="1900" dirty="0"/>
+              <a:t>[5] Oluwafemi </a:t>
+            </a:r>
+            <a:r>
+              <a:rPr lang="en-US" sz="1900" dirty="0" err="1"/>
+              <a:t>Oriola</a:t>
+            </a:r>
+            <a:r>
+              <a:rPr lang="en-US" sz="1900" dirty="0"/>
+              <a:t>, </a:t>
+            </a:r>
+            <a:r>
+              <a:rPr lang="en-US" sz="1900" dirty="0" err="1"/>
+              <a:t>Eduan</a:t>
+            </a:r>
+            <a:r>
+              <a:rPr lang="en-US" sz="1900" dirty="0"/>
+              <a:t> </a:t>
+            </a:r>
+            <a:r>
+              <a:rPr lang="en-US" sz="1900" dirty="0" err="1"/>
+              <a:t>Kotzé</a:t>
+            </a:r>
+            <a:r>
+              <a:rPr lang="en-US" sz="1900" dirty="0"/>
+              <a:t>, </a:t>
+            </a:r>
+            <a:r>
+              <a:rPr lang="en-US" sz="1900" i="1" dirty="0"/>
+              <a:t>Evaluating Machine Learning Techniques for Detecting Offensive and Hate Speech in South African Tweets</a:t>
+            </a:r>
+            <a:r>
+              <a:rPr lang="en-US" sz="1900" dirty="0"/>
+              <a:t>, 2020. In: IEEE Access, Volume 8, </a:t>
+            </a:r>
+            <a:r>
+              <a:rPr lang="en-US" sz="1900" dirty="0" err="1"/>
+              <a:t>doi</a:t>
+            </a:r>
+            <a:r>
+              <a:rPr lang="en-US" sz="1900" dirty="0"/>
+              <a:t>: 10.1109/ACCESS.2020.2968173.</a:t>
+            </a:r>
+          </a:p>
+          <a:p>
+            <a:pPr marL="0" indent="0">
+              <a:buNone/>
+            </a:pPr>
+            <a:r>
+              <a:rPr lang="en-US" sz="1900" dirty="0"/>
+              <a:t>[6] Paula Fortuna. </a:t>
+            </a:r>
+            <a:r>
+              <a:rPr lang="en-US" sz="1900" dirty="0" err="1"/>
+              <a:t>Sérgio</a:t>
+            </a:r>
+            <a:r>
+              <a:rPr lang="en-US" sz="1900" dirty="0"/>
+              <a:t> Nunes, </a:t>
+            </a:r>
+            <a:r>
+              <a:rPr lang="en-US" sz="1900" i="1" dirty="0"/>
+              <a:t>A Survey on Automatic Detection of Hate Speech in Text</a:t>
+            </a:r>
+            <a:r>
+              <a:rPr lang="en-US" sz="1900" dirty="0"/>
+              <a:t>, 2018. In: ACM Computing Surveys, </a:t>
+            </a:r>
+            <a:r>
+              <a:rPr lang="en-US" sz="1900" dirty="0" err="1"/>
+              <a:t>doi</a:t>
+            </a:r>
+            <a:r>
+              <a:rPr lang="en-US" sz="1900" dirty="0"/>
+              <a:t>: 10.1145/3232676.</a:t>
+            </a:r>
+          </a:p>
+          <a:p>
+            <a:pPr marL="0" indent="0">
+              <a:buNone/>
+            </a:pPr>
+            <a:r>
+              <a:rPr lang="en-US" sz="1900" dirty="0"/>
+              <a:t>[7] Aditya </a:t>
+            </a:r>
+            <a:r>
+              <a:rPr lang="en-US" sz="1900" dirty="0" err="1"/>
+              <a:t>Gaydhani</a:t>
+            </a:r>
+            <a:r>
+              <a:rPr lang="en-US" sz="1900" dirty="0"/>
+              <a:t>, Vikrant </a:t>
+            </a:r>
+            <a:r>
+              <a:rPr lang="en-US" sz="1900" dirty="0" err="1"/>
+              <a:t>Doma</a:t>
+            </a:r>
+            <a:r>
+              <a:rPr lang="en-US" sz="1900" dirty="0"/>
+              <a:t>, Shrikant </a:t>
+            </a:r>
+            <a:r>
+              <a:rPr lang="en-US" sz="1900" dirty="0" err="1"/>
+              <a:t>Kendre</a:t>
+            </a:r>
+            <a:r>
+              <a:rPr lang="en-US" sz="1900" dirty="0"/>
+              <a:t>, Laxmi Bhagwat, </a:t>
+            </a:r>
+            <a:r>
+              <a:rPr lang="en-US" sz="1900" i="1" dirty="0"/>
+              <a:t>Detecting Hate Speech and Offensive Language on Twitter Using Machine Learning: An N-Gram and TFIDF Based Approach</a:t>
+            </a:r>
+            <a:r>
+              <a:rPr lang="en-US" sz="1900" dirty="0"/>
+              <a:t>, 2018. [Online]. Available: </a:t>
+            </a:r>
+            <a:r>
+              <a:rPr lang="en-US" sz="1900" dirty="0">
+                <a:hlinkClick r:id="rId2"/>
+              </a:rPr>
+              <a:t>https://arxiv.org/pdf/1809.08651.pdf</a:t>
+            </a:r>
+            <a:r>
+              <a:rPr lang="en-US" sz="1900" dirty="0"/>
+              <a:t> (visited on 02/20/2021).</a:t>
+            </a:r>
+          </a:p>
+          <a:p>
+            <a:pPr marL="0" indent="0">
+              <a:buNone/>
+            </a:pPr>
+            <a:r>
+              <a:rPr lang="en-US" dirty="0"/>
+              <a:t>[8] </a:t>
+            </a:r>
+            <a:r>
+              <a:rPr lang="en-US" sz="1900" dirty="0"/>
+              <a:t>Shervin </a:t>
+            </a:r>
+            <a:r>
+              <a:rPr lang="en-US" sz="1900" dirty="0" err="1"/>
+              <a:t>Malmasi</a:t>
+            </a:r>
+            <a:r>
+              <a:rPr lang="en-US" sz="1900" dirty="0"/>
+              <a:t>, Marcos </a:t>
+            </a:r>
+            <a:r>
+              <a:rPr lang="en-US" sz="1900" dirty="0" err="1"/>
+              <a:t>Zampieri</a:t>
+            </a:r>
+            <a:r>
+              <a:rPr lang="en-US" sz="1900" dirty="0"/>
+              <a:t>, </a:t>
+            </a:r>
+            <a:r>
+              <a:rPr lang="en-US" sz="1900" i="1" dirty="0"/>
+              <a:t>Detecting Hate Speech in Social Media</a:t>
+            </a:r>
+            <a:r>
+              <a:rPr lang="en-US" sz="1900" dirty="0"/>
+              <a:t>, 2017. In: Proceedings of the International Conference Recent Advances in Natural Language Processing (RANLP), </a:t>
+            </a:r>
+            <a:r>
+              <a:rPr lang="en-US" sz="1900" dirty="0" err="1"/>
+              <a:t>doi</a:t>
+            </a:r>
+            <a:r>
+              <a:rPr lang="en-US" sz="1900" dirty="0"/>
+              <a:t>: 10.26615/978-954-452-049-6_062.</a:t>
+            </a:r>
+          </a:p>
+        </p:txBody>
+      </p:sp>
+      <p:sp>
+        <p:nvSpPr>
+          <p:cNvPr id="4" name="Foliennummernplatzhalter 3">
+            <a:extLst>
+              <a:ext uri="{FF2B5EF4-FFF2-40B4-BE49-F238E27FC236}">
+                <a16:creationId xmlns:a16="http://schemas.microsoft.com/office/drawing/2014/main" id="{08B03854-BA34-FE45-8EF0-08D76EE7AD03}"/>
+              </a:ext>
+            </a:extLst>
+          </p:cNvPr>
+          <p:cNvSpPr>
+            <a:spLocks noGrp="1"/>
+          </p:cNvSpPr>
+          <p:nvPr>
+            <p:ph type="sldNum" sz="quarter" idx="12"/>
+          </p:nvPr>
+        </p:nvSpPr>
+        <p:spPr/>
+        <p:txBody>
+          <a:bodyPr/>
+          <a:lstStyle/>
+          <a:p>
+            <a:fld id="{D57F1E4F-1CFF-5643-939E-217C01CDF565}" type="slidenum">
+              <a:rPr lang="en-US" smtClean="0"/>
+              <a:pPr/>
+              <a:t>14</a:t>
             </a:fld>
             <a:endParaRPr lang="en-US" dirty="0"/>
           </a:p>
@@ -8778,7 +10336,7 @@
             </a:r>
             <a:r>
               <a:rPr lang="de-DE" b="1" dirty="0"/>
-              <a:t>  </a:t>
+              <a:t> </a:t>
             </a:r>
             <a:r>
               <a:rPr lang="de-DE" b="1" dirty="0" err="1"/>
@@ -8898,7 +10456,7 @@
             </a:r>
             <a:r>
               <a:rPr lang="de-DE" b="1" dirty="0"/>
-              <a:t>, Random </a:t>
+              <a:t> Random </a:t>
             </a:r>
             <a:r>
               <a:rPr lang="de-DE" b="1" dirty="0" err="1"/>
@@ -9580,7 +11138,7 @@
         <p:spPr/>
         <p:txBody>
           <a:bodyPr>
-            <a:normAutofit/>
+            <a:normAutofit lnSpcReduction="10000"/>
           </a:bodyPr>
           <a:lstStyle/>
           <a:p>
@@ -9634,6 +11192,13 @@
             <a:r>
               <a:rPr lang="en-US" dirty="0"/>
               <a:t> and oversampling using SMOTE [3]</a:t>
+            </a:r>
+          </a:p>
+          <a:p>
+            <a:pPr lvl="1"/>
+            <a:r>
+              <a:rPr lang="en-US" dirty="0"/>
+              <a:t>80% training set, 20% test set</a:t>
             </a:r>
           </a:p>
           <a:p>
@@ -10844,7 +12409,7 @@
           <p:nvPr>
             <p:extLst>
               <p:ext uri="{D42A27DB-BD31-4B8C-83A1-F6EECF244321}">
-                <p14:modId xmlns:p14="http://schemas.microsoft.com/office/powerpoint/2010/main" val="2451866048"/>
+                <p14:modId xmlns:p14="http://schemas.microsoft.com/office/powerpoint/2010/main" val="1539408142"/>
               </p:ext>
             </p:extLst>
           </p:nvPr>
@@ -11052,7 +12617,7 @@
                     <a:p>
                       <a:pPr algn="r" fontAlgn="b"/>
                       <a:r>
-                        <a:rPr lang="de-DE" sz="1800" u="none" strike="noStrike" dirty="0">
+                        <a:rPr lang="de-DE" sz="1800" b="1" u="none" strike="noStrike" dirty="0">
                           <a:effectLst/>
                         </a:rPr>
                         <a:t>92,58</a:t>
@@ -11151,7 +12716,7 @@
                     <a:p>
                       <a:pPr algn="r" fontAlgn="b"/>
                       <a:r>
-                        <a:rPr lang="de-DE" sz="1800" u="none" strike="noStrike" dirty="0">
+                        <a:rPr lang="de-DE" sz="1800" b="1" u="none" strike="noStrike" dirty="0">
                           <a:effectLst/>
                         </a:rPr>
                         <a:t>93,20</a:t>
@@ -11197,7 +12762,7 @@
                     <a:p>
                       <a:pPr algn="r" fontAlgn="b"/>
                       <a:r>
-                        <a:rPr lang="de-DE" sz="1800" u="none" strike="noStrike" dirty="0">
+                        <a:rPr lang="de-DE" sz="1800" b="1" u="none" strike="noStrike" dirty="0">
                           <a:effectLst/>
                         </a:rPr>
                         <a:t>86,98</a:t>
@@ -11250,7 +12815,7 @@
                     <a:p>
                       <a:pPr algn="r" fontAlgn="b"/>
                       <a:r>
-                        <a:rPr lang="de-DE" sz="1800" u="none" strike="noStrike" dirty="0">
+                        <a:rPr lang="de-DE" sz="1800" b="1" u="none" strike="noStrike" dirty="0">
                           <a:effectLst/>
                         </a:rPr>
                         <a:t>92,72</a:t>
@@ -11355,7 +12920,7 @@
                     <a:p>
                       <a:pPr algn="r" fontAlgn="b"/>
                       <a:r>
-                        <a:rPr lang="de-DE" sz="1800" u="none" strike="noStrike" dirty="0">
+                        <a:rPr lang="de-DE" sz="1800" b="1" u="none" strike="noStrike" dirty="0">
                           <a:effectLst/>
                         </a:rPr>
                         <a:t>93,05</a:t>
@@ -11460,7 +13025,7 @@
                     <a:p>
                       <a:pPr algn="r" fontAlgn="b"/>
                       <a:r>
-                        <a:rPr lang="de-DE" sz="1800" u="none" strike="noStrike" dirty="0">
+                        <a:rPr lang="de-DE" sz="1800" b="1" u="none" strike="noStrike" dirty="0">
                           <a:effectLst/>
                         </a:rPr>
                         <a:t>93,90</a:t>
@@ -11483,7 +13048,7 @@
                     <a:p>
                       <a:pPr algn="r" fontAlgn="b"/>
                       <a:r>
-                        <a:rPr lang="de-DE" sz="1800" u="none" strike="noStrike" dirty="0">
+                        <a:rPr lang="de-DE" sz="1800" b="1" u="none" strike="noStrike" dirty="0">
                           <a:effectLst/>
                         </a:rPr>
                         <a:t>93,90</a:t>
@@ -11712,69 +13277,15 @@
               <a:rPr lang="en-US" dirty="0"/>
               <a:t>Results</a:t>
             </a:r>
-          </a:p>
-        </p:txBody>
-      </p:sp>
-      <p:sp>
-        <p:nvSpPr>
-          <p:cNvPr id="4" name="Inhaltsplatzhalter 3">
-            <a:extLst>
-              <a:ext uri="{FF2B5EF4-FFF2-40B4-BE49-F238E27FC236}">
-                <a16:creationId xmlns:a16="http://schemas.microsoft.com/office/drawing/2014/main" id="{7F4D160A-FA8C-B04A-AC64-3209C29789D4}"/>
-              </a:ext>
-            </a:extLst>
-          </p:cNvPr>
-          <p:cNvSpPr>
-            <a:spLocks noGrp="1"/>
-          </p:cNvSpPr>
-          <p:nvPr>
-            <p:ph idx="1"/>
-          </p:nvPr>
-        </p:nvSpPr>
-        <p:spPr/>
-        <p:txBody>
-          <a:bodyPr/>
-          <a:lstStyle/>
-          <a:p>
-            <a:pPr>
-              <a:lnSpc>
-                <a:spcPct val="104000"/>
-              </a:lnSpc>
-            </a:pPr>
-            <a:r>
-              <a:rPr lang="en-US" dirty="0"/>
-              <a:t>When using enough training data classical Machine Learning methods are as good as our neural network baseline (unchanged vs </a:t>
-            </a:r>
-            <a:r>
-              <a:rPr lang="en-US" dirty="0" err="1"/>
-              <a:t>undersampled</a:t>
-            </a:r>
-            <a:r>
-              <a:rPr lang="en-US" dirty="0"/>
-              <a:t>)</a:t>
-            </a:r>
-          </a:p>
-          <a:p>
-            <a:pPr>
-              <a:lnSpc>
-                <a:spcPct val="104000"/>
-              </a:lnSpc>
-            </a:pPr>
-            <a:r>
-              <a:rPr lang="en-US" dirty="0"/>
-              <a:t>The classical methods are highly optimized and have little room for further improvement, whereas neural network based approaches have more room for improvement</a:t>
-            </a:r>
-          </a:p>
-          <a:p>
-            <a:pPr>
-              <a:lnSpc>
-                <a:spcPct val="104000"/>
-              </a:lnSpc>
-            </a:pPr>
-            <a:r>
-              <a:rPr lang="en-US" dirty="0"/>
-              <a:t>The creation of artificial instances in oversampling leads to worse results</a:t>
-            </a:r>
+            <a:br>
+              <a:rPr lang="de-DE" b="1" dirty="0">
+                <a:solidFill>
+                  <a:schemeClr val="tx1"/>
+                </a:solidFill>
+                <a:latin typeface="Franklin Gothic Book" panose="020B0503020102020204" pitchFamily="34" charset="0"/>
+              </a:rPr>
+            </a:br>
+            <a:endParaRPr lang="en-US" dirty="0"/>
           </a:p>
         </p:txBody>
       </p:sp>
@@ -11808,12 +13319,2201 @@
           </a:p>
         </p:txBody>
       </p:sp>
-      <p:sp>
-        <p:nvSpPr>
-          <p:cNvPr id="5" name="Textfeld 4">
+      <p:graphicFrame>
+        <p:nvGraphicFramePr>
+          <p:cNvPr id="17" name="Tabelle 16">
             <a:extLst>
               <a:ext uri="{FF2B5EF4-FFF2-40B4-BE49-F238E27FC236}">
-                <a16:creationId xmlns:a16="http://schemas.microsoft.com/office/drawing/2014/main" id="{A96B8871-CA12-4242-8DE7-76D2607D98DB}"/>
+                <a16:creationId xmlns:a16="http://schemas.microsoft.com/office/drawing/2014/main" id="{343DF1EA-BE9D-454E-8590-8D8D37086E2F}"/>
+              </a:ext>
+            </a:extLst>
+          </p:cNvPr>
+          <p:cNvGraphicFramePr>
+            <a:graphicFrameLocks noGrp="1"/>
+          </p:cNvGraphicFramePr>
+          <p:nvPr>
+            <p:extLst>
+              <p:ext uri="{D42A27DB-BD31-4B8C-83A1-F6EECF244321}">
+                <p14:modId xmlns:p14="http://schemas.microsoft.com/office/powerpoint/2010/main" val="2072810063"/>
+              </p:ext>
+            </p:extLst>
+          </p:nvPr>
+        </p:nvGraphicFramePr>
+        <p:xfrm>
+          <a:off x="1371600" y="1556008"/>
+          <a:ext cx="10339330" cy="4825365"/>
+        </p:xfrm>
+        <a:graphic>
+          <a:graphicData uri="http://schemas.openxmlformats.org/drawingml/2006/table">
+            <a:tbl>
+              <a:tblPr firstRow="1" bandRow="1">
+                <a:tableStyleId>{5FD0F851-EC5A-4D38-B0AD-8093EC10F338}</a:tableStyleId>
+              </a:tblPr>
+              <a:tblGrid>
+                <a:gridCol w="2175831">
+                  <a:extLst>
+                    <a:ext uri="{9D8B030D-6E8A-4147-A177-3AD203B41FA5}">
+                      <a16:colId xmlns:a16="http://schemas.microsoft.com/office/drawing/2014/main" val="318432879"/>
+                    </a:ext>
+                  </a:extLst>
+                </a:gridCol>
+                <a:gridCol w="2027104">
+                  <a:extLst>
+                    <a:ext uri="{9D8B030D-6E8A-4147-A177-3AD203B41FA5}">
+                      <a16:colId xmlns:a16="http://schemas.microsoft.com/office/drawing/2014/main" val="3642302888"/>
+                    </a:ext>
+                  </a:extLst>
+                </a:gridCol>
+                <a:gridCol w="2000663">
+                  <a:extLst>
+                    <a:ext uri="{9D8B030D-6E8A-4147-A177-3AD203B41FA5}">
+                      <a16:colId xmlns:a16="http://schemas.microsoft.com/office/drawing/2014/main" val="4149587286"/>
+                    </a:ext>
+                  </a:extLst>
+                </a:gridCol>
+                <a:gridCol w="2067866">
+                  <a:extLst>
+                    <a:ext uri="{9D8B030D-6E8A-4147-A177-3AD203B41FA5}">
+                      <a16:colId xmlns:a16="http://schemas.microsoft.com/office/drawing/2014/main" val="1497006716"/>
+                    </a:ext>
+                  </a:extLst>
+                </a:gridCol>
+                <a:gridCol w="2067866">
+                  <a:extLst>
+                    <a:ext uri="{9D8B030D-6E8A-4147-A177-3AD203B41FA5}">
+                      <a16:colId xmlns:a16="http://schemas.microsoft.com/office/drawing/2014/main" val="3479157215"/>
+                    </a:ext>
+                  </a:extLst>
+                </a:gridCol>
+              </a:tblGrid>
+              <a:tr h="203200">
+                <a:tc>
+                  <a:txBody>
+                    <a:bodyPr/>
+                    <a:lstStyle/>
+                    <a:p>
+                      <a:pPr algn="ctr" fontAlgn="b"/>
+                      <a:endParaRPr lang="de-DE" sz="1800" b="1" i="0" u="none" strike="noStrike" dirty="0">
+                        <a:solidFill>
+                          <a:schemeClr val="tx1"/>
+                        </a:solidFill>
+                        <a:effectLst/>
+                        <a:latin typeface="Franklin Gothic Book" panose="020B0503020102020204" pitchFamily="34" charset="0"/>
+                      </a:endParaRPr>
+                    </a:p>
+                  </a:txBody>
+                  <a:tcPr marL="9525" marR="9525" marT="9525" marB="0" anchor="ctr"/>
+                </a:tc>
+                <a:tc>
+                  <a:txBody>
+                    <a:bodyPr/>
+                    <a:lstStyle/>
+                    <a:p>
+                      <a:pPr algn="ctr" fontAlgn="b"/>
+                      <a:r>
+                        <a:rPr lang="de-DE" sz="1800" b="1" i="0" u="none" strike="noStrike" dirty="0" err="1">
+                          <a:solidFill>
+                            <a:schemeClr val="tx1"/>
+                          </a:solidFill>
+                          <a:effectLst/>
+                          <a:latin typeface="Franklin Gothic Book" panose="020B0503020102020204" pitchFamily="34" charset="0"/>
+                        </a:rPr>
+                        <a:t>Logistic</a:t>
+                      </a:r>
+                      <a:r>
+                        <a:rPr lang="de-DE" sz="1800" b="1" i="0" u="none" strike="noStrike" dirty="0">
+                          <a:solidFill>
+                            <a:schemeClr val="tx1"/>
+                          </a:solidFill>
+                          <a:effectLst/>
+                          <a:latin typeface="Franklin Gothic Book" panose="020B0503020102020204" pitchFamily="34" charset="0"/>
+                        </a:rPr>
+                        <a:t> Regression</a:t>
+                      </a:r>
+                    </a:p>
+                  </a:txBody>
+                  <a:tcPr marL="9525" marR="9525" marT="9525" marB="0" anchor="ctr"/>
+                </a:tc>
+                <a:tc>
+                  <a:txBody>
+                    <a:bodyPr/>
+                    <a:lstStyle/>
+                    <a:p>
+                      <a:pPr algn="ctr" fontAlgn="b"/>
+                      <a:r>
+                        <a:rPr lang="de-DE" sz="1800" b="1" i="0" u="none" strike="noStrike" dirty="0">
+                          <a:solidFill>
+                            <a:schemeClr val="tx1"/>
+                          </a:solidFill>
+                          <a:effectLst/>
+                          <a:latin typeface="Franklin Gothic Book" panose="020B0503020102020204" pitchFamily="34" charset="0"/>
+                        </a:rPr>
+                        <a:t>SVM</a:t>
+                      </a:r>
+                    </a:p>
+                  </a:txBody>
+                  <a:tcPr marL="9525" marR="9525" marT="9525" marB="0" anchor="ctr"/>
+                </a:tc>
+                <a:tc>
+                  <a:txBody>
+                    <a:bodyPr/>
+                    <a:lstStyle/>
+                    <a:p>
+                      <a:pPr algn="ctr" fontAlgn="b"/>
+                      <a:r>
+                        <a:rPr lang="de-DE" sz="1800" b="1" i="0" u="none" strike="noStrike" dirty="0">
+                          <a:solidFill>
+                            <a:schemeClr val="tx1"/>
+                          </a:solidFill>
+                          <a:effectLst/>
+                          <a:latin typeface="Franklin Gothic Book" panose="020B0503020102020204" pitchFamily="34" charset="0"/>
+                        </a:rPr>
+                        <a:t>Random </a:t>
+                      </a:r>
+                      <a:r>
+                        <a:rPr lang="de-DE" sz="1800" b="1" i="0" u="none" strike="noStrike" dirty="0" err="1">
+                          <a:solidFill>
+                            <a:schemeClr val="tx1"/>
+                          </a:solidFill>
+                          <a:effectLst/>
+                          <a:latin typeface="Franklin Gothic Book" panose="020B0503020102020204" pitchFamily="34" charset="0"/>
+                        </a:rPr>
+                        <a:t>Forest</a:t>
+                      </a:r>
+                      <a:endParaRPr lang="de-DE" sz="1800" b="1" i="0" u="none" strike="noStrike" dirty="0">
+                        <a:solidFill>
+                          <a:schemeClr val="tx1"/>
+                        </a:solidFill>
+                        <a:effectLst/>
+                        <a:latin typeface="Franklin Gothic Book" panose="020B0503020102020204" pitchFamily="34" charset="0"/>
+                      </a:endParaRPr>
+                    </a:p>
+                  </a:txBody>
+                  <a:tcPr marL="9525" marR="9525" marT="9525" marB="0" anchor="ctr"/>
+                </a:tc>
+                <a:tc>
+                  <a:txBody>
+                    <a:bodyPr/>
+                    <a:lstStyle/>
+                    <a:p>
+                      <a:pPr algn="ctr" fontAlgn="b"/>
+                      <a:r>
+                        <a:rPr lang="de-DE" sz="1800" b="1" i="0" u="none" strike="noStrike" dirty="0" err="1">
+                          <a:solidFill>
+                            <a:schemeClr val="tx1"/>
+                          </a:solidFill>
+                          <a:effectLst/>
+                          <a:latin typeface="Franklin Gothic Book" panose="020B0503020102020204" pitchFamily="34" charset="0"/>
+                        </a:rPr>
+                        <a:t>Decision</a:t>
+                      </a:r>
+                      <a:r>
+                        <a:rPr lang="de-DE" sz="1800" b="1" i="0" u="none" strike="noStrike" dirty="0">
+                          <a:solidFill>
+                            <a:schemeClr val="tx1"/>
+                          </a:solidFill>
+                          <a:effectLst/>
+                          <a:latin typeface="Franklin Gothic Book" panose="020B0503020102020204" pitchFamily="34" charset="0"/>
+                        </a:rPr>
+                        <a:t> </a:t>
+                      </a:r>
+                      <a:r>
+                        <a:rPr lang="de-DE" sz="1800" b="1" i="0" u="none" strike="noStrike" dirty="0" err="1">
+                          <a:solidFill>
+                            <a:schemeClr val="tx1"/>
+                          </a:solidFill>
+                          <a:effectLst/>
+                          <a:latin typeface="Franklin Gothic Book" panose="020B0503020102020204" pitchFamily="34" charset="0"/>
+                        </a:rPr>
+                        <a:t>Tree</a:t>
+                      </a:r>
+                      <a:endParaRPr lang="de-DE" sz="1800" b="1" i="0" u="none" strike="noStrike" dirty="0">
+                        <a:solidFill>
+                          <a:schemeClr val="tx1"/>
+                        </a:solidFill>
+                        <a:effectLst/>
+                        <a:latin typeface="Franklin Gothic Book" panose="020B0503020102020204" pitchFamily="34" charset="0"/>
+                      </a:endParaRPr>
+                    </a:p>
+                  </a:txBody>
+                  <a:tcPr marL="9525" marR="9525" marT="9525" marB="0" anchor="ctr"/>
+                </a:tc>
+                <a:extLst>
+                  <a:ext uri="{0D108BD9-81ED-4DB2-BD59-A6C34878D82A}">
+                    <a16:rowId xmlns:a16="http://schemas.microsoft.com/office/drawing/2014/main" val="3405454526"/>
+                  </a:ext>
+                </a:extLst>
+              </a:tr>
+              <a:tr h="203200">
+                <a:tc>
+                  <a:txBody>
+                    <a:bodyPr/>
+                    <a:lstStyle/>
+                    <a:p>
+                      <a:pPr algn="l" fontAlgn="b"/>
+                      <a:r>
+                        <a:rPr lang="de-DE" sz="1800" b="0" i="0" u="none" strike="noStrike" dirty="0" err="1">
+                          <a:solidFill>
+                            <a:srgbClr val="000000"/>
+                          </a:solidFill>
+                          <a:effectLst/>
+                          <a:latin typeface="Franklin Gothic Book" panose="020B0503020102020204" pitchFamily="34" charset="0"/>
+                        </a:rPr>
+                        <a:t>Unigrams</a:t>
+                      </a:r>
+                      <a:endParaRPr lang="de-DE" sz="1800" b="0" i="0" u="none" strike="noStrike" dirty="0">
+                        <a:solidFill>
+                          <a:srgbClr val="000000"/>
+                        </a:solidFill>
+                        <a:effectLst/>
+                        <a:latin typeface="Franklin Gothic Book" panose="020B0503020102020204" pitchFamily="34" charset="0"/>
+                      </a:endParaRPr>
+                    </a:p>
+                  </a:txBody>
+                  <a:tcPr marL="9525" marR="9525" marT="9525" marB="0" anchor="b"/>
+                </a:tc>
+                <a:tc>
+                  <a:txBody>
+                    <a:bodyPr/>
+                    <a:lstStyle/>
+                    <a:p>
+                      <a:pPr algn="r" fontAlgn="b"/>
+                      <a:r>
+                        <a:rPr lang="de-DE" sz="1800" b="1" i="0" u="none" strike="noStrike" dirty="0">
+                          <a:solidFill>
+                            <a:srgbClr val="000000"/>
+                          </a:solidFill>
+                          <a:effectLst/>
+                          <a:latin typeface="Franklin Gothic Book" panose="020B0503020102020204" pitchFamily="34" charset="0"/>
+                        </a:rPr>
+                        <a:t>-0.340829</a:t>
+                      </a:r>
+                    </a:p>
+                  </a:txBody>
+                  <a:tcPr marL="9525" marR="9525" marT="9525" marB="0" anchor="b"/>
+                </a:tc>
+                <a:tc>
+                  <a:txBody>
+                    <a:bodyPr/>
+                    <a:lstStyle/>
+                    <a:p>
+                      <a:pPr algn="r" fontAlgn="b"/>
+                      <a:r>
+                        <a:rPr lang="de-DE" sz="1800" b="0" i="0" u="none" strike="noStrike" dirty="0">
+                          <a:solidFill>
+                            <a:srgbClr val="000000"/>
+                          </a:solidFill>
+                          <a:effectLst/>
+                          <a:latin typeface="Franklin Gothic Book" panose="020B0503020102020204" pitchFamily="34" charset="0"/>
+                        </a:rPr>
+                        <a:t>-0.116233</a:t>
+                      </a:r>
+                    </a:p>
+                  </a:txBody>
+                  <a:tcPr marL="9525" marR="9525" marT="9525" marB="0" anchor="b"/>
+                </a:tc>
+                <a:tc>
+                  <a:txBody>
+                    <a:bodyPr/>
+                    <a:lstStyle/>
+                    <a:p>
+                      <a:pPr algn="r" fontAlgn="b"/>
+                      <a:r>
+                        <a:rPr lang="de-DE" sz="1800" b="1" i="0" u="none" strike="noStrike" dirty="0">
+                          <a:solidFill>
+                            <a:srgbClr val="000000"/>
+                          </a:solidFill>
+                          <a:effectLst/>
+                          <a:latin typeface="Franklin Gothic Book" panose="020B0503020102020204" pitchFamily="34" charset="0"/>
+                        </a:rPr>
+                        <a:t>0.110481</a:t>
+                      </a:r>
+                    </a:p>
+                  </a:txBody>
+                  <a:tcPr marL="9525" marR="9525" marT="9525" marB="0" anchor="b"/>
+                </a:tc>
+                <a:tc>
+                  <a:txBody>
+                    <a:bodyPr/>
+                    <a:lstStyle/>
+                    <a:p>
+                      <a:pPr algn="r" fontAlgn="b"/>
+                      <a:r>
+                        <a:rPr lang="de-DE" sz="1800" b="1" i="0" u="none" strike="noStrike" dirty="0">
+                          <a:solidFill>
+                            <a:srgbClr val="000000"/>
+                          </a:solidFill>
+                          <a:effectLst/>
+                          <a:latin typeface="Franklin Gothic Book" panose="020B0503020102020204" pitchFamily="34" charset="0"/>
+                        </a:rPr>
+                        <a:t>0.096833</a:t>
+                      </a:r>
+                    </a:p>
+                  </a:txBody>
+                  <a:tcPr marL="9525" marR="9525" marT="9525" marB="0" anchor="b"/>
+                </a:tc>
+                <a:extLst>
+                  <a:ext uri="{0D108BD9-81ED-4DB2-BD59-A6C34878D82A}">
+                    <a16:rowId xmlns:a16="http://schemas.microsoft.com/office/drawing/2014/main" val="3857454798"/>
+                  </a:ext>
+                </a:extLst>
+              </a:tr>
+              <a:tr h="203200">
+                <a:tc>
+                  <a:txBody>
+                    <a:bodyPr/>
+                    <a:lstStyle/>
+                    <a:p>
+                      <a:pPr algn="l" fontAlgn="b"/>
+                      <a:r>
+                        <a:rPr lang="de-DE" sz="1800" b="0" i="0" u="none" strike="noStrike" dirty="0" err="1">
+                          <a:solidFill>
+                            <a:srgbClr val="000000"/>
+                          </a:solidFill>
+                          <a:effectLst/>
+                          <a:latin typeface="Franklin Gothic Book" panose="020B0503020102020204" pitchFamily="34" charset="0"/>
+                        </a:rPr>
+                        <a:t>Bigrams</a:t>
+                      </a:r>
+                      <a:endParaRPr lang="de-DE" sz="1800" b="0" i="0" u="none" strike="noStrike" dirty="0">
+                        <a:solidFill>
+                          <a:srgbClr val="000000"/>
+                        </a:solidFill>
+                        <a:effectLst/>
+                        <a:latin typeface="Franklin Gothic Book" panose="020B0503020102020204" pitchFamily="34" charset="0"/>
+                      </a:endParaRPr>
+                    </a:p>
+                  </a:txBody>
+                  <a:tcPr marL="9525" marR="9525" marT="9525" marB="0" anchor="b"/>
+                </a:tc>
+                <a:tc>
+                  <a:txBody>
+                    <a:bodyPr/>
+                    <a:lstStyle/>
+                    <a:p>
+                      <a:pPr algn="r" fontAlgn="b"/>
+                      <a:r>
+                        <a:rPr lang="de-DE" sz="1800" b="1" i="0" u="none" strike="noStrike" dirty="0">
+                          <a:solidFill>
+                            <a:srgbClr val="000000"/>
+                          </a:solidFill>
+                          <a:effectLst/>
+                          <a:latin typeface="Franklin Gothic Book" panose="020B0503020102020204" pitchFamily="34" charset="0"/>
+                        </a:rPr>
+                        <a:t>-</a:t>
+                      </a:r>
+                      <a:r>
+                        <a:rPr lang="de-DE" sz="1800" b="0" i="0" u="none" strike="noStrike" dirty="0">
+                          <a:solidFill>
+                            <a:srgbClr val="000000"/>
+                          </a:solidFill>
+                          <a:effectLst/>
+                          <a:latin typeface="Franklin Gothic Book" panose="020B0503020102020204" pitchFamily="34" charset="0"/>
+                        </a:rPr>
+                        <a:t>0.288648</a:t>
+                      </a:r>
+                    </a:p>
+                  </a:txBody>
+                  <a:tcPr marL="9525" marR="9525" marT="9525" marB="0" anchor="b"/>
+                </a:tc>
+                <a:tc>
+                  <a:txBody>
+                    <a:bodyPr/>
+                    <a:lstStyle/>
+                    <a:p>
+                      <a:pPr algn="r" fontAlgn="b"/>
+                      <a:r>
+                        <a:rPr lang="de-DE" sz="1800" b="0" i="0" u="none" strike="noStrike" dirty="0">
+                          <a:solidFill>
+                            <a:srgbClr val="000000"/>
+                          </a:solidFill>
+                          <a:effectLst/>
+                          <a:latin typeface="Franklin Gothic Book" panose="020B0503020102020204" pitchFamily="34" charset="0"/>
+                        </a:rPr>
+                        <a:t>-0.163003</a:t>
+                      </a:r>
+                    </a:p>
+                  </a:txBody>
+                  <a:tcPr marL="9525" marR="9525" marT="9525" marB="0" anchor="b"/>
+                </a:tc>
+                <a:tc>
+                  <a:txBody>
+                    <a:bodyPr/>
+                    <a:lstStyle/>
+                    <a:p>
+                      <a:pPr algn="r" fontAlgn="b"/>
+                      <a:r>
+                        <a:rPr lang="de-DE" sz="1800" b="0" i="0" u="none" strike="noStrike" dirty="0">
+                          <a:solidFill>
+                            <a:srgbClr val="000000"/>
+                          </a:solidFill>
+                          <a:effectLst/>
+                          <a:latin typeface="Franklin Gothic Book" panose="020B0503020102020204" pitchFamily="34" charset="0"/>
+                        </a:rPr>
+                        <a:t>0.030529</a:t>
+                      </a:r>
+                    </a:p>
+                  </a:txBody>
+                  <a:tcPr marL="9525" marR="9525" marT="9525" marB="0" anchor="b"/>
+                </a:tc>
+                <a:tc>
+                  <a:txBody>
+                    <a:bodyPr/>
+                    <a:lstStyle/>
+                    <a:p>
+                      <a:pPr algn="r" fontAlgn="b"/>
+                      <a:r>
+                        <a:rPr lang="de-DE" sz="1800" b="0" i="0" u="none" strike="noStrike" dirty="0">
+                          <a:solidFill>
+                            <a:srgbClr val="000000"/>
+                          </a:solidFill>
+                          <a:effectLst/>
+                          <a:latin typeface="Franklin Gothic Book" panose="020B0503020102020204" pitchFamily="34" charset="0"/>
+                        </a:rPr>
+                        <a:t>0.010989</a:t>
+                      </a:r>
+                    </a:p>
+                  </a:txBody>
+                  <a:tcPr marL="9525" marR="9525" marT="9525" marB="0" anchor="b"/>
+                </a:tc>
+                <a:extLst>
+                  <a:ext uri="{0D108BD9-81ED-4DB2-BD59-A6C34878D82A}">
+                    <a16:rowId xmlns:a16="http://schemas.microsoft.com/office/drawing/2014/main" val="2916020970"/>
+                  </a:ext>
+                </a:extLst>
+              </a:tr>
+              <a:tr h="203200">
+                <a:tc>
+                  <a:txBody>
+                    <a:bodyPr/>
+                    <a:lstStyle/>
+                    <a:p>
+                      <a:pPr algn="l" fontAlgn="b"/>
+                      <a:r>
+                        <a:rPr lang="de-DE" sz="1800" b="0" i="0" u="none" strike="noStrike" dirty="0" err="1">
+                          <a:solidFill>
+                            <a:srgbClr val="000000"/>
+                          </a:solidFill>
+                          <a:effectLst/>
+                          <a:latin typeface="Franklin Gothic Book" panose="020B0503020102020204" pitchFamily="34" charset="0"/>
+                        </a:rPr>
+                        <a:t>Trigrams</a:t>
+                      </a:r>
+                      <a:endParaRPr lang="de-DE" sz="1800" b="0" i="0" u="none" strike="noStrike" dirty="0">
+                        <a:solidFill>
+                          <a:srgbClr val="000000"/>
+                        </a:solidFill>
+                        <a:effectLst/>
+                        <a:latin typeface="Franklin Gothic Book" panose="020B0503020102020204" pitchFamily="34" charset="0"/>
+                      </a:endParaRPr>
+                    </a:p>
+                  </a:txBody>
+                  <a:tcPr marL="9525" marR="9525" marT="9525" marB="0" anchor="b"/>
+                </a:tc>
+                <a:tc>
+                  <a:txBody>
+                    <a:bodyPr/>
+                    <a:lstStyle/>
+                    <a:p>
+                      <a:pPr algn="r" fontAlgn="b"/>
+                      <a:r>
+                        <a:rPr lang="de-DE" sz="1800" b="1" i="0" u="none" strike="noStrike" dirty="0">
+                          <a:solidFill>
+                            <a:srgbClr val="000000"/>
+                          </a:solidFill>
+                          <a:effectLst/>
+                          <a:latin typeface="Franklin Gothic Book" panose="020B0503020102020204" pitchFamily="34" charset="0"/>
+                        </a:rPr>
+                        <a:t>-2.009609</a:t>
+                      </a:r>
+                    </a:p>
+                  </a:txBody>
+                  <a:tcPr marL="9525" marR="9525" marT="9525" marB="0" anchor="b"/>
+                </a:tc>
+                <a:tc>
+                  <a:txBody>
+                    <a:bodyPr/>
+                    <a:lstStyle/>
+                    <a:p>
+                      <a:pPr algn="r" fontAlgn="b"/>
+                      <a:r>
+                        <a:rPr lang="de-DE" sz="1800" b="1" i="0" u="none" strike="noStrike" dirty="0">
+                          <a:solidFill>
+                            <a:srgbClr val="000000"/>
+                          </a:solidFill>
+                          <a:effectLst/>
+                          <a:latin typeface="Franklin Gothic Book" panose="020B0503020102020204" pitchFamily="34" charset="0"/>
+                        </a:rPr>
+                        <a:t>-1.389380</a:t>
+                      </a:r>
+                    </a:p>
+                  </a:txBody>
+                  <a:tcPr marL="9525" marR="9525" marT="9525" marB="0" anchor="b"/>
+                </a:tc>
+                <a:tc>
+                  <a:txBody>
+                    <a:bodyPr/>
+                    <a:lstStyle/>
+                    <a:p>
+                      <a:pPr algn="r" fontAlgn="b"/>
+                      <a:r>
+                        <a:rPr lang="de-DE" sz="1800" b="0" i="0" u="none" strike="noStrike" dirty="0">
+                          <a:solidFill>
+                            <a:srgbClr val="000000"/>
+                          </a:solidFill>
+                          <a:effectLst/>
+                          <a:latin typeface="Franklin Gothic Book" panose="020B0503020102020204" pitchFamily="34" charset="0"/>
+                        </a:rPr>
+                        <a:t>0.041289</a:t>
+                      </a:r>
+                    </a:p>
+                  </a:txBody>
+                  <a:tcPr marL="9525" marR="9525" marT="9525" marB="0" anchor="b"/>
+                </a:tc>
+                <a:tc>
+                  <a:txBody>
+                    <a:bodyPr/>
+                    <a:lstStyle/>
+                    <a:p>
+                      <a:pPr algn="r" fontAlgn="b"/>
+                      <a:r>
+                        <a:rPr lang="de-DE" sz="1800" b="0" i="0" u="none" strike="noStrike" dirty="0">
+                          <a:solidFill>
+                            <a:srgbClr val="000000"/>
+                          </a:solidFill>
+                          <a:effectLst/>
+                          <a:latin typeface="Franklin Gothic Book" panose="020B0503020102020204" pitchFamily="34" charset="0"/>
+                        </a:rPr>
+                        <a:t>0.015111</a:t>
+                      </a:r>
+                    </a:p>
+                  </a:txBody>
+                  <a:tcPr marL="9525" marR="9525" marT="9525" marB="0" anchor="b"/>
+                </a:tc>
+                <a:extLst>
+                  <a:ext uri="{0D108BD9-81ED-4DB2-BD59-A6C34878D82A}">
+                    <a16:rowId xmlns:a16="http://schemas.microsoft.com/office/drawing/2014/main" val="1409293918"/>
+                  </a:ext>
+                </a:extLst>
+              </a:tr>
+              <a:tr h="203200">
+                <a:tc>
+                  <a:txBody>
+                    <a:bodyPr/>
+                    <a:lstStyle/>
+                    <a:p>
+                      <a:pPr algn="l" fontAlgn="b"/>
+                      <a:r>
+                        <a:rPr lang="de-DE" sz="1800" b="0" i="0" u="none" strike="noStrike" dirty="0" err="1">
+                          <a:solidFill>
+                            <a:srgbClr val="000000"/>
+                          </a:solidFill>
+                          <a:effectLst/>
+                          <a:latin typeface="Franklin Gothic Book" panose="020B0503020102020204" pitchFamily="34" charset="0"/>
+                        </a:rPr>
+                        <a:t>Hateful</a:t>
+                      </a:r>
+                      <a:r>
+                        <a:rPr lang="de-DE" sz="1800" b="0" i="0" u="none" strike="noStrike" dirty="0">
+                          <a:solidFill>
+                            <a:srgbClr val="000000"/>
+                          </a:solidFill>
+                          <a:effectLst/>
+                          <a:latin typeface="Franklin Gothic Book" panose="020B0503020102020204" pitchFamily="34" charset="0"/>
+                        </a:rPr>
+                        <a:t> Words</a:t>
+                      </a:r>
+                    </a:p>
+                  </a:txBody>
+                  <a:tcPr marL="9525" marR="9525" marT="9525" marB="0" anchor="b"/>
+                </a:tc>
+                <a:tc>
+                  <a:txBody>
+                    <a:bodyPr/>
+                    <a:lstStyle/>
+                    <a:p>
+                      <a:pPr algn="r" fontAlgn="b"/>
+                      <a:r>
+                        <a:rPr lang="de-DE" sz="1800" b="1" i="0" u="none" strike="noStrike" dirty="0">
+                          <a:solidFill>
+                            <a:srgbClr val="000000"/>
+                          </a:solidFill>
+                          <a:effectLst/>
+                          <a:latin typeface="Franklin Gothic Book" panose="020B0503020102020204" pitchFamily="34" charset="0"/>
+                        </a:rPr>
+                        <a:t>-0.550001</a:t>
+                      </a:r>
+                    </a:p>
+                  </a:txBody>
+                  <a:tcPr marL="9525" marR="9525" marT="9525" marB="0" anchor="b"/>
+                </a:tc>
+                <a:tc>
+                  <a:txBody>
+                    <a:bodyPr/>
+                    <a:lstStyle/>
+                    <a:p>
+                      <a:pPr algn="r" fontAlgn="b"/>
+                      <a:r>
+                        <a:rPr lang="de-DE" sz="1800" b="0" i="0" u="none" strike="noStrike" dirty="0">
+                          <a:solidFill>
+                            <a:srgbClr val="000000"/>
+                          </a:solidFill>
+                          <a:effectLst/>
+                          <a:latin typeface="Franklin Gothic Book" panose="020B0503020102020204" pitchFamily="34" charset="0"/>
+                        </a:rPr>
+                        <a:t>-0.281878</a:t>
+                      </a:r>
+                    </a:p>
+                  </a:txBody>
+                  <a:tcPr marL="9525" marR="9525" marT="9525" marB="0" anchor="b"/>
+                </a:tc>
+                <a:tc>
+                  <a:txBody>
+                    <a:bodyPr/>
+                    <a:lstStyle/>
+                    <a:p>
+                      <a:pPr algn="r" fontAlgn="b"/>
+                      <a:r>
+                        <a:rPr lang="de-DE" sz="1800" b="1" i="0" u="none" strike="noStrike" dirty="0">
+                          <a:solidFill>
+                            <a:srgbClr val="000000"/>
+                          </a:solidFill>
+                          <a:effectLst/>
+                          <a:latin typeface="Franklin Gothic Book" panose="020B0503020102020204" pitchFamily="34" charset="0"/>
+                        </a:rPr>
+                        <a:t>0.238533</a:t>
+                      </a:r>
+                    </a:p>
+                  </a:txBody>
+                  <a:tcPr marL="9525" marR="9525" marT="9525" marB="0" anchor="b"/>
+                </a:tc>
+                <a:tc>
+                  <a:txBody>
+                    <a:bodyPr/>
+                    <a:lstStyle/>
+                    <a:p>
+                      <a:pPr algn="r" fontAlgn="b"/>
+                      <a:r>
+                        <a:rPr lang="de-DE" sz="1800" b="1" i="0" u="none" strike="noStrike" dirty="0">
+                          <a:solidFill>
+                            <a:srgbClr val="000000"/>
+                          </a:solidFill>
+                          <a:effectLst/>
+                          <a:latin typeface="Franklin Gothic Book" panose="020B0503020102020204" pitchFamily="34" charset="0"/>
+                        </a:rPr>
+                        <a:t>0.165297</a:t>
+                      </a:r>
+                    </a:p>
+                  </a:txBody>
+                  <a:tcPr marL="9525" marR="9525" marT="9525" marB="0" anchor="b"/>
+                </a:tc>
+                <a:extLst>
+                  <a:ext uri="{0D108BD9-81ED-4DB2-BD59-A6C34878D82A}">
+                    <a16:rowId xmlns:a16="http://schemas.microsoft.com/office/drawing/2014/main" val="500243084"/>
+                  </a:ext>
+                </a:extLst>
+              </a:tr>
+              <a:tr h="258363">
+                <a:tc>
+                  <a:txBody>
+                    <a:bodyPr/>
+                    <a:lstStyle/>
+                    <a:p>
+                      <a:pPr algn="l" fontAlgn="b"/>
+                      <a:r>
+                        <a:rPr lang="de-DE" sz="1800" b="0" i="0" u="none" strike="noStrike" dirty="0">
+                          <a:solidFill>
+                            <a:srgbClr val="000000"/>
+                          </a:solidFill>
+                          <a:effectLst/>
+                          <a:latin typeface="Franklin Gothic Book" panose="020B0503020102020204" pitchFamily="34" charset="0"/>
+                        </a:rPr>
+                        <a:t>Neutral Words</a:t>
+                      </a:r>
+                    </a:p>
+                  </a:txBody>
+                  <a:tcPr marL="9525" marR="9525" marT="9525" marB="0" anchor="b"/>
+                </a:tc>
+                <a:tc>
+                  <a:txBody>
+                    <a:bodyPr/>
+                    <a:lstStyle/>
+                    <a:p>
+                      <a:pPr algn="r" fontAlgn="b"/>
+                      <a:r>
+                        <a:rPr lang="de-DE" sz="1800" b="0" i="0" u="none" strike="noStrike" dirty="0">
+                          <a:solidFill>
+                            <a:srgbClr val="000000"/>
+                          </a:solidFill>
+                          <a:effectLst/>
+                          <a:latin typeface="Franklin Gothic Book" panose="020B0503020102020204" pitchFamily="34" charset="0"/>
+                        </a:rPr>
+                        <a:t>0.211546</a:t>
+                      </a:r>
+                    </a:p>
+                  </a:txBody>
+                  <a:tcPr marL="9525" marR="9525" marT="9525" marB="0" anchor="b"/>
+                </a:tc>
+                <a:tc>
+                  <a:txBody>
+                    <a:bodyPr/>
+                    <a:lstStyle/>
+                    <a:p>
+                      <a:pPr algn="r" fontAlgn="b"/>
+                      <a:r>
+                        <a:rPr lang="de-DE" sz="1800" b="0" i="0" u="none" strike="noStrike" dirty="0">
+                          <a:solidFill>
+                            <a:srgbClr val="000000"/>
+                          </a:solidFill>
+                          <a:effectLst/>
+                          <a:latin typeface="Franklin Gothic Book" panose="020B0503020102020204" pitchFamily="34" charset="0"/>
+                        </a:rPr>
+                        <a:t>-0.092602</a:t>
+                      </a:r>
+                    </a:p>
+                  </a:txBody>
+                  <a:tcPr marL="9525" marR="9525" marT="9525" marB="0" anchor="b"/>
+                </a:tc>
+                <a:tc>
+                  <a:txBody>
+                    <a:bodyPr/>
+                    <a:lstStyle/>
+                    <a:p>
+                      <a:pPr algn="r" fontAlgn="b"/>
+                      <a:r>
+                        <a:rPr lang="de-DE" sz="1800" b="0" i="0" u="none" strike="noStrike" dirty="0">
+                          <a:solidFill>
+                            <a:srgbClr val="000000"/>
+                          </a:solidFill>
+                          <a:effectLst/>
+                          <a:latin typeface="Franklin Gothic Book" panose="020B0503020102020204" pitchFamily="34" charset="0"/>
+                        </a:rPr>
+                        <a:t>0.060794</a:t>
+                      </a:r>
+                    </a:p>
+                  </a:txBody>
+                  <a:tcPr marL="9525" marR="9525" marT="9525" marB="0" anchor="b"/>
+                </a:tc>
+                <a:tc>
+                  <a:txBody>
+                    <a:bodyPr/>
+                    <a:lstStyle/>
+                    <a:p>
+                      <a:pPr algn="r" fontAlgn="b"/>
+                      <a:r>
+                        <a:rPr lang="de-DE" sz="1800" b="0" i="0" u="none" strike="noStrike" dirty="0">
+                          <a:solidFill>
+                            <a:srgbClr val="000000"/>
+                          </a:solidFill>
+                          <a:effectLst/>
+                          <a:latin typeface="Franklin Gothic Book" panose="020B0503020102020204" pitchFamily="34" charset="0"/>
+                        </a:rPr>
+                        <a:t>0.078015</a:t>
+                      </a:r>
+                    </a:p>
+                  </a:txBody>
+                  <a:tcPr marL="9525" marR="9525" marT="9525" marB="0" anchor="b"/>
+                </a:tc>
+                <a:extLst>
+                  <a:ext uri="{0D108BD9-81ED-4DB2-BD59-A6C34878D82A}">
+                    <a16:rowId xmlns:a16="http://schemas.microsoft.com/office/drawing/2014/main" val="1442768472"/>
+                  </a:ext>
+                </a:extLst>
+              </a:tr>
+              <a:tr h="203200">
+                <a:tc>
+                  <a:txBody>
+                    <a:bodyPr/>
+                    <a:lstStyle/>
+                    <a:p>
+                      <a:pPr algn="l" fontAlgn="b"/>
+                      <a:r>
+                        <a:rPr lang="de-DE" sz="1800" b="0" u="none" strike="noStrike" dirty="0" err="1">
+                          <a:effectLst/>
+                        </a:rPr>
+                        <a:t>Exclamation</a:t>
+                      </a:r>
+                      <a:r>
+                        <a:rPr lang="de-DE" sz="1800" b="0" u="none" strike="noStrike" dirty="0">
+                          <a:effectLst/>
+                        </a:rPr>
+                        <a:t> Marks</a:t>
+                      </a:r>
+                      <a:endParaRPr lang="de-DE" sz="1800" b="0" i="0" u="none" strike="noStrike" dirty="0">
+                        <a:solidFill>
+                          <a:srgbClr val="000000"/>
+                        </a:solidFill>
+                        <a:effectLst/>
+                        <a:latin typeface="Franklin Gothic Book" panose="020B0503020102020204" pitchFamily="34" charset="0"/>
+                      </a:endParaRPr>
+                    </a:p>
+                  </a:txBody>
+                  <a:tcPr marL="9525" marR="9525" marT="9525" marB="0" anchor="b"/>
+                </a:tc>
+                <a:tc>
+                  <a:txBody>
+                    <a:bodyPr/>
+                    <a:lstStyle/>
+                    <a:p>
+                      <a:pPr algn="r" fontAlgn="b"/>
+                      <a:r>
+                        <a:rPr lang="de-DE" sz="1800" b="1" u="none" strike="noStrike" dirty="0">
+                          <a:effectLst/>
+                        </a:rPr>
+                        <a:t>-0.39866</a:t>
+                      </a:r>
+                      <a:endParaRPr lang="de-DE" sz="1800" b="1" i="0" u="none" strike="noStrike" dirty="0">
+                        <a:solidFill>
+                          <a:srgbClr val="000000"/>
+                        </a:solidFill>
+                        <a:effectLst/>
+                        <a:latin typeface="Franklin Gothic Book" panose="020B0503020102020204" pitchFamily="34" charset="0"/>
+                      </a:endParaRPr>
+                    </a:p>
+                  </a:txBody>
+                  <a:tcPr marL="9525" marR="9525" marT="9525" marB="0" anchor="b"/>
+                </a:tc>
+                <a:tc>
+                  <a:txBody>
+                    <a:bodyPr/>
+                    <a:lstStyle/>
+                    <a:p>
+                      <a:pPr algn="r" fontAlgn="b"/>
+                      <a:r>
+                        <a:rPr lang="de-DE" sz="1800" b="0" i="0" u="none" strike="noStrike" dirty="0">
+                          <a:solidFill>
+                            <a:srgbClr val="000000"/>
+                          </a:solidFill>
+                          <a:effectLst/>
+                          <a:latin typeface="Franklin Gothic Book" panose="020B0503020102020204" pitchFamily="34" charset="0"/>
+                        </a:rPr>
+                        <a:t>-0.16408</a:t>
+                      </a:r>
+                    </a:p>
+                  </a:txBody>
+                  <a:tcPr marL="9525" marR="9525" marT="9525" marB="0" anchor="b"/>
+                </a:tc>
+                <a:tc>
+                  <a:txBody>
+                    <a:bodyPr/>
+                    <a:lstStyle/>
+                    <a:p>
+                      <a:pPr algn="r" fontAlgn="b"/>
+                      <a:r>
+                        <a:rPr lang="de-DE" sz="1800" b="0" u="none" strike="noStrike" dirty="0">
+                          <a:effectLst/>
+                        </a:rPr>
+                        <a:t>0.014925</a:t>
+                      </a:r>
+                      <a:endParaRPr lang="de-DE" sz="1800" b="0" i="0" u="none" strike="noStrike" dirty="0">
+                        <a:solidFill>
+                          <a:srgbClr val="000000"/>
+                        </a:solidFill>
+                        <a:effectLst/>
+                        <a:latin typeface="Franklin Gothic Book" panose="020B0503020102020204" pitchFamily="34" charset="0"/>
+                      </a:endParaRPr>
+                    </a:p>
+                  </a:txBody>
+                  <a:tcPr marL="9525" marR="9525" marT="9525" marB="0" anchor="b"/>
+                </a:tc>
+                <a:tc>
+                  <a:txBody>
+                    <a:bodyPr/>
+                    <a:lstStyle/>
+                    <a:p>
+                      <a:pPr algn="r" fontAlgn="b"/>
+                      <a:r>
+                        <a:rPr lang="de-DE" sz="1800" b="0" u="none" strike="noStrike" dirty="0">
+                          <a:effectLst/>
+                        </a:rPr>
+                        <a:t>0.015078</a:t>
+                      </a:r>
+                      <a:endParaRPr lang="de-DE" sz="1800" b="0" i="0" u="none" strike="noStrike" dirty="0">
+                        <a:solidFill>
+                          <a:srgbClr val="000000"/>
+                        </a:solidFill>
+                        <a:effectLst/>
+                        <a:latin typeface="Franklin Gothic Book" panose="020B0503020102020204" pitchFamily="34" charset="0"/>
+                      </a:endParaRPr>
+                    </a:p>
+                  </a:txBody>
+                  <a:tcPr marL="9525" marR="9525" marT="9525" marB="0" anchor="b"/>
+                </a:tc>
+                <a:extLst>
+                  <a:ext uri="{0D108BD9-81ED-4DB2-BD59-A6C34878D82A}">
+                    <a16:rowId xmlns:a16="http://schemas.microsoft.com/office/drawing/2014/main" val="1518536050"/>
+                  </a:ext>
+                </a:extLst>
+              </a:tr>
+              <a:tr h="203200">
+                <a:tc>
+                  <a:txBody>
+                    <a:bodyPr/>
+                    <a:lstStyle/>
+                    <a:p>
+                      <a:pPr algn="l" fontAlgn="b"/>
+                      <a:r>
+                        <a:rPr lang="de-DE" sz="1800" b="0" i="0" u="none" strike="noStrike" dirty="0" err="1">
+                          <a:solidFill>
+                            <a:srgbClr val="000000"/>
+                          </a:solidFill>
+                          <a:effectLst/>
+                          <a:latin typeface="Franklin Gothic Book" panose="020B0503020102020204" pitchFamily="34" charset="0"/>
+                        </a:rPr>
+                        <a:t>Question</a:t>
+                      </a:r>
+                      <a:r>
+                        <a:rPr lang="de-DE" sz="1800" b="0" i="0" u="none" strike="noStrike" dirty="0">
+                          <a:solidFill>
+                            <a:srgbClr val="000000"/>
+                          </a:solidFill>
+                          <a:effectLst/>
+                          <a:latin typeface="Franklin Gothic Book" panose="020B0503020102020204" pitchFamily="34" charset="0"/>
+                        </a:rPr>
+                        <a:t> Marks</a:t>
+                      </a:r>
+                    </a:p>
+                  </a:txBody>
+                  <a:tcPr marL="9525" marR="9525" marT="9525" marB="0" anchor="b"/>
+                </a:tc>
+                <a:tc>
+                  <a:txBody>
+                    <a:bodyPr/>
+                    <a:lstStyle/>
+                    <a:p>
+                      <a:pPr algn="r" fontAlgn="b"/>
+                      <a:r>
+                        <a:rPr lang="de-DE" sz="1800" b="0" i="0" u="none" strike="noStrike" dirty="0">
+                          <a:solidFill>
+                            <a:srgbClr val="000000"/>
+                          </a:solidFill>
+                          <a:effectLst/>
+                          <a:latin typeface="Franklin Gothic Book" panose="020B0503020102020204" pitchFamily="34" charset="0"/>
+                        </a:rPr>
+                        <a:t>0.034885</a:t>
+                      </a:r>
+                    </a:p>
+                  </a:txBody>
+                  <a:tcPr marL="9525" marR="9525" marT="9525" marB="0" anchor="b"/>
+                </a:tc>
+                <a:tc>
+                  <a:txBody>
+                    <a:bodyPr/>
+                    <a:lstStyle/>
+                    <a:p>
+                      <a:pPr algn="r" fontAlgn="b"/>
+                      <a:r>
+                        <a:rPr lang="de-DE" sz="1800" b="0" i="0" u="none" strike="noStrike" dirty="0">
+                          <a:solidFill>
+                            <a:srgbClr val="000000"/>
+                          </a:solidFill>
+                          <a:effectLst/>
+                          <a:latin typeface="Franklin Gothic Book" panose="020B0503020102020204" pitchFamily="34" charset="0"/>
+                        </a:rPr>
+                        <a:t>0.077828</a:t>
+                      </a:r>
+                    </a:p>
+                  </a:txBody>
+                  <a:tcPr marL="9525" marR="9525" marT="9525" marB="0" anchor="b"/>
+                </a:tc>
+                <a:tc>
+                  <a:txBody>
+                    <a:bodyPr/>
+                    <a:lstStyle/>
+                    <a:p>
+                      <a:pPr algn="r" fontAlgn="b"/>
+                      <a:r>
+                        <a:rPr lang="de-DE" sz="1800" b="0" i="0" u="none" strike="noStrike" dirty="0">
+                          <a:solidFill>
+                            <a:srgbClr val="000000"/>
+                          </a:solidFill>
+                          <a:effectLst/>
+                          <a:latin typeface="Franklin Gothic Book" panose="020B0503020102020204" pitchFamily="34" charset="0"/>
+                        </a:rPr>
+                        <a:t>0.012568</a:t>
+                      </a:r>
+                    </a:p>
+                  </a:txBody>
+                  <a:tcPr marL="9525" marR="9525" marT="9525" marB="0" anchor="b"/>
+                </a:tc>
+                <a:tc>
+                  <a:txBody>
+                    <a:bodyPr/>
+                    <a:lstStyle/>
+                    <a:p>
+                      <a:pPr algn="r" fontAlgn="b"/>
+                      <a:r>
+                        <a:rPr lang="de-DE" sz="1800" b="0" i="0" u="none" strike="noStrike" dirty="0">
+                          <a:solidFill>
+                            <a:srgbClr val="000000"/>
+                          </a:solidFill>
+                          <a:effectLst/>
+                          <a:latin typeface="Franklin Gothic Book" panose="020B0503020102020204" pitchFamily="34" charset="0"/>
+                        </a:rPr>
+                        <a:t>0.015837</a:t>
+                      </a:r>
+                    </a:p>
+                  </a:txBody>
+                  <a:tcPr marL="9525" marR="9525" marT="9525" marB="0" anchor="b"/>
+                </a:tc>
+                <a:extLst>
+                  <a:ext uri="{0D108BD9-81ED-4DB2-BD59-A6C34878D82A}">
+                    <a16:rowId xmlns:a16="http://schemas.microsoft.com/office/drawing/2014/main" val="2056611948"/>
+                  </a:ext>
+                </a:extLst>
+              </a:tr>
+              <a:tr h="203200">
+                <a:tc>
+                  <a:txBody>
+                    <a:bodyPr/>
+                    <a:lstStyle/>
+                    <a:p>
+                      <a:pPr algn="l" fontAlgn="b"/>
+                      <a:r>
+                        <a:rPr lang="de-DE" sz="1800" b="0" i="0" u="none" strike="noStrike" dirty="0" err="1">
+                          <a:solidFill>
+                            <a:srgbClr val="000000"/>
+                          </a:solidFill>
+                          <a:effectLst/>
+                          <a:latin typeface="Franklin Gothic Book" panose="020B0503020102020204" pitchFamily="34" charset="0"/>
+                        </a:rPr>
+                        <a:t>Full</a:t>
+                      </a:r>
+                      <a:r>
+                        <a:rPr lang="de-DE" sz="1800" b="0" i="0" u="none" strike="noStrike" dirty="0">
+                          <a:solidFill>
+                            <a:srgbClr val="000000"/>
+                          </a:solidFill>
+                          <a:effectLst/>
+                          <a:latin typeface="Franklin Gothic Book" panose="020B0503020102020204" pitchFamily="34" charset="0"/>
+                        </a:rPr>
+                        <a:t> </a:t>
+                      </a:r>
+                      <a:r>
+                        <a:rPr lang="de-DE" sz="1800" b="0" i="0" u="none" strike="noStrike" dirty="0" err="1">
+                          <a:solidFill>
+                            <a:srgbClr val="000000"/>
+                          </a:solidFill>
+                          <a:effectLst/>
+                          <a:latin typeface="Franklin Gothic Book" panose="020B0503020102020204" pitchFamily="34" charset="0"/>
+                        </a:rPr>
+                        <a:t>Stop</a:t>
+                      </a:r>
+                      <a:r>
+                        <a:rPr lang="de-DE" sz="1800" b="0" i="0" u="none" strike="noStrike" dirty="0">
+                          <a:solidFill>
+                            <a:srgbClr val="000000"/>
+                          </a:solidFill>
+                          <a:effectLst/>
+                          <a:latin typeface="Franklin Gothic Book" panose="020B0503020102020204" pitchFamily="34" charset="0"/>
+                        </a:rPr>
+                        <a:t> Marks</a:t>
+                      </a:r>
+                    </a:p>
+                  </a:txBody>
+                  <a:tcPr marL="9525" marR="9525" marT="9525" marB="0" anchor="b"/>
+                </a:tc>
+                <a:tc>
+                  <a:txBody>
+                    <a:bodyPr/>
+                    <a:lstStyle/>
+                    <a:p>
+                      <a:pPr algn="r" fontAlgn="b"/>
+                      <a:r>
+                        <a:rPr lang="de-DE" sz="1800" b="0" i="0" u="none" strike="noStrike" dirty="0">
+                          <a:solidFill>
+                            <a:srgbClr val="000000"/>
+                          </a:solidFill>
+                          <a:effectLst/>
+                          <a:latin typeface="Franklin Gothic Book" panose="020B0503020102020204" pitchFamily="34" charset="0"/>
+                        </a:rPr>
+                        <a:t>0.018517</a:t>
+                      </a:r>
+                    </a:p>
+                  </a:txBody>
+                  <a:tcPr marL="9525" marR="9525" marT="9525" marB="0" anchor="b"/>
+                </a:tc>
+                <a:tc>
+                  <a:txBody>
+                    <a:bodyPr/>
+                    <a:lstStyle/>
+                    <a:p>
+                      <a:pPr algn="r" fontAlgn="b"/>
+                      <a:r>
+                        <a:rPr lang="de-DE" sz="1800" b="0" i="0" u="none" strike="noStrike" dirty="0">
+                          <a:solidFill>
+                            <a:srgbClr val="000000"/>
+                          </a:solidFill>
+                          <a:effectLst/>
+                          <a:latin typeface="Franklin Gothic Book" panose="020B0503020102020204" pitchFamily="34" charset="0"/>
+                        </a:rPr>
+                        <a:t>0.015701</a:t>
+                      </a:r>
+                    </a:p>
+                  </a:txBody>
+                  <a:tcPr marL="9525" marR="9525" marT="9525" marB="0" anchor="b"/>
+                </a:tc>
+                <a:tc>
+                  <a:txBody>
+                    <a:bodyPr/>
+                    <a:lstStyle/>
+                    <a:p>
+                      <a:pPr algn="r" fontAlgn="b"/>
+                      <a:r>
+                        <a:rPr lang="de-DE" sz="1800" b="0" i="0" u="none" strike="noStrike" dirty="0">
+                          <a:solidFill>
+                            <a:srgbClr val="000000"/>
+                          </a:solidFill>
+                          <a:effectLst/>
+                          <a:latin typeface="Franklin Gothic Book" panose="020B0503020102020204" pitchFamily="34" charset="0"/>
+                        </a:rPr>
+                        <a:t>0.039024</a:t>
+                      </a:r>
+                    </a:p>
+                  </a:txBody>
+                  <a:tcPr marL="9525" marR="9525" marT="9525" marB="0" anchor="b"/>
+                </a:tc>
+                <a:tc>
+                  <a:txBody>
+                    <a:bodyPr/>
+                    <a:lstStyle/>
+                    <a:p>
+                      <a:pPr algn="r" fontAlgn="b"/>
+                      <a:r>
+                        <a:rPr lang="de-DE" sz="1800" b="0" i="0" u="none" strike="noStrike" dirty="0">
+                          <a:solidFill>
+                            <a:srgbClr val="000000"/>
+                          </a:solidFill>
+                          <a:effectLst/>
+                          <a:latin typeface="Franklin Gothic Book" panose="020B0503020102020204" pitchFamily="34" charset="0"/>
+                        </a:rPr>
+                        <a:t>0.050472</a:t>
+                      </a:r>
+                    </a:p>
+                  </a:txBody>
+                  <a:tcPr marL="9525" marR="9525" marT="9525" marB="0" anchor="b"/>
+                </a:tc>
+                <a:extLst>
+                  <a:ext uri="{0D108BD9-81ED-4DB2-BD59-A6C34878D82A}">
+                    <a16:rowId xmlns:a16="http://schemas.microsoft.com/office/drawing/2014/main" val="1381852153"/>
+                  </a:ext>
+                </a:extLst>
+              </a:tr>
+              <a:tr h="203200">
+                <a:tc>
+                  <a:txBody>
+                    <a:bodyPr/>
+                    <a:lstStyle/>
+                    <a:p>
+                      <a:pPr algn="l" fontAlgn="b"/>
+                      <a:r>
+                        <a:rPr lang="de-DE" sz="1800" b="0" i="0" u="none" strike="noStrike" dirty="0" err="1">
+                          <a:solidFill>
+                            <a:srgbClr val="000000"/>
+                          </a:solidFill>
+                          <a:effectLst/>
+                          <a:latin typeface="Franklin Gothic Book" panose="020B0503020102020204" pitchFamily="34" charset="0"/>
+                        </a:rPr>
+                        <a:t>Interjections</a:t>
+                      </a:r>
+                      <a:endParaRPr lang="de-DE" sz="1800" b="0" i="0" u="none" strike="noStrike" dirty="0">
+                        <a:solidFill>
+                          <a:srgbClr val="000000"/>
+                        </a:solidFill>
+                        <a:effectLst/>
+                        <a:latin typeface="Franklin Gothic Book" panose="020B0503020102020204" pitchFamily="34" charset="0"/>
+                      </a:endParaRPr>
+                    </a:p>
+                  </a:txBody>
+                  <a:tcPr marL="9525" marR="9525" marT="9525" marB="0" anchor="b"/>
+                </a:tc>
+                <a:tc>
+                  <a:txBody>
+                    <a:bodyPr/>
+                    <a:lstStyle/>
+                    <a:p>
+                      <a:pPr algn="r" fontAlgn="b"/>
+                      <a:r>
+                        <a:rPr lang="de-DE" sz="1800" b="0" i="0" u="none" strike="noStrike" dirty="0">
+                          <a:solidFill>
+                            <a:srgbClr val="000000"/>
+                          </a:solidFill>
+                          <a:effectLst/>
+                          <a:latin typeface="Franklin Gothic Book" panose="020B0503020102020204" pitchFamily="34" charset="0"/>
+                        </a:rPr>
+                        <a:t>-0.255209</a:t>
+                      </a:r>
+                    </a:p>
+                  </a:txBody>
+                  <a:tcPr marL="9525" marR="9525" marT="9525" marB="0" anchor="b"/>
+                </a:tc>
+                <a:tc>
+                  <a:txBody>
+                    <a:bodyPr/>
+                    <a:lstStyle/>
+                    <a:p>
+                      <a:pPr marL="0" marR="0" lvl="0" indent="0" algn="r" defTabSz="914400" rtl="0" eaLnBrk="1" fontAlgn="auto" latinLnBrk="0" hangingPunct="1">
+                        <a:lnSpc>
+                          <a:spcPct val="100000"/>
+                        </a:lnSpc>
+                        <a:spcBef>
+                          <a:spcPts val="0"/>
+                        </a:spcBef>
+                        <a:spcAft>
+                          <a:spcPts val="0"/>
+                        </a:spcAft>
+                        <a:buClrTx/>
+                        <a:buSzTx/>
+                        <a:buFontTx/>
+                        <a:buNone/>
+                        <a:tabLst/>
+                        <a:defRPr/>
+                      </a:pPr>
+                      <a:r>
+                        <a:rPr lang="de-DE" sz="1800" b="0" i="0" u="none" strike="noStrike" dirty="0">
+                          <a:solidFill>
+                            <a:srgbClr val="000000"/>
+                          </a:solidFill>
+                          <a:effectLst/>
+                          <a:latin typeface="Franklin Gothic Book" panose="020B0503020102020204" pitchFamily="34" charset="0"/>
+                        </a:rPr>
+                        <a:t>0.084760</a:t>
+                      </a:r>
+                    </a:p>
+                  </a:txBody>
+                  <a:tcPr marL="9525" marR="9525" marT="9525" marB="0" anchor="b"/>
+                </a:tc>
+                <a:tc>
+                  <a:txBody>
+                    <a:bodyPr/>
+                    <a:lstStyle/>
+                    <a:p>
+                      <a:pPr algn="r" fontAlgn="b"/>
+                      <a:r>
+                        <a:rPr lang="de-DE" sz="1800" b="0" i="0" u="none" strike="noStrike" dirty="0">
+                          <a:solidFill>
+                            <a:srgbClr val="000000"/>
+                          </a:solidFill>
+                          <a:effectLst/>
+                          <a:latin typeface="Franklin Gothic Book" panose="020B0503020102020204" pitchFamily="34" charset="0"/>
+                        </a:rPr>
+                        <a:t>0.002545</a:t>
+                      </a:r>
+                    </a:p>
+                  </a:txBody>
+                  <a:tcPr marL="9525" marR="9525" marT="9525" marB="0" anchor="b"/>
+                </a:tc>
+                <a:tc>
+                  <a:txBody>
+                    <a:bodyPr/>
+                    <a:lstStyle/>
+                    <a:p>
+                      <a:pPr algn="r" fontAlgn="b"/>
+                      <a:r>
+                        <a:rPr lang="de-DE" sz="1800" b="0" i="0" u="none" strike="noStrike" dirty="0">
+                          <a:solidFill>
+                            <a:srgbClr val="000000"/>
+                          </a:solidFill>
+                          <a:effectLst/>
+                          <a:latin typeface="Franklin Gothic Book" panose="020B0503020102020204" pitchFamily="34" charset="0"/>
+                        </a:rPr>
+                        <a:t>0.001223</a:t>
+                      </a:r>
+                    </a:p>
+                  </a:txBody>
+                  <a:tcPr marL="9525" marR="9525" marT="9525" marB="0" anchor="b"/>
+                </a:tc>
+                <a:extLst>
+                  <a:ext uri="{0D108BD9-81ED-4DB2-BD59-A6C34878D82A}">
+                    <a16:rowId xmlns:a16="http://schemas.microsoft.com/office/drawing/2014/main" val="205924761"/>
+                  </a:ext>
+                </a:extLst>
+              </a:tr>
+              <a:tr h="203200">
+                <a:tc>
+                  <a:txBody>
+                    <a:bodyPr/>
+                    <a:lstStyle/>
+                    <a:p>
+                      <a:pPr algn="l" fontAlgn="b"/>
+                      <a:r>
+                        <a:rPr lang="de-DE" sz="1800" b="0" i="0" u="none" strike="noStrike" dirty="0">
+                          <a:solidFill>
+                            <a:srgbClr val="000000"/>
+                          </a:solidFill>
+                          <a:effectLst/>
+                          <a:latin typeface="Franklin Gothic Book" panose="020B0503020102020204" pitchFamily="34" charset="0"/>
+                        </a:rPr>
+                        <a:t>All Caps Words</a:t>
+                      </a:r>
+                    </a:p>
+                  </a:txBody>
+                  <a:tcPr marL="9525" marR="9525" marT="9525" marB="0" anchor="b"/>
+                </a:tc>
+                <a:tc>
+                  <a:txBody>
+                    <a:bodyPr/>
+                    <a:lstStyle/>
+                    <a:p>
+                      <a:pPr algn="r" fontAlgn="b"/>
+                      <a:r>
+                        <a:rPr lang="de-DE" sz="1800" b="0" i="0" u="none" strike="noStrike" dirty="0">
+                          <a:solidFill>
+                            <a:srgbClr val="000000"/>
+                          </a:solidFill>
+                          <a:effectLst/>
+                          <a:latin typeface="Franklin Gothic Book" panose="020B0503020102020204" pitchFamily="34" charset="0"/>
+                        </a:rPr>
+                        <a:t>0.119023</a:t>
+                      </a:r>
+                    </a:p>
+                  </a:txBody>
+                  <a:tcPr marL="9525" marR="9525" marT="9525" marB="0" anchor="b"/>
+                </a:tc>
+                <a:tc>
+                  <a:txBody>
+                    <a:bodyPr/>
+                    <a:lstStyle/>
+                    <a:p>
+                      <a:pPr algn="r"/>
+                      <a:r>
+                        <a:rPr lang="de-DE" dirty="0"/>
+                        <a:t>0.036716</a:t>
+                      </a:r>
+                      <a:endParaRPr lang="en-US" dirty="0"/>
+                    </a:p>
+                  </a:txBody>
+                  <a:tcPr marL="9525" marR="9525" marT="9525" marB="0" anchor="b"/>
+                </a:tc>
+                <a:tc>
+                  <a:txBody>
+                    <a:bodyPr/>
+                    <a:lstStyle/>
+                    <a:p>
+                      <a:pPr algn="r" fontAlgn="b"/>
+                      <a:r>
+                        <a:rPr lang="de-DE" sz="1800" b="0" i="0" u="none" strike="noStrike" dirty="0">
+                          <a:solidFill>
+                            <a:srgbClr val="000000"/>
+                          </a:solidFill>
+                          <a:effectLst/>
+                          <a:latin typeface="Franklin Gothic Book" panose="020B0503020102020204" pitchFamily="34" charset="0"/>
+                        </a:rPr>
+                        <a:t>0.025809</a:t>
+                      </a:r>
+                    </a:p>
+                  </a:txBody>
+                  <a:tcPr marL="9525" marR="9525" marT="9525" marB="0" anchor="b"/>
+                </a:tc>
+                <a:tc>
+                  <a:txBody>
+                    <a:bodyPr/>
+                    <a:lstStyle/>
+                    <a:p>
+                      <a:pPr algn="r" fontAlgn="b"/>
+                      <a:r>
+                        <a:rPr lang="de-DE" sz="1800" b="0" i="0" u="none" strike="noStrike" dirty="0">
+                          <a:solidFill>
+                            <a:srgbClr val="000000"/>
+                          </a:solidFill>
+                          <a:effectLst/>
+                          <a:latin typeface="Franklin Gothic Book" panose="020B0503020102020204" pitchFamily="34" charset="0"/>
+                        </a:rPr>
+                        <a:t>0.030842</a:t>
+                      </a:r>
+                    </a:p>
+                  </a:txBody>
+                  <a:tcPr marL="9525" marR="9525" marT="9525" marB="0" anchor="b"/>
+                </a:tc>
+                <a:extLst>
+                  <a:ext uri="{0D108BD9-81ED-4DB2-BD59-A6C34878D82A}">
+                    <a16:rowId xmlns:a16="http://schemas.microsoft.com/office/drawing/2014/main" val="997747896"/>
+                  </a:ext>
+                </a:extLst>
+              </a:tr>
+              <a:tr h="203200">
+                <a:tc>
+                  <a:txBody>
+                    <a:bodyPr/>
+                    <a:lstStyle/>
+                    <a:p>
+                      <a:pPr algn="l" fontAlgn="b"/>
+                      <a:r>
+                        <a:rPr lang="de-DE" sz="1800" b="0" i="0" u="none" strike="noStrike" dirty="0">
+                          <a:solidFill>
+                            <a:srgbClr val="000000"/>
+                          </a:solidFill>
+                          <a:effectLst/>
+                          <a:latin typeface="Franklin Gothic Book" panose="020B0503020102020204" pitchFamily="34" charset="0"/>
+                        </a:rPr>
+                        <a:t>Quotation Marks</a:t>
+                      </a:r>
+                    </a:p>
+                  </a:txBody>
+                  <a:tcPr marL="9525" marR="9525" marT="9525" marB="0" anchor="b"/>
+                </a:tc>
+                <a:tc>
+                  <a:txBody>
+                    <a:bodyPr/>
+                    <a:lstStyle/>
+                    <a:p>
+                      <a:pPr algn="r" fontAlgn="b"/>
+                      <a:r>
+                        <a:rPr lang="de-DE" sz="1800" b="0" i="0" u="none" strike="noStrike" dirty="0">
+                          <a:solidFill>
+                            <a:srgbClr val="000000"/>
+                          </a:solidFill>
+                          <a:effectLst/>
+                          <a:latin typeface="Franklin Gothic Book" panose="020B0503020102020204" pitchFamily="34" charset="0"/>
+                        </a:rPr>
+                        <a:t>-0.197908</a:t>
+                      </a:r>
+                    </a:p>
+                  </a:txBody>
+                  <a:tcPr marL="9525" marR="9525" marT="9525" marB="0" anchor="b"/>
+                </a:tc>
+                <a:tc>
+                  <a:txBody>
+                    <a:bodyPr/>
+                    <a:lstStyle/>
+                    <a:p>
+                      <a:pPr algn="r" fontAlgn="b"/>
+                      <a:r>
+                        <a:rPr lang="de-DE" sz="1800" b="0" i="0" u="none" strike="noStrike" dirty="0">
+                          <a:solidFill>
+                            <a:srgbClr val="000000"/>
+                          </a:solidFill>
+                          <a:effectLst/>
+                          <a:latin typeface="Franklin Gothic Book" panose="020B0503020102020204" pitchFamily="34" charset="0"/>
+                        </a:rPr>
+                        <a:t>-0.083534</a:t>
+                      </a:r>
+                    </a:p>
+                  </a:txBody>
+                  <a:tcPr marL="9525" marR="9525" marT="9525" marB="0" anchor="b"/>
+                </a:tc>
+                <a:tc>
+                  <a:txBody>
+                    <a:bodyPr/>
+                    <a:lstStyle/>
+                    <a:p>
+                      <a:pPr algn="r" fontAlgn="b"/>
+                      <a:r>
+                        <a:rPr lang="de-DE" sz="1800" b="0" i="0" u="none" strike="noStrike" dirty="0">
+                          <a:solidFill>
+                            <a:srgbClr val="000000"/>
+                          </a:solidFill>
+                          <a:effectLst/>
+                          <a:latin typeface="Franklin Gothic Book" panose="020B0503020102020204" pitchFamily="34" charset="0"/>
+                        </a:rPr>
+                        <a:t>0.011336</a:t>
+                      </a:r>
+                    </a:p>
+                  </a:txBody>
+                  <a:tcPr marL="9525" marR="9525" marT="9525" marB="0" anchor="b"/>
+                </a:tc>
+                <a:tc>
+                  <a:txBody>
+                    <a:bodyPr/>
+                    <a:lstStyle/>
+                    <a:p>
+                      <a:pPr algn="r" fontAlgn="b"/>
+                      <a:r>
+                        <a:rPr lang="de-DE" sz="1800" b="0" i="0" u="none" strike="noStrike" dirty="0">
+                          <a:solidFill>
+                            <a:srgbClr val="000000"/>
+                          </a:solidFill>
+                          <a:effectLst/>
+                          <a:latin typeface="Franklin Gothic Book" panose="020B0503020102020204" pitchFamily="34" charset="0"/>
+                        </a:rPr>
+                        <a:t>0.007124</a:t>
+                      </a:r>
+                    </a:p>
+                  </a:txBody>
+                  <a:tcPr marL="9525" marR="9525" marT="9525" marB="0" anchor="b"/>
+                </a:tc>
+                <a:extLst>
+                  <a:ext uri="{0D108BD9-81ED-4DB2-BD59-A6C34878D82A}">
+                    <a16:rowId xmlns:a16="http://schemas.microsoft.com/office/drawing/2014/main" val="1468995475"/>
+                  </a:ext>
+                </a:extLst>
+              </a:tr>
+              <a:tr h="203200">
+                <a:tc>
+                  <a:txBody>
+                    <a:bodyPr/>
+                    <a:lstStyle/>
+                    <a:p>
+                      <a:pPr algn="l" fontAlgn="b"/>
+                      <a:r>
+                        <a:rPr lang="de-DE" sz="1800" b="0" i="0" u="none" strike="noStrike" dirty="0">
+                          <a:solidFill>
+                            <a:srgbClr val="000000"/>
+                          </a:solidFill>
+                          <a:effectLst/>
+                          <a:latin typeface="Franklin Gothic Book" panose="020B0503020102020204" pitchFamily="34" charset="0"/>
+                        </a:rPr>
+                        <a:t>Words Total</a:t>
+                      </a:r>
+                    </a:p>
+                  </a:txBody>
+                  <a:tcPr marL="9525" marR="9525" marT="9525" marB="0" anchor="b"/>
+                </a:tc>
+                <a:tc>
+                  <a:txBody>
+                    <a:bodyPr/>
+                    <a:lstStyle/>
+                    <a:p>
+                      <a:pPr algn="r" fontAlgn="b"/>
+                      <a:r>
+                        <a:rPr lang="de-DE" sz="1800" b="0" i="0" u="none" strike="noStrike" dirty="0">
+                          <a:solidFill>
+                            <a:srgbClr val="000000"/>
+                          </a:solidFill>
+                          <a:effectLst/>
+                          <a:latin typeface="Franklin Gothic Book" panose="020B0503020102020204" pitchFamily="34" charset="0"/>
+                        </a:rPr>
+                        <a:t>0.048423</a:t>
+                      </a:r>
+                    </a:p>
+                  </a:txBody>
+                  <a:tcPr marL="9525" marR="9525" marT="9525" marB="0" anchor="b"/>
+                </a:tc>
+                <a:tc>
+                  <a:txBody>
+                    <a:bodyPr/>
+                    <a:lstStyle/>
+                    <a:p>
+                      <a:pPr algn="r" fontAlgn="b"/>
+                      <a:r>
+                        <a:rPr lang="de-DE" sz="1800" b="0" i="0" u="none" strike="noStrike" dirty="0">
+                          <a:solidFill>
+                            <a:srgbClr val="000000"/>
+                          </a:solidFill>
+                          <a:effectLst/>
+                          <a:latin typeface="Franklin Gothic Book" panose="020B0503020102020204" pitchFamily="34" charset="0"/>
+                        </a:rPr>
+                        <a:t>0.023188</a:t>
+                      </a:r>
+                    </a:p>
+                  </a:txBody>
+                  <a:tcPr marL="9525" marR="9525" marT="9525" marB="0" anchor="b"/>
+                </a:tc>
+                <a:tc>
+                  <a:txBody>
+                    <a:bodyPr/>
+                    <a:lstStyle/>
+                    <a:p>
+                      <a:pPr algn="r" fontAlgn="b"/>
+                      <a:r>
+                        <a:rPr lang="de-DE" sz="1800" b="1" i="0" u="none" strike="noStrike" dirty="0">
+                          <a:solidFill>
+                            <a:srgbClr val="000000"/>
+                          </a:solidFill>
+                          <a:effectLst/>
+                          <a:latin typeface="Franklin Gothic Book" panose="020B0503020102020204" pitchFamily="34" charset="0"/>
+                        </a:rPr>
+                        <a:t>0.107484</a:t>
+                      </a:r>
+                    </a:p>
+                  </a:txBody>
+                  <a:tcPr marL="9525" marR="9525" marT="9525" marB="0" anchor="b"/>
+                </a:tc>
+                <a:tc>
+                  <a:txBody>
+                    <a:bodyPr/>
+                    <a:lstStyle/>
+                    <a:p>
+                      <a:pPr algn="r" fontAlgn="b"/>
+                      <a:r>
+                        <a:rPr lang="de-DE" sz="1800" b="1" i="0" u="none" strike="noStrike" dirty="0">
+                          <a:solidFill>
+                            <a:srgbClr val="000000"/>
+                          </a:solidFill>
+                          <a:effectLst/>
+                          <a:latin typeface="Franklin Gothic Book" panose="020B0503020102020204" pitchFamily="34" charset="0"/>
+                        </a:rPr>
+                        <a:t>0.176739</a:t>
+                      </a:r>
+                    </a:p>
+                  </a:txBody>
+                  <a:tcPr marL="9525" marR="9525" marT="9525" marB="0" anchor="b"/>
+                </a:tc>
+                <a:extLst>
+                  <a:ext uri="{0D108BD9-81ED-4DB2-BD59-A6C34878D82A}">
+                    <a16:rowId xmlns:a16="http://schemas.microsoft.com/office/drawing/2014/main" val="4052640074"/>
+                  </a:ext>
+                </a:extLst>
+              </a:tr>
+              <a:tr h="203200">
+                <a:tc>
+                  <a:txBody>
+                    <a:bodyPr/>
+                    <a:lstStyle/>
+                    <a:p>
+                      <a:pPr algn="l" fontAlgn="b"/>
+                      <a:r>
+                        <a:rPr lang="de-DE" sz="1800" b="0" i="0" u="none" strike="noStrike" dirty="0" err="1">
+                          <a:solidFill>
+                            <a:srgbClr val="000000"/>
+                          </a:solidFill>
+                          <a:effectLst/>
+                          <a:latin typeface="Franklin Gothic Book" panose="020B0503020102020204" pitchFamily="34" charset="0"/>
+                        </a:rPr>
+                        <a:t>Laughing</a:t>
+                      </a:r>
+                      <a:r>
+                        <a:rPr lang="de-DE" sz="1800" b="0" i="0" u="none" strike="noStrike" dirty="0">
+                          <a:solidFill>
+                            <a:srgbClr val="000000"/>
+                          </a:solidFill>
+                          <a:effectLst/>
+                          <a:latin typeface="Franklin Gothic Book" panose="020B0503020102020204" pitchFamily="34" charset="0"/>
+                        </a:rPr>
+                        <a:t> </a:t>
+                      </a:r>
+                      <a:r>
+                        <a:rPr lang="de-DE" sz="1800" b="0" i="0" u="none" strike="noStrike" dirty="0" err="1">
+                          <a:solidFill>
+                            <a:srgbClr val="000000"/>
+                          </a:solidFill>
+                          <a:effectLst/>
+                          <a:latin typeface="Franklin Gothic Book" panose="020B0503020102020204" pitchFamily="34" charset="0"/>
+                        </a:rPr>
+                        <a:t>Expressions</a:t>
+                      </a:r>
+                      <a:endParaRPr lang="de-DE" sz="1800" b="0" i="0" u="none" strike="noStrike" dirty="0">
+                        <a:solidFill>
+                          <a:srgbClr val="000000"/>
+                        </a:solidFill>
+                        <a:effectLst/>
+                        <a:latin typeface="Franklin Gothic Book" panose="020B0503020102020204" pitchFamily="34" charset="0"/>
+                      </a:endParaRPr>
+                    </a:p>
+                  </a:txBody>
+                  <a:tcPr marL="9525" marR="9525" marT="9525" marB="0" anchor="b"/>
+                </a:tc>
+                <a:tc>
+                  <a:txBody>
+                    <a:bodyPr/>
+                    <a:lstStyle/>
+                    <a:p>
+                      <a:pPr algn="r" fontAlgn="b"/>
+                      <a:r>
+                        <a:rPr lang="de-DE" sz="1800" b="0" i="0" u="none" strike="noStrike" dirty="0">
+                          <a:solidFill>
+                            <a:srgbClr val="000000"/>
+                          </a:solidFill>
+                          <a:effectLst/>
+                          <a:latin typeface="Franklin Gothic Book" panose="020B0503020102020204" pitchFamily="34" charset="0"/>
+                        </a:rPr>
+                        <a:t>-0.150478</a:t>
+                      </a:r>
+                    </a:p>
+                  </a:txBody>
+                  <a:tcPr marL="9525" marR="9525" marT="9525" marB="0" anchor="b"/>
+                </a:tc>
+                <a:tc>
+                  <a:txBody>
+                    <a:bodyPr/>
+                    <a:lstStyle/>
+                    <a:p>
+                      <a:pPr algn="r" fontAlgn="b"/>
+                      <a:r>
+                        <a:rPr lang="de-DE" sz="1800" b="0" i="0" u="none" strike="noStrike" dirty="0">
+                          <a:solidFill>
+                            <a:srgbClr val="000000"/>
+                          </a:solidFill>
+                          <a:effectLst/>
+                          <a:latin typeface="Franklin Gothic Book" panose="020B0503020102020204" pitchFamily="34" charset="0"/>
+                        </a:rPr>
+                        <a:t>-0.172888</a:t>
+                      </a:r>
+                    </a:p>
+                  </a:txBody>
+                  <a:tcPr marL="9525" marR="9525" marT="9525" marB="0" anchor="b"/>
+                </a:tc>
+                <a:tc>
+                  <a:txBody>
+                    <a:bodyPr/>
+                    <a:lstStyle/>
+                    <a:p>
+                      <a:pPr algn="r" fontAlgn="b"/>
+                      <a:r>
+                        <a:rPr lang="de-DE" sz="1800" b="0" i="0" u="none" strike="noStrike" dirty="0">
+                          <a:solidFill>
+                            <a:srgbClr val="000000"/>
+                          </a:solidFill>
+                          <a:effectLst/>
+                          <a:latin typeface="Franklin Gothic Book" panose="020B0503020102020204" pitchFamily="34" charset="0"/>
+                        </a:rPr>
+                        <a:t>0.006506</a:t>
+                      </a:r>
+                    </a:p>
+                  </a:txBody>
+                  <a:tcPr marL="9525" marR="9525" marT="9525" marB="0" anchor="b"/>
+                </a:tc>
+                <a:tc>
+                  <a:txBody>
+                    <a:bodyPr/>
+                    <a:lstStyle/>
+                    <a:p>
+                      <a:pPr algn="r" fontAlgn="b"/>
+                      <a:r>
+                        <a:rPr lang="de-DE" sz="1800" b="0" i="0" u="none" strike="noStrike" dirty="0">
+                          <a:solidFill>
+                            <a:srgbClr val="000000"/>
+                          </a:solidFill>
+                          <a:effectLst/>
+                          <a:latin typeface="Franklin Gothic Book" panose="020B0503020102020204" pitchFamily="34" charset="0"/>
+                        </a:rPr>
+                        <a:t>0.002860</a:t>
+                      </a:r>
+                    </a:p>
+                  </a:txBody>
+                  <a:tcPr marL="9525" marR="9525" marT="9525" marB="0" anchor="b"/>
+                </a:tc>
+                <a:extLst>
+                  <a:ext uri="{0D108BD9-81ED-4DB2-BD59-A6C34878D82A}">
+                    <a16:rowId xmlns:a16="http://schemas.microsoft.com/office/drawing/2014/main" val="3969058995"/>
+                  </a:ext>
+                </a:extLst>
+              </a:tr>
+              <a:tr h="203200">
+                <a:tc>
+                  <a:txBody>
+                    <a:bodyPr/>
+                    <a:lstStyle/>
+                    <a:p>
+                      <a:pPr algn="l" fontAlgn="b"/>
+                      <a:r>
+                        <a:rPr lang="de-DE" sz="1800" b="0" i="0" u="none" strike="noStrike" dirty="0">
+                          <a:solidFill>
+                            <a:srgbClr val="000000"/>
+                          </a:solidFill>
+                          <a:effectLst/>
+                          <a:latin typeface="Franklin Gothic Book" panose="020B0503020102020204" pitchFamily="34" charset="0"/>
+                        </a:rPr>
+                        <a:t>Pattern Count</a:t>
+                      </a:r>
+                    </a:p>
+                  </a:txBody>
+                  <a:tcPr marL="9525" marR="9525" marT="9525" marB="0" anchor="b"/>
+                </a:tc>
+                <a:tc>
+                  <a:txBody>
+                    <a:bodyPr/>
+                    <a:lstStyle/>
+                    <a:p>
+                      <a:pPr algn="r" fontAlgn="b"/>
+                      <a:r>
+                        <a:rPr lang="de-DE" sz="1800" b="0" i="0" u="none" strike="noStrike" dirty="0">
+                          <a:solidFill>
+                            <a:srgbClr val="000000"/>
+                          </a:solidFill>
+                          <a:effectLst/>
+                          <a:latin typeface="Franklin Gothic Book" panose="020B0503020102020204" pitchFamily="34" charset="0"/>
+                        </a:rPr>
+                        <a:t>-0.017724</a:t>
+                      </a:r>
+                    </a:p>
+                  </a:txBody>
+                  <a:tcPr marL="9525" marR="9525" marT="9525" marB="0" anchor="b"/>
+                </a:tc>
+                <a:tc>
+                  <a:txBody>
+                    <a:bodyPr/>
+                    <a:lstStyle/>
+                    <a:p>
+                      <a:pPr algn="r" fontAlgn="b"/>
+                      <a:r>
+                        <a:rPr lang="de-DE" sz="1800" b="0" i="0" u="none" strike="noStrike" dirty="0">
+                          <a:solidFill>
+                            <a:srgbClr val="000000"/>
+                          </a:solidFill>
+                          <a:effectLst/>
+                          <a:latin typeface="Franklin Gothic Book" panose="020B0503020102020204" pitchFamily="34" charset="0"/>
+                        </a:rPr>
+                        <a:t>0.005469</a:t>
+                      </a:r>
+                    </a:p>
+                  </a:txBody>
+                  <a:tcPr marL="9525" marR="9525" marT="9525" marB="0" anchor="b"/>
+                </a:tc>
+                <a:tc>
+                  <a:txBody>
+                    <a:bodyPr/>
+                    <a:lstStyle/>
+                    <a:p>
+                      <a:pPr algn="r" fontAlgn="b"/>
+                      <a:r>
+                        <a:rPr lang="de-DE" sz="1800" b="0" i="0" u="none" strike="noStrike" dirty="0">
+                          <a:solidFill>
+                            <a:srgbClr val="000000"/>
+                          </a:solidFill>
+                          <a:effectLst/>
+                          <a:latin typeface="Franklin Gothic Book" panose="020B0503020102020204" pitchFamily="34" charset="0"/>
+                        </a:rPr>
+                        <a:t>0.056026</a:t>
+                      </a:r>
+                    </a:p>
+                  </a:txBody>
+                  <a:tcPr marL="9525" marR="9525" marT="9525" marB="0" anchor="b"/>
+                </a:tc>
+                <a:tc>
+                  <a:txBody>
+                    <a:bodyPr/>
+                    <a:lstStyle/>
+                    <a:p>
+                      <a:pPr algn="r" fontAlgn="b"/>
+                      <a:r>
+                        <a:rPr lang="de-DE" sz="1800" b="1" i="0" u="none" strike="noStrike" dirty="0">
+                          <a:solidFill>
+                            <a:srgbClr val="000000"/>
+                          </a:solidFill>
+                          <a:effectLst/>
+                          <a:latin typeface="Franklin Gothic Book" panose="020B0503020102020204" pitchFamily="34" charset="0"/>
+                        </a:rPr>
+                        <a:t>0.094512</a:t>
+                      </a:r>
+                    </a:p>
+                  </a:txBody>
+                  <a:tcPr marL="9525" marR="9525" marT="9525" marB="0" anchor="b"/>
+                </a:tc>
+                <a:extLst>
+                  <a:ext uri="{0D108BD9-81ED-4DB2-BD59-A6C34878D82A}">
+                    <a16:rowId xmlns:a16="http://schemas.microsoft.com/office/drawing/2014/main" val="1028158321"/>
+                  </a:ext>
+                </a:extLst>
+              </a:tr>
+              <a:tr h="203200">
+                <a:tc>
+                  <a:txBody>
+                    <a:bodyPr/>
+                    <a:lstStyle/>
+                    <a:p>
+                      <a:pPr algn="l" fontAlgn="b"/>
+                      <a:r>
+                        <a:rPr lang="de-DE" sz="1800" b="0" i="0" u="none" strike="noStrike" dirty="0">
+                          <a:solidFill>
+                            <a:srgbClr val="000000"/>
+                          </a:solidFill>
+                          <a:effectLst/>
+                          <a:latin typeface="Franklin Gothic Book" panose="020B0503020102020204" pitchFamily="34" charset="0"/>
+                        </a:rPr>
+                        <a:t>Topic</a:t>
+                      </a:r>
+                    </a:p>
+                  </a:txBody>
+                  <a:tcPr marL="9525" marR="9525" marT="9525" marB="0" anchor="b"/>
+                </a:tc>
+                <a:tc>
+                  <a:txBody>
+                    <a:bodyPr/>
+                    <a:lstStyle/>
+                    <a:p>
+                      <a:pPr algn="r" fontAlgn="b"/>
+                      <a:r>
+                        <a:rPr lang="de-DE" sz="1800" b="0" i="0" u="none" strike="noStrike" dirty="0">
+                          <a:solidFill>
+                            <a:srgbClr val="000000"/>
+                          </a:solidFill>
+                          <a:effectLst/>
+                          <a:latin typeface="Franklin Gothic Book" panose="020B0503020102020204" pitchFamily="34" charset="0"/>
+                        </a:rPr>
+                        <a:t>0.002830</a:t>
+                      </a:r>
+                    </a:p>
+                  </a:txBody>
+                  <a:tcPr marL="9525" marR="9525" marT="9525" marB="0" anchor="b"/>
+                </a:tc>
+                <a:tc>
+                  <a:txBody>
+                    <a:bodyPr/>
+                    <a:lstStyle/>
+                    <a:p>
+                      <a:pPr algn="r" fontAlgn="b"/>
+                      <a:r>
+                        <a:rPr lang="de-DE" sz="1800" b="0" i="0" u="none" strike="noStrike" dirty="0">
+                          <a:solidFill>
+                            <a:srgbClr val="000000"/>
+                          </a:solidFill>
+                          <a:effectLst/>
+                          <a:latin typeface="Franklin Gothic Book" panose="020B0503020102020204" pitchFamily="34" charset="0"/>
+                        </a:rPr>
+                        <a:t>-0.024878</a:t>
+                      </a:r>
+                    </a:p>
+                  </a:txBody>
+                  <a:tcPr marL="9525" marR="9525" marT="9525" marB="0" anchor="b"/>
+                </a:tc>
+                <a:tc>
+                  <a:txBody>
+                    <a:bodyPr/>
+                    <a:lstStyle/>
+                    <a:p>
+                      <a:pPr algn="r" fontAlgn="b"/>
+                      <a:r>
+                        <a:rPr lang="de-DE" sz="1800" b="0" i="0" u="none" strike="noStrike" dirty="0">
+                          <a:solidFill>
+                            <a:srgbClr val="000000"/>
+                          </a:solidFill>
+                          <a:effectLst/>
+                          <a:latin typeface="Franklin Gothic Book" panose="020B0503020102020204" pitchFamily="34" charset="0"/>
+                        </a:rPr>
+                        <a:t>0.012664</a:t>
+                      </a:r>
+                    </a:p>
+                  </a:txBody>
+                  <a:tcPr marL="9525" marR="9525" marT="9525" marB="0" anchor="b"/>
+                </a:tc>
+                <a:tc>
+                  <a:txBody>
+                    <a:bodyPr/>
+                    <a:lstStyle/>
+                    <a:p>
+                      <a:pPr algn="r" fontAlgn="b"/>
+                      <a:r>
+                        <a:rPr lang="de-DE" sz="1800" b="0" i="0" u="none" strike="noStrike" dirty="0">
+                          <a:solidFill>
+                            <a:srgbClr val="000000"/>
+                          </a:solidFill>
+                          <a:effectLst/>
+                          <a:latin typeface="Franklin Gothic Book" panose="020B0503020102020204" pitchFamily="34" charset="0"/>
+                        </a:rPr>
+                        <a:t>0.030162</a:t>
+                      </a:r>
+                    </a:p>
+                  </a:txBody>
+                  <a:tcPr marL="9525" marR="9525" marT="9525" marB="0" anchor="b"/>
+                </a:tc>
+                <a:extLst>
+                  <a:ext uri="{0D108BD9-81ED-4DB2-BD59-A6C34878D82A}">
+                    <a16:rowId xmlns:a16="http://schemas.microsoft.com/office/drawing/2014/main" val="703680217"/>
+                  </a:ext>
+                </a:extLst>
+              </a:tr>
+              <a:tr h="203200">
+                <a:tc>
+                  <a:txBody>
+                    <a:bodyPr/>
+                    <a:lstStyle/>
+                    <a:p>
+                      <a:pPr algn="l" fontAlgn="b"/>
+                      <a:r>
+                        <a:rPr lang="de-DE" sz="1800" b="0" i="0" u="none" strike="noStrike" dirty="0">
+                          <a:solidFill>
+                            <a:srgbClr val="000000"/>
+                          </a:solidFill>
+                          <a:effectLst/>
+                          <a:latin typeface="Franklin Gothic Book" panose="020B0503020102020204" pitchFamily="34" charset="0"/>
+                        </a:rPr>
+                        <a:t>Sentiment</a:t>
+                      </a:r>
+                    </a:p>
+                  </a:txBody>
+                  <a:tcPr marL="9525" marR="9525" marT="9525" marB="0" anchor="b"/>
+                </a:tc>
+                <a:tc>
+                  <a:txBody>
+                    <a:bodyPr/>
+                    <a:lstStyle/>
+                    <a:p>
+                      <a:pPr algn="r" fontAlgn="b"/>
+                      <a:r>
+                        <a:rPr lang="de-DE" sz="1800" b="1" i="0" u="none" strike="noStrike" dirty="0">
+                          <a:solidFill>
+                            <a:srgbClr val="000000"/>
+                          </a:solidFill>
+                          <a:effectLst/>
+                          <a:latin typeface="Franklin Gothic Book" panose="020B0503020102020204" pitchFamily="34" charset="0"/>
+                        </a:rPr>
+                        <a:t>1.180669</a:t>
+                      </a:r>
+                    </a:p>
+                  </a:txBody>
+                  <a:tcPr marL="9525" marR="9525" marT="9525" marB="0" anchor="b"/>
+                </a:tc>
+                <a:tc>
+                  <a:txBody>
+                    <a:bodyPr/>
+                    <a:lstStyle/>
+                    <a:p>
+                      <a:pPr algn="r" fontAlgn="b"/>
+                      <a:r>
+                        <a:rPr lang="de-DE" sz="1800" b="1" i="0" u="none" strike="noStrike" dirty="0">
+                          <a:solidFill>
+                            <a:srgbClr val="000000"/>
+                          </a:solidFill>
+                          <a:effectLst/>
+                          <a:latin typeface="Franklin Gothic Book" panose="020B0503020102020204" pitchFamily="34" charset="0"/>
+                        </a:rPr>
+                        <a:t>0.447129</a:t>
+                      </a:r>
+                    </a:p>
+                  </a:txBody>
+                  <a:tcPr marL="9525" marR="9525" marT="9525" marB="0" anchor="b"/>
+                </a:tc>
+                <a:tc>
+                  <a:txBody>
+                    <a:bodyPr/>
+                    <a:lstStyle/>
+                    <a:p>
+                      <a:pPr algn="r" fontAlgn="b"/>
+                      <a:r>
+                        <a:rPr lang="de-DE" sz="1800" b="1" i="0" u="none" strike="noStrike" dirty="0">
+                          <a:solidFill>
+                            <a:schemeClr val="tx1"/>
+                          </a:solidFill>
+                          <a:effectLst/>
+                          <a:latin typeface="Franklin Gothic Book" panose="020B0503020102020204" pitchFamily="34" charset="0"/>
+                        </a:rPr>
+                        <a:t>0.229479</a:t>
+                      </a:r>
+                    </a:p>
+                  </a:txBody>
+                  <a:tcPr marL="9525" marR="9525" marT="9525" marB="0" anchor="b"/>
+                </a:tc>
+                <a:tc>
+                  <a:txBody>
+                    <a:bodyPr/>
+                    <a:lstStyle/>
+                    <a:p>
+                      <a:pPr algn="r" fontAlgn="b"/>
+                      <a:r>
+                        <a:rPr lang="de-DE" sz="1800" b="1" i="0" u="none" strike="noStrike" dirty="0">
+                          <a:solidFill>
+                            <a:schemeClr val="tx1"/>
+                          </a:solidFill>
+                          <a:effectLst/>
+                          <a:latin typeface="Franklin Gothic Book" panose="020B0503020102020204" pitchFamily="34" charset="0"/>
+                        </a:rPr>
+                        <a:t>0.208907</a:t>
+                      </a:r>
+                    </a:p>
+                  </a:txBody>
+                  <a:tcPr marL="9525" marR="9525" marT="9525" marB="0" anchor="b"/>
+                </a:tc>
+                <a:extLst>
+                  <a:ext uri="{0D108BD9-81ED-4DB2-BD59-A6C34878D82A}">
+                    <a16:rowId xmlns:a16="http://schemas.microsoft.com/office/drawing/2014/main" val="4077934438"/>
+                  </a:ext>
+                </a:extLst>
+              </a:tr>
+            </a:tbl>
+          </a:graphicData>
+        </a:graphic>
+      </p:graphicFrame>
+      <p:sp>
+        <p:nvSpPr>
+          <p:cNvPr id="8" name="Left Brace 7">
+            <a:extLst>
+              <a:ext uri="{FF2B5EF4-FFF2-40B4-BE49-F238E27FC236}">
+                <a16:creationId xmlns:a16="http://schemas.microsoft.com/office/drawing/2014/main" id="{2C830859-D76D-4B10-9B77-1A4349B9B56F}"/>
+              </a:ext>
+            </a:extLst>
+          </p:cNvPr>
+          <p:cNvSpPr/>
+          <p:nvPr/>
+        </p:nvSpPr>
+        <p:spPr>
+          <a:xfrm>
+            <a:off x="991518" y="1851506"/>
+            <a:ext cx="360802" cy="1398470"/>
+          </a:xfrm>
+          <a:prstGeom prst="leftBrace">
+            <a:avLst>
+              <a:gd name="adj1" fmla="val 8333"/>
+              <a:gd name="adj2" fmla="val 51349"/>
+            </a:avLst>
+          </a:prstGeom>
+          <a:ln w="12700">
+            <a:solidFill>
+              <a:srgbClr val="3F5161"/>
+            </a:solidFill>
+          </a:ln>
+        </p:spPr>
+        <p:style>
+          <a:lnRef idx="1">
+            <a:schemeClr val="accent1"/>
+          </a:lnRef>
+          <a:fillRef idx="0">
+            <a:schemeClr val="accent1"/>
+          </a:fillRef>
+          <a:effectRef idx="0">
+            <a:schemeClr val="accent1"/>
+          </a:effectRef>
+          <a:fontRef idx="minor">
+            <a:schemeClr val="tx1"/>
+          </a:fontRef>
+        </p:style>
+        <p:txBody>
+          <a:bodyPr rtlCol="0" anchor="ctr"/>
+          <a:lstStyle/>
+          <a:p>
+            <a:pPr algn="ctr"/>
+            <a:endParaRPr lang="en-US"/>
+          </a:p>
+        </p:txBody>
+      </p:sp>
+      <p:sp>
+        <p:nvSpPr>
+          <p:cNvPr id="9" name="Left Brace 8">
+            <a:extLst>
+              <a:ext uri="{FF2B5EF4-FFF2-40B4-BE49-F238E27FC236}">
+                <a16:creationId xmlns:a16="http://schemas.microsoft.com/office/drawing/2014/main" id="{0331B4B8-EDB8-4E95-8BA0-98E254A71B82}"/>
+              </a:ext>
+            </a:extLst>
+          </p:cNvPr>
+          <p:cNvSpPr/>
+          <p:nvPr/>
+        </p:nvSpPr>
+        <p:spPr>
+          <a:xfrm>
+            <a:off x="988879" y="3260992"/>
+            <a:ext cx="360802" cy="2269475"/>
+          </a:xfrm>
+          <a:prstGeom prst="leftBrace">
+            <a:avLst>
+              <a:gd name="adj1" fmla="val 8333"/>
+              <a:gd name="adj2" fmla="val 51349"/>
+            </a:avLst>
+          </a:prstGeom>
+          <a:ln w="12700">
+            <a:solidFill>
+              <a:srgbClr val="3F5161"/>
+            </a:solidFill>
+          </a:ln>
+        </p:spPr>
+        <p:style>
+          <a:lnRef idx="1">
+            <a:schemeClr val="accent1"/>
+          </a:lnRef>
+          <a:fillRef idx="0">
+            <a:schemeClr val="accent1"/>
+          </a:fillRef>
+          <a:effectRef idx="0">
+            <a:schemeClr val="accent1"/>
+          </a:effectRef>
+          <a:fontRef idx="minor">
+            <a:schemeClr val="tx1"/>
+          </a:fontRef>
+        </p:style>
+        <p:txBody>
+          <a:bodyPr rtlCol="0" anchor="ctr"/>
+          <a:lstStyle/>
+          <a:p>
+            <a:pPr algn="ctr"/>
+            <a:endParaRPr lang="en-US" dirty="0"/>
+          </a:p>
+        </p:txBody>
+      </p:sp>
+      <p:sp>
+        <p:nvSpPr>
+          <p:cNvPr id="15" name="TextBox 14">
+            <a:extLst>
+              <a:ext uri="{FF2B5EF4-FFF2-40B4-BE49-F238E27FC236}">
+                <a16:creationId xmlns:a16="http://schemas.microsoft.com/office/drawing/2014/main" id="{F755DE8E-3953-4EA5-9523-F9A74563E292}"/>
               </a:ext>
             </a:extLst>
           </p:cNvPr>
@@ -11822,8 +15522,8 @@
         </p:nvSpPr>
         <p:spPr>
           <a:xfrm>
-            <a:off x="3548270" y="3856501"/>
-            <a:ext cx="184731" cy="369332"/>
+            <a:off x="0" y="2227575"/>
+            <a:ext cx="1158365" cy="646331"/>
           </a:xfrm>
           <a:prstGeom prst="rect">
             <a:avLst/>
@@ -11831,21 +15531,34 @@
           <a:noFill/>
         </p:spPr>
         <p:txBody>
-          <a:bodyPr wrap="none" rtlCol="0">
+          <a:bodyPr wrap="square" rtlCol="0">
             <a:spAutoFit/>
           </a:bodyPr>
           <a:lstStyle/>
           <a:p>
-            <a:endParaRPr lang="en-US" dirty="0"/>
-          </a:p>
-        </p:txBody>
-      </p:sp>
-      <p:sp>
-        <p:nvSpPr>
-          <p:cNvPr id="6" name="Textfeld 5">
+            <a:pPr algn="ctr"/>
+            <a:r>
+              <a:rPr lang="de-DE" b="1" dirty="0" err="1"/>
+              <a:t>Unigram</a:t>
+            </a:r>
+            <a:r>
+              <a:rPr lang="de-DE" b="1" dirty="0"/>
+              <a:t> </a:t>
+            </a:r>
+            <a:r>
+              <a:rPr lang="de-DE" b="1" dirty="0" err="1"/>
+              <a:t>features</a:t>
+            </a:r>
+            <a:endParaRPr lang="en-US" b="1" dirty="0"/>
+          </a:p>
+        </p:txBody>
+      </p:sp>
+      <p:sp>
+        <p:nvSpPr>
+          <p:cNvPr id="18" name="TextBox 17">
             <a:extLst>
               <a:ext uri="{FF2B5EF4-FFF2-40B4-BE49-F238E27FC236}">
-                <a16:creationId xmlns:a16="http://schemas.microsoft.com/office/drawing/2014/main" id="{B0D5C0E6-79C6-AE4B-AFF2-AC25A5E8D0BD}"/>
+                <a16:creationId xmlns:a16="http://schemas.microsoft.com/office/drawing/2014/main" id="{63112EC7-6BA2-4706-A768-DFCAF0807E9C}"/>
               </a:ext>
             </a:extLst>
           </p:cNvPr>
@@ -11854,8 +15567,8 @@
         </p:nvSpPr>
         <p:spPr>
           <a:xfrm>
-            <a:off x="2037522" y="3697475"/>
-            <a:ext cx="184731" cy="369332"/>
+            <a:off x="0" y="4043163"/>
+            <a:ext cx="1158365" cy="646331"/>
           </a:xfrm>
           <a:prstGeom prst="rect">
             <a:avLst/>
@@ -11863,247 +15576,32 @@
           <a:noFill/>
         </p:spPr>
         <p:txBody>
-          <a:bodyPr wrap="none" rtlCol="0">
+          <a:bodyPr wrap="square" rtlCol="0">
             <a:spAutoFit/>
           </a:bodyPr>
           <a:lstStyle/>
           <a:p>
-            <a:endParaRPr lang="en-US" dirty="0"/>
-          </a:p>
-        </p:txBody>
-      </p:sp>
-      <p:sp>
-        <p:nvSpPr>
-          <p:cNvPr id="7" name="Inhaltsplatzhalter 2">
-            <a:extLst>
-              <a:ext uri="{FF2B5EF4-FFF2-40B4-BE49-F238E27FC236}">
-                <a16:creationId xmlns:a16="http://schemas.microsoft.com/office/drawing/2014/main" id="{CF34E70F-EA07-8244-9386-CB15268E7A57}"/>
-              </a:ext>
-            </a:extLst>
-          </p:cNvPr>
-          <p:cNvSpPr txBox="1">
-            <a:spLocks/>
-          </p:cNvSpPr>
-          <p:nvPr/>
-        </p:nvSpPr>
-        <p:spPr>
-          <a:xfrm>
-            <a:off x="1653822" y="4302080"/>
-            <a:ext cx="9601200" cy="1977390"/>
-          </a:xfrm>
-          <a:prstGeom prst="rect">
-            <a:avLst/>
-          </a:prstGeom>
-        </p:spPr>
-        <p:txBody>
-          <a:bodyPr vert="horz" lIns="91440" tIns="45720" rIns="91440" bIns="45720" rtlCol="0">
-            <a:normAutofit/>
-          </a:bodyPr>
-          <a:lstStyle>
-            <a:lvl1pPr marL="384048" indent="-384048" algn="l" defTabSz="914400" rtl="0" eaLnBrk="1" latinLnBrk="0" hangingPunct="1">
-              <a:lnSpc>
-                <a:spcPct val="94000"/>
-              </a:lnSpc>
-              <a:spcBef>
-                <a:spcPts val="1000"/>
-              </a:spcBef>
-              <a:spcAft>
-                <a:spcPts val="200"/>
-              </a:spcAft>
-              <a:buFont typeface="Franklin Gothic Book" panose="020B0503020102020204" pitchFamily="34" charset="0"/>
-              <a:buChar char="■"/>
-              <a:defRPr sz="2000" kern="1200" baseline="0">
-                <a:solidFill>
-                  <a:schemeClr val="tx2"/>
-                </a:solidFill>
-                <a:latin typeface="+mn-lt"/>
-                <a:ea typeface="+mn-ea"/>
-                <a:cs typeface="+mn-cs"/>
-              </a:defRPr>
-            </a:lvl1pPr>
-            <a:lvl2pPr marL="914400" indent="-384048" algn="l" defTabSz="914400" rtl="0" eaLnBrk="1" latinLnBrk="0" hangingPunct="1">
-              <a:lnSpc>
-                <a:spcPct val="94000"/>
-              </a:lnSpc>
-              <a:spcBef>
-                <a:spcPts val="500"/>
-              </a:spcBef>
-              <a:spcAft>
-                <a:spcPts val="200"/>
-              </a:spcAft>
-              <a:buFont typeface="Franklin Gothic Book" panose="020B0503020102020204" pitchFamily="34" charset="0"/>
-              <a:buChar char="–"/>
-              <a:defRPr sz="2000" i="1" kern="1200" baseline="0">
-                <a:solidFill>
-                  <a:schemeClr val="tx2"/>
-                </a:solidFill>
-                <a:latin typeface="+mn-lt"/>
-                <a:ea typeface="+mn-ea"/>
-                <a:cs typeface="+mn-cs"/>
-              </a:defRPr>
-            </a:lvl2pPr>
-            <a:lvl3pPr marL="1371600" indent="-384048" algn="l" defTabSz="914400" rtl="0" eaLnBrk="1" latinLnBrk="0" hangingPunct="1">
-              <a:lnSpc>
-                <a:spcPct val="94000"/>
-              </a:lnSpc>
-              <a:spcBef>
-                <a:spcPts val="500"/>
-              </a:spcBef>
-              <a:spcAft>
-                <a:spcPts val="200"/>
-              </a:spcAft>
-              <a:buFont typeface="Franklin Gothic Book" panose="020B0503020102020204" pitchFamily="34" charset="0"/>
-              <a:buChar char="■"/>
-              <a:defRPr sz="1800" kern="1200" baseline="0">
-                <a:solidFill>
-                  <a:schemeClr val="tx2"/>
-                </a:solidFill>
-                <a:latin typeface="+mn-lt"/>
-                <a:ea typeface="+mn-ea"/>
-                <a:cs typeface="+mn-cs"/>
-              </a:defRPr>
-            </a:lvl3pPr>
-            <a:lvl4pPr marL="1828800" indent="-384048" algn="l" defTabSz="914400" rtl="0" eaLnBrk="1" latinLnBrk="0" hangingPunct="1">
-              <a:lnSpc>
-                <a:spcPct val="94000"/>
-              </a:lnSpc>
-              <a:spcBef>
-                <a:spcPts val="500"/>
-              </a:spcBef>
-              <a:spcAft>
-                <a:spcPts val="200"/>
-              </a:spcAft>
-              <a:buFont typeface="Franklin Gothic Book" panose="020B0503020102020204" pitchFamily="34" charset="0"/>
-              <a:buChar char="–"/>
-              <a:defRPr sz="1800" i="1" kern="1200" baseline="0">
-                <a:solidFill>
-                  <a:schemeClr val="tx2"/>
-                </a:solidFill>
-                <a:latin typeface="+mn-lt"/>
-                <a:ea typeface="+mn-ea"/>
-                <a:cs typeface="+mn-cs"/>
-              </a:defRPr>
-            </a:lvl4pPr>
-            <a:lvl5pPr marL="2286000" indent="-384048" algn="l" defTabSz="914400" rtl="0" eaLnBrk="1" latinLnBrk="0" hangingPunct="1">
-              <a:lnSpc>
-                <a:spcPct val="94000"/>
-              </a:lnSpc>
-              <a:spcBef>
-                <a:spcPts val="500"/>
-              </a:spcBef>
-              <a:spcAft>
-                <a:spcPts val="200"/>
-              </a:spcAft>
-              <a:buFont typeface="Franklin Gothic Book" panose="020B0503020102020204" pitchFamily="34" charset="0"/>
-              <a:buChar char="■"/>
-              <a:defRPr sz="1600" kern="1200" baseline="0">
-                <a:solidFill>
-                  <a:schemeClr val="tx2"/>
-                </a:solidFill>
-                <a:latin typeface="+mn-lt"/>
-                <a:ea typeface="+mn-ea"/>
-                <a:cs typeface="+mn-cs"/>
-              </a:defRPr>
-            </a:lvl5pPr>
-            <a:lvl6pPr marL="2743200" indent="-384048" algn="l" defTabSz="914400" rtl="0" eaLnBrk="1" latinLnBrk="0" hangingPunct="1">
-              <a:lnSpc>
-                <a:spcPct val="94000"/>
-              </a:lnSpc>
-              <a:spcBef>
-                <a:spcPts val="500"/>
-              </a:spcBef>
-              <a:spcAft>
-                <a:spcPts val="200"/>
-              </a:spcAft>
-              <a:buFont typeface="Franklin Gothic Book" panose="020B0503020102020204" pitchFamily="34" charset="0"/>
-              <a:buChar char="–"/>
-              <a:defRPr sz="1600" i="1" kern="1200" baseline="0">
-                <a:solidFill>
-                  <a:schemeClr val="tx2"/>
-                </a:solidFill>
-                <a:latin typeface="+mn-lt"/>
-                <a:ea typeface="+mn-ea"/>
-                <a:cs typeface="+mn-cs"/>
-              </a:defRPr>
-            </a:lvl6pPr>
-            <a:lvl7pPr marL="3200400" indent="-384048" algn="l" defTabSz="914400" rtl="0" eaLnBrk="1" latinLnBrk="0" hangingPunct="1">
-              <a:lnSpc>
-                <a:spcPct val="94000"/>
-              </a:lnSpc>
-              <a:spcBef>
-                <a:spcPts val="500"/>
-              </a:spcBef>
-              <a:spcAft>
-                <a:spcPts val="200"/>
-              </a:spcAft>
-              <a:buFont typeface="Franklin Gothic Book" panose="020B0503020102020204" pitchFamily="34" charset="0"/>
-              <a:buChar char="■"/>
-              <a:defRPr sz="1400" kern="1200" baseline="0">
-                <a:solidFill>
-                  <a:schemeClr val="tx2"/>
-                </a:solidFill>
-                <a:latin typeface="+mn-lt"/>
-                <a:ea typeface="+mn-ea"/>
-                <a:cs typeface="+mn-cs"/>
-              </a:defRPr>
-            </a:lvl7pPr>
-            <a:lvl8pPr marL="3657600" indent="-384048" algn="l" defTabSz="914400" rtl="0" eaLnBrk="1" latinLnBrk="0" hangingPunct="1">
-              <a:lnSpc>
-                <a:spcPct val="94000"/>
-              </a:lnSpc>
-              <a:spcBef>
-                <a:spcPts val="500"/>
-              </a:spcBef>
-              <a:spcAft>
-                <a:spcPts val="200"/>
-              </a:spcAft>
-              <a:buFont typeface="Franklin Gothic Book" panose="020B0503020102020204" pitchFamily="34" charset="0"/>
-              <a:buChar char="–"/>
-              <a:defRPr sz="1400" i="1" kern="1200" baseline="0">
-                <a:solidFill>
-                  <a:schemeClr val="tx2"/>
-                </a:solidFill>
-                <a:latin typeface="+mn-lt"/>
-                <a:ea typeface="+mn-ea"/>
-                <a:cs typeface="+mn-cs"/>
-              </a:defRPr>
-            </a:lvl8pPr>
-            <a:lvl9pPr marL="4114800" indent="-384048" algn="l" defTabSz="914400" rtl="0" eaLnBrk="1" latinLnBrk="0" hangingPunct="1">
-              <a:lnSpc>
-                <a:spcPct val="94000"/>
-              </a:lnSpc>
-              <a:spcBef>
-                <a:spcPts val="500"/>
-              </a:spcBef>
-              <a:spcAft>
-                <a:spcPts val="200"/>
-              </a:spcAft>
-              <a:buFont typeface="Franklin Gothic Book" panose="020B0503020102020204" pitchFamily="34" charset="0"/>
-              <a:buChar char="■"/>
-              <a:defRPr sz="1400" kern="1200" baseline="0">
-                <a:solidFill>
-                  <a:schemeClr val="tx2"/>
-                </a:solidFill>
-                <a:latin typeface="+mn-lt"/>
-                <a:ea typeface="+mn-ea"/>
-                <a:cs typeface="+mn-cs"/>
-              </a:defRPr>
-            </a:lvl9pPr>
-          </a:lstStyle>
-          <a:p>
-            <a:pPr>
-              <a:lnSpc>
-                <a:spcPct val="104000"/>
-              </a:lnSpc>
-            </a:pPr>
-            <a:endParaRPr lang="en-US" dirty="0"/>
+            <a:pPr algn="ctr"/>
+            <a:r>
+              <a:rPr lang="de-DE" b="1" dirty="0" err="1"/>
+              <a:t>Semantic</a:t>
+            </a:r>
+            <a:r>
+              <a:rPr lang="de-DE" b="1" dirty="0"/>
+              <a:t> </a:t>
+            </a:r>
+            <a:r>
+              <a:rPr lang="de-DE" b="1" dirty="0" err="1"/>
+              <a:t>features</a:t>
+            </a:r>
+            <a:endParaRPr lang="en-US" b="1" dirty="0"/>
           </a:p>
         </p:txBody>
       </p:sp>
     </p:spTree>
     <p:extLst>
       <p:ext uri="{BB962C8B-B14F-4D97-AF65-F5344CB8AC3E}">
-        <p14:creationId xmlns:p14="http://schemas.microsoft.com/office/powerpoint/2010/main" val="3045243935"/>
+        <p14:creationId xmlns:p14="http://schemas.microsoft.com/office/powerpoint/2010/main" val="3056798516"/>
       </p:ext>
     </p:extLst>
   </p:cSld>
@@ -12155,50 +15653,15 @@
               <a:rPr lang="en-US" dirty="0"/>
               <a:t>Results</a:t>
             </a:r>
-          </a:p>
-        </p:txBody>
-      </p:sp>
-      <p:sp>
-        <p:nvSpPr>
-          <p:cNvPr id="4" name="Inhaltsplatzhalter 3">
-            <a:extLst>
-              <a:ext uri="{FF2B5EF4-FFF2-40B4-BE49-F238E27FC236}">
-                <a16:creationId xmlns:a16="http://schemas.microsoft.com/office/drawing/2014/main" id="{4B93F879-7986-354B-B92A-B420E9D0A153}"/>
-              </a:ext>
-            </a:extLst>
-          </p:cNvPr>
-          <p:cNvSpPr>
-            <a:spLocks noGrp="1"/>
-          </p:cNvSpPr>
-          <p:nvPr>
-            <p:ph idx="1"/>
-          </p:nvPr>
-        </p:nvSpPr>
-        <p:spPr/>
-        <p:txBody>
-          <a:bodyPr/>
-          <a:lstStyle/>
-          <a:p>
-            <a:pPr marL="0" indent="0">
-              <a:buNone/>
-            </a:pPr>
-            <a:r>
-              <a:rPr lang="de-DE" b="1" u="sng" dirty="0"/>
-              <a:t>Feature </a:t>
-            </a:r>
-            <a:r>
-              <a:rPr lang="de-DE" b="1" u="sng" dirty="0" err="1"/>
-              <a:t>importances</a:t>
-            </a:r>
-            <a:r>
-              <a:rPr lang="de-DE" b="1" u="sng" dirty="0"/>
-              <a:t> per </a:t>
-            </a:r>
-            <a:r>
-              <a:rPr lang="de-DE" b="1" u="sng" dirty="0" err="1"/>
-              <a:t>classifier</a:t>
-            </a:r>
-            <a:endParaRPr lang="de-DE" b="1" u="sng" dirty="0"/>
+            <a:br>
+              <a:rPr lang="de-DE" b="1" dirty="0">
+                <a:solidFill>
+                  <a:schemeClr val="tx1"/>
+                </a:solidFill>
+                <a:latin typeface="Franklin Gothic Book" panose="020B0503020102020204" pitchFamily="34" charset="0"/>
+              </a:rPr>
+            </a:br>
+            <a:endParaRPr lang="en-US" dirty="0"/>
           </a:p>
         </p:txBody>
       </p:sp>
@@ -12232,10 +15695,304 @@
           </a:p>
         </p:txBody>
       </p:sp>
+      <p:pic>
+        <p:nvPicPr>
+          <p:cNvPr id="4" name="Picture 3">
+            <a:extLst>
+              <a:ext uri="{FF2B5EF4-FFF2-40B4-BE49-F238E27FC236}">
+                <a16:creationId xmlns:a16="http://schemas.microsoft.com/office/drawing/2014/main" id="{45370B0A-C385-454A-B059-3DC1DF57BA23}"/>
+              </a:ext>
+            </a:extLst>
+          </p:cNvPr>
+          <p:cNvPicPr>
+            <a:picLocks noChangeAspect="1"/>
+          </p:cNvPicPr>
+          <p:nvPr/>
+        </p:nvPicPr>
+        <p:blipFill>
+          <a:blip r:embed="rId3"/>
+          <a:stretch>
+            <a:fillRect/>
+          </a:stretch>
+        </p:blipFill>
+        <p:spPr>
+          <a:xfrm>
+            <a:off x="330293" y="2271586"/>
+            <a:ext cx="4014712" cy="3150098"/>
+          </a:xfrm>
+          <a:prstGeom prst="rect">
+            <a:avLst/>
+          </a:prstGeom>
+        </p:spPr>
+      </p:pic>
+      <p:sp>
+        <p:nvSpPr>
+          <p:cNvPr id="5" name="Rectangle 4">
+            <a:extLst>
+              <a:ext uri="{FF2B5EF4-FFF2-40B4-BE49-F238E27FC236}">
+                <a16:creationId xmlns:a16="http://schemas.microsoft.com/office/drawing/2014/main" id="{E82D7C0F-776B-4BF8-A232-101BD252315F}"/>
+              </a:ext>
+            </a:extLst>
+          </p:cNvPr>
+          <p:cNvSpPr/>
+          <p:nvPr/>
+        </p:nvSpPr>
+        <p:spPr>
+          <a:xfrm>
+            <a:off x="610551" y="5447386"/>
+            <a:ext cx="3571973" cy="461665"/>
+          </a:xfrm>
+          <a:prstGeom prst="rect">
+            <a:avLst/>
+          </a:prstGeom>
+        </p:spPr>
+        <p:txBody>
+          <a:bodyPr wrap="square">
+            <a:spAutoFit/>
+          </a:bodyPr>
+          <a:lstStyle/>
+          <a:p>
+            <a:pPr algn="ctr"/>
+            <a:r>
+              <a:rPr lang="en-US" sz="1200" dirty="0">
+                <a:solidFill>
+                  <a:schemeClr val="tx2"/>
+                </a:solidFill>
+              </a:rPr>
+              <a:t>Normalized distribution of sentiment score for hate speech vs. non-hate speech</a:t>
+            </a:r>
+          </a:p>
+        </p:txBody>
+      </p:sp>
+      <p:sp>
+        <p:nvSpPr>
+          <p:cNvPr id="16" name="TextBox 15">
+            <a:extLst>
+              <a:ext uri="{FF2B5EF4-FFF2-40B4-BE49-F238E27FC236}">
+                <a16:creationId xmlns:a16="http://schemas.microsoft.com/office/drawing/2014/main" id="{0C9C1E2C-AD6E-4ECD-8E22-5FE3827DA621}"/>
+              </a:ext>
+            </a:extLst>
+          </p:cNvPr>
+          <p:cNvSpPr txBox="1"/>
+          <p:nvPr/>
+        </p:nvSpPr>
+        <p:spPr>
+          <a:xfrm>
+            <a:off x="1371600" y="1682119"/>
+            <a:ext cx="3362194" cy="381643"/>
+          </a:xfrm>
+          <a:prstGeom prst="rect">
+            <a:avLst/>
+          </a:prstGeom>
+          <a:noFill/>
+        </p:spPr>
+        <p:txBody>
+          <a:bodyPr wrap="square" rtlCol="0">
+            <a:spAutoFit/>
+          </a:bodyPr>
+          <a:lstStyle/>
+          <a:p>
+            <a:pPr defTabSz="914400">
+              <a:lnSpc>
+                <a:spcPct val="94000"/>
+              </a:lnSpc>
+              <a:spcBef>
+                <a:spcPts val="1000"/>
+              </a:spcBef>
+              <a:spcAft>
+                <a:spcPts val="200"/>
+              </a:spcAft>
+            </a:pPr>
+            <a:r>
+              <a:rPr lang="de-DE" sz="2000" b="1" u="sng" dirty="0" err="1">
+                <a:solidFill>
+                  <a:schemeClr val="tx2"/>
+                </a:solidFill>
+              </a:rPr>
+              <a:t>Hate</a:t>
+            </a:r>
+            <a:r>
+              <a:rPr lang="de-DE" sz="2000" b="1" u="sng" dirty="0">
+                <a:solidFill>
+                  <a:schemeClr val="tx2"/>
+                </a:solidFill>
+              </a:rPr>
+              <a:t> Speech </a:t>
+            </a:r>
+            <a:r>
+              <a:rPr lang="de-DE" sz="2000" b="1" u="sng" dirty="0" err="1">
+                <a:solidFill>
+                  <a:schemeClr val="tx2"/>
+                </a:solidFill>
+              </a:rPr>
+              <a:t>Statictics</a:t>
+            </a:r>
+            <a:endParaRPr lang="de-DE" sz="2000" b="1" u="sng" dirty="0">
+              <a:solidFill>
+                <a:schemeClr val="tx2"/>
+              </a:solidFill>
+            </a:endParaRPr>
+          </a:p>
+        </p:txBody>
+      </p:sp>
+      <p:pic>
+        <p:nvPicPr>
+          <p:cNvPr id="12" name="Picture 11">
+            <a:extLst>
+              <a:ext uri="{FF2B5EF4-FFF2-40B4-BE49-F238E27FC236}">
+                <a16:creationId xmlns:a16="http://schemas.microsoft.com/office/drawing/2014/main" id="{9DC9038D-49B5-4FE4-B0C2-0F36C1A93474}"/>
+              </a:ext>
+            </a:extLst>
+          </p:cNvPr>
+          <p:cNvPicPr>
+            <a:picLocks noChangeAspect="1"/>
+          </p:cNvPicPr>
+          <p:nvPr/>
+        </p:nvPicPr>
+        <p:blipFill>
+          <a:blip r:embed="rId4"/>
+          <a:stretch>
+            <a:fillRect/>
+          </a:stretch>
+        </p:blipFill>
+        <p:spPr>
+          <a:xfrm>
+            <a:off x="4443470" y="2274432"/>
+            <a:ext cx="4118618" cy="3172954"/>
+          </a:xfrm>
+          <a:prstGeom prst="rect">
+            <a:avLst/>
+          </a:prstGeom>
+        </p:spPr>
+      </p:pic>
+      <p:sp>
+        <p:nvSpPr>
+          <p:cNvPr id="19" name="Rectangle 18">
+            <a:extLst>
+              <a:ext uri="{FF2B5EF4-FFF2-40B4-BE49-F238E27FC236}">
+                <a16:creationId xmlns:a16="http://schemas.microsoft.com/office/drawing/2014/main" id="{068E50D7-DDD6-4B98-AA47-2FE649C1BE17}"/>
+              </a:ext>
+            </a:extLst>
+          </p:cNvPr>
+          <p:cNvSpPr/>
+          <p:nvPr/>
+        </p:nvSpPr>
+        <p:spPr>
+          <a:xfrm>
+            <a:off x="4733794" y="5448737"/>
+            <a:ext cx="3571973" cy="461665"/>
+          </a:xfrm>
+          <a:prstGeom prst="rect">
+            <a:avLst/>
+          </a:prstGeom>
+        </p:spPr>
+        <p:txBody>
+          <a:bodyPr wrap="square">
+            <a:spAutoFit/>
+          </a:bodyPr>
+          <a:lstStyle/>
+          <a:p>
+            <a:pPr algn="ctr"/>
+            <a:r>
+              <a:rPr lang="en-US" sz="1200" dirty="0">
+                <a:solidFill>
+                  <a:schemeClr val="tx2"/>
+                </a:solidFill>
+              </a:rPr>
+              <a:t>Number of patterns occurring in </a:t>
+            </a:r>
+            <a:r>
+              <a:rPr lang="en-US" sz="1200" dirty="0" err="1">
+                <a:solidFill>
+                  <a:schemeClr val="tx2"/>
+                </a:solidFill>
+              </a:rPr>
+              <a:t>hatespeech</a:t>
+            </a:r>
+            <a:r>
+              <a:rPr lang="en-US" sz="1200" dirty="0">
+                <a:solidFill>
+                  <a:schemeClr val="tx2"/>
+                </a:solidFill>
+              </a:rPr>
+              <a:t> vs. non-hate speech</a:t>
+            </a:r>
+          </a:p>
+        </p:txBody>
+      </p:sp>
+      <p:pic>
+        <p:nvPicPr>
+          <p:cNvPr id="22" name="Picture 21">
+            <a:extLst>
+              <a:ext uri="{FF2B5EF4-FFF2-40B4-BE49-F238E27FC236}">
+                <a16:creationId xmlns:a16="http://schemas.microsoft.com/office/drawing/2014/main" id="{F252785A-37AA-4031-931B-E1F4A5B833E5}"/>
+              </a:ext>
+            </a:extLst>
+          </p:cNvPr>
+          <p:cNvPicPr>
+            <a:picLocks noChangeAspect="1"/>
+          </p:cNvPicPr>
+          <p:nvPr/>
+        </p:nvPicPr>
+        <p:blipFill>
+          <a:blip r:embed="rId5"/>
+          <a:stretch>
+            <a:fillRect/>
+          </a:stretch>
+        </p:blipFill>
+        <p:spPr>
+          <a:xfrm>
+            <a:off x="8434968" y="2287468"/>
+            <a:ext cx="3426739" cy="3118333"/>
+          </a:xfrm>
+          <a:prstGeom prst="rect">
+            <a:avLst/>
+          </a:prstGeom>
+        </p:spPr>
+      </p:pic>
+      <p:sp>
+        <p:nvSpPr>
+          <p:cNvPr id="23" name="Rectangle 22">
+            <a:extLst>
+              <a:ext uri="{FF2B5EF4-FFF2-40B4-BE49-F238E27FC236}">
+                <a16:creationId xmlns:a16="http://schemas.microsoft.com/office/drawing/2014/main" id="{882D2208-53CC-4A32-A4EA-1E1C15DD4D69}"/>
+              </a:ext>
+            </a:extLst>
+          </p:cNvPr>
+          <p:cNvSpPr/>
+          <p:nvPr/>
+        </p:nvSpPr>
+        <p:spPr>
+          <a:xfrm>
+            <a:off x="8770259" y="5447385"/>
+            <a:ext cx="2995756" cy="461665"/>
+          </a:xfrm>
+          <a:prstGeom prst="rect">
+            <a:avLst/>
+          </a:prstGeom>
+        </p:spPr>
+        <p:txBody>
+          <a:bodyPr wrap="square">
+            <a:spAutoFit/>
+          </a:bodyPr>
+          <a:lstStyle/>
+          <a:p>
+            <a:pPr algn="ctr"/>
+            <a:r>
+              <a:rPr lang="en-US" sz="1200" dirty="0">
+                <a:solidFill>
+                  <a:schemeClr val="tx2"/>
+                </a:solidFill>
+              </a:rPr>
+              <a:t>Sentence length hate speech vs non-hate speech</a:t>
+            </a:r>
+          </a:p>
+        </p:txBody>
+      </p:sp>
     </p:spTree>
     <p:extLst>
       <p:ext uri="{BB962C8B-B14F-4D97-AF65-F5344CB8AC3E}">
-        <p14:creationId xmlns:p14="http://schemas.microsoft.com/office/powerpoint/2010/main" val="1157228083"/>
+        <p14:creationId xmlns:p14="http://schemas.microsoft.com/office/powerpoint/2010/main" val="514639721"/>
       </p:ext>
     </p:extLst>
   </p:cSld>

--- a/docs/presentation/presentation-slides.pptx
+++ b/docs/presentation/presentation-slides.pptx
@@ -10,8 +10,8 @@
   <p:sldIdLst>
     <p:sldId id="256" r:id="rId2"/>
     <p:sldId id="263" r:id="rId3"/>
-    <p:sldId id="265" r:id="rId4"/>
-    <p:sldId id="266" r:id="rId5"/>
+    <p:sldId id="266" r:id="rId4"/>
+    <p:sldId id="265" r:id="rId5"/>
     <p:sldId id="264" r:id="rId6"/>
     <p:sldId id="271" r:id="rId7"/>
     <p:sldId id="269" r:id="rId8"/>
@@ -984,6 +984,366 @@
 </p:notes>
 </file>
 
+<file path=ppt/notesSlides/notesSlide13.xml><?xml version="1.0" encoding="utf-8"?>
+<p:notes xmlns:a="http://schemas.openxmlformats.org/drawingml/2006/main" xmlns:r="http://schemas.openxmlformats.org/officeDocument/2006/relationships" xmlns:p="http://schemas.openxmlformats.org/presentationml/2006/main">
+  <p:cSld>
+    <p:spTree>
+      <p:nvGrpSpPr>
+        <p:cNvPr id="1" name=""/>
+        <p:cNvGrpSpPr/>
+        <p:nvPr/>
+      </p:nvGrpSpPr>
+      <p:grpSpPr>
+        <a:xfrm>
+          <a:off x="0" y="0"/>
+          <a:ext cx="0" cy="0"/>
+          <a:chOff x="0" y="0"/>
+          <a:chExt cx="0" cy="0"/>
+        </a:xfrm>
+      </p:grpSpPr>
+      <p:sp>
+        <p:nvSpPr>
+          <p:cNvPr id="2" name="Slide Image Placeholder 1"/>
+          <p:cNvSpPr>
+            <a:spLocks noGrp="1" noRot="1" noChangeAspect="1"/>
+          </p:cNvSpPr>
+          <p:nvPr>
+            <p:ph type="sldImg"/>
+          </p:nvPr>
+        </p:nvSpPr>
+        <p:spPr/>
+      </p:sp>
+      <p:sp>
+        <p:nvSpPr>
+          <p:cNvPr id="3" name="Notes Placeholder 2"/>
+          <p:cNvSpPr>
+            <a:spLocks noGrp="1"/>
+          </p:cNvSpPr>
+          <p:nvPr>
+            <p:ph type="body" idx="1"/>
+          </p:nvPr>
+        </p:nvSpPr>
+        <p:spPr/>
+        <p:txBody>
+          <a:bodyPr/>
+          <a:lstStyle/>
+          <a:p>
+            <a:pPr marL="171450" indent="-171450">
+              <a:buFont typeface="Arial" panose="020B0604020202020204" pitchFamily="34" charset="0"/>
+              <a:buChar char="•"/>
+            </a:pPr>
+            <a:r>
+              <a:rPr lang="de-DE" dirty="0"/>
+              <a:t>[4] </a:t>
+            </a:r>
+            <a:r>
+              <a:rPr lang="de-DE" dirty="0" err="1"/>
+              <a:t>is</a:t>
+            </a:r>
+            <a:r>
+              <a:rPr lang="de-DE" dirty="0"/>
+              <a:t> an </a:t>
+            </a:r>
+            <a:r>
+              <a:rPr lang="de-DE" dirty="0" err="1"/>
+              <a:t>important</a:t>
+            </a:r>
+            <a:r>
+              <a:rPr lang="de-DE" dirty="0"/>
+              <a:t> </a:t>
+            </a:r>
+            <a:r>
+              <a:rPr lang="de-DE" dirty="0" err="1"/>
+              <a:t>one</a:t>
+            </a:r>
+            <a:r>
+              <a:rPr lang="de-DE" dirty="0"/>
+              <a:t> </a:t>
+            </a:r>
+            <a:r>
+              <a:rPr lang="de-DE" dirty="0" err="1"/>
+              <a:t>as</a:t>
+            </a:r>
+            <a:r>
+              <a:rPr lang="de-DE" dirty="0"/>
+              <a:t> </a:t>
+            </a:r>
+            <a:r>
+              <a:rPr lang="de-DE" dirty="0" err="1"/>
+              <a:t>it</a:t>
+            </a:r>
+            <a:r>
+              <a:rPr lang="de-DE" dirty="0"/>
+              <a:t> </a:t>
+            </a:r>
+            <a:r>
+              <a:rPr lang="de-DE" dirty="0" err="1"/>
+              <a:t>introduces</a:t>
+            </a:r>
+            <a:r>
+              <a:rPr lang="de-DE" dirty="0"/>
+              <a:t> </a:t>
+            </a:r>
+            <a:r>
+              <a:rPr lang="de-DE" dirty="0" err="1"/>
+              <a:t>the</a:t>
+            </a:r>
+            <a:r>
+              <a:rPr lang="de-DE" dirty="0"/>
+              <a:t> </a:t>
+            </a:r>
+            <a:r>
+              <a:rPr lang="de-DE" dirty="0" err="1"/>
+              <a:t>four</a:t>
+            </a:r>
+            <a:r>
+              <a:rPr lang="de-DE" dirty="0"/>
+              <a:t> </a:t>
+            </a:r>
+            <a:r>
+              <a:rPr lang="de-DE" dirty="0" err="1"/>
+              <a:t>feature</a:t>
+            </a:r>
+            <a:r>
+              <a:rPr lang="de-DE" dirty="0"/>
+              <a:t> </a:t>
+            </a:r>
+            <a:r>
+              <a:rPr lang="de-DE" dirty="0" err="1"/>
+              <a:t>groups</a:t>
+            </a:r>
+            <a:endParaRPr lang="en-US" dirty="0"/>
+          </a:p>
+        </p:txBody>
+      </p:sp>
+      <p:sp>
+        <p:nvSpPr>
+          <p:cNvPr id="4" name="Slide Number Placeholder 3"/>
+          <p:cNvSpPr>
+            <a:spLocks noGrp="1"/>
+          </p:cNvSpPr>
+          <p:nvPr>
+            <p:ph type="sldNum" sz="quarter" idx="5"/>
+          </p:nvPr>
+        </p:nvSpPr>
+        <p:spPr/>
+        <p:txBody>
+          <a:bodyPr/>
+          <a:lstStyle/>
+          <a:p>
+            <a:fld id="{8B7D652E-761C-174B-A3C6-02EDDB5AE9DD}" type="slidenum">
+              <a:rPr lang="de-DE" smtClean="0"/>
+              <a:t>13</a:t>
+            </a:fld>
+            <a:endParaRPr lang="de-DE"/>
+          </a:p>
+        </p:txBody>
+      </p:sp>
+    </p:spTree>
+    <p:extLst>
+      <p:ext uri="{BB962C8B-B14F-4D97-AF65-F5344CB8AC3E}">
+        <p14:creationId xmlns:p14="http://schemas.microsoft.com/office/powerpoint/2010/main" val="501313650"/>
+      </p:ext>
+    </p:extLst>
+  </p:cSld>
+  <p:clrMapOvr>
+    <a:masterClrMapping/>
+  </p:clrMapOvr>
+</p:notes>
+</file>
+
+<file path=ppt/notesSlides/notesSlide14.xml><?xml version="1.0" encoding="utf-8"?>
+<p:notes xmlns:a="http://schemas.openxmlformats.org/drawingml/2006/main" xmlns:r="http://schemas.openxmlformats.org/officeDocument/2006/relationships" xmlns:p="http://schemas.openxmlformats.org/presentationml/2006/main">
+  <p:cSld>
+    <p:spTree>
+      <p:nvGrpSpPr>
+        <p:cNvPr id="1" name=""/>
+        <p:cNvGrpSpPr/>
+        <p:nvPr/>
+      </p:nvGrpSpPr>
+      <p:grpSpPr>
+        <a:xfrm>
+          <a:off x="0" y="0"/>
+          <a:ext cx="0" cy="0"/>
+          <a:chOff x="0" y="0"/>
+          <a:chExt cx="0" cy="0"/>
+        </a:xfrm>
+      </p:grpSpPr>
+      <p:sp>
+        <p:nvSpPr>
+          <p:cNvPr id="2" name="Slide Image Placeholder 1"/>
+          <p:cNvSpPr>
+            <a:spLocks noGrp="1" noRot="1" noChangeAspect="1"/>
+          </p:cNvSpPr>
+          <p:nvPr>
+            <p:ph type="sldImg"/>
+          </p:nvPr>
+        </p:nvSpPr>
+        <p:spPr/>
+      </p:sp>
+      <p:sp>
+        <p:nvSpPr>
+          <p:cNvPr id="3" name="Notes Placeholder 2"/>
+          <p:cNvSpPr>
+            <a:spLocks noGrp="1"/>
+          </p:cNvSpPr>
+          <p:nvPr>
+            <p:ph type="body" idx="1"/>
+          </p:nvPr>
+        </p:nvSpPr>
+        <p:spPr/>
+        <p:txBody>
+          <a:bodyPr/>
+          <a:lstStyle/>
+          <a:p>
+            <a:pPr marL="171450" marR="0" lvl="0" indent="-171450" algn="l" defTabSz="914400" rtl="0" eaLnBrk="1" fontAlgn="auto" latinLnBrk="0" hangingPunct="1">
+              <a:lnSpc>
+                <a:spcPct val="100000"/>
+              </a:lnSpc>
+              <a:spcBef>
+                <a:spcPts val="0"/>
+              </a:spcBef>
+              <a:spcAft>
+                <a:spcPts val="0"/>
+              </a:spcAft>
+              <a:buClrTx/>
+              <a:buSzTx/>
+              <a:buFont typeface="Arial" panose="020B0604020202020204" pitchFamily="34" charset="0"/>
+              <a:buChar char="•"/>
+              <a:tabLst/>
+              <a:defRPr/>
+            </a:pPr>
+            <a:r>
+              <a:rPr lang="de-DE" dirty="0"/>
+              <a:t>[5] </a:t>
+            </a:r>
+            <a:r>
+              <a:rPr lang="de-DE" dirty="0" err="1"/>
+              <a:t>is</a:t>
+            </a:r>
+            <a:r>
+              <a:rPr lang="de-DE" dirty="0"/>
+              <a:t> an </a:t>
+            </a:r>
+            <a:r>
+              <a:rPr lang="de-DE" dirty="0" err="1"/>
+              <a:t>important</a:t>
+            </a:r>
+            <a:r>
+              <a:rPr lang="de-DE" dirty="0"/>
+              <a:t> </a:t>
+            </a:r>
+            <a:r>
+              <a:rPr lang="de-DE" dirty="0" err="1"/>
+              <a:t>one</a:t>
+            </a:r>
+            <a:r>
+              <a:rPr lang="de-DE" dirty="0"/>
+              <a:t> </a:t>
+            </a:r>
+            <a:r>
+              <a:rPr lang="de-DE" dirty="0" err="1"/>
+              <a:t>as</a:t>
+            </a:r>
+            <a:r>
+              <a:rPr lang="de-DE" dirty="0"/>
+              <a:t> </a:t>
+            </a:r>
+            <a:r>
+              <a:rPr lang="de-DE" dirty="0" err="1"/>
+              <a:t>it</a:t>
+            </a:r>
+            <a:r>
+              <a:rPr lang="de-DE" dirty="0"/>
+              <a:t> </a:t>
+            </a:r>
+            <a:r>
+              <a:rPr lang="de-DE" dirty="0" err="1"/>
+              <a:t>gives</a:t>
+            </a:r>
+            <a:r>
+              <a:rPr lang="de-DE" dirty="0"/>
+              <a:t> an </a:t>
+            </a:r>
+            <a:r>
+              <a:rPr lang="de-DE" dirty="0" err="1"/>
+              <a:t>overview</a:t>
+            </a:r>
+            <a:r>
+              <a:rPr lang="de-DE" dirty="0"/>
+              <a:t> </a:t>
+            </a:r>
+            <a:r>
+              <a:rPr lang="de-DE" dirty="0" err="1"/>
+              <a:t>over</a:t>
+            </a:r>
+            <a:r>
+              <a:rPr lang="de-DE" dirty="0"/>
+              <a:t> different </a:t>
+            </a:r>
+            <a:r>
+              <a:rPr lang="de-DE" dirty="0" err="1"/>
+              <a:t>features</a:t>
+            </a:r>
+            <a:r>
+              <a:rPr lang="de-DE" dirty="0"/>
+              <a:t> </a:t>
+            </a:r>
+            <a:r>
+              <a:rPr lang="de-DE" dirty="0" err="1"/>
+              <a:t>used</a:t>
+            </a:r>
+            <a:r>
+              <a:rPr lang="de-DE" dirty="0"/>
+              <a:t> so </a:t>
+            </a:r>
+            <a:r>
+              <a:rPr lang="de-DE" dirty="0" err="1"/>
+              <a:t>far</a:t>
+            </a:r>
+            <a:endParaRPr lang="en-US" dirty="0"/>
+          </a:p>
+          <a:p>
+            <a:endParaRPr lang="en-US" dirty="0"/>
+          </a:p>
+        </p:txBody>
+      </p:sp>
+      <p:sp>
+        <p:nvSpPr>
+          <p:cNvPr id="4" name="Slide Number Placeholder 3"/>
+          <p:cNvSpPr>
+            <a:spLocks noGrp="1"/>
+          </p:cNvSpPr>
+          <p:nvPr>
+            <p:ph type="sldNum" sz="quarter" idx="5"/>
+          </p:nvPr>
+        </p:nvSpPr>
+        <p:spPr/>
+        <p:txBody>
+          <a:bodyPr/>
+          <a:lstStyle/>
+          <a:p>
+            <a:fld id="{8B7D652E-761C-174B-A3C6-02EDDB5AE9DD}" type="slidenum">
+              <a:rPr lang="de-DE" smtClean="0"/>
+              <a:t>14</a:t>
+            </a:fld>
+            <a:endParaRPr lang="de-DE"/>
+          </a:p>
+        </p:txBody>
+      </p:sp>
+    </p:spTree>
+    <p:extLst>
+      <p:ext uri="{BB962C8B-B14F-4D97-AF65-F5344CB8AC3E}">
+        <p14:creationId xmlns:p14="http://schemas.microsoft.com/office/powerpoint/2010/main" val="564252103"/>
+      </p:ext>
+    </p:extLst>
+  </p:cSld>
+  <p:clrMapOvr>
+    <a:masterClrMapping/>
+  </p:clrMapOvr>
+</p:notes>
+</file>
+
 <file path=ppt/notesSlides/notesSlide2.xml><?xml version="1.0" encoding="utf-8"?>
 <p:notes xmlns:a="http://schemas.openxmlformats.org/drawingml/2006/main" xmlns:r="http://schemas.openxmlformats.org/officeDocument/2006/relationships" xmlns:p="http://schemas.openxmlformats.org/presentationml/2006/main">
   <p:cSld>
@@ -1276,11 +1636,244 @@
           <a:bodyPr/>
           <a:lstStyle/>
           <a:p>
-            <a:pPr marL="0" indent="0">
+            <a:pPr marL="171450" indent="-171450">
               <a:buFont typeface="Arial" panose="020B0604020202020204" pitchFamily="34" charset="0"/>
-              <a:buNone/>
+              <a:buChar char="•"/>
             </a:pPr>
-            <a:endParaRPr lang="en-US" dirty="0"/>
+            <a:r>
+              <a:rPr lang="en-US" sz="1200" b="0" i="0" u="none" strike="noStrike" kern="1200" baseline="0" dirty="0">
+                <a:solidFill>
+                  <a:schemeClr val="tx1"/>
+                </a:solidFill>
+                <a:latin typeface="+mn-lt"/>
+                <a:ea typeface="+mn-ea"/>
+                <a:cs typeface="+mn-cs"/>
+              </a:rPr>
+              <a:t>To further automize the process of detecting hate speech contributions, several text analytics approaches have been evaluated in the recent past.</a:t>
+            </a:r>
+          </a:p>
+          <a:p>
+            <a:pPr marL="171450" indent="-171450">
+              <a:buFont typeface="Arial" panose="020B0604020202020204" pitchFamily="34" charset="0"/>
+              <a:buChar char="•"/>
+            </a:pPr>
+            <a:r>
+              <a:rPr lang="en-US" sz="1200" b="0" i="0" u="none" strike="noStrike" kern="1200" baseline="0" dirty="0">
+                <a:solidFill>
+                  <a:schemeClr val="tx1"/>
+                </a:solidFill>
+                <a:latin typeface="+mn-lt"/>
+                <a:ea typeface="+mn-ea"/>
+                <a:cs typeface="+mn-cs"/>
+              </a:rPr>
+              <a:t>Many of them are using methods of </a:t>
+            </a:r>
+            <a:r>
+              <a:rPr lang="en-US" sz="1200" b="0" i="1" u="none" strike="noStrike" kern="1200" baseline="0" dirty="0">
+                <a:solidFill>
+                  <a:schemeClr val="tx1"/>
+                </a:solidFill>
+                <a:latin typeface="+mn-lt"/>
+                <a:ea typeface="+mn-ea"/>
+                <a:cs typeface="+mn-cs"/>
+              </a:rPr>
+              <a:t>natural language processing </a:t>
+            </a:r>
+            <a:r>
+              <a:rPr lang="en-US" sz="1200" b="0" i="0" u="none" strike="noStrike" kern="1200" baseline="0" dirty="0">
+                <a:solidFill>
+                  <a:schemeClr val="tx1"/>
+                </a:solidFill>
+                <a:latin typeface="+mn-lt"/>
+                <a:ea typeface="+mn-ea"/>
+                <a:cs typeface="+mn-cs"/>
+              </a:rPr>
+              <a:t>and </a:t>
+            </a:r>
+            <a:r>
+              <a:rPr lang="en-US" sz="1200" b="0" i="1" u="none" strike="noStrike" kern="1200" baseline="0" dirty="0">
+                <a:solidFill>
+                  <a:schemeClr val="tx1"/>
+                </a:solidFill>
+                <a:latin typeface="+mn-lt"/>
+                <a:ea typeface="+mn-ea"/>
+                <a:cs typeface="+mn-cs"/>
+              </a:rPr>
+              <a:t>deep learning </a:t>
+            </a:r>
+            <a:r>
+              <a:rPr lang="en-US" sz="1200" b="0" i="0" u="none" strike="noStrike" kern="1200" baseline="0" dirty="0">
+                <a:solidFill>
+                  <a:schemeClr val="tx1"/>
+                </a:solidFill>
+                <a:latin typeface="+mn-lt"/>
+                <a:ea typeface="+mn-ea"/>
+                <a:cs typeface="+mn-cs"/>
+              </a:rPr>
+              <a:t>for hate speech detection and rely on meaningful features being learned automatically by deep neural networks instead of using hand-crafted features (</a:t>
+            </a:r>
+            <a:r>
+              <a:rPr lang="en-US" sz="1200" b="0" i="0" u="none" strike="noStrike" kern="1200" baseline="0" dirty="0" err="1">
+                <a:solidFill>
+                  <a:schemeClr val="tx1"/>
+                </a:solidFill>
+                <a:latin typeface="+mn-lt"/>
+                <a:ea typeface="+mn-ea"/>
+                <a:cs typeface="+mn-cs"/>
+              </a:rPr>
+              <a:t>uni</a:t>
+            </a:r>
+            <a:r>
+              <a:rPr lang="en-US" sz="1200" b="0" i="0" u="none" strike="noStrike" kern="1200" baseline="0" dirty="0">
+                <a:solidFill>
+                  <a:schemeClr val="tx1"/>
+                </a:solidFill>
+                <a:latin typeface="+mn-lt"/>
+                <a:ea typeface="+mn-ea"/>
+                <a:cs typeface="+mn-cs"/>
+              </a:rPr>
+              <a:t>- and bidirectional LSTMs, RNNs, GRUs, BERT, CNNs or even Deep Belief Networks).</a:t>
+            </a:r>
+          </a:p>
+          <a:p>
+            <a:pPr marL="171450" indent="-171450">
+              <a:buFont typeface="Arial" panose="020B0604020202020204" pitchFamily="34" charset="0"/>
+              <a:buChar char="•"/>
+            </a:pPr>
+            <a:r>
+              <a:rPr lang="en-US" sz="1200" b="0" i="0" u="none" strike="noStrike" kern="1200" baseline="0" dirty="0">
+                <a:solidFill>
+                  <a:schemeClr val="tx1"/>
+                </a:solidFill>
+                <a:latin typeface="+mn-lt"/>
+                <a:ea typeface="+mn-ea"/>
+                <a:cs typeface="+mn-cs"/>
+              </a:rPr>
+              <a:t>Different papers use manually extracted features. But none of them combines the results of recent research and compares it to a baseline neural network architecture, which is what this work is dedicated to.</a:t>
+            </a:r>
+          </a:p>
+          <a:p>
+            <a:pPr marL="171450" marR="0" lvl="0" indent="-171450" algn="l" defTabSz="914400" rtl="0" eaLnBrk="1" fontAlgn="auto" latinLnBrk="0" hangingPunct="1">
+              <a:lnSpc>
+                <a:spcPct val="100000"/>
+              </a:lnSpc>
+              <a:spcBef>
+                <a:spcPts val="0"/>
+              </a:spcBef>
+              <a:spcAft>
+                <a:spcPts val="0"/>
+              </a:spcAft>
+              <a:buClrTx/>
+              <a:buSzTx/>
+              <a:buFont typeface="Arial" panose="020B0604020202020204" pitchFamily="34" charset="0"/>
+              <a:buChar char="•"/>
+              <a:tabLst/>
+              <a:defRPr/>
+            </a:pPr>
+            <a:r>
+              <a:rPr lang="en-US" dirty="0"/>
+              <a:t>Research question: Can </a:t>
+            </a:r>
+            <a:r>
+              <a:rPr lang="de-DE" dirty="0" err="1"/>
+              <a:t>classical</a:t>
+            </a:r>
+            <a:r>
+              <a:rPr lang="de-DE" dirty="0"/>
+              <a:t> </a:t>
+            </a:r>
+            <a:r>
+              <a:rPr lang="de-DE" dirty="0" err="1"/>
+              <a:t>Machine</a:t>
+            </a:r>
+            <a:r>
+              <a:rPr lang="de-DE" dirty="0"/>
+              <a:t> Learning </a:t>
+            </a:r>
+            <a:r>
+              <a:rPr lang="de-DE" dirty="0" err="1"/>
+              <a:t>methods</a:t>
+            </a:r>
+            <a:r>
+              <a:rPr lang="de-DE" dirty="0"/>
+              <a:t> </a:t>
+            </a:r>
+            <a:r>
+              <a:rPr lang="de-DE" dirty="0" err="1"/>
+              <a:t>combined</a:t>
+            </a:r>
+            <a:r>
+              <a:rPr lang="de-DE" dirty="0"/>
+              <a:t> </a:t>
+            </a:r>
+            <a:r>
+              <a:rPr lang="de-DE" dirty="0" err="1"/>
+              <a:t>with</a:t>
+            </a:r>
+            <a:r>
+              <a:rPr lang="de-DE" dirty="0"/>
+              <a:t> </a:t>
+            </a:r>
+            <a:r>
+              <a:rPr lang="de-DE" dirty="0" err="1"/>
+              <a:t>suitable</a:t>
+            </a:r>
+            <a:r>
+              <a:rPr lang="de-DE" dirty="0"/>
+              <a:t> </a:t>
+            </a:r>
+            <a:r>
+              <a:rPr lang="de-DE" dirty="0" err="1"/>
+              <a:t>features</a:t>
+            </a:r>
+            <a:r>
+              <a:rPr lang="de-DE" dirty="0"/>
+              <a:t> </a:t>
+            </a:r>
+            <a:r>
+              <a:rPr lang="de-DE" dirty="0" err="1"/>
+              <a:t>outperform</a:t>
+            </a:r>
+            <a:r>
+              <a:rPr lang="de-DE" dirty="0"/>
+              <a:t> </a:t>
+            </a:r>
+            <a:r>
+              <a:rPr lang="de-DE" dirty="0" err="1"/>
+              <a:t>neural</a:t>
+            </a:r>
+            <a:r>
+              <a:rPr lang="de-DE" dirty="0"/>
+              <a:t> </a:t>
+            </a:r>
+            <a:r>
+              <a:rPr lang="de-DE" dirty="0" err="1"/>
+              <a:t>network</a:t>
+            </a:r>
+            <a:r>
+              <a:rPr lang="de-DE" dirty="0"/>
+              <a:t> </a:t>
+            </a:r>
+            <a:r>
+              <a:rPr lang="de-DE" dirty="0" err="1"/>
+              <a:t>based</a:t>
+            </a:r>
+            <a:r>
+              <a:rPr lang="de-DE" dirty="0"/>
+              <a:t> </a:t>
+            </a:r>
+            <a:r>
+              <a:rPr lang="de-DE" dirty="0" err="1"/>
+              <a:t>approaches</a:t>
+            </a:r>
+            <a:endParaRPr lang="en-US" sz="1200" b="0" i="0" u="none" strike="noStrike" kern="1200" baseline="0" dirty="0">
+              <a:solidFill>
+                <a:schemeClr val="tx1"/>
+              </a:solidFill>
+              <a:latin typeface="+mn-lt"/>
+              <a:ea typeface="+mn-ea"/>
+              <a:cs typeface="+mn-cs"/>
+            </a:endParaRPr>
           </a:p>
         </p:txBody>
       </p:sp>
@@ -1310,7 +1903,7 @@
     </p:spTree>
     <p:extLst>
       <p:ext uri="{BB962C8B-B14F-4D97-AF65-F5344CB8AC3E}">
-        <p14:creationId xmlns:p14="http://schemas.microsoft.com/office/powerpoint/2010/main" val="3467605032"/>
+        <p14:creationId xmlns:p14="http://schemas.microsoft.com/office/powerpoint/2010/main" val="1660519680"/>
       </p:ext>
     </p:extLst>
   </p:cSld>
@@ -1364,275 +1957,11 @@
           <a:bodyPr/>
           <a:lstStyle/>
           <a:p>
-            <a:pPr marL="171450" indent="-171450">
+            <a:pPr marL="0" indent="0">
               <a:buFont typeface="Arial" panose="020B0604020202020204" pitchFamily="34" charset="0"/>
-              <a:buChar char="•"/>
+              <a:buNone/>
             </a:pPr>
-            <a:r>
-              <a:rPr lang="en-US" sz="1200" b="0" i="0" u="none" strike="noStrike" kern="1200" baseline="0" dirty="0">
-                <a:solidFill>
-                  <a:schemeClr val="tx1"/>
-                </a:solidFill>
-                <a:latin typeface="+mn-lt"/>
-                <a:ea typeface="+mn-ea"/>
-                <a:cs typeface="+mn-cs"/>
-              </a:rPr>
-              <a:t>To further automize the process of detecting hate speech contributions, several text analytics approaches have been evaluated in the recent past.</a:t>
-            </a:r>
-          </a:p>
-          <a:p>
-            <a:pPr marL="171450" indent="-171450">
-              <a:buFont typeface="Arial" panose="020B0604020202020204" pitchFamily="34" charset="0"/>
-              <a:buChar char="•"/>
-            </a:pPr>
-            <a:r>
-              <a:rPr lang="en-US" sz="1200" b="0" i="0" u="none" strike="noStrike" kern="1200" baseline="0" dirty="0">
-                <a:solidFill>
-                  <a:schemeClr val="tx1"/>
-                </a:solidFill>
-                <a:latin typeface="+mn-lt"/>
-                <a:ea typeface="+mn-ea"/>
-                <a:cs typeface="+mn-cs"/>
-              </a:rPr>
-              <a:t>Many of them are using methods of </a:t>
-            </a:r>
-            <a:r>
-              <a:rPr lang="en-US" sz="1200" b="0" i="1" u="none" strike="noStrike" kern="1200" baseline="0" dirty="0">
-                <a:solidFill>
-                  <a:schemeClr val="tx1"/>
-                </a:solidFill>
-                <a:latin typeface="+mn-lt"/>
-                <a:ea typeface="+mn-ea"/>
-                <a:cs typeface="+mn-cs"/>
-              </a:rPr>
-              <a:t>natural language processing </a:t>
-            </a:r>
-            <a:r>
-              <a:rPr lang="en-US" sz="1200" b="0" i="0" u="none" strike="noStrike" kern="1200" baseline="0" dirty="0">
-                <a:solidFill>
-                  <a:schemeClr val="tx1"/>
-                </a:solidFill>
-                <a:latin typeface="+mn-lt"/>
-                <a:ea typeface="+mn-ea"/>
-                <a:cs typeface="+mn-cs"/>
-              </a:rPr>
-              <a:t>and </a:t>
-            </a:r>
-            <a:r>
-              <a:rPr lang="en-US" sz="1200" b="0" i="1" u="none" strike="noStrike" kern="1200" baseline="0" dirty="0">
-                <a:solidFill>
-                  <a:schemeClr val="tx1"/>
-                </a:solidFill>
-                <a:latin typeface="+mn-lt"/>
-                <a:ea typeface="+mn-ea"/>
-                <a:cs typeface="+mn-cs"/>
-              </a:rPr>
-              <a:t>deep learning </a:t>
-            </a:r>
-            <a:r>
-              <a:rPr lang="en-US" sz="1200" b="0" i="0" u="none" strike="noStrike" kern="1200" baseline="0" dirty="0">
-                <a:solidFill>
-                  <a:schemeClr val="tx1"/>
-                </a:solidFill>
-                <a:latin typeface="+mn-lt"/>
-                <a:ea typeface="+mn-ea"/>
-                <a:cs typeface="+mn-cs"/>
-              </a:rPr>
-              <a:t>for hate speech detection and rely on meaningful features being learned automatically by deep neural networks instead of using hand-crafted features (</a:t>
-            </a:r>
-            <a:r>
-              <a:rPr lang="en-US" sz="1200" b="0" i="0" u="none" strike="noStrike" kern="1200" baseline="0" dirty="0" err="1">
-                <a:solidFill>
-                  <a:schemeClr val="tx1"/>
-                </a:solidFill>
-                <a:latin typeface="+mn-lt"/>
-                <a:ea typeface="+mn-ea"/>
-                <a:cs typeface="+mn-cs"/>
-              </a:rPr>
-              <a:t>uni</a:t>
-            </a:r>
-            <a:r>
-              <a:rPr lang="en-US" sz="1200" b="0" i="0" u="none" strike="noStrike" kern="1200" baseline="0" dirty="0">
-                <a:solidFill>
-                  <a:schemeClr val="tx1"/>
-                </a:solidFill>
-                <a:latin typeface="+mn-lt"/>
-                <a:ea typeface="+mn-ea"/>
-                <a:cs typeface="+mn-cs"/>
-              </a:rPr>
-              <a:t>- and bidirectional LSTMs, RNNs, GRUs, BERT, CNNs or even Deep Belief Networks).</a:t>
-            </a:r>
-          </a:p>
-          <a:p>
-            <a:pPr marL="171450" indent="-171450">
-              <a:buFont typeface="Arial" panose="020B0604020202020204" pitchFamily="34" charset="0"/>
-              <a:buChar char="•"/>
-            </a:pPr>
-            <a:r>
-              <a:rPr lang="en-US" sz="1200" b="0" i="0" u="none" strike="noStrike" kern="1200" baseline="0" dirty="0">
-                <a:solidFill>
-                  <a:schemeClr val="tx1"/>
-                </a:solidFill>
-                <a:latin typeface="+mn-lt"/>
-                <a:ea typeface="+mn-ea"/>
-                <a:cs typeface="+mn-cs"/>
-              </a:rPr>
-              <a:t>Different papers use manually extracted features. But none of them combines the results of recent research and compares it to a baseline neural network architecture, which is what this work is dedicated to.</a:t>
-            </a:r>
-          </a:p>
-          <a:p>
-            <a:pPr marL="171450" marR="0" lvl="0" indent="-171450" algn="l" defTabSz="914400" rtl="0" eaLnBrk="1" fontAlgn="auto" latinLnBrk="0" hangingPunct="1">
-              <a:lnSpc>
-                <a:spcPct val="100000"/>
-              </a:lnSpc>
-              <a:spcBef>
-                <a:spcPts val="0"/>
-              </a:spcBef>
-              <a:spcAft>
-                <a:spcPts val="0"/>
-              </a:spcAft>
-              <a:buClrTx/>
-              <a:buSzTx/>
-              <a:buFont typeface="Arial" panose="020B0604020202020204" pitchFamily="34" charset="0"/>
-              <a:buChar char="•"/>
-              <a:tabLst/>
-              <a:defRPr/>
-            </a:pPr>
-            <a:r>
-              <a:rPr lang="en-US" dirty="0"/>
-              <a:t>Research question: Can </a:t>
-            </a:r>
-            <a:r>
-              <a:rPr lang="de-DE" dirty="0" err="1"/>
-              <a:t>classical</a:t>
-            </a:r>
-            <a:r>
-              <a:rPr lang="de-DE" dirty="0"/>
-              <a:t> </a:t>
-            </a:r>
-            <a:r>
-              <a:rPr lang="de-DE" dirty="0" err="1"/>
-              <a:t>Machine</a:t>
-            </a:r>
-            <a:r>
-              <a:rPr lang="de-DE" dirty="0"/>
-              <a:t> Learning </a:t>
-            </a:r>
-            <a:r>
-              <a:rPr lang="de-DE" dirty="0" err="1"/>
-              <a:t>methods</a:t>
-            </a:r>
-            <a:r>
-              <a:rPr lang="de-DE" dirty="0"/>
-              <a:t> </a:t>
-            </a:r>
-            <a:r>
-              <a:rPr lang="de-DE" dirty="0" err="1"/>
-              <a:t>combined</a:t>
-            </a:r>
-            <a:r>
-              <a:rPr lang="de-DE" dirty="0"/>
-              <a:t> </a:t>
-            </a:r>
-            <a:r>
-              <a:rPr lang="de-DE" dirty="0" err="1"/>
-              <a:t>with</a:t>
-            </a:r>
-            <a:r>
-              <a:rPr lang="de-DE" dirty="0"/>
-              <a:t> </a:t>
-            </a:r>
-            <a:r>
-              <a:rPr lang="de-DE" dirty="0" err="1"/>
-              <a:t>suitable</a:t>
-            </a:r>
-            <a:r>
-              <a:rPr lang="de-DE" dirty="0"/>
-              <a:t> </a:t>
-            </a:r>
-            <a:r>
-              <a:rPr lang="de-DE" dirty="0" err="1"/>
-              <a:t>features</a:t>
-            </a:r>
-            <a:r>
-              <a:rPr lang="de-DE" dirty="0"/>
-              <a:t> </a:t>
-            </a:r>
-            <a:r>
-              <a:rPr lang="de-DE" dirty="0" err="1"/>
-              <a:t>outperform</a:t>
-            </a:r>
-            <a:r>
-              <a:rPr lang="de-DE" dirty="0"/>
-              <a:t> </a:t>
-            </a:r>
-            <a:r>
-              <a:rPr lang="de-DE" dirty="0" err="1"/>
-              <a:t>neural</a:t>
-            </a:r>
-            <a:r>
-              <a:rPr lang="de-DE" dirty="0"/>
-              <a:t> </a:t>
-            </a:r>
-            <a:r>
-              <a:rPr lang="de-DE" dirty="0" err="1"/>
-              <a:t>network</a:t>
-            </a:r>
-            <a:r>
-              <a:rPr lang="de-DE" dirty="0"/>
-              <a:t> </a:t>
-            </a:r>
-            <a:r>
-              <a:rPr lang="de-DE" dirty="0" err="1"/>
-              <a:t>based</a:t>
-            </a:r>
-            <a:r>
-              <a:rPr lang="de-DE" dirty="0"/>
-              <a:t> </a:t>
-            </a:r>
-            <a:r>
-              <a:rPr lang="de-DE" dirty="0" err="1"/>
-              <a:t>approaches</a:t>
-            </a:r>
-            <a:endParaRPr lang="en-US" sz="1200" b="0" i="0" u="none" strike="noStrike" kern="1200" baseline="0" dirty="0">
-              <a:solidFill>
-                <a:schemeClr val="tx1"/>
-              </a:solidFill>
-              <a:latin typeface="+mn-lt"/>
-              <a:ea typeface="+mn-ea"/>
-              <a:cs typeface="+mn-cs"/>
-            </a:endParaRPr>
-          </a:p>
-          <a:p>
-            <a:pPr marL="171450" indent="-171450">
-              <a:buFont typeface="Arial" panose="020B0604020202020204" pitchFamily="34" charset="0"/>
-              <a:buChar char="•"/>
-            </a:pPr>
-            <a:r>
-              <a:rPr lang="en-US" sz="1200" b="0" i="0" u="none" strike="noStrike" kern="1200" baseline="0" dirty="0">
-                <a:solidFill>
-                  <a:schemeClr val="tx1"/>
-                </a:solidFill>
-                <a:latin typeface="+mn-lt"/>
-                <a:ea typeface="+mn-ea"/>
-                <a:cs typeface="+mn-cs"/>
-              </a:rPr>
-              <a:t>Classifiers chosen from the papers on the next page</a:t>
-            </a:r>
-          </a:p>
-          <a:p>
-            <a:pPr marL="171450" indent="-171450">
-              <a:buFont typeface="Arial" panose="020B0604020202020204" pitchFamily="34" charset="0"/>
-              <a:buChar char="•"/>
-            </a:pPr>
-            <a:endParaRPr lang="en-US" sz="1200" b="0" i="0" u="none" strike="noStrike" kern="1200" baseline="0" dirty="0">
-              <a:solidFill>
-                <a:schemeClr val="tx1"/>
-              </a:solidFill>
-              <a:latin typeface="+mn-lt"/>
-              <a:ea typeface="+mn-ea"/>
-              <a:cs typeface="+mn-cs"/>
-            </a:endParaRPr>
+            <a:endParaRPr lang="en-US" dirty="0"/>
           </a:p>
         </p:txBody>
       </p:sp>
@@ -1662,7 +1991,7 @@
     </p:spTree>
     <p:extLst>
       <p:ext uri="{BB962C8B-B14F-4D97-AF65-F5344CB8AC3E}">
-        <p14:creationId xmlns:p14="http://schemas.microsoft.com/office/powerpoint/2010/main" val="1660519680"/>
+        <p14:creationId xmlns:p14="http://schemas.microsoft.com/office/powerpoint/2010/main" val="3467605032"/>
       </p:ext>
     </p:extLst>
   </p:cSld>
@@ -7955,6 +8284,112 @@
   <p:clrMapOvr>
     <a:masterClrMapping/>
   </p:clrMapOvr>
+  <p:timing>
+    <p:tnLst>
+      <p:par>
+        <p:cTn id="1" dur="indefinite" restart="never" nodeType="tmRoot">
+          <p:childTnLst>
+            <p:seq concurrent="1" nextAc="seek">
+              <p:cTn id="2" dur="indefinite" nodeType="mainSeq">
+                <p:childTnLst>
+                  <p:par>
+                    <p:cTn id="3" fill="hold">
+                      <p:stCondLst>
+                        <p:cond delay="indefinite"/>
+                      </p:stCondLst>
+                      <p:childTnLst>
+                        <p:par>
+                          <p:cTn id="4" fill="hold">
+                            <p:stCondLst>
+                              <p:cond delay="0"/>
+                            </p:stCondLst>
+                            <p:childTnLst>
+                              <p:par>
+                                <p:cTn id="5" presetID="1" presetClass="entr" presetSubtype="0" fill="hold" grpId="0" nodeType="clickEffect">
+                                  <p:stCondLst>
+                                    <p:cond delay="0"/>
+                                  </p:stCondLst>
+                                  <p:childTnLst>
+                                    <p:set>
+                                      <p:cBhvr>
+                                        <p:cTn id="6" dur="1" fill="hold">
+                                          <p:stCondLst>
+                                            <p:cond delay="0"/>
+                                          </p:stCondLst>
+                                        </p:cTn>
+                                        <p:tgtEl>
+                                          <p:spTgt spid="9"/>
+                                        </p:tgtEl>
+                                        <p:attrNameLst>
+                                          <p:attrName>style.visibility</p:attrName>
+                                        </p:attrNameLst>
+                                      </p:cBhvr>
+                                      <p:to>
+                                        <p:strVal val="visible"/>
+                                      </p:to>
+                                    </p:set>
+                                  </p:childTnLst>
+                                </p:cTn>
+                              </p:par>
+                              <p:par>
+                                <p:cTn id="7" presetID="1" presetClass="entr" presetSubtype="0" fill="hold" grpId="0" nodeType="withEffect">
+                                  <p:stCondLst>
+                                    <p:cond delay="0"/>
+                                  </p:stCondLst>
+                                  <p:childTnLst>
+                                    <p:set>
+                                      <p:cBhvr>
+                                        <p:cTn id="8" dur="1" fill="hold">
+                                          <p:stCondLst>
+                                            <p:cond delay="0"/>
+                                          </p:stCondLst>
+                                        </p:cTn>
+                                        <p:tgtEl>
+                                          <p:spTgt spid="8"/>
+                                        </p:tgtEl>
+                                        <p:attrNameLst>
+                                          <p:attrName>style.visibility</p:attrName>
+                                        </p:attrNameLst>
+                                      </p:cBhvr>
+                                      <p:to>
+                                        <p:strVal val="visible"/>
+                                      </p:to>
+                                    </p:set>
+                                  </p:childTnLst>
+                                </p:cTn>
+                              </p:par>
+                            </p:childTnLst>
+                          </p:cTn>
+                        </p:par>
+                      </p:childTnLst>
+                    </p:cTn>
+                  </p:par>
+                </p:childTnLst>
+              </p:cTn>
+              <p:prevCondLst>
+                <p:cond evt="onPrev" delay="0">
+                  <p:tgtEl>
+                    <p:sldTgt/>
+                  </p:tgtEl>
+                </p:cond>
+              </p:prevCondLst>
+              <p:nextCondLst>
+                <p:cond evt="onNext" delay="0">
+                  <p:tgtEl>
+                    <p:sldTgt/>
+                  </p:tgtEl>
+                </p:cond>
+              </p:nextCondLst>
+            </p:seq>
+          </p:childTnLst>
+        </p:cTn>
+      </p:par>
+    </p:tnLst>
+    <p:bldLst>
+      <p:bldP spid="8" grpId="0"/>
+      <p:bldP spid="9" grpId="0"/>
+    </p:bldLst>
+  </p:timing>
 </p:sld>
 </file>
 
@@ -8260,7 +8695,7 @@
             </a:r>
             <a:r>
               <a:rPr lang="fr-FR" dirty="0">
-                <a:hlinkClick r:id="rId2"/>
+                <a:hlinkClick r:id="rId3"/>
               </a:rPr>
               <a:t>https://arxiv.org/pdf/1703.04009.pdf</a:t>
             </a:r>
@@ -8339,7 +8774,7 @@
             </a:r>
             <a:r>
               <a:rPr lang="en-US" dirty="0">
-                <a:hlinkClick r:id="rId3"/>
+                <a:hlinkClick r:id="rId4"/>
               </a:rPr>
               <a:t>https://arxiv.org/pdf/1809.04444.pdf</a:t>
             </a:r>
@@ -8374,7 +8809,7 @@
             </a:r>
             <a:r>
               <a:rPr lang="fr-FR" dirty="0">
-                <a:hlinkClick r:id="rId4"/>
+                <a:hlinkClick r:id="rId5"/>
               </a:rPr>
               <a:t>https://arxiv.org/pdf/1106.1813.pdf</a:t>
             </a:r>
@@ -8676,7 +9111,7 @@
             </a:r>
             <a:r>
               <a:rPr lang="en-US" sz="1900" dirty="0">
-                <a:hlinkClick r:id="rId2"/>
+                <a:hlinkClick r:id="rId3"/>
               </a:rPr>
               <a:t>https://arxiv.org/pdf/1809.08651.pdf</a:t>
             </a:r>
@@ -9660,510 +10095,6 @@
               <a:rPr lang="en-US" smtClean="0"/>
               <a:pPr/>
               <a:t>3</a:t>
-            </a:fld>
-            <a:endParaRPr lang="en-US" dirty="0"/>
-          </a:p>
-        </p:txBody>
-      </p:sp>
-      <p:sp>
-        <p:nvSpPr>
-          <p:cNvPr id="3" name="Rectangle: Rounded Corners 2">
-            <a:extLst>
-              <a:ext uri="{FF2B5EF4-FFF2-40B4-BE49-F238E27FC236}">
-                <a16:creationId xmlns:a16="http://schemas.microsoft.com/office/drawing/2014/main" id="{4D253B2C-2492-4FE7-8770-9729474BAF7F}"/>
-              </a:ext>
-            </a:extLst>
-          </p:cNvPr>
-          <p:cNvSpPr/>
-          <p:nvPr/>
-        </p:nvSpPr>
-        <p:spPr>
-          <a:xfrm>
-            <a:off x="1164217" y="4028012"/>
-            <a:ext cx="9642683" cy="1544371"/>
-          </a:xfrm>
-          <a:prstGeom prst="roundRect">
-            <a:avLst/>
-          </a:prstGeom>
-          <a:noFill/>
-          <a:ln>
-            <a:solidFill>
-              <a:srgbClr val="3F5161"/>
-            </a:solidFill>
-          </a:ln>
-        </p:spPr>
-        <p:style>
-          <a:lnRef idx="2">
-            <a:schemeClr val="accent1">
-              <a:shade val="50000"/>
-            </a:schemeClr>
-          </a:lnRef>
-          <a:fillRef idx="1">
-            <a:schemeClr val="accent1"/>
-          </a:fillRef>
-          <a:effectRef idx="0">
-            <a:schemeClr val="accent1"/>
-          </a:effectRef>
-          <a:fontRef idx="minor">
-            <a:schemeClr val="lt1"/>
-          </a:fontRef>
-        </p:style>
-        <p:txBody>
-          <a:bodyPr rtlCol="0" anchor="ctr"/>
-          <a:lstStyle/>
-          <a:p>
-            <a:pPr algn="just"/>
-            <a:r>
-              <a:rPr lang="en-US">
-                <a:solidFill>
-                  <a:schemeClr val="tx1"/>
-                </a:solidFill>
-              </a:rPr>
-              <a:t>„A language that is used to </a:t>
-            </a:r>
-            <a:r>
-              <a:rPr lang="en-US" b="1">
-                <a:solidFill>
-                  <a:schemeClr val="tx1"/>
-                </a:solidFill>
-              </a:rPr>
-              <a:t>expresses hatred towards a targeted group </a:t>
-            </a:r>
-            <a:r>
-              <a:rPr lang="en-US">
-                <a:solidFill>
-                  <a:schemeClr val="tx1"/>
-                </a:solidFill>
-              </a:rPr>
-              <a:t>or is intended to be </a:t>
-            </a:r>
-            <a:r>
-              <a:rPr lang="en-US" b="1">
-                <a:solidFill>
-                  <a:schemeClr val="tx1"/>
-                </a:solidFill>
-              </a:rPr>
-              <a:t>derogatory</a:t>
-            </a:r>
-            <a:r>
-              <a:rPr lang="en-US">
-                <a:solidFill>
-                  <a:schemeClr val="tx1"/>
-                </a:solidFill>
-              </a:rPr>
-              <a:t>, to </a:t>
-            </a:r>
-            <a:r>
-              <a:rPr lang="en-US" b="1">
-                <a:solidFill>
-                  <a:schemeClr val="tx1"/>
-                </a:solidFill>
-              </a:rPr>
-              <a:t>humiliate</a:t>
-            </a:r>
-            <a:r>
-              <a:rPr lang="en-US">
-                <a:solidFill>
-                  <a:schemeClr val="tx1"/>
-                </a:solidFill>
-              </a:rPr>
-              <a:t>, or to </a:t>
-            </a:r>
-            <a:r>
-              <a:rPr lang="en-US" b="1">
-                <a:solidFill>
-                  <a:schemeClr val="tx1"/>
-                </a:solidFill>
-              </a:rPr>
-              <a:t>insult</a:t>
-            </a:r>
-            <a:r>
-              <a:rPr lang="en-US">
-                <a:solidFill>
-                  <a:schemeClr val="tx1"/>
-                </a:solidFill>
-              </a:rPr>
-              <a:t> the members of the group.“ </a:t>
-            </a:r>
-          </a:p>
-          <a:p>
-            <a:pPr algn="r">
-              <a:lnSpc>
-                <a:spcPct val="200000"/>
-              </a:lnSpc>
-            </a:pPr>
-            <a:r>
-              <a:rPr lang="en-US" sz="1200" i="1">
-                <a:solidFill>
-                  <a:schemeClr val="tx1"/>
-                </a:solidFill>
-              </a:rPr>
-              <a:t>- Davidson et al. (“Automated Hate Speech Detection and the Problem of Offensive Language”)</a:t>
-            </a:r>
-            <a:endParaRPr lang="de-DE" sz="1200" i="1" dirty="0">
-              <a:solidFill>
-                <a:schemeClr val="tx1"/>
-              </a:solidFill>
-            </a:endParaRPr>
-          </a:p>
-        </p:txBody>
-      </p:sp>
-      <p:sp>
-        <p:nvSpPr>
-          <p:cNvPr id="11" name="Rectangle: Rounded Corners 10">
-            <a:extLst>
-              <a:ext uri="{FF2B5EF4-FFF2-40B4-BE49-F238E27FC236}">
-                <a16:creationId xmlns:a16="http://schemas.microsoft.com/office/drawing/2014/main" id="{2997A3C7-72F1-4419-9C96-6843217981CA}"/>
-              </a:ext>
-            </a:extLst>
-          </p:cNvPr>
-          <p:cNvSpPr/>
-          <p:nvPr/>
-        </p:nvSpPr>
-        <p:spPr>
-          <a:xfrm>
-            <a:off x="1164216" y="1946444"/>
-            <a:ext cx="9642683" cy="1544371"/>
-          </a:xfrm>
-          <a:prstGeom prst="roundRect">
-            <a:avLst/>
-          </a:prstGeom>
-          <a:noFill/>
-          <a:ln>
-            <a:solidFill>
-              <a:srgbClr val="3F5161"/>
-            </a:solidFill>
-          </a:ln>
-        </p:spPr>
-        <p:style>
-          <a:lnRef idx="2">
-            <a:schemeClr val="accent1">
-              <a:shade val="50000"/>
-            </a:schemeClr>
-          </a:lnRef>
-          <a:fillRef idx="1">
-            <a:schemeClr val="accent1"/>
-          </a:fillRef>
-          <a:effectRef idx="0">
-            <a:schemeClr val="accent1"/>
-          </a:effectRef>
-          <a:fontRef idx="minor">
-            <a:schemeClr val="lt1"/>
-          </a:fontRef>
-        </p:style>
-        <p:txBody>
-          <a:bodyPr rtlCol="0" anchor="ctr"/>
-          <a:lstStyle/>
-          <a:p>
-            <a:pPr algn="just"/>
-            <a:r>
-              <a:rPr lang="en-US" dirty="0">
-                <a:solidFill>
-                  <a:schemeClr val="tx1"/>
-                </a:solidFill>
-              </a:rPr>
-              <a:t>„Hate speech is commonly defined as any communication that </a:t>
-            </a:r>
-            <a:r>
-              <a:rPr lang="en-US" b="1" dirty="0">
-                <a:solidFill>
-                  <a:schemeClr val="tx1"/>
-                </a:solidFill>
-              </a:rPr>
-              <a:t>disparages a target group</a:t>
-            </a:r>
-            <a:r>
-              <a:rPr lang="en-US" dirty="0">
-                <a:solidFill>
-                  <a:schemeClr val="tx1"/>
-                </a:solidFill>
-              </a:rPr>
-              <a:t> of people based on some characteristic such as </a:t>
-            </a:r>
-            <a:r>
-              <a:rPr lang="en-US" b="1" dirty="0">
-                <a:solidFill>
-                  <a:schemeClr val="tx1"/>
-                </a:solidFill>
-              </a:rPr>
-              <a:t>race, </a:t>
-            </a:r>
-            <a:r>
-              <a:rPr lang="en-US" b="1" dirty="0" err="1">
-                <a:solidFill>
-                  <a:schemeClr val="tx1"/>
-                </a:solidFill>
-              </a:rPr>
-              <a:t>colour</a:t>
-            </a:r>
-            <a:r>
-              <a:rPr lang="en-US" b="1" dirty="0">
-                <a:solidFill>
-                  <a:schemeClr val="tx1"/>
-                </a:solidFill>
-              </a:rPr>
-              <a:t>, ethnicity, gender, sexual orientation, nationality, religion</a:t>
-            </a:r>
-            <a:r>
-              <a:rPr lang="en-US" dirty="0">
-                <a:solidFill>
-                  <a:schemeClr val="tx1"/>
-                </a:solidFill>
-              </a:rPr>
-              <a:t>, or other characteristic.“ </a:t>
-            </a:r>
-          </a:p>
-          <a:p>
-            <a:pPr algn="r">
-              <a:lnSpc>
-                <a:spcPct val="200000"/>
-              </a:lnSpc>
-            </a:pPr>
-            <a:r>
-              <a:rPr lang="en-US" sz="1200" i="1" dirty="0">
-                <a:solidFill>
-                  <a:schemeClr val="tx1"/>
-                </a:solidFill>
-              </a:rPr>
-              <a:t>- </a:t>
-            </a:r>
-            <a:r>
-              <a:rPr lang="en-US" sz="1200" i="1" dirty="0" err="1">
-                <a:solidFill>
-                  <a:schemeClr val="tx1"/>
-                </a:solidFill>
-              </a:rPr>
-              <a:t>Gibert</a:t>
-            </a:r>
-            <a:r>
-              <a:rPr lang="en-US" sz="1200" i="1" dirty="0">
-                <a:solidFill>
-                  <a:schemeClr val="tx1"/>
-                </a:solidFill>
-              </a:rPr>
-              <a:t> et al. (“Hate Speech Dataset from a White Supremacy Forum”)</a:t>
-            </a:r>
-            <a:endParaRPr lang="de-DE" sz="1200" i="1" dirty="0">
-              <a:solidFill>
-                <a:schemeClr val="tx1"/>
-              </a:solidFill>
-            </a:endParaRPr>
-          </a:p>
-        </p:txBody>
-      </p:sp>
-    </p:spTree>
-    <p:extLst>
-      <p:ext uri="{BB962C8B-B14F-4D97-AF65-F5344CB8AC3E}">
-        <p14:creationId xmlns:p14="http://schemas.microsoft.com/office/powerpoint/2010/main" val="261738903"/>
-      </p:ext>
-    </p:extLst>
-  </p:cSld>
-  <p:clrMapOvr>
-    <a:masterClrMapping/>
-  </p:clrMapOvr>
-</p:sld>
-</file>
-
-<file path=ppt/slides/slide4.xml><?xml version="1.0" encoding="utf-8"?>
-<p:sld xmlns:a="http://schemas.openxmlformats.org/drawingml/2006/main" xmlns:r="http://schemas.openxmlformats.org/officeDocument/2006/relationships" xmlns:p="http://schemas.openxmlformats.org/presentationml/2006/main">
-  <p:cSld>
-    <p:spTree>
-      <p:nvGrpSpPr>
-        <p:cNvPr id="1" name=""/>
-        <p:cNvGrpSpPr/>
-        <p:nvPr/>
-      </p:nvGrpSpPr>
-      <p:grpSpPr>
-        <a:xfrm>
-          <a:off x="0" y="0"/>
-          <a:ext cx="0" cy="0"/>
-          <a:chOff x="0" y="0"/>
-          <a:chExt cx="0" cy="0"/>
-        </a:xfrm>
-      </p:grpSpPr>
-      <p:sp>
-        <p:nvSpPr>
-          <p:cNvPr id="2" name="Titel 1">
-            <a:extLst>
-              <a:ext uri="{FF2B5EF4-FFF2-40B4-BE49-F238E27FC236}">
-                <a16:creationId xmlns:a16="http://schemas.microsoft.com/office/drawing/2014/main" id="{FBD058E9-5577-DF4A-8432-EF405F4AC513}"/>
-              </a:ext>
-            </a:extLst>
-          </p:cNvPr>
-          <p:cNvSpPr>
-            <a:spLocks noGrp="1"/>
-          </p:cNvSpPr>
-          <p:nvPr>
-            <p:ph type="title"/>
-          </p:nvPr>
-        </p:nvSpPr>
-        <p:spPr/>
-        <p:txBody>
-          <a:bodyPr/>
-          <a:lstStyle/>
-          <a:p>
-            <a:r>
-              <a:rPr lang="de-DE" dirty="0"/>
-              <a:t>Motivation</a:t>
-            </a:r>
-          </a:p>
-        </p:txBody>
-      </p:sp>
-      <p:sp>
-        <p:nvSpPr>
-          <p:cNvPr id="4" name="Foliennummernplatzhalter 3">
-            <a:extLst>
-              <a:ext uri="{FF2B5EF4-FFF2-40B4-BE49-F238E27FC236}">
-                <a16:creationId xmlns:a16="http://schemas.microsoft.com/office/drawing/2014/main" id="{84F9DEB5-06E4-1046-95E9-B3FEEE880206}"/>
-              </a:ext>
-            </a:extLst>
-          </p:cNvPr>
-          <p:cNvSpPr>
-            <a:spLocks noGrp="1"/>
-          </p:cNvSpPr>
-          <p:nvPr>
-            <p:ph type="sldNum" sz="quarter" idx="12"/>
-          </p:nvPr>
-        </p:nvSpPr>
-        <p:spPr/>
-        <p:txBody>
-          <a:bodyPr/>
-          <a:lstStyle/>
-          <a:p>
-            <a:fld id="{D57F1E4F-1CFF-5643-939E-217C01CDF565}" type="slidenum">
-              <a:rPr lang="en-US" smtClean="0"/>
-              <a:pPr/>
-              <a:t>4</a:t>
-            </a:fld>
-            <a:endParaRPr lang="en-US" dirty="0"/>
-          </a:p>
-        </p:txBody>
-      </p:sp>
-      <p:sp>
-        <p:nvSpPr>
-          <p:cNvPr id="23" name="Foliennummernplatzhalter 37">
-            <a:extLst>
-              <a:ext uri="{FF2B5EF4-FFF2-40B4-BE49-F238E27FC236}">
-                <a16:creationId xmlns:a16="http://schemas.microsoft.com/office/drawing/2014/main" id="{1B0AE285-8DC2-FC4D-A280-4C2267A783B4}"/>
-              </a:ext>
-            </a:extLst>
-          </p:cNvPr>
-          <p:cNvSpPr txBox="1">
-            <a:spLocks/>
-          </p:cNvSpPr>
-          <p:nvPr/>
-        </p:nvSpPr>
-        <p:spPr>
-          <a:xfrm>
-            <a:off x="9625136" y="6605786"/>
-            <a:ext cx="1596292" cy="404614"/>
-          </a:xfrm>
-          <a:prstGeom prst="rect">
-            <a:avLst/>
-          </a:prstGeom>
-        </p:spPr>
-        <p:txBody>
-          <a:bodyPr vert="horz" lIns="91440" tIns="45720" rIns="91440" bIns="45720" rtlCol="0" anchor="ctr"/>
-          <a:lstStyle>
-            <a:defPPr>
-              <a:defRPr lang="en-US"/>
-            </a:defPPr>
-            <a:lvl1pPr marL="0" algn="r" defTabSz="457200" rtl="0" eaLnBrk="1" latinLnBrk="0" hangingPunct="1">
-              <a:defRPr sz="1200" kern="1200" baseline="0">
-                <a:solidFill>
-                  <a:schemeClr val="tx2"/>
-                </a:solidFill>
-                <a:latin typeface="+mn-lt"/>
-                <a:ea typeface="+mn-ea"/>
-                <a:cs typeface="+mn-cs"/>
-              </a:defRPr>
-            </a:lvl1pPr>
-            <a:lvl2pPr marL="457200" algn="l" defTabSz="457200" rtl="0" eaLnBrk="1" latinLnBrk="0" hangingPunct="1">
-              <a:defRPr sz="1800" kern="1200">
-                <a:solidFill>
-                  <a:schemeClr val="tx1"/>
-                </a:solidFill>
-                <a:latin typeface="+mn-lt"/>
-                <a:ea typeface="+mn-ea"/>
-                <a:cs typeface="+mn-cs"/>
-              </a:defRPr>
-            </a:lvl2pPr>
-            <a:lvl3pPr marL="914400" algn="l" defTabSz="457200" rtl="0" eaLnBrk="1" latinLnBrk="0" hangingPunct="1">
-              <a:defRPr sz="1800" kern="1200">
-                <a:solidFill>
-                  <a:schemeClr val="tx1"/>
-                </a:solidFill>
-                <a:latin typeface="+mn-lt"/>
-                <a:ea typeface="+mn-ea"/>
-                <a:cs typeface="+mn-cs"/>
-              </a:defRPr>
-            </a:lvl3pPr>
-            <a:lvl4pPr marL="1371600" algn="l" defTabSz="457200" rtl="0" eaLnBrk="1" latinLnBrk="0" hangingPunct="1">
-              <a:defRPr sz="1800" kern="1200">
-                <a:solidFill>
-                  <a:schemeClr val="tx1"/>
-                </a:solidFill>
-                <a:latin typeface="+mn-lt"/>
-                <a:ea typeface="+mn-ea"/>
-                <a:cs typeface="+mn-cs"/>
-              </a:defRPr>
-            </a:lvl4pPr>
-            <a:lvl5pPr marL="1828800" algn="l" defTabSz="457200" rtl="0" eaLnBrk="1" latinLnBrk="0" hangingPunct="1">
-              <a:defRPr sz="1800" kern="1200">
-                <a:solidFill>
-                  <a:schemeClr val="tx1"/>
-                </a:solidFill>
-                <a:latin typeface="+mn-lt"/>
-                <a:ea typeface="+mn-ea"/>
-                <a:cs typeface="+mn-cs"/>
-              </a:defRPr>
-            </a:lvl5pPr>
-            <a:lvl6pPr marL="2286000" algn="l" defTabSz="457200" rtl="0" eaLnBrk="1" latinLnBrk="0" hangingPunct="1">
-              <a:defRPr sz="1800" kern="1200">
-                <a:solidFill>
-                  <a:schemeClr val="tx1"/>
-                </a:solidFill>
-                <a:latin typeface="+mn-lt"/>
-                <a:ea typeface="+mn-ea"/>
-                <a:cs typeface="+mn-cs"/>
-              </a:defRPr>
-            </a:lvl6pPr>
-            <a:lvl7pPr marL="2743200" algn="l" defTabSz="457200" rtl="0" eaLnBrk="1" latinLnBrk="0" hangingPunct="1">
-              <a:defRPr sz="1800" kern="1200">
-                <a:solidFill>
-                  <a:schemeClr val="tx1"/>
-                </a:solidFill>
-                <a:latin typeface="+mn-lt"/>
-                <a:ea typeface="+mn-ea"/>
-                <a:cs typeface="+mn-cs"/>
-              </a:defRPr>
-            </a:lvl7pPr>
-            <a:lvl8pPr marL="3200400" algn="l" defTabSz="457200" rtl="0" eaLnBrk="1" latinLnBrk="0" hangingPunct="1">
-              <a:defRPr sz="1800" kern="1200">
-                <a:solidFill>
-                  <a:schemeClr val="tx1"/>
-                </a:solidFill>
-                <a:latin typeface="+mn-lt"/>
-                <a:ea typeface="+mn-ea"/>
-                <a:cs typeface="+mn-cs"/>
-              </a:defRPr>
-            </a:lvl8pPr>
-            <a:lvl9pPr marL="3657600" algn="l" defTabSz="457200" rtl="0" eaLnBrk="1" latinLnBrk="0" hangingPunct="1">
-              <a:defRPr sz="1800" kern="1200">
-                <a:solidFill>
-                  <a:schemeClr val="tx1"/>
-                </a:solidFill>
-                <a:latin typeface="+mn-lt"/>
-                <a:ea typeface="+mn-ea"/>
-                <a:cs typeface="+mn-cs"/>
-              </a:defRPr>
-            </a:lvl9pPr>
-          </a:lstStyle>
-          <a:p>
-            <a:fld id="{D57F1E4F-1CFF-5643-939E-217C01CDF565}" type="slidenum">
-              <a:rPr lang="en-US" smtClean="0"/>
-              <a:pPr/>
-              <a:t>4</a:t>
             </a:fld>
             <a:endParaRPr lang="en-US" dirty="0"/>
           </a:p>
@@ -11074,6 +11005,380 @@
 </p:sld>
 </file>
 
+<file path=ppt/slides/slide4.xml><?xml version="1.0" encoding="utf-8"?>
+<p:sld xmlns:a="http://schemas.openxmlformats.org/drawingml/2006/main" xmlns:r="http://schemas.openxmlformats.org/officeDocument/2006/relationships" xmlns:p="http://schemas.openxmlformats.org/presentationml/2006/main">
+  <p:cSld>
+    <p:spTree>
+      <p:nvGrpSpPr>
+        <p:cNvPr id="1" name=""/>
+        <p:cNvGrpSpPr/>
+        <p:nvPr/>
+      </p:nvGrpSpPr>
+      <p:grpSpPr>
+        <a:xfrm>
+          <a:off x="0" y="0"/>
+          <a:ext cx="0" cy="0"/>
+          <a:chOff x="0" y="0"/>
+          <a:chExt cx="0" cy="0"/>
+        </a:xfrm>
+      </p:grpSpPr>
+      <p:sp>
+        <p:nvSpPr>
+          <p:cNvPr id="2" name="Titel 1">
+            <a:extLst>
+              <a:ext uri="{FF2B5EF4-FFF2-40B4-BE49-F238E27FC236}">
+                <a16:creationId xmlns:a16="http://schemas.microsoft.com/office/drawing/2014/main" id="{FBD058E9-5577-DF4A-8432-EF405F4AC513}"/>
+              </a:ext>
+            </a:extLst>
+          </p:cNvPr>
+          <p:cNvSpPr>
+            <a:spLocks noGrp="1"/>
+          </p:cNvSpPr>
+          <p:nvPr>
+            <p:ph type="title"/>
+          </p:nvPr>
+        </p:nvSpPr>
+        <p:spPr/>
+        <p:txBody>
+          <a:bodyPr/>
+          <a:lstStyle/>
+          <a:p>
+            <a:r>
+              <a:rPr lang="de-DE" dirty="0"/>
+              <a:t>Motivation</a:t>
+            </a:r>
+          </a:p>
+        </p:txBody>
+      </p:sp>
+      <p:sp>
+        <p:nvSpPr>
+          <p:cNvPr id="4" name="Foliennummernplatzhalter 3">
+            <a:extLst>
+              <a:ext uri="{FF2B5EF4-FFF2-40B4-BE49-F238E27FC236}">
+                <a16:creationId xmlns:a16="http://schemas.microsoft.com/office/drawing/2014/main" id="{84F9DEB5-06E4-1046-95E9-B3FEEE880206}"/>
+              </a:ext>
+            </a:extLst>
+          </p:cNvPr>
+          <p:cNvSpPr>
+            <a:spLocks noGrp="1"/>
+          </p:cNvSpPr>
+          <p:nvPr>
+            <p:ph type="sldNum" sz="quarter" idx="12"/>
+          </p:nvPr>
+        </p:nvSpPr>
+        <p:spPr/>
+        <p:txBody>
+          <a:bodyPr/>
+          <a:lstStyle/>
+          <a:p>
+            <a:fld id="{D57F1E4F-1CFF-5643-939E-217C01CDF565}" type="slidenum">
+              <a:rPr lang="en-US" smtClean="0"/>
+              <a:pPr/>
+              <a:t>4</a:t>
+            </a:fld>
+            <a:endParaRPr lang="en-US" dirty="0"/>
+          </a:p>
+        </p:txBody>
+      </p:sp>
+      <p:sp>
+        <p:nvSpPr>
+          <p:cNvPr id="3" name="Rectangle: Rounded Corners 2">
+            <a:extLst>
+              <a:ext uri="{FF2B5EF4-FFF2-40B4-BE49-F238E27FC236}">
+                <a16:creationId xmlns:a16="http://schemas.microsoft.com/office/drawing/2014/main" id="{4D253B2C-2492-4FE7-8770-9729474BAF7F}"/>
+              </a:ext>
+            </a:extLst>
+          </p:cNvPr>
+          <p:cNvSpPr/>
+          <p:nvPr/>
+        </p:nvSpPr>
+        <p:spPr>
+          <a:xfrm>
+            <a:off x="1164217" y="4028012"/>
+            <a:ext cx="9642683" cy="1544371"/>
+          </a:xfrm>
+          <a:prstGeom prst="roundRect">
+            <a:avLst/>
+          </a:prstGeom>
+          <a:noFill/>
+          <a:ln>
+            <a:solidFill>
+              <a:srgbClr val="3F5161"/>
+            </a:solidFill>
+          </a:ln>
+        </p:spPr>
+        <p:style>
+          <a:lnRef idx="2">
+            <a:schemeClr val="accent1">
+              <a:shade val="50000"/>
+            </a:schemeClr>
+          </a:lnRef>
+          <a:fillRef idx="1">
+            <a:schemeClr val="accent1"/>
+          </a:fillRef>
+          <a:effectRef idx="0">
+            <a:schemeClr val="accent1"/>
+          </a:effectRef>
+          <a:fontRef idx="minor">
+            <a:schemeClr val="lt1"/>
+          </a:fontRef>
+        </p:style>
+        <p:txBody>
+          <a:bodyPr rtlCol="0" anchor="ctr"/>
+          <a:lstStyle/>
+          <a:p>
+            <a:pPr algn="just"/>
+            <a:r>
+              <a:rPr lang="en-US">
+                <a:solidFill>
+                  <a:schemeClr val="tx1"/>
+                </a:solidFill>
+              </a:rPr>
+              <a:t>„A language that is used to </a:t>
+            </a:r>
+            <a:r>
+              <a:rPr lang="en-US" b="1">
+                <a:solidFill>
+                  <a:schemeClr val="tx1"/>
+                </a:solidFill>
+              </a:rPr>
+              <a:t>expresses hatred towards a targeted group </a:t>
+            </a:r>
+            <a:r>
+              <a:rPr lang="en-US">
+                <a:solidFill>
+                  <a:schemeClr val="tx1"/>
+                </a:solidFill>
+              </a:rPr>
+              <a:t>or is intended to be </a:t>
+            </a:r>
+            <a:r>
+              <a:rPr lang="en-US" b="1">
+                <a:solidFill>
+                  <a:schemeClr val="tx1"/>
+                </a:solidFill>
+              </a:rPr>
+              <a:t>derogatory</a:t>
+            </a:r>
+            <a:r>
+              <a:rPr lang="en-US">
+                <a:solidFill>
+                  <a:schemeClr val="tx1"/>
+                </a:solidFill>
+              </a:rPr>
+              <a:t>, to </a:t>
+            </a:r>
+            <a:r>
+              <a:rPr lang="en-US" b="1">
+                <a:solidFill>
+                  <a:schemeClr val="tx1"/>
+                </a:solidFill>
+              </a:rPr>
+              <a:t>humiliate</a:t>
+            </a:r>
+            <a:r>
+              <a:rPr lang="en-US">
+                <a:solidFill>
+                  <a:schemeClr val="tx1"/>
+                </a:solidFill>
+              </a:rPr>
+              <a:t>, or to </a:t>
+            </a:r>
+            <a:r>
+              <a:rPr lang="en-US" b="1">
+                <a:solidFill>
+                  <a:schemeClr val="tx1"/>
+                </a:solidFill>
+              </a:rPr>
+              <a:t>insult</a:t>
+            </a:r>
+            <a:r>
+              <a:rPr lang="en-US">
+                <a:solidFill>
+                  <a:schemeClr val="tx1"/>
+                </a:solidFill>
+              </a:rPr>
+              <a:t> the members of the group.“ </a:t>
+            </a:r>
+          </a:p>
+          <a:p>
+            <a:pPr algn="r">
+              <a:lnSpc>
+                <a:spcPct val="200000"/>
+              </a:lnSpc>
+            </a:pPr>
+            <a:r>
+              <a:rPr lang="en-US" sz="1200" i="1">
+                <a:solidFill>
+                  <a:schemeClr val="tx1"/>
+                </a:solidFill>
+              </a:rPr>
+              <a:t>- Davidson et al. (“Automated Hate Speech Detection and the Problem of Offensive Language”)</a:t>
+            </a:r>
+            <a:endParaRPr lang="de-DE" sz="1200" i="1" dirty="0">
+              <a:solidFill>
+                <a:schemeClr val="tx1"/>
+              </a:solidFill>
+            </a:endParaRPr>
+          </a:p>
+        </p:txBody>
+      </p:sp>
+      <p:sp>
+        <p:nvSpPr>
+          <p:cNvPr id="11" name="Rectangle: Rounded Corners 10">
+            <a:extLst>
+              <a:ext uri="{FF2B5EF4-FFF2-40B4-BE49-F238E27FC236}">
+                <a16:creationId xmlns:a16="http://schemas.microsoft.com/office/drawing/2014/main" id="{2997A3C7-72F1-4419-9C96-6843217981CA}"/>
+              </a:ext>
+            </a:extLst>
+          </p:cNvPr>
+          <p:cNvSpPr/>
+          <p:nvPr/>
+        </p:nvSpPr>
+        <p:spPr>
+          <a:xfrm>
+            <a:off x="1164216" y="1946444"/>
+            <a:ext cx="9642683" cy="1544371"/>
+          </a:xfrm>
+          <a:prstGeom prst="roundRect">
+            <a:avLst/>
+          </a:prstGeom>
+          <a:noFill/>
+          <a:ln>
+            <a:solidFill>
+              <a:srgbClr val="3F5161"/>
+            </a:solidFill>
+          </a:ln>
+        </p:spPr>
+        <p:style>
+          <a:lnRef idx="2">
+            <a:schemeClr val="accent1">
+              <a:shade val="50000"/>
+            </a:schemeClr>
+          </a:lnRef>
+          <a:fillRef idx="1">
+            <a:schemeClr val="accent1"/>
+          </a:fillRef>
+          <a:effectRef idx="0">
+            <a:schemeClr val="accent1"/>
+          </a:effectRef>
+          <a:fontRef idx="minor">
+            <a:schemeClr val="lt1"/>
+          </a:fontRef>
+        </p:style>
+        <p:txBody>
+          <a:bodyPr rtlCol="0" anchor="ctr"/>
+          <a:lstStyle/>
+          <a:p>
+            <a:pPr algn="just"/>
+            <a:r>
+              <a:rPr lang="en-US" dirty="0">
+                <a:solidFill>
+                  <a:schemeClr val="tx1"/>
+                </a:solidFill>
+              </a:rPr>
+              <a:t>„Hate speech is commonly defined as any communication that </a:t>
+            </a:r>
+            <a:r>
+              <a:rPr lang="en-US" b="1" dirty="0">
+                <a:solidFill>
+                  <a:schemeClr val="tx1"/>
+                </a:solidFill>
+              </a:rPr>
+              <a:t>disparages a target group</a:t>
+            </a:r>
+            <a:r>
+              <a:rPr lang="en-US" dirty="0">
+                <a:solidFill>
+                  <a:schemeClr val="tx1"/>
+                </a:solidFill>
+              </a:rPr>
+              <a:t> of people based on some characteristic such as </a:t>
+            </a:r>
+            <a:r>
+              <a:rPr lang="en-US" b="1" dirty="0">
+                <a:solidFill>
+                  <a:schemeClr val="tx1"/>
+                </a:solidFill>
+              </a:rPr>
+              <a:t>race, </a:t>
+            </a:r>
+            <a:r>
+              <a:rPr lang="en-US" b="1" dirty="0" err="1">
+                <a:solidFill>
+                  <a:schemeClr val="tx1"/>
+                </a:solidFill>
+              </a:rPr>
+              <a:t>colour</a:t>
+            </a:r>
+            <a:r>
+              <a:rPr lang="en-US" b="1" dirty="0">
+                <a:solidFill>
+                  <a:schemeClr val="tx1"/>
+                </a:solidFill>
+              </a:rPr>
+              <a:t>, ethnicity, gender, sexual orientation, nationality, religion</a:t>
+            </a:r>
+            <a:r>
+              <a:rPr lang="en-US" dirty="0">
+                <a:solidFill>
+                  <a:schemeClr val="tx1"/>
+                </a:solidFill>
+              </a:rPr>
+              <a:t>, or other characteristic.“ </a:t>
+            </a:r>
+          </a:p>
+          <a:p>
+            <a:pPr algn="r">
+              <a:lnSpc>
+                <a:spcPct val="200000"/>
+              </a:lnSpc>
+            </a:pPr>
+            <a:r>
+              <a:rPr lang="en-US" sz="1200" i="1" dirty="0">
+                <a:solidFill>
+                  <a:schemeClr val="tx1"/>
+                </a:solidFill>
+              </a:rPr>
+              <a:t>- </a:t>
+            </a:r>
+            <a:r>
+              <a:rPr lang="en-US" sz="1200" i="1" dirty="0" err="1">
+                <a:solidFill>
+                  <a:schemeClr val="tx1"/>
+                </a:solidFill>
+              </a:rPr>
+              <a:t>Gibert</a:t>
+            </a:r>
+            <a:r>
+              <a:rPr lang="en-US" sz="1200" i="1" dirty="0">
+                <a:solidFill>
+                  <a:schemeClr val="tx1"/>
+                </a:solidFill>
+              </a:rPr>
+              <a:t> et al. (“Hate Speech Dataset from a White Supremacy Forum”)</a:t>
+            </a:r>
+            <a:endParaRPr lang="de-DE" sz="1200" i="1" dirty="0">
+              <a:solidFill>
+                <a:schemeClr val="tx1"/>
+              </a:solidFill>
+            </a:endParaRPr>
+          </a:p>
+        </p:txBody>
+      </p:sp>
+    </p:spTree>
+    <p:extLst>
+      <p:ext uri="{BB962C8B-B14F-4D97-AF65-F5344CB8AC3E}">
+        <p14:creationId xmlns:p14="http://schemas.microsoft.com/office/powerpoint/2010/main" val="261738903"/>
+      </p:ext>
+    </p:extLst>
+  </p:cSld>
+  <p:clrMapOvr>
+    <a:masterClrMapping/>
+  </p:clrMapOvr>
+</p:sld>
+</file>
+
 <file path=ppt/slides/slide5.xml><?xml version="1.0" encoding="utf-8"?>
 <p:sld xmlns:a="http://schemas.openxmlformats.org/drawingml/2006/main" xmlns:r="http://schemas.openxmlformats.org/officeDocument/2006/relationships" xmlns:p="http://schemas.openxmlformats.org/presentationml/2006/main">
   <p:cSld>
@@ -12268,6 +12573,268 @@
   <p:clrMapOvr>
     <a:masterClrMapping/>
   </p:clrMapOvr>
+  <p:timing>
+    <p:tnLst>
+      <p:par>
+        <p:cTn id="1" dur="indefinite" restart="never" nodeType="tmRoot">
+          <p:childTnLst>
+            <p:seq concurrent="1" nextAc="seek">
+              <p:cTn id="2" dur="indefinite" nodeType="mainSeq">
+                <p:childTnLst>
+                  <p:par>
+                    <p:cTn id="3" fill="hold">
+                      <p:stCondLst>
+                        <p:cond delay="indefinite"/>
+                      </p:stCondLst>
+                      <p:childTnLst>
+                        <p:par>
+                          <p:cTn id="4" fill="hold">
+                            <p:stCondLst>
+                              <p:cond delay="0"/>
+                            </p:stCondLst>
+                            <p:childTnLst>
+                              <p:par>
+                                <p:cTn id="5" presetID="1" presetClass="entr" presetSubtype="0" fill="hold" grpId="0" nodeType="clickEffect">
+                                  <p:stCondLst>
+                                    <p:cond delay="0"/>
+                                  </p:stCondLst>
+                                  <p:childTnLst>
+                                    <p:set>
+                                      <p:cBhvr>
+                                        <p:cTn id="6" dur="1" fill="hold">
+                                          <p:stCondLst>
+                                            <p:cond delay="0"/>
+                                          </p:stCondLst>
+                                        </p:cTn>
+                                        <p:tgtEl>
+                                          <p:spTgt spid="18"/>
+                                        </p:tgtEl>
+                                        <p:attrNameLst>
+                                          <p:attrName>style.visibility</p:attrName>
+                                        </p:attrNameLst>
+                                      </p:cBhvr>
+                                      <p:to>
+                                        <p:strVal val="visible"/>
+                                      </p:to>
+                                    </p:set>
+                                  </p:childTnLst>
+                                </p:cTn>
+                              </p:par>
+                            </p:childTnLst>
+                          </p:cTn>
+                        </p:par>
+                      </p:childTnLst>
+                    </p:cTn>
+                  </p:par>
+                  <p:par>
+                    <p:cTn id="7" fill="hold">
+                      <p:stCondLst>
+                        <p:cond delay="indefinite"/>
+                      </p:stCondLst>
+                      <p:childTnLst>
+                        <p:par>
+                          <p:cTn id="8" fill="hold">
+                            <p:stCondLst>
+                              <p:cond delay="0"/>
+                            </p:stCondLst>
+                            <p:childTnLst>
+                              <p:par>
+                                <p:cTn id="9" presetID="1" presetClass="entr" presetSubtype="0" fill="hold" grpId="0" nodeType="clickEffect">
+                                  <p:stCondLst>
+                                    <p:cond delay="0"/>
+                                  </p:stCondLst>
+                                  <p:childTnLst>
+                                    <p:set>
+                                      <p:cBhvr>
+                                        <p:cTn id="10" dur="1" fill="hold">
+                                          <p:stCondLst>
+                                            <p:cond delay="0"/>
+                                          </p:stCondLst>
+                                        </p:cTn>
+                                        <p:tgtEl>
+                                          <p:spTgt spid="17"/>
+                                        </p:tgtEl>
+                                        <p:attrNameLst>
+                                          <p:attrName>style.visibility</p:attrName>
+                                        </p:attrNameLst>
+                                      </p:cBhvr>
+                                      <p:to>
+                                        <p:strVal val="visible"/>
+                                      </p:to>
+                                    </p:set>
+                                  </p:childTnLst>
+                                </p:cTn>
+                              </p:par>
+                            </p:childTnLst>
+                          </p:cTn>
+                        </p:par>
+                      </p:childTnLst>
+                    </p:cTn>
+                  </p:par>
+                  <p:par>
+                    <p:cTn id="11" fill="hold">
+                      <p:stCondLst>
+                        <p:cond delay="indefinite"/>
+                      </p:stCondLst>
+                      <p:childTnLst>
+                        <p:par>
+                          <p:cTn id="12" fill="hold">
+                            <p:stCondLst>
+                              <p:cond delay="0"/>
+                            </p:stCondLst>
+                            <p:childTnLst>
+                              <p:par>
+                                <p:cTn id="13" presetID="1" presetClass="entr" presetSubtype="0" fill="hold" grpId="0" nodeType="clickEffect">
+                                  <p:stCondLst>
+                                    <p:cond delay="0"/>
+                                  </p:stCondLst>
+                                  <p:childTnLst>
+                                    <p:set>
+                                      <p:cBhvr>
+                                        <p:cTn id="14" dur="1" fill="hold">
+                                          <p:stCondLst>
+                                            <p:cond delay="0"/>
+                                          </p:stCondLst>
+                                        </p:cTn>
+                                        <p:tgtEl>
+                                          <p:spTgt spid="19"/>
+                                        </p:tgtEl>
+                                        <p:attrNameLst>
+                                          <p:attrName>style.visibility</p:attrName>
+                                        </p:attrNameLst>
+                                      </p:cBhvr>
+                                      <p:to>
+                                        <p:strVal val="visible"/>
+                                      </p:to>
+                                    </p:set>
+                                  </p:childTnLst>
+                                </p:cTn>
+                              </p:par>
+                            </p:childTnLst>
+                          </p:cTn>
+                        </p:par>
+                      </p:childTnLst>
+                    </p:cTn>
+                  </p:par>
+                  <p:par>
+                    <p:cTn id="15" fill="hold">
+                      <p:stCondLst>
+                        <p:cond delay="indefinite"/>
+                      </p:stCondLst>
+                      <p:childTnLst>
+                        <p:par>
+                          <p:cTn id="16" fill="hold">
+                            <p:stCondLst>
+                              <p:cond delay="0"/>
+                            </p:stCondLst>
+                            <p:childTnLst>
+                              <p:par>
+                                <p:cTn id="17" presetID="1" presetClass="entr" presetSubtype="0" fill="hold" grpId="0" nodeType="clickEffect">
+                                  <p:stCondLst>
+                                    <p:cond delay="0"/>
+                                  </p:stCondLst>
+                                  <p:childTnLst>
+                                    <p:set>
+                                      <p:cBhvr>
+                                        <p:cTn id="18" dur="1" fill="hold">
+                                          <p:stCondLst>
+                                            <p:cond delay="0"/>
+                                          </p:stCondLst>
+                                        </p:cTn>
+                                        <p:tgtEl>
+                                          <p:spTgt spid="51"/>
+                                        </p:tgtEl>
+                                        <p:attrNameLst>
+                                          <p:attrName>style.visibility</p:attrName>
+                                        </p:attrNameLst>
+                                      </p:cBhvr>
+                                      <p:to>
+                                        <p:strVal val="visible"/>
+                                      </p:to>
+                                    </p:set>
+                                  </p:childTnLst>
+                                </p:cTn>
+                              </p:par>
+                            </p:childTnLst>
+                          </p:cTn>
+                        </p:par>
+                      </p:childTnLst>
+                    </p:cTn>
+                  </p:par>
+                  <p:par>
+                    <p:cTn id="19" fill="hold">
+                      <p:stCondLst>
+                        <p:cond delay="indefinite"/>
+                      </p:stCondLst>
+                      <p:childTnLst>
+                        <p:par>
+                          <p:cTn id="20" fill="hold">
+                            <p:stCondLst>
+                              <p:cond delay="0"/>
+                            </p:stCondLst>
+                            <p:childTnLst>
+                              <p:par>
+                                <p:cTn id="21" presetID="1" presetClass="entr" presetSubtype="0" fill="hold" grpId="0" nodeType="clickEffect">
+                                  <p:stCondLst>
+                                    <p:cond delay="0"/>
+                                  </p:stCondLst>
+                                  <p:childTnLst>
+                                    <p:set>
+                                      <p:cBhvr>
+                                        <p:cTn id="22" dur="1" fill="hold">
+                                          <p:stCondLst>
+                                            <p:cond delay="0"/>
+                                          </p:stCondLst>
+                                        </p:cTn>
+                                        <p:tgtEl>
+                                          <p:spTgt spid="14"/>
+                                        </p:tgtEl>
+                                        <p:attrNameLst>
+                                          <p:attrName>style.visibility</p:attrName>
+                                        </p:attrNameLst>
+                                      </p:cBhvr>
+                                      <p:to>
+                                        <p:strVal val="visible"/>
+                                      </p:to>
+                                    </p:set>
+                                  </p:childTnLst>
+                                </p:cTn>
+                              </p:par>
+                            </p:childTnLst>
+                          </p:cTn>
+                        </p:par>
+                      </p:childTnLst>
+                    </p:cTn>
+                  </p:par>
+                </p:childTnLst>
+              </p:cTn>
+              <p:prevCondLst>
+                <p:cond evt="onPrev" delay="0">
+                  <p:tgtEl>
+                    <p:sldTgt/>
+                  </p:tgtEl>
+                </p:cond>
+              </p:prevCondLst>
+              <p:nextCondLst>
+                <p:cond evt="onNext" delay="0">
+                  <p:tgtEl>
+                    <p:sldTgt/>
+                  </p:tgtEl>
+                </p:cond>
+              </p:nextCondLst>
+            </p:seq>
+          </p:childTnLst>
+        </p:cTn>
+      </p:par>
+    </p:tnLst>
+    <p:bldLst>
+      <p:bldP spid="14" grpId="0" animBg="1"/>
+      <p:bldP spid="17" grpId="0" animBg="1"/>
+      <p:bldP spid="18" grpId="0" animBg="1"/>
+      <p:bldP spid="19" grpId="0" animBg="1"/>
+      <p:bldP spid="51" grpId="0" animBg="1"/>
+    </p:bldLst>
+  </p:timing>
 </p:sld>
 </file>
 

--- a/docs/presentation/presentation-slides.pptx
+++ b/docs/presentation/presentation-slides.pptx
@@ -210,7 +210,7 @@
           <a:p>
             <a:fld id="{D5B81DCA-8EFA-9040-A992-3CA62376E45B}" type="datetimeFigureOut">
               <a:rPr lang="de-DE" smtClean="0"/>
-              <a:t>20.02.2021</a:t>
+              <a:t>21.02.21</a:t>
             </a:fld>
             <a:endParaRPr lang="de-DE"/>
           </a:p>
@@ -368,7 +368,7 @@
           <a:p>
             <a:fld id="{8B7D652E-761C-174B-A3C6-02EDDB5AE9DD}" type="slidenum">
               <a:rPr lang="de-DE" smtClean="0"/>
-              <a:t>‹#›</a:t>
+              <a:t>‹Nr.›</a:t>
             </a:fld>
             <a:endParaRPr lang="de-DE"/>
           </a:p>
@@ -2282,7 +2282,7 @@
             </a:pPr>
             <a:r>
               <a:rPr lang="en-US" dirty="0"/>
-              <a:t>When using enough training data classical Machine Learning methods are as good as our neural network baseline (unchanged vs </a:t>
+              <a:t>When using enough training data classical Machine Learning methods are as good as our neural network baseline (unbalanced vs </a:t>
             </a:r>
             <a:r>
               <a:rPr lang="en-US" dirty="0" err="1"/>
@@ -3035,7 +3035,7 @@
           <a:p>
             <a:fld id="{D488AB66-6178-4B4B-B4A1-A9BBA3A73FBE}" type="datetime1">
               <a:rPr lang="de-DE" smtClean="0"/>
-              <a:t>20.02.2021</a:t>
+              <a:t>21.02.21</a:t>
             </a:fld>
             <a:endParaRPr lang="en-US" dirty="0"/>
           </a:p>
@@ -3107,7 +3107,7 @@
             <a:fld id="{D57F1E4F-1CFF-5643-939E-217C01CDF565}" type="slidenum">
               <a:rPr lang="en-US" smtClean="0"/>
               <a:pPr/>
-              <a:t>‹#›</a:t>
+              <a:t>‹Nr.›</a:t>
             </a:fld>
             <a:endParaRPr lang="en-US" dirty="0"/>
           </a:p>
@@ -3456,7 +3456,7 @@
           <a:p>
             <a:fld id="{EC46F97E-F884-9449-8EE4-BF17CB7B5CC3}" type="datetime1">
               <a:rPr lang="de-DE" smtClean="0"/>
-              <a:t>20.02.2021</a:t>
+              <a:t>21.02.21</a:t>
             </a:fld>
             <a:endParaRPr lang="en-US" dirty="0"/>
           </a:p>
@@ -3507,7 +3507,7 @@
             <a:fld id="{D57F1E4F-1CFF-5643-939E-217C01CDF565}" type="slidenum">
               <a:rPr lang="en-US" smtClean="0"/>
               <a:pPr/>
-              <a:t>‹#›</a:t>
+              <a:t>‹Nr.›</a:t>
             </a:fld>
             <a:endParaRPr lang="en-US" dirty="0"/>
           </a:p>
@@ -3645,7 +3645,7 @@
           <a:p>
             <a:fld id="{C48ADE8B-04F7-854D-8653-940F9518EDD0}" type="datetime1">
               <a:rPr lang="de-DE" smtClean="0"/>
-              <a:t>20.02.2021</a:t>
+              <a:t>21.02.21</a:t>
             </a:fld>
             <a:endParaRPr lang="en-US" dirty="0"/>
           </a:p>
@@ -3696,7 +3696,7 @@
             <a:fld id="{D57F1E4F-1CFF-5643-939E-217C01CDF565}" type="slidenum">
               <a:rPr lang="en-US" smtClean="0"/>
               <a:pPr/>
-              <a:t>‹#›</a:t>
+              <a:t>‹Nr.›</a:t>
             </a:fld>
             <a:endParaRPr lang="en-US" dirty="0"/>
           </a:p>
@@ -3824,7 +3824,7 @@
           <a:p>
             <a:fld id="{0ACA12E0-01A8-4842-BBE6-D39ABA4EB90B}" type="datetime1">
               <a:rPr lang="de-DE" smtClean="0"/>
-              <a:t>20.02.2021</a:t>
+              <a:t>21.02.21</a:t>
             </a:fld>
             <a:endParaRPr lang="en-US" dirty="0"/>
           </a:p>
@@ -3875,7 +3875,7 @@
             <a:fld id="{D57F1E4F-1CFF-5643-939E-217C01CDF565}" type="slidenum">
               <a:rPr lang="en-US" smtClean="0"/>
               <a:pPr/>
-              <a:t>‹#›</a:t>
+              <a:t>‹Nr.›</a:t>
             </a:fld>
             <a:endParaRPr lang="en-US" dirty="0"/>
           </a:p>
@@ -4110,7 +4110,7 @@
           <a:p>
             <a:fld id="{07FF50AF-D49A-584E-B5AE-827BE0D221FB}" type="datetime1">
               <a:rPr lang="de-DE" smtClean="0"/>
-              <a:t>20.02.2021</a:t>
+              <a:t>21.02.21</a:t>
             </a:fld>
             <a:endParaRPr lang="en-US" dirty="0"/>
           </a:p>
@@ -4182,7 +4182,7 @@
             <a:fld id="{D57F1E4F-1CFF-5643-939E-217C01CDF565}" type="slidenum">
               <a:rPr lang="en-US" smtClean="0"/>
               <a:pPr/>
-              <a:t>‹#›</a:t>
+              <a:t>‹Nr.›</a:t>
             </a:fld>
             <a:endParaRPr lang="en-US" dirty="0"/>
           </a:p>
@@ -4668,7 +4668,7 @@
           <a:p>
             <a:fld id="{713CCDCE-0717-5A43-A01C-2EA4506DE5C6}" type="datetime1">
               <a:rPr lang="de-DE" smtClean="0"/>
-              <a:t>20.02.2021</a:t>
+              <a:t>21.02.21</a:t>
             </a:fld>
             <a:endParaRPr lang="en-US" dirty="0"/>
           </a:p>
@@ -4719,7 +4719,7 @@
             <a:fld id="{D57F1E4F-1CFF-5643-939E-217C01CDF565}" type="slidenum">
               <a:rPr lang="en-US" smtClean="0"/>
               <a:pPr/>
-              <a:t>‹#›</a:t>
+              <a:t>‹Nr.›</a:t>
             </a:fld>
             <a:endParaRPr lang="en-US" dirty="0"/>
           </a:p>
@@ -5154,7 +5154,7 @@
           <a:p>
             <a:fld id="{5733B3DE-E0FB-8F44-BD2F-68324A8F11C6}" type="datetime1">
               <a:rPr lang="de-DE" smtClean="0"/>
-              <a:t>20.02.2021</a:t>
+              <a:t>21.02.21</a:t>
             </a:fld>
             <a:endParaRPr lang="en-US" dirty="0"/>
           </a:p>
@@ -5205,7 +5205,7 @@
             <a:fld id="{D57F1E4F-1CFF-5643-939E-217C01CDF565}" type="slidenum">
               <a:rPr lang="en-US" smtClean="0"/>
               <a:pPr/>
-              <a:t>‹#›</a:t>
+              <a:t>‹Nr.›</a:t>
             </a:fld>
             <a:endParaRPr lang="en-US" dirty="0"/>
           </a:p>
@@ -5281,7 +5281,7 @@
           <a:p>
             <a:fld id="{9ADD3303-AA3C-7341-8517-C8636C37D4FA}" type="datetime1">
               <a:rPr lang="de-DE" smtClean="0"/>
-              <a:t>20.02.2021</a:t>
+              <a:t>21.02.21</a:t>
             </a:fld>
             <a:endParaRPr lang="en-US" dirty="0"/>
           </a:p>
@@ -5332,7 +5332,7 @@
             <a:fld id="{D57F1E4F-1CFF-5643-939E-217C01CDF565}" type="slidenum">
               <a:rPr lang="en-US" smtClean="0"/>
               <a:pPr/>
-              <a:t>‹#›</a:t>
+              <a:t>‹Nr.›</a:t>
             </a:fld>
             <a:endParaRPr lang="en-US" dirty="0"/>
           </a:p>
@@ -5385,7 +5385,7 @@
           <a:p>
             <a:fld id="{C9734B3E-6FF6-7A42-AC69-2676710215D6}" type="datetime1">
               <a:rPr lang="de-DE" smtClean="0"/>
-              <a:t>20.02.2021</a:t>
+              <a:t>21.02.21</a:t>
             </a:fld>
             <a:endParaRPr lang="en-US" dirty="0"/>
           </a:p>
@@ -5436,7 +5436,7 @@
             <a:fld id="{D57F1E4F-1CFF-5643-939E-217C01CDF565}" type="slidenum">
               <a:rPr lang="en-US" smtClean="0"/>
               <a:pPr/>
-              <a:t>‹#›</a:t>
+              <a:t>‹Nr.›</a:t>
             </a:fld>
             <a:endParaRPr lang="en-US" dirty="0"/>
           </a:p>
@@ -5740,7 +5740,7 @@
           <a:p>
             <a:fld id="{2B34E085-B1D3-F44D-ABCC-64DA2DFFC196}" type="datetime1">
               <a:rPr lang="de-DE" smtClean="0"/>
-              <a:t>20.02.2021</a:t>
+              <a:t>21.02.21</a:t>
             </a:fld>
             <a:endParaRPr lang="en-US" dirty="0"/>
           </a:p>
@@ -5812,7 +5812,7 @@
             <a:fld id="{D57F1E4F-1CFF-5643-939E-217C01CDF565}" type="slidenum">
               <a:rPr lang="en-US" smtClean="0"/>
               <a:pPr/>
-              <a:t>‹#›</a:t>
+              <a:t>‹Nr.›</a:t>
             </a:fld>
             <a:endParaRPr lang="en-US" dirty="0"/>
           </a:p>
@@ -6310,7 +6310,7 @@
           <a:p>
             <a:fld id="{F016F192-42BB-174D-ADAF-784A44DC8B52}" type="datetime1">
               <a:rPr lang="de-DE" smtClean="0"/>
-              <a:t>20.02.2021</a:t>
+              <a:t>21.02.21</a:t>
             </a:fld>
             <a:endParaRPr lang="en-US" dirty="0"/>
           </a:p>
@@ -6382,7 +6382,7 @@
             <a:fld id="{D57F1E4F-1CFF-5643-939E-217C01CDF565}" type="slidenum">
               <a:rPr lang="en-US" smtClean="0"/>
               <a:pPr/>
-              <a:t>‹#›</a:t>
+              <a:t>‹Nr.›</a:t>
             </a:fld>
             <a:endParaRPr lang="en-US" dirty="0"/>
           </a:p>
@@ -6770,7 +6770,7 @@
           <a:p>
             <a:fld id="{AF569060-CBB1-D14D-94C2-8529DD4DDF0D}" type="datetime1">
               <a:rPr lang="de-DE" smtClean="0"/>
-              <a:t>20.02.2021</a:t>
+              <a:t>21.02.21</a:t>
             </a:fld>
             <a:endParaRPr lang="en-US" dirty="0"/>
           </a:p>
@@ -6845,7 +6845,7 @@
             <a:fld id="{D57F1E4F-1CFF-5643-939E-217C01CDF565}" type="slidenum">
               <a:rPr lang="en-US" smtClean="0"/>
               <a:pPr/>
-              <a:t>‹#›</a:t>
+              <a:t>‹Nr.›</a:t>
             </a:fld>
             <a:endParaRPr lang="en-US" dirty="0"/>
           </a:p>
@@ -7846,12 +7846,57 @@
           </a:p>
         </p:txBody>
       </p:sp>
+      <p:sp>
+        <p:nvSpPr>
+          <p:cNvPr id="4" name="AutoShape 2">
+            <a:extLst>
+              <a:ext uri="{FF2B5EF4-FFF2-40B4-BE49-F238E27FC236}">
+                <a16:creationId xmlns:a16="http://schemas.microsoft.com/office/drawing/2014/main" id="{D118F499-F677-2741-A83F-EF5A7E40451B}"/>
+              </a:ext>
+            </a:extLst>
+          </p:cNvPr>
+          <p:cNvSpPr>
+            <a:spLocks noChangeAspect="1" noChangeArrowheads="1"/>
+          </p:cNvSpPr>
+          <p:nvPr/>
+        </p:nvSpPr>
+        <p:spPr bwMode="auto">
+          <a:xfrm>
+            <a:off x="5943600" y="3276600"/>
+            <a:ext cx="304800" cy="304800"/>
+          </a:xfrm>
+          <a:prstGeom prst="rect">
+            <a:avLst/>
+          </a:prstGeom>
+          <a:noFill/>
+          <a:extLst>
+            <a:ext uri="{909E8E84-426E-40DD-AFC4-6F175D3DCCD1}">
+              <a14:hiddenFill xmlns:a14="http://schemas.microsoft.com/office/drawing/2010/main">
+                <a:solidFill>
+                  <a:srgbClr val="FFFFFF"/>
+                </a:solidFill>
+              </a14:hiddenFill>
+            </a:ext>
+          </a:extLst>
+        </p:spPr>
+        <p:txBody>
+          <a:bodyPr vert="horz" wrap="square" lIns="91440" tIns="45720" rIns="91440" bIns="45720" numCol="1" anchor="t" anchorCtr="0" compatLnSpc="1">
+            <a:prstTxWarp prst="textNoShape">
+              <a:avLst/>
+            </a:prstTxWarp>
+          </a:bodyPr>
+          <a:lstStyle/>
+          <a:p>
+            <a:endParaRPr lang="en-US"/>
+          </a:p>
+        </p:txBody>
+      </p:sp>
       <p:pic>
         <p:nvPicPr>
-          <p:cNvPr id="7" name="Graphic 6" descr="Help">
+          <p:cNvPr id="15" name="Grafik 14">
             <a:extLst>
               <a:ext uri="{FF2B5EF4-FFF2-40B4-BE49-F238E27FC236}">
-                <a16:creationId xmlns:a16="http://schemas.microsoft.com/office/drawing/2014/main" id="{D2619C62-4E40-4881-894C-9C1BA3C3F49A}"/>
+                <a16:creationId xmlns:a16="http://schemas.microsoft.com/office/drawing/2014/main" id="{4F3EFD13-7D9C-584B-AF9F-8EBD956FCD34}"/>
               </a:ext>
             </a:extLst>
           </p:cNvPr>
@@ -7861,21 +7906,15 @@
           <p:nvPr/>
         </p:nvPicPr>
         <p:blipFill>
-          <a:blip r:embed="rId4">
-            <a:extLst>
-              <a:ext uri="{96DAC541-7B7A-43D3-8B79-37D633B846F1}">
-                <asvg:svgBlip xmlns:asvg="http://schemas.microsoft.com/office/drawing/2016/SVG/main" r:embed="rId5"/>
-              </a:ext>
-            </a:extLst>
-          </a:blip>
+          <a:blip r:embed="rId4"/>
           <a:stretch>
             <a:fillRect/>
           </a:stretch>
         </p:blipFill>
         <p:spPr>
           <a:xfrm>
-            <a:off x="7412329" y="2393558"/>
-            <a:ext cx="1788865" cy="1788865"/>
+            <a:off x="5905981" y="1952787"/>
+            <a:ext cx="4801562" cy="3201041"/>
           </a:xfrm>
           <a:prstGeom prst="rect">
             <a:avLst/>
@@ -8120,7 +8159,7 @@
           <a:p>
             <a:r>
               <a:rPr lang="en-US" dirty="0"/>
-              <a:t>Training of conventional Machine Learning classifiers an a neural network classifier</a:t>
+              <a:t>Training of conventional Machine Learning classifiers and a neural network classifier</a:t>
             </a:r>
           </a:p>
           <a:p>
@@ -8463,15 +8502,7 @@
           <a:p>
             <a:r>
               <a:rPr lang="en-US" dirty="0"/>
-              <a:t>Expansion for </a:t>
-            </a:r>
-            <a:r>
-              <a:rPr lang="en-US" dirty="0" err="1"/>
-              <a:t>tenary</a:t>
-            </a:r>
-            <a:r>
-              <a:rPr lang="en-US" dirty="0"/>
-              <a:t> classification to further evaluate the boundaries of conventional ML classifiers compared to neural network approaches</a:t>
+              <a:t>Expansion for ternary classification to further evaluate the boundaries of conventional ML classifiers compared to neural network approaches</a:t>
             </a:r>
           </a:p>
           <a:p>
@@ -12976,7 +13007,7 @@
           <p:nvPr>
             <p:extLst>
               <p:ext uri="{D42A27DB-BD31-4B8C-83A1-F6EECF244321}">
-                <p14:modId xmlns:p14="http://schemas.microsoft.com/office/powerpoint/2010/main" val="1539408142"/>
+                <p14:modId xmlns:p14="http://schemas.microsoft.com/office/powerpoint/2010/main" val="1125928316"/>
               </p:ext>
             </p:extLst>
           </p:nvPr>
@@ -13058,7 +13089,7 @@
                         <a:rPr lang="de-DE" sz="1800" u="none" strike="noStrike" dirty="0" err="1">
                           <a:effectLst/>
                         </a:rPr>
-                        <a:t>unchanged</a:t>
+                        <a:t>unbalanced</a:t>
                       </a:r>
                       <a:endParaRPr lang="de-DE" sz="1800" b="1" i="0" u="none" strike="noStrike" dirty="0">
                         <a:solidFill>
@@ -13147,7 +13178,7 @@
                     <a:bodyPr/>
                     <a:lstStyle/>
                     <a:p>
-                      <a:pPr algn="l" fontAlgn="b"/>
+                      <a:pPr algn="r" fontAlgn="b"/>
                       <a:r>
                         <a:rPr lang="de-DE" sz="1800" b="1" u="none" strike="noStrike" dirty="0" err="1">
                           <a:effectLst/>
@@ -13182,7 +13213,7 @@
                     <a:bodyPr/>
                     <a:lstStyle/>
                     <a:p>
-                      <a:pPr algn="r" fontAlgn="b"/>
+                      <a:pPr algn="ctr" fontAlgn="b"/>
                       <a:r>
                         <a:rPr lang="de-DE" sz="1800" b="1" u="none" strike="noStrike" dirty="0">
                           <a:effectLst/>
@@ -13205,7 +13236,7 @@
                     <a:bodyPr/>
                     <a:lstStyle/>
                     <a:p>
-                      <a:pPr algn="r" fontAlgn="b"/>
+                      <a:pPr algn="ctr" fontAlgn="b"/>
                       <a:r>
                         <a:rPr lang="de-DE" sz="1800" u="none" strike="noStrike" dirty="0">
                           <a:effectLst/>
@@ -13228,7 +13259,7 @@
                     <a:bodyPr/>
                     <a:lstStyle/>
                     <a:p>
-                      <a:pPr algn="r" fontAlgn="b"/>
+                      <a:pPr algn="ctr" fontAlgn="b"/>
                       <a:r>
                         <a:rPr lang="de-DE" sz="1800" u="none" strike="noStrike" dirty="0">
                           <a:effectLst/>
@@ -13258,7 +13289,7 @@
                     <a:bodyPr/>
                     <a:lstStyle/>
                     <a:p>
-                      <a:pPr algn="l" fontAlgn="b"/>
+                      <a:pPr algn="r" fontAlgn="b"/>
                       <a:r>
                         <a:rPr lang="de-DE" sz="1800" b="1" u="none" strike="noStrike" dirty="0">
                           <a:effectLst/>
@@ -13281,7 +13312,7 @@
                     <a:bodyPr/>
                     <a:lstStyle/>
                     <a:p>
-                      <a:pPr algn="r" fontAlgn="b"/>
+                      <a:pPr algn="ctr" fontAlgn="b"/>
                       <a:r>
                         <a:rPr lang="de-DE" sz="1800" b="1" u="none" strike="noStrike" dirty="0">
                           <a:effectLst/>
@@ -13304,7 +13335,7 @@
                     <a:bodyPr/>
                     <a:lstStyle/>
                     <a:p>
-                      <a:pPr algn="r" fontAlgn="b"/>
+                      <a:pPr algn="ctr" fontAlgn="b"/>
                       <a:r>
                         <a:rPr lang="de-DE" sz="1800" u="none" strike="noStrike" dirty="0">
                           <a:effectLst/>
@@ -13327,7 +13358,7 @@
                     <a:bodyPr/>
                     <a:lstStyle/>
                     <a:p>
-                      <a:pPr algn="r" fontAlgn="b"/>
+                      <a:pPr algn="ctr" fontAlgn="b"/>
                       <a:r>
                         <a:rPr lang="de-DE" sz="1800" b="1" u="none" strike="noStrike" dirty="0">
                           <a:effectLst/>
@@ -13357,7 +13388,7 @@
                     <a:bodyPr/>
                     <a:lstStyle/>
                     <a:p>
-                      <a:pPr algn="l" fontAlgn="b"/>
+                      <a:pPr algn="r" fontAlgn="b"/>
                       <a:r>
                         <a:rPr lang="de-DE" sz="1800" b="1" u="none" strike="noStrike" dirty="0">
                           <a:effectLst/>
@@ -13380,7 +13411,7 @@
                     <a:bodyPr/>
                     <a:lstStyle/>
                     <a:p>
-                      <a:pPr algn="r" fontAlgn="b"/>
+                      <a:pPr algn="ctr" fontAlgn="b"/>
                       <a:r>
                         <a:rPr lang="de-DE" sz="1800" b="1" u="none" strike="noStrike" dirty="0">
                           <a:effectLst/>
@@ -13403,7 +13434,7 @@
                     <a:bodyPr/>
                     <a:lstStyle/>
                     <a:p>
-                      <a:pPr algn="r" fontAlgn="b"/>
+                      <a:pPr algn="ctr" fontAlgn="b"/>
                       <a:r>
                         <a:rPr lang="de-DE" sz="1800" u="none" strike="noStrike" dirty="0">
                           <a:effectLst/>
@@ -13426,7 +13457,7 @@
                     <a:bodyPr/>
                     <a:lstStyle/>
                     <a:p>
-                      <a:pPr algn="r" fontAlgn="b"/>
+                      <a:pPr algn="ctr" fontAlgn="b"/>
                       <a:r>
                         <a:rPr lang="de-DE" sz="1800" u="none" strike="noStrike" dirty="0">
                           <a:effectLst/>
@@ -13456,7 +13487,7 @@
                     <a:bodyPr/>
                     <a:lstStyle/>
                     <a:p>
-                      <a:pPr algn="l" fontAlgn="b"/>
+                      <a:pPr algn="r" fontAlgn="b"/>
                       <a:r>
                         <a:rPr lang="de-DE" sz="1800" b="1" u="none" strike="noStrike" dirty="0" err="1">
                           <a:effectLst/>
@@ -13485,7 +13516,7 @@
                     <a:bodyPr/>
                     <a:lstStyle/>
                     <a:p>
-                      <a:pPr algn="r" fontAlgn="b"/>
+                      <a:pPr algn="ctr" fontAlgn="b"/>
                       <a:r>
                         <a:rPr lang="de-DE" sz="1800" b="1" u="none" strike="noStrike" dirty="0">
                           <a:effectLst/>
@@ -13508,7 +13539,7 @@
                     <a:bodyPr/>
                     <a:lstStyle/>
                     <a:p>
-                      <a:pPr algn="r" fontAlgn="b"/>
+                      <a:pPr algn="ctr" fontAlgn="b"/>
                       <a:r>
                         <a:rPr lang="de-DE" sz="1800" u="none" strike="noStrike" dirty="0">
                           <a:effectLst/>
@@ -13531,7 +13562,7 @@
                     <a:bodyPr/>
                     <a:lstStyle/>
                     <a:p>
-                      <a:pPr algn="r" fontAlgn="b"/>
+                      <a:pPr algn="ctr" fontAlgn="b"/>
                       <a:r>
                         <a:rPr lang="de-DE" sz="1800" u="none" strike="noStrike" dirty="0">
                           <a:effectLst/>
@@ -13561,7 +13592,7 @@
                     <a:bodyPr/>
                     <a:lstStyle/>
                     <a:p>
-                      <a:pPr algn="l" fontAlgn="b"/>
+                      <a:pPr algn="r" fontAlgn="b"/>
                       <a:r>
                         <a:rPr lang="de-DE" sz="1800" b="1" u="none" strike="noStrike" dirty="0">
                           <a:effectLst/>
@@ -13590,7 +13621,7 @@
                     <a:bodyPr/>
                     <a:lstStyle/>
                     <a:p>
-                      <a:pPr algn="r" fontAlgn="b"/>
+                      <a:pPr algn="ctr" fontAlgn="b"/>
                       <a:r>
                         <a:rPr lang="de-DE" sz="1800" b="1" u="none" strike="noStrike" dirty="0">
                           <a:effectLst/>
@@ -13613,7 +13644,7 @@
                     <a:bodyPr/>
                     <a:lstStyle/>
                     <a:p>
-                      <a:pPr algn="r" fontAlgn="b"/>
+                      <a:pPr algn="ctr" fontAlgn="b"/>
                       <a:r>
                         <a:rPr lang="de-DE" sz="1800" b="1" u="none" strike="noStrike" dirty="0">
                           <a:effectLst/>
@@ -13636,7 +13667,7 @@
                     <a:bodyPr/>
                     <a:lstStyle/>
                     <a:p>
-                      <a:pPr algn="r" fontAlgn="b"/>
+                      <a:pPr algn="ctr" fontAlgn="b"/>
                       <a:r>
                         <a:rPr lang="de-DE" sz="1800" u="none" strike="noStrike" dirty="0">
                           <a:effectLst/>
@@ -13901,7 +13932,7 @@
           <p:nvPr>
             <p:extLst>
               <p:ext uri="{D42A27DB-BD31-4B8C-83A1-F6EECF244321}">
-                <p14:modId xmlns:p14="http://schemas.microsoft.com/office/powerpoint/2010/main" val="2072810063"/>
+                <p14:modId xmlns:p14="http://schemas.microsoft.com/office/powerpoint/2010/main" val="3788779735"/>
               </p:ext>
             </p:extLst>
           </p:nvPr>
@@ -14117,7 +14148,7 @@
                     <a:bodyPr/>
                     <a:lstStyle/>
                     <a:p>
-                      <a:pPr algn="l" fontAlgn="b"/>
+                      <a:pPr algn="r" fontAlgn="b"/>
                       <a:r>
                         <a:rPr lang="de-DE" sz="1800" b="0" i="0" u="none" strike="noStrike" dirty="0" err="1">
                           <a:solidFill>
@@ -14144,7 +14175,7 @@
                     <a:bodyPr/>
                     <a:lstStyle/>
                     <a:p>
-                      <a:pPr algn="r" fontAlgn="b"/>
+                      <a:pPr algn="ctr" fontAlgn="b"/>
                       <a:r>
                         <a:rPr lang="de-DE" sz="1800" b="1" i="0" u="none" strike="noStrike" dirty="0">
                           <a:solidFill>
@@ -14164,7 +14195,7 @@
                     <a:bodyPr/>
                     <a:lstStyle/>
                     <a:p>
-                      <a:pPr algn="r" fontAlgn="b"/>
+                      <a:pPr algn="ctr" fontAlgn="b"/>
                       <a:r>
                         <a:rPr lang="de-DE" sz="1800" b="0" i="0" u="none" strike="noStrike" dirty="0">
                           <a:solidFill>
@@ -14184,7 +14215,7 @@
                     <a:bodyPr/>
                     <a:lstStyle/>
                     <a:p>
-                      <a:pPr algn="r" fontAlgn="b"/>
+                      <a:pPr algn="ctr" fontAlgn="b"/>
                       <a:r>
                         <a:rPr lang="de-DE" sz="1800" b="1" i="0" u="none" strike="noStrike" dirty="0">
                           <a:solidFill>
@@ -14204,7 +14235,7 @@
                     <a:bodyPr/>
                     <a:lstStyle/>
                     <a:p>
-                      <a:pPr algn="r" fontAlgn="b"/>
+                      <a:pPr algn="ctr" fontAlgn="b"/>
                       <a:r>
                         <a:rPr lang="de-DE" sz="1800" b="1" i="0" u="none" strike="noStrike" dirty="0">
                           <a:solidFill>
@@ -14231,7 +14262,7 @@
                     <a:bodyPr/>
                     <a:lstStyle/>
                     <a:p>
-                      <a:pPr algn="l" fontAlgn="b"/>
+                      <a:pPr algn="r" fontAlgn="b"/>
                       <a:r>
                         <a:rPr lang="de-DE" sz="1800" b="0" i="0" u="none" strike="noStrike" dirty="0" err="1">
                           <a:solidFill>
@@ -14258,7 +14289,7 @@
                     <a:bodyPr/>
                     <a:lstStyle/>
                     <a:p>
-                      <a:pPr algn="r" fontAlgn="b"/>
+                      <a:pPr algn="ctr" fontAlgn="b"/>
                       <a:r>
                         <a:rPr lang="de-DE" sz="1800" b="1" i="0" u="none" strike="noStrike" dirty="0">
                           <a:solidFill>
@@ -14288,7 +14319,7 @@
                     <a:bodyPr/>
                     <a:lstStyle/>
                     <a:p>
-                      <a:pPr algn="r" fontAlgn="b"/>
+                      <a:pPr algn="ctr" fontAlgn="b"/>
                       <a:r>
                         <a:rPr lang="de-DE" sz="1800" b="0" i="0" u="none" strike="noStrike" dirty="0">
                           <a:solidFill>
@@ -14308,7 +14339,7 @@
                     <a:bodyPr/>
                     <a:lstStyle/>
                     <a:p>
-                      <a:pPr algn="r" fontAlgn="b"/>
+                      <a:pPr algn="ctr" fontAlgn="b"/>
                       <a:r>
                         <a:rPr lang="de-DE" sz="1800" b="0" i="0" u="none" strike="noStrike" dirty="0">
                           <a:solidFill>
@@ -14328,7 +14359,7 @@
                     <a:bodyPr/>
                     <a:lstStyle/>
                     <a:p>
-                      <a:pPr algn="r" fontAlgn="b"/>
+                      <a:pPr algn="ctr" fontAlgn="b"/>
                       <a:r>
                         <a:rPr lang="de-DE" sz="1800" b="0" i="0" u="none" strike="noStrike" dirty="0">
                           <a:solidFill>
@@ -14355,7 +14386,7 @@
                     <a:bodyPr/>
                     <a:lstStyle/>
                     <a:p>
-                      <a:pPr algn="l" fontAlgn="b"/>
+                      <a:pPr algn="r" fontAlgn="b"/>
                       <a:r>
                         <a:rPr lang="de-DE" sz="1800" b="0" i="0" u="none" strike="noStrike" dirty="0" err="1">
                           <a:solidFill>
@@ -14382,7 +14413,7 @@
                     <a:bodyPr/>
                     <a:lstStyle/>
                     <a:p>
-                      <a:pPr algn="r" fontAlgn="b"/>
+                      <a:pPr algn="ctr" fontAlgn="b"/>
                       <a:r>
                         <a:rPr lang="de-DE" sz="1800" b="1" i="0" u="none" strike="noStrike" dirty="0">
                           <a:solidFill>
@@ -14402,7 +14433,7 @@
                     <a:bodyPr/>
                     <a:lstStyle/>
                     <a:p>
-                      <a:pPr algn="r" fontAlgn="b"/>
+                      <a:pPr algn="ctr" fontAlgn="b"/>
                       <a:r>
                         <a:rPr lang="de-DE" sz="1800" b="1" i="0" u="none" strike="noStrike" dirty="0">
                           <a:solidFill>
@@ -14422,7 +14453,7 @@
                     <a:bodyPr/>
                     <a:lstStyle/>
                     <a:p>
-                      <a:pPr algn="r" fontAlgn="b"/>
+                      <a:pPr algn="ctr" fontAlgn="b"/>
                       <a:r>
                         <a:rPr lang="de-DE" sz="1800" b="0" i="0" u="none" strike="noStrike" dirty="0">
                           <a:solidFill>
@@ -14442,7 +14473,7 @@
                     <a:bodyPr/>
                     <a:lstStyle/>
                     <a:p>
-                      <a:pPr algn="r" fontAlgn="b"/>
+                      <a:pPr algn="ctr" fontAlgn="b"/>
                       <a:r>
                         <a:rPr lang="de-DE" sz="1800" b="0" i="0" u="none" strike="noStrike" dirty="0">
                           <a:solidFill>
@@ -14469,7 +14500,7 @@
                     <a:bodyPr/>
                     <a:lstStyle/>
                     <a:p>
-                      <a:pPr algn="l" fontAlgn="b"/>
+                      <a:pPr algn="r" fontAlgn="b"/>
                       <a:r>
                         <a:rPr lang="de-DE" sz="1800" b="0" i="0" u="none" strike="noStrike" dirty="0" err="1">
                           <a:solidFill>
@@ -14499,7 +14530,7 @@
                     <a:bodyPr/>
                     <a:lstStyle/>
                     <a:p>
-                      <a:pPr algn="r" fontAlgn="b"/>
+                      <a:pPr algn="ctr" fontAlgn="b"/>
                       <a:r>
                         <a:rPr lang="de-DE" sz="1800" b="1" i="0" u="none" strike="noStrike" dirty="0">
                           <a:solidFill>
@@ -14519,7 +14550,7 @@
                     <a:bodyPr/>
                     <a:lstStyle/>
                     <a:p>
-                      <a:pPr algn="r" fontAlgn="b"/>
+                      <a:pPr algn="ctr" fontAlgn="b"/>
                       <a:r>
                         <a:rPr lang="de-DE" sz="1800" b="0" i="0" u="none" strike="noStrike" dirty="0">
                           <a:solidFill>
@@ -14539,7 +14570,7 @@
                     <a:bodyPr/>
                     <a:lstStyle/>
                     <a:p>
-                      <a:pPr algn="r" fontAlgn="b"/>
+                      <a:pPr algn="ctr" fontAlgn="b"/>
                       <a:r>
                         <a:rPr lang="de-DE" sz="1800" b="1" i="0" u="none" strike="noStrike" dirty="0">
                           <a:solidFill>
@@ -14559,7 +14590,7 @@
                     <a:bodyPr/>
                     <a:lstStyle/>
                     <a:p>
-                      <a:pPr algn="r" fontAlgn="b"/>
+                      <a:pPr algn="ctr" fontAlgn="b"/>
                       <a:r>
                         <a:rPr lang="de-DE" sz="1800" b="1" i="0" u="none" strike="noStrike" dirty="0">
                           <a:solidFill>
@@ -14586,7 +14617,7 @@
                     <a:bodyPr/>
                     <a:lstStyle/>
                     <a:p>
-                      <a:pPr algn="l" fontAlgn="b"/>
+                      <a:pPr algn="r" fontAlgn="b"/>
                       <a:r>
                         <a:rPr lang="de-DE" sz="1800" b="0" i="0" u="none" strike="noStrike" dirty="0">
                           <a:solidFill>
@@ -14606,7 +14637,7 @@
                     <a:bodyPr/>
                     <a:lstStyle/>
                     <a:p>
-                      <a:pPr algn="r" fontAlgn="b"/>
+                      <a:pPr algn="ctr" fontAlgn="b"/>
                       <a:r>
                         <a:rPr lang="de-DE" sz="1800" b="0" i="0" u="none" strike="noStrike" dirty="0">
                           <a:solidFill>
@@ -14626,7 +14657,7 @@
                     <a:bodyPr/>
                     <a:lstStyle/>
                     <a:p>
-                      <a:pPr algn="r" fontAlgn="b"/>
+                      <a:pPr algn="ctr" fontAlgn="b"/>
                       <a:r>
                         <a:rPr lang="de-DE" sz="1800" b="0" i="0" u="none" strike="noStrike" dirty="0">
                           <a:solidFill>
@@ -14646,7 +14677,7 @@
                     <a:bodyPr/>
                     <a:lstStyle/>
                     <a:p>
-                      <a:pPr algn="r" fontAlgn="b"/>
+                      <a:pPr algn="ctr" fontAlgn="b"/>
                       <a:r>
                         <a:rPr lang="de-DE" sz="1800" b="0" i="0" u="none" strike="noStrike" dirty="0">
                           <a:solidFill>
@@ -14666,7 +14697,7 @@
                     <a:bodyPr/>
                     <a:lstStyle/>
                     <a:p>
-                      <a:pPr algn="r" fontAlgn="b"/>
+                      <a:pPr algn="ctr" fontAlgn="b"/>
                       <a:r>
                         <a:rPr lang="de-DE" sz="1800" b="0" i="0" u="none" strike="noStrike" dirty="0">
                           <a:solidFill>
@@ -14693,7 +14724,7 @@
                     <a:bodyPr/>
                     <a:lstStyle/>
                     <a:p>
-                      <a:pPr algn="l" fontAlgn="b"/>
+                      <a:pPr algn="r" fontAlgn="b"/>
                       <a:r>
                         <a:rPr lang="de-DE" sz="1800" b="0" u="none" strike="noStrike" dirty="0" err="1">
                           <a:effectLst/>
@@ -14722,7 +14753,7 @@
                     <a:bodyPr/>
                     <a:lstStyle/>
                     <a:p>
-                      <a:pPr algn="r" fontAlgn="b"/>
+                      <a:pPr algn="ctr" fontAlgn="b"/>
                       <a:r>
                         <a:rPr lang="de-DE" sz="1800" b="1" u="none" strike="noStrike" dirty="0">
                           <a:effectLst/>
@@ -14745,7 +14776,7 @@
                     <a:bodyPr/>
                     <a:lstStyle/>
                     <a:p>
-                      <a:pPr algn="r" fontAlgn="b"/>
+                      <a:pPr algn="ctr" fontAlgn="b"/>
                       <a:r>
                         <a:rPr lang="de-DE" sz="1800" b="0" i="0" u="none" strike="noStrike" dirty="0">
                           <a:solidFill>
@@ -14765,7 +14796,7 @@
                     <a:bodyPr/>
                     <a:lstStyle/>
                     <a:p>
-                      <a:pPr algn="r" fontAlgn="b"/>
+                      <a:pPr algn="ctr" fontAlgn="b"/>
                       <a:r>
                         <a:rPr lang="de-DE" sz="1800" b="0" u="none" strike="noStrike" dirty="0">
                           <a:effectLst/>
@@ -14788,7 +14819,7 @@
                     <a:bodyPr/>
                     <a:lstStyle/>
                     <a:p>
-                      <a:pPr algn="r" fontAlgn="b"/>
+                      <a:pPr algn="ctr" fontAlgn="b"/>
                       <a:r>
                         <a:rPr lang="de-DE" sz="1800" b="0" u="none" strike="noStrike" dirty="0">
                           <a:effectLst/>
@@ -14818,7 +14849,7 @@
                     <a:bodyPr/>
                     <a:lstStyle/>
                     <a:p>
-                      <a:pPr algn="l" fontAlgn="b"/>
+                      <a:pPr algn="r" fontAlgn="b"/>
                       <a:r>
                         <a:rPr lang="de-DE" sz="1800" b="0" i="0" u="none" strike="noStrike" dirty="0" err="1">
                           <a:solidFill>
@@ -14848,7 +14879,7 @@
                     <a:bodyPr/>
                     <a:lstStyle/>
                     <a:p>
-                      <a:pPr algn="r" fontAlgn="b"/>
+                      <a:pPr algn="ctr" fontAlgn="b"/>
                       <a:r>
                         <a:rPr lang="de-DE" sz="1800" b="0" i="0" u="none" strike="noStrike" dirty="0">
                           <a:solidFill>
@@ -14868,7 +14899,7 @@
                     <a:bodyPr/>
                     <a:lstStyle/>
                     <a:p>
-                      <a:pPr algn="r" fontAlgn="b"/>
+                      <a:pPr algn="ctr" fontAlgn="b"/>
                       <a:r>
                         <a:rPr lang="de-DE" sz="1800" b="0" i="0" u="none" strike="noStrike" dirty="0">
                           <a:solidFill>
@@ -14888,7 +14919,7 @@
                     <a:bodyPr/>
                     <a:lstStyle/>
                     <a:p>
-                      <a:pPr algn="r" fontAlgn="b"/>
+                      <a:pPr algn="ctr" fontAlgn="b"/>
                       <a:r>
                         <a:rPr lang="de-DE" sz="1800" b="0" i="0" u="none" strike="noStrike" dirty="0">
                           <a:solidFill>
@@ -14908,7 +14939,7 @@
                     <a:bodyPr/>
                     <a:lstStyle/>
                     <a:p>
-                      <a:pPr algn="r" fontAlgn="b"/>
+                      <a:pPr algn="ctr" fontAlgn="b"/>
                       <a:r>
                         <a:rPr lang="de-DE" sz="1800" b="0" i="0" u="none" strike="noStrike" dirty="0">
                           <a:solidFill>
@@ -14935,7 +14966,7 @@
                     <a:bodyPr/>
                     <a:lstStyle/>
                     <a:p>
-                      <a:pPr algn="l" fontAlgn="b"/>
+                      <a:pPr algn="r" fontAlgn="b"/>
                       <a:r>
                         <a:rPr lang="de-DE" sz="1800" b="0" i="0" u="none" strike="noStrike" dirty="0" err="1">
                           <a:solidFill>
@@ -14985,7 +15016,7 @@
                     <a:bodyPr/>
                     <a:lstStyle/>
                     <a:p>
-                      <a:pPr algn="r" fontAlgn="b"/>
+                      <a:pPr algn="ctr" fontAlgn="b"/>
                       <a:r>
                         <a:rPr lang="de-DE" sz="1800" b="0" i="0" u="none" strike="noStrike" dirty="0">
                           <a:solidFill>
@@ -15005,7 +15036,7 @@
                     <a:bodyPr/>
                     <a:lstStyle/>
                     <a:p>
-                      <a:pPr algn="r" fontAlgn="b"/>
+                      <a:pPr algn="ctr" fontAlgn="b"/>
                       <a:r>
                         <a:rPr lang="de-DE" sz="1800" b="0" i="0" u="none" strike="noStrike" dirty="0">
                           <a:solidFill>
@@ -15025,7 +15056,7 @@
                     <a:bodyPr/>
                     <a:lstStyle/>
                     <a:p>
-                      <a:pPr algn="r" fontAlgn="b"/>
+                      <a:pPr algn="ctr" fontAlgn="b"/>
                       <a:r>
                         <a:rPr lang="de-DE" sz="1800" b="0" i="0" u="none" strike="noStrike" dirty="0">
                           <a:solidFill>
@@ -15045,7 +15076,7 @@
                     <a:bodyPr/>
                     <a:lstStyle/>
                     <a:p>
-                      <a:pPr algn="r" fontAlgn="b"/>
+                      <a:pPr algn="ctr" fontAlgn="b"/>
                       <a:r>
                         <a:rPr lang="de-DE" sz="1800" b="0" i="0" u="none" strike="noStrike" dirty="0">
                           <a:solidFill>
@@ -15072,7 +15103,7 @@
                     <a:bodyPr/>
                     <a:lstStyle/>
                     <a:p>
-                      <a:pPr algn="l" fontAlgn="b"/>
+                      <a:pPr algn="r" fontAlgn="b"/>
                       <a:r>
                         <a:rPr lang="de-DE" sz="1800" b="0" i="0" u="none" strike="noStrike" dirty="0" err="1">
                           <a:solidFill>
@@ -15099,7 +15130,7 @@
                     <a:bodyPr/>
                     <a:lstStyle/>
                     <a:p>
-                      <a:pPr algn="r" fontAlgn="b"/>
+                      <a:pPr algn="ctr" fontAlgn="b"/>
                       <a:r>
                         <a:rPr lang="de-DE" sz="1800" b="0" i="0" u="none" strike="noStrike" dirty="0">
                           <a:solidFill>
@@ -15119,7 +15150,7 @@
                     <a:bodyPr/>
                     <a:lstStyle/>
                     <a:p>
-                      <a:pPr marL="0" marR="0" lvl="0" indent="0" algn="r" defTabSz="914400" rtl="0" eaLnBrk="1" fontAlgn="auto" latinLnBrk="0" hangingPunct="1">
+                      <a:pPr marL="0" marR="0" lvl="0" indent="0" algn="ctr" defTabSz="914400" rtl="0" eaLnBrk="1" fontAlgn="auto" latinLnBrk="0" hangingPunct="1">
                         <a:lnSpc>
                           <a:spcPct val="100000"/>
                         </a:lnSpc>
@@ -15155,7 +15186,7 @@
                     <a:bodyPr/>
                     <a:lstStyle/>
                     <a:p>
-                      <a:pPr algn="r" fontAlgn="b"/>
+                      <a:pPr algn="ctr" fontAlgn="b"/>
                       <a:r>
                         <a:rPr lang="de-DE" sz="1800" b="0" i="0" u="none" strike="noStrike" dirty="0">
                           <a:solidFill>
@@ -15175,7 +15206,7 @@
                     <a:bodyPr/>
                     <a:lstStyle/>
                     <a:p>
-                      <a:pPr algn="r" fontAlgn="b"/>
+                      <a:pPr algn="ctr" fontAlgn="b"/>
                       <a:r>
                         <a:rPr lang="de-DE" sz="1800" b="0" i="0" u="none" strike="noStrike" dirty="0">
                           <a:solidFill>
@@ -15202,7 +15233,7 @@
                     <a:bodyPr/>
                     <a:lstStyle/>
                     <a:p>
-                      <a:pPr algn="l" fontAlgn="b"/>
+                      <a:pPr algn="r" fontAlgn="b"/>
                       <a:r>
                         <a:rPr lang="de-DE" sz="1800" b="0" i="0" u="none" strike="noStrike" dirty="0">
                           <a:solidFill>
@@ -15222,7 +15253,7 @@
                     <a:bodyPr/>
                     <a:lstStyle/>
                     <a:p>
-                      <a:pPr algn="r" fontAlgn="b"/>
+                      <a:pPr algn="ctr" fontAlgn="b"/>
                       <a:r>
                         <a:rPr lang="de-DE" sz="1800" b="0" i="0" u="none" strike="noStrike" dirty="0">
                           <a:solidFill>
@@ -15242,7 +15273,7 @@
                     <a:bodyPr/>
                     <a:lstStyle/>
                     <a:p>
-                      <a:pPr algn="r"/>
+                      <a:pPr algn="ctr"/>
                       <a:r>
                         <a:rPr lang="de-DE" dirty="0"/>
                         <a:t>0.036716</a:t>
@@ -15257,7 +15288,7 @@
                     <a:bodyPr/>
                     <a:lstStyle/>
                     <a:p>
-                      <a:pPr algn="r" fontAlgn="b"/>
+                      <a:pPr algn="ctr" fontAlgn="b"/>
                       <a:r>
                         <a:rPr lang="de-DE" sz="1800" b="0" i="0" u="none" strike="noStrike" dirty="0">
                           <a:solidFill>
@@ -15277,7 +15308,7 @@
                     <a:bodyPr/>
                     <a:lstStyle/>
                     <a:p>
-                      <a:pPr algn="r" fontAlgn="b"/>
+                      <a:pPr algn="ctr" fontAlgn="b"/>
                       <a:r>
                         <a:rPr lang="de-DE" sz="1800" b="0" i="0" u="none" strike="noStrike" dirty="0">
                           <a:solidFill>
@@ -15304,7 +15335,7 @@
                     <a:bodyPr/>
                     <a:lstStyle/>
                     <a:p>
-                      <a:pPr algn="l" fontAlgn="b"/>
+                      <a:pPr algn="r" fontAlgn="b"/>
                       <a:r>
                         <a:rPr lang="de-DE" sz="1800" b="0" i="0" u="none" strike="noStrike" dirty="0">
                           <a:solidFill>
@@ -15324,7 +15355,7 @@
                     <a:bodyPr/>
                     <a:lstStyle/>
                     <a:p>
-                      <a:pPr algn="r" fontAlgn="b"/>
+                      <a:pPr algn="ctr" fontAlgn="b"/>
                       <a:r>
                         <a:rPr lang="de-DE" sz="1800" b="0" i="0" u="none" strike="noStrike" dirty="0">
                           <a:solidFill>
@@ -15344,7 +15375,7 @@
                     <a:bodyPr/>
                     <a:lstStyle/>
                     <a:p>
-                      <a:pPr algn="r" fontAlgn="b"/>
+                      <a:pPr algn="ctr" fontAlgn="b"/>
                       <a:r>
                         <a:rPr lang="de-DE" sz="1800" b="0" i="0" u="none" strike="noStrike" dirty="0">
                           <a:solidFill>
@@ -15364,7 +15395,7 @@
                     <a:bodyPr/>
                     <a:lstStyle/>
                     <a:p>
-                      <a:pPr algn="r" fontAlgn="b"/>
+                      <a:pPr algn="ctr" fontAlgn="b"/>
                       <a:r>
                         <a:rPr lang="de-DE" sz="1800" b="0" i="0" u="none" strike="noStrike" dirty="0">
                           <a:solidFill>
@@ -15384,7 +15415,7 @@
                     <a:bodyPr/>
                     <a:lstStyle/>
                     <a:p>
-                      <a:pPr algn="r" fontAlgn="b"/>
+                      <a:pPr algn="ctr" fontAlgn="b"/>
                       <a:r>
                         <a:rPr lang="de-DE" sz="1800" b="0" i="0" u="none" strike="noStrike" dirty="0">
                           <a:solidFill>
@@ -15411,7 +15442,7 @@
                     <a:bodyPr/>
                     <a:lstStyle/>
                     <a:p>
-                      <a:pPr algn="l" fontAlgn="b"/>
+                      <a:pPr algn="r" fontAlgn="b"/>
                       <a:r>
                         <a:rPr lang="de-DE" sz="1800" b="0" i="0" u="none" strike="noStrike" dirty="0">
                           <a:solidFill>
@@ -15431,7 +15462,7 @@
                     <a:bodyPr/>
                     <a:lstStyle/>
                     <a:p>
-                      <a:pPr algn="r" fontAlgn="b"/>
+                      <a:pPr algn="ctr" fontAlgn="b"/>
                       <a:r>
                         <a:rPr lang="de-DE" sz="1800" b="0" i="0" u="none" strike="noStrike" dirty="0">
                           <a:solidFill>
@@ -15451,7 +15482,7 @@
                     <a:bodyPr/>
                     <a:lstStyle/>
                     <a:p>
-                      <a:pPr algn="r" fontAlgn="b"/>
+                      <a:pPr algn="ctr" fontAlgn="b"/>
                       <a:r>
                         <a:rPr lang="de-DE" sz="1800" b="0" i="0" u="none" strike="noStrike" dirty="0">
                           <a:solidFill>
@@ -15471,7 +15502,7 @@
                     <a:bodyPr/>
                     <a:lstStyle/>
                     <a:p>
-                      <a:pPr algn="r" fontAlgn="b"/>
+                      <a:pPr algn="ctr" fontAlgn="b"/>
                       <a:r>
                         <a:rPr lang="de-DE" sz="1800" b="1" i="0" u="none" strike="noStrike" dirty="0">
                           <a:solidFill>
@@ -15491,7 +15522,7 @@
                     <a:bodyPr/>
                     <a:lstStyle/>
                     <a:p>
-                      <a:pPr algn="r" fontAlgn="b"/>
+                      <a:pPr algn="ctr" fontAlgn="b"/>
                       <a:r>
                         <a:rPr lang="de-DE" sz="1800" b="1" i="0" u="none" strike="noStrike" dirty="0">
                           <a:solidFill>
@@ -15518,7 +15549,7 @@
                     <a:bodyPr/>
                     <a:lstStyle/>
                     <a:p>
-                      <a:pPr algn="l" fontAlgn="b"/>
+                      <a:pPr algn="r" fontAlgn="b"/>
                       <a:r>
                         <a:rPr lang="de-DE" sz="1800" b="0" i="0" u="none" strike="noStrike" dirty="0" err="1">
                           <a:solidFill>
@@ -15565,7 +15596,7 @@
                     <a:bodyPr/>
                     <a:lstStyle/>
                     <a:p>
-                      <a:pPr algn="r" fontAlgn="b"/>
+                      <a:pPr algn="ctr" fontAlgn="b"/>
                       <a:r>
                         <a:rPr lang="de-DE" sz="1800" b="0" i="0" u="none" strike="noStrike" dirty="0">
                           <a:solidFill>
@@ -15585,7 +15616,7 @@
                     <a:bodyPr/>
                     <a:lstStyle/>
                     <a:p>
-                      <a:pPr algn="r" fontAlgn="b"/>
+                      <a:pPr algn="ctr" fontAlgn="b"/>
                       <a:r>
                         <a:rPr lang="de-DE" sz="1800" b="0" i="0" u="none" strike="noStrike" dirty="0">
                           <a:solidFill>
@@ -15605,7 +15636,7 @@
                     <a:bodyPr/>
                     <a:lstStyle/>
                     <a:p>
-                      <a:pPr algn="r" fontAlgn="b"/>
+                      <a:pPr algn="ctr" fontAlgn="b"/>
                       <a:r>
                         <a:rPr lang="de-DE" sz="1800" b="0" i="0" u="none" strike="noStrike" dirty="0">
                           <a:solidFill>
@@ -15625,7 +15656,7 @@
                     <a:bodyPr/>
                     <a:lstStyle/>
                     <a:p>
-                      <a:pPr algn="r" fontAlgn="b"/>
+                      <a:pPr algn="ctr" fontAlgn="b"/>
                       <a:r>
                         <a:rPr lang="de-DE" sz="1800" b="0" i="0" u="none" strike="noStrike" dirty="0">
                           <a:solidFill>
@@ -15652,7 +15683,7 @@
                     <a:bodyPr/>
                     <a:lstStyle/>
                     <a:p>
-                      <a:pPr algn="l" fontAlgn="b"/>
+                      <a:pPr algn="r" fontAlgn="b"/>
                       <a:r>
                         <a:rPr lang="de-DE" sz="1800" b="0" i="0" u="none" strike="noStrike" dirty="0">
                           <a:solidFill>
@@ -15672,7 +15703,7 @@
                     <a:bodyPr/>
                     <a:lstStyle/>
                     <a:p>
-                      <a:pPr algn="r" fontAlgn="b"/>
+                      <a:pPr algn="ctr" fontAlgn="b"/>
                       <a:r>
                         <a:rPr lang="de-DE" sz="1800" b="0" i="0" u="none" strike="noStrike" dirty="0">
                           <a:solidFill>
@@ -15692,7 +15723,7 @@
                     <a:bodyPr/>
                     <a:lstStyle/>
                     <a:p>
-                      <a:pPr algn="r" fontAlgn="b"/>
+                      <a:pPr algn="ctr" fontAlgn="b"/>
                       <a:r>
                         <a:rPr lang="de-DE" sz="1800" b="0" i="0" u="none" strike="noStrike" dirty="0">
                           <a:solidFill>
@@ -15712,7 +15743,7 @@
                     <a:bodyPr/>
                     <a:lstStyle/>
                     <a:p>
-                      <a:pPr algn="r" fontAlgn="b"/>
+                      <a:pPr algn="ctr" fontAlgn="b"/>
                       <a:r>
                         <a:rPr lang="de-DE" sz="1800" b="0" i="0" u="none" strike="noStrike" dirty="0">
                           <a:solidFill>
@@ -15732,7 +15763,7 @@
                     <a:bodyPr/>
                     <a:lstStyle/>
                     <a:p>
-                      <a:pPr algn="r" fontAlgn="b"/>
+                      <a:pPr algn="ctr" fontAlgn="b"/>
                       <a:r>
                         <a:rPr lang="de-DE" sz="1800" b="1" i="0" u="none" strike="noStrike" dirty="0">
                           <a:solidFill>
@@ -15759,7 +15790,7 @@
                     <a:bodyPr/>
                     <a:lstStyle/>
                     <a:p>
-                      <a:pPr algn="l" fontAlgn="b"/>
+                      <a:pPr algn="r" fontAlgn="b"/>
                       <a:r>
                         <a:rPr lang="de-DE" sz="1800" b="0" i="0" u="none" strike="noStrike" dirty="0">
                           <a:solidFill>
@@ -15779,7 +15810,7 @@
                     <a:bodyPr/>
                     <a:lstStyle/>
                     <a:p>
-                      <a:pPr algn="r" fontAlgn="b"/>
+                      <a:pPr algn="ctr" fontAlgn="b"/>
                       <a:r>
                         <a:rPr lang="de-DE" sz="1800" b="0" i="0" u="none" strike="noStrike" dirty="0">
                           <a:solidFill>
@@ -15799,7 +15830,7 @@
                     <a:bodyPr/>
                     <a:lstStyle/>
                     <a:p>
-                      <a:pPr algn="r" fontAlgn="b"/>
+                      <a:pPr algn="ctr" fontAlgn="b"/>
                       <a:r>
                         <a:rPr lang="de-DE" sz="1800" b="0" i="0" u="none" strike="noStrike" dirty="0">
                           <a:solidFill>
@@ -15819,7 +15850,7 @@
                     <a:bodyPr/>
                     <a:lstStyle/>
                     <a:p>
-                      <a:pPr algn="r" fontAlgn="b"/>
+                      <a:pPr algn="ctr" fontAlgn="b"/>
                       <a:r>
                         <a:rPr lang="de-DE" sz="1800" b="0" i="0" u="none" strike="noStrike" dirty="0">
                           <a:solidFill>
@@ -15839,7 +15870,7 @@
                     <a:bodyPr/>
                     <a:lstStyle/>
                     <a:p>
-                      <a:pPr algn="r" fontAlgn="b"/>
+                      <a:pPr algn="ctr" fontAlgn="b"/>
                       <a:r>
                         <a:rPr lang="de-DE" sz="1800" b="0" i="0" u="none" strike="noStrike" dirty="0">
                           <a:solidFill>
@@ -15866,7 +15897,7 @@
                     <a:bodyPr/>
                     <a:lstStyle/>
                     <a:p>
-                      <a:pPr algn="l" fontAlgn="b"/>
+                      <a:pPr algn="r" fontAlgn="b"/>
                       <a:r>
                         <a:rPr lang="de-DE" sz="1800" b="0" i="0" u="none" strike="noStrike" dirty="0">
                           <a:solidFill>
@@ -15886,7 +15917,7 @@
                     <a:bodyPr/>
                     <a:lstStyle/>
                     <a:p>
-                      <a:pPr algn="r" fontAlgn="b"/>
+                      <a:pPr algn="ctr" fontAlgn="b"/>
                       <a:r>
                         <a:rPr lang="de-DE" sz="1800" b="1" i="0" u="none" strike="noStrike" dirty="0">
                           <a:solidFill>
@@ -15906,7 +15937,7 @@
                     <a:bodyPr/>
                     <a:lstStyle/>
                     <a:p>
-                      <a:pPr algn="r" fontAlgn="b"/>
+                      <a:pPr algn="ctr" fontAlgn="b"/>
                       <a:r>
                         <a:rPr lang="de-DE" sz="1800" b="1" i="0" u="none" strike="noStrike" dirty="0">
                           <a:solidFill>
@@ -15926,7 +15957,7 @@
                     <a:bodyPr/>
                     <a:lstStyle/>
                     <a:p>
-                      <a:pPr algn="r" fontAlgn="b"/>
+                      <a:pPr algn="ctr" fontAlgn="b"/>
                       <a:r>
                         <a:rPr lang="de-DE" sz="1800" b="1" i="0" u="none" strike="noStrike" dirty="0">
                           <a:solidFill>
@@ -15946,7 +15977,7 @@
                     <a:bodyPr/>
                     <a:lstStyle/>
                     <a:p>
-                      <a:pPr algn="r" fontAlgn="b"/>
+                      <a:pPr algn="ctr" fontAlgn="b"/>
                       <a:r>
                         <a:rPr lang="de-DE" sz="1800" b="1" i="0" u="none" strike="noStrike" dirty="0">
                           <a:solidFill>

--- a/docs/presentation/presentation-slides.pptx
+++ b/docs/presentation/presentation-slides.pptx
@@ -208,7 +208,7 @@
           <a:p>
             <a:fld id="{D5B81DCA-8EFA-9040-A992-3CA62376E45B}" type="datetimeFigureOut">
               <a:rPr lang="de-DE" smtClean="0"/>
-              <a:t>21.02.2021</a:t>
+              <a:t>25.02.2021</a:t>
             </a:fld>
             <a:endParaRPr lang="de-DE"/>
           </a:p>
@@ -2748,7 +2748,7 @@
           <a:p>
             <a:fld id="{D488AB66-6178-4B4B-B4A1-A9BBA3A73FBE}" type="datetime1">
               <a:rPr lang="de-DE" smtClean="0"/>
-              <a:t>21.02.2021</a:t>
+              <a:t>25.02.2021</a:t>
             </a:fld>
             <a:endParaRPr lang="en-US" dirty="0"/>
           </a:p>
@@ -3169,7 +3169,7 @@
           <a:p>
             <a:fld id="{EC46F97E-F884-9449-8EE4-BF17CB7B5CC3}" type="datetime1">
               <a:rPr lang="de-DE" smtClean="0"/>
-              <a:t>21.02.2021</a:t>
+              <a:t>25.02.2021</a:t>
             </a:fld>
             <a:endParaRPr lang="en-US" dirty="0"/>
           </a:p>
@@ -3358,7 +3358,7 @@
           <a:p>
             <a:fld id="{C48ADE8B-04F7-854D-8653-940F9518EDD0}" type="datetime1">
               <a:rPr lang="de-DE" smtClean="0"/>
-              <a:t>21.02.2021</a:t>
+              <a:t>25.02.2021</a:t>
             </a:fld>
             <a:endParaRPr lang="en-US" dirty="0"/>
           </a:p>
@@ -3537,7 +3537,7 @@
           <a:p>
             <a:fld id="{0ACA12E0-01A8-4842-BBE6-D39ABA4EB90B}" type="datetime1">
               <a:rPr lang="de-DE" smtClean="0"/>
-              <a:t>21.02.2021</a:t>
+              <a:t>25.02.2021</a:t>
             </a:fld>
             <a:endParaRPr lang="en-US" dirty="0"/>
           </a:p>
@@ -3823,7 +3823,7 @@
           <a:p>
             <a:fld id="{07FF50AF-D49A-584E-B5AE-827BE0D221FB}" type="datetime1">
               <a:rPr lang="de-DE" smtClean="0"/>
-              <a:t>21.02.2021</a:t>
+              <a:t>25.02.2021</a:t>
             </a:fld>
             <a:endParaRPr lang="en-US" dirty="0"/>
           </a:p>
@@ -4381,7 +4381,7 @@
           <a:p>
             <a:fld id="{713CCDCE-0717-5A43-A01C-2EA4506DE5C6}" type="datetime1">
               <a:rPr lang="de-DE" smtClean="0"/>
-              <a:t>21.02.2021</a:t>
+              <a:t>25.02.2021</a:t>
             </a:fld>
             <a:endParaRPr lang="en-US" dirty="0"/>
           </a:p>
@@ -4867,7 +4867,7 @@
           <a:p>
             <a:fld id="{5733B3DE-E0FB-8F44-BD2F-68324A8F11C6}" type="datetime1">
               <a:rPr lang="de-DE" smtClean="0"/>
-              <a:t>21.02.2021</a:t>
+              <a:t>25.02.2021</a:t>
             </a:fld>
             <a:endParaRPr lang="en-US" dirty="0"/>
           </a:p>
@@ -4994,7 +4994,7 @@
           <a:p>
             <a:fld id="{9ADD3303-AA3C-7341-8517-C8636C37D4FA}" type="datetime1">
               <a:rPr lang="de-DE" smtClean="0"/>
-              <a:t>21.02.2021</a:t>
+              <a:t>25.02.2021</a:t>
             </a:fld>
             <a:endParaRPr lang="en-US" dirty="0"/>
           </a:p>
@@ -5098,7 +5098,7 @@
           <a:p>
             <a:fld id="{C9734B3E-6FF6-7A42-AC69-2676710215D6}" type="datetime1">
               <a:rPr lang="de-DE" smtClean="0"/>
-              <a:t>21.02.2021</a:t>
+              <a:t>25.02.2021</a:t>
             </a:fld>
             <a:endParaRPr lang="en-US" dirty="0"/>
           </a:p>
@@ -5453,7 +5453,7 @@
           <a:p>
             <a:fld id="{2B34E085-B1D3-F44D-ABCC-64DA2DFFC196}" type="datetime1">
               <a:rPr lang="de-DE" smtClean="0"/>
-              <a:t>21.02.2021</a:t>
+              <a:t>25.02.2021</a:t>
             </a:fld>
             <a:endParaRPr lang="en-US" dirty="0"/>
           </a:p>
@@ -6023,7 +6023,7 @@
           <a:p>
             <a:fld id="{F016F192-42BB-174D-ADAF-784A44DC8B52}" type="datetime1">
               <a:rPr lang="de-DE" smtClean="0"/>
-              <a:t>21.02.2021</a:t>
+              <a:t>25.02.2021</a:t>
             </a:fld>
             <a:endParaRPr lang="en-US" dirty="0"/>
           </a:p>
@@ -6483,7 +6483,7 @@
           <a:p>
             <a:fld id="{AF569060-CBB1-D14D-94C2-8529DD4DDF0D}" type="datetime1">
               <a:rPr lang="de-DE" smtClean="0"/>
-              <a:t>21.02.2021</a:t>
+              <a:t>25.02.2021</a:t>
             </a:fld>
             <a:endParaRPr lang="en-US" dirty="0"/>
           </a:p>
